--- a/lectures3/Pythonlearn-10-Tuples.pptx
+++ b/lectures3/Pythonlearn-10-Tuples.pptx
@@ -591,8 +591,8 @@
         </p:nvSpPr>
         <p:spPr>
           <a:xfrm>
-            <a:off x="1143225" y="685800"/>
-            <a:ext cx="4572225" cy="3429000"/>
+            <a:off x="381000" y="685800"/>
+            <a:ext cx="6096000" cy="3429000"/>
           </a:xfrm>
           <a:custGeom>
             <a:avLst/>
@@ -713,8 +713,8 @@
         </p:nvSpPr>
         <p:spPr>
           <a:xfrm>
-            <a:off x="1143225" y="685800"/>
-            <a:ext cx="4572225" cy="3429000"/>
+            <a:off x="381000" y="685800"/>
+            <a:ext cx="6096000" cy="3429000"/>
           </a:xfrm>
           <a:custGeom>
             <a:avLst/>
@@ -835,8 +835,8 @@
         </p:nvSpPr>
         <p:spPr>
           <a:xfrm>
-            <a:off x="1143225" y="685800"/>
-            <a:ext cx="4572225" cy="3429000"/>
+            <a:off x="381000" y="685800"/>
+            <a:ext cx="6096000" cy="3429000"/>
           </a:xfrm>
           <a:custGeom>
             <a:avLst/>
@@ -957,8 +957,8 @@
         </p:nvSpPr>
         <p:spPr>
           <a:xfrm>
-            <a:off x="1143225" y="685800"/>
-            <a:ext cx="4572225" cy="3429000"/>
+            <a:off x="381000" y="685800"/>
+            <a:ext cx="6096000" cy="3429000"/>
           </a:xfrm>
           <a:custGeom>
             <a:avLst/>
@@ -1079,8 +1079,8 @@
         </p:nvSpPr>
         <p:spPr>
           <a:xfrm>
-            <a:off x="1143225" y="685800"/>
-            <a:ext cx="4572225" cy="3429000"/>
+            <a:off x="381000" y="685800"/>
+            <a:ext cx="6096000" cy="3429000"/>
           </a:xfrm>
           <a:custGeom>
             <a:avLst/>
@@ -1201,8 +1201,8 @@
         </p:nvSpPr>
         <p:spPr>
           <a:xfrm>
-            <a:off x="1143225" y="685800"/>
-            <a:ext cx="4572225" cy="3429000"/>
+            <a:off x="381000" y="685800"/>
+            <a:ext cx="6096000" cy="3429000"/>
           </a:xfrm>
           <a:custGeom>
             <a:avLst/>
@@ -1323,8 +1323,8 @@
         </p:nvSpPr>
         <p:spPr>
           <a:xfrm>
-            <a:off x="1143225" y="685800"/>
-            <a:ext cx="4572225" cy="3429000"/>
+            <a:off x="381000" y="685800"/>
+            <a:ext cx="6096000" cy="3429000"/>
           </a:xfrm>
           <a:custGeom>
             <a:avLst/>
@@ -1567,8 +1567,8 @@
         </p:nvSpPr>
         <p:spPr>
           <a:xfrm>
-            <a:off x="1143225" y="685800"/>
-            <a:ext cx="4572225" cy="3429000"/>
+            <a:off x="381000" y="685800"/>
+            <a:ext cx="6096000" cy="3429000"/>
           </a:xfrm>
           <a:custGeom>
             <a:avLst/>
@@ -1689,8 +1689,8 @@
         </p:nvSpPr>
         <p:spPr>
           <a:xfrm>
-            <a:off x="1143225" y="685800"/>
-            <a:ext cx="4572225" cy="3429000"/>
+            <a:off x="381000" y="685800"/>
+            <a:ext cx="6096000" cy="3429000"/>
           </a:xfrm>
           <a:custGeom>
             <a:avLst/>
@@ -1811,8 +1811,8 @@
         </p:nvSpPr>
         <p:spPr>
           <a:xfrm>
-            <a:off x="1143225" y="685800"/>
-            <a:ext cx="4572225" cy="3429000"/>
+            <a:off x="381000" y="685800"/>
+            <a:ext cx="6096000" cy="3429000"/>
           </a:xfrm>
           <a:custGeom>
             <a:avLst/>
@@ -1933,8 +1933,8 @@
         </p:nvSpPr>
         <p:spPr>
           <a:xfrm>
-            <a:off x="1143225" y="685800"/>
-            <a:ext cx="4572225" cy="3429000"/>
+            <a:off x="381000" y="685800"/>
+            <a:ext cx="6096000" cy="3429000"/>
           </a:xfrm>
           <a:custGeom>
             <a:avLst/>
@@ -2055,8 +2055,8 @@
         </p:nvSpPr>
         <p:spPr>
           <a:xfrm>
-            <a:off x="1143225" y="685800"/>
-            <a:ext cx="4572225" cy="3429000"/>
+            <a:off x="381000" y="685800"/>
+            <a:ext cx="6096000" cy="3429000"/>
           </a:xfrm>
           <a:custGeom>
             <a:avLst/>
@@ -2177,8 +2177,8 @@
         </p:nvSpPr>
         <p:spPr>
           <a:xfrm>
-            <a:off x="1143225" y="685800"/>
-            <a:ext cx="4572225" cy="3429000"/>
+            <a:off x="381000" y="685800"/>
+            <a:ext cx="6096000" cy="3429000"/>
           </a:xfrm>
           <a:custGeom>
             <a:avLst/>
@@ -2299,8 +2299,8 @@
         </p:nvSpPr>
         <p:spPr>
           <a:xfrm>
-            <a:off x="1143225" y="685800"/>
-            <a:ext cx="4572225" cy="3429000"/>
+            <a:off x="381000" y="685800"/>
+            <a:ext cx="6096000" cy="3429000"/>
           </a:xfrm>
           <a:custGeom>
             <a:avLst/>
@@ -2421,8 +2421,8 @@
         </p:nvSpPr>
         <p:spPr>
           <a:xfrm>
-            <a:off x="1143225" y="685800"/>
-            <a:ext cx="4572225" cy="3429000"/>
+            <a:off x="381000" y="685800"/>
+            <a:ext cx="6096000" cy="3429000"/>
           </a:xfrm>
           <a:custGeom>
             <a:avLst/>
@@ -27424,13 +27424,13 @@
               <a:buNone/>
             </a:pPr>
             <a:r>
-              <a:rPr lang="en-US" sz="7600" b="0" i="0" u="none" strike="noStrike" cap="none">
+              <a:rPr lang="en-US" sz="7600" u="none" strike="noStrike" cap="none">
                 <a:solidFill>
                   <a:srgbClr val="FFFF00"/>
                 </a:solidFill>
-                <a:latin typeface="Cabin"/>
-                <a:ea typeface="Cabin"/>
-                <a:cs typeface="Cabin"/>
+                <a:latin typeface="Arial" charset="0"/>
+                <a:ea typeface="Arial" charset="0"/>
+                <a:cs typeface="Arial" charset="0"/>
                 <a:sym typeface="Cabin"/>
               </a:rPr>
               <a:t>Tuples</a:t>
@@ -27485,13 +27485,13 @@
               <a:buNone/>
             </a:pPr>
             <a:r>
-              <a:rPr lang="en-US" sz="4800" b="0" i="0" u="none" strike="noStrike" cap="none">
+              <a:rPr lang="en-US" sz="4800" u="none" strike="noStrike" cap="none">
                 <a:solidFill>
                   <a:schemeClr val="lt1"/>
                 </a:solidFill>
-                <a:latin typeface="Cabin"/>
-                <a:ea typeface="Cabin"/>
-                <a:cs typeface="Cabin"/>
+                <a:latin typeface="Arial" charset="0"/>
+                <a:ea typeface="Arial" charset="0"/>
+                <a:cs typeface="Arial" charset="0"/>
                 <a:sym typeface="Cabin"/>
               </a:rPr>
               <a:t>Chapter 10</a:t>
@@ -27542,13 +27542,13 @@
               <a:buNone/>
             </a:pPr>
             <a:r>
-              <a:rPr lang="en-US" sz="3200" b="0" i="0" u="none" strike="noStrike" cap="none">
+              <a:rPr lang="en-US" sz="3200" u="none" strike="noStrike" cap="none">
                 <a:solidFill>
                   <a:srgbClr val="FFFF00"/>
                 </a:solidFill>
-                <a:latin typeface="Cabin"/>
-                <a:ea typeface="Cabin"/>
-                <a:cs typeface="Cabin"/>
+                <a:latin typeface="Arial" charset="0"/>
+                <a:ea typeface="Arial" charset="0"/>
+                <a:cs typeface="Arial" charset="0"/>
                 <a:sym typeface="Cabin"/>
               </a:rPr>
               <a:t>Python for Informatics: Exploring Information</a:t>
@@ -27573,13 +27573,13 @@
               <a:buNone/>
             </a:pPr>
             <a:r>
-              <a:rPr lang="en-US" sz="3200" b="0" i="0" u="sng" strike="noStrike" cap="none">
+              <a:rPr lang="en-US" sz="3200" u="sng" strike="noStrike" cap="none">
                 <a:solidFill>
                   <a:schemeClr val="hlink"/>
                 </a:solidFill>
-                <a:latin typeface="Cabin"/>
-                <a:ea typeface="Cabin"/>
-                <a:cs typeface="Cabin"/>
+                <a:latin typeface="Arial" charset="0"/>
+                <a:ea typeface="Arial" charset="0"/>
+                <a:cs typeface="Arial" charset="0"/>
                 <a:sym typeface="Cabin"/>
                 <a:hlinkClick r:id="rId3"/>
               </a:rPr>
@@ -27714,13 +27714,13 @@
               <a:buNone/>
             </a:pPr>
             <a:r>
-              <a:rPr lang="en-US" sz="7800" b="0" i="0" u="none" strike="noStrike" cap="none">
+              <a:rPr lang="en-US" sz="7800" u="none" strike="noStrike" cap="none">
                 <a:solidFill>
                   <a:srgbClr val="FFFF00"/>
                 </a:solidFill>
-                <a:latin typeface="Cabin"/>
-                <a:ea typeface="Cabin"/>
-                <a:cs typeface="Cabin"/>
+                <a:latin typeface="Arial" charset="0"/>
+                <a:ea typeface="Arial" charset="0"/>
+                <a:cs typeface="Arial" charset="0"/>
                 <a:sym typeface="Cabin"/>
               </a:rPr>
               <a:t>Sorting Lists of Tuples</a:t>
@@ -27775,37 +27775,37 @@
               <a:buChar char="•"/>
             </a:pPr>
             <a:r>
-              <a:rPr lang="en-US" sz="3600" b="0" i="0" u="none" strike="noStrike" cap="none">
+              <a:rPr lang="en-US" sz="3600" u="none" strike="noStrike" cap="none">
                 <a:solidFill>
                   <a:schemeClr val="lt1"/>
                 </a:solidFill>
-                <a:latin typeface="Cabin"/>
-                <a:ea typeface="Cabin"/>
-                <a:cs typeface="Cabin"/>
+                <a:latin typeface="Arial" charset="0"/>
+                <a:ea typeface="Arial" charset="0"/>
+                <a:cs typeface="Arial" charset="0"/>
                 <a:sym typeface="Cabin"/>
               </a:rPr>
               <a:t>We can take advantage of the ability to sort a list of </a:t>
             </a:r>
             <a:r>
-              <a:rPr lang="en-US" sz="3600" b="0" i="0" u="none" strike="noStrike" cap="none">
+              <a:rPr lang="en-US" sz="3600" u="none" strike="noStrike" cap="none">
                 <a:solidFill>
                   <a:srgbClr val="FF7F00"/>
                 </a:solidFill>
-                <a:latin typeface="Cabin"/>
-                <a:ea typeface="Cabin"/>
-                <a:cs typeface="Cabin"/>
+                <a:latin typeface="Arial" charset="0"/>
+                <a:ea typeface="Arial" charset="0"/>
+                <a:cs typeface="Arial" charset="0"/>
                 <a:sym typeface="Cabin"/>
               </a:rPr>
               <a:t>tuples</a:t>
             </a:r>
             <a:r>
-              <a:rPr lang="en-US" sz="3600" b="0" i="0" u="none" strike="noStrike" cap="none">
+              <a:rPr lang="en-US" sz="3600" u="none" strike="noStrike" cap="none">
                 <a:solidFill>
                   <a:schemeClr val="lt1"/>
                 </a:solidFill>
-                <a:latin typeface="Cabin"/>
-                <a:ea typeface="Cabin"/>
-                <a:cs typeface="Cabin"/>
+                <a:latin typeface="Arial" charset="0"/>
+                <a:ea typeface="Arial" charset="0"/>
+                <a:cs typeface="Arial" charset="0"/>
                 <a:sym typeface="Cabin"/>
               </a:rPr>
               <a:t> to get a sorted version of a dictionary</a:t>
@@ -27830,37 +27830,37 @@
               <a:buChar char="•"/>
             </a:pPr>
             <a:r>
-              <a:rPr lang="en-US" sz="3600" b="0" i="0" u="none" strike="noStrike" cap="none">
+              <a:rPr lang="en-US" sz="3600" u="none" strike="noStrike" cap="none">
                 <a:solidFill>
                   <a:schemeClr val="lt1"/>
                 </a:solidFill>
-                <a:latin typeface="Cabin"/>
-                <a:ea typeface="Cabin"/>
-                <a:cs typeface="Cabin"/>
+                <a:latin typeface="Arial" charset="0"/>
+                <a:ea typeface="Arial" charset="0"/>
+                <a:cs typeface="Arial" charset="0"/>
                 <a:sym typeface="Cabin"/>
               </a:rPr>
               <a:t>First we sort the dictionary by the key using the </a:t>
             </a:r>
             <a:r>
-              <a:rPr lang="en-US" sz="3600" b="0" i="0" u="none" strike="noStrike" cap="none">
+              <a:rPr lang="en-US" sz="3600" u="none" strike="noStrike" cap="none">
                 <a:solidFill>
                   <a:srgbClr val="FF00FF"/>
                 </a:solidFill>
-                <a:latin typeface="Cabin"/>
-                <a:ea typeface="Cabin"/>
-                <a:cs typeface="Cabin"/>
+                <a:latin typeface="Arial" charset="0"/>
+                <a:ea typeface="Arial" charset="0"/>
+                <a:cs typeface="Arial" charset="0"/>
                 <a:sym typeface="Cabin"/>
               </a:rPr>
               <a:t>items</a:t>
             </a:r>
             <a:r>
-              <a:rPr lang="en-US" sz="3600" b="0" i="0" u="none" strike="noStrike" cap="none">
+              <a:rPr lang="en-US" sz="3600" u="none" strike="noStrike" cap="none">
                 <a:solidFill>
                   <a:schemeClr val="lt1"/>
                 </a:solidFill>
-                <a:latin typeface="Cabin"/>
-                <a:ea typeface="Cabin"/>
-                <a:cs typeface="Cabin"/>
+                <a:latin typeface="Arial" charset="0"/>
+                <a:ea typeface="Arial" charset="0"/>
+                <a:cs typeface="Arial" charset="0"/>
                 <a:sym typeface="Cabin"/>
               </a:rPr>
               <a:t>() method</a:t>
@@ -28471,13 +28471,13 @@
               <a:buNone/>
             </a:pPr>
             <a:r>
-              <a:rPr lang="en-US" sz="7800" b="0" i="0" u="none" strike="noStrike" cap="none">
+              <a:rPr lang="en-US" sz="7800" u="none" strike="noStrike" cap="none">
                 <a:solidFill>
                   <a:srgbClr val="FFFF00"/>
                 </a:solidFill>
-                <a:latin typeface="Cabin"/>
-                <a:ea typeface="Cabin"/>
-                <a:cs typeface="Cabin"/>
+                <a:latin typeface="Arial" charset="0"/>
+                <a:ea typeface="Arial" charset="0"/>
+                <a:cs typeface="Arial" charset="0"/>
                 <a:sym typeface="Cabin"/>
               </a:rPr>
               <a:t>Using sorted()</a:t>
@@ -29370,37 +29370,37 @@
               <a:buNone/>
             </a:pPr>
             <a:r>
-              <a:rPr lang="en-US" sz="3600" b="0" i="0" u="none" strike="noStrike" cap="none">
+              <a:rPr lang="en-US" sz="3600" u="none" strike="noStrike" cap="none">
                 <a:solidFill>
                   <a:schemeClr val="lt1"/>
                 </a:solidFill>
-                <a:latin typeface="Cabin"/>
-                <a:ea typeface="Cabin"/>
-                <a:cs typeface="Cabin"/>
+                <a:latin typeface="Arial" charset="0"/>
+                <a:ea typeface="Arial" charset="0"/>
+                <a:cs typeface="Arial" charset="0"/>
                 <a:sym typeface="Cabin"/>
               </a:rPr>
               <a:t> We can do this even more directly using the built-in function </a:t>
             </a:r>
             <a:r>
-              <a:rPr lang="en-US" sz="3600" b="0" i="0" u="none" strike="noStrike" cap="none">
+              <a:rPr lang="en-US" sz="3600" u="none" strike="noStrike" cap="none">
                 <a:solidFill>
                   <a:srgbClr val="FF00FF"/>
                 </a:solidFill>
-                <a:latin typeface="Cabin"/>
-                <a:ea typeface="Cabin"/>
-                <a:cs typeface="Cabin"/>
+                <a:latin typeface="Arial" charset="0"/>
+                <a:ea typeface="Arial" charset="0"/>
+                <a:cs typeface="Arial" charset="0"/>
                 <a:sym typeface="Cabin"/>
               </a:rPr>
               <a:t>sorted</a:t>
             </a:r>
             <a:r>
-              <a:rPr lang="en-US" sz="3600" b="0" i="0" u="none" strike="noStrike" cap="none">
+              <a:rPr lang="en-US" sz="3600" u="none" strike="noStrike" cap="none">
                 <a:solidFill>
                   <a:schemeClr val="lt1"/>
                 </a:solidFill>
-                <a:latin typeface="Cabin"/>
-                <a:ea typeface="Cabin"/>
-                <a:cs typeface="Cabin"/>
+                <a:latin typeface="Arial" charset="0"/>
+                <a:ea typeface="Arial" charset="0"/>
+                <a:cs typeface="Arial" charset="0"/>
                 <a:sym typeface="Cabin"/>
               </a:rPr>
               <a:t> that takes a sequence as a parameter and returns a sorted sequence</a:t>
@@ -29480,13 +29480,13 @@
               <a:buNone/>
             </a:pPr>
             <a:r>
-              <a:rPr lang="en-US" sz="7800" b="0" i="0" u="none" strike="noStrike" cap="none">
+              <a:rPr lang="en-US" sz="7800" u="none" strike="noStrike" cap="none">
                 <a:solidFill>
                   <a:srgbClr val="FFFF00"/>
                 </a:solidFill>
-                <a:latin typeface="Cabin"/>
-                <a:ea typeface="Cabin"/>
-                <a:cs typeface="Cabin"/>
+                <a:latin typeface="Arial" charset="0"/>
+                <a:ea typeface="Arial" charset="0"/>
+                <a:cs typeface="Arial" charset="0"/>
                 <a:sym typeface="Cabin"/>
               </a:rPr>
               <a:t>Sort by values instead of key</a:t>
@@ -29541,85 +29541,85 @@
               <a:buChar char="•"/>
             </a:pPr>
             <a:r>
-              <a:rPr lang="en-US" sz="3600" b="0" i="0" u="none" strike="noStrike" cap="none">
+              <a:rPr lang="en-US" sz="3600" u="none" strike="noStrike" cap="none">
                 <a:solidFill>
                   <a:schemeClr val="lt1"/>
                 </a:solidFill>
-                <a:latin typeface="Cabin"/>
-                <a:ea typeface="Cabin"/>
-                <a:cs typeface="Cabin"/>
+                <a:latin typeface="Arial" charset="0"/>
+                <a:ea typeface="Arial" charset="0"/>
+                <a:cs typeface="Arial" charset="0"/>
                 <a:sym typeface="Cabin"/>
               </a:rPr>
               <a:t>If we could construct a list of </a:t>
             </a:r>
             <a:r>
-              <a:rPr lang="en-US" sz="3600" b="0" i="0" u="none" strike="noStrike" cap="none">
+              <a:rPr lang="en-US" sz="3600" u="none" strike="noStrike" cap="none">
                 <a:solidFill>
                   <a:srgbClr val="FF7F00"/>
                 </a:solidFill>
-                <a:latin typeface="Cabin"/>
-                <a:ea typeface="Cabin"/>
-                <a:cs typeface="Cabin"/>
+                <a:latin typeface="Arial" charset="0"/>
+                <a:ea typeface="Arial" charset="0"/>
+                <a:cs typeface="Arial" charset="0"/>
                 <a:sym typeface="Cabin"/>
               </a:rPr>
               <a:t>tuples</a:t>
             </a:r>
             <a:r>
-              <a:rPr lang="en-US" sz="3600" b="0" i="0" u="none" strike="noStrike" cap="none">
+              <a:rPr lang="en-US" sz="3600" u="none" strike="noStrike" cap="none">
                 <a:solidFill>
                   <a:schemeClr val="lt1"/>
                 </a:solidFill>
-                <a:latin typeface="Cabin"/>
-                <a:ea typeface="Cabin"/>
-                <a:cs typeface="Cabin"/>
+                <a:latin typeface="Arial" charset="0"/>
+                <a:ea typeface="Arial" charset="0"/>
+                <a:cs typeface="Arial" charset="0"/>
                 <a:sym typeface="Cabin"/>
               </a:rPr>
               <a:t> of the form </a:t>
             </a:r>
             <a:r>
-              <a:rPr lang="en-US" sz="3600" b="0" i="0" u="none" strike="noStrike" cap="none">
+              <a:rPr lang="en-US" sz="3600" u="none" strike="noStrike" cap="none">
                 <a:solidFill>
                   <a:srgbClr val="FF7F00"/>
                 </a:solidFill>
-                <a:latin typeface="Cabin"/>
-                <a:ea typeface="Cabin"/>
-                <a:cs typeface="Cabin"/>
+                <a:latin typeface="Arial" charset="0"/>
+                <a:ea typeface="Arial" charset="0"/>
+                <a:cs typeface="Arial" charset="0"/>
                 <a:sym typeface="Cabin"/>
               </a:rPr>
               <a:t>(value, key)</a:t>
             </a:r>
             <a:r>
-              <a:rPr lang="en-US" sz="3600" b="0" i="0" u="none" strike="noStrike" cap="none">
+              <a:rPr lang="en-US" sz="3600" u="none" strike="noStrike" cap="none">
                 <a:solidFill>
                   <a:schemeClr val="lt1"/>
                 </a:solidFill>
-                <a:latin typeface="Cabin"/>
-                <a:ea typeface="Cabin"/>
-                <a:cs typeface="Cabin"/>
+                <a:latin typeface="Arial" charset="0"/>
+                <a:ea typeface="Arial" charset="0"/>
+                <a:cs typeface="Arial" charset="0"/>
                 <a:sym typeface="Cabin"/>
               </a:rPr>
               <a:t> we could </a:t>
             </a:r>
             <a:r>
-              <a:rPr lang="en-US" sz="3600" b="0" i="0" u="none" strike="noStrike" cap="none">
+              <a:rPr lang="en-US" sz="3600" u="none" strike="noStrike" cap="none">
                 <a:solidFill>
                   <a:srgbClr val="FF00FF"/>
                 </a:solidFill>
-                <a:latin typeface="Cabin"/>
-                <a:ea typeface="Cabin"/>
-                <a:cs typeface="Cabin"/>
+                <a:latin typeface="Arial" charset="0"/>
+                <a:ea typeface="Arial" charset="0"/>
+                <a:cs typeface="Arial" charset="0"/>
                 <a:sym typeface="Cabin"/>
               </a:rPr>
               <a:t>sort</a:t>
             </a:r>
             <a:r>
-              <a:rPr lang="en-US" sz="3600" b="0" i="0" u="none" strike="noStrike" cap="none">
+              <a:rPr lang="en-US" sz="3600" u="none" strike="noStrike" cap="none">
                 <a:solidFill>
                   <a:schemeClr val="lt1"/>
                 </a:solidFill>
-                <a:latin typeface="Cabin"/>
-                <a:ea typeface="Cabin"/>
-                <a:cs typeface="Cabin"/>
+                <a:latin typeface="Arial" charset="0"/>
+                <a:ea typeface="Arial" charset="0"/>
+                <a:cs typeface="Arial" charset="0"/>
                 <a:sym typeface="Cabin"/>
               </a:rPr>
               <a:t> by value</a:t>
@@ -29644,37 +29644,37 @@
               <a:buChar char="•"/>
             </a:pPr>
             <a:r>
-              <a:rPr lang="en-US" sz="3600" b="0" i="0" u="none" strike="noStrike" cap="none">
+              <a:rPr lang="en-US" sz="3600" u="none" strike="noStrike" cap="none">
                 <a:solidFill>
                   <a:schemeClr val="lt1"/>
                 </a:solidFill>
-                <a:latin typeface="Cabin"/>
-                <a:ea typeface="Cabin"/>
-                <a:cs typeface="Cabin"/>
+                <a:latin typeface="Arial" charset="0"/>
+                <a:ea typeface="Arial" charset="0"/>
+                <a:cs typeface="Arial" charset="0"/>
                 <a:sym typeface="Cabin"/>
               </a:rPr>
               <a:t>We do this with a </a:t>
             </a:r>
             <a:r>
-              <a:rPr lang="en-US" sz="3600" b="0" i="0" u="none" strike="noStrike" cap="none">
+              <a:rPr lang="en-US" sz="3600" u="none" strike="noStrike" cap="none">
                 <a:solidFill>
                   <a:srgbClr val="FFFF00"/>
                 </a:solidFill>
-                <a:latin typeface="Cabin"/>
-                <a:ea typeface="Cabin"/>
-                <a:cs typeface="Cabin"/>
+                <a:latin typeface="Arial" charset="0"/>
+                <a:ea typeface="Arial" charset="0"/>
+                <a:cs typeface="Arial" charset="0"/>
                 <a:sym typeface="Cabin"/>
               </a:rPr>
               <a:t>for</a:t>
             </a:r>
             <a:r>
-              <a:rPr lang="en-US" sz="3600" b="0" i="0" u="none" strike="noStrike" cap="none">
+              <a:rPr lang="en-US" sz="3600" u="none" strike="noStrike" cap="none">
                 <a:solidFill>
                   <a:schemeClr val="lt1"/>
                 </a:solidFill>
-                <a:latin typeface="Cabin"/>
-                <a:ea typeface="Cabin"/>
-                <a:cs typeface="Cabin"/>
+                <a:latin typeface="Arial" charset="0"/>
+                <a:ea typeface="Arial" charset="0"/>
+                <a:cs typeface="Arial" charset="0"/>
                 <a:sym typeface="Cabin"/>
               </a:rPr>
               <a:t> loop that creates a list of tuples  </a:t>
@@ -31705,13 +31705,13 @@
               <a:buNone/>
             </a:pPr>
             <a:r>
-              <a:rPr lang="en-US" sz="3800" b="0" i="0" u="none" strike="noStrike" cap="none">
+              <a:rPr lang="en-US" sz="3800" u="none" strike="noStrike" cap="none">
                 <a:solidFill>
                   <a:srgbClr val="FFFF00"/>
                 </a:solidFill>
-                <a:latin typeface="Cabin"/>
-                <a:ea typeface="Cabin"/>
-                <a:cs typeface="Cabin"/>
+                <a:latin typeface="Arial" charset="0"/>
+                <a:ea typeface="Arial" charset="0"/>
+                <a:cs typeface="Arial" charset="0"/>
                 <a:sym typeface="Cabin"/>
               </a:rPr>
               <a:t>The top 10 most common words</a:t>
@@ -31791,13 +31791,13 @@
               <a:buNone/>
             </a:pPr>
             <a:r>
-              <a:rPr lang="en-US" sz="7800" b="0" i="0" u="none" strike="noStrike" cap="none">
+              <a:rPr lang="en-US" sz="7800" u="none" strike="noStrike" cap="none">
                 <a:solidFill>
                   <a:srgbClr val="FFFF00"/>
                 </a:solidFill>
-                <a:latin typeface="Cabin"/>
-                <a:ea typeface="Cabin"/>
-                <a:cs typeface="Cabin"/>
+                <a:latin typeface="Arial" charset="0"/>
+                <a:ea typeface="Arial" charset="0"/>
+                <a:cs typeface="Arial" charset="0"/>
                 <a:sym typeface="Cabin"/>
               </a:rPr>
               <a:t>Even Shorter Version</a:t>
@@ -31848,13 +31848,13 @@
               <a:buNone/>
             </a:pPr>
             <a:r>
-              <a:rPr lang="en-US" sz="3000" b="0" i="0" u="sng" strike="noStrike" cap="none">
+              <a:rPr lang="en-US" sz="3000" u="sng" strike="noStrike" cap="none">
                 <a:solidFill>
                   <a:schemeClr val="hlink"/>
                 </a:solidFill>
-                <a:latin typeface="Cabin"/>
-                <a:ea typeface="Cabin"/>
-                <a:cs typeface="Cabin"/>
+                <a:latin typeface="Arial" charset="0"/>
+                <a:ea typeface="Arial" charset="0"/>
+                <a:cs typeface="Arial" charset="0"/>
                 <a:sym typeface="Cabin"/>
                 <a:hlinkClick r:id="rId3"/>
               </a:rPr>
@@ -32343,25 +32343,25 @@
               <a:buNone/>
             </a:pPr>
             <a:r>
-              <a:rPr lang="en-US" sz="3800" b="0" i="0" u="none" strike="noStrike" cap="none">
+              <a:rPr lang="en-US" sz="3800" u="none" strike="noStrike" cap="none">
                 <a:solidFill>
                   <a:srgbClr val="00FF00"/>
                 </a:solidFill>
-                <a:latin typeface="Cabin"/>
-                <a:ea typeface="Cabin"/>
-                <a:cs typeface="Cabin"/>
+                <a:latin typeface="Arial" charset="0"/>
+                <a:ea typeface="Arial" charset="0"/>
+                <a:cs typeface="Arial" charset="0"/>
                 <a:sym typeface="Cabin"/>
               </a:rPr>
               <a:t>List comprehension</a:t>
             </a:r>
             <a:r>
-              <a:rPr lang="en-US" sz="3800" b="0" i="0" u="none" strike="noStrike" cap="none">
+              <a:rPr lang="en-US" sz="3800" u="none" strike="noStrike" cap="none">
                 <a:solidFill>
                   <a:schemeClr val="lt1"/>
                 </a:solidFill>
-                <a:latin typeface="Cabin"/>
-                <a:ea typeface="Cabin"/>
-                <a:cs typeface="Cabin"/>
+                <a:latin typeface="Arial" charset="0"/>
+                <a:ea typeface="Arial" charset="0"/>
+                <a:cs typeface="Arial" charset="0"/>
                 <a:sym typeface="Cabin"/>
               </a:rPr>
               <a:t> creates a dynamic list.  In this case, we make a list of reversed tuples and then sort it.</a:t>
@@ -32441,13 +32441,13 @@
               <a:buNone/>
             </a:pPr>
             <a:r>
-              <a:rPr lang="en-US" sz="7600" b="0" i="0" u="none" strike="noStrike" cap="none">
+              <a:rPr lang="en-US" sz="7600" u="none" strike="noStrike" cap="none">
                 <a:solidFill>
                   <a:srgbClr val="FFFF00"/>
                 </a:solidFill>
-                <a:latin typeface="Cabin"/>
-                <a:ea typeface="Cabin"/>
-                <a:cs typeface="Cabin"/>
+                <a:latin typeface="Arial" charset="0"/>
+                <a:ea typeface="Arial" charset="0"/>
+                <a:cs typeface="Arial" charset="0"/>
                 <a:sym typeface="Cabin"/>
               </a:rPr>
               <a:t>Summary</a:t>
@@ -32502,13 +32502,13 @@
               <a:buChar char="•"/>
             </a:pPr>
             <a:r>
-              <a:rPr lang="en-US" sz="3600" b="0" i="0" u="none" strike="noStrike" cap="none">
+              <a:rPr lang="en-US" sz="3600" u="none" strike="noStrike" cap="none">
                 <a:solidFill>
                   <a:schemeClr val="lt1"/>
                 </a:solidFill>
-                <a:latin typeface="Cabin"/>
-                <a:ea typeface="Cabin"/>
-                <a:cs typeface="Cabin"/>
+                <a:latin typeface="Arial" charset="0"/>
+                <a:ea typeface="Arial" charset="0"/>
+                <a:cs typeface="Arial" charset="0"/>
                 <a:sym typeface="Cabin"/>
               </a:rPr>
               <a:t>Tuple syntax</a:t>
@@ -32533,13 +32533,13 @@
               <a:buChar char="•"/>
             </a:pPr>
             <a:r>
-              <a:rPr lang="en-US" sz="3600" b="0" i="0" u="none" strike="noStrike" cap="none">
+              <a:rPr lang="en-US" sz="3600" u="none" strike="noStrike" cap="none">
                 <a:solidFill>
                   <a:schemeClr val="lt1"/>
                 </a:solidFill>
-                <a:latin typeface="Cabin"/>
-                <a:ea typeface="Cabin"/>
-                <a:cs typeface="Cabin"/>
+                <a:latin typeface="Arial" charset="0"/>
+                <a:ea typeface="Arial" charset="0"/>
+                <a:cs typeface="Arial" charset="0"/>
                 <a:sym typeface="Cabin"/>
               </a:rPr>
               <a:t>Immutability</a:t>
@@ -32564,13 +32564,13 @@
               <a:buChar char="•"/>
             </a:pPr>
             <a:r>
-              <a:rPr lang="en-US" sz="3600" b="0" i="0" u="none" strike="noStrike" cap="none">
+              <a:rPr lang="en-US" sz="3600" u="none" strike="noStrike" cap="none">
                 <a:solidFill>
                   <a:schemeClr val="lt1"/>
                 </a:solidFill>
-                <a:latin typeface="Cabin"/>
-                <a:ea typeface="Cabin"/>
-                <a:cs typeface="Cabin"/>
+                <a:latin typeface="Arial" charset="0"/>
+                <a:ea typeface="Arial" charset="0"/>
+                <a:cs typeface="Arial" charset="0"/>
                 <a:sym typeface="Cabin"/>
               </a:rPr>
               <a:t>Comparability</a:t>
@@ -32595,13 +32595,13 @@
               <a:buChar char="•"/>
             </a:pPr>
             <a:r>
-              <a:rPr lang="en-US" sz="3600" b="0" i="0" u="none" strike="noStrike" cap="none">
+              <a:rPr lang="en-US" sz="3600" u="none" strike="noStrike" cap="none">
                 <a:solidFill>
                   <a:schemeClr val="lt1"/>
                 </a:solidFill>
-                <a:latin typeface="Cabin"/>
-                <a:ea typeface="Cabin"/>
-                <a:cs typeface="Cabin"/>
+                <a:latin typeface="Arial" charset="0"/>
+                <a:ea typeface="Arial" charset="0"/>
+                <a:cs typeface="Arial" charset="0"/>
                 <a:sym typeface="Cabin"/>
               </a:rPr>
               <a:t>Sorting</a:t>
@@ -32656,13 +32656,13 @@
               <a:buChar char="•"/>
             </a:pPr>
             <a:r>
-              <a:rPr lang="en-US" sz="3600" b="0" i="0" u="none" strike="noStrike" cap="none">
+              <a:rPr lang="en-US" sz="3600" u="none" strike="noStrike" cap="none">
                 <a:solidFill>
                   <a:schemeClr val="lt1"/>
                 </a:solidFill>
-                <a:latin typeface="Cabin"/>
-                <a:ea typeface="Cabin"/>
-                <a:cs typeface="Cabin"/>
+                <a:latin typeface="Arial" charset="0"/>
+                <a:ea typeface="Arial" charset="0"/>
+                <a:cs typeface="Arial" charset="0"/>
                 <a:sym typeface="Cabin"/>
               </a:rPr>
               <a:t>Tuples in assignment statements</a:t>
@@ -32687,13 +32687,13 @@
               <a:buChar char="•"/>
             </a:pPr>
             <a:r>
-              <a:rPr lang="en-US" sz="3600" b="0" i="0" u="none" strike="noStrike" cap="none">
+              <a:rPr lang="en-US" sz="3600" u="none" strike="noStrike" cap="none">
                 <a:solidFill>
                   <a:schemeClr val="lt1"/>
                 </a:solidFill>
-                <a:latin typeface="Cabin"/>
-                <a:ea typeface="Cabin"/>
-                <a:cs typeface="Cabin"/>
+                <a:latin typeface="Arial" charset="0"/>
+                <a:ea typeface="Arial" charset="0"/>
+                <a:cs typeface="Arial" charset="0"/>
                 <a:sym typeface="Cabin"/>
               </a:rPr>
               <a:t>Sorting dictionaries by either key or value </a:t>
@@ -33251,13 +33251,13 @@
               <a:buNone/>
             </a:pPr>
             <a:r>
-              <a:rPr lang="en-US" sz="7800" b="0" i="0" u="none" strike="noStrike" cap="none">
+              <a:rPr lang="en-US" sz="7800" u="none" strike="noStrike" cap="none">
                 <a:solidFill>
                   <a:srgbClr val="FFFF00"/>
                 </a:solidFill>
-                <a:latin typeface="Cabin"/>
-                <a:ea typeface="Cabin"/>
-                <a:cs typeface="Cabin"/>
+                <a:latin typeface="Arial" charset="0"/>
+                <a:ea typeface="Arial" charset="0"/>
+                <a:cs typeface="Arial" charset="0"/>
                 <a:sym typeface="Cabin"/>
               </a:rPr>
               <a:t>Tuples are like lists</a:t>
@@ -33312,13 +33312,13 @@
               <a:buChar char="•"/>
             </a:pPr>
             <a:r>
-              <a:rPr lang="en-US" sz="3600" b="0" i="0" u="none" strike="noStrike" cap="none">
+              <a:rPr lang="en-US" sz="3600" u="none" strike="noStrike" cap="none">
                 <a:solidFill>
                   <a:schemeClr val="lt1"/>
                 </a:solidFill>
-                <a:latin typeface="Cabin"/>
-                <a:ea typeface="Cabin"/>
-                <a:cs typeface="Cabin"/>
+                <a:latin typeface="Arial" charset="0"/>
+                <a:ea typeface="Arial" charset="0"/>
+                <a:cs typeface="Arial" charset="0"/>
                 <a:sym typeface="Cabin"/>
               </a:rPr>
               <a:t>Tuples are another kind of sequence that functions much like a list - they have elements which are indexed starting at 0</a:t>
@@ -34227,13 +34227,13 @@
               <a:buNone/>
             </a:pPr>
             <a:r>
-              <a:rPr lang="en-US" sz="7800" b="0" i="0" u="none" strike="noStrike" cap="none">
+              <a:rPr lang="en-US" sz="7800" u="none" strike="noStrike" cap="none">
                 <a:solidFill>
                   <a:srgbClr val="FFFF00"/>
                 </a:solidFill>
-                <a:latin typeface="Cabin"/>
-                <a:ea typeface="Cabin"/>
-                <a:cs typeface="Cabin"/>
+                <a:latin typeface="Arial" charset="0"/>
+                <a:ea typeface="Arial" charset="0"/>
+                <a:cs typeface="Arial" charset="0"/>
                 <a:sym typeface="Cabin"/>
               </a:rPr>
               <a:t>but... Tuples are “immutable”</a:t>
@@ -34288,61 +34288,61 @@
               <a:buChar char="•"/>
             </a:pPr>
             <a:r>
-              <a:rPr lang="en-US" sz="3800" b="0" i="0" u="none" strike="noStrike" cap="none">
+              <a:rPr lang="en-US" sz="3800" u="none" strike="noStrike" cap="none">
                 <a:solidFill>
                   <a:schemeClr val="lt1"/>
                 </a:solidFill>
-                <a:latin typeface="Cabin"/>
-                <a:ea typeface="Cabin"/>
-                <a:cs typeface="Cabin"/>
+                <a:latin typeface="Arial" charset="0"/>
+                <a:ea typeface="Arial" charset="0"/>
+                <a:cs typeface="Arial" charset="0"/>
                 <a:sym typeface="Cabin"/>
               </a:rPr>
               <a:t>Unlike a list, once you create a </a:t>
             </a:r>
             <a:r>
-              <a:rPr lang="en-US" sz="3800" b="0" i="0" u="none" strike="noStrike" cap="none">
+              <a:rPr lang="en-US" sz="3800" u="none" strike="noStrike" cap="none">
                 <a:solidFill>
                   <a:srgbClr val="FF00FF"/>
                 </a:solidFill>
-                <a:latin typeface="Cabin"/>
-                <a:ea typeface="Cabin"/>
-                <a:cs typeface="Cabin"/>
+                <a:latin typeface="Arial" charset="0"/>
+                <a:ea typeface="Arial" charset="0"/>
+                <a:cs typeface="Arial" charset="0"/>
                 <a:sym typeface="Cabin"/>
               </a:rPr>
               <a:t>tuple</a:t>
             </a:r>
             <a:r>
-              <a:rPr lang="en-US" sz="3800" b="0" i="0" u="none" strike="noStrike" cap="none">
+              <a:rPr lang="en-US" sz="3800" u="none" strike="noStrike" cap="none">
                 <a:solidFill>
                   <a:schemeClr val="lt1"/>
                 </a:solidFill>
-                <a:latin typeface="Cabin"/>
-                <a:ea typeface="Cabin"/>
-                <a:cs typeface="Cabin"/>
+                <a:latin typeface="Arial" charset="0"/>
+                <a:ea typeface="Arial" charset="0"/>
+                <a:cs typeface="Arial" charset="0"/>
                 <a:sym typeface="Cabin"/>
               </a:rPr>
               <a:t>, you </a:t>
             </a:r>
             <a:r>
-              <a:rPr lang="en-US" sz="3800" b="0" i="0" u="none" strike="noStrike" cap="none">
+              <a:rPr lang="en-US" sz="3800" u="none" strike="noStrike" cap="none">
                 <a:solidFill>
                   <a:srgbClr val="FF7F00"/>
                 </a:solidFill>
-                <a:latin typeface="Cabin"/>
-                <a:ea typeface="Cabin"/>
-                <a:cs typeface="Cabin"/>
+                <a:latin typeface="Arial" charset="0"/>
+                <a:ea typeface="Arial" charset="0"/>
+                <a:cs typeface="Arial" charset="0"/>
                 <a:sym typeface="Cabin"/>
               </a:rPr>
               <a:t>cannot alter</a:t>
             </a:r>
             <a:r>
-              <a:rPr lang="en-US" sz="3800" b="0" i="0" u="none" strike="noStrike" cap="none">
+              <a:rPr lang="en-US" sz="3800" u="none" strike="noStrike" cap="none">
                 <a:solidFill>
                   <a:schemeClr val="lt1"/>
                 </a:solidFill>
-                <a:latin typeface="Cabin"/>
-                <a:ea typeface="Cabin"/>
-                <a:cs typeface="Cabin"/>
+                <a:latin typeface="Arial" charset="0"/>
+                <a:ea typeface="Arial" charset="0"/>
+                <a:cs typeface="Arial" charset="0"/>
                 <a:sym typeface="Cabin"/>
               </a:rPr>
               <a:t> its contents - similar to a string</a:t>
@@ -35291,37 +35291,37 @@
               <a:buNone/>
             </a:pPr>
             <a:r>
-              <a:rPr lang="en-US" sz="7800" b="0" i="0" u="none" strike="noStrike" cap="none">
+              <a:rPr lang="en-US" sz="7800" u="none" strike="noStrike" cap="none">
                 <a:solidFill>
                   <a:srgbClr val="FFFF00"/>
                 </a:solidFill>
-                <a:latin typeface="Cabin"/>
-                <a:ea typeface="Cabin"/>
-                <a:cs typeface="Cabin"/>
+                <a:latin typeface="Arial" charset="0"/>
+                <a:ea typeface="Arial" charset="0"/>
+                <a:cs typeface="Arial" charset="0"/>
                 <a:sym typeface="Cabin"/>
               </a:rPr>
               <a:t>Things </a:t>
             </a:r>
             <a:r>
-              <a:rPr lang="en-US" sz="7800" b="0" i="0" u="none" strike="noStrike" cap="none">
+              <a:rPr lang="en-US" sz="7800" u="none" strike="noStrike" cap="none">
                 <a:solidFill>
                   <a:srgbClr val="FF66FF"/>
                 </a:solidFill>
-                <a:latin typeface="Cabin"/>
-                <a:ea typeface="Cabin"/>
-                <a:cs typeface="Cabin"/>
+                <a:latin typeface="Arial" charset="0"/>
+                <a:ea typeface="Arial" charset="0"/>
+                <a:cs typeface="Arial" charset="0"/>
                 <a:sym typeface="Cabin"/>
               </a:rPr>
               <a:t>not</a:t>
             </a:r>
             <a:r>
-              <a:rPr lang="en-US" sz="7800" b="0" i="0" u="none" strike="noStrike" cap="none">
+              <a:rPr lang="en-US" sz="7800" u="none" strike="noStrike" cap="none">
                 <a:solidFill>
                   <a:srgbClr val="FFFF00"/>
                 </a:solidFill>
-                <a:latin typeface="Cabin"/>
-                <a:ea typeface="Cabin"/>
-                <a:cs typeface="Cabin"/>
+                <a:latin typeface="Arial" charset="0"/>
+                <a:ea typeface="Arial" charset="0"/>
+                <a:cs typeface="Arial" charset="0"/>
                 <a:sym typeface="Cabin"/>
               </a:rPr>
               <a:t> to do with tuples</a:t>
@@ -35912,13 +35912,13 @@
               <a:buNone/>
             </a:pPr>
             <a:r>
-              <a:rPr lang="en-US" sz="7800" b="0" i="0" u="none" strike="noStrike" cap="none">
+              <a:rPr lang="en-US" sz="7800" u="none" strike="noStrike" cap="none">
                 <a:solidFill>
                   <a:srgbClr val="FFFF00"/>
                 </a:solidFill>
-                <a:latin typeface="Cabin"/>
-                <a:ea typeface="Cabin"/>
-                <a:cs typeface="Cabin"/>
+                <a:latin typeface="Arial" charset="0"/>
+                <a:ea typeface="Arial" charset="0"/>
+                <a:cs typeface="Arial" charset="0"/>
                 <a:sym typeface="Cabin"/>
               </a:rPr>
               <a:t>A Tale of  Two Sequences</a:t>
@@ -36429,13 +36429,13 @@
               <a:buNone/>
             </a:pPr>
             <a:r>
-              <a:rPr lang="en-US" sz="7800" b="0" i="0" u="none" strike="noStrike" cap="none">
+              <a:rPr lang="en-US" sz="7800" u="none" strike="noStrike" cap="none">
                 <a:solidFill>
                   <a:srgbClr val="FFFF00"/>
                 </a:solidFill>
-                <a:latin typeface="Cabin"/>
-                <a:ea typeface="Cabin"/>
-                <a:cs typeface="Cabin"/>
+                <a:latin typeface="Arial" charset="0"/>
+                <a:ea typeface="Arial" charset="0"/>
+                <a:cs typeface="Arial" charset="0"/>
                 <a:sym typeface="Cabin"/>
               </a:rPr>
               <a:t>Tuples are more efficient</a:t>
@@ -36490,13 +36490,13 @@
               <a:buChar char="•"/>
             </a:pPr>
             <a:r>
-              <a:rPr lang="en-US" sz="3600" b="0" i="0" u="none" strike="noStrike" cap="none">
+              <a:rPr lang="en-US" sz="3600" u="none" strike="noStrike" cap="none">
                 <a:solidFill>
                   <a:schemeClr val="lt1"/>
                 </a:solidFill>
-                <a:latin typeface="Cabin"/>
-                <a:ea typeface="Cabin"/>
-                <a:cs typeface="Cabin"/>
+                <a:latin typeface="Arial" charset="0"/>
+                <a:ea typeface="Arial" charset="0"/>
+                <a:cs typeface="Arial" charset="0"/>
                 <a:sym typeface="Cabin"/>
               </a:rPr>
               <a:t>Since Python does not have to build tuple structures to be modifiable, they are simpler and more efficient in terms of memory use and performance than lists</a:t>
@@ -36521,13 +36521,13 @@
               <a:buChar char="•"/>
             </a:pPr>
             <a:r>
-              <a:rPr lang="en-US" sz="3600" b="0" i="0" u="none" strike="noStrike" cap="none">
+              <a:rPr lang="en-US" sz="3600" u="none" strike="noStrike" cap="none">
                 <a:solidFill>
                   <a:schemeClr val="lt1"/>
                 </a:solidFill>
-                <a:latin typeface="Cabin"/>
-                <a:ea typeface="Cabin"/>
-                <a:cs typeface="Cabin"/>
+                <a:latin typeface="Arial" charset="0"/>
+                <a:ea typeface="Arial" charset="0"/>
+                <a:cs typeface="Arial" charset="0"/>
                 <a:sym typeface="Cabin"/>
               </a:rPr>
               <a:t>So in our program when we are making “temporary variables” we prefer tuples over lists</a:t>
@@ -36607,13 +36607,13 @@
               <a:buNone/>
             </a:pPr>
             <a:r>
-              <a:rPr lang="en-US" sz="7800" b="0" i="0" u="none" strike="noStrike" cap="none">
+              <a:rPr lang="en-US" sz="7800" u="none" strike="noStrike" cap="none">
                 <a:solidFill>
                   <a:srgbClr val="FFFF00"/>
                 </a:solidFill>
-                <a:latin typeface="Cabin"/>
-                <a:ea typeface="Cabin"/>
-                <a:cs typeface="Cabin"/>
+                <a:latin typeface="Arial" charset="0"/>
+                <a:ea typeface="Arial" charset="0"/>
+                <a:cs typeface="Arial" charset="0"/>
                 <a:sym typeface="Cabin"/>
               </a:rPr>
               <a:t>Tuples and Assignment</a:t>
@@ -36668,61 +36668,61 @@
               <a:buChar char="•"/>
             </a:pPr>
             <a:r>
-              <a:rPr lang="en-US" sz="3600" b="0" i="0" u="none" strike="noStrike" cap="none">
+              <a:rPr lang="en-US" sz="3600" u="none" strike="noStrike" cap="none">
                 <a:solidFill>
                   <a:schemeClr val="lt1"/>
                 </a:solidFill>
-                <a:latin typeface="Cabin"/>
-                <a:ea typeface="Cabin"/>
-                <a:cs typeface="Cabin"/>
+                <a:latin typeface="Arial" charset="0"/>
+                <a:ea typeface="Arial" charset="0"/>
+                <a:cs typeface="Arial" charset="0"/>
                 <a:sym typeface="Cabin"/>
               </a:rPr>
               <a:t>We can also put a </a:t>
             </a:r>
             <a:r>
-              <a:rPr lang="en-US" sz="3600" b="0" i="0" u="none" strike="noStrike" cap="none">
+              <a:rPr lang="en-US" sz="3600" u="none" strike="noStrike" cap="none">
                 <a:solidFill>
                   <a:srgbClr val="FF7F00"/>
                 </a:solidFill>
-                <a:latin typeface="Cabin"/>
-                <a:ea typeface="Cabin"/>
-                <a:cs typeface="Cabin"/>
+                <a:latin typeface="Arial" charset="0"/>
+                <a:ea typeface="Arial" charset="0"/>
+                <a:cs typeface="Arial" charset="0"/>
                 <a:sym typeface="Cabin"/>
               </a:rPr>
               <a:t>tuple</a:t>
             </a:r>
             <a:r>
-              <a:rPr lang="en-US" sz="3600" b="0" i="0" u="none" strike="noStrike" cap="none">
+              <a:rPr lang="en-US" sz="3600" u="none" strike="noStrike" cap="none">
                 <a:solidFill>
                   <a:schemeClr val="lt1"/>
                 </a:solidFill>
-                <a:latin typeface="Cabin"/>
-                <a:ea typeface="Cabin"/>
-                <a:cs typeface="Cabin"/>
+                <a:latin typeface="Arial" charset="0"/>
+                <a:ea typeface="Arial" charset="0"/>
+                <a:cs typeface="Arial" charset="0"/>
                 <a:sym typeface="Cabin"/>
               </a:rPr>
               <a:t> on the </a:t>
             </a:r>
             <a:r>
-              <a:rPr lang="en-US" sz="3600" b="0" i="0" u="none" strike="noStrike" cap="none">
+              <a:rPr lang="en-US" sz="3600" u="none" strike="noStrike" cap="none">
                 <a:solidFill>
                   <a:srgbClr val="00FFFF"/>
                 </a:solidFill>
-                <a:latin typeface="Cabin"/>
-                <a:ea typeface="Cabin"/>
-                <a:cs typeface="Cabin"/>
+                <a:latin typeface="Arial" charset="0"/>
+                <a:ea typeface="Arial" charset="0"/>
+                <a:cs typeface="Arial" charset="0"/>
                 <a:sym typeface="Cabin"/>
               </a:rPr>
               <a:t>left-hand side</a:t>
             </a:r>
             <a:r>
-              <a:rPr lang="en-US" sz="3600" b="0" i="0" u="none" strike="noStrike" cap="none">
+              <a:rPr lang="en-US" sz="3600" u="none" strike="noStrike" cap="none">
                 <a:solidFill>
                   <a:schemeClr val="lt1"/>
                 </a:solidFill>
-                <a:latin typeface="Cabin"/>
-                <a:ea typeface="Cabin"/>
-                <a:cs typeface="Cabin"/>
+                <a:latin typeface="Arial" charset="0"/>
+                <a:ea typeface="Arial" charset="0"/>
+                <a:cs typeface="Arial" charset="0"/>
                 <a:sym typeface="Cabin"/>
               </a:rPr>
               <a:t> of an assignment statement</a:t>
@@ -36747,13 +36747,13 @@
               <a:buChar char="•"/>
             </a:pPr>
             <a:r>
-              <a:rPr lang="en-US" sz="3600" b="0" i="0" u="none" strike="noStrike" cap="none">
+              <a:rPr lang="en-US" sz="3600" u="none" strike="noStrike" cap="none">
                 <a:solidFill>
                   <a:schemeClr val="lt1"/>
                 </a:solidFill>
-                <a:latin typeface="Cabin"/>
-                <a:ea typeface="Cabin"/>
-                <a:cs typeface="Cabin"/>
+                <a:latin typeface="Arial" charset="0"/>
+                <a:ea typeface="Arial" charset="0"/>
+                <a:cs typeface="Arial" charset="0"/>
                 <a:sym typeface="Cabin"/>
               </a:rPr>
               <a:t>We can even omit the parentheses</a:t>
@@ -37189,13 +37189,13 @@
               <a:buNone/>
             </a:pPr>
             <a:r>
-              <a:rPr lang="en-US" sz="7800" b="0" i="0" u="none" strike="noStrike" cap="none">
+              <a:rPr lang="en-US" sz="7800" u="none" strike="noStrike" cap="none">
                 <a:solidFill>
                   <a:srgbClr val="FFFF00"/>
                 </a:solidFill>
-                <a:latin typeface="Cabin"/>
-                <a:ea typeface="Cabin"/>
-                <a:cs typeface="Cabin"/>
+                <a:latin typeface="Arial" charset="0"/>
+                <a:ea typeface="Arial" charset="0"/>
+                <a:cs typeface="Arial" charset="0"/>
                 <a:sym typeface="Cabin"/>
               </a:rPr>
               <a:t>Tuples and Dictionaries</a:t>
@@ -37250,49 +37250,49 @@
               <a:buChar char="•"/>
             </a:pPr>
             <a:r>
-              <a:rPr lang="en-US" sz="3600" b="0" i="0" u="none" strike="noStrike" cap="none">
+              <a:rPr lang="en-US" sz="3600" u="none" strike="noStrike" cap="none">
                 <a:solidFill>
                   <a:schemeClr val="lt1"/>
                 </a:solidFill>
-                <a:latin typeface="Cabin"/>
-                <a:ea typeface="Cabin"/>
-                <a:cs typeface="Cabin"/>
+                <a:latin typeface="Arial" charset="0"/>
+                <a:ea typeface="Arial" charset="0"/>
+                <a:cs typeface="Arial" charset="0"/>
                 <a:sym typeface="Cabin"/>
               </a:rPr>
               <a:t>The </a:t>
             </a:r>
             <a:r>
-              <a:rPr lang="en-US" sz="3600" b="0" i="0" u="none" strike="noStrike" cap="none">
+              <a:rPr lang="en-US" sz="3600" u="none" strike="noStrike" cap="none">
                 <a:solidFill>
                   <a:srgbClr val="FF00FF"/>
                 </a:solidFill>
-                <a:latin typeface="Cabin"/>
-                <a:ea typeface="Cabin"/>
-                <a:cs typeface="Cabin"/>
+                <a:latin typeface="Arial" charset="0"/>
+                <a:ea typeface="Arial" charset="0"/>
+                <a:cs typeface="Arial" charset="0"/>
                 <a:sym typeface="Cabin"/>
               </a:rPr>
               <a:t>items</a:t>
             </a:r>
             <a:r>
-              <a:rPr lang="en-US" sz="3600" b="0" i="0" u="none" strike="noStrike" cap="none">
+              <a:rPr lang="en-US" sz="3600" u="none" strike="noStrike" cap="none">
                 <a:solidFill>
                   <a:schemeClr val="lt1"/>
                 </a:solidFill>
-                <a:latin typeface="Cabin"/>
-                <a:ea typeface="Cabin"/>
-                <a:cs typeface="Cabin"/>
+                <a:latin typeface="Arial" charset="0"/>
+                <a:ea typeface="Arial" charset="0"/>
+                <a:cs typeface="Arial" charset="0"/>
                 <a:sym typeface="Cabin"/>
               </a:rPr>
               <a:t>() method in dictionaries returns a list of (key, value) </a:t>
             </a:r>
             <a:r>
-              <a:rPr lang="en-US" sz="3600" b="0" i="0" u="none" strike="noStrike" cap="none">
+              <a:rPr lang="en-US" sz="3600" u="none" strike="noStrike" cap="none">
                 <a:solidFill>
                   <a:srgbClr val="FF7F00"/>
                 </a:solidFill>
-                <a:latin typeface="Cabin"/>
-                <a:ea typeface="Cabin"/>
-                <a:cs typeface="Cabin"/>
+                <a:latin typeface="Arial" charset="0"/>
+                <a:ea typeface="Arial" charset="0"/>
+                <a:cs typeface="Arial" charset="0"/>
                 <a:sym typeface="Cabin"/>
               </a:rPr>
               <a:t>tuples</a:t>
@@ -38099,13 +38099,13 @@
               <a:buNone/>
             </a:pPr>
             <a:r>
-              <a:rPr lang="en-US" sz="7800" b="0" i="0" u="none" strike="noStrike" cap="none">
+              <a:rPr lang="en-US" sz="7800" u="none" strike="noStrike" cap="none">
                 <a:solidFill>
                   <a:srgbClr val="FFFF00"/>
                 </a:solidFill>
-                <a:latin typeface="Cabin"/>
-                <a:ea typeface="Cabin"/>
-                <a:cs typeface="Cabin"/>
+                <a:latin typeface="Arial" charset="0"/>
+                <a:ea typeface="Arial" charset="0"/>
+                <a:cs typeface="Arial" charset="0"/>
                 <a:sym typeface="Cabin"/>
               </a:rPr>
               <a:t>Tuples are Comparable</a:t>
@@ -38160,61 +38160,61 @@
               <a:buChar char="•"/>
             </a:pPr>
             <a:r>
-              <a:rPr lang="en-US" sz="3800" b="0" i="0" u="none" strike="noStrike" cap="none">
+              <a:rPr lang="en-US" sz="3800" u="none" strike="noStrike" cap="none">
                 <a:solidFill>
                   <a:schemeClr val="lt1"/>
                 </a:solidFill>
-                <a:latin typeface="Cabin"/>
-                <a:ea typeface="Cabin"/>
-                <a:cs typeface="Cabin"/>
+                <a:latin typeface="Arial" charset="0"/>
+                <a:ea typeface="Arial" charset="0"/>
+                <a:cs typeface="Arial" charset="0"/>
                 <a:sym typeface="Cabin"/>
               </a:rPr>
               <a:t>The comparison </a:t>
             </a:r>
             <a:r>
-              <a:rPr lang="en-US" sz="3800" b="0" i="0" u="none" strike="noStrike" cap="none">
+              <a:rPr lang="en-US" sz="3800" u="none" strike="noStrike" cap="none">
                 <a:solidFill>
                   <a:srgbClr val="00FFFF"/>
                 </a:solidFill>
-                <a:latin typeface="Cabin"/>
-                <a:ea typeface="Cabin"/>
-                <a:cs typeface="Cabin"/>
+                <a:latin typeface="Arial" charset="0"/>
+                <a:ea typeface="Arial" charset="0"/>
+                <a:cs typeface="Arial" charset="0"/>
                 <a:sym typeface="Cabin"/>
               </a:rPr>
               <a:t>operators</a:t>
             </a:r>
             <a:r>
-              <a:rPr lang="en-US" sz="3800" b="0" i="0" u="none" strike="noStrike" cap="none">
+              <a:rPr lang="en-US" sz="3800" u="none" strike="noStrike" cap="none">
                 <a:solidFill>
                   <a:schemeClr val="lt1"/>
                 </a:solidFill>
-                <a:latin typeface="Cabin"/>
-                <a:ea typeface="Cabin"/>
-                <a:cs typeface="Cabin"/>
+                <a:latin typeface="Arial" charset="0"/>
+                <a:ea typeface="Arial" charset="0"/>
+                <a:cs typeface="Arial" charset="0"/>
                 <a:sym typeface="Cabin"/>
               </a:rPr>
               <a:t> work with </a:t>
             </a:r>
             <a:r>
-              <a:rPr lang="en-US" sz="3800" b="0" i="0" u="none" strike="noStrike" cap="none">
+              <a:rPr lang="en-US" sz="3800" u="none" strike="noStrike" cap="none">
                 <a:solidFill>
                   <a:srgbClr val="FF7F00"/>
                 </a:solidFill>
-                <a:latin typeface="Cabin"/>
-                <a:ea typeface="Cabin"/>
-                <a:cs typeface="Cabin"/>
+                <a:latin typeface="Arial" charset="0"/>
+                <a:ea typeface="Arial" charset="0"/>
+                <a:cs typeface="Arial" charset="0"/>
                 <a:sym typeface="Cabin"/>
               </a:rPr>
               <a:t>tuples</a:t>
             </a:r>
             <a:r>
-              <a:rPr lang="en-US" sz="3800" b="0" i="0" u="none" strike="noStrike" cap="none">
+              <a:rPr lang="en-US" sz="3800" u="none" strike="noStrike" cap="none">
                 <a:solidFill>
                   <a:schemeClr val="lt1"/>
                 </a:solidFill>
-                <a:latin typeface="Cabin"/>
-                <a:ea typeface="Cabin"/>
-                <a:cs typeface="Cabin"/>
+                <a:latin typeface="Arial" charset="0"/>
+                <a:ea typeface="Arial" charset="0"/>
+                <a:cs typeface="Arial" charset="0"/>
                 <a:sym typeface="Cabin"/>
               </a:rPr>
               <a:t> and other sequences. If the first item is equal, Python goes on to the next element,  and so on, until it finds elements that differ.</a:t>

--- a/lectures3/Pythonlearn-10-Tuples.pptx
+++ b/lectures3/Pythonlearn-10-Tuples.pptx
@@ -2472,7 +2472,7 @@
 
 <file path=ppt/slideLayouts/slideLayout1.xml><?xml version="1.0" encoding="utf-8"?>
 <p:sldLayout xmlns:a="http://schemas.openxmlformats.org/drawingml/2006/main" xmlns:r="http://schemas.openxmlformats.org/officeDocument/2006/relationships" xmlns:p="http://schemas.openxmlformats.org/presentationml/2006/main" type="obj">
-  <p:cSld name="Title and Content">
+  <p:cSld name="Opening Title">
     <p:spTree>
       <p:nvGrpSpPr>
         <p:cNvPr id="1" name="Shape 8"/>
@@ -2891,7 +2891,7 @@
 
 <file path=ppt/slideLayouts/slideLayout2.xml><?xml version="1.0" encoding="utf-8"?>
 <p:sldLayout xmlns:a="http://schemas.openxmlformats.org/drawingml/2006/main" xmlns:r="http://schemas.openxmlformats.org/officeDocument/2006/relationships" xmlns:p="http://schemas.openxmlformats.org/presentationml/2006/main" type="obj">
-  <p:cSld name="1_Title and Content">
+  <p:cSld name="Title and Content">
     <p:spTree>
       <p:nvGrpSpPr>
         <p:cNvPr id="1" name="Shape 125"/>
@@ -3067,9 +3067,9 @@
           </a:ln>
         </p:spPr>
         <p:txBody>
-          <a:bodyPr lIns="91425" tIns="91425" rIns="91425" bIns="91425" anchor="ctr" anchorCtr="0"/>
+          <a:bodyPr lIns="91425" tIns="91425" rIns="91425" bIns="91425" anchor="t" anchorCtr="0"/>
           <a:lstStyle>
-            <a:lvl1pPr marL="711200" marR="0" lvl="0" indent="-63500" algn="l" rtl="0">
+            <a:lvl1pPr marL="1104900" marR="0" lvl="0" indent="-457200" algn="l" rtl="0">
               <a:lnSpc>
                 <a:spcPct val="100000"/>
               </a:lnSpc>
@@ -3083,9 +3083,9 @@
                 <a:schemeClr val="lt1"/>
               </a:buClr>
               <a:buSzPct val="100000"/>
-              <a:buFont typeface="Cabin"/>
+              <a:buFont typeface="Arial" charset="0"/>
               <a:buChar char="•"/>
-              <a:defRPr sz="1400" b="0" i="0" u="none" strike="noStrike" cap="none">
+              <a:defRPr sz="3200" b="0" i="0" u="none" strike="noStrike" cap="none">
                 <a:solidFill>
                   <a:srgbClr val="000000"/>
                 </a:solidFill>
@@ -3305,11 +3305,208 @@
             </a:lvl9pPr>
           </a:lstStyle>
           <a:p>
-            <a:endParaRPr/>
+            <a:endParaRPr dirty="0"/>
           </a:p>
         </p:txBody>
       </p:sp>
     </p:spTree>
+  </p:cSld>
+  <p:clrMapOvr>
+    <a:masterClrMapping/>
+  </p:clrMapOvr>
+</p:sldLayout>
+</file>
+
+<file path=ppt/slideLayouts/slideLayout3.xml><?xml version="1.0" encoding="utf-8"?>
+<p:sldLayout xmlns:a="http://schemas.openxmlformats.org/drawingml/2006/main" xmlns:r="http://schemas.openxmlformats.org/officeDocument/2006/relationships" xmlns:p="http://schemas.openxmlformats.org/presentationml/2006/main" preserve="1" userDrawn="1">
+  <p:cSld name="Title Only">
+    <p:spTree>
+      <p:nvGrpSpPr>
+        <p:cNvPr id="1" name="Shape 125"/>
+        <p:cNvGrpSpPr/>
+        <p:nvPr/>
+      </p:nvGrpSpPr>
+      <p:grpSpPr>
+        <a:xfrm>
+          <a:off x="0" y="0"/>
+          <a:ext cx="0" cy="0"/>
+          <a:chOff x="0" y="0"/>
+          <a:chExt cx="0" cy="0"/>
+        </a:xfrm>
+      </p:grpSpPr>
+      <p:sp>
+        <p:nvSpPr>
+          <p:cNvPr id="126" name="Shape 126"/>
+          <p:cNvSpPr txBox="1">
+            <a:spLocks noGrp="1"/>
+          </p:cNvSpPr>
+          <p:nvPr>
+            <p:ph type="title"/>
+          </p:nvPr>
+        </p:nvSpPr>
+        <p:spPr>
+          <a:xfrm>
+            <a:off x="1155700" y="789708"/>
+            <a:ext cx="13932000" cy="1750191"/>
+          </a:xfrm>
+          <a:prstGeom prst="rect">
+            <a:avLst/>
+          </a:prstGeom>
+          <a:noFill/>
+          <a:ln>
+            <a:noFill/>
+          </a:ln>
+        </p:spPr>
+        <p:txBody>
+          <a:bodyPr lIns="91425" tIns="91425" rIns="91425" bIns="91425" anchor="ctr" anchorCtr="0"/>
+          <a:lstStyle>
+            <a:lvl1pPr marL="0" marR="0" lvl="0" indent="0" algn="ctr" rtl="0">
+              <a:lnSpc>
+                <a:spcPct val="100000"/>
+              </a:lnSpc>
+              <a:spcBef>
+                <a:spcPts val="0"/>
+              </a:spcBef>
+              <a:spcAft>
+                <a:spcPts val="0"/>
+              </a:spcAft>
+              <a:buClr>
+                <a:srgbClr val="000000"/>
+              </a:buClr>
+              <a:buFont typeface="Arial"/>
+              <a:buNone/>
+              <a:defRPr sz="1400" b="0" i="0" u="none" strike="noStrike" cap="none">
+                <a:solidFill>
+                  <a:srgbClr val="000000"/>
+                </a:solidFill>
+                <a:latin typeface="Arial"/>
+                <a:ea typeface="Arial"/>
+                <a:cs typeface="Arial"/>
+                <a:sym typeface="Arial"/>
+              </a:defRPr>
+            </a:lvl1pPr>
+            <a:lvl2pPr marL="0" marR="0" lvl="1" indent="0" algn="ctr" rtl="0">
+              <a:spcBef>
+                <a:spcPts val="0"/>
+              </a:spcBef>
+              <a:spcAft>
+                <a:spcPts val="0"/>
+              </a:spcAft>
+              <a:buNone/>
+              <a:defRPr sz="1800"/>
+            </a:lvl2pPr>
+            <a:lvl3pPr marL="0" marR="0" lvl="2" indent="0" algn="ctr" rtl="0">
+              <a:spcBef>
+                <a:spcPts val="0"/>
+              </a:spcBef>
+              <a:spcAft>
+                <a:spcPts val="0"/>
+              </a:spcAft>
+              <a:buNone/>
+              <a:defRPr sz="1800"/>
+            </a:lvl3pPr>
+            <a:lvl4pPr marL="0" marR="0" lvl="3" indent="0" algn="ctr" rtl="0">
+              <a:spcBef>
+                <a:spcPts val="0"/>
+              </a:spcBef>
+              <a:spcAft>
+                <a:spcPts val="0"/>
+              </a:spcAft>
+              <a:buNone/>
+              <a:defRPr sz="1800"/>
+            </a:lvl4pPr>
+            <a:lvl5pPr marL="0" marR="0" lvl="4" indent="0" algn="ctr" rtl="0">
+              <a:spcBef>
+                <a:spcPts val="0"/>
+              </a:spcBef>
+              <a:spcAft>
+                <a:spcPts val="0"/>
+              </a:spcAft>
+              <a:buNone/>
+              <a:defRPr sz="1800"/>
+            </a:lvl5pPr>
+            <a:lvl6pPr marL="457200" marR="0" lvl="5" indent="0" algn="ctr" rtl="0">
+              <a:spcBef>
+                <a:spcPts val="0"/>
+              </a:spcBef>
+              <a:spcAft>
+                <a:spcPts val="0"/>
+              </a:spcAft>
+              <a:buNone/>
+              <a:defRPr sz="1800"/>
+            </a:lvl6pPr>
+            <a:lvl7pPr marL="914400" marR="0" lvl="6" indent="0" algn="ctr" rtl="0">
+              <a:spcBef>
+                <a:spcPts val="0"/>
+              </a:spcBef>
+              <a:spcAft>
+                <a:spcPts val="0"/>
+              </a:spcAft>
+              <a:buNone/>
+              <a:defRPr sz="1800"/>
+            </a:lvl7pPr>
+            <a:lvl8pPr marL="1371600" marR="0" lvl="7" indent="0" algn="ctr" rtl="0">
+              <a:spcBef>
+                <a:spcPts val="0"/>
+              </a:spcBef>
+              <a:spcAft>
+                <a:spcPts val="0"/>
+              </a:spcAft>
+              <a:buNone/>
+              <a:defRPr sz="1800"/>
+            </a:lvl8pPr>
+            <a:lvl9pPr marL="1828800" marR="0" lvl="8" indent="0" algn="ctr" rtl="0">
+              <a:spcBef>
+                <a:spcPts val="0"/>
+              </a:spcBef>
+              <a:spcAft>
+                <a:spcPts val="0"/>
+              </a:spcAft>
+              <a:buNone/>
+              <a:defRPr sz="1800"/>
+            </a:lvl9pPr>
+          </a:lstStyle>
+          <a:p>
+            <a:endParaRPr/>
+          </a:p>
+        </p:txBody>
+      </p:sp>
+    </p:spTree>
+    <p:extLst>
+      <p:ext uri="{BB962C8B-B14F-4D97-AF65-F5344CB8AC3E}">
+        <p14:creationId xmlns:p14="http://schemas.microsoft.com/office/powerpoint/2010/main" val="1531137498"/>
+      </p:ext>
+    </p:extLst>
+  </p:cSld>
+  <p:clrMapOvr>
+    <a:masterClrMapping/>
+  </p:clrMapOvr>
+</p:sldLayout>
+</file>
+
+<file path=ppt/slideLayouts/slideLayout4.xml><?xml version="1.0" encoding="utf-8"?>
+<p:sldLayout xmlns:a="http://schemas.openxmlformats.org/drawingml/2006/main" xmlns:r="http://schemas.openxmlformats.org/officeDocument/2006/relationships" xmlns:p="http://schemas.openxmlformats.org/presentationml/2006/main" preserve="1" userDrawn="1">
+  <p:cSld name="Blank">
+    <p:spTree>
+      <p:nvGrpSpPr>
+        <p:cNvPr id="1" name="Shape 125"/>
+        <p:cNvGrpSpPr/>
+        <p:nvPr/>
+      </p:nvGrpSpPr>
+      <p:grpSpPr>
+        <a:xfrm>
+          <a:off x="0" y="0"/>
+          <a:ext cx="0" cy="0"/>
+          <a:chOff x="0" y="0"/>
+          <a:chExt cx="0" cy="0"/>
+        </a:xfrm>
+      </p:grpSpPr>
+    </p:spTree>
+    <p:extLst>
+      <p:ext uri="{BB962C8B-B14F-4D97-AF65-F5344CB8AC3E}">
+        <p14:creationId xmlns:p14="http://schemas.microsoft.com/office/powerpoint/2010/main" val="1782371969"/>
+      </p:ext>
+    </p:extLst>
   </p:cSld>
   <p:clrMapOvr>
     <a:masterClrMapping/>
@@ -3753,9 +3950,7 @@
             <a:avLst/>
           </a:prstGeom>
           <a:solidFill>
-            <a:schemeClr val="tx1">
-              <a:lumMod val="75000"/>
-            </a:schemeClr>
+            <a:schemeClr val="bg2"/>
           </a:solidFill>
           <a:ln>
             <a:noFill/>
@@ -3905,9 +4100,7 @@
             <a:avLst/>
           </a:prstGeom>
           <a:solidFill>
-            <a:schemeClr val="tx1">
-              <a:lumMod val="75000"/>
-            </a:schemeClr>
+            <a:schemeClr val="bg2"/>
           </a:solidFill>
           <a:ln>
             <a:noFill/>
@@ -4046,6 +4239,8 @@
   <p:sldLayoutIdLst>
     <p:sldLayoutId id="2147483648" r:id="rId1"/>
     <p:sldLayoutId id="2147483681" r:id="rId2"/>
+    <p:sldLayoutId id="2147483693" r:id="rId3"/>
+    <p:sldLayoutId id="2147483694" r:id="rId4"/>
   </p:sldLayoutIdLst>
   <p:hf sldNum="0" hdr="0" ftr="0" dt="0"/>
   <p:txStyles>
@@ -4630,7 +4825,7 @@
         </p:nvSpPr>
         <p:spPr>
           <a:xfrm>
-            <a:off x="3167825" y="7759700"/>
+            <a:off x="3167825" y="7002457"/>
             <a:ext cx="9898499" cy="1016099"/>
           </a:xfrm>
           <a:prstGeom prst="rect">
@@ -4665,7 +4860,7 @@
               <a:buNone/>
             </a:pPr>
             <a:r>
-              <a:rPr lang="en-US" sz="3200" u="none" strike="noStrike" cap="none">
+              <a:rPr lang="en-US" sz="3200" u="none" strike="noStrike" cap="none" dirty="0" smtClean="0">
                 <a:solidFill>
                   <a:srgbClr val="FFFF00"/>
                 </a:solidFill>
@@ -4674,7 +4869,7 @@
                 <a:cs typeface="Arial" charset="0"/>
                 <a:sym typeface="Cabin"/>
               </a:rPr>
-              <a:t>Python for Informatics: Exploring Information</a:t>
+              <a:t>Python for Everybody</a:t>
             </a:r>
           </a:p>
           <a:p>
@@ -4696,9 +4891,9 @@
               <a:buNone/>
             </a:pPr>
             <a:r>
-              <a:rPr lang="en-US" sz="3200" u="sng" strike="noStrike" cap="none">
-                <a:solidFill>
-                  <a:schemeClr val="hlink"/>
+              <a:rPr lang="en-US" sz="3200" dirty="0" smtClean="0">
+                <a:solidFill>
+                  <a:srgbClr val="FFFF00"/>
                 </a:solidFill>
                 <a:latin typeface="Arial" charset="0"/>
                 <a:ea typeface="Arial" charset="0"/>
@@ -4706,8 +4901,18 @@
                 <a:sym typeface="Cabin"/>
                 <a:hlinkClick r:id="rId3"/>
               </a:rPr>
-              <a:t>www.pythonlearn.com</a:t>
-            </a:r>
+              <a:t>www.py4e.com</a:t>
+            </a:r>
+            <a:endParaRPr lang="en-US" sz="3200" u="sng" strike="noStrike" cap="none" dirty="0">
+              <a:solidFill>
+                <a:schemeClr val="hlink"/>
+              </a:solidFill>
+              <a:latin typeface="Arial" charset="0"/>
+              <a:ea typeface="Arial" charset="0"/>
+              <a:cs typeface="Arial" charset="0"/>
+              <a:sym typeface="Cabin"/>
+              <a:hlinkClick r:id="rId4"/>
+            </a:endParaRPr>
           </a:p>
         </p:txBody>
       </p:sp>
@@ -4718,7 +4923,7 @@
           <p:nvPr/>
         </p:nvPicPr>
         <p:blipFill rotWithShape="1">
-          <a:blip r:embed="rId4">
+          <a:blip r:embed="rId5">
             <a:alphaModFix/>
           </a:blip>
           <a:srcRect/>
@@ -4726,7 +4931,7 @@
         </p:blipFill>
         <p:spPr>
           <a:xfrm>
-            <a:off x="13574712" y="7927975"/>
+            <a:off x="13574712" y="7170732"/>
             <a:ext cx="1968500" cy="668337"/>
           </a:xfrm>
           <a:prstGeom prst="rect">
@@ -4745,7 +4950,7 @@
           <p:nvPr/>
         </p:nvPicPr>
         <p:blipFill rotWithShape="1">
-          <a:blip r:embed="rId5">
+          <a:blip r:embed="rId6">
             <a:alphaModFix/>
           </a:blip>
           <a:srcRect/>
@@ -4753,7 +4958,7 @@
         </p:blipFill>
         <p:spPr>
           <a:xfrm>
-            <a:off x="635250" y="7733400"/>
+            <a:off x="635250" y="6976157"/>
             <a:ext cx="1024800" cy="1024800"/>
           </a:xfrm>
           <a:prstGeom prst="rect">
@@ -4858,6 +5063,10 @@
           </p:nvPr>
         </p:nvSpPr>
         <p:spPr>
+          <a:xfrm>
+            <a:off x="1155700" y="2603500"/>
+            <a:ext cx="13932000" cy="1868488"/>
+          </a:xfrm>
           <a:prstGeom prst="rect">
             <a:avLst/>
           </a:prstGeom>
@@ -4945,7 +5154,7 @@
               <a:buChar char="•"/>
             </a:pPr>
             <a:r>
-              <a:rPr lang="en-US" sz="3600" u="none" strike="noStrike" cap="none">
+              <a:rPr lang="en-US" sz="3600" u="none" strike="noStrike" cap="none" dirty="0">
                 <a:solidFill>
                   <a:schemeClr val="lt1"/>
                 </a:solidFill>
@@ -4957,7 +5166,7 @@
               <a:t>First we sort the dictionary by the key using the </a:t>
             </a:r>
             <a:r>
-              <a:rPr lang="en-US" sz="3600" u="none" strike="noStrike" cap="none">
+              <a:rPr lang="en-US" sz="3600" u="none" strike="noStrike" cap="none" dirty="0">
                 <a:solidFill>
                   <a:srgbClr val="FF00FF"/>
                 </a:solidFill>
@@ -4969,7 +5178,7 @@
               <a:t>items</a:t>
             </a:r>
             <a:r>
-              <a:rPr lang="en-US" sz="3600" u="none" strike="noStrike" cap="none">
+              <a:rPr lang="en-US" sz="3600" u="none" strike="noStrike" cap="none" dirty="0">
                 <a:solidFill>
                   <a:schemeClr val="lt1"/>
                 </a:solidFill>
@@ -4991,7 +5200,7 @@
         </p:nvSpPr>
         <p:spPr>
           <a:xfrm>
-            <a:off x="4876800" y="5403850"/>
+            <a:off x="4891088" y="4789487"/>
             <a:ext cx="8469300" cy="3390900"/>
           </a:xfrm>
           <a:prstGeom prst="rect">
@@ -5550,6 +5759,10 @@
           </p:nvPr>
         </p:nvSpPr>
         <p:spPr>
+          <a:xfrm>
+            <a:off x="1155700" y="789708"/>
+            <a:ext cx="6716713" cy="1750191"/>
+          </a:xfrm>
           <a:prstGeom prst="rect">
             <a:avLst/>
           </a:prstGeom>
@@ -5582,7 +5795,7 @@
               <a:buNone/>
             </a:pPr>
             <a:r>
-              <a:rPr lang="en-US" sz="7800" u="none" strike="noStrike" cap="none">
+              <a:rPr lang="en-US" sz="7800" u="none" strike="noStrike" cap="none" dirty="0">
                 <a:solidFill>
                   <a:srgbClr val="FFFF00"/>
                 </a:solidFill>
@@ -5598,7 +5811,7 @@
       </p:sp>
       <p:sp>
         <p:nvSpPr>
-          <p:cNvPr id="2" name="Text Placeholder 1"/>
+          <p:cNvPr id="3" name="Text Placeholder 2"/>
           <p:cNvSpPr>
             <a:spLocks noGrp="1"/>
           </p:cNvSpPr>
@@ -5606,12 +5819,74 @@
             <p:ph type="body" idx="1"/>
           </p:nvPr>
         </p:nvSpPr>
-        <p:spPr/>
+        <p:spPr>
+          <a:xfrm>
+            <a:off x="1155700" y="2603500"/>
+            <a:ext cx="4987925" cy="5702398"/>
+          </a:xfrm>
+        </p:spPr>
         <p:txBody>
           <a:bodyPr/>
           <a:lstStyle/>
           <a:p>
-            <a:endParaRPr lang="en-US"/>
+            <a:pPr lvl="0"/>
+            <a:r>
+              <a:rPr lang="en-US" dirty="0">
+                <a:solidFill>
+                  <a:schemeClr val="lt1"/>
+                </a:solidFill>
+                <a:latin typeface="Arial" charset="0"/>
+                <a:ea typeface="Arial" charset="0"/>
+                <a:cs typeface="Arial" charset="0"/>
+                <a:sym typeface="Cabin"/>
+              </a:rPr>
+              <a:t> We can do this even more directly using the built-in function </a:t>
+            </a:r>
+            <a:r>
+              <a:rPr lang="en-US" dirty="0">
+                <a:solidFill>
+                  <a:srgbClr val="FF00FF"/>
+                </a:solidFill>
+                <a:latin typeface="Arial" charset="0"/>
+                <a:ea typeface="Arial" charset="0"/>
+                <a:cs typeface="Arial" charset="0"/>
+                <a:sym typeface="Cabin"/>
+              </a:rPr>
+              <a:t>sorted</a:t>
+            </a:r>
+            <a:r>
+              <a:rPr lang="en-US" dirty="0">
+                <a:solidFill>
+                  <a:schemeClr val="lt1"/>
+                </a:solidFill>
+                <a:latin typeface="Arial" charset="0"/>
+                <a:ea typeface="Arial" charset="0"/>
+                <a:cs typeface="Arial" charset="0"/>
+                <a:sym typeface="Cabin"/>
+              </a:rPr>
+              <a:t> that takes a sequence as a parameter and returns a sorted </a:t>
+            </a:r>
+            <a:r>
+              <a:rPr lang="en-US" dirty="0" smtClean="0">
+                <a:solidFill>
+                  <a:schemeClr val="lt1"/>
+                </a:solidFill>
+                <a:latin typeface="Arial" charset="0"/>
+                <a:ea typeface="Arial" charset="0"/>
+                <a:cs typeface="Arial" charset="0"/>
+                <a:sym typeface="Cabin"/>
+              </a:rPr>
+              <a:t>sequence</a:t>
+            </a:r>
+            <a:endParaRPr lang="en-US" dirty="0">
+              <a:solidFill>
+                <a:schemeClr val="lt1"/>
+              </a:solidFill>
+              <a:latin typeface="Arial" charset="0"/>
+              <a:ea typeface="Arial" charset="0"/>
+              <a:cs typeface="Arial" charset="0"/>
+              <a:sym typeface="Cabin"/>
+            </a:endParaRPr>
           </a:p>
         </p:txBody>
       </p:sp>
@@ -5623,8 +5898,8 @@
         </p:nvSpPr>
         <p:spPr>
           <a:xfrm>
-            <a:off x="7131975" y="1132925"/>
-            <a:ext cx="9123900" cy="6705599"/>
+            <a:off x="8258175" y="1132925"/>
+            <a:ext cx="7997700" cy="6705599"/>
           </a:xfrm>
           <a:prstGeom prst="rect">
             <a:avLst/>
@@ -5658,7 +5933,7 @@
               <a:buNone/>
             </a:pPr>
             <a:r>
-              <a:rPr lang="en-US" sz="3000" b="1" i="0" u="none" strike="noStrike" cap="none">
+              <a:rPr lang="en-US" sz="3000" b="1" i="0" u="none" strike="noStrike" cap="none" dirty="0">
                 <a:solidFill>
                   <a:schemeClr val="lt1"/>
                 </a:solidFill>
@@ -5670,7 +5945,7 @@
               <a:t>&gt;&gt;&gt; </a:t>
             </a:r>
             <a:r>
-              <a:rPr lang="en-US" sz="3000" b="1" i="0" u="none" strike="noStrike" cap="none">
+              <a:rPr lang="en-US" sz="3000" b="1" i="0" u="none" strike="noStrike" cap="none" dirty="0">
                 <a:solidFill>
                   <a:srgbClr val="00FF00"/>
                 </a:solidFill>
@@ -5682,7 +5957,7 @@
               <a:t>d</a:t>
             </a:r>
             <a:r>
-              <a:rPr lang="en-US" sz="3000" b="1" i="0" u="none" strike="noStrike" cap="none">
+              <a:rPr lang="en-US" sz="3000" b="1" i="0" u="none" strike="noStrike" cap="none" dirty="0">
                 <a:solidFill>
                   <a:schemeClr val="lt1"/>
                 </a:solidFill>
@@ -5713,7 +5988,7 @@
               <a:buNone/>
             </a:pPr>
             <a:r>
-              <a:rPr lang="en-US" sz="3000" b="1" i="0" u="none" strike="noStrike" cap="none">
+              <a:rPr lang="en-US" sz="3000" b="1" i="0" u="none" strike="noStrike" cap="none" dirty="0">
                 <a:solidFill>
                   <a:schemeClr val="lt1"/>
                 </a:solidFill>
@@ -5725,7 +6000,7 @@
               <a:t>&gt;&gt;&gt; </a:t>
             </a:r>
             <a:r>
-              <a:rPr lang="en-US" sz="3000" b="1" i="0" u="none" strike="noStrike" cap="none">
+              <a:rPr lang="en-US" sz="3000" b="1" i="0" u="none" strike="noStrike" cap="none" dirty="0" err="1">
                 <a:solidFill>
                   <a:srgbClr val="00FF00"/>
                 </a:solidFill>
@@ -5737,7 +6012,7 @@
               <a:t>d</a:t>
             </a:r>
             <a:r>
-              <a:rPr lang="en-US" sz="3000" b="1" i="0" u="none" strike="noStrike" cap="none">
+              <a:rPr lang="en-US" sz="3000" b="1" i="0" u="none" strike="noStrike" cap="none" dirty="0" err="1">
                 <a:solidFill>
                   <a:srgbClr val="FF00FF"/>
                 </a:solidFill>
@@ -5749,7 +6024,7 @@
               <a:t>.items</a:t>
             </a:r>
             <a:r>
-              <a:rPr lang="en-US" sz="3000" b="1" i="0" u="none" strike="noStrike" cap="none">
+              <a:rPr lang="en-US" sz="3000" b="1" i="0" u="none" strike="noStrike" cap="none" dirty="0">
                 <a:solidFill>
                   <a:schemeClr val="lt1"/>
                 </a:solidFill>
@@ -5780,7 +6055,7 @@
               <a:buNone/>
             </a:pPr>
             <a:r>
-              <a:rPr lang="en-US" sz="3000" b="1" i="0" u="none" strike="noStrike" cap="none">
+              <a:rPr lang="en-US" sz="3000" b="1" i="0" u="none" strike="noStrike" cap="none" dirty="0">
                 <a:solidFill>
                   <a:schemeClr val="lt1"/>
                 </a:solidFill>
@@ -5792,7 +6067,7 @@
               <a:t>[</a:t>
             </a:r>
             <a:r>
-              <a:rPr lang="en-US" sz="3000" b="1" i="0" u="none" strike="noStrike" cap="none">
+              <a:rPr lang="en-US" sz="3000" b="1" i="0" u="none" strike="noStrike" cap="none" dirty="0">
                 <a:solidFill>
                   <a:srgbClr val="FF7F00"/>
                 </a:solidFill>
@@ -5804,7 +6079,7 @@
               <a:t>('a', 10), ('c', 22), ('b', 1)</a:t>
             </a:r>
             <a:r>
-              <a:rPr lang="en-US" sz="3000" b="1" i="0" u="none" strike="noStrike" cap="none">
+              <a:rPr lang="en-US" sz="3000" b="1" i="0" u="none" strike="noStrike" cap="none" dirty="0">
                 <a:solidFill>
                   <a:schemeClr val="lt1"/>
                 </a:solidFill>
@@ -5835,7 +6110,7 @@
               <a:buNone/>
             </a:pPr>
             <a:r>
-              <a:rPr lang="en-US" sz="3000" b="1" i="0" u="none" strike="noStrike" cap="none">
+              <a:rPr lang="en-US" sz="3000" b="1" i="0" u="none" strike="noStrike" cap="none" dirty="0">
                 <a:solidFill>
                   <a:schemeClr val="lt1"/>
                 </a:solidFill>
@@ -5847,7 +6122,7 @@
               <a:t>&gt;&gt;&gt; </a:t>
             </a:r>
             <a:r>
-              <a:rPr lang="en-US" sz="3000" b="1" i="0" u="none" strike="noStrike" cap="none">
+              <a:rPr lang="en-US" sz="3000" b="1" i="0" u="none" strike="noStrike" cap="none" dirty="0">
                 <a:solidFill>
                   <a:srgbClr val="00FF00"/>
                 </a:solidFill>
@@ -5859,7 +6134,7 @@
               <a:t>t</a:t>
             </a:r>
             <a:r>
-              <a:rPr lang="en-US" sz="3000" b="1" i="0" u="none" strike="noStrike" cap="none">
+              <a:rPr lang="en-US" sz="3000" b="1" i="0" u="none" strike="noStrike" cap="none" dirty="0">
                 <a:solidFill>
                   <a:schemeClr val="lt1"/>
                 </a:solidFill>
@@ -5871,7 +6146,7 @@
               <a:t> = </a:t>
             </a:r>
             <a:r>
-              <a:rPr lang="en-US" sz="3000" b="1" i="0" u="none" strike="noStrike" cap="none">
+              <a:rPr lang="en-US" sz="3000" b="1" i="0" u="none" strike="noStrike" cap="none" dirty="0">
                 <a:solidFill>
                   <a:srgbClr val="FF00FF"/>
                 </a:solidFill>
@@ -5883,7 +6158,7 @@
               <a:t>sorted</a:t>
             </a:r>
             <a:r>
-              <a:rPr lang="en-US" sz="3000" b="1" i="0" u="none" strike="noStrike" cap="none">
+              <a:rPr lang="en-US" sz="3000" b="1" i="0" u="none" strike="noStrike" cap="none" dirty="0">
                 <a:solidFill>
                   <a:schemeClr val="lt1"/>
                 </a:solidFill>
@@ -5895,7 +6170,7 @@
               <a:t>(</a:t>
             </a:r>
             <a:r>
-              <a:rPr lang="en-US" sz="3000" b="1" i="0" u="none" strike="noStrike" cap="none">
+              <a:rPr lang="en-US" sz="3000" b="1" i="0" u="none" strike="noStrike" cap="none" dirty="0" err="1">
                 <a:solidFill>
                   <a:srgbClr val="00FF00"/>
                 </a:solidFill>
@@ -5907,7 +6182,7 @@
               <a:t>d</a:t>
             </a:r>
             <a:r>
-              <a:rPr lang="en-US" sz="3000" b="1" i="0" u="none" strike="noStrike" cap="none">
+              <a:rPr lang="en-US" sz="3000" b="1" i="0" u="none" strike="noStrike" cap="none" dirty="0" err="1">
                 <a:solidFill>
                   <a:srgbClr val="FF00FF"/>
                 </a:solidFill>
@@ -5919,7 +6194,7 @@
               <a:t>.items</a:t>
             </a:r>
             <a:r>
-              <a:rPr lang="en-US" sz="3000" b="1" i="0" u="none" strike="noStrike" cap="none">
+              <a:rPr lang="en-US" sz="3000" b="1" i="0" u="none" strike="noStrike" cap="none" dirty="0">
                 <a:solidFill>
                   <a:schemeClr val="lt1"/>
                 </a:solidFill>
@@ -5950,7 +6225,7 @@
               <a:buNone/>
             </a:pPr>
             <a:r>
-              <a:rPr lang="en-US" sz="3000" b="1" i="0" u="none" strike="noStrike" cap="none">
+              <a:rPr lang="en-US" sz="3000" b="1" i="0" u="none" strike="noStrike" cap="none" dirty="0">
                 <a:solidFill>
                   <a:schemeClr val="lt1"/>
                 </a:solidFill>
@@ -5962,7 +6237,7 @@
               <a:t>&gt;&gt;&gt; </a:t>
             </a:r>
             <a:r>
-              <a:rPr lang="en-US" sz="3000" b="1" i="0" u="none" strike="noStrike" cap="none">
+              <a:rPr lang="en-US" sz="3000" b="1" i="0" u="none" strike="noStrike" cap="none" dirty="0">
                 <a:solidFill>
                   <a:srgbClr val="00FF00"/>
                 </a:solidFill>
@@ -5993,7 +6268,7 @@
               <a:buNone/>
             </a:pPr>
             <a:r>
-              <a:rPr lang="en-US" sz="3000" b="1" i="0" u="none" strike="noStrike" cap="none">
+              <a:rPr lang="en-US" sz="3000" b="1" i="0" u="none" strike="noStrike" cap="none" dirty="0">
                 <a:solidFill>
                   <a:schemeClr val="lt1"/>
                 </a:solidFill>
@@ -6005,7 +6280,7 @@
               <a:t>[</a:t>
             </a:r>
             <a:r>
-              <a:rPr lang="en-US" sz="3000" b="1" i="0" u="none" strike="noStrike" cap="none">
+              <a:rPr lang="en-US" sz="3000" b="1" i="0" u="none" strike="noStrike" cap="none" dirty="0">
                 <a:solidFill>
                   <a:srgbClr val="FF7F00"/>
                 </a:solidFill>
@@ -6017,7 +6292,7 @@
               <a:t>('a', 10)</a:t>
             </a:r>
             <a:r>
-              <a:rPr lang="en-US" sz="3000" b="1" i="0" u="none" strike="noStrike" cap="none">
+              <a:rPr lang="en-US" sz="3000" b="1" i="0" u="none" strike="noStrike" cap="none" dirty="0">
                 <a:solidFill>
                   <a:schemeClr val="lt1"/>
                 </a:solidFill>
@@ -6029,7 +6304,7 @@
               <a:t>, </a:t>
             </a:r>
             <a:r>
-              <a:rPr lang="en-US" sz="3000" b="1" i="0" u="none" strike="noStrike" cap="none">
+              <a:rPr lang="en-US" sz="3000" b="1" i="0" u="none" strike="noStrike" cap="none" dirty="0">
                 <a:solidFill>
                   <a:srgbClr val="FF7F00"/>
                 </a:solidFill>
@@ -6041,7 +6316,7 @@
               <a:t>('b', 1)</a:t>
             </a:r>
             <a:r>
-              <a:rPr lang="en-US" sz="3000" b="1" i="0" u="none" strike="noStrike" cap="none">
+              <a:rPr lang="en-US" sz="3000" b="1" i="0" u="none" strike="noStrike" cap="none" dirty="0">
                 <a:solidFill>
                   <a:schemeClr val="lt1"/>
                 </a:solidFill>
@@ -6053,7 +6328,7 @@
               <a:t>, </a:t>
             </a:r>
             <a:r>
-              <a:rPr lang="en-US" sz="3000" b="1" i="0" u="none" strike="noStrike" cap="none">
+              <a:rPr lang="en-US" sz="3000" b="1" i="0" u="none" strike="noStrike" cap="none" dirty="0">
                 <a:solidFill>
                   <a:srgbClr val="FF7F00"/>
                 </a:solidFill>
@@ -6065,7 +6340,7 @@
               <a:t>('c', 22)</a:t>
             </a:r>
             <a:r>
-              <a:rPr lang="en-US" sz="3000" b="1" i="0" u="none" strike="noStrike" cap="none">
+              <a:rPr lang="en-US" sz="3000" b="1" i="0" u="none" strike="noStrike" cap="none" dirty="0">
                 <a:solidFill>
                   <a:schemeClr val="lt1"/>
                 </a:solidFill>
@@ -6096,7 +6371,7 @@
               <a:buNone/>
             </a:pPr>
             <a:r>
-              <a:rPr lang="en-US" sz="3000" b="1" i="0" u="none" strike="noStrike" cap="none">
+              <a:rPr lang="en-US" sz="3000" b="1" i="0" u="none" strike="noStrike" cap="none" dirty="0">
                 <a:solidFill>
                   <a:schemeClr val="lt1"/>
                 </a:solidFill>
@@ -6108,7 +6383,7 @@
               <a:t>&gt;&gt;&gt; </a:t>
             </a:r>
             <a:r>
-              <a:rPr lang="en-US" sz="3000" b="1" i="0" u="none" strike="noStrike" cap="none">
+              <a:rPr lang="en-US" sz="3000" b="1" i="0" u="none" strike="noStrike" cap="none" dirty="0">
                 <a:solidFill>
                   <a:srgbClr val="FFFF00"/>
                 </a:solidFill>
@@ -6120,7 +6395,7 @@
               <a:t>for</a:t>
             </a:r>
             <a:r>
-              <a:rPr lang="en-US" sz="3000" b="1" i="0" u="none" strike="noStrike" cap="none">
+              <a:rPr lang="en-US" sz="3000" b="1" i="0" u="none" strike="noStrike" cap="none" dirty="0">
                 <a:solidFill>
                   <a:schemeClr val="lt1"/>
                 </a:solidFill>
@@ -6132,7 +6407,7 @@
               <a:t> </a:t>
             </a:r>
             <a:r>
-              <a:rPr lang="en-US" sz="3000" b="1" i="0" u="none" strike="noStrike" cap="none">
+              <a:rPr lang="en-US" sz="3000" b="1" i="0" u="none" strike="noStrike" cap="none" dirty="0">
                 <a:solidFill>
                   <a:srgbClr val="FF7F00"/>
                 </a:solidFill>
@@ -6144,7 +6419,7 @@
               <a:t>k, v</a:t>
             </a:r>
             <a:r>
-              <a:rPr lang="en-US" sz="3000" b="1" i="0" u="none" strike="noStrike" cap="none">
+              <a:rPr lang="en-US" sz="3000" b="1" i="0" u="none" strike="noStrike" cap="none" dirty="0">
                 <a:solidFill>
                   <a:schemeClr val="lt1"/>
                 </a:solidFill>
@@ -6156,7 +6431,7 @@
               <a:t> </a:t>
             </a:r>
             <a:r>
-              <a:rPr lang="en-US" sz="3000" b="1" i="0" u="none" strike="noStrike" cap="none">
+              <a:rPr lang="en-US" sz="3000" b="1" i="0" u="none" strike="noStrike" cap="none" dirty="0">
                 <a:solidFill>
                   <a:srgbClr val="FFFF00"/>
                 </a:solidFill>
@@ -6168,7 +6443,7 @@
               <a:t>in</a:t>
             </a:r>
             <a:r>
-              <a:rPr lang="en-US" sz="3000" b="1" i="0" u="none" strike="noStrike" cap="none">
+              <a:rPr lang="en-US" sz="3000" b="1" i="0" u="none" strike="noStrike" cap="none" dirty="0">
                 <a:solidFill>
                   <a:schemeClr val="lt1"/>
                 </a:solidFill>
@@ -6180,7 +6455,7 @@
               <a:t> </a:t>
             </a:r>
             <a:r>
-              <a:rPr lang="en-US" sz="3000" b="1" i="0" u="none" strike="noStrike" cap="none">
+              <a:rPr lang="en-US" sz="3000" b="1" i="0" u="none" strike="noStrike" cap="none" dirty="0">
                 <a:solidFill>
                   <a:srgbClr val="FF00FF"/>
                 </a:solidFill>
@@ -6192,7 +6467,7 @@
               <a:t>sorted</a:t>
             </a:r>
             <a:r>
-              <a:rPr lang="en-US" sz="3000" b="1" i="0" u="none" strike="noStrike" cap="none">
+              <a:rPr lang="en-US" sz="3000" b="1" i="0" u="none" strike="noStrike" cap="none" dirty="0">
                 <a:solidFill>
                   <a:schemeClr val="lt1"/>
                 </a:solidFill>
@@ -6204,7 +6479,7 @@
               <a:t>(</a:t>
             </a:r>
             <a:r>
-              <a:rPr lang="en-US" sz="3000" b="1" i="0" u="none" strike="noStrike" cap="none">
+              <a:rPr lang="en-US" sz="3000" b="1" i="0" u="none" strike="noStrike" cap="none" dirty="0" err="1">
                 <a:solidFill>
                   <a:srgbClr val="00FF00"/>
                 </a:solidFill>
@@ -6216,7 +6491,7 @@
               <a:t>d</a:t>
             </a:r>
             <a:r>
-              <a:rPr lang="en-US" sz="3000" b="1" i="0" u="none" strike="noStrike" cap="none">
+              <a:rPr lang="en-US" sz="3000" b="1" i="0" u="none" strike="noStrike" cap="none" dirty="0" err="1">
                 <a:solidFill>
                   <a:srgbClr val="FF00FF"/>
                 </a:solidFill>
@@ -6228,7 +6503,7 @@
               <a:t>.items</a:t>
             </a:r>
             <a:r>
-              <a:rPr lang="en-US" sz="3000" b="1" i="0" u="none" strike="noStrike" cap="none">
+              <a:rPr lang="en-US" sz="3000" b="1" i="0" u="none" strike="noStrike" cap="none" dirty="0">
                 <a:solidFill>
                   <a:schemeClr val="lt1"/>
                 </a:solidFill>
@@ -6259,7 +6534,7 @@
               <a:buNone/>
             </a:pPr>
             <a:r>
-              <a:rPr lang="en-US" sz="3000" b="1" i="0" u="none" strike="noStrike" cap="none">
+              <a:rPr lang="en-US" sz="3000" b="1" i="0" u="none" strike="noStrike" cap="none" dirty="0" smtClean="0">
                 <a:solidFill>
                   <a:schemeClr val="lt1"/>
                 </a:solidFill>
@@ -6271,7 +6546,7 @@
               <a:t>...    </a:t>
             </a:r>
             <a:r>
-              <a:rPr lang="en-US" sz="3000" b="1" i="0" u="none" strike="noStrike" cap="none">
+              <a:rPr lang="en-US" sz="3000" b="1" i="0" u="none" strike="noStrike" cap="none" dirty="0" smtClean="0">
                 <a:solidFill>
                   <a:srgbClr val="FFFF00"/>
                 </a:solidFill>
@@ -6280,22 +6555,10 @@
                 <a:cs typeface="Courier New"/>
                 <a:sym typeface="Courier New"/>
               </a:rPr>
-              <a:t>print</a:t>
-            </a:r>
-            <a:r>
-              <a:rPr lang="en-US" sz="3000" b="1" i="0" u="none" strike="noStrike" cap="none">
-                <a:solidFill>
-                  <a:schemeClr val="lt1"/>
-                </a:solidFill>
-                <a:latin typeface="Courier New"/>
-                <a:ea typeface="Courier New"/>
-                <a:cs typeface="Courier New"/>
-                <a:sym typeface="Courier New"/>
-              </a:rPr>
-              <a:t> </a:t>
-            </a:r>
-            <a:r>
-              <a:rPr lang="en-US" sz="3000" b="1" i="0" u="none" strike="noStrike" cap="none">
+              <a:t>print(</a:t>
+            </a:r>
+            <a:r>
+              <a:rPr lang="en-US" sz="3000" b="1" i="0" u="none" strike="noStrike" cap="none" dirty="0" smtClean="0">
                 <a:solidFill>
                   <a:srgbClr val="00FF00"/>
                 </a:solidFill>
@@ -6307,7 +6570,7 @@
               <a:t>k</a:t>
             </a:r>
             <a:r>
-              <a:rPr lang="en-US" sz="3000" b="1" i="0" u="none" strike="noStrike" cap="none">
+              <a:rPr lang="en-US" sz="3000" b="1" i="0" u="none" strike="noStrike" cap="none" dirty="0" smtClean="0">
                 <a:solidFill>
                   <a:schemeClr val="lt1"/>
                 </a:solidFill>
@@ -6319,7 +6582,7 @@
               <a:t>, </a:t>
             </a:r>
             <a:r>
-              <a:rPr lang="en-US" sz="3000" b="1" i="0" u="none" strike="noStrike" cap="none">
+              <a:rPr lang="en-US" sz="3000" b="1" i="0" u="none" strike="noStrike" cap="none" dirty="0" smtClean="0">
                 <a:solidFill>
                   <a:srgbClr val="00FF00"/>
                 </a:solidFill>
@@ -6329,6 +6592,18 @@
                 <a:sym typeface="Courier New"/>
               </a:rPr>
               <a:t>v</a:t>
+            </a:r>
+            <a:r>
+              <a:rPr lang="en-US" sz="3000" b="1" i="0" u="none" strike="noStrike" cap="none" dirty="0" smtClean="0">
+                <a:solidFill>
+                  <a:srgbClr val="FFFF00"/>
+                </a:solidFill>
+                <a:latin typeface="Courier New"/>
+                <a:ea typeface="Courier New"/>
+                <a:cs typeface="Courier New"/>
+                <a:sym typeface="Courier New"/>
+              </a:rPr>
+              <a:t>)</a:t>
             </a:r>
           </a:p>
           <a:p>
@@ -6350,7 +6625,7 @@
               <a:buNone/>
             </a:pPr>
             <a:r>
-              <a:rPr lang="en-US" sz="3000" b="1" i="0" u="none" strike="noStrike" cap="none">
+              <a:rPr lang="en-US" sz="3000" b="1" i="0" u="none" strike="noStrike" cap="none" dirty="0" smtClean="0">
                 <a:solidFill>
                   <a:schemeClr val="lt1"/>
                 </a:solidFill>
@@ -6361,6 +6636,15 @@
               </a:rPr>
               <a:t>...</a:t>
             </a:r>
+            <a:endParaRPr lang="en-US" sz="3000" b="1" i="0" u="none" strike="noStrike" cap="none" dirty="0">
+              <a:solidFill>
+                <a:schemeClr val="lt1"/>
+              </a:solidFill>
+              <a:latin typeface="Courier New"/>
+              <a:ea typeface="Courier New"/>
+              <a:cs typeface="Courier New"/>
+              <a:sym typeface="Courier New"/>
+            </a:endParaRPr>
           </a:p>
           <a:p>
             <a:pPr marL="0" marR="0" lvl="0" indent="0" algn="l" rtl="0">
@@ -6381,7 +6665,7 @@
               <a:buNone/>
             </a:pPr>
             <a:r>
-              <a:rPr lang="en-US" sz="3000" b="1" i="0" u="none" strike="noStrike" cap="none">
+              <a:rPr lang="en-US" sz="3000" b="1" i="0" u="none" strike="noStrike" cap="none" dirty="0">
                 <a:solidFill>
                   <a:schemeClr val="lt1"/>
                 </a:solidFill>
@@ -6412,7 +6696,7 @@
               <a:buNone/>
             </a:pPr>
             <a:r>
-              <a:rPr lang="en-US" sz="3000" b="1" i="0" u="none" strike="noStrike" cap="none">
+              <a:rPr lang="en-US" sz="3000" b="1" i="0" u="none" strike="noStrike" cap="none" dirty="0">
                 <a:solidFill>
                   <a:schemeClr val="lt1"/>
                 </a:solidFill>
@@ -6443,7 +6727,7 @@
               <a:buNone/>
             </a:pPr>
             <a:r>
-              <a:rPr lang="en-US" sz="3000" b="1" i="0" u="none" strike="noStrike" cap="none">
+              <a:rPr lang="en-US" sz="3000" b="1" i="0" u="none" strike="noStrike" cap="none" dirty="0">
                 <a:solidFill>
                   <a:schemeClr val="lt1"/>
                 </a:solidFill>
@@ -6453,87 +6737,6 @@
                 <a:sym typeface="Courier New"/>
               </a:rPr>
               <a:t>c 22</a:t>
-            </a:r>
-          </a:p>
-        </p:txBody>
-      </p:sp>
-      <p:sp>
-        <p:nvSpPr>
-          <p:cNvPr id="239" name="Shape 239"/>
-          <p:cNvSpPr txBox="1"/>
-          <p:nvPr/>
-        </p:nvSpPr>
-        <p:spPr>
-          <a:xfrm>
-            <a:off x="1206037" y="3705550"/>
-            <a:ext cx="5054700" cy="3454498"/>
-          </a:xfrm>
-          <a:prstGeom prst="rect">
-            <a:avLst/>
-          </a:prstGeom>
-          <a:noFill/>
-          <a:ln>
-            <a:noFill/>
-          </a:ln>
-        </p:spPr>
-        <p:txBody>
-          <a:bodyPr lIns="0" tIns="0" rIns="0" bIns="0" anchor="ctr" anchorCtr="0">
-            <a:noAutofit/>
-          </a:bodyPr>
-          <a:lstStyle/>
-          <a:p>
-            <a:pPr marL="0" marR="0" lvl="0" indent="0" algn="l" rtl="0">
-              <a:lnSpc>
-                <a:spcPct val="100000"/>
-              </a:lnSpc>
-              <a:spcBef>
-                <a:spcPts val="0"/>
-              </a:spcBef>
-              <a:spcAft>
-                <a:spcPts val="0"/>
-              </a:spcAft>
-              <a:buClr>
-                <a:schemeClr val="lt1"/>
-              </a:buClr>
-              <a:buSzPct val="25000"/>
-              <a:buFont typeface="Cabin"/>
-              <a:buNone/>
-            </a:pPr>
-            <a:r>
-              <a:rPr lang="en-US" sz="3600" u="none" strike="noStrike" cap="none">
-                <a:solidFill>
-                  <a:schemeClr val="lt1"/>
-                </a:solidFill>
-                <a:latin typeface="Arial" charset="0"/>
-                <a:ea typeface="Arial" charset="0"/>
-                <a:cs typeface="Arial" charset="0"/>
-                <a:sym typeface="Cabin"/>
-              </a:rPr>
-              <a:t> We can do this even more directly using the built-in function </a:t>
-            </a:r>
-            <a:r>
-              <a:rPr lang="en-US" sz="3600" u="none" strike="noStrike" cap="none">
-                <a:solidFill>
-                  <a:srgbClr val="FF00FF"/>
-                </a:solidFill>
-                <a:latin typeface="Arial" charset="0"/>
-                <a:ea typeface="Arial" charset="0"/>
-                <a:cs typeface="Arial" charset="0"/>
-                <a:sym typeface="Cabin"/>
-              </a:rPr>
-              <a:t>sorted</a:t>
-            </a:r>
-            <a:r>
-              <a:rPr lang="en-US" sz="3600" u="none" strike="noStrike" cap="none">
-                <a:solidFill>
-                  <a:schemeClr val="lt1"/>
-                </a:solidFill>
-                <a:latin typeface="Arial" charset="0"/>
-                <a:ea typeface="Arial" charset="0"/>
-                <a:cs typeface="Arial" charset="0"/>
-                <a:sym typeface="Cabin"/>
-              </a:rPr>
-              <a:t> that takes a sequence as a parameter and returns a sorted sequence</a:t>
             </a:r>
           </a:p>
         </p:txBody>
@@ -6631,6 +6834,10 @@
           </p:nvPr>
         </p:nvSpPr>
         <p:spPr>
+          <a:xfrm>
+            <a:off x="1155700" y="2603500"/>
+            <a:ext cx="5788025" cy="5702398"/>
+          </a:xfrm>
           <a:prstGeom prst="rect">
             <a:avLst/>
           </a:prstGeom>
@@ -6766,7 +6973,7 @@
               <a:buChar char="•"/>
             </a:pPr>
             <a:r>
-              <a:rPr lang="en-US" sz="3600" u="none" strike="noStrike" cap="none">
+              <a:rPr lang="en-US" sz="3600" u="none" strike="noStrike" cap="none" dirty="0">
                 <a:solidFill>
                   <a:schemeClr val="lt1"/>
                 </a:solidFill>
@@ -6778,7 +6985,7 @@
               <a:t>We do this with a </a:t>
             </a:r>
             <a:r>
-              <a:rPr lang="en-US" sz="3600" u="none" strike="noStrike" cap="none">
+              <a:rPr lang="en-US" sz="3600" u="none" strike="noStrike" cap="none" dirty="0">
                 <a:solidFill>
                   <a:srgbClr val="FFFF00"/>
                 </a:solidFill>
@@ -6790,7 +6997,7 @@
               <a:t>for</a:t>
             </a:r>
             <a:r>
-              <a:rPr lang="en-US" sz="3600" u="none" strike="noStrike" cap="none">
+              <a:rPr lang="en-US" sz="3600" u="none" strike="noStrike" cap="none" dirty="0">
                 <a:solidFill>
                   <a:schemeClr val="lt1"/>
                 </a:solidFill>
@@ -6812,8 +7019,8 @@
         </p:nvSpPr>
         <p:spPr>
           <a:xfrm>
-            <a:off x="7569200" y="2603500"/>
-            <a:ext cx="9105900" cy="4800600"/>
+            <a:off x="8315324" y="2603500"/>
+            <a:ext cx="8359775" cy="4800600"/>
           </a:xfrm>
           <a:prstGeom prst="rect">
             <a:avLst/>
@@ -6847,7 +7054,7 @@
               <a:buNone/>
             </a:pPr>
             <a:r>
-              <a:rPr lang="en-US" sz="3000" b="1" i="0" u="none" strike="noStrike" cap="none">
+              <a:rPr lang="en-US" sz="3000" b="1" i="0" u="none" strike="noStrike" cap="none" dirty="0">
                 <a:solidFill>
                   <a:schemeClr val="lt1"/>
                 </a:solidFill>
@@ -6859,7 +7066,7 @@
               <a:t>&gt;&gt;&gt; </a:t>
             </a:r>
             <a:r>
-              <a:rPr lang="en-US" sz="3000" b="1" i="0" u="none" strike="noStrike" cap="none">
+              <a:rPr lang="en-US" sz="3000" b="1" i="0" u="none" strike="noStrike" cap="none" dirty="0">
                 <a:solidFill>
                   <a:srgbClr val="00FF00"/>
                 </a:solidFill>
@@ -6871,7 +7078,7 @@
               <a:t>c</a:t>
             </a:r>
             <a:r>
-              <a:rPr lang="en-US" sz="3000" b="1" i="0" u="none" strike="noStrike" cap="none">
+              <a:rPr lang="en-US" sz="3000" b="1" i="0" u="none" strike="noStrike" cap="none" dirty="0">
                 <a:solidFill>
                   <a:schemeClr val="lt1"/>
                 </a:solidFill>
@@ -6902,7 +7109,7 @@
               <a:buNone/>
             </a:pPr>
             <a:r>
-              <a:rPr lang="en-US" sz="3000" b="1" i="0" u="none" strike="noStrike" cap="none">
+              <a:rPr lang="en-US" sz="3000" b="1" i="0" u="none" strike="noStrike" cap="none" dirty="0">
                 <a:solidFill>
                   <a:schemeClr val="lt1"/>
                 </a:solidFill>
@@ -6914,7 +7121,7 @@
               <a:t>&gt;&gt;&gt; </a:t>
             </a:r>
             <a:r>
-              <a:rPr lang="en-US" sz="3000" b="1" i="0" u="none" strike="noStrike" cap="none">
+              <a:rPr lang="en-US" sz="3000" b="1" i="0" u="none" strike="noStrike" cap="none" dirty="0" err="1">
                 <a:solidFill>
                   <a:srgbClr val="00FF00"/>
                 </a:solidFill>
@@ -6926,7 +7133,7 @@
               <a:t>tmp</a:t>
             </a:r>
             <a:r>
-              <a:rPr lang="en-US" sz="3000" b="1" i="0" u="none" strike="noStrike" cap="none">
+              <a:rPr lang="en-US" sz="3000" b="1" i="0" u="none" strike="noStrike" cap="none" dirty="0">
                 <a:solidFill>
                   <a:schemeClr val="lt1"/>
                 </a:solidFill>
@@ -6938,7 +7145,7 @@
               <a:t> = </a:t>
             </a:r>
             <a:r>
-              <a:rPr lang="en-US" sz="3000" b="1" i="0" u="none" strike="noStrike" cap="none">
+              <a:rPr lang="en-US" sz="3000" b="1" i="0" u="none" strike="noStrike" cap="none" dirty="0">
                 <a:solidFill>
                   <a:srgbClr val="FF00FF"/>
                 </a:solidFill>
@@ -6950,7 +7157,7 @@
               <a:t>list</a:t>
             </a:r>
             <a:r>
-              <a:rPr lang="en-US" sz="3000" b="1" i="0" u="none" strike="noStrike" cap="none">
+              <a:rPr lang="en-US" sz="3000" b="1" i="0" u="none" strike="noStrike" cap="none" dirty="0">
                 <a:solidFill>
                   <a:schemeClr val="lt1"/>
                 </a:solidFill>
@@ -6981,7 +7188,7 @@
               <a:buNone/>
             </a:pPr>
             <a:r>
-              <a:rPr lang="en-US" sz="3000" b="1" i="0" u="none" strike="noStrike" cap="none">
+              <a:rPr lang="en-US" sz="3000" b="1" i="0" u="none" strike="noStrike" cap="none" dirty="0">
                 <a:solidFill>
                   <a:schemeClr val="lt1"/>
                 </a:solidFill>
@@ -6993,7 +7200,7 @@
               <a:t>&gt;&gt;&gt; </a:t>
             </a:r>
             <a:r>
-              <a:rPr lang="en-US" sz="3000" b="1" i="0" u="none" strike="noStrike" cap="none">
+              <a:rPr lang="en-US" sz="3000" b="1" i="0" u="none" strike="noStrike" cap="none" dirty="0">
                 <a:solidFill>
                   <a:srgbClr val="FFFF00"/>
                 </a:solidFill>
@@ -7005,7 +7212,7 @@
               <a:t>for</a:t>
             </a:r>
             <a:r>
-              <a:rPr lang="en-US" sz="3000" b="1" i="0" u="none" strike="noStrike" cap="none">
+              <a:rPr lang="en-US" sz="3000" b="1" i="0" u="none" strike="noStrike" cap="none" dirty="0">
                 <a:solidFill>
                   <a:schemeClr val="lt1"/>
                 </a:solidFill>
@@ -7017,7 +7224,7 @@
               <a:t> </a:t>
             </a:r>
             <a:r>
-              <a:rPr lang="en-US" sz="3000" b="1" i="0" u="none" strike="noStrike" cap="none">
+              <a:rPr lang="en-US" sz="3000" b="1" i="0" u="none" strike="noStrike" cap="none" dirty="0">
                 <a:solidFill>
                   <a:srgbClr val="FF7F00"/>
                 </a:solidFill>
@@ -7029,7 +7236,7 @@
               <a:t>k, v</a:t>
             </a:r>
             <a:r>
-              <a:rPr lang="en-US" sz="3000" b="1" i="0" u="none" strike="noStrike" cap="none">
+              <a:rPr lang="en-US" sz="3000" b="1" i="0" u="none" strike="noStrike" cap="none" dirty="0">
                 <a:solidFill>
                   <a:schemeClr val="lt1"/>
                 </a:solidFill>
@@ -7041,7 +7248,7 @@
               <a:t> </a:t>
             </a:r>
             <a:r>
-              <a:rPr lang="en-US" sz="3000" b="1" i="0" u="none" strike="noStrike" cap="none">
+              <a:rPr lang="en-US" sz="3000" b="1" i="0" u="none" strike="noStrike" cap="none" dirty="0">
                 <a:solidFill>
                   <a:srgbClr val="FFFF00"/>
                 </a:solidFill>
@@ -7053,7 +7260,7 @@
               <a:t>in</a:t>
             </a:r>
             <a:r>
-              <a:rPr lang="en-US" sz="3000" b="1" i="0" u="none" strike="noStrike" cap="none">
+              <a:rPr lang="en-US" sz="3000" b="1" i="0" u="none" strike="noStrike" cap="none" dirty="0">
                 <a:solidFill>
                   <a:schemeClr val="lt1"/>
                 </a:solidFill>
@@ -7065,7 +7272,7 @@
               <a:t> </a:t>
             </a:r>
             <a:r>
-              <a:rPr lang="en-US" sz="3000" b="1" i="0" u="none" strike="noStrike" cap="none">
+              <a:rPr lang="en-US" sz="3000" b="1" i="0" u="none" strike="noStrike" cap="none" dirty="0" err="1">
                 <a:solidFill>
                   <a:srgbClr val="00FF00"/>
                 </a:solidFill>
@@ -7077,7 +7284,7 @@
               <a:t>c</a:t>
             </a:r>
             <a:r>
-              <a:rPr lang="en-US" sz="3000" b="1" i="0" u="none" strike="noStrike" cap="none">
+              <a:rPr lang="en-US" sz="3000" b="1" i="0" u="none" strike="noStrike" cap="none" dirty="0" err="1">
                 <a:solidFill>
                   <a:srgbClr val="FF00FF"/>
                 </a:solidFill>
@@ -7089,7 +7296,7 @@
               <a:t>.items</a:t>
             </a:r>
             <a:r>
-              <a:rPr lang="en-US" sz="3000" b="1" i="0" u="none" strike="noStrike" cap="none">
+              <a:rPr lang="en-US" sz="3000" b="1" i="0" u="none" strike="noStrike" cap="none" dirty="0">
                 <a:solidFill>
                   <a:schemeClr val="lt1"/>
                 </a:solidFill>
@@ -7120,7 +7327,7 @@
               <a:buNone/>
             </a:pPr>
             <a:r>
-              <a:rPr lang="en-US" sz="3000" b="1" i="0" u="none" strike="noStrike" cap="none">
+              <a:rPr lang="en-US" sz="3000" b="1" i="0" u="none" strike="noStrike" cap="none" dirty="0">
                 <a:solidFill>
                   <a:schemeClr val="lt1"/>
                 </a:solidFill>
@@ -7132,7 +7339,7 @@
               <a:t>...     </a:t>
             </a:r>
             <a:r>
-              <a:rPr lang="en-US" sz="3000" b="1" i="0" u="none" strike="noStrike" cap="none">
+              <a:rPr lang="en-US" sz="3000" b="1" i="0" u="none" strike="noStrike" cap="none" dirty="0" err="1">
                 <a:solidFill>
                   <a:srgbClr val="00FF00"/>
                 </a:solidFill>
@@ -7144,7 +7351,7 @@
               <a:t>tmp</a:t>
             </a:r>
             <a:r>
-              <a:rPr lang="en-US" sz="3000" b="1" i="0" u="none" strike="noStrike" cap="none">
+              <a:rPr lang="en-US" sz="3000" b="1" i="0" u="none" strike="noStrike" cap="none" dirty="0" err="1">
                 <a:solidFill>
                   <a:srgbClr val="FF00FF"/>
                 </a:solidFill>
@@ -7156,7 +7363,7 @@
               <a:t>.append</a:t>
             </a:r>
             <a:r>
-              <a:rPr lang="en-US" sz="3000" b="1" i="0" u="none" strike="noStrike" cap="none">
+              <a:rPr lang="en-US" sz="3000" b="1" i="0" u="none" strike="noStrike" cap="none" dirty="0">
                 <a:solidFill>
                   <a:schemeClr val="lt1"/>
                 </a:solidFill>
@@ -7168,7 +7375,7 @@
               <a:t>( </a:t>
             </a:r>
             <a:r>
-              <a:rPr lang="en-US" sz="3000" b="1" i="0" u="none" strike="noStrike" cap="none">
+              <a:rPr lang="en-US" sz="3000" b="1" i="0" u="none" strike="noStrike" cap="none" dirty="0">
                 <a:solidFill>
                   <a:srgbClr val="FF7F00"/>
                 </a:solidFill>
@@ -7180,7 +7387,7 @@
               <a:t>(v, k)</a:t>
             </a:r>
             <a:r>
-              <a:rPr lang="en-US" sz="3000" b="1" i="0" u="none" strike="noStrike" cap="none">
+              <a:rPr lang="en-US" sz="3000" b="1" i="0" u="none" strike="noStrike" cap="none" dirty="0">
                 <a:solidFill>
                   <a:schemeClr val="lt1"/>
                 </a:solidFill>
@@ -7211,7 +7418,7 @@
               <a:buNone/>
             </a:pPr>
             <a:r>
-              <a:rPr lang="en-US" sz="3000" b="1" i="0" u="none" strike="noStrike" cap="none">
+              <a:rPr lang="en-US" sz="3000" b="1" i="0" u="none" strike="noStrike" cap="none" dirty="0">
                 <a:solidFill>
                   <a:schemeClr val="lt1"/>
                 </a:solidFill>
@@ -7222,6 +7429,83 @@
               </a:rPr>
               <a:t>... </a:t>
             </a:r>
+          </a:p>
+          <a:p>
+            <a:pPr lvl="0">
+              <a:buClr>
+                <a:schemeClr val="lt1"/>
+              </a:buClr>
+              <a:buSzPct val="25000"/>
+            </a:pPr>
+            <a:r>
+              <a:rPr lang="en-US" sz="3000" b="1" i="0" u="none" strike="noStrike" cap="none" dirty="0">
+                <a:solidFill>
+                  <a:schemeClr val="lt1"/>
+                </a:solidFill>
+                <a:latin typeface="Courier New"/>
+                <a:ea typeface="Courier New"/>
+                <a:cs typeface="Courier New"/>
+                <a:sym typeface="Courier New"/>
+              </a:rPr>
+              <a:t>&gt;&gt;&gt; </a:t>
+            </a:r>
+            <a:r>
+              <a:rPr lang="en-US" sz="3000" b="1" i="0" u="none" strike="noStrike" cap="none" dirty="0" smtClean="0">
+                <a:solidFill>
+                  <a:srgbClr val="FFFF00"/>
+                </a:solidFill>
+                <a:latin typeface="Courier New"/>
+                <a:ea typeface="Courier New"/>
+                <a:cs typeface="Courier New"/>
+                <a:sym typeface="Courier New"/>
+              </a:rPr>
+              <a:t>print</a:t>
+            </a:r>
+            <a:r>
+              <a:rPr lang="en-US" sz="3000" b="1" dirty="0">
+                <a:solidFill>
+                  <a:schemeClr val="lt1"/>
+                </a:solidFill>
+                <a:latin typeface="Courier New"/>
+                <a:ea typeface="Courier New"/>
+                <a:cs typeface="Courier New"/>
+                <a:sym typeface="Courier New"/>
+              </a:rPr>
+              <a:t>(</a:t>
+            </a:r>
+            <a:r>
+              <a:rPr lang="en-US" sz="3000" b="1" i="0" u="none" strike="noStrike" cap="none" dirty="0" err="1" smtClean="0">
+                <a:solidFill>
+                  <a:srgbClr val="00FF00"/>
+                </a:solidFill>
+                <a:latin typeface="Courier New"/>
+                <a:ea typeface="Courier New"/>
+                <a:cs typeface="Courier New"/>
+                <a:sym typeface="Courier New"/>
+              </a:rPr>
+              <a:t>tmp</a:t>
+            </a:r>
+            <a:r>
+              <a:rPr lang="en-US" sz="3000" b="1" dirty="0" smtClean="0">
+                <a:solidFill>
+                  <a:srgbClr val="FFFF00"/>
+                </a:solidFill>
+                <a:latin typeface="Courier New"/>
+                <a:ea typeface="Courier New"/>
+                <a:cs typeface="Courier New"/>
+                <a:sym typeface="Courier New"/>
+              </a:rPr>
+              <a:t>)</a:t>
+            </a:r>
+            <a:endParaRPr lang="en-US" sz="3000" b="1" i="0" u="none" strike="noStrike" cap="none" dirty="0">
+              <a:solidFill>
+                <a:srgbClr val="00FF00"/>
+              </a:solidFill>
+              <a:latin typeface="Courier New"/>
+              <a:ea typeface="Courier New"/>
+              <a:cs typeface="Courier New"/>
+              <a:sym typeface="Courier New"/>
+            </a:endParaRPr>
           </a:p>
           <a:p>
             <a:pPr marL="0" marR="0" lvl="0" indent="0" algn="l" rtl="0">
@@ -7242,52 +7526,16 @@
               <a:buNone/>
             </a:pPr>
             <a:r>
-              <a:rPr lang="en-US" sz="3000" b="1" i="0" u="none" strike="noStrike" cap="none">
-                <a:solidFill>
-                  <a:schemeClr val="lt1"/>
-                </a:solidFill>
-                <a:latin typeface="Courier New"/>
-                <a:ea typeface="Courier New"/>
-                <a:cs typeface="Courier New"/>
-                <a:sym typeface="Courier New"/>
-              </a:rPr>
-              <a:t>&gt;&gt;&gt; </a:t>
-            </a:r>
-            <a:r>
-              <a:rPr lang="en-US" sz="3000" b="1" i="0" u="none" strike="noStrike" cap="none">
-                <a:solidFill>
-                  <a:srgbClr val="FFFF00"/>
-                </a:solidFill>
-                <a:latin typeface="Courier New"/>
-                <a:ea typeface="Courier New"/>
-                <a:cs typeface="Courier New"/>
-                <a:sym typeface="Courier New"/>
-              </a:rPr>
-              <a:t>print</a:t>
-            </a:r>
-            <a:r>
-              <a:rPr lang="en-US" sz="3000" b="1" i="0" u="none" strike="noStrike" cap="none">
-                <a:solidFill>
-                  <a:schemeClr val="lt1"/>
-                </a:solidFill>
-                <a:latin typeface="Courier New"/>
-                <a:ea typeface="Courier New"/>
-                <a:cs typeface="Courier New"/>
-                <a:sym typeface="Courier New"/>
-              </a:rPr>
-              <a:t> </a:t>
-            </a:r>
-            <a:r>
-              <a:rPr lang="en-US" sz="3000" b="1" i="0" u="none" strike="noStrike" cap="none">
-                <a:solidFill>
-                  <a:srgbClr val="00FF00"/>
-                </a:solidFill>
-                <a:latin typeface="Courier New"/>
-                <a:ea typeface="Courier New"/>
-                <a:cs typeface="Courier New"/>
-                <a:sym typeface="Courier New"/>
-              </a:rPr>
-              <a:t>tmp</a:t>
+              <a:rPr lang="en-US" sz="3000" b="1" i="0" u="none" strike="noStrike" cap="none" dirty="0">
+                <a:solidFill>
+                  <a:schemeClr val="lt1"/>
+                </a:solidFill>
+                <a:latin typeface="Courier New"/>
+                <a:ea typeface="Courier New"/>
+                <a:cs typeface="Courier New"/>
+                <a:sym typeface="Courier New"/>
+              </a:rPr>
+              <a:t>[(10, 'a'), (22, 'c'), (1, 'b')]</a:t>
             </a:r>
           </a:p>
           <a:p>
@@ -7309,17 +7557,118 @@
               <a:buNone/>
             </a:pPr>
             <a:r>
-              <a:rPr lang="en-US" sz="3000" b="1" i="0" u="none" strike="noStrike" cap="none">
-                <a:solidFill>
-                  <a:schemeClr val="lt1"/>
-                </a:solidFill>
-                <a:latin typeface="Courier New"/>
-                <a:ea typeface="Courier New"/>
-                <a:cs typeface="Courier New"/>
-                <a:sym typeface="Courier New"/>
-              </a:rPr>
-              <a:t>[(10, 'a'), (22, 'c'), (1, 'b')]</a:t>
-            </a:r>
+              <a:rPr lang="en-US" sz="3000" b="1" i="0" u="none" strike="noStrike" cap="none" dirty="0">
+                <a:solidFill>
+                  <a:schemeClr val="lt1"/>
+                </a:solidFill>
+                <a:latin typeface="Courier New"/>
+                <a:ea typeface="Courier New"/>
+                <a:cs typeface="Courier New"/>
+                <a:sym typeface="Courier New"/>
+              </a:rPr>
+              <a:t>&gt;&gt;&gt; </a:t>
+            </a:r>
+            <a:r>
+              <a:rPr lang="en-US" sz="3000" b="1" i="0" u="none" strike="noStrike" cap="none" dirty="0" err="1">
+                <a:solidFill>
+                  <a:srgbClr val="00FF00"/>
+                </a:solidFill>
+                <a:latin typeface="Courier New"/>
+                <a:ea typeface="Courier New"/>
+                <a:cs typeface="Courier New"/>
+                <a:sym typeface="Courier New"/>
+              </a:rPr>
+              <a:t>tmp</a:t>
+            </a:r>
+            <a:r>
+              <a:rPr lang="en-US" sz="3000" b="1" i="0" u="none" strike="noStrike" cap="none" dirty="0" err="1">
+                <a:solidFill>
+                  <a:srgbClr val="FF00FF"/>
+                </a:solidFill>
+                <a:latin typeface="Courier New"/>
+                <a:ea typeface="Courier New"/>
+                <a:cs typeface="Courier New"/>
+                <a:sym typeface="Courier New"/>
+              </a:rPr>
+              <a:t>.sort</a:t>
+            </a:r>
+            <a:r>
+              <a:rPr lang="en-US" sz="3000" b="1" i="0" u="none" strike="noStrike" cap="none" dirty="0">
+                <a:solidFill>
+                  <a:srgbClr val="FF00FF"/>
+                </a:solidFill>
+                <a:latin typeface="Courier New"/>
+                <a:ea typeface="Courier New"/>
+                <a:cs typeface="Courier New"/>
+                <a:sym typeface="Courier New"/>
+              </a:rPr>
+              <a:t>(reverse=True)</a:t>
+            </a:r>
+          </a:p>
+          <a:p>
+            <a:pPr lvl="0">
+              <a:buClr>
+                <a:schemeClr val="lt1"/>
+              </a:buClr>
+              <a:buSzPct val="25000"/>
+            </a:pPr>
+            <a:r>
+              <a:rPr lang="en-US" sz="3000" b="1" i="0" u="none" strike="noStrike" cap="none" dirty="0">
+                <a:solidFill>
+                  <a:schemeClr val="lt1"/>
+                </a:solidFill>
+                <a:latin typeface="Courier New"/>
+                <a:ea typeface="Courier New"/>
+                <a:cs typeface="Courier New"/>
+                <a:sym typeface="Courier New"/>
+              </a:rPr>
+              <a:t>&gt;&gt;&gt; </a:t>
+            </a:r>
+            <a:r>
+              <a:rPr lang="en-US" sz="3000" b="1" i="0" u="none" strike="noStrike" cap="none" dirty="0" smtClean="0">
+                <a:solidFill>
+                  <a:srgbClr val="FFFF00"/>
+                </a:solidFill>
+                <a:latin typeface="Courier New"/>
+                <a:ea typeface="Courier New"/>
+                <a:cs typeface="Courier New"/>
+                <a:sym typeface="Courier New"/>
+              </a:rPr>
+              <a:t>print(</a:t>
+            </a:r>
+            <a:r>
+              <a:rPr lang="en-US" sz="3000" b="1" i="0" u="none" strike="noStrike" cap="none" dirty="0" err="1" smtClean="0">
+                <a:solidFill>
+                  <a:srgbClr val="00FF00"/>
+                </a:solidFill>
+                <a:latin typeface="Courier New"/>
+                <a:ea typeface="Courier New"/>
+                <a:cs typeface="Courier New"/>
+                <a:sym typeface="Courier New"/>
+              </a:rPr>
+              <a:t>tmp</a:t>
+            </a:r>
+            <a:r>
+              <a:rPr lang="en-US" sz="3000" b="1" dirty="0" smtClean="0">
+                <a:solidFill>
+                  <a:srgbClr val="FFFF00"/>
+                </a:solidFill>
+                <a:latin typeface="Courier New"/>
+                <a:ea typeface="Courier New"/>
+                <a:cs typeface="Courier New"/>
+                <a:sym typeface="Courier New"/>
+              </a:rPr>
+              <a:t>)</a:t>
+            </a:r>
+            <a:endParaRPr lang="en-US" sz="3000" b="1" i="0" u="none" strike="noStrike" cap="none" dirty="0">
+              <a:solidFill>
+                <a:srgbClr val="00FF00"/>
+              </a:solidFill>
+              <a:latin typeface="Courier New"/>
+              <a:ea typeface="Courier New"/>
+              <a:cs typeface="Courier New"/>
+              <a:sym typeface="Courier New"/>
+            </a:endParaRPr>
           </a:p>
           <a:p>
             <a:pPr marL="0" marR="0" lvl="0" indent="0" algn="l" rtl="0">
@@ -7340,129 +7689,7 @@
               <a:buNone/>
             </a:pPr>
             <a:r>
-              <a:rPr lang="en-US" sz="3000" b="1" i="0" u="none" strike="noStrike" cap="none">
-                <a:solidFill>
-                  <a:schemeClr val="lt1"/>
-                </a:solidFill>
-                <a:latin typeface="Courier New"/>
-                <a:ea typeface="Courier New"/>
-                <a:cs typeface="Courier New"/>
-                <a:sym typeface="Courier New"/>
-              </a:rPr>
-              <a:t>&gt;&gt;&gt; </a:t>
-            </a:r>
-            <a:r>
-              <a:rPr lang="en-US" sz="3000" b="1" i="0" u="none" strike="noStrike" cap="none">
-                <a:solidFill>
-                  <a:srgbClr val="00FF00"/>
-                </a:solidFill>
-                <a:latin typeface="Courier New"/>
-                <a:ea typeface="Courier New"/>
-                <a:cs typeface="Courier New"/>
-                <a:sym typeface="Courier New"/>
-              </a:rPr>
-              <a:t>tmp</a:t>
-            </a:r>
-            <a:r>
-              <a:rPr lang="en-US" sz="3000" b="1" i="0" u="none" strike="noStrike" cap="none">
-                <a:solidFill>
-                  <a:srgbClr val="FF00FF"/>
-                </a:solidFill>
-                <a:latin typeface="Courier New"/>
-                <a:ea typeface="Courier New"/>
-                <a:cs typeface="Courier New"/>
-                <a:sym typeface="Courier New"/>
-              </a:rPr>
-              <a:t>.sort(reverse=True)</a:t>
-            </a:r>
-          </a:p>
-          <a:p>
-            <a:pPr marL="0" marR="0" lvl="0" indent="0" algn="l" rtl="0">
-              <a:lnSpc>
-                <a:spcPct val="100000"/>
-              </a:lnSpc>
-              <a:spcBef>
-                <a:spcPts val="0"/>
-              </a:spcBef>
-              <a:spcAft>
-                <a:spcPts val="0"/>
-              </a:spcAft>
-              <a:buClr>
-                <a:schemeClr val="lt1"/>
-              </a:buClr>
-              <a:buSzPct val="25000"/>
-              <a:buFont typeface="Courier New"/>
-              <a:buNone/>
-            </a:pPr>
-            <a:r>
-              <a:rPr lang="en-US" sz="3000" b="1" i="0" u="none" strike="noStrike" cap="none">
-                <a:solidFill>
-                  <a:schemeClr val="lt1"/>
-                </a:solidFill>
-                <a:latin typeface="Courier New"/>
-                <a:ea typeface="Courier New"/>
-                <a:cs typeface="Courier New"/>
-                <a:sym typeface="Courier New"/>
-              </a:rPr>
-              <a:t>&gt;&gt;&gt; </a:t>
-            </a:r>
-            <a:r>
-              <a:rPr lang="en-US" sz="3000" b="1" i="0" u="none" strike="noStrike" cap="none">
-                <a:solidFill>
-                  <a:srgbClr val="FFFF00"/>
-                </a:solidFill>
-                <a:latin typeface="Courier New"/>
-                <a:ea typeface="Courier New"/>
-                <a:cs typeface="Courier New"/>
-                <a:sym typeface="Courier New"/>
-              </a:rPr>
-              <a:t>print</a:t>
-            </a:r>
-            <a:r>
-              <a:rPr lang="en-US" sz="3000" b="1" i="0" u="none" strike="noStrike" cap="none">
-                <a:solidFill>
-                  <a:schemeClr val="lt1"/>
-                </a:solidFill>
-                <a:latin typeface="Courier New"/>
-                <a:ea typeface="Courier New"/>
-                <a:cs typeface="Courier New"/>
-                <a:sym typeface="Courier New"/>
-              </a:rPr>
-              <a:t> </a:t>
-            </a:r>
-            <a:r>
-              <a:rPr lang="en-US" sz="3000" b="1" i="0" u="none" strike="noStrike" cap="none">
-                <a:solidFill>
-                  <a:srgbClr val="00FF00"/>
-                </a:solidFill>
-                <a:latin typeface="Courier New"/>
-                <a:ea typeface="Courier New"/>
-                <a:cs typeface="Courier New"/>
-                <a:sym typeface="Courier New"/>
-              </a:rPr>
-              <a:t>tmp</a:t>
-            </a:r>
-          </a:p>
-          <a:p>
-            <a:pPr marL="0" marR="0" lvl="0" indent="0" algn="l" rtl="0">
-              <a:lnSpc>
-                <a:spcPct val="100000"/>
-              </a:lnSpc>
-              <a:spcBef>
-                <a:spcPts val="0"/>
-              </a:spcBef>
-              <a:spcAft>
-                <a:spcPts val="0"/>
-              </a:spcAft>
-              <a:buClr>
-                <a:schemeClr val="lt1"/>
-              </a:buClr>
-              <a:buSzPct val="25000"/>
-              <a:buFont typeface="Courier New"/>
-              <a:buNone/>
-            </a:pPr>
-            <a:r>
-              <a:rPr lang="en-US" sz="3000" b="1" i="0" u="none" strike="noStrike" cap="none">
+              <a:rPr lang="en-US" sz="3000" b="1" i="0" u="none" strike="noStrike" cap="none" dirty="0">
                 <a:solidFill>
                   <a:schemeClr val="lt1"/>
                 </a:solidFill>
@@ -7509,8 +7736,8 @@
         </p:nvSpPr>
         <p:spPr>
           <a:xfrm>
-            <a:off x="1016950" y="803250"/>
-            <a:ext cx="13487400" cy="7537500"/>
+            <a:off x="1016950" y="871538"/>
+            <a:ext cx="13487400" cy="7153273"/>
           </a:xfrm>
           <a:prstGeom prst="rect">
             <a:avLst/>
@@ -7544,7 +7771,7 @@
               <a:buNone/>
             </a:pPr>
             <a:r>
-              <a:rPr lang="en-US" sz="3000" b="1" i="0" u="none" strike="noStrike" cap="none">
+              <a:rPr lang="en-US" sz="3000" b="1" i="0" u="none" strike="noStrike" cap="none" dirty="0" err="1">
                 <a:solidFill>
                   <a:srgbClr val="00FF00"/>
                 </a:solidFill>
@@ -7556,7 +7783,7 @@
               <a:t>fhand</a:t>
             </a:r>
             <a:r>
-              <a:rPr lang="en-US" sz="3000" b="1" i="0" u="none" strike="noStrike" cap="none">
+              <a:rPr lang="en-US" sz="3000" b="1" i="0" u="none" strike="noStrike" cap="none" dirty="0">
                 <a:solidFill>
                   <a:schemeClr val="lt1"/>
                 </a:solidFill>
@@ -7568,7 +7795,7 @@
               <a:t> = </a:t>
             </a:r>
             <a:r>
-              <a:rPr lang="en-US" sz="3000" b="1" i="0" u="none" strike="noStrike" cap="none">
+              <a:rPr lang="en-US" sz="3000" b="1" i="0" u="none" strike="noStrike" cap="none" dirty="0">
                 <a:solidFill>
                   <a:srgbClr val="FF00FF"/>
                 </a:solidFill>
@@ -7580,16 +7807,40 @@
               <a:t>open</a:t>
             </a:r>
             <a:r>
-              <a:rPr lang="en-US" sz="3000" b="1" i="0" u="none" strike="noStrike" cap="none">
-                <a:solidFill>
-                  <a:schemeClr val="lt1"/>
-                </a:solidFill>
-                <a:latin typeface="Courier New"/>
-                <a:ea typeface="Courier New"/>
-                <a:cs typeface="Courier New"/>
-                <a:sym typeface="Courier New"/>
-              </a:rPr>
-              <a:t>('romeo.txt')</a:t>
+              <a:rPr lang="en-US" sz="3000" b="1" i="0" u="none" strike="noStrike" cap="none" dirty="0">
+                <a:solidFill>
+                  <a:schemeClr val="lt1"/>
+                </a:solidFill>
+                <a:latin typeface="Courier New"/>
+                <a:ea typeface="Courier New"/>
+                <a:cs typeface="Courier New"/>
+                <a:sym typeface="Courier New"/>
+              </a:rPr>
+              <a:t>('</a:t>
+            </a:r>
+            <a:r>
+              <a:rPr lang="en-US" sz="3000" b="1" i="0" u="none" strike="noStrike" cap="none" dirty="0" err="1">
+                <a:solidFill>
+                  <a:schemeClr val="lt1"/>
+                </a:solidFill>
+                <a:latin typeface="Courier New"/>
+                <a:ea typeface="Courier New"/>
+                <a:cs typeface="Courier New"/>
+                <a:sym typeface="Courier New"/>
+              </a:rPr>
+              <a:t>romeo.txt</a:t>
+            </a:r>
+            <a:r>
+              <a:rPr lang="en-US" sz="3000" b="1" i="0" u="none" strike="noStrike" cap="none" dirty="0">
+                <a:solidFill>
+                  <a:schemeClr val="lt1"/>
+                </a:solidFill>
+                <a:latin typeface="Courier New"/>
+                <a:ea typeface="Courier New"/>
+                <a:cs typeface="Courier New"/>
+                <a:sym typeface="Courier New"/>
+              </a:rPr>
+              <a:t>')</a:t>
             </a:r>
           </a:p>
           <a:p>
@@ -7611,7 +7862,7 @@
               <a:buNone/>
             </a:pPr>
             <a:r>
-              <a:rPr lang="en-US" sz="3000" b="1" i="0" u="none" strike="noStrike" cap="none">
+              <a:rPr lang="en-US" sz="3000" b="1" i="0" u="none" strike="noStrike" cap="none" dirty="0">
                 <a:solidFill>
                   <a:srgbClr val="00FF00"/>
                 </a:solidFill>
@@ -7623,7 +7874,7 @@
               <a:t>counts</a:t>
             </a:r>
             <a:r>
-              <a:rPr lang="en-US" sz="3000" b="1" i="0" u="none" strike="noStrike" cap="none">
+              <a:rPr lang="en-US" sz="3000" b="1" i="0" u="none" strike="noStrike" cap="none" dirty="0">
                 <a:solidFill>
                   <a:schemeClr val="lt1"/>
                 </a:solidFill>
@@ -7635,7 +7886,7 @@
               <a:t> = </a:t>
             </a:r>
             <a:r>
-              <a:rPr lang="en-US" sz="3000" b="1" i="0" u="none" strike="noStrike" cap="none">
+              <a:rPr lang="en-US" sz="3000" b="1" i="0" u="none" strike="noStrike" cap="none" dirty="0" err="1">
                 <a:solidFill>
                   <a:srgbClr val="FF00FF"/>
                 </a:solidFill>
@@ -7647,7 +7898,7 @@
               <a:t>dict</a:t>
             </a:r>
             <a:r>
-              <a:rPr lang="en-US" sz="3000" b="1" i="0" u="none" strike="noStrike" cap="none">
+              <a:rPr lang="en-US" sz="3000" b="1" i="0" u="none" strike="noStrike" cap="none" dirty="0">
                 <a:solidFill>
                   <a:schemeClr val="lt1"/>
                 </a:solidFill>
@@ -7678,7 +7929,7 @@
               <a:buNone/>
             </a:pPr>
             <a:r>
-              <a:rPr lang="en-US" sz="3000" b="1" i="0" u="none" strike="noStrike" cap="none">
+              <a:rPr lang="en-US" sz="3000" b="1" i="0" u="none" strike="noStrike" cap="none" dirty="0">
                 <a:solidFill>
                   <a:srgbClr val="FFFF00"/>
                 </a:solidFill>
@@ -7690,7 +7941,7 @@
               <a:t>for</a:t>
             </a:r>
             <a:r>
-              <a:rPr lang="en-US" sz="3000" b="1" i="0" u="none" strike="noStrike" cap="none">
+              <a:rPr lang="en-US" sz="3000" b="1" i="0" u="none" strike="noStrike" cap="none" dirty="0">
                 <a:solidFill>
                   <a:schemeClr val="lt1"/>
                 </a:solidFill>
@@ -7702,7 +7953,7 @@
               <a:t> </a:t>
             </a:r>
             <a:r>
-              <a:rPr lang="en-US" sz="3000" b="1" i="0" u="none" strike="noStrike" cap="none">
+              <a:rPr lang="en-US" sz="3000" b="1" i="0" u="none" strike="noStrike" cap="none" dirty="0">
                 <a:solidFill>
                   <a:srgbClr val="00FF00"/>
                 </a:solidFill>
@@ -7714,7 +7965,7 @@
               <a:t>line</a:t>
             </a:r>
             <a:r>
-              <a:rPr lang="en-US" sz="3000" b="1" i="0" u="none" strike="noStrike" cap="none">
+              <a:rPr lang="en-US" sz="3000" b="1" i="0" u="none" strike="noStrike" cap="none" dirty="0">
                 <a:solidFill>
                   <a:schemeClr val="lt1"/>
                 </a:solidFill>
@@ -7726,7 +7977,7 @@
               <a:t> </a:t>
             </a:r>
             <a:r>
-              <a:rPr lang="en-US" sz="3000" b="1" i="0" u="none" strike="noStrike" cap="none">
+              <a:rPr lang="en-US" sz="3000" b="1" i="0" u="none" strike="noStrike" cap="none" dirty="0">
                 <a:solidFill>
                   <a:srgbClr val="FFFF00"/>
                 </a:solidFill>
@@ -7738,7 +7989,7 @@
               <a:t>in</a:t>
             </a:r>
             <a:r>
-              <a:rPr lang="en-US" sz="3000" b="1" i="0" u="none" strike="noStrike" cap="none">
+              <a:rPr lang="en-US" sz="3000" b="1" i="0" u="none" strike="noStrike" cap="none" dirty="0">
                 <a:solidFill>
                   <a:schemeClr val="lt1"/>
                 </a:solidFill>
@@ -7750,7 +8001,7 @@
               <a:t> </a:t>
             </a:r>
             <a:r>
-              <a:rPr lang="en-US" sz="3000" b="1" i="0" u="none" strike="noStrike" cap="none">
+              <a:rPr lang="en-US" sz="3000" b="1" i="0" u="none" strike="noStrike" cap="none" dirty="0" err="1">
                 <a:solidFill>
                   <a:srgbClr val="00FF00"/>
                 </a:solidFill>
@@ -7762,7 +8013,7 @@
               <a:t>fhand</a:t>
             </a:r>
             <a:r>
-              <a:rPr lang="en-US" sz="3000" b="1" i="0" u="none" strike="noStrike" cap="none">
+              <a:rPr lang="en-US" sz="3000" b="1" i="0" u="none" strike="noStrike" cap="none" dirty="0">
                 <a:solidFill>
                   <a:schemeClr val="lt1"/>
                 </a:solidFill>
@@ -7793,7 +8044,7 @@
               <a:buNone/>
             </a:pPr>
             <a:r>
-              <a:rPr lang="en-US" sz="3000" b="1" i="0" u="none" strike="noStrike" cap="none">
+              <a:rPr lang="en-US" sz="3000" b="1" i="0" u="none" strike="noStrike" cap="none" dirty="0">
                 <a:solidFill>
                   <a:schemeClr val="lt1"/>
                 </a:solidFill>
@@ -7805,7 +8056,7 @@
               <a:t>    </a:t>
             </a:r>
             <a:r>
-              <a:rPr lang="en-US" sz="3000" b="1" i="0" u="none" strike="noStrike" cap="none">
+              <a:rPr lang="en-US" sz="3000" b="1" i="0" u="none" strike="noStrike" cap="none" dirty="0">
                 <a:solidFill>
                   <a:srgbClr val="00FF00"/>
                 </a:solidFill>
@@ -7817,7 +8068,7 @@
               <a:t>words</a:t>
             </a:r>
             <a:r>
-              <a:rPr lang="en-US" sz="3000" b="1" i="0" u="none" strike="noStrike" cap="none">
+              <a:rPr lang="en-US" sz="3000" b="1" i="0" u="none" strike="noStrike" cap="none" dirty="0">
                 <a:solidFill>
                   <a:schemeClr val="lt1"/>
                 </a:solidFill>
@@ -7829,7 +8080,7 @@
               <a:t> = </a:t>
             </a:r>
             <a:r>
-              <a:rPr lang="en-US" sz="3000" b="1" i="0" u="none" strike="noStrike" cap="none">
+              <a:rPr lang="en-US" sz="3000" b="1" i="0" u="none" strike="noStrike" cap="none" dirty="0" err="1">
                 <a:solidFill>
                   <a:srgbClr val="00FF00"/>
                 </a:solidFill>
@@ -7841,7 +8092,7 @@
               <a:t>line</a:t>
             </a:r>
             <a:r>
-              <a:rPr lang="en-US" sz="3000" b="1" i="0" u="none" strike="noStrike" cap="none">
+              <a:rPr lang="en-US" sz="3000" b="1" i="0" u="none" strike="noStrike" cap="none" dirty="0" err="1">
                 <a:solidFill>
                   <a:srgbClr val="FF00FF"/>
                 </a:solidFill>
@@ -7853,7 +8104,7 @@
               <a:t>.split</a:t>
             </a:r>
             <a:r>
-              <a:rPr lang="en-US" sz="3000" b="1" i="0" u="none" strike="noStrike" cap="none">
+              <a:rPr lang="en-US" sz="3000" b="1" i="0" u="none" strike="noStrike" cap="none" dirty="0">
                 <a:solidFill>
                   <a:schemeClr val="lt1"/>
                 </a:solidFill>
@@ -7884,7 +8135,7 @@
               <a:buNone/>
             </a:pPr>
             <a:r>
-              <a:rPr lang="en-US" sz="3000" b="1" i="0" u="none" strike="noStrike" cap="none">
+              <a:rPr lang="en-US" sz="3000" b="1" i="0" u="none" strike="noStrike" cap="none" dirty="0">
                 <a:solidFill>
                   <a:schemeClr val="lt1"/>
                 </a:solidFill>
@@ -7896,7 +8147,7 @@
               <a:t>    </a:t>
             </a:r>
             <a:r>
-              <a:rPr lang="en-US" sz="3000" b="1" i="0" u="none" strike="noStrike" cap="none">
+              <a:rPr lang="en-US" sz="3000" b="1" i="0" u="none" strike="noStrike" cap="none" dirty="0">
                 <a:solidFill>
                   <a:srgbClr val="FFFF00"/>
                 </a:solidFill>
@@ -7908,7 +8159,7 @@
               <a:t>for</a:t>
             </a:r>
             <a:r>
-              <a:rPr lang="en-US" sz="3000" b="1" i="0" u="none" strike="noStrike" cap="none">
+              <a:rPr lang="en-US" sz="3000" b="1" i="0" u="none" strike="noStrike" cap="none" dirty="0">
                 <a:solidFill>
                   <a:schemeClr val="lt1"/>
                 </a:solidFill>
@@ -7920,7 +8171,7 @@
               <a:t> </a:t>
             </a:r>
             <a:r>
-              <a:rPr lang="en-US" sz="3000" b="1" i="0" u="none" strike="noStrike" cap="none">
+              <a:rPr lang="en-US" sz="3000" b="1" i="0" u="none" strike="noStrike" cap="none" dirty="0">
                 <a:solidFill>
                   <a:srgbClr val="00FF00"/>
                 </a:solidFill>
@@ -7932,7 +8183,7 @@
               <a:t>word</a:t>
             </a:r>
             <a:r>
-              <a:rPr lang="en-US" sz="3000" b="1" i="0" u="none" strike="noStrike" cap="none">
+              <a:rPr lang="en-US" sz="3000" b="1" i="0" u="none" strike="noStrike" cap="none" dirty="0">
                 <a:solidFill>
                   <a:schemeClr val="lt1"/>
                 </a:solidFill>
@@ -7944,7 +8195,7 @@
               <a:t> </a:t>
             </a:r>
             <a:r>
-              <a:rPr lang="en-US" sz="3000" b="1" i="0" u="none" strike="noStrike" cap="none">
+              <a:rPr lang="en-US" sz="3000" b="1" i="0" u="none" strike="noStrike" cap="none" dirty="0">
                 <a:solidFill>
                   <a:srgbClr val="FFFF00"/>
                 </a:solidFill>
@@ -7956,7 +8207,7 @@
               <a:t>in</a:t>
             </a:r>
             <a:r>
-              <a:rPr lang="en-US" sz="3000" b="1" i="0" u="none" strike="noStrike" cap="none">
+              <a:rPr lang="en-US" sz="3000" b="1" i="0" u="none" strike="noStrike" cap="none" dirty="0">
                 <a:solidFill>
                   <a:schemeClr val="lt1"/>
                 </a:solidFill>
@@ -7968,7 +8219,7 @@
               <a:t> </a:t>
             </a:r>
             <a:r>
-              <a:rPr lang="en-US" sz="3000" b="1" i="0" u="none" strike="noStrike" cap="none">
+              <a:rPr lang="en-US" sz="3000" b="1" i="0" u="none" strike="noStrike" cap="none" dirty="0">
                 <a:solidFill>
                   <a:srgbClr val="00FF00"/>
                 </a:solidFill>
@@ -7980,7 +8231,7 @@
               <a:t>words</a:t>
             </a:r>
             <a:r>
-              <a:rPr lang="en-US" sz="3000" b="1" i="0" u="none" strike="noStrike" cap="none">
+              <a:rPr lang="en-US" sz="3000" b="1" i="0" u="none" strike="noStrike" cap="none" dirty="0">
                 <a:solidFill>
                   <a:schemeClr val="lt1"/>
                 </a:solidFill>
@@ -8011,7 +8262,7 @@
               <a:buNone/>
             </a:pPr>
             <a:r>
-              <a:rPr lang="en-US" sz="3000" b="1" i="0" u="none" strike="noStrike" cap="none">
+              <a:rPr lang="en-US" sz="3000" b="1" i="0" u="none" strike="noStrike" cap="none" dirty="0">
                 <a:solidFill>
                   <a:schemeClr val="lt1"/>
                 </a:solidFill>
@@ -8023,7 +8274,7 @@
               <a:t>        </a:t>
             </a:r>
             <a:r>
-              <a:rPr lang="en-US" sz="3000" b="1" i="0" u="none" strike="noStrike" cap="none">
+              <a:rPr lang="en-US" sz="3000" b="1" i="0" u="none" strike="noStrike" cap="none" dirty="0">
                 <a:solidFill>
                   <a:srgbClr val="00FF00"/>
                 </a:solidFill>
@@ -8035,7 +8286,7 @@
               <a:t>counts</a:t>
             </a:r>
             <a:r>
-              <a:rPr lang="en-US" sz="3000" b="1" i="0" u="none" strike="noStrike" cap="none">
+              <a:rPr lang="en-US" sz="3000" b="1" i="0" u="none" strike="noStrike" cap="none" dirty="0">
                 <a:solidFill>
                   <a:srgbClr val="00FFFF"/>
                 </a:solidFill>
@@ -8047,7 +8298,7 @@
               <a:t>[word]</a:t>
             </a:r>
             <a:r>
-              <a:rPr lang="en-US" sz="3000" b="1" i="0" u="none" strike="noStrike" cap="none">
+              <a:rPr lang="en-US" sz="3000" b="1" i="0" u="none" strike="noStrike" cap="none" dirty="0">
                 <a:solidFill>
                   <a:schemeClr val="lt1"/>
                 </a:solidFill>
@@ -8059,7 +8310,7 @@
               <a:t> = </a:t>
             </a:r>
             <a:r>
-              <a:rPr lang="en-US" sz="3000" b="1" i="0" u="none" strike="noStrike" cap="none">
+              <a:rPr lang="en-US" sz="3000" b="1" i="0" u="none" strike="noStrike" cap="none" dirty="0" err="1">
                 <a:solidFill>
                   <a:srgbClr val="00FF00"/>
                 </a:solidFill>
@@ -8071,7 +8322,7 @@
               <a:t>counts</a:t>
             </a:r>
             <a:r>
-              <a:rPr lang="en-US" sz="3000" b="1" i="0" u="none" strike="noStrike" cap="none">
+              <a:rPr lang="en-US" sz="3000" b="1" i="0" u="none" strike="noStrike" cap="none" dirty="0" err="1">
                 <a:solidFill>
                   <a:srgbClr val="FF00FF"/>
                 </a:solidFill>
@@ -8083,7 +8334,7 @@
               <a:t>.get</a:t>
             </a:r>
             <a:r>
-              <a:rPr lang="en-US" sz="3000" b="1" i="0" u="none" strike="noStrike" cap="none">
+              <a:rPr lang="en-US" sz="3000" b="1" i="0" u="none" strike="noStrike" cap="none" dirty="0">
                 <a:solidFill>
                   <a:schemeClr val="lt1"/>
                 </a:solidFill>
@@ -8095,7 +8346,7 @@
               <a:t>(</a:t>
             </a:r>
             <a:r>
-              <a:rPr lang="en-US" sz="3000" b="1" i="0" u="none" strike="noStrike" cap="none">
+              <a:rPr lang="en-US" sz="3000" b="1" i="0" u="none" strike="noStrike" cap="none" dirty="0">
                 <a:solidFill>
                   <a:srgbClr val="00FFFF"/>
                 </a:solidFill>
@@ -8107,7 +8358,7 @@
               <a:t>word</a:t>
             </a:r>
             <a:r>
-              <a:rPr lang="en-US" sz="3000" b="1" i="0" u="none" strike="noStrike" cap="none">
+              <a:rPr lang="en-US" sz="3000" b="1" i="0" u="none" strike="noStrike" cap="none" dirty="0">
                 <a:solidFill>
                   <a:schemeClr val="lt1"/>
                 </a:solidFill>
@@ -8136,7 +8387,7 @@
               <a:buFont typeface="Arial"/>
               <a:buNone/>
             </a:pPr>
-            <a:endParaRPr sz="3000" b="1" i="0" u="none" strike="noStrike" cap="none">
+            <a:endParaRPr sz="3000" b="1" i="0" u="none" strike="noStrike" cap="none" dirty="0">
               <a:solidFill>
                 <a:schemeClr val="lt1"/>
               </a:solidFill>
@@ -8165,7 +8416,7 @@
               <a:buNone/>
             </a:pPr>
             <a:r>
-              <a:rPr lang="en-US" sz="3000" b="1" i="0" u="none" strike="noStrike" cap="none">
+              <a:rPr lang="en-US" sz="3000" b="1" i="0" u="none" strike="noStrike" cap="none" dirty="0" err="1">
                 <a:solidFill>
                   <a:srgbClr val="00FF00"/>
                 </a:solidFill>
@@ -8177,7 +8428,7 @@
               <a:t>lst</a:t>
             </a:r>
             <a:r>
-              <a:rPr lang="en-US" sz="3000" b="1" i="0" u="none" strike="noStrike" cap="none">
+              <a:rPr lang="en-US" sz="3000" b="1" i="0" u="none" strike="noStrike" cap="none" dirty="0">
                 <a:solidFill>
                   <a:schemeClr val="lt1"/>
                 </a:solidFill>
@@ -8189,7 +8440,7 @@
               <a:t> = </a:t>
             </a:r>
             <a:r>
-              <a:rPr lang="en-US" sz="3000" b="1" i="0" u="none" strike="noStrike" cap="none">
+              <a:rPr lang="en-US" sz="3000" b="1" i="0" u="none" strike="noStrike" cap="none" dirty="0">
                 <a:solidFill>
                   <a:srgbClr val="FF00FF"/>
                 </a:solidFill>
@@ -8201,7 +8452,7 @@
               <a:t>list</a:t>
             </a:r>
             <a:r>
-              <a:rPr lang="en-US" sz="3000" b="1" i="0" u="none" strike="noStrike" cap="none">
+              <a:rPr lang="en-US" sz="3000" b="1" i="0" u="none" strike="noStrike" cap="none" dirty="0">
                 <a:solidFill>
                   <a:schemeClr val="lt1"/>
                 </a:solidFill>
@@ -8232,7 +8483,7 @@
               <a:buNone/>
             </a:pPr>
             <a:r>
-              <a:rPr lang="en-US" sz="3000" b="1" i="0" u="none" strike="noStrike" cap="none">
+              <a:rPr lang="en-US" sz="3000" b="1" i="0" u="none" strike="noStrike" cap="none" dirty="0">
                 <a:solidFill>
                   <a:srgbClr val="FFFF00"/>
                 </a:solidFill>
@@ -8244,7 +8495,7 @@
               <a:t>for</a:t>
             </a:r>
             <a:r>
-              <a:rPr lang="en-US" sz="3000" b="1" i="0" u="none" strike="noStrike" cap="none">
+              <a:rPr lang="en-US" sz="3000" b="1" i="0" u="none" strike="noStrike" cap="none" dirty="0">
                 <a:solidFill>
                   <a:schemeClr val="lt1"/>
                 </a:solidFill>
@@ -8256,7 +8507,7 @@
               <a:t> </a:t>
             </a:r>
             <a:r>
-              <a:rPr lang="en-US" sz="3000" b="1" i="0" u="none" strike="noStrike" cap="none">
+              <a:rPr lang="en-US" sz="3000" b="1" i="0" u="none" strike="noStrike" cap="none" dirty="0">
                 <a:solidFill>
                   <a:srgbClr val="FF7F00"/>
                 </a:solidFill>
@@ -8265,10 +8516,22 @@
                 <a:cs typeface="Courier New"/>
                 <a:sym typeface="Courier New"/>
               </a:rPr>
-              <a:t>key, val</a:t>
-            </a:r>
-            <a:r>
-              <a:rPr lang="en-US" sz="3000" b="1" i="0" u="none" strike="noStrike" cap="none">
+              <a:t>key, </a:t>
+            </a:r>
+            <a:r>
+              <a:rPr lang="en-US" sz="3000" b="1" i="0" u="none" strike="noStrike" cap="none" dirty="0" err="1">
+                <a:solidFill>
+                  <a:srgbClr val="FF7F00"/>
+                </a:solidFill>
+                <a:latin typeface="Courier New"/>
+                <a:ea typeface="Courier New"/>
+                <a:cs typeface="Courier New"/>
+                <a:sym typeface="Courier New"/>
+              </a:rPr>
+              <a:t>val</a:t>
+            </a:r>
+            <a:r>
+              <a:rPr lang="en-US" sz="3000" b="1" i="0" u="none" strike="noStrike" cap="none" dirty="0">
                 <a:solidFill>
                   <a:schemeClr val="lt1"/>
                 </a:solidFill>
@@ -8280,7 +8543,7 @@
               <a:t> </a:t>
             </a:r>
             <a:r>
-              <a:rPr lang="en-US" sz="3000" b="1" i="0" u="none" strike="noStrike" cap="none">
+              <a:rPr lang="en-US" sz="3000" b="1" i="0" u="none" strike="noStrike" cap="none" dirty="0">
                 <a:solidFill>
                   <a:srgbClr val="FFFF00"/>
                 </a:solidFill>
@@ -8292,7 +8555,7 @@
               <a:t>in</a:t>
             </a:r>
             <a:r>
-              <a:rPr lang="en-US" sz="3000" b="1" i="0" u="none" strike="noStrike" cap="none">
+              <a:rPr lang="en-US" sz="3000" b="1" i="0" u="none" strike="noStrike" cap="none" dirty="0">
                 <a:solidFill>
                   <a:schemeClr val="lt1"/>
                 </a:solidFill>
@@ -8304,7 +8567,7 @@
               <a:t> </a:t>
             </a:r>
             <a:r>
-              <a:rPr lang="en-US" sz="3000" b="1" i="0" u="none" strike="noStrike" cap="none">
+              <a:rPr lang="en-US" sz="3000" b="1" i="0" u="none" strike="noStrike" cap="none" dirty="0" err="1">
                 <a:solidFill>
                   <a:srgbClr val="00FF00"/>
                 </a:solidFill>
@@ -8316,7 +8579,7 @@
               <a:t>counts</a:t>
             </a:r>
             <a:r>
-              <a:rPr lang="en-US" sz="3000" b="1" i="0" u="none" strike="noStrike" cap="none">
+              <a:rPr lang="en-US" sz="3000" b="1" i="0" u="none" strike="noStrike" cap="none" dirty="0" err="1">
                 <a:solidFill>
                   <a:srgbClr val="FF00FF"/>
                 </a:solidFill>
@@ -8328,7 +8591,7 @@
               <a:t>.items</a:t>
             </a:r>
             <a:r>
-              <a:rPr lang="en-US" sz="3000" b="1" i="0" u="none" strike="noStrike" cap="none">
+              <a:rPr lang="en-US" sz="3000" b="1" i="0" u="none" strike="noStrike" cap="none" dirty="0">
                 <a:solidFill>
                   <a:schemeClr val="lt1"/>
                 </a:solidFill>
@@ -8359,7 +8622,7 @@
               <a:buNone/>
             </a:pPr>
             <a:r>
-              <a:rPr lang="en-US" sz="3000" b="1" i="0" u="none" strike="noStrike" cap="none">
+              <a:rPr lang="en-US" sz="3000" b="1" i="0" u="none" strike="noStrike" cap="none" dirty="0">
                 <a:solidFill>
                   <a:schemeClr val="lt1"/>
                 </a:solidFill>
@@ -8371,7 +8634,7 @@
               <a:t>    </a:t>
             </a:r>
             <a:r>
-              <a:rPr lang="en-US" sz="3000" b="1" i="0" u="none" strike="noStrike" cap="none">
+              <a:rPr lang="en-US" sz="3000" b="1" i="0" u="none" strike="noStrike" cap="none" dirty="0" err="1">
                 <a:solidFill>
                   <a:srgbClr val="00FF00"/>
                 </a:solidFill>
@@ -8383,7 +8646,7 @@
               <a:t>lst</a:t>
             </a:r>
             <a:r>
-              <a:rPr lang="en-US" sz="3000" b="1" i="0" u="none" strike="noStrike" cap="none">
+              <a:rPr lang="en-US" sz="3000" b="1" i="0" u="none" strike="noStrike" cap="none" dirty="0" err="1">
                 <a:solidFill>
                   <a:srgbClr val="FF00FF"/>
                 </a:solidFill>
@@ -8395,7 +8658,7 @@
               <a:t>.append</a:t>
             </a:r>
             <a:r>
-              <a:rPr lang="en-US" sz="3000" b="1" i="0" u="none" strike="noStrike" cap="none">
+              <a:rPr lang="en-US" sz="3000" b="1" i="0" u="none" strike="noStrike" cap="none" dirty="0">
                 <a:solidFill>
                   <a:schemeClr val="lt1"/>
                 </a:solidFill>
@@ -8407,7 +8670,7 @@
               <a:t>( </a:t>
             </a:r>
             <a:r>
-              <a:rPr lang="en-US" sz="3000" b="1" i="0" u="none" strike="noStrike" cap="none">
+              <a:rPr lang="en-US" sz="3000" b="1" i="0" u="none" strike="noStrike" cap="none" dirty="0">
                 <a:solidFill>
                   <a:srgbClr val="FF7F00"/>
                 </a:solidFill>
@@ -8416,10 +8679,34 @@
                 <a:cs typeface="Courier New"/>
                 <a:sym typeface="Courier New"/>
               </a:rPr>
-              <a:t>(val, key)</a:t>
-            </a:r>
-            <a:r>
-              <a:rPr lang="en-US" sz="3000" b="1" i="0" u="none" strike="noStrike" cap="none">
+              <a:t>(</a:t>
+            </a:r>
+            <a:r>
+              <a:rPr lang="en-US" sz="3000" b="1" i="0" u="none" strike="noStrike" cap="none" dirty="0" err="1">
+                <a:solidFill>
+                  <a:srgbClr val="FF7F00"/>
+                </a:solidFill>
+                <a:latin typeface="Courier New"/>
+                <a:ea typeface="Courier New"/>
+                <a:cs typeface="Courier New"/>
+                <a:sym typeface="Courier New"/>
+              </a:rPr>
+              <a:t>val</a:t>
+            </a:r>
+            <a:r>
+              <a:rPr lang="en-US" sz="3000" b="1" i="0" u="none" strike="noStrike" cap="none" dirty="0">
+                <a:solidFill>
+                  <a:srgbClr val="FF7F00"/>
+                </a:solidFill>
+                <a:latin typeface="Courier New"/>
+                <a:ea typeface="Courier New"/>
+                <a:cs typeface="Courier New"/>
+                <a:sym typeface="Courier New"/>
+              </a:rPr>
+              <a:t>, key)</a:t>
+            </a:r>
+            <a:r>
+              <a:rPr lang="en-US" sz="3000" b="1" i="0" u="none" strike="noStrike" cap="none" dirty="0">
                 <a:solidFill>
                   <a:schemeClr val="lt1"/>
                 </a:solidFill>
@@ -8448,7 +8735,7 @@
               <a:buFont typeface="Courier New"/>
               <a:buNone/>
             </a:pPr>
-            <a:endParaRPr sz="3000" b="1" i="0" u="none" strike="noStrike" cap="none">
+            <a:endParaRPr sz="3000" b="1" i="0" u="none" strike="noStrike" cap="none" dirty="0">
               <a:solidFill>
                 <a:schemeClr val="lt1"/>
               </a:solidFill>
@@ -8477,7 +8764,7 @@
               <a:buNone/>
             </a:pPr>
             <a:r>
-              <a:rPr lang="en-US" sz="3000" b="1" i="0" u="none" strike="noStrike" cap="none">
+              <a:rPr lang="en-US" sz="3000" b="1" i="0" u="none" strike="noStrike" cap="none" dirty="0" err="1">
                 <a:solidFill>
                   <a:srgbClr val="00FF00"/>
                 </a:solidFill>
@@ -8489,7 +8776,7 @@
               <a:t>lst</a:t>
             </a:r>
             <a:r>
-              <a:rPr lang="en-US" sz="3000" b="1" i="0" u="none" strike="noStrike" cap="none">
+              <a:rPr lang="en-US" sz="3000" b="1" i="0" u="none" strike="noStrike" cap="none" dirty="0" err="1">
                 <a:solidFill>
                   <a:srgbClr val="FF00FF"/>
                 </a:solidFill>
@@ -8501,7 +8788,7 @@
               <a:t>.sort</a:t>
             </a:r>
             <a:r>
-              <a:rPr lang="en-US" sz="3000" b="1" i="0" u="none" strike="noStrike" cap="none">
+              <a:rPr lang="en-US" sz="3000" b="1" i="0" u="none" strike="noStrike" cap="none" dirty="0">
                 <a:solidFill>
                   <a:schemeClr val="lt1"/>
                 </a:solidFill>
@@ -8513,7 +8800,7 @@
               <a:t>(</a:t>
             </a:r>
             <a:r>
-              <a:rPr lang="en-US" sz="3000" b="1" i="0" u="none" strike="noStrike" cap="none">
+              <a:rPr lang="en-US" sz="3000" b="1" i="0" u="none" strike="noStrike" cap="none" dirty="0">
                 <a:solidFill>
                   <a:srgbClr val="FF00FF"/>
                 </a:solidFill>
@@ -8525,7 +8812,7 @@
               <a:t>reverse=True</a:t>
             </a:r>
             <a:r>
-              <a:rPr lang="en-US" sz="3000" b="1" i="0" u="none" strike="noStrike" cap="none">
+              <a:rPr lang="en-US" sz="3000" b="1" i="0" u="none" strike="noStrike" cap="none" dirty="0">
                 <a:solidFill>
                   <a:schemeClr val="lt1"/>
                 </a:solidFill>
@@ -8554,7 +8841,7 @@
               <a:buFont typeface="Courier New"/>
               <a:buNone/>
             </a:pPr>
-            <a:endParaRPr sz="3000" b="1" i="0" u="none" strike="noStrike" cap="none">
+            <a:endParaRPr sz="3000" b="1" i="0" u="none" strike="noStrike" cap="none" dirty="0">
               <a:solidFill>
                 <a:srgbClr val="FFFF00"/>
               </a:solidFill>
@@ -8583,7 +8870,7 @@
               <a:buNone/>
             </a:pPr>
             <a:r>
-              <a:rPr lang="en-US" sz="3000" b="1" i="0" u="none" strike="noStrike" cap="none">
+              <a:rPr lang="en-US" sz="3000" b="1" i="0" u="none" strike="noStrike" cap="none" dirty="0">
                 <a:solidFill>
                   <a:srgbClr val="FFFF00"/>
                 </a:solidFill>
@@ -8595,7 +8882,7 @@
               <a:t>for</a:t>
             </a:r>
             <a:r>
-              <a:rPr lang="en-US" sz="3000" b="1" i="0" u="none" strike="noStrike" cap="none">
+              <a:rPr lang="en-US" sz="3000" b="1" i="0" u="none" strike="noStrike" cap="none" dirty="0">
                 <a:solidFill>
                   <a:schemeClr val="lt1"/>
                 </a:solidFill>
@@ -8607,7 +8894,7 @@
               <a:t> </a:t>
             </a:r>
             <a:r>
-              <a:rPr lang="en-US" sz="3000" b="1" i="0" u="none" strike="noStrike" cap="none">
+              <a:rPr lang="en-US" sz="3000" b="1" i="0" u="none" strike="noStrike" cap="none" dirty="0" err="1">
                 <a:solidFill>
                   <a:srgbClr val="FF7F00"/>
                 </a:solidFill>
@@ -8616,10 +8903,22 @@
                 <a:cs typeface="Courier New"/>
                 <a:sym typeface="Courier New"/>
               </a:rPr>
-              <a:t>val, key</a:t>
-            </a:r>
-            <a:r>
-              <a:rPr lang="en-US" sz="3000" b="1" i="0" u="none" strike="noStrike" cap="none">
+              <a:t>val</a:t>
+            </a:r>
+            <a:r>
+              <a:rPr lang="en-US" sz="3000" b="1" i="0" u="none" strike="noStrike" cap="none" dirty="0">
+                <a:solidFill>
+                  <a:srgbClr val="FF7F00"/>
+                </a:solidFill>
+                <a:latin typeface="Courier New"/>
+                <a:ea typeface="Courier New"/>
+                <a:cs typeface="Courier New"/>
+                <a:sym typeface="Courier New"/>
+              </a:rPr>
+              <a:t>, key</a:t>
+            </a:r>
+            <a:r>
+              <a:rPr lang="en-US" sz="3000" b="1" i="0" u="none" strike="noStrike" cap="none" dirty="0">
                 <a:solidFill>
                   <a:schemeClr val="lt1"/>
                 </a:solidFill>
@@ -8631,7 +8930,7 @@
               <a:t> </a:t>
             </a:r>
             <a:r>
-              <a:rPr lang="en-US" sz="3000" b="1" i="0" u="none" strike="noStrike" cap="none">
+              <a:rPr lang="en-US" sz="3000" b="1" i="0" u="none" strike="noStrike" cap="none" dirty="0">
                 <a:solidFill>
                   <a:srgbClr val="FFFF00"/>
                 </a:solidFill>
@@ -8643,7 +8942,7 @@
               <a:t>in</a:t>
             </a:r>
             <a:r>
-              <a:rPr lang="en-US" sz="3000" b="1" i="0" u="none" strike="noStrike" cap="none">
+              <a:rPr lang="en-US" sz="3000" b="1" i="0" u="none" strike="noStrike" cap="none" dirty="0">
                 <a:solidFill>
                   <a:schemeClr val="lt1"/>
                 </a:solidFill>
@@ -8655,7 +8954,7 @@
               <a:t> </a:t>
             </a:r>
             <a:r>
-              <a:rPr lang="en-US" sz="3000" b="1" i="0" u="none" strike="noStrike" cap="none">
+              <a:rPr lang="en-US" sz="3000" b="1" i="0" u="none" strike="noStrike" cap="none" dirty="0" err="1">
                 <a:solidFill>
                   <a:srgbClr val="FF00FF"/>
                 </a:solidFill>
@@ -8667,7 +8966,7 @@
               <a:t>lst</a:t>
             </a:r>
             <a:r>
-              <a:rPr lang="en-US" sz="3000" b="1" i="0" u="none" strike="noStrike" cap="none">
+              <a:rPr lang="en-US" sz="3000" b="1" i="0" u="none" strike="noStrike" cap="none" dirty="0">
                 <a:solidFill>
                   <a:srgbClr val="00FFFF"/>
                 </a:solidFill>
@@ -8679,7 +8978,7 @@
               <a:t>[:10]</a:t>
             </a:r>
             <a:r>
-              <a:rPr lang="en-US" sz="3000" b="1" i="0" u="none" strike="noStrike" cap="none">
+              <a:rPr lang="en-US" sz="3000" b="1" i="0" u="none" strike="noStrike" cap="none" dirty="0">
                 <a:solidFill>
                   <a:schemeClr val="lt1"/>
                 </a:solidFill>
@@ -8692,25 +8991,14 @@
             </a:r>
           </a:p>
           <a:p>
-            <a:pPr marL="0" marR="0" lvl="0" indent="0" algn="l" rtl="0">
-              <a:lnSpc>
-                <a:spcPct val="100000"/>
-              </a:lnSpc>
-              <a:spcBef>
-                <a:spcPts val="0"/>
-              </a:spcBef>
-              <a:spcAft>
-                <a:spcPts val="0"/>
-              </a:spcAft>
+            <a:pPr lvl="0">
               <a:buClr>
                 <a:schemeClr val="lt1"/>
               </a:buClr>
               <a:buSzPct val="25000"/>
-              <a:buFont typeface="Courier New"/>
-              <a:buNone/>
-            </a:pPr>
-            <a:r>
-              <a:rPr lang="en-US" sz="3000" b="1" i="0" u="none" strike="noStrike" cap="none">
+            </a:pPr>
+            <a:r>
+              <a:rPr lang="en-US" sz="3000" b="1" i="0" u="none" strike="noStrike" cap="none" dirty="0">
                 <a:solidFill>
                   <a:schemeClr val="lt1"/>
                 </a:solidFill>
@@ -8722,7 +9010,7 @@
               <a:t>    </a:t>
             </a:r>
             <a:r>
-              <a:rPr lang="en-US" sz="3000" b="1" i="0" u="none" strike="noStrike" cap="none">
+              <a:rPr lang="en-US" sz="3000" b="1" i="0" u="none" strike="noStrike" cap="none" dirty="0" smtClean="0">
                 <a:solidFill>
                   <a:srgbClr val="FFFF00"/>
                 </a:solidFill>
@@ -8731,22 +9019,10 @@
                 <a:cs typeface="Courier New"/>
                 <a:sym typeface="Courier New"/>
               </a:rPr>
-              <a:t>print</a:t>
-            </a:r>
-            <a:r>
-              <a:rPr lang="en-US" sz="3000" b="1" i="0" u="none" strike="noStrike" cap="none">
-                <a:solidFill>
-                  <a:schemeClr val="lt1"/>
-                </a:solidFill>
-                <a:latin typeface="Courier New"/>
-                <a:ea typeface="Courier New"/>
-                <a:cs typeface="Courier New"/>
-                <a:sym typeface="Courier New"/>
-              </a:rPr>
-              <a:t> </a:t>
-            </a:r>
-            <a:r>
-              <a:rPr lang="en-US" sz="3000" b="1" i="0" u="none" strike="noStrike" cap="none">
+              <a:t>print(</a:t>
+            </a:r>
+            <a:r>
+              <a:rPr lang="en-US" sz="3000" b="1" i="0" u="none" strike="noStrike" cap="none" dirty="0" smtClean="0">
                 <a:solidFill>
                   <a:srgbClr val="00FF00"/>
                 </a:solidFill>
@@ -8758,7 +9034,7 @@
               <a:t>key</a:t>
             </a:r>
             <a:r>
-              <a:rPr lang="en-US" sz="3000" b="1" i="0" u="none" strike="noStrike" cap="none">
+              <a:rPr lang="en-US" sz="3000" b="1" i="0" u="none" strike="noStrike" cap="none" dirty="0">
                 <a:solidFill>
                   <a:schemeClr val="lt1"/>
                 </a:solidFill>
@@ -8770,7 +9046,7 @@
               <a:t>, </a:t>
             </a:r>
             <a:r>
-              <a:rPr lang="en-US" sz="3000" b="1" i="0" u="none" strike="noStrike" cap="none">
+              <a:rPr lang="en-US" sz="3000" b="1" i="0" u="none" strike="noStrike" cap="none" dirty="0" err="1" smtClean="0">
                 <a:solidFill>
                   <a:srgbClr val="00FF00"/>
                 </a:solidFill>
@@ -8781,6 +9057,27 @@
               </a:rPr>
               <a:t>val</a:t>
             </a:r>
+            <a:r>
+              <a:rPr lang="en-US" sz="3000" b="1" dirty="0" smtClean="0">
+                <a:solidFill>
+                  <a:srgbClr val="FFFF00"/>
+                </a:solidFill>
+                <a:latin typeface="Courier New"/>
+                <a:ea typeface="Courier New"/>
+                <a:cs typeface="Courier New"/>
+                <a:sym typeface="Courier New"/>
+              </a:rPr>
+              <a:t>)</a:t>
+            </a:r>
+            <a:endParaRPr lang="en-US" sz="3000" b="1" i="0" u="none" strike="noStrike" cap="none" dirty="0">
+              <a:solidFill>
+                <a:srgbClr val="00FF00"/>
+              </a:solidFill>
+              <a:latin typeface="Courier New"/>
+              <a:ea typeface="Courier New"/>
+              <a:cs typeface="Courier New"/>
+              <a:sym typeface="Courier New"/>
+            </a:endParaRPr>
           </a:p>
         </p:txBody>
       </p:sp>
@@ -8792,7 +9089,7 @@
         </p:nvSpPr>
         <p:spPr>
           <a:xfrm>
-            <a:off x="11953875" y="7505700"/>
+            <a:off x="11953875" y="6805612"/>
             <a:ext cx="3937000" cy="1219199"/>
           </a:xfrm>
           <a:prstGeom prst="rect">
@@ -8838,44 +9135,6 @@
               </a:rPr>
               <a:t>The top 10 most common words</a:t>
             </a:r>
-          </a:p>
-        </p:txBody>
-      </p:sp>
-      <p:sp>
-        <p:nvSpPr>
-          <p:cNvPr id="2" name="Title 1"/>
-          <p:cNvSpPr>
-            <a:spLocks noGrp="1"/>
-          </p:cNvSpPr>
-          <p:nvPr>
-            <p:ph type="title"/>
-          </p:nvPr>
-        </p:nvSpPr>
-        <p:spPr/>
-        <p:txBody>
-          <a:bodyPr/>
-          <a:lstStyle/>
-          <a:p>
-            <a:endParaRPr lang="en-US"/>
-          </a:p>
-        </p:txBody>
-      </p:sp>
-      <p:sp>
-        <p:nvSpPr>
-          <p:cNvPr id="3" name="Text Placeholder 2"/>
-          <p:cNvSpPr>
-            <a:spLocks noGrp="1"/>
-          </p:cNvSpPr>
-          <p:nvPr>
-            <p:ph type="body" idx="1"/>
-          </p:nvPr>
-        </p:nvSpPr>
-        <p:spPr/>
-        <p:txBody>
-          <a:bodyPr/>
-          <a:lstStyle/>
-          <a:p>
-            <a:endParaRPr lang="en-US"/>
           </a:p>
         </p:txBody>
       </p:sp>
@@ -8963,32 +9222,13 @@
       </p:sp>
       <p:sp>
         <p:nvSpPr>
-          <p:cNvPr id="2" name="Text Placeholder 1"/>
-          <p:cNvSpPr>
-            <a:spLocks noGrp="1"/>
-          </p:cNvSpPr>
-          <p:nvPr>
-            <p:ph type="body" idx="1"/>
-          </p:nvPr>
-        </p:nvSpPr>
-        <p:spPr/>
-        <p:txBody>
-          <a:bodyPr/>
-          <a:lstStyle/>
-          <a:p>
-            <a:endParaRPr lang="en-US"/>
-          </a:p>
-        </p:txBody>
-      </p:sp>
-      <p:sp>
-        <p:nvSpPr>
           <p:cNvPr id="258" name="Shape 258"/>
           <p:cNvSpPr txBox="1"/>
           <p:nvPr/>
         </p:nvSpPr>
         <p:spPr>
           <a:xfrm>
-            <a:off x="2612650" y="8255000"/>
+            <a:off x="2612649" y="7416849"/>
             <a:ext cx="11306699" cy="660300"/>
           </a:xfrm>
           <a:prstGeom prst="rect">
@@ -9033,7 +9273,20 @@
                 <a:sym typeface="Cabin"/>
                 <a:hlinkClick r:id="rId3"/>
               </a:rPr>
-              <a:t>http://wiki.python.org/moin/HowTo/Sorting</a:t>
+              <a:t>http://</a:t>
+            </a:r>
+            <a:r>
+              <a:rPr lang="en-US" sz="3000" u="sng" strike="noStrike" cap="none" dirty="0">
+                <a:solidFill>
+                  <a:schemeClr val="hlink"/>
+                </a:solidFill>
+                <a:latin typeface="Arial" charset="0"/>
+                <a:ea typeface="Arial" charset="0"/>
+                <a:cs typeface="Arial" charset="0"/>
+                <a:sym typeface="Cabin"/>
+                <a:hlinkClick r:id="rId3"/>
+              </a:rPr>
+              <a:t>wiki.python.org/moin/HowTo/Sorting</a:t>
             </a:r>
           </a:p>
         </p:txBody>
@@ -9483,7 +9736,7 @@
         </p:nvSpPr>
         <p:spPr>
           <a:xfrm>
-            <a:off x="1879600" y="6388100"/>
+            <a:off x="1808049" y="5959475"/>
             <a:ext cx="12915900" cy="1219199"/>
           </a:xfrm>
           <a:prstGeom prst="rect">
@@ -9539,7 +9792,19 @@
                 <a:cs typeface="Arial" charset="0"/>
                 <a:sym typeface="Cabin"/>
               </a:rPr>
-              <a:t> creates a dynamic list.  In this case, we make a list of reversed tuples and then sort it.</a:t>
+              <a:t> creates a dynamic list.  </a:t>
+            </a:r>
+            <a:r>
+              <a:rPr lang="en-US" sz="3800" u="none" strike="noStrike" cap="none" dirty="0">
+                <a:solidFill>
+                  <a:schemeClr val="lt1"/>
+                </a:solidFill>
+                <a:latin typeface="Arial" charset="0"/>
+                <a:ea typeface="Arial" charset="0"/>
+                <a:cs typeface="Arial" charset="0"/>
+                <a:sym typeface="Cabin"/>
+              </a:rPr>
+              <a:t>In this case, we make a list of reversed tuples and then sort it.</a:t>
             </a:r>
           </a:p>
         </p:txBody>
@@ -9612,7 +9877,7 @@
               <a:buNone/>
             </a:pPr>
             <a:r>
-              <a:rPr lang="en-US" sz="7600" u="none" strike="noStrike" cap="none">
+              <a:rPr lang="en-US" sz="7600" u="none" strike="noStrike" cap="none" dirty="0">
                 <a:solidFill>
                   <a:srgbClr val="FFFF00"/>
                 </a:solidFill>
@@ -9669,7 +9934,7 @@
               <a:buChar char="•"/>
             </a:pPr>
             <a:r>
-              <a:rPr lang="en-US" sz="3600" u="none" strike="noStrike" cap="none">
+              <a:rPr lang="en-US" sz="3600" u="none" strike="noStrike" cap="none" dirty="0">
                 <a:solidFill>
                   <a:schemeClr val="lt1"/>
                 </a:solidFill>
@@ -9700,7 +9965,7 @@
               <a:buChar char="•"/>
             </a:pPr>
             <a:r>
-              <a:rPr lang="en-US" sz="3600" u="none" strike="noStrike" cap="none">
+              <a:rPr lang="en-US" sz="3600" u="none" strike="noStrike" cap="none" dirty="0">
                 <a:solidFill>
                   <a:schemeClr val="lt1"/>
                 </a:solidFill>
@@ -9731,7 +9996,7 @@
               <a:buChar char="•"/>
             </a:pPr>
             <a:r>
-              <a:rPr lang="en-US" sz="3600" u="none" strike="noStrike" cap="none">
+              <a:rPr lang="en-US" sz="3600" u="none" strike="noStrike" cap="none" dirty="0">
                 <a:solidFill>
                   <a:schemeClr val="lt1"/>
                 </a:solidFill>
@@ -9762,7 +10027,7 @@
               <a:buChar char="•"/>
             </a:pPr>
             <a:r>
-              <a:rPr lang="en-US" sz="3600" u="none" strike="noStrike" cap="none">
+              <a:rPr lang="en-US" sz="3600" u="none" strike="noStrike" cap="none" dirty="0">
                 <a:solidFill>
                   <a:schemeClr val="lt1"/>
                 </a:solidFill>
@@ -9788,7 +10053,7 @@
         </p:nvSpPr>
         <p:spPr>
           <a:xfrm>
-            <a:off x="9877425" y="2447925"/>
+            <a:off x="8020050" y="3321892"/>
             <a:ext cx="6378575" cy="4265613"/>
           </a:xfrm>
           <a:prstGeom prst="rect">
@@ -9823,7 +10088,7 @@
               <a:buChar char="•"/>
             </a:pPr>
             <a:r>
-              <a:rPr lang="en-US" sz="3600" u="none" strike="noStrike" cap="none">
+              <a:rPr lang="en-US" sz="3600" u="none" strike="noStrike" cap="none" dirty="0">
                 <a:solidFill>
                   <a:schemeClr val="lt1"/>
                 </a:solidFill>
@@ -9854,7 +10119,7 @@
               <a:buChar char="•"/>
             </a:pPr>
             <a:r>
-              <a:rPr lang="en-US" sz="3600" u="none" strike="noStrike" cap="none">
+              <a:rPr lang="en-US" sz="3600" u="none" strike="noStrike" cap="none" dirty="0">
                 <a:solidFill>
                   <a:schemeClr val="lt1"/>
                 </a:solidFill>
@@ -9900,10 +10165,14 @@
             <a:spLocks noGrp="1"/>
           </p:cNvSpPr>
           <p:nvPr>
-            <p:ph type="title"/>
+            <p:ph type="title" idx="4294967295"/>
           </p:nvPr>
         </p:nvSpPr>
         <p:spPr>
+          <a:xfrm>
+            <a:off x="1462700" y="906184"/>
+            <a:ext cx="12469200" cy="1024800"/>
+          </a:xfrm>
           <a:prstGeom prst="rect">
             <a:avLst/>
           </a:prstGeom>
@@ -9952,33 +10221,14 @@
       </p:sp>
       <p:sp>
         <p:nvSpPr>
-          <p:cNvPr id="2" name="Text Placeholder 1"/>
-          <p:cNvSpPr>
-            <a:spLocks noGrp="1"/>
-          </p:cNvSpPr>
-          <p:nvPr>
-            <p:ph type="body" idx="1"/>
-          </p:nvPr>
-        </p:nvSpPr>
-        <p:spPr/>
-        <p:txBody>
-          <a:bodyPr/>
-          <a:lstStyle/>
-          <a:p>
-            <a:endParaRPr lang="en-US"/>
-          </a:p>
-        </p:txBody>
-      </p:sp>
-      <p:sp>
-        <p:nvSpPr>
           <p:cNvPr id="274" name="Shape 274"/>
           <p:cNvSpPr txBox="1"/>
           <p:nvPr/>
         </p:nvSpPr>
         <p:spPr>
           <a:xfrm>
-            <a:off x="1206100" y="1381725"/>
-            <a:ext cx="6797698" cy="7082699"/>
+            <a:off x="1206100" y="2153260"/>
+            <a:ext cx="6797698" cy="6019200"/>
           </a:xfrm>
           <a:prstGeom prst="rect">
             <a:avLst/>
@@ -10012,7 +10262,7 @@
               <a:buNone/>
             </a:pPr>
             <a:r>
-              <a:rPr lang="en-US" sz="1800" b="0" i="0" u="none" strike="noStrike" cap="none">
+              <a:rPr lang="en-US" sz="1800" b="0" i="0" u="none" strike="noStrike" cap="none" dirty="0">
                 <a:solidFill>
                   <a:srgbClr val="FFFFFF"/>
                 </a:solidFill>
@@ -10024,7 +10274,7 @@
               <a:t>These slides are Copyright 2010-  Charles R. Severance (</a:t>
             </a:r>
             <a:r>
-              <a:rPr lang="en-US" sz="1800" b="0" i="0" u="sng" strike="noStrike" cap="none">
+              <a:rPr lang="en-US" sz="1800" b="0" i="0" u="sng" strike="noStrike" cap="none" dirty="0">
                 <a:solidFill>
                   <a:schemeClr val="hlink"/>
                 </a:solidFill>
@@ -10037,7 +10287,7 @@
               <a:t>www.dr-chuck.com</a:t>
             </a:r>
             <a:r>
-              <a:rPr lang="en-US" sz="1800" b="0" i="0" u="none" strike="noStrike" cap="none">
+              <a:rPr lang="en-US" sz="1800" b="0" i="0" u="none" strike="noStrike" cap="none" dirty="0">
                 <a:solidFill>
                   <a:srgbClr val="FFFFFF"/>
                 </a:solidFill>
@@ -10049,7 +10299,7 @@
               <a:t>) of the University of Michigan School of Information and </a:t>
             </a:r>
             <a:r>
-              <a:rPr lang="en-US" sz="1800" b="0" i="0" u="sng" strike="noStrike" cap="none">
+              <a:rPr lang="en-US" sz="1800" b="0" i="0" u="sng" strike="noStrike" cap="none" dirty="0">
                 <a:solidFill>
                   <a:schemeClr val="hlink"/>
                 </a:solidFill>
@@ -10062,7 +10312,7 @@
               <a:t>open.umich.edu</a:t>
             </a:r>
             <a:r>
-              <a:rPr lang="en-US" sz="1800" b="0" i="0" u="none" strike="noStrike" cap="none">
+              <a:rPr lang="en-US" sz="1800" b="0" i="0" u="none" strike="noStrike" cap="none" dirty="0">
                 <a:solidFill>
                   <a:srgbClr val="FFFFFF"/>
                 </a:solidFill>
@@ -10091,7 +10341,7 @@
               <a:buFont typeface="Arial"/>
               <a:buNone/>
             </a:pPr>
-            <a:endParaRPr sz="1800" b="0" i="0" u="none" strike="noStrike" cap="none">
+            <a:endParaRPr sz="1800" b="0" i="0" u="none" strike="noStrike" cap="none" dirty="0">
               <a:solidFill>
                 <a:srgbClr val="FFFFFF"/>
               </a:solidFill>
@@ -10120,7 +10370,7 @@
               <a:buNone/>
             </a:pPr>
             <a:r>
-              <a:rPr lang="en-US" sz="1800" b="0" i="0" u="none" strike="noStrike" cap="none">
+              <a:rPr lang="en-US" sz="1800" b="0" i="0" u="none" strike="noStrike" cap="none" dirty="0">
                 <a:solidFill>
                   <a:srgbClr val="FFFFFF"/>
                 </a:solidFill>
@@ -10149,7 +10399,7 @@
               <a:buFont typeface="Arial"/>
               <a:buNone/>
             </a:pPr>
-            <a:endParaRPr sz="1800" b="0" i="0" u="none" strike="noStrike" cap="none">
+            <a:endParaRPr sz="1800" b="0" i="0" u="none" strike="noStrike" cap="none" dirty="0">
               <a:solidFill>
                 <a:srgbClr val="FFFFFF"/>
               </a:solidFill>
@@ -10178,7 +10428,7 @@
               <a:buNone/>
             </a:pPr>
             <a:r>
-              <a:rPr lang="en-US" sz="1800" b="0" i="0" u="none" strike="noStrike" cap="none">
+              <a:rPr lang="en-US" sz="1800" b="0" i="0" u="none" strike="noStrike" cap="none" dirty="0">
                 <a:solidFill>
                   <a:srgbClr val="FFFFFF"/>
                 </a:solidFill>
@@ -10207,7 +10457,7 @@
         </p:blipFill>
         <p:spPr>
           <a:xfrm>
-            <a:off x="437900" y="134650"/>
+            <a:off x="437900" y="906184"/>
             <a:ext cx="1024800" cy="1024800"/>
           </a:xfrm>
           <a:prstGeom prst="rect">
@@ -10234,7 +10484,7 @@
         </p:blipFill>
         <p:spPr>
           <a:xfrm>
-            <a:off x="13897687" y="312850"/>
+            <a:off x="13897687" y="1084384"/>
             <a:ext cx="1968599" cy="668400"/>
           </a:xfrm>
           <a:prstGeom prst="rect">
@@ -10254,8 +10504,8 @@
         </p:nvSpPr>
         <p:spPr>
           <a:xfrm>
-            <a:off x="8704400" y="1512200"/>
-            <a:ext cx="6797698" cy="7082699"/>
+            <a:off x="8704400" y="2283734"/>
+            <a:ext cx="6797698" cy="5788704"/>
           </a:xfrm>
           <a:prstGeom prst="rect">
             <a:avLst/>
@@ -10371,7 +10621,7 @@
               <a:buNone/>
             </a:pPr>
             <a:r>
-              <a:rPr lang="en-US" sz="7800" u="none" strike="noStrike" cap="none">
+              <a:rPr lang="en-US" sz="7800" u="none" strike="noStrike" cap="none" dirty="0">
                 <a:solidFill>
                   <a:srgbClr val="FFFF00"/>
                 </a:solidFill>
@@ -10396,6 +10646,10 @@
           </p:nvPr>
         </p:nvSpPr>
         <p:spPr>
+          <a:xfrm>
+            <a:off x="1155700" y="2603500"/>
+            <a:ext cx="13932000" cy="1725613"/>
+          </a:xfrm>
           <a:prstGeom prst="rect">
             <a:avLst/>
           </a:prstGeom>
@@ -10450,7 +10704,7 @@
         </p:nvSpPr>
         <p:spPr>
           <a:xfrm>
-            <a:off x="1409912" y="4878625"/>
+            <a:off x="1281325" y="4487751"/>
             <a:ext cx="9142498" cy="3555898"/>
           </a:xfrm>
           <a:prstGeom prst="rect">
@@ -10485,7 +10739,7 @@
               <a:buNone/>
             </a:pPr>
             <a:r>
-              <a:rPr lang="en-US" sz="3000" b="1" i="0" u="none" strike="noStrike" cap="none">
+              <a:rPr lang="en-US" sz="3000" b="1" i="0" u="none" strike="noStrike" cap="none" dirty="0">
                 <a:solidFill>
                   <a:schemeClr val="lt1"/>
                 </a:solidFill>
@@ -10497,7 +10751,7 @@
               <a:t>&gt;&gt;&gt; </a:t>
             </a:r>
             <a:r>
-              <a:rPr lang="en-US" sz="3000" b="1" i="0" u="none" strike="noStrike" cap="none">
+              <a:rPr lang="en-US" sz="3000" b="1" i="0" u="none" strike="noStrike" cap="none" dirty="0">
                 <a:solidFill>
                   <a:srgbClr val="00FF00"/>
                 </a:solidFill>
@@ -10509,7 +10763,7 @@
               <a:t>x</a:t>
             </a:r>
             <a:r>
-              <a:rPr lang="en-US" sz="3000" b="1" i="0" u="none" strike="noStrike" cap="none">
+              <a:rPr lang="en-US" sz="3000" b="1" i="0" u="none" strike="noStrike" cap="none" dirty="0">
                 <a:solidFill>
                   <a:schemeClr val="lt1"/>
                 </a:solidFill>
@@ -10520,6 +10774,83 @@
               </a:rPr>
               <a:t> = ('Glenn', 'Sally', 'Joseph')</a:t>
             </a:r>
+          </a:p>
+          <a:p>
+            <a:pPr lvl="0">
+              <a:buClr>
+                <a:schemeClr val="lt1"/>
+              </a:buClr>
+              <a:buSzPct val="25000"/>
+            </a:pPr>
+            <a:r>
+              <a:rPr lang="en-US" sz="3000" b="1" i="0" u="none" strike="noStrike" cap="none" dirty="0">
+                <a:solidFill>
+                  <a:schemeClr val="lt1"/>
+                </a:solidFill>
+                <a:latin typeface="Courier New"/>
+                <a:ea typeface="Courier New"/>
+                <a:cs typeface="Courier New"/>
+                <a:sym typeface="Courier New"/>
+              </a:rPr>
+              <a:t>&gt;&gt;&gt; </a:t>
+            </a:r>
+            <a:r>
+              <a:rPr lang="en-US" sz="3000" b="1" i="0" u="none" strike="noStrike" cap="none" dirty="0" smtClean="0">
+                <a:solidFill>
+                  <a:srgbClr val="FFFF00"/>
+                </a:solidFill>
+                <a:latin typeface="Courier New"/>
+                <a:ea typeface="Courier New"/>
+                <a:cs typeface="Courier New"/>
+                <a:sym typeface="Courier New"/>
+              </a:rPr>
+              <a:t>print(</a:t>
+            </a:r>
+            <a:r>
+              <a:rPr lang="en-US" sz="3000" b="1" i="0" u="none" strike="noStrike" cap="none" dirty="0" smtClean="0">
+                <a:solidFill>
+                  <a:srgbClr val="00FF00"/>
+                </a:solidFill>
+                <a:latin typeface="Courier New"/>
+                <a:ea typeface="Courier New"/>
+                <a:cs typeface="Courier New"/>
+                <a:sym typeface="Courier New"/>
+              </a:rPr>
+              <a:t>x</a:t>
+            </a:r>
+            <a:r>
+              <a:rPr lang="en-US" sz="3000" b="1" i="0" u="none" strike="noStrike" cap="none" dirty="0" smtClean="0">
+                <a:solidFill>
+                  <a:srgbClr val="00FFFF"/>
+                </a:solidFill>
+                <a:latin typeface="Courier New"/>
+                <a:ea typeface="Courier New"/>
+                <a:cs typeface="Courier New"/>
+                <a:sym typeface="Courier New"/>
+              </a:rPr>
+              <a:t>[2]</a:t>
+            </a:r>
+            <a:r>
+              <a:rPr lang="en-US" sz="3000" b="1" dirty="0" smtClean="0">
+                <a:solidFill>
+                  <a:srgbClr val="FFFF00"/>
+                </a:solidFill>
+                <a:latin typeface="Courier New"/>
+                <a:ea typeface="Courier New"/>
+                <a:cs typeface="Courier New"/>
+                <a:sym typeface="Courier New"/>
+              </a:rPr>
+              <a:t>)</a:t>
+            </a:r>
+            <a:endParaRPr lang="en-US" sz="3000" b="1" i="0" u="none" strike="noStrike" cap="none" dirty="0">
+              <a:solidFill>
+                <a:srgbClr val="00FFFF"/>
+              </a:solidFill>
+              <a:latin typeface="Courier New"/>
+              <a:ea typeface="Courier New"/>
+              <a:cs typeface="Courier New"/>
+              <a:sym typeface="Courier New"/>
+            </a:endParaRPr>
           </a:p>
           <a:p>
             <a:pPr marL="0" marR="0" lvl="0" indent="0" algn="l" rtl="0">
@@ -10540,64 +10871,16 @@
               <a:buNone/>
             </a:pPr>
             <a:r>
-              <a:rPr lang="en-US" sz="3000" b="1" i="0" u="none" strike="noStrike" cap="none">
-                <a:solidFill>
-                  <a:schemeClr val="lt1"/>
-                </a:solidFill>
-                <a:latin typeface="Courier New"/>
-                <a:ea typeface="Courier New"/>
-                <a:cs typeface="Courier New"/>
-                <a:sym typeface="Courier New"/>
-              </a:rPr>
-              <a:t>&gt;&gt;&gt; </a:t>
-            </a:r>
-            <a:r>
-              <a:rPr lang="en-US" sz="3000" b="1" i="0" u="none" strike="noStrike" cap="none">
-                <a:solidFill>
-                  <a:srgbClr val="FFFF00"/>
-                </a:solidFill>
-                <a:latin typeface="Courier New"/>
-                <a:ea typeface="Courier New"/>
-                <a:cs typeface="Courier New"/>
-                <a:sym typeface="Courier New"/>
-              </a:rPr>
-              <a:t>print</a:t>
-            </a:r>
-            <a:r>
-              <a:rPr lang="en-US" sz="3000" b="1" i="0" u="none" strike="noStrike" cap="none">
-                <a:solidFill>
-                  <a:schemeClr val="lt1"/>
-                </a:solidFill>
-                <a:latin typeface="Courier New"/>
-                <a:ea typeface="Courier New"/>
-                <a:cs typeface="Courier New"/>
-                <a:sym typeface="Courier New"/>
-              </a:rPr>
-              <a:t> </a:t>
-            </a:r>
-            <a:r>
-              <a:rPr lang="en-US" sz="3000" b="1" i="0" u="none" strike="noStrike" cap="none">
-                <a:solidFill>
-                  <a:srgbClr val="00FF00"/>
-                </a:solidFill>
-                <a:latin typeface="Courier New"/>
-                <a:ea typeface="Courier New"/>
-                <a:cs typeface="Courier New"/>
-                <a:sym typeface="Courier New"/>
-              </a:rPr>
-              <a:t>x</a:t>
-            </a:r>
-            <a:r>
-              <a:rPr lang="en-US" sz="3000" b="1" i="0" u="none" strike="noStrike" cap="none">
-                <a:solidFill>
-                  <a:srgbClr val="00FFFF"/>
-                </a:solidFill>
-                <a:latin typeface="Courier New"/>
-                <a:ea typeface="Courier New"/>
-                <a:cs typeface="Courier New"/>
-                <a:sym typeface="Courier New"/>
-              </a:rPr>
-              <a:t>[2]</a:t>
+              <a:rPr lang="en-US" sz="3000" b="1" i="0" u="none" strike="noStrike" cap="none" dirty="0">
+                <a:solidFill>
+                  <a:schemeClr val="lt1"/>
+                </a:solidFill>
+                <a:latin typeface="Courier New"/>
+                <a:ea typeface="Courier New"/>
+                <a:cs typeface="Courier New"/>
+                <a:sym typeface="Courier New"/>
+              </a:rPr>
+              <a:t>Joseph</a:t>
             </a:r>
           </a:p>
           <a:p>
@@ -10619,17 +10902,106 @@
               <a:buNone/>
             </a:pPr>
             <a:r>
-              <a:rPr lang="en-US" sz="3000" b="1" i="0" u="none" strike="noStrike" cap="none">
-                <a:solidFill>
-                  <a:schemeClr val="lt1"/>
-                </a:solidFill>
-                <a:latin typeface="Courier New"/>
-                <a:ea typeface="Courier New"/>
-                <a:cs typeface="Courier New"/>
-                <a:sym typeface="Courier New"/>
-              </a:rPr>
-              <a:t>Joseph</a:t>
-            </a:r>
+              <a:rPr lang="en-US" sz="3000" b="1" i="0" u="none" strike="noStrike" cap="none" dirty="0">
+                <a:solidFill>
+                  <a:schemeClr val="lt1"/>
+                </a:solidFill>
+                <a:latin typeface="Courier New"/>
+                <a:ea typeface="Courier New"/>
+                <a:cs typeface="Courier New"/>
+                <a:sym typeface="Courier New"/>
+              </a:rPr>
+              <a:t>&gt;&gt;&gt; </a:t>
+            </a:r>
+            <a:r>
+              <a:rPr lang="en-US" sz="3000" b="1" i="0" u="none" strike="noStrike" cap="none" dirty="0">
+                <a:solidFill>
+                  <a:srgbClr val="00FF00"/>
+                </a:solidFill>
+                <a:latin typeface="Courier New"/>
+                <a:ea typeface="Courier New"/>
+                <a:cs typeface="Courier New"/>
+                <a:sym typeface="Courier New"/>
+              </a:rPr>
+              <a:t>y</a:t>
+            </a:r>
+            <a:r>
+              <a:rPr lang="en-US" sz="3000" b="1" i="0" u="none" strike="noStrike" cap="none" dirty="0">
+                <a:solidFill>
+                  <a:schemeClr val="lt1"/>
+                </a:solidFill>
+                <a:latin typeface="Courier New"/>
+                <a:ea typeface="Courier New"/>
+                <a:cs typeface="Courier New"/>
+                <a:sym typeface="Courier New"/>
+              </a:rPr>
+              <a:t> = ( 1, 9, 2 )</a:t>
+            </a:r>
+          </a:p>
+          <a:p>
+            <a:pPr lvl="0">
+              <a:buClr>
+                <a:schemeClr val="lt1"/>
+              </a:buClr>
+              <a:buSzPct val="25000"/>
+            </a:pPr>
+            <a:r>
+              <a:rPr lang="en-US" sz="3000" b="1" i="0" u="none" strike="noStrike" cap="none" dirty="0">
+                <a:solidFill>
+                  <a:schemeClr val="lt1"/>
+                </a:solidFill>
+                <a:latin typeface="Courier New"/>
+                <a:ea typeface="Courier New"/>
+                <a:cs typeface="Courier New"/>
+                <a:sym typeface="Courier New"/>
+              </a:rPr>
+              <a:t>&gt;&gt;&gt; </a:t>
+            </a:r>
+            <a:r>
+              <a:rPr lang="en-US" sz="3000" b="1" i="0" u="none" strike="noStrike" cap="none" dirty="0" smtClean="0">
+                <a:solidFill>
+                  <a:srgbClr val="FFFF00"/>
+                </a:solidFill>
+                <a:latin typeface="Courier New"/>
+                <a:ea typeface="Courier New"/>
+                <a:cs typeface="Courier New"/>
+                <a:sym typeface="Courier New"/>
+              </a:rPr>
+              <a:t>print(</a:t>
+            </a:r>
+            <a:r>
+              <a:rPr lang="en-US" sz="3000" b="1" i="0" u="none" strike="noStrike" cap="none" dirty="0" smtClean="0">
+                <a:solidFill>
+                  <a:srgbClr val="00FF00"/>
+                </a:solidFill>
+                <a:latin typeface="Courier New"/>
+                <a:ea typeface="Courier New"/>
+                <a:cs typeface="Courier New"/>
+                <a:sym typeface="Courier New"/>
+              </a:rPr>
+              <a:t>y</a:t>
+            </a:r>
+            <a:r>
+              <a:rPr lang="en-US" sz="3000" b="1" dirty="0" smtClean="0">
+                <a:solidFill>
+                  <a:srgbClr val="FFFF00"/>
+                </a:solidFill>
+                <a:latin typeface="Courier New"/>
+                <a:ea typeface="Courier New"/>
+                <a:cs typeface="Courier New"/>
+                <a:sym typeface="Courier New"/>
+              </a:rPr>
+              <a:t>)</a:t>
+            </a:r>
+            <a:endParaRPr lang="en-US" sz="3000" b="1" i="0" u="none" strike="noStrike" cap="none" dirty="0">
+              <a:solidFill>
+                <a:srgbClr val="00FF00"/>
+              </a:solidFill>
+              <a:latin typeface="Courier New"/>
+              <a:ea typeface="Courier New"/>
+              <a:cs typeface="Courier New"/>
+              <a:sym typeface="Courier New"/>
+            </a:endParaRPr>
           </a:p>
           <a:p>
             <a:pPr marL="0" marR="0" lvl="0" indent="0" algn="l" rtl="0">
@@ -10650,7 +11022,27 @@
               <a:buNone/>
             </a:pPr>
             <a:r>
-              <a:rPr lang="en-US" sz="3000" b="1" i="0" u="none" strike="noStrike" cap="none">
+              <a:rPr lang="en-US" sz="3000" b="1" i="0" u="none" strike="noStrike" cap="none" dirty="0">
+                <a:solidFill>
+                  <a:schemeClr val="lt1"/>
+                </a:solidFill>
+                <a:latin typeface="Courier New"/>
+                <a:ea typeface="Courier New"/>
+                <a:cs typeface="Courier New"/>
+                <a:sym typeface="Courier New"/>
+              </a:rPr>
+              <a:t>(1, 9, 2)</a:t>
+            </a:r>
+          </a:p>
+          <a:p>
+            <a:pPr lvl="0">
+              <a:buClr>
+                <a:schemeClr val="lt1"/>
+              </a:buClr>
+              <a:buSzPct val="25000"/>
+            </a:pPr>
+            <a:r>
+              <a:rPr lang="en-US" sz="3000" b="1" i="0" u="none" strike="noStrike" cap="none" dirty="0">
                 <a:solidFill>
                   <a:schemeClr val="lt1"/>
                 </a:solidFill>
@@ -10662,7 +11054,43 @@
               <a:t>&gt;&gt;&gt; </a:t>
             </a:r>
             <a:r>
-              <a:rPr lang="en-US" sz="3000" b="1" i="0" u="none" strike="noStrike" cap="none">
+              <a:rPr lang="en-US" sz="3000" b="1" i="0" u="none" strike="noStrike" cap="none" dirty="0" smtClean="0">
+                <a:solidFill>
+                  <a:srgbClr val="FFFF00"/>
+                </a:solidFill>
+                <a:latin typeface="Courier New"/>
+                <a:ea typeface="Courier New"/>
+                <a:cs typeface="Courier New"/>
+                <a:sym typeface="Courier New"/>
+              </a:rPr>
+              <a:t>print(</a:t>
+            </a:r>
+            <a:r>
+              <a:rPr lang="en-US" sz="3000" b="1" i="0" u="none" strike="noStrike" cap="none" dirty="0" smtClean="0">
+                <a:solidFill>
+                  <a:srgbClr val="FF00FF"/>
+                </a:solidFill>
+                <a:latin typeface="Courier New"/>
+                <a:ea typeface="Courier New"/>
+                <a:cs typeface="Courier New"/>
+                <a:sym typeface="Courier New"/>
+              </a:rPr>
+              <a:t>max</a:t>
+            </a:r>
+            <a:r>
+              <a:rPr lang="en-US" sz="3000" b="1" i="0" u="none" strike="noStrike" cap="none" dirty="0" smtClean="0">
+                <a:solidFill>
+                  <a:schemeClr val="lt1"/>
+                </a:solidFill>
+                <a:latin typeface="Courier New"/>
+                <a:ea typeface="Courier New"/>
+                <a:cs typeface="Courier New"/>
+                <a:sym typeface="Courier New"/>
+              </a:rPr>
+              <a:t>(</a:t>
+            </a:r>
+            <a:r>
+              <a:rPr lang="en-US" sz="3000" b="1" i="0" u="none" strike="noStrike" cap="none" dirty="0" smtClean="0">
                 <a:solidFill>
                   <a:srgbClr val="00FF00"/>
                 </a:solidFill>
@@ -10674,17 +11102,38 @@
               <a:t>y</a:t>
             </a:r>
             <a:r>
-              <a:rPr lang="en-US" sz="3000" b="1" i="0" u="none" strike="noStrike" cap="none">
-                <a:solidFill>
-                  <a:schemeClr val="lt1"/>
-                </a:solidFill>
-                <a:latin typeface="Courier New"/>
-                <a:ea typeface="Courier New"/>
-                <a:cs typeface="Courier New"/>
-                <a:sym typeface="Courier New"/>
-              </a:rPr>
-              <a:t> = ( 1, 9, 2 )</a:t>
-            </a:r>
+              <a:rPr lang="en-US" sz="3000" b="1" i="0" u="none" strike="noStrike" cap="none" dirty="0" smtClean="0">
+                <a:solidFill>
+                  <a:schemeClr val="lt1"/>
+                </a:solidFill>
+                <a:latin typeface="Courier New"/>
+                <a:ea typeface="Courier New"/>
+                <a:cs typeface="Courier New"/>
+                <a:sym typeface="Courier New"/>
+              </a:rPr>
+              <a:t>)</a:t>
+            </a:r>
+            <a:r>
+              <a:rPr lang="en-US" sz="3000" b="1" dirty="0" smtClean="0">
+                <a:solidFill>
+                  <a:srgbClr val="FFFF00"/>
+                </a:solidFill>
+                <a:latin typeface="Courier New"/>
+                <a:ea typeface="Courier New"/>
+                <a:cs typeface="Courier New"/>
+                <a:sym typeface="Courier New"/>
+              </a:rPr>
+              <a:t>)</a:t>
+            </a:r>
+            <a:endParaRPr lang="en-US" sz="3000" b="1" i="0" u="none" strike="noStrike" cap="none" dirty="0">
+              <a:solidFill>
+                <a:schemeClr val="lt1"/>
+              </a:solidFill>
+              <a:latin typeface="Courier New"/>
+              <a:ea typeface="Courier New"/>
+              <a:cs typeface="Courier New"/>
+              <a:sym typeface="Courier New"/>
+            </a:endParaRPr>
           </a:p>
           <a:p>
             <a:pPr marL="0" marR="0" lvl="0" indent="0" algn="l" rtl="0">
@@ -10705,184 +11154,7 @@
               <a:buNone/>
             </a:pPr>
             <a:r>
-              <a:rPr lang="en-US" sz="3000" b="1" i="0" u="none" strike="noStrike" cap="none">
-                <a:solidFill>
-                  <a:schemeClr val="lt1"/>
-                </a:solidFill>
-                <a:latin typeface="Courier New"/>
-                <a:ea typeface="Courier New"/>
-                <a:cs typeface="Courier New"/>
-                <a:sym typeface="Courier New"/>
-              </a:rPr>
-              <a:t>&gt;&gt;&gt; print </a:t>
-            </a:r>
-            <a:r>
-              <a:rPr lang="en-US" sz="3000" b="1" i="0" u="none" strike="noStrike" cap="none">
-                <a:solidFill>
-                  <a:srgbClr val="00FF00"/>
-                </a:solidFill>
-                <a:latin typeface="Courier New"/>
-                <a:ea typeface="Courier New"/>
-                <a:cs typeface="Courier New"/>
-                <a:sym typeface="Courier New"/>
-              </a:rPr>
-              <a:t>y</a:t>
-            </a:r>
-          </a:p>
-          <a:p>
-            <a:pPr marL="0" marR="0" lvl="0" indent="0" algn="l" rtl="0">
-              <a:lnSpc>
-                <a:spcPct val="100000"/>
-              </a:lnSpc>
-              <a:spcBef>
-                <a:spcPts val="0"/>
-              </a:spcBef>
-              <a:spcAft>
-                <a:spcPts val="0"/>
-              </a:spcAft>
-              <a:buClr>
-                <a:schemeClr val="lt1"/>
-              </a:buClr>
-              <a:buSzPct val="25000"/>
-              <a:buFont typeface="Courier New"/>
-              <a:buNone/>
-            </a:pPr>
-            <a:r>
-              <a:rPr lang="en-US" sz="3000" b="1" i="0" u="none" strike="noStrike" cap="none">
-                <a:solidFill>
-                  <a:schemeClr val="lt1"/>
-                </a:solidFill>
-                <a:latin typeface="Courier New"/>
-                <a:ea typeface="Courier New"/>
-                <a:cs typeface="Courier New"/>
-                <a:sym typeface="Courier New"/>
-              </a:rPr>
-              <a:t>(1, 9, 2)</a:t>
-            </a:r>
-          </a:p>
-          <a:p>
-            <a:pPr marL="0" marR="0" lvl="0" indent="0" algn="l" rtl="0">
-              <a:lnSpc>
-                <a:spcPct val="100000"/>
-              </a:lnSpc>
-              <a:spcBef>
-                <a:spcPts val="0"/>
-              </a:spcBef>
-              <a:spcAft>
-                <a:spcPts val="0"/>
-              </a:spcAft>
-              <a:buClr>
-                <a:schemeClr val="lt1"/>
-              </a:buClr>
-              <a:buSzPct val="25000"/>
-              <a:buFont typeface="Courier New"/>
-              <a:buNone/>
-            </a:pPr>
-            <a:r>
-              <a:rPr lang="en-US" sz="3000" b="1" i="0" u="none" strike="noStrike" cap="none">
-                <a:solidFill>
-                  <a:schemeClr val="lt1"/>
-                </a:solidFill>
-                <a:latin typeface="Courier New"/>
-                <a:ea typeface="Courier New"/>
-                <a:cs typeface="Courier New"/>
-                <a:sym typeface="Courier New"/>
-              </a:rPr>
-              <a:t>&gt;&gt;&gt; </a:t>
-            </a:r>
-            <a:r>
-              <a:rPr lang="en-US" sz="3000" b="1" i="0" u="none" strike="noStrike" cap="none">
-                <a:solidFill>
-                  <a:srgbClr val="FFFF00"/>
-                </a:solidFill>
-                <a:latin typeface="Courier New"/>
-                <a:ea typeface="Courier New"/>
-                <a:cs typeface="Courier New"/>
-                <a:sym typeface="Courier New"/>
-              </a:rPr>
-              <a:t>print</a:t>
-            </a:r>
-            <a:r>
-              <a:rPr lang="en-US" sz="3000" b="1" i="0" u="none" strike="noStrike" cap="none">
-                <a:solidFill>
-                  <a:schemeClr val="lt1"/>
-                </a:solidFill>
-                <a:latin typeface="Courier New"/>
-                <a:ea typeface="Courier New"/>
-                <a:cs typeface="Courier New"/>
-                <a:sym typeface="Courier New"/>
-              </a:rPr>
-              <a:t> </a:t>
-            </a:r>
-            <a:r>
-              <a:rPr lang="en-US" sz="3000" b="1" i="0" u="none" strike="noStrike" cap="none">
-                <a:solidFill>
-                  <a:srgbClr val="FF00FF"/>
-                </a:solidFill>
-                <a:latin typeface="Courier New"/>
-                <a:ea typeface="Courier New"/>
-                <a:cs typeface="Courier New"/>
-                <a:sym typeface="Courier New"/>
-              </a:rPr>
-              <a:t>max</a:t>
-            </a:r>
-            <a:r>
-              <a:rPr lang="en-US" sz="3000" b="1" i="0" u="none" strike="noStrike" cap="none">
-                <a:solidFill>
-                  <a:schemeClr val="lt1"/>
-                </a:solidFill>
-                <a:latin typeface="Courier New"/>
-                <a:ea typeface="Courier New"/>
-                <a:cs typeface="Courier New"/>
-                <a:sym typeface="Courier New"/>
-              </a:rPr>
-              <a:t>(</a:t>
-            </a:r>
-            <a:r>
-              <a:rPr lang="en-US" sz="3000" b="1" i="0" u="none" strike="noStrike" cap="none">
-                <a:solidFill>
-                  <a:srgbClr val="00FF00"/>
-                </a:solidFill>
-                <a:latin typeface="Courier New"/>
-                <a:ea typeface="Courier New"/>
-                <a:cs typeface="Courier New"/>
-                <a:sym typeface="Courier New"/>
-              </a:rPr>
-              <a:t>y</a:t>
-            </a:r>
-            <a:r>
-              <a:rPr lang="en-US" sz="3000" b="1" i="0" u="none" strike="noStrike" cap="none">
-                <a:solidFill>
-                  <a:schemeClr val="lt1"/>
-                </a:solidFill>
-                <a:latin typeface="Courier New"/>
-                <a:ea typeface="Courier New"/>
-                <a:cs typeface="Courier New"/>
-                <a:sym typeface="Courier New"/>
-              </a:rPr>
-              <a:t>)</a:t>
-            </a:r>
-          </a:p>
-          <a:p>
-            <a:pPr marL="0" marR="0" lvl="0" indent="0" algn="l" rtl="0">
-              <a:lnSpc>
-                <a:spcPct val="100000"/>
-              </a:lnSpc>
-              <a:spcBef>
-                <a:spcPts val="0"/>
-              </a:spcBef>
-              <a:spcAft>
-                <a:spcPts val="0"/>
-              </a:spcAft>
-              <a:buClr>
-                <a:schemeClr val="lt1"/>
-              </a:buClr>
-              <a:buSzPct val="25000"/>
-              <a:buFont typeface="Courier New"/>
-              <a:buNone/>
-            </a:pPr>
-            <a:r>
-              <a:rPr lang="en-US" sz="3000" b="1" i="0" u="none" strike="noStrike" cap="none">
+              <a:rPr lang="en-US" sz="3000" b="1" i="0" u="none" strike="noStrike" cap="none" dirty="0">
                 <a:solidFill>
                   <a:schemeClr val="lt1"/>
                 </a:solidFill>
@@ -10904,7 +11176,7 @@
         </p:nvSpPr>
         <p:spPr>
           <a:xfrm>
-            <a:off x="10813150" y="4881350"/>
+            <a:off x="10515700" y="4329113"/>
             <a:ext cx="4572000" cy="3555898"/>
           </a:xfrm>
           <a:prstGeom prst="rect">
@@ -10939,7 +11211,7 @@
               <a:buNone/>
             </a:pPr>
             <a:r>
-              <a:rPr lang="en-US" sz="3000" b="1" i="0" u="none" strike="noStrike" cap="none">
+              <a:rPr lang="en-US" sz="3000" b="1" i="0" u="none" strike="noStrike" cap="none" dirty="0">
                 <a:solidFill>
                   <a:schemeClr val="lt1"/>
                 </a:solidFill>
@@ -10951,7 +11223,7 @@
               <a:t>&gt;&gt;&gt; </a:t>
             </a:r>
             <a:r>
-              <a:rPr lang="en-US" sz="3000" b="1" i="0" u="none" strike="noStrike" cap="none">
+              <a:rPr lang="en-US" sz="3000" b="1" i="0" u="none" strike="noStrike" cap="none" dirty="0">
                 <a:solidFill>
                   <a:srgbClr val="FFFF00"/>
                 </a:solidFill>
@@ -10963,7 +11235,7 @@
               <a:t>for</a:t>
             </a:r>
             <a:r>
-              <a:rPr lang="en-US" sz="3000" b="1" i="0" u="none" strike="noStrike" cap="none">
+              <a:rPr lang="en-US" sz="3000" b="1" i="0" u="none" strike="noStrike" cap="none" dirty="0">
                 <a:solidFill>
                   <a:schemeClr val="lt1"/>
                 </a:solidFill>
@@ -10975,7 +11247,7 @@
               <a:t> </a:t>
             </a:r>
             <a:r>
-              <a:rPr lang="en-US" sz="3000" b="1" i="0" u="none" strike="noStrike" cap="none">
+              <a:rPr lang="en-US" sz="3000" b="1" i="0" u="none" strike="noStrike" cap="none" dirty="0" err="1">
                 <a:solidFill>
                   <a:srgbClr val="00FFFF"/>
                 </a:solidFill>
@@ -10987,7 +11259,7 @@
               <a:t>iter</a:t>
             </a:r>
             <a:r>
-              <a:rPr lang="en-US" sz="3000" b="1" i="0" u="none" strike="noStrike" cap="none">
+              <a:rPr lang="en-US" sz="3000" b="1" i="0" u="none" strike="noStrike" cap="none" dirty="0">
                 <a:solidFill>
                   <a:schemeClr val="lt1"/>
                 </a:solidFill>
@@ -10999,7 +11271,7 @@
               <a:t> </a:t>
             </a:r>
             <a:r>
-              <a:rPr lang="en-US" sz="3000" b="1" i="0" u="none" strike="noStrike" cap="none">
+              <a:rPr lang="en-US" sz="3000" b="1" i="0" u="none" strike="noStrike" cap="none" dirty="0">
                 <a:solidFill>
                   <a:srgbClr val="FFFF00"/>
                 </a:solidFill>
@@ -11011,7 +11283,7 @@
               <a:t>in</a:t>
             </a:r>
             <a:r>
-              <a:rPr lang="en-US" sz="3000" b="1" i="0" u="none" strike="noStrike" cap="none">
+              <a:rPr lang="en-US" sz="3000" b="1" i="0" u="none" strike="noStrike" cap="none" dirty="0">
                 <a:solidFill>
                   <a:schemeClr val="lt1"/>
                 </a:solidFill>
@@ -11023,7 +11295,7 @@
               <a:t> </a:t>
             </a:r>
             <a:r>
-              <a:rPr lang="en-US" sz="3000" b="1" i="0" u="none" strike="noStrike" cap="none">
+              <a:rPr lang="en-US" sz="3000" b="1" i="0" u="none" strike="noStrike" cap="none" dirty="0">
                 <a:solidFill>
                   <a:srgbClr val="FF00FF"/>
                 </a:solidFill>
@@ -11035,7 +11307,7 @@
               <a:t>y</a:t>
             </a:r>
             <a:r>
-              <a:rPr lang="en-US" sz="3000" b="1" i="0" u="none" strike="noStrike" cap="none">
+              <a:rPr lang="en-US" sz="3000" b="1" i="0" u="none" strike="noStrike" cap="none" dirty="0">
                 <a:solidFill>
                   <a:schemeClr val="lt1"/>
                 </a:solidFill>
@@ -11066,19 +11338,31 @@
               <a:buNone/>
             </a:pPr>
             <a:r>
-              <a:rPr lang="en-US" sz="3000" b="1" i="0" u="none" strike="noStrike" cap="none">
-                <a:solidFill>
-                  <a:schemeClr val="lt1"/>
-                </a:solidFill>
-                <a:latin typeface="Courier New"/>
-                <a:ea typeface="Courier New"/>
-                <a:cs typeface="Courier New"/>
-                <a:sym typeface="Courier New"/>
-              </a:rPr>
-              <a:t>...     </a:t>
-            </a:r>
-            <a:r>
-              <a:rPr lang="en-US" sz="3000" b="1" i="0" u="none" strike="noStrike" cap="none">
+              <a:rPr lang="en-US" sz="3000" b="1" i="0" u="none" strike="noStrike" cap="none" dirty="0">
+                <a:solidFill>
+                  <a:schemeClr val="lt1"/>
+                </a:solidFill>
+                <a:latin typeface="Courier New"/>
+                <a:ea typeface="Courier New"/>
+                <a:cs typeface="Courier New"/>
+                <a:sym typeface="Courier New"/>
+              </a:rPr>
+              <a:t>... </a:t>
+            </a:r>
+            <a:r>
+              <a:rPr lang="en-US" sz="3000" b="1" i="0" u="none" strike="noStrike" cap="none" dirty="0" smtClean="0">
+                <a:solidFill>
+                  <a:schemeClr val="lt1"/>
+                </a:solidFill>
+                <a:latin typeface="Courier New"/>
+                <a:ea typeface="Courier New"/>
+                <a:cs typeface="Courier New"/>
+                <a:sym typeface="Courier New"/>
+              </a:rPr>
+              <a:t>    </a:t>
+            </a:r>
+            <a:r>
+              <a:rPr lang="en-US" sz="3000" b="1" i="0" u="none" strike="noStrike" cap="none" dirty="0" smtClean="0">
                 <a:solidFill>
                   <a:srgbClr val="FFFF00"/>
                 </a:solidFill>
@@ -11087,22 +11371,10 @@
                 <a:cs typeface="Courier New"/>
                 <a:sym typeface="Courier New"/>
               </a:rPr>
-              <a:t>print</a:t>
-            </a:r>
-            <a:r>
-              <a:rPr lang="en-US" sz="3000" b="1" i="0" u="none" strike="noStrike" cap="none">
-                <a:solidFill>
-                  <a:schemeClr val="lt1"/>
-                </a:solidFill>
-                <a:latin typeface="Courier New"/>
-                <a:ea typeface="Courier New"/>
-                <a:cs typeface="Courier New"/>
-                <a:sym typeface="Courier New"/>
-              </a:rPr>
-              <a:t> </a:t>
-            </a:r>
-            <a:r>
-              <a:rPr lang="en-US" sz="3000" b="1" i="0" u="none" strike="noStrike" cap="none">
+              <a:t>print(</a:t>
+            </a:r>
+            <a:r>
+              <a:rPr lang="en-US" sz="3000" b="1" i="0" u="none" strike="noStrike" cap="none" dirty="0" err="1" smtClean="0">
                 <a:solidFill>
                   <a:srgbClr val="00FFFF"/>
                 </a:solidFill>
@@ -11113,6 +11385,27 @@
               </a:rPr>
               <a:t>iter</a:t>
             </a:r>
+            <a:r>
+              <a:rPr lang="en-US" sz="3000" b="1" i="0" u="none" strike="noStrike" cap="none" dirty="0" smtClean="0">
+                <a:solidFill>
+                  <a:srgbClr val="FFFF00"/>
+                </a:solidFill>
+                <a:latin typeface="Courier New"/>
+                <a:ea typeface="Courier New"/>
+                <a:cs typeface="Courier New"/>
+                <a:sym typeface="Courier New"/>
+              </a:rPr>
+              <a:t>)</a:t>
+            </a:r>
+            <a:endParaRPr lang="en-US" sz="3000" b="1" i="0" u="none" strike="noStrike" cap="none" dirty="0">
+              <a:solidFill>
+                <a:srgbClr val="FFFF00"/>
+              </a:solidFill>
+              <a:latin typeface="Courier New"/>
+              <a:ea typeface="Courier New"/>
+              <a:cs typeface="Courier New"/>
+              <a:sym typeface="Courier New"/>
+            </a:endParaRPr>
           </a:p>
           <a:p>
             <a:pPr marL="0" marR="0" lvl="0" indent="0" algn="l" rtl="0">
@@ -11133,7 +11426,7 @@
               <a:buNone/>
             </a:pPr>
             <a:r>
-              <a:rPr lang="en-US" sz="3000" b="1" i="0" u="none" strike="noStrike" cap="none">
+              <a:rPr lang="en-US" sz="3000" b="1" i="0" u="none" strike="noStrike" cap="none" dirty="0">
                 <a:solidFill>
                   <a:schemeClr val="lt1"/>
                 </a:solidFill>
@@ -11164,7 +11457,7 @@
               <a:buNone/>
             </a:pPr>
             <a:r>
-              <a:rPr lang="en-US" sz="3000" b="1" i="0" u="none" strike="noStrike" cap="none">
+              <a:rPr lang="en-US" sz="3000" b="1" i="0" u="none" strike="noStrike" cap="none" dirty="0">
                 <a:solidFill>
                   <a:schemeClr val="lt1"/>
                 </a:solidFill>
@@ -11195,7 +11488,7 @@
               <a:buNone/>
             </a:pPr>
             <a:r>
-              <a:rPr lang="en-US" sz="3000" b="1" i="0" u="none" strike="noStrike" cap="none">
+              <a:rPr lang="en-US" sz="3000" b="1" i="0" u="none" strike="noStrike" cap="none" dirty="0">
                 <a:solidFill>
                   <a:schemeClr val="lt1"/>
                 </a:solidFill>
@@ -11226,7 +11519,7 @@
               <a:buNone/>
             </a:pPr>
             <a:r>
-              <a:rPr lang="en-US" sz="3000" b="1" i="0" u="none" strike="noStrike" cap="none">
+              <a:rPr lang="en-US" sz="3000" b="1" i="0" u="none" strike="noStrike" cap="none" dirty="0">
                 <a:solidFill>
                   <a:schemeClr val="lt1"/>
                 </a:solidFill>
@@ -11257,7 +11550,7 @@
               <a:buNone/>
             </a:pPr>
             <a:r>
-              <a:rPr lang="en-US" sz="3000" b="1" i="0" u="none" strike="noStrike" cap="none">
+              <a:rPr lang="en-US" sz="3000" b="1" i="0" u="none" strike="noStrike" cap="none" dirty="0">
                 <a:solidFill>
                   <a:schemeClr val="lt1"/>
                 </a:solidFill>
@@ -11364,6 +11657,10 @@
           </p:nvPr>
         </p:nvSpPr>
         <p:spPr>
+          <a:xfrm>
+            <a:off x="1155700" y="2603500"/>
+            <a:ext cx="13932000" cy="1325563"/>
+          </a:xfrm>
           <a:prstGeom prst="rect">
             <a:avLst/>
           </a:prstGeom>
@@ -11466,8 +11763,8 @@
         </p:nvSpPr>
         <p:spPr>
           <a:xfrm>
-            <a:off x="749300" y="4876800"/>
-            <a:ext cx="5078400" cy="2837099"/>
+            <a:off x="749300" y="4433879"/>
+            <a:ext cx="5078400" cy="2438409"/>
           </a:xfrm>
           <a:prstGeom prst="rect">
             <a:avLst/>
@@ -11501,7 +11798,7 @@
               <a:buNone/>
             </a:pPr>
             <a:r>
-              <a:rPr lang="en-US" sz="3000" b="1" i="0" u="none" strike="noStrike" cap="none">
+              <a:rPr lang="en-US" sz="3000" b="1" i="0" u="none" strike="noStrike" cap="none" dirty="0">
                 <a:solidFill>
                   <a:schemeClr val="lt1"/>
                 </a:solidFill>
@@ -11513,7 +11810,7 @@
               <a:t>&gt;&gt;&gt; </a:t>
             </a:r>
             <a:r>
-              <a:rPr lang="en-US" sz="3000" b="1" i="0" u="none" strike="noStrike" cap="none">
+              <a:rPr lang="en-US" sz="3000" b="1" i="0" u="none" strike="noStrike" cap="none" dirty="0">
                 <a:solidFill>
                   <a:srgbClr val="00FF00"/>
                 </a:solidFill>
@@ -11525,7 +11822,7 @@
               <a:t>x</a:t>
             </a:r>
             <a:r>
-              <a:rPr lang="en-US" sz="3000" b="1" i="0" u="none" strike="noStrike" cap="none">
+              <a:rPr lang="en-US" sz="3000" b="1" i="0" u="none" strike="noStrike" cap="none" dirty="0">
                 <a:solidFill>
                   <a:schemeClr val="lt1"/>
                 </a:solidFill>
@@ -11556,7 +11853,7 @@
               <a:buNone/>
             </a:pPr>
             <a:r>
-              <a:rPr lang="en-US" sz="3000" b="1" i="0" u="none" strike="noStrike" cap="none">
+              <a:rPr lang="en-US" sz="3000" b="1" i="0" u="none" strike="noStrike" cap="none" dirty="0">
                 <a:solidFill>
                   <a:schemeClr val="lt1"/>
                 </a:solidFill>
@@ -11568,7 +11865,7 @@
               <a:t>&gt;&gt;&gt; </a:t>
             </a:r>
             <a:r>
-              <a:rPr lang="en-US" sz="3000" b="1" i="0" u="none" strike="noStrike" cap="none">
+              <a:rPr lang="en-US" sz="3000" b="1" i="0" u="none" strike="noStrike" cap="none" dirty="0">
                 <a:solidFill>
                   <a:srgbClr val="00FF00"/>
                 </a:solidFill>
@@ -11580,7 +11877,7 @@
               <a:t>x</a:t>
             </a:r>
             <a:r>
-              <a:rPr lang="en-US" sz="3000" b="1" i="0" u="none" strike="noStrike" cap="none">
+              <a:rPr lang="en-US" sz="3000" b="1" i="0" u="none" strike="noStrike" cap="none" dirty="0">
                 <a:solidFill>
                   <a:srgbClr val="00FFFF"/>
                 </a:solidFill>
@@ -11592,7 +11889,7 @@
               <a:t>[2]</a:t>
             </a:r>
             <a:r>
-              <a:rPr lang="en-US" sz="3000" b="1" i="0" u="none" strike="noStrike" cap="none">
+              <a:rPr lang="en-US" sz="3000" b="1" i="0" u="none" strike="noStrike" cap="none" dirty="0">
                 <a:solidFill>
                   <a:schemeClr val="lt1"/>
                 </a:solidFill>
@@ -11603,6 +11900,71 @@
               </a:rPr>
               <a:t> = 6</a:t>
             </a:r>
+          </a:p>
+          <a:p>
+            <a:pPr lvl="0">
+              <a:buClr>
+                <a:schemeClr val="lt1"/>
+              </a:buClr>
+              <a:buSzPct val="25000"/>
+            </a:pPr>
+            <a:r>
+              <a:rPr lang="en-US" sz="3000" b="1" i="0" u="none" strike="noStrike" cap="none" dirty="0">
+                <a:solidFill>
+                  <a:schemeClr val="lt1"/>
+                </a:solidFill>
+                <a:latin typeface="Courier New"/>
+                <a:ea typeface="Courier New"/>
+                <a:cs typeface="Courier New"/>
+                <a:sym typeface="Courier New"/>
+              </a:rPr>
+              <a:t>&gt;&gt;&gt; </a:t>
+            </a:r>
+            <a:r>
+              <a:rPr lang="en-US" sz="3000" b="1" i="0" u="none" strike="noStrike" cap="none" dirty="0" smtClean="0">
+                <a:solidFill>
+                  <a:srgbClr val="FFFF00"/>
+                </a:solidFill>
+                <a:latin typeface="Courier New"/>
+                <a:ea typeface="Courier New"/>
+                <a:cs typeface="Courier New"/>
+                <a:sym typeface="Courier New"/>
+              </a:rPr>
+              <a:t>print(</a:t>
+            </a:r>
+            <a:r>
+              <a:rPr lang="en-US" sz="3000" b="1" i="0" u="none" strike="noStrike" cap="none" dirty="0" smtClean="0">
+                <a:solidFill>
+                  <a:srgbClr val="00FF00"/>
+                </a:solidFill>
+                <a:latin typeface="Courier New"/>
+                <a:ea typeface="Courier New"/>
+                <a:cs typeface="Courier New"/>
+                <a:sym typeface="Courier New"/>
+              </a:rPr>
+              <a:t>x</a:t>
+            </a:r>
+            <a:r>
+              <a:rPr lang="en-US" sz="3000" b="1" dirty="0" smtClean="0">
+                <a:solidFill>
+                  <a:srgbClr val="FFFF00"/>
+                </a:solidFill>
+                <a:latin typeface="Courier New"/>
+                <a:ea typeface="Courier New"/>
+                <a:cs typeface="Courier New"/>
+                <a:sym typeface="Courier New"/>
+              </a:rPr>
+              <a:t>)</a:t>
+            </a:r>
+            <a:endParaRPr lang="en-US" sz="3000" b="1" i="0" u="none" strike="noStrike" cap="none" dirty="0">
+              <a:solidFill>
+                <a:srgbClr val="00FF00"/>
+              </a:solidFill>
+              <a:latin typeface="Courier New"/>
+              <a:ea typeface="Courier New"/>
+              <a:cs typeface="Courier New"/>
+              <a:sym typeface="Courier New"/>
+            </a:endParaRPr>
           </a:p>
           <a:p>
             <a:pPr marL="0" marR="0" lvl="0" indent="0" algn="l" rtl="0">
@@ -11623,52 +11985,16 @@
               <a:buNone/>
             </a:pPr>
             <a:r>
-              <a:rPr lang="en-US" sz="3000" b="1" i="0" u="none" strike="noStrike" cap="none">
-                <a:solidFill>
-                  <a:schemeClr val="lt1"/>
-                </a:solidFill>
-                <a:latin typeface="Courier New"/>
-                <a:ea typeface="Courier New"/>
-                <a:cs typeface="Courier New"/>
-                <a:sym typeface="Courier New"/>
-              </a:rPr>
-              <a:t>&gt;&gt;&gt; </a:t>
-            </a:r>
-            <a:r>
-              <a:rPr lang="en-US" sz="3000" b="1" i="0" u="none" strike="noStrike" cap="none">
-                <a:solidFill>
-                  <a:srgbClr val="FFFF00"/>
-                </a:solidFill>
-                <a:latin typeface="Courier New"/>
-                <a:ea typeface="Courier New"/>
-                <a:cs typeface="Courier New"/>
-                <a:sym typeface="Courier New"/>
-              </a:rPr>
-              <a:t>print</a:t>
-            </a:r>
-            <a:r>
-              <a:rPr lang="en-US" sz="3000" b="1" i="0" u="none" strike="noStrike" cap="none">
-                <a:solidFill>
-                  <a:schemeClr val="lt1"/>
-                </a:solidFill>
-                <a:latin typeface="Courier New"/>
-                <a:ea typeface="Courier New"/>
-                <a:cs typeface="Courier New"/>
-                <a:sym typeface="Courier New"/>
-              </a:rPr>
-              <a:t> </a:t>
-            </a:r>
-            <a:r>
-              <a:rPr lang="en-US" sz="3000" b="1" i="0" u="none" strike="noStrike" cap="none">
-                <a:solidFill>
-                  <a:srgbClr val="00FF00"/>
-                </a:solidFill>
-                <a:latin typeface="Courier New"/>
-                <a:ea typeface="Courier New"/>
-                <a:cs typeface="Courier New"/>
-                <a:sym typeface="Courier New"/>
-              </a:rPr>
-              <a:t>x</a:t>
+              <a:rPr lang="en-US" sz="3000" b="1" i="0" u="none" strike="noStrike" cap="none" dirty="0">
+                <a:solidFill>
+                  <a:schemeClr val="lt1"/>
+                </a:solidFill>
+                <a:latin typeface="Courier New"/>
+                <a:ea typeface="Courier New"/>
+                <a:cs typeface="Courier New"/>
+                <a:sym typeface="Courier New"/>
+              </a:rPr>
+              <a:t>&gt;&gt;&gt;[9, 8, 6]</a:t>
             </a:r>
           </a:p>
           <a:p>
@@ -11690,38 +12016,7 @@
               <a:buNone/>
             </a:pPr>
             <a:r>
-              <a:rPr lang="en-US" sz="3000" b="1" i="0" u="none" strike="noStrike" cap="none">
-                <a:solidFill>
-                  <a:schemeClr val="lt1"/>
-                </a:solidFill>
-                <a:latin typeface="Courier New"/>
-                <a:ea typeface="Courier New"/>
-                <a:cs typeface="Courier New"/>
-                <a:sym typeface="Courier New"/>
-              </a:rPr>
-              <a:t>&gt;&gt;&gt;[9, 8, 6]</a:t>
-            </a:r>
-          </a:p>
-          <a:p>
-            <a:pPr marL="0" marR="0" lvl="0" indent="0" algn="l" rtl="0">
-              <a:lnSpc>
-                <a:spcPct val="100000"/>
-              </a:lnSpc>
-              <a:spcBef>
-                <a:spcPts val="0"/>
-              </a:spcBef>
-              <a:spcAft>
-                <a:spcPts val="0"/>
-              </a:spcAft>
-              <a:buClr>
-                <a:schemeClr val="lt1"/>
-              </a:buClr>
-              <a:buSzPct val="25000"/>
-              <a:buFont typeface="Courier New"/>
-              <a:buNone/>
-            </a:pPr>
-            <a:r>
-              <a:rPr lang="en-US" sz="3000" b="1" i="0" u="none" strike="noStrike" cap="none">
+              <a:rPr lang="en-US" sz="3000" b="1" i="0" u="none" strike="noStrike" cap="none" dirty="0">
                 <a:solidFill>
                   <a:schemeClr val="lt1"/>
                 </a:solidFill>
@@ -11743,7 +12038,7 @@
         </p:nvSpPr>
         <p:spPr>
           <a:xfrm>
-            <a:off x="5994400" y="5029200"/>
+            <a:off x="6266650" y="4433879"/>
             <a:ext cx="4394200" cy="3390900"/>
           </a:xfrm>
           <a:prstGeom prst="rect">
@@ -11778,7 +12073,7 @@
               <a:buNone/>
             </a:pPr>
             <a:r>
-              <a:rPr lang="en-US" sz="3000" b="1" i="0" u="none" strike="noStrike" cap="none">
+              <a:rPr lang="en-US" sz="3000" b="1" i="0" u="none" strike="noStrike" cap="none" dirty="0">
                 <a:solidFill>
                   <a:schemeClr val="lt1"/>
                 </a:solidFill>
@@ -11790,7 +12085,7 @@
               <a:t>&gt;&gt;&gt; </a:t>
             </a:r>
             <a:r>
-              <a:rPr lang="en-US" sz="3000" b="1" i="0" u="none" strike="noStrike" cap="none">
+              <a:rPr lang="en-US" sz="3000" b="1" i="0" u="none" strike="noStrike" cap="none" dirty="0">
                 <a:solidFill>
                   <a:srgbClr val="00FF00"/>
                 </a:solidFill>
@@ -11802,7 +12097,7 @@
               <a:t>y</a:t>
             </a:r>
             <a:r>
-              <a:rPr lang="en-US" sz="3000" b="1" i="0" u="none" strike="noStrike" cap="none">
+              <a:rPr lang="en-US" sz="3000" b="1" i="0" u="none" strike="noStrike" cap="none" dirty="0">
                 <a:solidFill>
                   <a:schemeClr val="lt1"/>
                 </a:solidFill>
@@ -11833,7 +12128,7 @@
               <a:buNone/>
             </a:pPr>
             <a:r>
-              <a:rPr lang="en-US" sz="3000" b="1" i="0" u="none" strike="noStrike" cap="none">
+              <a:rPr lang="en-US" sz="3000" b="1" i="0" u="none" strike="noStrike" cap="none" dirty="0">
                 <a:solidFill>
                   <a:schemeClr val="lt1"/>
                 </a:solidFill>
@@ -11845,7 +12140,7 @@
               <a:t>&gt;&gt;&gt; </a:t>
             </a:r>
             <a:r>
-              <a:rPr lang="en-US" sz="3000" b="1" i="0" u="none" strike="noStrike" cap="none">
+              <a:rPr lang="en-US" sz="3000" b="1" i="0" u="none" strike="noStrike" cap="none" dirty="0">
                 <a:solidFill>
                   <a:srgbClr val="00FF00"/>
                 </a:solidFill>
@@ -11857,7 +12152,7 @@
               <a:t>y</a:t>
             </a:r>
             <a:r>
-              <a:rPr lang="en-US" sz="3000" b="1" i="0" u="none" strike="noStrike" cap="none">
+              <a:rPr lang="en-US" sz="3000" b="1" i="0" u="none" strike="noStrike" cap="none" dirty="0">
                 <a:solidFill>
                   <a:srgbClr val="00FFFF"/>
                 </a:solidFill>
@@ -11869,7 +12164,7 @@
               <a:t>[2]</a:t>
             </a:r>
             <a:r>
-              <a:rPr lang="en-US" sz="3000" b="1" i="0" u="none" strike="noStrike" cap="none">
+              <a:rPr lang="en-US" sz="3000" b="1" i="0" u="none" strike="noStrike" cap="none" dirty="0">
                 <a:solidFill>
                   <a:schemeClr val="lt1"/>
                 </a:solidFill>
@@ -11900,7 +12195,7 @@
               <a:buNone/>
             </a:pPr>
             <a:r>
-              <a:rPr lang="en-US" sz="3000" b="1" i="0" u="none" strike="noStrike" cap="none">
+              <a:rPr lang="en-US" sz="3000" b="1" i="0" u="none" strike="noStrike" cap="none" dirty="0" err="1">
                 <a:solidFill>
                   <a:srgbClr val="FF66FF"/>
                 </a:solidFill>
@@ -11909,7 +12204,43 @@
                 <a:cs typeface="Courier New"/>
                 <a:sym typeface="Courier New"/>
               </a:rPr>
-              <a:t>Traceback:'str' object does </a:t>
+              <a:t>Traceback</a:t>
+            </a:r>
+            <a:r>
+              <a:rPr lang="en-US" sz="3000" b="1" i="0" u="none" strike="noStrike" cap="none" dirty="0">
+                <a:solidFill>
+                  <a:srgbClr val="FF66FF"/>
+                </a:solidFill>
+                <a:latin typeface="Courier New"/>
+                <a:ea typeface="Courier New"/>
+                <a:cs typeface="Courier New"/>
+                <a:sym typeface="Courier New"/>
+              </a:rPr>
+              <a:t>:'</a:t>
+            </a:r>
+            <a:r>
+              <a:rPr lang="en-US" sz="3000" b="1" i="0" u="none" strike="noStrike" cap="none" dirty="0" err="1">
+                <a:solidFill>
+                  <a:srgbClr val="FF66FF"/>
+                </a:solidFill>
+                <a:latin typeface="Courier New"/>
+                <a:ea typeface="Courier New"/>
+                <a:cs typeface="Courier New"/>
+                <a:sym typeface="Courier New"/>
+              </a:rPr>
+              <a:t>str</a:t>
+            </a:r>
+            <a:r>
+              <a:rPr lang="en-US" sz="3000" b="1" i="0" u="none" strike="noStrike" cap="none" dirty="0">
+                <a:solidFill>
+                  <a:srgbClr val="FF66FF"/>
+                </a:solidFill>
+                <a:latin typeface="Courier New"/>
+                <a:ea typeface="Courier New"/>
+                <a:cs typeface="Courier New"/>
+                <a:sym typeface="Courier New"/>
+              </a:rPr>
+              <a:t>' object does </a:t>
             </a:r>
           </a:p>
           <a:p>
@@ -11931,7 +12262,7 @@
               <a:buNone/>
             </a:pPr>
             <a:r>
-              <a:rPr lang="en-US" sz="3000" b="1" i="0" u="none" strike="noStrike" cap="none">
+              <a:rPr lang="en-US" sz="3000" b="1" i="0" u="none" strike="noStrike" cap="none" dirty="0">
                 <a:solidFill>
                   <a:srgbClr val="FF66FF"/>
                 </a:solidFill>
@@ -11943,7 +12274,7 @@
               <a:t>not support </a:t>
             </a:r>
             <a:r>
-              <a:rPr lang="en-US" sz="3000" b="1" i="0" u="none" strike="noStrike" cap="none">
+              <a:rPr lang="en-US" sz="3000" b="1" i="0" u="none" strike="noStrike" cap="none" dirty="0">
                 <a:solidFill>
                   <a:srgbClr val="00FFFF"/>
                 </a:solidFill>
@@ -11955,7 +12286,7 @@
               <a:t>item</a:t>
             </a:r>
             <a:r>
-              <a:rPr lang="en-US" sz="3000" b="1" i="0" u="none" strike="noStrike" cap="none">
+              <a:rPr lang="en-US" sz="3000" b="1" i="0" u="none" strike="noStrike" cap="none" dirty="0">
                 <a:solidFill>
                   <a:srgbClr val="FF66FF"/>
                 </a:solidFill>
@@ -11986,7 +12317,7 @@
               <a:buNone/>
             </a:pPr>
             <a:r>
-              <a:rPr lang="en-US" sz="3000" b="1" i="0" u="none" strike="noStrike" cap="none">
+              <a:rPr lang="en-US" sz="3000" b="1" i="0" u="none" strike="noStrike" cap="none" dirty="0">
                 <a:solidFill>
                   <a:srgbClr val="FF66FF"/>
                 </a:solidFill>
@@ -12017,7 +12348,7 @@
               <a:buNone/>
             </a:pPr>
             <a:r>
-              <a:rPr lang="en-US" sz="3000" b="1" i="0" u="none" strike="noStrike" cap="none">
+              <a:rPr lang="en-US" sz="3000" b="1" i="0" u="none" strike="noStrike" cap="none" dirty="0">
                 <a:solidFill>
                   <a:schemeClr val="lt1"/>
                 </a:solidFill>
@@ -12039,7 +12370,7 @@
         </p:nvSpPr>
         <p:spPr>
           <a:xfrm>
-            <a:off x="11099800" y="5029200"/>
+            <a:off x="11099800" y="4433879"/>
             <a:ext cx="4927598" cy="3390900"/>
           </a:xfrm>
           <a:prstGeom prst="rect">
@@ -12435,25 +12766,6 @@
       </p:sp>
       <p:sp>
         <p:nvSpPr>
-          <p:cNvPr id="2" name="Text Placeholder 1"/>
-          <p:cNvSpPr>
-            <a:spLocks noGrp="1"/>
-          </p:cNvSpPr>
-          <p:nvPr>
-            <p:ph type="body" idx="1"/>
-          </p:nvPr>
-        </p:nvSpPr>
-        <p:spPr/>
-        <p:txBody>
-          <a:bodyPr/>
-          <a:lstStyle/>
-          <a:p>
-            <a:endParaRPr lang="en-US"/>
-          </a:p>
-        </p:txBody>
-      </p:sp>
-      <p:sp>
-        <p:nvSpPr>
           <p:cNvPr id="192" name="Shape 192"/>
           <p:cNvSpPr txBox="1"/>
           <p:nvPr/>
@@ -13047,25 +13359,6 @@
       </p:sp>
       <p:sp>
         <p:nvSpPr>
-          <p:cNvPr id="2" name="Text Placeholder 1"/>
-          <p:cNvSpPr>
-            <a:spLocks noGrp="1"/>
-          </p:cNvSpPr>
-          <p:nvPr>
-            <p:ph type="body" idx="1"/>
-          </p:nvPr>
-        </p:nvSpPr>
-        <p:spPr/>
-        <p:txBody>
-          <a:bodyPr/>
-          <a:lstStyle/>
-          <a:p>
-            <a:endParaRPr lang="en-US"/>
-          </a:p>
-        </p:txBody>
-      </p:sp>
-      <p:sp>
-        <p:nvSpPr>
           <p:cNvPr id="198" name="Shape 198"/>
           <p:cNvSpPr txBox="1"/>
           <p:nvPr/>
@@ -13758,6 +14051,10 @@
           </p:nvPr>
         </p:nvSpPr>
         <p:spPr>
+          <a:xfrm>
+            <a:off x="1155700" y="2603500"/>
+            <a:ext cx="13932000" cy="1997075"/>
+          </a:xfrm>
           <a:prstGeom prst="rect">
             <a:avLst/>
           </a:prstGeom>
@@ -13869,7 +14166,7 @@
               <a:buChar char="•"/>
             </a:pPr>
             <a:r>
-              <a:rPr lang="en-US" sz="3600" u="none" strike="noStrike" cap="none">
+              <a:rPr lang="en-US" sz="3600" u="none" strike="noStrike" cap="none" dirty="0">
                 <a:solidFill>
                   <a:schemeClr val="lt1"/>
                 </a:solidFill>
@@ -13891,7 +14188,7 @@
         </p:nvSpPr>
         <p:spPr>
           <a:xfrm>
-            <a:off x="4889500" y="5454650"/>
+            <a:off x="4889500" y="5197475"/>
             <a:ext cx="7378699" cy="2921000"/>
           </a:xfrm>
           <a:prstGeom prst="rect">
@@ -13926,7 +14223,7 @@
               <a:buNone/>
             </a:pPr>
             <a:r>
-              <a:rPr lang="en-US" sz="3300" b="1" i="0" u="none" strike="noStrike" cap="none">
+              <a:rPr lang="en-US" sz="3300" b="1" i="0" u="none" strike="noStrike" cap="none" dirty="0">
                 <a:solidFill>
                   <a:schemeClr val="lt1"/>
                 </a:solidFill>
@@ -13938,7 +14235,7 @@
               <a:t>&gt;&gt;&gt; </a:t>
             </a:r>
             <a:r>
-              <a:rPr lang="en-US" sz="3300" b="1" i="0" u="none" strike="noStrike" cap="none">
+              <a:rPr lang="en-US" sz="3300" b="1" i="0" u="none" strike="noStrike" cap="none" dirty="0">
                 <a:solidFill>
                   <a:srgbClr val="FF7F00"/>
                 </a:solidFill>
@@ -13950,7 +14247,7 @@
               <a:t>(x, y)</a:t>
             </a:r>
             <a:r>
-              <a:rPr lang="en-US" sz="3300" b="1" i="0" u="none" strike="noStrike" cap="none">
+              <a:rPr lang="en-US" sz="3300" b="1" i="0" u="none" strike="noStrike" cap="none" dirty="0">
                 <a:solidFill>
                   <a:schemeClr val="lt1"/>
                 </a:solidFill>
@@ -13962,7 +14259,7 @@
               <a:t> = </a:t>
             </a:r>
             <a:r>
-              <a:rPr lang="en-US" sz="3300" b="1" i="0" u="none" strike="noStrike" cap="none">
+              <a:rPr lang="en-US" sz="3300" b="1" i="0" u="none" strike="noStrike" cap="none" dirty="0">
                 <a:solidFill>
                   <a:srgbClr val="FF7F00"/>
                 </a:solidFill>
@@ -13971,8 +14268,97 @@
                 <a:cs typeface="Courier New"/>
                 <a:sym typeface="Courier New"/>
               </a:rPr>
-              <a:t>(4, 'fred')</a:t>
-            </a:r>
+              <a:t>(4, '</a:t>
+            </a:r>
+            <a:r>
+              <a:rPr lang="en-US" sz="3300" b="1" i="0" u="none" strike="noStrike" cap="none" dirty="0" err="1">
+                <a:solidFill>
+                  <a:srgbClr val="FF7F00"/>
+                </a:solidFill>
+                <a:latin typeface="Courier New"/>
+                <a:ea typeface="Courier New"/>
+                <a:cs typeface="Courier New"/>
+                <a:sym typeface="Courier New"/>
+              </a:rPr>
+              <a:t>fred</a:t>
+            </a:r>
+            <a:r>
+              <a:rPr lang="en-US" sz="3300" b="1" i="0" u="none" strike="noStrike" cap="none" dirty="0">
+                <a:solidFill>
+                  <a:srgbClr val="FF7F00"/>
+                </a:solidFill>
+                <a:latin typeface="Courier New"/>
+                <a:ea typeface="Courier New"/>
+                <a:cs typeface="Courier New"/>
+                <a:sym typeface="Courier New"/>
+              </a:rPr>
+              <a:t>')</a:t>
+            </a:r>
+          </a:p>
+          <a:p>
+            <a:pPr lvl="0">
+              <a:buClr>
+                <a:schemeClr val="lt1"/>
+              </a:buClr>
+              <a:buSzPct val="25000"/>
+            </a:pPr>
+            <a:r>
+              <a:rPr lang="en-US" sz="3300" b="1" i="0" u="none" strike="noStrike" cap="none" dirty="0">
+                <a:solidFill>
+                  <a:schemeClr val="lt1"/>
+                </a:solidFill>
+                <a:latin typeface="Courier New"/>
+                <a:ea typeface="Courier New"/>
+                <a:cs typeface="Courier New"/>
+                <a:sym typeface="Courier New"/>
+              </a:rPr>
+              <a:t>&gt;&gt;&gt; </a:t>
+            </a:r>
+            <a:r>
+              <a:rPr lang="en-US" sz="3300" b="1" i="0" u="none" strike="noStrike" cap="none" dirty="0" smtClean="0">
+                <a:solidFill>
+                  <a:srgbClr val="FFFF00"/>
+                </a:solidFill>
+                <a:latin typeface="Courier New"/>
+                <a:ea typeface="Courier New"/>
+                <a:cs typeface="Courier New"/>
+                <a:sym typeface="Courier New"/>
+              </a:rPr>
+              <a:t>print(</a:t>
+            </a:r>
+            <a:r>
+              <a:rPr lang="en-US" sz="3300" b="1" i="0" u="none" strike="noStrike" cap="none" dirty="0" smtClean="0">
+                <a:solidFill>
+                  <a:srgbClr val="00FF00"/>
+                </a:solidFill>
+                <a:latin typeface="Courier New"/>
+                <a:ea typeface="Courier New"/>
+                <a:cs typeface="Courier New"/>
+                <a:sym typeface="Courier New"/>
+              </a:rPr>
+              <a:t>y</a:t>
+            </a:r>
+            <a:r>
+              <a:rPr lang="en-US" sz="3600" b="1" dirty="0" smtClean="0">
+                <a:solidFill>
+                  <a:srgbClr val="FFFF00"/>
+                </a:solidFill>
+                <a:latin typeface="Courier New"/>
+                <a:ea typeface="Courier New"/>
+                <a:cs typeface="Courier New"/>
+                <a:sym typeface="Courier New"/>
+              </a:rPr>
+              <a:t>)</a:t>
+            </a:r>
+            <a:endParaRPr lang="en-US" sz="3300" b="1" i="0" u="none" strike="noStrike" cap="none" dirty="0">
+              <a:solidFill>
+                <a:srgbClr val="00FF00"/>
+              </a:solidFill>
+              <a:latin typeface="Courier New"/>
+              <a:ea typeface="Courier New"/>
+              <a:cs typeface="Courier New"/>
+              <a:sym typeface="Courier New"/>
+            </a:endParaRPr>
           </a:p>
           <a:p>
             <a:pPr marL="0" marR="0" lvl="0" indent="0" algn="l" rtl="0">
@@ -13993,53 +14379,26 @@
               <a:buNone/>
             </a:pPr>
             <a:r>
-              <a:rPr lang="en-US" sz="3300" b="1" i="0" u="none" strike="noStrike" cap="none">
-                <a:solidFill>
-                  <a:schemeClr val="lt1"/>
-                </a:solidFill>
-                <a:latin typeface="Courier New"/>
-                <a:ea typeface="Courier New"/>
-                <a:cs typeface="Courier New"/>
-                <a:sym typeface="Courier New"/>
-              </a:rPr>
-              <a:t>&gt;&gt;&gt; </a:t>
-            </a:r>
-            <a:r>
-              <a:rPr lang="en-US" sz="3300" b="1" i="0" u="none" strike="noStrike" cap="none">
-                <a:solidFill>
-                  <a:srgbClr val="FFFF00"/>
-                </a:solidFill>
-                <a:latin typeface="Courier New"/>
-                <a:ea typeface="Courier New"/>
-                <a:cs typeface="Courier New"/>
-                <a:sym typeface="Courier New"/>
-              </a:rPr>
-              <a:t>print</a:t>
-            </a:r>
-            <a:r>
-              <a:rPr lang="en-US" sz="3300" b="1" i="0" u="none" strike="noStrike" cap="none">
-                <a:solidFill>
-                  <a:schemeClr val="lt1"/>
-                </a:solidFill>
-                <a:latin typeface="Courier New"/>
-                <a:ea typeface="Courier New"/>
-                <a:cs typeface="Courier New"/>
-                <a:sym typeface="Courier New"/>
-              </a:rPr>
-              <a:t> </a:t>
-            </a:r>
-            <a:r>
-              <a:rPr lang="en-US" sz="3300" b="1" i="0" u="none" strike="noStrike" cap="none">
-                <a:solidFill>
-                  <a:srgbClr val="00FF00"/>
-                </a:solidFill>
-                <a:latin typeface="Courier New"/>
-                <a:ea typeface="Courier New"/>
-                <a:cs typeface="Courier New"/>
-                <a:sym typeface="Courier New"/>
-              </a:rPr>
-              <a:t>y</a:t>
-            </a:r>
+              <a:rPr lang="en-US" sz="3300" b="1" i="0" u="none" strike="noStrike" cap="none" dirty="0" err="1">
+                <a:solidFill>
+                  <a:schemeClr val="lt1"/>
+                </a:solidFill>
+                <a:latin typeface="Courier New"/>
+                <a:ea typeface="Courier New"/>
+                <a:cs typeface="Courier New"/>
+                <a:sym typeface="Courier New"/>
+              </a:rPr>
+              <a:t>fred</a:t>
+            </a:r>
+            <a:endParaRPr lang="en-US" sz="3300" b="1" i="0" u="none" strike="noStrike" cap="none" dirty="0">
+              <a:solidFill>
+                <a:schemeClr val="lt1"/>
+              </a:solidFill>
+              <a:latin typeface="Courier New"/>
+              <a:ea typeface="Courier New"/>
+              <a:cs typeface="Courier New"/>
+              <a:sym typeface="Courier New"/>
+            </a:endParaRPr>
           </a:p>
           <a:p>
             <a:pPr marL="0" marR="0" lvl="0" indent="0" algn="l" rtl="0">
@@ -14060,17 +14419,118 @@
               <a:buNone/>
             </a:pPr>
             <a:r>
-              <a:rPr lang="en-US" sz="3300" b="1" i="0" u="none" strike="noStrike" cap="none">
-                <a:solidFill>
-                  <a:schemeClr val="lt1"/>
-                </a:solidFill>
-                <a:latin typeface="Courier New"/>
-                <a:ea typeface="Courier New"/>
-                <a:cs typeface="Courier New"/>
-                <a:sym typeface="Courier New"/>
-              </a:rPr>
-              <a:t>fred</a:t>
-            </a:r>
+              <a:rPr lang="en-US" sz="3300" b="1" i="0" u="none" strike="noStrike" cap="none" dirty="0">
+                <a:solidFill>
+                  <a:schemeClr val="lt1"/>
+                </a:solidFill>
+                <a:latin typeface="Courier New"/>
+                <a:ea typeface="Courier New"/>
+                <a:cs typeface="Courier New"/>
+                <a:sym typeface="Courier New"/>
+              </a:rPr>
+              <a:t>&gt;&gt;&gt; </a:t>
+            </a:r>
+            <a:r>
+              <a:rPr lang="en-US" sz="3300" b="1" i="0" u="none" strike="noStrike" cap="none" dirty="0">
+                <a:solidFill>
+                  <a:srgbClr val="FF7F00"/>
+                </a:solidFill>
+                <a:latin typeface="Courier New"/>
+                <a:ea typeface="Courier New"/>
+                <a:cs typeface="Courier New"/>
+                <a:sym typeface="Courier New"/>
+              </a:rPr>
+              <a:t>(a, b)</a:t>
+            </a:r>
+            <a:r>
+              <a:rPr lang="en-US" sz="3300" b="1" i="0" u="none" strike="noStrike" cap="none" dirty="0">
+                <a:solidFill>
+                  <a:schemeClr val="lt1"/>
+                </a:solidFill>
+                <a:latin typeface="Courier New"/>
+                <a:ea typeface="Courier New"/>
+                <a:cs typeface="Courier New"/>
+                <a:sym typeface="Courier New"/>
+              </a:rPr>
+              <a:t> = </a:t>
+            </a:r>
+            <a:r>
+              <a:rPr lang="en-US" sz="3300" b="1" i="0" u="none" strike="noStrike" cap="none" dirty="0">
+                <a:solidFill>
+                  <a:srgbClr val="FF7F00"/>
+                </a:solidFill>
+                <a:latin typeface="Courier New"/>
+                <a:ea typeface="Courier New"/>
+                <a:cs typeface="Courier New"/>
+                <a:sym typeface="Courier New"/>
+              </a:rPr>
+              <a:t>(99, 98)</a:t>
+            </a:r>
+          </a:p>
+          <a:p>
+            <a:pPr lvl="0">
+              <a:buClr>
+                <a:schemeClr val="lt1"/>
+              </a:buClr>
+              <a:buSzPct val="25000"/>
+            </a:pPr>
+            <a:r>
+              <a:rPr lang="en-US" sz="3300" b="1" i="0" u="none" strike="noStrike" cap="none" dirty="0">
+                <a:solidFill>
+                  <a:schemeClr val="lt1"/>
+                </a:solidFill>
+                <a:latin typeface="Courier New"/>
+                <a:ea typeface="Courier New"/>
+                <a:cs typeface="Courier New"/>
+                <a:sym typeface="Courier New"/>
+              </a:rPr>
+              <a:t>&gt;&gt;&gt; </a:t>
+            </a:r>
+            <a:r>
+              <a:rPr lang="en-US" sz="3300" b="1" i="0" u="none" strike="noStrike" cap="none" dirty="0" smtClean="0">
+                <a:solidFill>
+                  <a:srgbClr val="FFFF00"/>
+                </a:solidFill>
+                <a:latin typeface="Courier New"/>
+                <a:ea typeface="Courier New"/>
+                <a:cs typeface="Courier New"/>
+                <a:sym typeface="Courier New"/>
+              </a:rPr>
+              <a:t>print(</a:t>
+            </a:r>
+            <a:r>
+              <a:rPr lang="en-US" sz="3300" b="1" i="0" u="none" strike="noStrike" cap="none" dirty="0" smtClean="0">
+                <a:solidFill>
+                  <a:srgbClr val="00FF00"/>
+                </a:solidFill>
+                <a:latin typeface="Courier New"/>
+                <a:ea typeface="Courier New"/>
+                <a:cs typeface="Courier New"/>
+                <a:sym typeface="Courier New"/>
+              </a:rPr>
+              <a:t>a</a:t>
+            </a:r>
+            <a:r>
+              <a:rPr lang="en-US" sz="3600" b="1" dirty="0" smtClean="0">
+                <a:solidFill>
+                  <a:srgbClr val="FFFF00"/>
+                </a:solidFill>
+                <a:latin typeface="Courier New"/>
+                <a:ea typeface="Courier New"/>
+                <a:cs typeface="Courier New"/>
+                <a:sym typeface="Courier New"/>
+              </a:rPr>
+              <a:t>)</a:t>
+            </a:r>
+            <a:endParaRPr lang="en-US" sz="3300" b="1" i="0" u="none" strike="noStrike" cap="none" dirty="0">
+              <a:solidFill>
+                <a:srgbClr val="00FF00"/>
+              </a:solidFill>
+              <a:latin typeface="Courier New"/>
+              <a:ea typeface="Courier New"/>
+              <a:cs typeface="Courier New"/>
+              <a:sym typeface="Courier New"/>
+            </a:endParaRPr>
           </a:p>
           <a:p>
             <a:pPr marL="0" marR="0" lvl="0" indent="0" algn="l" rtl="0">
@@ -14091,141 +14551,7 @@
               <a:buNone/>
             </a:pPr>
             <a:r>
-              <a:rPr lang="en-US" sz="3300" b="1" i="0" u="none" strike="noStrike" cap="none">
-                <a:solidFill>
-                  <a:schemeClr val="lt1"/>
-                </a:solidFill>
-                <a:latin typeface="Courier New"/>
-                <a:ea typeface="Courier New"/>
-                <a:cs typeface="Courier New"/>
-                <a:sym typeface="Courier New"/>
-              </a:rPr>
-              <a:t>&gt;&gt;&gt; </a:t>
-            </a:r>
-            <a:r>
-              <a:rPr lang="en-US" sz="3300" b="1" i="0" u="none" strike="noStrike" cap="none">
-                <a:solidFill>
-                  <a:srgbClr val="FF7F00"/>
-                </a:solidFill>
-                <a:latin typeface="Courier New"/>
-                <a:ea typeface="Courier New"/>
-                <a:cs typeface="Courier New"/>
-                <a:sym typeface="Courier New"/>
-              </a:rPr>
-              <a:t>(a, b)</a:t>
-            </a:r>
-            <a:r>
-              <a:rPr lang="en-US" sz="3300" b="1" i="0" u="none" strike="noStrike" cap="none">
-                <a:solidFill>
-                  <a:schemeClr val="lt1"/>
-                </a:solidFill>
-                <a:latin typeface="Courier New"/>
-                <a:ea typeface="Courier New"/>
-                <a:cs typeface="Courier New"/>
-                <a:sym typeface="Courier New"/>
-              </a:rPr>
-              <a:t> = </a:t>
-            </a:r>
-            <a:r>
-              <a:rPr lang="en-US" sz="3300" b="1" i="0" u="none" strike="noStrike" cap="none">
-                <a:solidFill>
-                  <a:srgbClr val="FF7F00"/>
-                </a:solidFill>
-                <a:latin typeface="Courier New"/>
-                <a:ea typeface="Courier New"/>
-                <a:cs typeface="Courier New"/>
-                <a:sym typeface="Courier New"/>
-              </a:rPr>
-              <a:t>(99, 98)</a:t>
-            </a:r>
-          </a:p>
-          <a:p>
-            <a:pPr marL="0" marR="0" lvl="0" indent="0" algn="l" rtl="0">
-              <a:lnSpc>
-                <a:spcPct val="100000"/>
-              </a:lnSpc>
-              <a:spcBef>
-                <a:spcPts val="0"/>
-              </a:spcBef>
-              <a:spcAft>
-                <a:spcPts val="0"/>
-              </a:spcAft>
-              <a:buClr>
-                <a:schemeClr val="lt1"/>
-              </a:buClr>
-              <a:buSzPct val="25000"/>
-              <a:buFont typeface="Courier New"/>
-              <a:buNone/>
-            </a:pPr>
-            <a:r>
-              <a:rPr lang="en-US" sz="3300" b="1" i="0" u="none" strike="noStrike" cap="none">
-                <a:solidFill>
-                  <a:schemeClr val="lt1"/>
-                </a:solidFill>
-                <a:latin typeface="Courier New"/>
-                <a:ea typeface="Courier New"/>
-                <a:cs typeface="Courier New"/>
-                <a:sym typeface="Courier New"/>
-              </a:rPr>
-              <a:t>&gt;&gt;&gt; </a:t>
-            </a:r>
-            <a:r>
-              <a:rPr lang="en-US" sz="3300" b="1" i="0" u="none" strike="noStrike" cap="none">
-                <a:solidFill>
-                  <a:srgbClr val="FFFF00"/>
-                </a:solidFill>
-                <a:latin typeface="Courier New"/>
-                <a:ea typeface="Courier New"/>
-                <a:cs typeface="Courier New"/>
-                <a:sym typeface="Courier New"/>
-              </a:rPr>
-              <a:t>print</a:t>
-            </a:r>
-            <a:r>
-              <a:rPr lang="en-US" sz="3300" b="1" i="0" u="none" strike="noStrike" cap="none">
-                <a:solidFill>
-                  <a:schemeClr val="lt1"/>
-                </a:solidFill>
-                <a:latin typeface="Courier New"/>
-                <a:ea typeface="Courier New"/>
-                <a:cs typeface="Courier New"/>
-                <a:sym typeface="Courier New"/>
-              </a:rPr>
-              <a:t> </a:t>
-            </a:r>
-            <a:r>
-              <a:rPr lang="en-US" sz="3300" b="1" i="0" u="none" strike="noStrike" cap="none">
-                <a:solidFill>
-                  <a:srgbClr val="00FF00"/>
-                </a:solidFill>
-                <a:latin typeface="Courier New"/>
-                <a:ea typeface="Courier New"/>
-                <a:cs typeface="Courier New"/>
-                <a:sym typeface="Courier New"/>
-              </a:rPr>
-              <a:t>a</a:t>
-            </a:r>
-          </a:p>
-          <a:p>
-            <a:pPr marL="0" marR="0" lvl="0" indent="0" algn="l" rtl="0">
-              <a:lnSpc>
-                <a:spcPct val="100000"/>
-              </a:lnSpc>
-              <a:spcBef>
-                <a:spcPts val="0"/>
-              </a:spcBef>
-              <a:spcAft>
-                <a:spcPts val="0"/>
-              </a:spcAft>
-              <a:buClr>
-                <a:schemeClr val="lt1"/>
-              </a:buClr>
-              <a:buSzPct val="25000"/>
-              <a:buFont typeface="Courier New"/>
-              <a:buNone/>
-            </a:pPr>
-            <a:r>
-              <a:rPr lang="en-US" sz="3300" b="1" i="0" u="none" strike="noStrike" cap="none">
+              <a:rPr lang="en-US" sz="3300" b="1" i="0" u="none" strike="noStrike" cap="none" dirty="0">
                 <a:solidFill>
                   <a:schemeClr val="lt1"/>
                 </a:solidFill>
@@ -14332,6 +14658,10 @@
           </p:nvPr>
         </p:nvSpPr>
         <p:spPr>
+          <a:xfrm>
+            <a:off x="1155700" y="2603500"/>
+            <a:ext cx="5630863" cy="5702398"/>
+          </a:xfrm>
           <a:prstGeom prst="rect">
             <a:avLst/>
           </a:prstGeom>
@@ -14457,16 +14787,40 @@
               <a:buNone/>
             </a:pPr>
             <a:r>
-              <a:rPr lang="en-US" sz="3200" b="1" i="0" u="none" strike="noStrike" cap="none">
-                <a:solidFill>
-                  <a:schemeClr val="lt1"/>
-                </a:solidFill>
-                <a:latin typeface="Courier New"/>
-                <a:ea typeface="Courier New"/>
-                <a:cs typeface="Courier New"/>
-                <a:sym typeface="Courier New"/>
-              </a:rPr>
-              <a:t>&gt;&gt;&gt; d = dict()</a:t>
+              <a:rPr lang="en-US" sz="3200" b="1" i="0" u="none" strike="noStrike" cap="none" dirty="0">
+                <a:solidFill>
+                  <a:schemeClr val="lt1"/>
+                </a:solidFill>
+                <a:latin typeface="Courier New"/>
+                <a:ea typeface="Courier New"/>
+                <a:cs typeface="Courier New"/>
+                <a:sym typeface="Courier New"/>
+              </a:rPr>
+              <a:t>&gt;&gt;&gt; d = </a:t>
+            </a:r>
+            <a:r>
+              <a:rPr lang="en-US" sz="3200" b="1" i="0" u="none" strike="noStrike" cap="none" dirty="0" err="1">
+                <a:solidFill>
+                  <a:schemeClr val="lt1"/>
+                </a:solidFill>
+                <a:latin typeface="Courier New"/>
+                <a:ea typeface="Courier New"/>
+                <a:cs typeface="Courier New"/>
+                <a:sym typeface="Courier New"/>
+              </a:rPr>
+              <a:t>dict</a:t>
+            </a:r>
+            <a:r>
+              <a:rPr lang="en-US" sz="3200" b="1" i="0" u="none" strike="noStrike" cap="none" dirty="0">
+                <a:solidFill>
+                  <a:schemeClr val="lt1"/>
+                </a:solidFill>
+                <a:latin typeface="Courier New"/>
+                <a:ea typeface="Courier New"/>
+                <a:cs typeface="Courier New"/>
+                <a:sym typeface="Courier New"/>
+              </a:rPr>
+              <a:t>()</a:t>
             </a:r>
           </a:p>
           <a:p>
@@ -14488,7 +14842,7 @@
               <a:buNone/>
             </a:pPr>
             <a:r>
-              <a:rPr lang="en-US" sz="3200" b="1" i="0" u="none" strike="noStrike" cap="none">
+              <a:rPr lang="en-US" sz="3200" b="1" i="0" u="none" strike="noStrike" cap="none" dirty="0">
                 <a:solidFill>
                   <a:schemeClr val="lt1"/>
                 </a:solidFill>
@@ -14500,7 +14854,7 @@
               <a:t>&gt;&gt;&gt; </a:t>
             </a:r>
             <a:r>
-              <a:rPr lang="en-US" sz="3200" b="1" i="0" u="none" strike="noStrike" cap="none">
+              <a:rPr lang="en-US" sz="3200" b="1" i="0" u="none" strike="noStrike" cap="none" dirty="0">
                 <a:solidFill>
                   <a:srgbClr val="00FF00"/>
                 </a:solidFill>
@@ -14512,7 +14866,7 @@
               <a:t>d</a:t>
             </a:r>
             <a:r>
-              <a:rPr lang="en-US" sz="3200" b="1" i="0" u="none" strike="noStrike" cap="none">
+              <a:rPr lang="en-US" sz="3200" b="1" i="0" u="none" strike="noStrike" cap="none" dirty="0">
                 <a:solidFill>
                   <a:srgbClr val="00FFFF"/>
                 </a:solidFill>
@@ -14521,10 +14875,34 @@
                 <a:cs typeface="Courier New"/>
                 <a:sym typeface="Courier New"/>
               </a:rPr>
-              <a:t>['csev']</a:t>
-            </a:r>
-            <a:r>
-              <a:rPr lang="en-US" sz="3200" b="1" i="0" u="none" strike="noStrike" cap="none">
+              <a:t>['</a:t>
+            </a:r>
+            <a:r>
+              <a:rPr lang="en-US" sz="3200" b="1" i="0" u="none" strike="noStrike" cap="none" dirty="0" err="1">
+                <a:solidFill>
+                  <a:srgbClr val="00FFFF"/>
+                </a:solidFill>
+                <a:latin typeface="Courier New"/>
+                <a:ea typeface="Courier New"/>
+                <a:cs typeface="Courier New"/>
+                <a:sym typeface="Courier New"/>
+              </a:rPr>
+              <a:t>csev</a:t>
+            </a:r>
+            <a:r>
+              <a:rPr lang="en-US" sz="3200" b="1" i="0" u="none" strike="noStrike" cap="none" dirty="0">
+                <a:solidFill>
+                  <a:srgbClr val="00FFFF"/>
+                </a:solidFill>
+                <a:latin typeface="Courier New"/>
+                <a:ea typeface="Courier New"/>
+                <a:cs typeface="Courier New"/>
+                <a:sym typeface="Courier New"/>
+              </a:rPr>
+              <a:t>']</a:t>
+            </a:r>
+            <a:r>
+              <a:rPr lang="en-US" sz="3200" b="1" i="0" u="none" strike="noStrike" cap="none" dirty="0">
                 <a:solidFill>
                   <a:schemeClr val="lt1"/>
                 </a:solidFill>
@@ -14555,7 +14933,7 @@
               <a:buNone/>
             </a:pPr>
             <a:r>
-              <a:rPr lang="en-US" sz="3200" b="1" i="0" u="none" strike="noStrike" cap="none">
+              <a:rPr lang="en-US" sz="3200" b="1" i="0" u="none" strike="noStrike" cap="none" dirty="0">
                 <a:solidFill>
                   <a:schemeClr val="lt1"/>
                 </a:solidFill>
@@ -14567,7 +14945,7 @@
               <a:t>&gt;&gt;&gt; </a:t>
             </a:r>
             <a:r>
-              <a:rPr lang="en-US" sz="3200" b="1" i="0" u="none" strike="noStrike" cap="none">
+              <a:rPr lang="en-US" sz="3200" b="1" i="0" u="none" strike="noStrike" cap="none" dirty="0">
                 <a:solidFill>
                   <a:srgbClr val="00FF00"/>
                 </a:solidFill>
@@ -14579,7 +14957,7 @@
               <a:t>d</a:t>
             </a:r>
             <a:r>
-              <a:rPr lang="en-US" sz="3200" b="1" i="0" u="none" strike="noStrike" cap="none">
+              <a:rPr lang="en-US" sz="3200" b="1" i="0" u="none" strike="noStrike" cap="none" dirty="0">
                 <a:solidFill>
                   <a:srgbClr val="00FFFF"/>
                 </a:solidFill>
@@ -14588,10 +14966,34 @@
                 <a:cs typeface="Courier New"/>
                 <a:sym typeface="Courier New"/>
               </a:rPr>
-              <a:t>['cwen']</a:t>
-            </a:r>
-            <a:r>
-              <a:rPr lang="en-US" sz="3200" b="1" i="0" u="none" strike="noStrike" cap="none">
+              <a:t>['</a:t>
+            </a:r>
+            <a:r>
+              <a:rPr lang="en-US" sz="3200" b="1" i="0" u="none" strike="noStrike" cap="none" dirty="0" err="1">
+                <a:solidFill>
+                  <a:srgbClr val="00FFFF"/>
+                </a:solidFill>
+                <a:latin typeface="Courier New"/>
+                <a:ea typeface="Courier New"/>
+                <a:cs typeface="Courier New"/>
+                <a:sym typeface="Courier New"/>
+              </a:rPr>
+              <a:t>cwen</a:t>
+            </a:r>
+            <a:r>
+              <a:rPr lang="en-US" sz="3200" b="1" i="0" u="none" strike="noStrike" cap="none" dirty="0">
+                <a:solidFill>
+                  <a:srgbClr val="00FFFF"/>
+                </a:solidFill>
+                <a:latin typeface="Courier New"/>
+                <a:ea typeface="Courier New"/>
+                <a:cs typeface="Courier New"/>
+                <a:sym typeface="Courier New"/>
+              </a:rPr>
+              <a:t>']</a:t>
+            </a:r>
+            <a:r>
+              <a:rPr lang="en-US" sz="3200" b="1" i="0" u="none" strike="noStrike" cap="none" dirty="0">
                 <a:solidFill>
                   <a:schemeClr val="lt1"/>
                 </a:solidFill>
@@ -14622,7 +15024,7 @@
               <a:buNone/>
             </a:pPr>
             <a:r>
-              <a:rPr lang="en-US" sz="3200" b="1" i="0" u="none" strike="noStrike" cap="none">
+              <a:rPr lang="en-US" sz="3200" b="1" i="0" u="none" strike="noStrike" cap="none" dirty="0">
                 <a:solidFill>
                   <a:schemeClr val="lt1"/>
                 </a:solidFill>
@@ -14634,7 +15036,7 @@
               <a:t>&gt;&gt;&gt; </a:t>
             </a:r>
             <a:r>
-              <a:rPr lang="en-US" sz="3200" b="1" i="0" u="none" strike="noStrike" cap="none">
+              <a:rPr lang="en-US" sz="3200" b="1" i="0" u="none" strike="noStrike" cap="none" dirty="0">
                 <a:solidFill>
                   <a:srgbClr val="FFFF00"/>
                 </a:solidFill>
@@ -14646,7 +15048,7 @@
               <a:t>for</a:t>
             </a:r>
             <a:r>
-              <a:rPr lang="en-US" sz="3200" b="1" i="0" u="none" strike="noStrike" cap="none">
+              <a:rPr lang="en-US" sz="3200" b="1" i="0" u="none" strike="noStrike" cap="none" dirty="0">
                 <a:solidFill>
                   <a:schemeClr val="lt1"/>
                 </a:solidFill>
@@ -14658,7 +15060,7 @@
               <a:t> </a:t>
             </a:r>
             <a:r>
-              <a:rPr lang="en-US" sz="3200" b="1" i="0" u="none" strike="noStrike" cap="none">
+              <a:rPr lang="en-US" sz="3200" b="1" i="0" u="none" strike="noStrike" cap="none" dirty="0">
                 <a:solidFill>
                   <a:srgbClr val="FF7F00"/>
                 </a:solidFill>
@@ -14667,10 +15069,34 @@
                 <a:cs typeface="Courier New"/>
                 <a:sym typeface="Courier New"/>
               </a:rPr>
-              <a:t>(k,v)</a:t>
-            </a:r>
-            <a:r>
-              <a:rPr lang="en-US" sz="3200" b="1" i="0" u="none" strike="noStrike" cap="none">
+              <a:t>(</a:t>
+            </a:r>
+            <a:r>
+              <a:rPr lang="en-US" sz="3200" b="1" i="0" u="none" strike="noStrike" cap="none" dirty="0" err="1">
+                <a:solidFill>
+                  <a:srgbClr val="FF7F00"/>
+                </a:solidFill>
+                <a:latin typeface="Courier New"/>
+                <a:ea typeface="Courier New"/>
+                <a:cs typeface="Courier New"/>
+                <a:sym typeface="Courier New"/>
+              </a:rPr>
+              <a:t>k,v</a:t>
+            </a:r>
+            <a:r>
+              <a:rPr lang="en-US" sz="3200" b="1" i="0" u="none" strike="noStrike" cap="none" dirty="0">
+                <a:solidFill>
+                  <a:srgbClr val="FF7F00"/>
+                </a:solidFill>
+                <a:latin typeface="Courier New"/>
+                <a:ea typeface="Courier New"/>
+                <a:cs typeface="Courier New"/>
+                <a:sym typeface="Courier New"/>
+              </a:rPr>
+              <a:t>)</a:t>
+            </a:r>
+            <a:r>
+              <a:rPr lang="en-US" sz="3200" b="1" i="0" u="none" strike="noStrike" cap="none" dirty="0">
                 <a:solidFill>
                   <a:schemeClr val="lt1"/>
                 </a:solidFill>
@@ -14682,7 +15108,7 @@
               <a:t> in </a:t>
             </a:r>
             <a:r>
-              <a:rPr lang="en-US" sz="3200" b="1" i="0" u="none" strike="noStrike" cap="none">
+              <a:rPr lang="en-US" sz="3200" b="1" i="0" u="none" strike="noStrike" cap="none" dirty="0" err="1">
                 <a:solidFill>
                   <a:srgbClr val="00FF00"/>
                 </a:solidFill>
@@ -14694,7 +15120,7 @@
               <a:t>d</a:t>
             </a:r>
             <a:r>
-              <a:rPr lang="en-US" sz="3200" b="1" i="0" u="none" strike="noStrike" cap="none">
+              <a:rPr lang="en-US" sz="3200" b="1" i="0" u="none" strike="noStrike" cap="none" dirty="0" err="1">
                 <a:solidFill>
                   <a:srgbClr val="FF00FF"/>
                 </a:solidFill>
@@ -14706,7 +15132,7 @@
               <a:t>.items</a:t>
             </a:r>
             <a:r>
-              <a:rPr lang="en-US" sz="3200" b="1" i="0" u="none" strike="noStrike" cap="none">
+              <a:rPr lang="en-US" sz="3200" b="1" i="0" u="none" strike="noStrike" cap="none" dirty="0">
                 <a:solidFill>
                   <a:schemeClr val="lt1"/>
                 </a:solidFill>
@@ -14717,6 +15143,95 @@
               </a:rPr>
               <a:t>(): </a:t>
             </a:r>
+          </a:p>
+          <a:p>
+            <a:pPr lvl="0">
+              <a:buClr>
+                <a:schemeClr val="lt1"/>
+              </a:buClr>
+              <a:buSzPct val="25000"/>
+            </a:pPr>
+            <a:r>
+              <a:rPr lang="en-US" sz="3200" b="1" i="0" u="none" strike="noStrike" cap="none" dirty="0">
+                <a:solidFill>
+                  <a:schemeClr val="lt1"/>
+                </a:solidFill>
+                <a:latin typeface="Courier New"/>
+                <a:ea typeface="Courier New"/>
+                <a:cs typeface="Courier New"/>
+                <a:sym typeface="Courier New"/>
+              </a:rPr>
+              <a:t>...     </a:t>
+            </a:r>
+            <a:r>
+              <a:rPr lang="en-US" sz="3200" b="1" i="0" u="none" strike="noStrike" cap="none" dirty="0" smtClean="0">
+                <a:solidFill>
+                  <a:srgbClr val="FFFF00"/>
+                </a:solidFill>
+                <a:latin typeface="Courier New"/>
+                <a:ea typeface="Courier New"/>
+                <a:cs typeface="Courier New"/>
+                <a:sym typeface="Courier New"/>
+              </a:rPr>
+              <a:t>print(</a:t>
+            </a:r>
+            <a:r>
+              <a:rPr lang="en-US" sz="3200" b="1" i="0" u="none" strike="noStrike" cap="none" dirty="0" smtClean="0">
+                <a:solidFill>
+                  <a:srgbClr val="00FF00"/>
+                </a:solidFill>
+                <a:latin typeface="Courier New"/>
+                <a:ea typeface="Courier New"/>
+                <a:cs typeface="Courier New"/>
+                <a:sym typeface="Courier New"/>
+              </a:rPr>
+              <a:t>k</a:t>
+            </a:r>
+            <a:r>
+              <a:rPr lang="en-US" sz="3200" b="1" i="0" u="none" strike="noStrike" cap="none" dirty="0">
+                <a:solidFill>
+                  <a:schemeClr val="lt1"/>
+                </a:solidFill>
+                <a:latin typeface="Courier New"/>
+                <a:ea typeface="Courier New"/>
+                <a:cs typeface="Courier New"/>
+                <a:sym typeface="Courier New"/>
+              </a:rPr>
+              <a:t>, </a:t>
+            </a:r>
+            <a:r>
+              <a:rPr lang="en-US" sz="3200" b="1" i="0" u="none" strike="noStrike" cap="none" dirty="0" smtClean="0">
+                <a:solidFill>
+                  <a:srgbClr val="00FF00"/>
+                </a:solidFill>
+                <a:latin typeface="Courier New"/>
+                <a:ea typeface="Courier New"/>
+                <a:cs typeface="Courier New"/>
+                <a:sym typeface="Courier New"/>
+              </a:rPr>
+              <a:t>v</a:t>
+            </a:r>
+            <a:r>
+              <a:rPr lang="en-US" sz="3200" b="1" dirty="0" smtClean="0">
+                <a:solidFill>
+                  <a:srgbClr val="FFFF00"/>
+                </a:solidFill>
+                <a:latin typeface="Courier New"/>
+                <a:ea typeface="Courier New"/>
+                <a:cs typeface="Courier New"/>
+                <a:sym typeface="Courier New"/>
+              </a:rPr>
+              <a:t>)</a:t>
+            </a:r>
+            <a:endParaRPr lang="en-US" sz="3200" b="1" i="0" u="none" strike="noStrike" cap="none" dirty="0">
+              <a:solidFill>
+                <a:srgbClr val="00FF00"/>
+              </a:solidFill>
+              <a:latin typeface="Courier New"/>
+              <a:ea typeface="Courier New"/>
+              <a:cs typeface="Courier New"/>
+              <a:sym typeface="Courier New"/>
+            </a:endParaRPr>
           </a:p>
           <a:p>
             <a:pPr marL="0" marR="0" lvl="0" indent="0" algn="l" rtl="0">
@@ -14737,76 +15252,16 @@
               <a:buNone/>
             </a:pPr>
             <a:r>
-              <a:rPr lang="en-US" sz="3200" b="1" i="0" u="none" strike="noStrike" cap="none">
-                <a:solidFill>
-                  <a:schemeClr val="lt1"/>
-                </a:solidFill>
-                <a:latin typeface="Courier New"/>
-                <a:ea typeface="Courier New"/>
-                <a:cs typeface="Courier New"/>
-                <a:sym typeface="Courier New"/>
-              </a:rPr>
-              <a:t>...     </a:t>
-            </a:r>
-            <a:r>
-              <a:rPr lang="en-US" sz="3200" b="1" i="0" u="none" strike="noStrike" cap="none">
-                <a:solidFill>
-                  <a:srgbClr val="FFFF00"/>
-                </a:solidFill>
-                <a:latin typeface="Courier New"/>
-                <a:ea typeface="Courier New"/>
-                <a:cs typeface="Courier New"/>
-                <a:sym typeface="Courier New"/>
-              </a:rPr>
-              <a:t>print</a:t>
-            </a:r>
-            <a:r>
-              <a:rPr lang="en-US" sz="3200" b="1" i="0" u="none" strike="noStrike" cap="none">
-                <a:solidFill>
-                  <a:schemeClr val="lt1"/>
-                </a:solidFill>
-                <a:latin typeface="Courier New"/>
-                <a:ea typeface="Courier New"/>
-                <a:cs typeface="Courier New"/>
-                <a:sym typeface="Courier New"/>
-              </a:rPr>
-              <a:t> </a:t>
-            </a:r>
-            <a:r>
-              <a:rPr lang="en-US" sz="3200" b="1" i="0" u="none" strike="noStrike" cap="none">
-                <a:solidFill>
-                  <a:srgbClr val="00FF00"/>
-                </a:solidFill>
-                <a:latin typeface="Courier New"/>
-                <a:ea typeface="Courier New"/>
-                <a:cs typeface="Courier New"/>
-                <a:sym typeface="Courier New"/>
-              </a:rPr>
-              <a:t>k</a:t>
-            </a:r>
-            <a:r>
-              <a:rPr lang="en-US" sz="3200" b="1" i="0" u="none" strike="noStrike" cap="none">
-                <a:solidFill>
-                  <a:schemeClr val="lt1"/>
-                </a:solidFill>
-                <a:latin typeface="Courier New"/>
-                <a:ea typeface="Courier New"/>
-                <a:cs typeface="Courier New"/>
-                <a:sym typeface="Courier New"/>
-              </a:rPr>
-              <a:t>, </a:t>
-            </a:r>
-            <a:r>
-              <a:rPr lang="en-US" sz="3200" b="1" i="0" u="none" strike="noStrike" cap="none">
-                <a:solidFill>
-                  <a:srgbClr val="00FF00"/>
-                </a:solidFill>
-                <a:latin typeface="Courier New"/>
-                <a:ea typeface="Courier New"/>
-                <a:cs typeface="Courier New"/>
-                <a:sym typeface="Courier New"/>
-              </a:rPr>
-              <a:t>v</a:t>
+              <a:rPr lang="en-US" sz="3200" b="1" i="0" u="none" strike="noStrike" cap="none" dirty="0">
+                <a:solidFill>
+                  <a:schemeClr val="lt1"/>
+                </a:solidFill>
+                <a:latin typeface="Courier New"/>
+                <a:ea typeface="Courier New"/>
+                <a:cs typeface="Courier New"/>
+                <a:sym typeface="Courier New"/>
+              </a:rPr>
+              <a:t>...</a:t>
             </a:r>
           </a:p>
           <a:p>
@@ -14828,16 +15283,28 @@
               <a:buNone/>
             </a:pPr>
             <a:r>
-              <a:rPr lang="en-US" sz="3200" b="1" i="0" u="none" strike="noStrike" cap="none">
-                <a:solidFill>
-                  <a:schemeClr val="lt1"/>
-                </a:solidFill>
-                <a:latin typeface="Courier New"/>
-                <a:ea typeface="Courier New"/>
-                <a:cs typeface="Courier New"/>
-                <a:sym typeface="Courier New"/>
-              </a:rPr>
-              <a:t>...</a:t>
+              <a:rPr lang="en-US" sz="3200" b="1" i="0" u="none" strike="noStrike" cap="none" dirty="0" err="1">
+                <a:solidFill>
+                  <a:schemeClr val="lt1"/>
+                </a:solidFill>
+                <a:latin typeface="Courier New"/>
+                <a:ea typeface="Courier New"/>
+                <a:cs typeface="Courier New"/>
+                <a:sym typeface="Courier New"/>
+              </a:rPr>
+              <a:t>csev</a:t>
+            </a:r>
+            <a:r>
+              <a:rPr lang="en-US" sz="3200" b="1" i="0" u="none" strike="noStrike" cap="none" dirty="0">
+                <a:solidFill>
+                  <a:schemeClr val="lt1"/>
+                </a:solidFill>
+                <a:latin typeface="Courier New"/>
+                <a:ea typeface="Courier New"/>
+                <a:cs typeface="Courier New"/>
+                <a:sym typeface="Courier New"/>
+              </a:rPr>
+              <a:t> 2</a:t>
             </a:r>
           </a:p>
           <a:p>
@@ -14859,16 +15326,28 @@
               <a:buNone/>
             </a:pPr>
             <a:r>
-              <a:rPr lang="en-US" sz="3200" b="1" i="0" u="none" strike="noStrike" cap="none">
-                <a:solidFill>
-                  <a:schemeClr val="lt1"/>
-                </a:solidFill>
-                <a:latin typeface="Courier New"/>
-                <a:ea typeface="Courier New"/>
-                <a:cs typeface="Courier New"/>
-                <a:sym typeface="Courier New"/>
-              </a:rPr>
-              <a:t>csev 2</a:t>
+              <a:rPr lang="en-US" sz="3200" b="1" i="0" u="none" strike="noStrike" cap="none" dirty="0" err="1">
+                <a:solidFill>
+                  <a:schemeClr val="lt1"/>
+                </a:solidFill>
+                <a:latin typeface="Courier New"/>
+                <a:ea typeface="Courier New"/>
+                <a:cs typeface="Courier New"/>
+                <a:sym typeface="Courier New"/>
+              </a:rPr>
+              <a:t>cwen</a:t>
+            </a:r>
+            <a:r>
+              <a:rPr lang="en-US" sz="3200" b="1" i="0" u="none" strike="noStrike" cap="none" dirty="0">
+                <a:solidFill>
+                  <a:schemeClr val="lt1"/>
+                </a:solidFill>
+                <a:latin typeface="Courier New"/>
+                <a:ea typeface="Courier New"/>
+                <a:cs typeface="Courier New"/>
+                <a:sym typeface="Courier New"/>
+              </a:rPr>
+              <a:t> 4</a:t>
             </a:r>
           </a:p>
           <a:p>
@@ -14890,17 +15369,142 @@
               <a:buNone/>
             </a:pPr>
             <a:r>
-              <a:rPr lang="en-US" sz="3200" b="1" i="0" u="none" strike="noStrike" cap="none">
-                <a:solidFill>
-                  <a:schemeClr val="lt1"/>
-                </a:solidFill>
-                <a:latin typeface="Courier New"/>
-                <a:ea typeface="Courier New"/>
-                <a:cs typeface="Courier New"/>
-                <a:sym typeface="Courier New"/>
-              </a:rPr>
-              <a:t>cwen 4</a:t>
-            </a:r>
+              <a:rPr lang="en-US" sz="3200" b="1" i="0" u="none" strike="noStrike" cap="none" dirty="0">
+                <a:solidFill>
+                  <a:schemeClr val="lt1"/>
+                </a:solidFill>
+                <a:latin typeface="Courier New"/>
+                <a:ea typeface="Courier New"/>
+                <a:cs typeface="Courier New"/>
+                <a:sym typeface="Courier New"/>
+              </a:rPr>
+              <a:t>&gt;&gt;&gt; </a:t>
+            </a:r>
+            <a:r>
+              <a:rPr lang="en-US" sz="3200" b="1" i="0" u="none" strike="noStrike" cap="none" dirty="0" err="1">
+                <a:solidFill>
+                  <a:srgbClr val="00FF00"/>
+                </a:solidFill>
+                <a:latin typeface="Courier New"/>
+                <a:ea typeface="Courier New"/>
+                <a:cs typeface="Courier New"/>
+                <a:sym typeface="Courier New"/>
+              </a:rPr>
+              <a:t>tups</a:t>
+            </a:r>
+            <a:r>
+              <a:rPr lang="en-US" sz="3200" b="1" i="0" u="none" strike="noStrike" cap="none" dirty="0">
+                <a:solidFill>
+                  <a:schemeClr val="lt1"/>
+                </a:solidFill>
+                <a:latin typeface="Courier New"/>
+                <a:ea typeface="Courier New"/>
+                <a:cs typeface="Courier New"/>
+                <a:sym typeface="Courier New"/>
+              </a:rPr>
+              <a:t> = </a:t>
+            </a:r>
+            <a:r>
+              <a:rPr lang="en-US" sz="3200" b="1" i="0" u="none" strike="noStrike" cap="none" dirty="0" err="1">
+                <a:solidFill>
+                  <a:srgbClr val="00FF00"/>
+                </a:solidFill>
+                <a:latin typeface="Courier New"/>
+                <a:ea typeface="Courier New"/>
+                <a:cs typeface="Courier New"/>
+                <a:sym typeface="Courier New"/>
+              </a:rPr>
+              <a:t>d</a:t>
+            </a:r>
+            <a:r>
+              <a:rPr lang="en-US" sz="3200" b="1" i="0" u="none" strike="noStrike" cap="none" dirty="0" err="1">
+                <a:solidFill>
+                  <a:srgbClr val="FF00FF"/>
+                </a:solidFill>
+                <a:latin typeface="Courier New"/>
+                <a:ea typeface="Courier New"/>
+                <a:cs typeface="Courier New"/>
+                <a:sym typeface="Courier New"/>
+              </a:rPr>
+              <a:t>.items</a:t>
+            </a:r>
+            <a:r>
+              <a:rPr lang="en-US" sz="3200" b="1" i="0" u="none" strike="noStrike" cap="none" dirty="0">
+                <a:solidFill>
+                  <a:schemeClr val="lt1"/>
+                </a:solidFill>
+                <a:latin typeface="Courier New"/>
+                <a:ea typeface="Courier New"/>
+                <a:cs typeface="Courier New"/>
+                <a:sym typeface="Courier New"/>
+              </a:rPr>
+              <a:t>()</a:t>
+            </a:r>
+          </a:p>
+          <a:p>
+            <a:pPr lvl="0">
+              <a:buClr>
+                <a:schemeClr val="lt1"/>
+              </a:buClr>
+              <a:buSzPct val="25000"/>
+            </a:pPr>
+            <a:r>
+              <a:rPr lang="en-US" sz="3200" b="1" i="0" u="none" strike="noStrike" cap="none" dirty="0">
+                <a:solidFill>
+                  <a:schemeClr val="lt1"/>
+                </a:solidFill>
+                <a:latin typeface="Courier New"/>
+                <a:ea typeface="Courier New"/>
+                <a:cs typeface="Courier New"/>
+                <a:sym typeface="Courier New"/>
+              </a:rPr>
+              <a:t>&gt;&gt;&gt; </a:t>
+            </a:r>
+            <a:r>
+              <a:rPr lang="en-US" sz="3200" b="1" i="0" u="none" strike="noStrike" cap="none" dirty="0" smtClean="0">
+                <a:solidFill>
+                  <a:srgbClr val="FFFF00"/>
+                </a:solidFill>
+                <a:latin typeface="Courier New"/>
+                <a:ea typeface="Courier New"/>
+                <a:cs typeface="Courier New"/>
+                <a:sym typeface="Courier New"/>
+              </a:rPr>
+              <a:t>print(</a:t>
+            </a:r>
+            <a:r>
+              <a:rPr lang="en-US" sz="3200" b="1" i="0" u="none" strike="noStrike" cap="none" dirty="0" err="1" smtClean="0">
+                <a:solidFill>
+                  <a:srgbClr val="00FF00"/>
+                </a:solidFill>
+                <a:latin typeface="Courier New"/>
+                <a:ea typeface="Courier New"/>
+                <a:cs typeface="Courier New"/>
+                <a:sym typeface="Courier New"/>
+              </a:rPr>
+              <a:t>tups</a:t>
+            </a:r>
+            <a:r>
+              <a:rPr lang="en-US" sz="3200" b="1" dirty="0" smtClean="0">
+                <a:solidFill>
+                  <a:srgbClr val="FFFF00"/>
+                </a:solidFill>
+                <a:latin typeface="Courier New"/>
+                <a:ea typeface="Courier New"/>
+                <a:cs typeface="Courier New"/>
+                <a:sym typeface="Courier New"/>
+              </a:rPr>
+              <a:t>)</a:t>
+            </a:r>
+            <a:endParaRPr lang="en-US" sz="3200" b="1" i="0" u="none" strike="noStrike" cap="none" dirty="0">
+              <a:solidFill>
+                <a:srgbClr val="00FF00"/>
+              </a:solidFill>
+              <a:latin typeface="Courier New"/>
+              <a:ea typeface="Courier New"/>
+              <a:cs typeface="Courier New"/>
+              <a:sym typeface="Courier New"/>
+            </a:endParaRPr>
           </a:p>
           <a:p>
             <a:pPr marL="0" marR="0" lvl="0" indent="0" algn="l" rtl="0">
@@ -14921,165 +15525,7 @@
               <a:buNone/>
             </a:pPr>
             <a:r>
-              <a:rPr lang="en-US" sz="3200" b="1" i="0" u="none" strike="noStrike" cap="none">
-                <a:solidFill>
-                  <a:schemeClr val="lt1"/>
-                </a:solidFill>
-                <a:latin typeface="Courier New"/>
-                <a:ea typeface="Courier New"/>
-                <a:cs typeface="Courier New"/>
-                <a:sym typeface="Courier New"/>
-              </a:rPr>
-              <a:t>&gt;&gt;&gt; </a:t>
-            </a:r>
-            <a:r>
-              <a:rPr lang="en-US" sz="3200" b="1" i="0" u="none" strike="noStrike" cap="none">
-                <a:solidFill>
-                  <a:srgbClr val="00FF00"/>
-                </a:solidFill>
-                <a:latin typeface="Courier New"/>
-                <a:ea typeface="Courier New"/>
-                <a:cs typeface="Courier New"/>
-                <a:sym typeface="Courier New"/>
-              </a:rPr>
-              <a:t>tups</a:t>
-            </a:r>
-            <a:r>
-              <a:rPr lang="en-US" sz="3200" b="1" i="0" u="none" strike="noStrike" cap="none">
-                <a:solidFill>
-                  <a:schemeClr val="lt1"/>
-                </a:solidFill>
-                <a:latin typeface="Courier New"/>
-                <a:ea typeface="Courier New"/>
-                <a:cs typeface="Courier New"/>
-                <a:sym typeface="Courier New"/>
-              </a:rPr>
-              <a:t> = </a:t>
-            </a:r>
-            <a:r>
-              <a:rPr lang="en-US" sz="3200" b="1" i="0" u="none" strike="noStrike" cap="none">
-                <a:solidFill>
-                  <a:srgbClr val="00FF00"/>
-                </a:solidFill>
-                <a:latin typeface="Courier New"/>
-                <a:ea typeface="Courier New"/>
-                <a:cs typeface="Courier New"/>
-                <a:sym typeface="Courier New"/>
-              </a:rPr>
-              <a:t>d</a:t>
-            </a:r>
-            <a:r>
-              <a:rPr lang="en-US" sz="3200" b="1" i="0" u="none" strike="noStrike" cap="none">
-                <a:solidFill>
-                  <a:srgbClr val="FF00FF"/>
-                </a:solidFill>
-                <a:latin typeface="Courier New"/>
-                <a:ea typeface="Courier New"/>
-                <a:cs typeface="Courier New"/>
-                <a:sym typeface="Courier New"/>
-              </a:rPr>
-              <a:t>.items</a:t>
-            </a:r>
-            <a:r>
-              <a:rPr lang="en-US" sz="3200" b="1" i="0" u="none" strike="noStrike" cap="none">
-                <a:solidFill>
-                  <a:schemeClr val="lt1"/>
-                </a:solidFill>
-                <a:latin typeface="Courier New"/>
-                <a:ea typeface="Courier New"/>
-                <a:cs typeface="Courier New"/>
-                <a:sym typeface="Courier New"/>
-              </a:rPr>
-              <a:t>()</a:t>
-            </a:r>
-          </a:p>
-          <a:p>
-            <a:pPr marL="0" marR="0" lvl="0" indent="0" algn="l" rtl="0">
-              <a:lnSpc>
-                <a:spcPct val="100000"/>
-              </a:lnSpc>
-              <a:spcBef>
-                <a:spcPts val="0"/>
-              </a:spcBef>
-              <a:spcAft>
-                <a:spcPts val="0"/>
-              </a:spcAft>
-              <a:buClr>
-                <a:schemeClr val="lt1"/>
-              </a:buClr>
-              <a:buSzPct val="25000"/>
-              <a:buFont typeface="Courier New"/>
-              <a:buNone/>
-            </a:pPr>
-            <a:r>
-              <a:rPr lang="en-US" sz="3200" b="1" i="0" u="none" strike="noStrike" cap="none">
-                <a:solidFill>
-                  <a:schemeClr val="lt1"/>
-                </a:solidFill>
-                <a:latin typeface="Courier New"/>
-                <a:ea typeface="Courier New"/>
-                <a:cs typeface="Courier New"/>
-                <a:sym typeface="Courier New"/>
-              </a:rPr>
-              <a:t>&gt;&gt;&gt; </a:t>
-            </a:r>
-            <a:r>
-              <a:rPr lang="en-US" sz="3200" b="1" i="0" u="none" strike="noStrike" cap="none">
-                <a:solidFill>
-                  <a:srgbClr val="FFFF00"/>
-                </a:solidFill>
-                <a:latin typeface="Courier New"/>
-                <a:ea typeface="Courier New"/>
-                <a:cs typeface="Courier New"/>
-                <a:sym typeface="Courier New"/>
-              </a:rPr>
-              <a:t>print</a:t>
-            </a:r>
-            <a:r>
-              <a:rPr lang="en-US" sz="3200" b="1" i="0" u="none" strike="noStrike" cap="none">
-                <a:solidFill>
-                  <a:schemeClr val="lt1"/>
-                </a:solidFill>
-                <a:latin typeface="Courier New"/>
-                <a:ea typeface="Courier New"/>
-                <a:cs typeface="Courier New"/>
-                <a:sym typeface="Courier New"/>
-              </a:rPr>
-              <a:t> </a:t>
-            </a:r>
-            <a:r>
-              <a:rPr lang="en-US" sz="3200" b="1" i="0" u="none" strike="noStrike" cap="none">
-                <a:solidFill>
-                  <a:srgbClr val="00FF00"/>
-                </a:solidFill>
-                <a:latin typeface="Courier New"/>
-                <a:ea typeface="Courier New"/>
-                <a:cs typeface="Courier New"/>
-                <a:sym typeface="Courier New"/>
-              </a:rPr>
-              <a:t>tups</a:t>
-            </a:r>
-          </a:p>
-          <a:p>
-            <a:pPr marL="0" marR="0" lvl="0" indent="0" algn="l" rtl="0">
-              <a:lnSpc>
-                <a:spcPct val="100000"/>
-              </a:lnSpc>
-              <a:spcBef>
-                <a:spcPts val="0"/>
-              </a:spcBef>
-              <a:spcAft>
-                <a:spcPts val="0"/>
-              </a:spcAft>
-              <a:buClr>
-                <a:schemeClr val="lt1"/>
-              </a:buClr>
-              <a:buSzPct val="25000"/>
-              <a:buFont typeface="Courier New"/>
-              <a:buNone/>
-            </a:pPr>
-            <a:r>
-              <a:rPr lang="en-US" sz="3200" b="1" i="0" u="none" strike="noStrike" cap="none">
+              <a:rPr lang="en-US" sz="3200" b="1" i="0" u="none" strike="noStrike" cap="none" dirty="0">
                 <a:solidFill>
                   <a:schemeClr val="lt1"/>
                 </a:solidFill>
@@ -15091,7 +15537,7 @@
               <a:t>[</a:t>
             </a:r>
             <a:r>
-              <a:rPr lang="en-US" sz="3200" b="1" i="0" u="none" strike="noStrike" cap="none">
+              <a:rPr lang="en-US" sz="3200" b="1" i="0" u="none" strike="noStrike" cap="none" dirty="0">
                 <a:solidFill>
                   <a:srgbClr val="FF7F00"/>
                 </a:solidFill>
@@ -15100,10 +15546,34 @@
                 <a:cs typeface="Courier New"/>
                 <a:sym typeface="Courier New"/>
               </a:rPr>
-              <a:t>('csev', 2)</a:t>
-            </a:r>
-            <a:r>
-              <a:rPr lang="en-US" sz="3200" b="1" i="0" u="none" strike="noStrike" cap="none">
+              <a:t>('</a:t>
+            </a:r>
+            <a:r>
+              <a:rPr lang="en-US" sz="3200" b="1" i="0" u="none" strike="noStrike" cap="none" dirty="0" err="1">
+                <a:solidFill>
+                  <a:srgbClr val="FF7F00"/>
+                </a:solidFill>
+                <a:latin typeface="Courier New"/>
+                <a:ea typeface="Courier New"/>
+                <a:cs typeface="Courier New"/>
+                <a:sym typeface="Courier New"/>
+              </a:rPr>
+              <a:t>csev</a:t>
+            </a:r>
+            <a:r>
+              <a:rPr lang="en-US" sz="3200" b="1" i="0" u="none" strike="noStrike" cap="none" dirty="0">
+                <a:solidFill>
+                  <a:srgbClr val="FF7F00"/>
+                </a:solidFill>
+                <a:latin typeface="Courier New"/>
+                <a:ea typeface="Courier New"/>
+                <a:cs typeface="Courier New"/>
+                <a:sym typeface="Courier New"/>
+              </a:rPr>
+              <a:t>', 2)</a:t>
+            </a:r>
+            <a:r>
+              <a:rPr lang="en-US" sz="3200" b="1" i="0" u="none" strike="noStrike" cap="none" dirty="0">
                 <a:solidFill>
                   <a:schemeClr val="lt1"/>
                 </a:solidFill>
@@ -15115,7 +15585,7 @@
               <a:t>, </a:t>
             </a:r>
             <a:r>
-              <a:rPr lang="en-US" sz="3200" b="1" i="0" u="none" strike="noStrike" cap="none">
+              <a:rPr lang="en-US" sz="3200" b="1" i="0" u="none" strike="noStrike" cap="none" dirty="0">
                 <a:solidFill>
                   <a:srgbClr val="FF7F00"/>
                 </a:solidFill>
@@ -15124,10 +15594,34 @@
                 <a:cs typeface="Courier New"/>
                 <a:sym typeface="Courier New"/>
               </a:rPr>
-              <a:t>('cwen', 4)</a:t>
-            </a:r>
-            <a:r>
-              <a:rPr lang="en-US" sz="3200" b="1" i="0" u="none" strike="noStrike" cap="none">
+              <a:t>('</a:t>
+            </a:r>
+            <a:r>
+              <a:rPr lang="en-US" sz="3200" b="1" i="0" u="none" strike="noStrike" cap="none" dirty="0" err="1">
+                <a:solidFill>
+                  <a:srgbClr val="FF7F00"/>
+                </a:solidFill>
+                <a:latin typeface="Courier New"/>
+                <a:ea typeface="Courier New"/>
+                <a:cs typeface="Courier New"/>
+                <a:sym typeface="Courier New"/>
+              </a:rPr>
+              <a:t>cwen</a:t>
+            </a:r>
+            <a:r>
+              <a:rPr lang="en-US" sz="3200" b="1" i="0" u="none" strike="noStrike" cap="none" dirty="0">
+                <a:solidFill>
+                  <a:srgbClr val="FF7F00"/>
+                </a:solidFill>
+                <a:latin typeface="Courier New"/>
+                <a:ea typeface="Courier New"/>
+                <a:cs typeface="Courier New"/>
+                <a:sym typeface="Courier New"/>
+              </a:rPr>
+              <a:t>', 4)</a:t>
+            </a:r>
+            <a:r>
+              <a:rPr lang="en-US" sz="3200" b="1" i="0" u="none" strike="noStrike" cap="none" dirty="0">
                 <a:solidFill>
                   <a:schemeClr val="lt1"/>
                 </a:solidFill>
@@ -15234,6 +15728,10 @@
           </p:nvPr>
         </p:nvSpPr>
         <p:spPr>
+          <a:xfrm>
+            <a:off x="1155700" y="2603500"/>
+            <a:ext cx="13932000" cy="1554163"/>
+          </a:xfrm>
           <a:prstGeom prst="rect">
             <a:avLst/>
           </a:prstGeom>
@@ -15323,7 +15821,19 @@
                 <a:cs typeface="Arial" charset="0"/>
                 <a:sym typeface="Cabin"/>
               </a:rPr>
-              <a:t> and other sequences. If the first item is equal, Python goes on to the next element,  and so on, until it finds elements that differ.</a:t>
+              <a:t> and other sequences. </a:t>
+            </a:r>
+            <a:r>
+              <a:rPr lang="en-US" sz="3800" u="none" strike="noStrike" cap="none" dirty="0">
+                <a:solidFill>
+                  <a:schemeClr val="lt1"/>
+                </a:solidFill>
+                <a:latin typeface="Arial" charset="0"/>
+                <a:ea typeface="Arial" charset="0"/>
+                <a:cs typeface="Arial" charset="0"/>
+                <a:sym typeface="Cabin"/>
+              </a:rPr>
+              <a:t>If the first item is equal, Python goes on to the next element,  and so on, until it finds elements that differ.</a:t>
             </a:r>
           </a:p>
         </p:txBody>
@@ -15336,8 +15846,8 @@
         </p:nvSpPr>
         <p:spPr>
           <a:xfrm>
-            <a:off x="3352800" y="4826000"/>
-            <a:ext cx="11404500" cy="3860700"/>
+            <a:off x="2852738" y="4640263"/>
+            <a:ext cx="11404500" cy="3446462"/>
           </a:xfrm>
           <a:prstGeom prst="rect">
             <a:avLst/>
@@ -15371,7 +15881,7 @@
               <a:buNone/>
             </a:pPr>
             <a:r>
-              <a:rPr lang="en-US" sz="3200" b="1" i="0" u="none" strike="noStrike" cap="none">
+              <a:rPr lang="en-US" sz="2800" b="1" i="0" u="none" strike="noStrike" cap="none" dirty="0">
                 <a:solidFill>
                   <a:schemeClr val="lt1"/>
                 </a:solidFill>
@@ -15383,7 +15893,7 @@
               <a:t>&gt;&gt;&gt; </a:t>
             </a:r>
             <a:r>
-              <a:rPr lang="en-US" sz="3200" b="1" i="0" u="none" strike="noStrike" cap="none">
+              <a:rPr lang="en-US" sz="2800" b="1" i="0" u="none" strike="noStrike" cap="none" dirty="0">
                 <a:solidFill>
                   <a:srgbClr val="FF7F00"/>
                 </a:solidFill>
@@ -15395,7 +15905,7 @@
               <a:t>(0, 1, 2) </a:t>
             </a:r>
             <a:r>
-              <a:rPr lang="en-US" sz="3200" b="1" i="0" u="none" strike="noStrike" cap="none">
+              <a:rPr lang="en-US" sz="2800" b="1" i="0" u="none" strike="noStrike" cap="none" dirty="0">
                 <a:solidFill>
                   <a:srgbClr val="00FFFF"/>
                 </a:solidFill>
@@ -15407,7 +15917,7 @@
               <a:t>&lt;</a:t>
             </a:r>
             <a:r>
-              <a:rPr lang="en-US" sz="3200" b="1" i="0" u="none" strike="noStrike" cap="none">
+              <a:rPr lang="en-US" sz="2800" b="1" i="0" u="none" strike="noStrike" cap="none" dirty="0">
                 <a:solidFill>
                   <a:srgbClr val="FF7F00"/>
                 </a:solidFill>
@@ -15438,7 +15948,7 @@
               <a:buNone/>
             </a:pPr>
             <a:r>
-              <a:rPr lang="en-US" sz="3200" b="1" i="0" u="none" strike="noStrike" cap="none">
+              <a:rPr lang="en-US" sz="2800" b="1" i="0" u="none" strike="noStrike" cap="none" dirty="0">
                 <a:solidFill>
                   <a:schemeClr val="lt1"/>
                 </a:solidFill>
@@ -15469,7 +15979,7 @@
               <a:buNone/>
             </a:pPr>
             <a:r>
-              <a:rPr lang="en-US" sz="3200" b="1" i="0" u="none" strike="noStrike" cap="none">
+              <a:rPr lang="en-US" sz="2800" b="1" i="0" u="none" strike="noStrike" cap="none" dirty="0">
                 <a:solidFill>
                   <a:schemeClr val="lt1"/>
                 </a:solidFill>
@@ -15481,7 +15991,7 @@
               <a:t>&gt;&gt;&gt; </a:t>
             </a:r>
             <a:r>
-              <a:rPr lang="en-US" sz="3200" b="1" i="0" u="none" strike="noStrike" cap="none">
+              <a:rPr lang="en-US" sz="2800" b="1" i="0" u="none" strike="noStrike" cap="none" dirty="0">
                 <a:solidFill>
                   <a:srgbClr val="FF7F00"/>
                 </a:solidFill>
@@ -15493,7 +16003,7 @@
               <a:t>(0, 1, 2000000) </a:t>
             </a:r>
             <a:r>
-              <a:rPr lang="en-US" sz="3200" b="1" i="0" u="none" strike="noStrike" cap="none">
+              <a:rPr lang="en-US" sz="2800" b="1" i="0" u="none" strike="noStrike" cap="none" dirty="0">
                 <a:solidFill>
                   <a:srgbClr val="00FFFF"/>
                 </a:solidFill>
@@ -15505,7 +16015,7 @@
               <a:t>&lt;</a:t>
             </a:r>
             <a:r>
-              <a:rPr lang="en-US" sz="3200" b="1" i="0" u="none" strike="noStrike" cap="none">
+              <a:rPr lang="en-US" sz="2800" b="1" i="0" u="none" strike="noStrike" cap="none" dirty="0">
                 <a:solidFill>
                   <a:srgbClr val="FF7F00"/>
                 </a:solidFill>
@@ -15536,7 +16046,7 @@
               <a:buNone/>
             </a:pPr>
             <a:r>
-              <a:rPr lang="en-US" sz="3200" b="1" i="0" u="none" strike="noStrike" cap="none">
+              <a:rPr lang="en-US" sz="2800" b="1" i="0" u="none" strike="noStrike" cap="none" dirty="0">
                 <a:solidFill>
                   <a:schemeClr val="lt1"/>
                 </a:solidFill>
@@ -15567,7 +16077,7 @@
               <a:buNone/>
             </a:pPr>
             <a:r>
-              <a:rPr lang="en-US" sz="3200" b="1" i="0" u="none" strike="noStrike" cap="none">
+              <a:rPr lang="en-US" sz="2800" b="1" i="0" u="none" strike="noStrike" cap="none" dirty="0">
                 <a:solidFill>
                   <a:schemeClr val="lt1"/>
                 </a:solidFill>
@@ -15579,7 +16089,7 @@
               <a:t>&gt;&gt;&gt; </a:t>
             </a:r>
             <a:r>
-              <a:rPr lang="en-US" sz="3200" b="1" i="0" u="none" strike="noStrike" cap="none">
+              <a:rPr lang="en-US" sz="2800" b="1" i="0" u="none" strike="noStrike" cap="none" dirty="0">
                 <a:solidFill>
                   <a:srgbClr val="FF7F00"/>
                 </a:solidFill>
@@ -15591,7 +16101,7 @@
               <a:t>( 'Jones', 'Sally' ) </a:t>
             </a:r>
             <a:r>
-              <a:rPr lang="en-US" sz="3200" b="1" i="0" u="none" strike="noStrike" cap="none">
+              <a:rPr lang="en-US" sz="2800" b="1" i="0" u="none" strike="noStrike" cap="none" dirty="0">
                 <a:solidFill>
                   <a:srgbClr val="00FFFF"/>
                 </a:solidFill>
@@ -15603,7 +16113,7 @@
               <a:t>&lt;</a:t>
             </a:r>
             <a:r>
-              <a:rPr lang="en-US" sz="3200" b="1" i="0" u="none" strike="noStrike" cap="none">
+              <a:rPr lang="en-US" sz="2800" b="1" i="0" u="none" strike="noStrike" cap="none" dirty="0">
                 <a:solidFill>
                   <a:srgbClr val="FF7F00"/>
                 </a:solidFill>
@@ -15634,7 +16144,7 @@
               <a:buNone/>
             </a:pPr>
             <a:r>
-              <a:rPr lang="en-US" sz="3200" b="1" i="0" u="none" strike="noStrike" cap="none">
+              <a:rPr lang="en-US" sz="2800" b="1" i="0" u="none" strike="noStrike" cap="none" dirty="0">
                 <a:solidFill>
                   <a:schemeClr val="lt1"/>
                 </a:solidFill>
@@ -15665,7 +16175,7 @@
               <a:buNone/>
             </a:pPr>
             <a:r>
-              <a:rPr lang="en-US" sz="3200" b="1" i="0" u="none" strike="noStrike" cap="none">
+              <a:rPr lang="en-US" sz="2800" b="1" i="0" u="none" strike="noStrike" cap="none" dirty="0">
                 <a:solidFill>
                   <a:schemeClr val="lt1"/>
                 </a:solidFill>
@@ -15677,7 +16187,7 @@
               <a:t>&gt;&gt;&gt; </a:t>
             </a:r>
             <a:r>
-              <a:rPr lang="en-US" sz="3200" b="1" i="0" u="none" strike="noStrike" cap="none">
+              <a:rPr lang="en-US" sz="2800" b="1" i="0" u="none" strike="noStrike" cap="none" dirty="0">
                 <a:solidFill>
                   <a:srgbClr val="FF7F00"/>
                 </a:solidFill>
@@ -15689,7 +16199,7 @@
               <a:t>( 'Jones', 'Sally') </a:t>
             </a:r>
             <a:r>
-              <a:rPr lang="en-US" sz="3200" b="1" i="0" u="none" strike="noStrike" cap="none">
+              <a:rPr lang="en-US" sz="2800" b="1" i="0" u="none" strike="noStrike" cap="none" dirty="0">
                 <a:solidFill>
                   <a:srgbClr val="00FFFF"/>
                 </a:solidFill>
@@ -15701,7 +16211,7 @@
               <a:t>&gt;</a:t>
             </a:r>
             <a:r>
-              <a:rPr lang="en-US" sz="3200" b="1" i="0" u="none" strike="noStrike" cap="none">
+              <a:rPr lang="en-US" sz="2800" b="1" i="0" u="none" strike="noStrike" cap="none" dirty="0">
                 <a:solidFill>
                   <a:srgbClr val="FF7F00"/>
                 </a:solidFill>
@@ -15732,7 +16242,7 @@
               <a:buNone/>
             </a:pPr>
             <a:r>
-              <a:rPr lang="en-US" sz="3200" b="1" i="0" u="none" strike="noStrike" cap="none">
+              <a:rPr lang="en-US" sz="2800" b="1" i="0" u="none" strike="noStrike" cap="none" dirty="0">
                 <a:solidFill>
                   <a:schemeClr val="lt1"/>
                 </a:solidFill>

--- a/lectures3/Pythonlearn-10-Tuples.pptx
+++ b/lectures3/Pythonlearn-10-Tuples.pptx
@@ -5038,7 +5038,7 @@
               <a:buNone/>
             </a:pPr>
             <a:r>
-              <a:rPr lang="en-US" sz="7800" u="none" strike="noStrike" cap="none">
+              <a:rPr lang="en-US" sz="7800" u="none" strike="noStrike" cap="none" dirty="0">
                 <a:solidFill>
                   <a:srgbClr val="FFFF00"/>
                 </a:solidFill>
@@ -5064,8 +5064,8 @@
         </p:nvSpPr>
         <p:spPr>
           <a:xfrm>
-            <a:off x="1155700" y="2603500"/>
-            <a:ext cx="13932000" cy="1868488"/>
+            <a:off x="1155700" y="2603499"/>
+            <a:ext cx="13932000" cy="2734627"/>
           </a:xfrm>
           <a:prstGeom prst="rect">
             <a:avLst/>
@@ -5099,7 +5099,7 @@
               <a:buChar char="•"/>
             </a:pPr>
             <a:r>
-              <a:rPr lang="en-US" sz="3600" u="none" strike="noStrike" cap="none">
+              <a:rPr lang="en-US" sz="3600" u="none" strike="noStrike" cap="none" dirty="0">
                 <a:solidFill>
                   <a:schemeClr val="lt1"/>
                 </a:solidFill>
@@ -5111,7 +5111,7 @@
               <a:t>We can take advantage of the ability to sort a list of </a:t>
             </a:r>
             <a:r>
-              <a:rPr lang="en-US" sz="3600" u="none" strike="noStrike" cap="none">
+              <a:rPr lang="en-US" sz="3600" u="none" strike="noStrike" cap="none" dirty="0">
                 <a:solidFill>
                   <a:srgbClr val="FF7F00"/>
                 </a:solidFill>
@@ -5123,7 +5123,7 @@
               <a:t>tuples</a:t>
             </a:r>
             <a:r>
-              <a:rPr lang="en-US" sz="3600" u="none" strike="noStrike" cap="none">
+              <a:rPr lang="en-US" sz="3600" u="none" strike="noStrike" cap="none" dirty="0">
                 <a:solidFill>
                   <a:schemeClr val="lt1"/>
                 </a:solidFill>
@@ -5187,8 +5187,53 @@
                 <a:cs typeface="Arial" charset="0"/>
                 <a:sym typeface="Cabin"/>
               </a:rPr>
-              <a:t>() method</a:t>
-            </a:r>
+              <a:t>() </a:t>
+            </a:r>
+            <a:r>
+              <a:rPr lang="en-US" sz="3600" u="none" strike="noStrike" cap="none" dirty="0" smtClean="0">
+                <a:solidFill>
+                  <a:schemeClr val="lt1"/>
+                </a:solidFill>
+                <a:latin typeface="Arial" charset="0"/>
+                <a:ea typeface="Arial" charset="0"/>
+                <a:cs typeface="Arial" charset="0"/>
+                <a:sym typeface="Cabin"/>
+              </a:rPr>
+              <a:t>method and </a:t>
+            </a:r>
+            <a:r>
+              <a:rPr lang="en-US" sz="3600" u="none" strike="noStrike" cap="none" dirty="0" smtClean="0">
+                <a:solidFill>
+                  <a:srgbClr val="FFFF00"/>
+                </a:solidFill>
+                <a:latin typeface="Arial" charset="0"/>
+                <a:ea typeface="Arial" charset="0"/>
+                <a:cs typeface="Arial" charset="0"/>
+                <a:sym typeface="Cabin"/>
+              </a:rPr>
+              <a:t>sorted() </a:t>
+            </a:r>
+            <a:r>
+              <a:rPr lang="en-US" sz="3600" u="none" strike="noStrike" cap="none" dirty="0" smtClean="0">
+                <a:solidFill>
+                  <a:schemeClr val="lt1"/>
+                </a:solidFill>
+                <a:latin typeface="Arial" charset="0"/>
+                <a:ea typeface="Arial" charset="0"/>
+                <a:cs typeface="Arial" charset="0"/>
+                <a:sym typeface="Cabin"/>
+              </a:rPr>
+              <a:t>function</a:t>
+            </a:r>
+            <a:endParaRPr lang="en-US" sz="3600" u="none" strike="noStrike" cap="none" dirty="0">
+              <a:solidFill>
+                <a:schemeClr val="lt1"/>
+              </a:solidFill>
+              <a:latin typeface="Arial" charset="0"/>
+              <a:ea typeface="Arial" charset="0"/>
+              <a:cs typeface="Arial" charset="0"/>
+              <a:sym typeface="Cabin"/>
+            </a:endParaRPr>
           </a:p>
         </p:txBody>
       </p:sp>
@@ -5200,8 +5245,8 @@
         </p:nvSpPr>
         <p:spPr>
           <a:xfrm>
-            <a:off x="4891088" y="4789487"/>
-            <a:ext cx="8469300" cy="3390900"/>
+            <a:off x="3537776" y="5338127"/>
+            <a:ext cx="10781728" cy="3390900"/>
           </a:xfrm>
           <a:prstGeom prst="rect">
             <a:avLst/>
@@ -5235,7 +5280,7 @@
               <a:buNone/>
             </a:pPr>
             <a:r>
-              <a:rPr lang="en-US" sz="3000" b="1" i="0" u="none" strike="noStrike" cap="none">
+              <a:rPr lang="en-US" sz="3000" b="1" i="0" u="none" strike="noStrike" cap="none" dirty="0">
                 <a:solidFill>
                   <a:schemeClr val="lt1"/>
                 </a:solidFill>
@@ -5247,7 +5292,7 @@
               <a:t>&gt;&gt;&gt; </a:t>
             </a:r>
             <a:r>
-              <a:rPr lang="en-US" sz="3000" b="1" i="0" u="none" strike="noStrike" cap="none">
+              <a:rPr lang="en-US" sz="3000" b="1" i="0" u="none" strike="noStrike" cap="none" dirty="0">
                 <a:solidFill>
                   <a:srgbClr val="00FF00"/>
                 </a:solidFill>
@@ -5259,7 +5304,7 @@
               <a:t>d</a:t>
             </a:r>
             <a:r>
-              <a:rPr lang="en-US" sz="3000" b="1" i="0" u="none" strike="noStrike" cap="none">
+              <a:rPr lang="en-US" sz="3000" b="1" i="0" u="none" strike="noStrike" cap="none" dirty="0">
                 <a:solidFill>
                   <a:schemeClr val="lt1"/>
                 </a:solidFill>
@@ -5290,7 +5335,7 @@
               <a:buNone/>
             </a:pPr>
             <a:r>
-              <a:rPr lang="en-US" sz="3000" b="1" i="0" u="none" strike="noStrike" cap="none">
+              <a:rPr lang="en-US" sz="3000" b="1" i="0" u="none" strike="noStrike" cap="none" dirty="0">
                 <a:solidFill>
                   <a:schemeClr val="lt1"/>
                 </a:solidFill>
@@ -5302,7 +5347,7 @@
               <a:t>&gt;&gt;&gt; </a:t>
             </a:r>
             <a:r>
-              <a:rPr lang="en-US" sz="3000" b="1" i="0" u="none" strike="noStrike" cap="none">
+              <a:rPr lang="en-US" sz="3000" b="1" i="0" u="none" strike="noStrike" cap="none" dirty="0" err="1" smtClean="0">
                 <a:solidFill>
                   <a:srgbClr val="00FF00"/>
                 </a:solidFill>
@@ -5311,34 +5356,10 @@
                 <a:cs typeface="Courier New"/>
                 <a:sym typeface="Courier New"/>
               </a:rPr>
-              <a:t>t</a:t>
-            </a:r>
-            <a:r>
-              <a:rPr lang="en-US" sz="3000" b="1" i="0" u="none" strike="noStrike" cap="none">
-                <a:solidFill>
-                  <a:schemeClr val="lt1"/>
-                </a:solidFill>
-                <a:latin typeface="Courier New"/>
-                <a:ea typeface="Courier New"/>
-                <a:cs typeface="Courier New"/>
-                <a:sym typeface="Courier New"/>
-              </a:rPr>
-              <a:t> = </a:t>
-            </a:r>
-            <a:r>
-              <a:rPr lang="en-US" sz="3000" b="1" i="0" u="none" strike="noStrike" cap="none">
-                <a:solidFill>
-                  <a:srgbClr val="00FF00"/>
-                </a:solidFill>
-                <a:latin typeface="Courier New"/>
-                <a:ea typeface="Courier New"/>
-                <a:cs typeface="Courier New"/>
-                <a:sym typeface="Courier New"/>
-              </a:rPr>
               <a:t>d</a:t>
             </a:r>
             <a:r>
-              <a:rPr lang="en-US" sz="3000" b="1" i="0" u="none" strike="noStrike" cap="none">
+              <a:rPr lang="en-US" sz="3000" b="1" i="0" u="none" strike="noStrike" cap="none" dirty="0" err="1" smtClean="0">
                 <a:solidFill>
                   <a:srgbClr val="FF00FF"/>
                 </a:solidFill>
@@ -5350,7 +5371,7 @@
               <a:t>.items</a:t>
             </a:r>
             <a:r>
-              <a:rPr lang="en-US" sz="3000" b="1" i="0" u="none" strike="noStrike" cap="none">
+              <a:rPr lang="en-US" sz="3000" b="1" i="0" u="none" strike="noStrike" cap="none" dirty="0">
                 <a:solidFill>
                   <a:schemeClr val="lt1"/>
                 </a:solidFill>
@@ -5381,7 +5402,144 @@
               <a:buNone/>
             </a:pPr>
             <a:r>
-              <a:rPr lang="en-US" sz="3000" b="1" i="0" u="none" strike="noStrike" cap="none">
+              <a:rPr lang="en-US" sz="3000" b="1" i="0" u="none" strike="noStrike" cap="none" dirty="0" err="1" smtClean="0">
+                <a:solidFill>
+                  <a:schemeClr val="lt1"/>
+                </a:solidFill>
+                <a:latin typeface="Courier New"/>
+                <a:ea typeface="Courier New"/>
+                <a:cs typeface="Courier New"/>
+                <a:sym typeface="Courier New"/>
+              </a:rPr>
+              <a:t>dict_items</a:t>
+            </a:r>
+            <a:r>
+              <a:rPr lang="en-US" sz="3000" b="1" i="0" u="none" strike="noStrike" cap="none" dirty="0" smtClean="0">
+                <a:solidFill>
+                  <a:schemeClr val="lt1"/>
+                </a:solidFill>
+                <a:latin typeface="Courier New"/>
+                <a:ea typeface="Courier New"/>
+                <a:cs typeface="Courier New"/>
+                <a:sym typeface="Courier New"/>
+              </a:rPr>
+              <a:t>([</a:t>
+            </a:r>
+            <a:r>
+              <a:rPr lang="en-US" sz="3000" b="1" i="0" u="none" strike="noStrike" cap="none" dirty="0" smtClean="0">
+                <a:solidFill>
+                  <a:srgbClr val="FF7F00"/>
+                </a:solidFill>
+                <a:latin typeface="Courier New"/>
+                <a:ea typeface="Courier New"/>
+                <a:cs typeface="Courier New"/>
+                <a:sym typeface="Courier New"/>
+              </a:rPr>
+              <a:t>(</a:t>
+            </a:r>
+            <a:r>
+              <a:rPr lang="en-US" sz="3000" b="1" i="0" u="none" strike="noStrike" cap="none" dirty="0">
+                <a:solidFill>
+                  <a:srgbClr val="FF7F00"/>
+                </a:solidFill>
+                <a:latin typeface="Courier New"/>
+                <a:ea typeface="Courier New"/>
+                <a:cs typeface="Courier New"/>
+                <a:sym typeface="Courier New"/>
+              </a:rPr>
+              <a:t>'a', 10)</a:t>
+            </a:r>
+            <a:r>
+              <a:rPr lang="en-US" sz="3000" b="1" i="0" u="none" strike="noStrike" cap="none" dirty="0">
+                <a:solidFill>
+                  <a:schemeClr val="lt1"/>
+                </a:solidFill>
+                <a:latin typeface="Courier New"/>
+                <a:ea typeface="Courier New"/>
+                <a:cs typeface="Courier New"/>
+                <a:sym typeface="Courier New"/>
+              </a:rPr>
+              <a:t>, </a:t>
+            </a:r>
+            <a:r>
+              <a:rPr lang="en-US" sz="3000" b="1" i="0" u="none" strike="noStrike" cap="none" dirty="0">
+                <a:solidFill>
+                  <a:srgbClr val="FF7F00"/>
+                </a:solidFill>
+                <a:latin typeface="Courier New"/>
+                <a:ea typeface="Courier New"/>
+                <a:cs typeface="Courier New"/>
+                <a:sym typeface="Courier New"/>
+              </a:rPr>
+              <a:t>('c', 22)</a:t>
+            </a:r>
+            <a:r>
+              <a:rPr lang="en-US" sz="3000" b="1" i="0" u="none" strike="noStrike" cap="none" dirty="0">
+                <a:solidFill>
+                  <a:schemeClr val="lt1"/>
+                </a:solidFill>
+                <a:latin typeface="Courier New"/>
+                <a:ea typeface="Courier New"/>
+                <a:cs typeface="Courier New"/>
+                <a:sym typeface="Courier New"/>
+              </a:rPr>
+              <a:t>, </a:t>
+            </a:r>
+            <a:r>
+              <a:rPr lang="en-US" sz="3000" b="1" i="0" u="none" strike="noStrike" cap="none" dirty="0">
+                <a:solidFill>
+                  <a:srgbClr val="FF7F00"/>
+                </a:solidFill>
+                <a:latin typeface="Courier New"/>
+                <a:ea typeface="Courier New"/>
+                <a:cs typeface="Courier New"/>
+                <a:sym typeface="Courier New"/>
+              </a:rPr>
+              <a:t>('b', 1</a:t>
+            </a:r>
+            <a:r>
+              <a:rPr lang="en-US" sz="3000" b="1" i="0" u="none" strike="noStrike" cap="none" dirty="0" smtClean="0">
+                <a:solidFill>
+                  <a:srgbClr val="FF7F00"/>
+                </a:solidFill>
+                <a:latin typeface="Courier New"/>
+                <a:ea typeface="Courier New"/>
+                <a:cs typeface="Courier New"/>
+                <a:sym typeface="Courier New"/>
+              </a:rPr>
+              <a:t>)</a:t>
+            </a:r>
+            <a:r>
+              <a:rPr lang="en-US" sz="3000" b="1" i="0" u="none" strike="noStrike" cap="none" dirty="0" smtClean="0">
+                <a:solidFill>
+                  <a:schemeClr val="lt1"/>
+                </a:solidFill>
+                <a:latin typeface="Courier New"/>
+                <a:ea typeface="Courier New"/>
+                <a:cs typeface="Courier New"/>
+                <a:sym typeface="Courier New"/>
+              </a:rPr>
+              <a:t>])</a:t>
+            </a:r>
+            <a:endParaRPr lang="en-US" sz="3000" b="1" i="0" u="none" strike="noStrike" cap="none" dirty="0">
+              <a:solidFill>
+                <a:schemeClr val="lt1"/>
+              </a:solidFill>
+              <a:latin typeface="Courier New"/>
+              <a:ea typeface="Courier New"/>
+              <a:cs typeface="Courier New"/>
+              <a:sym typeface="Courier New"/>
+            </a:endParaRPr>
+          </a:p>
+          <a:p>
+            <a:pPr>
+              <a:buClr>
+                <a:schemeClr val="lt1"/>
+              </a:buClr>
+              <a:buSzPct val="25000"/>
+            </a:pPr>
+            <a:r>
+              <a:rPr lang="en-US" sz="3000" b="1" i="0" u="none" strike="noStrike" cap="none" dirty="0">
                 <a:solidFill>
                   <a:schemeClr val="lt1"/>
                 </a:solidFill>
@@ -5393,7 +5551,19 @@
               <a:t>&gt;&gt;&gt; </a:t>
             </a:r>
             <a:r>
-              <a:rPr lang="en-US" sz="3000" b="1" i="0" u="none" strike="noStrike" cap="none">
+              <a:rPr lang="en-US" sz="3000" b="1" dirty="0">
+                <a:solidFill>
+                  <a:srgbClr val="FFFF00"/>
+                </a:solidFill>
+                <a:latin typeface="Courier New"/>
+                <a:ea typeface="Courier New"/>
+                <a:cs typeface="Courier New"/>
+                <a:sym typeface="Courier New"/>
+              </a:rPr>
+              <a:t>sorted(</a:t>
+            </a:r>
+            <a:r>
+              <a:rPr lang="en-US" sz="3000" b="1" dirty="0" err="1">
                 <a:solidFill>
                   <a:srgbClr val="00FF00"/>
                 </a:solidFill>
@@ -5402,8 +5572,53 @@
                 <a:cs typeface="Courier New"/>
                 <a:sym typeface="Courier New"/>
               </a:rPr>
-              <a:t>t</a:t>
-            </a:r>
+              <a:t>d</a:t>
+            </a:r>
+            <a:r>
+              <a:rPr lang="en-US" sz="3000" b="1" dirty="0" err="1">
+                <a:solidFill>
+                  <a:srgbClr val="FF00FF"/>
+                </a:solidFill>
+                <a:latin typeface="Courier New"/>
+                <a:ea typeface="Courier New"/>
+                <a:cs typeface="Courier New"/>
+                <a:sym typeface="Courier New"/>
+              </a:rPr>
+              <a:t>.items</a:t>
+            </a:r>
+            <a:r>
+              <a:rPr lang="en-US" sz="3000" b="1" dirty="0" smtClean="0">
+                <a:solidFill>
+                  <a:schemeClr val="lt1"/>
+                </a:solidFill>
+                <a:latin typeface="Courier New"/>
+                <a:ea typeface="Courier New"/>
+                <a:cs typeface="Courier New"/>
+                <a:sym typeface="Courier New"/>
+              </a:rPr>
+              <a:t>()</a:t>
+            </a:r>
+            <a:r>
+              <a:rPr lang="en-US" sz="3000" b="1" dirty="0" smtClean="0">
+                <a:solidFill>
+                  <a:srgbClr val="FFFC00"/>
+                </a:solidFill>
+                <a:latin typeface="Courier New"/>
+                <a:ea typeface="Courier New"/>
+                <a:cs typeface="Courier New"/>
+                <a:sym typeface="Courier New"/>
+              </a:rPr>
+              <a:t>)</a:t>
+            </a:r>
+            <a:endParaRPr lang="en-US" sz="3000" b="1" i="0" u="none" strike="noStrike" cap="none" dirty="0">
+              <a:solidFill>
+                <a:srgbClr val="FFFC00"/>
+              </a:solidFill>
+              <a:latin typeface="Courier New"/>
+              <a:ea typeface="Courier New"/>
+              <a:cs typeface="Courier New"/>
+              <a:sym typeface="Courier New"/>
+            </a:endParaRPr>
           </a:p>
           <a:p>
             <a:pPr marL="0" marR="0" lvl="0" indent="0" algn="l" rtl="0">
@@ -5424,7 +5639,7 @@
               <a:buNone/>
             </a:pPr>
             <a:r>
-              <a:rPr lang="en-US" sz="3000" b="1" i="0" u="none" strike="noStrike" cap="none">
+              <a:rPr lang="en-US" sz="3000" b="1" i="0" u="none" strike="noStrike" cap="none" dirty="0" smtClean="0">
                 <a:solidFill>
                   <a:schemeClr val="lt1"/>
                 </a:solidFill>
@@ -5436,7 +5651,7 @@
               <a:t>[</a:t>
             </a:r>
             <a:r>
-              <a:rPr lang="en-US" sz="3000" b="1" i="0" u="none" strike="noStrike" cap="none">
+              <a:rPr lang="en-US" sz="3000" b="1" i="0" u="none" strike="noStrike" cap="none" dirty="0" smtClean="0">
                 <a:solidFill>
                   <a:srgbClr val="FF7F00"/>
                 </a:solidFill>
@@ -5445,10 +5660,22 @@
                 <a:cs typeface="Courier New"/>
                 <a:sym typeface="Courier New"/>
               </a:rPr>
-              <a:t>('a', 10)</a:t>
-            </a:r>
-            <a:r>
-              <a:rPr lang="en-US" sz="3000" b="1" i="0" u="none" strike="noStrike" cap="none">
+              <a:t>(</a:t>
+            </a:r>
+            <a:r>
+              <a:rPr lang="en-US" sz="3000" b="1" i="0" u="none" strike="noStrike" cap="none" dirty="0">
+                <a:solidFill>
+                  <a:srgbClr val="FF7F00"/>
+                </a:solidFill>
+                <a:latin typeface="Courier New"/>
+                <a:ea typeface="Courier New"/>
+                <a:cs typeface="Courier New"/>
+                <a:sym typeface="Courier New"/>
+              </a:rPr>
+              <a:t>'a', 10)</a:t>
+            </a:r>
+            <a:r>
+              <a:rPr lang="en-US" sz="3000" b="1" i="0" u="none" strike="noStrike" cap="none" dirty="0">
                 <a:solidFill>
                   <a:schemeClr val="lt1"/>
                 </a:solidFill>
@@ -5460,7 +5687,7 @@
               <a:t>, </a:t>
             </a:r>
             <a:r>
-              <a:rPr lang="en-US" sz="3000" b="1" i="0" u="none" strike="noStrike" cap="none">
+              <a:rPr lang="en-US" sz="3000" b="1" i="0" u="none" strike="noStrike" cap="none" dirty="0">
                 <a:solidFill>
                   <a:srgbClr val="FF7F00"/>
                 </a:solidFill>
@@ -5469,247 +5696,34 @@
                 <a:cs typeface="Courier New"/>
                 <a:sym typeface="Courier New"/>
               </a:rPr>
+              <a:t>('b', 1)</a:t>
+            </a:r>
+            <a:r>
+              <a:rPr lang="en-US" sz="3000" b="1" i="0" u="none" strike="noStrike" cap="none" dirty="0">
+                <a:solidFill>
+                  <a:schemeClr val="lt1"/>
+                </a:solidFill>
+                <a:latin typeface="Courier New"/>
+                <a:ea typeface="Courier New"/>
+                <a:cs typeface="Courier New"/>
+                <a:sym typeface="Courier New"/>
+              </a:rPr>
+              <a:t>, </a:t>
+            </a:r>
+            <a:r>
+              <a:rPr lang="en-US" sz="3000" b="1" i="0" u="none" strike="noStrike" cap="none" dirty="0">
+                <a:solidFill>
+                  <a:srgbClr val="FF7F00"/>
+                </a:solidFill>
+                <a:latin typeface="Courier New"/>
+                <a:ea typeface="Courier New"/>
+                <a:cs typeface="Courier New"/>
+                <a:sym typeface="Courier New"/>
+              </a:rPr>
               <a:t>('c', 22)</a:t>
             </a:r>
             <a:r>
-              <a:rPr lang="en-US" sz="3000" b="1" i="0" u="none" strike="noStrike" cap="none">
-                <a:solidFill>
-                  <a:schemeClr val="lt1"/>
-                </a:solidFill>
-                <a:latin typeface="Courier New"/>
-                <a:ea typeface="Courier New"/>
-                <a:cs typeface="Courier New"/>
-                <a:sym typeface="Courier New"/>
-              </a:rPr>
-              <a:t>, </a:t>
-            </a:r>
-            <a:r>
-              <a:rPr lang="en-US" sz="3000" b="1" i="0" u="none" strike="noStrike" cap="none">
-                <a:solidFill>
-                  <a:srgbClr val="FF7F00"/>
-                </a:solidFill>
-                <a:latin typeface="Courier New"/>
-                <a:ea typeface="Courier New"/>
-                <a:cs typeface="Courier New"/>
-                <a:sym typeface="Courier New"/>
-              </a:rPr>
-              <a:t>('b', 1)</a:t>
-            </a:r>
-            <a:r>
-              <a:rPr lang="en-US" sz="3000" b="1" i="0" u="none" strike="noStrike" cap="none">
-                <a:solidFill>
-                  <a:schemeClr val="lt1"/>
-                </a:solidFill>
-                <a:latin typeface="Courier New"/>
-                <a:ea typeface="Courier New"/>
-                <a:cs typeface="Courier New"/>
-                <a:sym typeface="Courier New"/>
-              </a:rPr>
-              <a:t>]</a:t>
-            </a:r>
-          </a:p>
-          <a:p>
-            <a:pPr marL="0" marR="0" lvl="0" indent="0" algn="l" rtl="0">
-              <a:lnSpc>
-                <a:spcPct val="100000"/>
-              </a:lnSpc>
-              <a:spcBef>
-                <a:spcPts val="0"/>
-              </a:spcBef>
-              <a:spcAft>
-                <a:spcPts val="0"/>
-              </a:spcAft>
-              <a:buClr>
-                <a:schemeClr val="lt1"/>
-              </a:buClr>
-              <a:buSzPct val="25000"/>
-              <a:buFont typeface="Courier New"/>
-              <a:buNone/>
-            </a:pPr>
-            <a:r>
-              <a:rPr lang="en-US" sz="3000" b="1" i="0" u="none" strike="noStrike" cap="none">
-                <a:solidFill>
-                  <a:schemeClr val="lt1"/>
-                </a:solidFill>
-                <a:latin typeface="Courier New"/>
-                <a:ea typeface="Courier New"/>
-                <a:cs typeface="Courier New"/>
-                <a:sym typeface="Courier New"/>
-              </a:rPr>
-              <a:t>&gt;&gt;&gt; </a:t>
-            </a:r>
-            <a:r>
-              <a:rPr lang="en-US" sz="3000" b="1" i="0" u="none" strike="noStrike" cap="none">
-                <a:solidFill>
-                  <a:srgbClr val="00FF00"/>
-                </a:solidFill>
-                <a:latin typeface="Courier New"/>
-                <a:ea typeface="Courier New"/>
-                <a:cs typeface="Courier New"/>
-                <a:sym typeface="Courier New"/>
-              </a:rPr>
-              <a:t>t</a:t>
-            </a:r>
-            <a:r>
-              <a:rPr lang="en-US" sz="3000" b="1" i="0" u="none" strike="noStrike" cap="none">
-                <a:solidFill>
-                  <a:srgbClr val="FF00FF"/>
-                </a:solidFill>
-                <a:latin typeface="Courier New"/>
-                <a:ea typeface="Courier New"/>
-                <a:cs typeface="Courier New"/>
-                <a:sym typeface="Courier New"/>
-              </a:rPr>
-              <a:t>.sort</a:t>
-            </a:r>
-            <a:r>
-              <a:rPr lang="en-US" sz="3000" b="1" i="0" u="none" strike="noStrike" cap="none">
-                <a:solidFill>
-                  <a:schemeClr val="lt1"/>
-                </a:solidFill>
-                <a:latin typeface="Courier New"/>
-                <a:ea typeface="Courier New"/>
-                <a:cs typeface="Courier New"/>
-                <a:sym typeface="Courier New"/>
-              </a:rPr>
-              <a:t>()</a:t>
-            </a:r>
-          </a:p>
-          <a:p>
-            <a:pPr marL="0" marR="0" lvl="0" indent="0" algn="l" rtl="0">
-              <a:lnSpc>
-                <a:spcPct val="100000"/>
-              </a:lnSpc>
-              <a:spcBef>
-                <a:spcPts val="0"/>
-              </a:spcBef>
-              <a:spcAft>
-                <a:spcPts val="0"/>
-              </a:spcAft>
-              <a:buClr>
-                <a:schemeClr val="lt1"/>
-              </a:buClr>
-              <a:buSzPct val="25000"/>
-              <a:buFont typeface="Courier New"/>
-              <a:buNone/>
-            </a:pPr>
-            <a:r>
-              <a:rPr lang="en-US" sz="3000" b="1" i="0" u="none" strike="noStrike" cap="none">
-                <a:solidFill>
-                  <a:schemeClr val="lt1"/>
-                </a:solidFill>
-                <a:latin typeface="Courier New"/>
-                <a:ea typeface="Courier New"/>
-                <a:cs typeface="Courier New"/>
-                <a:sym typeface="Courier New"/>
-              </a:rPr>
-              <a:t>&gt;&gt;&gt; </a:t>
-            </a:r>
-            <a:r>
-              <a:rPr lang="en-US" sz="3000" b="1" i="0" u="none" strike="noStrike" cap="none">
-                <a:solidFill>
-                  <a:srgbClr val="00FF00"/>
-                </a:solidFill>
-                <a:latin typeface="Courier New"/>
-                <a:ea typeface="Courier New"/>
-                <a:cs typeface="Courier New"/>
-                <a:sym typeface="Courier New"/>
-              </a:rPr>
-              <a:t>t</a:t>
-            </a:r>
-          </a:p>
-          <a:p>
-            <a:pPr marL="0" marR="0" lvl="0" indent="0" algn="l" rtl="0">
-              <a:lnSpc>
-                <a:spcPct val="100000"/>
-              </a:lnSpc>
-              <a:spcBef>
-                <a:spcPts val="0"/>
-              </a:spcBef>
-              <a:spcAft>
-                <a:spcPts val="0"/>
-              </a:spcAft>
-              <a:buClr>
-                <a:schemeClr val="lt1"/>
-              </a:buClr>
-              <a:buSzPct val="25000"/>
-              <a:buFont typeface="Courier New"/>
-              <a:buNone/>
-            </a:pPr>
-            <a:r>
-              <a:rPr lang="en-US" sz="3000" b="1" i="0" u="none" strike="noStrike" cap="none">
-                <a:solidFill>
-                  <a:schemeClr val="lt1"/>
-                </a:solidFill>
-                <a:latin typeface="Courier New"/>
-                <a:ea typeface="Courier New"/>
-                <a:cs typeface="Courier New"/>
-                <a:sym typeface="Courier New"/>
-              </a:rPr>
-              <a:t>[</a:t>
-            </a:r>
-            <a:r>
-              <a:rPr lang="en-US" sz="3000" b="1" i="0" u="none" strike="noStrike" cap="none">
-                <a:solidFill>
-                  <a:srgbClr val="FF7F00"/>
-                </a:solidFill>
-                <a:latin typeface="Courier New"/>
-                <a:ea typeface="Courier New"/>
-                <a:cs typeface="Courier New"/>
-                <a:sym typeface="Courier New"/>
-              </a:rPr>
-              <a:t>('a', 10)</a:t>
-            </a:r>
-            <a:r>
-              <a:rPr lang="en-US" sz="3000" b="1" i="0" u="none" strike="noStrike" cap="none">
-                <a:solidFill>
-                  <a:schemeClr val="lt1"/>
-                </a:solidFill>
-                <a:latin typeface="Courier New"/>
-                <a:ea typeface="Courier New"/>
-                <a:cs typeface="Courier New"/>
-                <a:sym typeface="Courier New"/>
-              </a:rPr>
-              <a:t>, </a:t>
-            </a:r>
-            <a:r>
-              <a:rPr lang="en-US" sz="3000" b="1" i="0" u="none" strike="noStrike" cap="none">
-                <a:solidFill>
-                  <a:srgbClr val="FF7F00"/>
-                </a:solidFill>
-                <a:latin typeface="Courier New"/>
-                <a:ea typeface="Courier New"/>
-                <a:cs typeface="Courier New"/>
-                <a:sym typeface="Courier New"/>
-              </a:rPr>
-              <a:t>('b', 1)</a:t>
-            </a:r>
-            <a:r>
-              <a:rPr lang="en-US" sz="3000" b="1" i="0" u="none" strike="noStrike" cap="none">
-                <a:solidFill>
-                  <a:schemeClr val="lt1"/>
-                </a:solidFill>
-                <a:latin typeface="Courier New"/>
-                <a:ea typeface="Courier New"/>
-                <a:cs typeface="Courier New"/>
-                <a:sym typeface="Courier New"/>
-              </a:rPr>
-              <a:t>, </a:t>
-            </a:r>
-            <a:r>
-              <a:rPr lang="en-US" sz="3000" b="1" i="0" u="none" strike="noStrike" cap="none">
-                <a:solidFill>
-                  <a:srgbClr val="FF7F00"/>
-                </a:solidFill>
-                <a:latin typeface="Courier New"/>
-                <a:ea typeface="Courier New"/>
-                <a:cs typeface="Courier New"/>
-                <a:sym typeface="Courier New"/>
-              </a:rPr>
-              <a:t>('c', 22)</a:t>
-            </a:r>
-            <a:r>
-              <a:rPr lang="en-US" sz="3000" b="1" i="0" u="none" strike="noStrike" cap="none">
+              <a:rPr lang="en-US" sz="3000" b="1" i="0" u="none" strike="noStrike" cap="none" dirty="0">
                 <a:solidFill>
                   <a:schemeClr val="lt1"/>
                 </a:solidFill>
@@ -5898,8 +5912,8 @@
         </p:nvSpPr>
         <p:spPr>
           <a:xfrm>
-            <a:off x="8258175" y="1132925"/>
-            <a:ext cx="7997700" cy="6705599"/>
+            <a:off x="7872413" y="2139696"/>
+            <a:ext cx="7997700" cy="5717116"/>
           </a:xfrm>
           <a:prstGeom prst="rect">
             <a:avLst/>
@@ -5988,129 +6002,7 @@
               <a:buNone/>
             </a:pPr>
             <a:r>
-              <a:rPr lang="en-US" sz="3000" b="1" i="0" u="none" strike="noStrike" cap="none" dirty="0">
-                <a:solidFill>
-                  <a:schemeClr val="lt1"/>
-                </a:solidFill>
-                <a:latin typeface="Courier New"/>
-                <a:ea typeface="Courier New"/>
-                <a:cs typeface="Courier New"/>
-                <a:sym typeface="Courier New"/>
-              </a:rPr>
-              <a:t>&gt;&gt;&gt; </a:t>
-            </a:r>
-            <a:r>
-              <a:rPr lang="en-US" sz="3000" b="1" i="0" u="none" strike="noStrike" cap="none" dirty="0" err="1">
-                <a:solidFill>
-                  <a:srgbClr val="00FF00"/>
-                </a:solidFill>
-                <a:latin typeface="Courier New"/>
-                <a:ea typeface="Courier New"/>
-                <a:cs typeface="Courier New"/>
-                <a:sym typeface="Courier New"/>
-              </a:rPr>
-              <a:t>d</a:t>
-            </a:r>
-            <a:r>
-              <a:rPr lang="en-US" sz="3000" b="1" i="0" u="none" strike="noStrike" cap="none" dirty="0" err="1">
-                <a:solidFill>
-                  <a:srgbClr val="FF00FF"/>
-                </a:solidFill>
-                <a:latin typeface="Courier New"/>
-                <a:ea typeface="Courier New"/>
-                <a:cs typeface="Courier New"/>
-                <a:sym typeface="Courier New"/>
-              </a:rPr>
-              <a:t>.items</a:t>
-            </a:r>
-            <a:r>
-              <a:rPr lang="en-US" sz="3000" b="1" i="0" u="none" strike="noStrike" cap="none" dirty="0">
-                <a:solidFill>
-                  <a:schemeClr val="lt1"/>
-                </a:solidFill>
-                <a:latin typeface="Courier New"/>
-                <a:ea typeface="Courier New"/>
-                <a:cs typeface="Courier New"/>
-                <a:sym typeface="Courier New"/>
-              </a:rPr>
-              <a:t>()</a:t>
-            </a:r>
-          </a:p>
-          <a:p>
-            <a:pPr marL="0" marR="0" lvl="0" indent="0" algn="l" rtl="0">
-              <a:lnSpc>
-                <a:spcPct val="100000"/>
-              </a:lnSpc>
-              <a:spcBef>
-                <a:spcPts val="0"/>
-              </a:spcBef>
-              <a:spcAft>
-                <a:spcPts val="0"/>
-              </a:spcAft>
-              <a:buClr>
-                <a:schemeClr val="lt1"/>
-              </a:buClr>
-              <a:buSzPct val="25000"/>
-              <a:buFont typeface="Courier New"/>
-              <a:buNone/>
-            </a:pPr>
-            <a:r>
-              <a:rPr lang="en-US" sz="3000" b="1" i="0" u="none" strike="noStrike" cap="none" dirty="0">
-                <a:solidFill>
-                  <a:schemeClr val="lt1"/>
-                </a:solidFill>
-                <a:latin typeface="Courier New"/>
-                <a:ea typeface="Courier New"/>
-                <a:cs typeface="Courier New"/>
-                <a:sym typeface="Courier New"/>
-              </a:rPr>
-              <a:t>[</a:t>
-            </a:r>
-            <a:r>
-              <a:rPr lang="en-US" sz="3000" b="1" i="0" u="none" strike="noStrike" cap="none" dirty="0">
-                <a:solidFill>
-                  <a:srgbClr val="FF7F00"/>
-                </a:solidFill>
-                <a:latin typeface="Courier New"/>
-                <a:ea typeface="Courier New"/>
-                <a:cs typeface="Courier New"/>
-                <a:sym typeface="Courier New"/>
-              </a:rPr>
-              <a:t>('a', 10), ('c', 22), ('b', 1)</a:t>
-            </a:r>
-            <a:r>
-              <a:rPr lang="en-US" sz="3000" b="1" i="0" u="none" strike="noStrike" cap="none" dirty="0">
-                <a:solidFill>
-                  <a:schemeClr val="lt1"/>
-                </a:solidFill>
-                <a:latin typeface="Courier New"/>
-                <a:ea typeface="Courier New"/>
-                <a:cs typeface="Courier New"/>
-                <a:sym typeface="Courier New"/>
-              </a:rPr>
-              <a:t>]</a:t>
-            </a:r>
-          </a:p>
-          <a:p>
-            <a:pPr marL="0" marR="0" lvl="0" indent="0" algn="l" rtl="0">
-              <a:lnSpc>
-                <a:spcPct val="100000"/>
-              </a:lnSpc>
-              <a:spcBef>
-                <a:spcPts val="0"/>
-              </a:spcBef>
-              <a:spcAft>
-                <a:spcPts val="0"/>
-              </a:spcAft>
-              <a:buClr>
-                <a:schemeClr val="lt1"/>
-              </a:buClr>
-              <a:buSzPct val="25000"/>
-              <a:buFont typeface="Courier New"/>
-              <a:buNone/>
-            </a:pPr>
-            <a:r>
-              <a:rPr lang="en-US" sz="3000" b="1" i="0" u="none" strike="noStrike" cap="none" dirty="0">
+              <a:rPr lang="en-US" sz="3000" b="1" i="0" u="none" strike="noStrike" cap="none" dirty="0" smtClean="0">
                 <a:solidFill>
                   <a:schemeClr val="lt1"/>
                 </a:solidFill>
@@ -6809,7 +6701,7 @@
               <a:buNone/>
             </a:pPr>
             <a:r>
-              <a:rPr lang="en-US" sz="7800" u="none" strike="noStrike" cap="none">
+              <a:rPr lang="en-US" sz="7800" u="none" strike="noStrike" cap="none" dirty="0">
                 <a:solidFill>
                   <a:srgbClr val="FFFF00"/>
                 </a:solidFill>
@@ -7019,8 +6911,8 @@
         </p:nvSpPr>
         <p:spPr>
           <a:xfrm>
-            <a:off x="8315324" y="2603500"/>
-            <a:ext cx="8359775" cy="4800600"/>
+            <a:off x="7754112" y="2603500"/>
+            <a:ext cx="8920987" cy="4800600"/>
           </a:xfrm>
           <a:prstGeom prst="rect">
             <a:avLst/>
@@ -7569,7 +7461,55 @@
               <a:t>&gt;&gt;&gt; </a:t>
             </a:r>
             <a:r>
-              <a:rPr lang="en-US" sz="3000" b="1" i="0" u="none" strike="noStrike" cap="none" dirty="0" err="1">
+              <a:rPr lang="en-US" sz="3000" b="1" i="0" u="none" strike="noStrike" cap="none" dirty="0" err="1" smtClean="0">
+                <a:solidFill>
+                  <a:srgbClr val="00FA00"/>
+                </a:solidFill>
+                <a:latin typeface="Courier New"/>
+                <a:ea typeface="Courier New"/>
+                <a:cs typeface="Courier New"/>
+                <a:sym typeface="Courier New"/>
+              </a:rPr>
+              <a:t>tmp</a:t>
+            </a:r>
+            <a:r>
+              <a:rPr lang="en-US" sz="3000" b="1" i="0" u="none" strike="noStrike" cap="none" dirty="0" smtClean="0">
+                <a:solidFill>
+                  <a:srgbClr val="00FA00"/>
+                </a:solidFill>
+                <a:latin typeface="Courier New"/>
+                <a:ea typeface="Courier New"/>
+                <a:cs typeface="Courier New"/>
+                <a:sym typeface="Courier New"/>
+              </a:rPr>
+              <a:t> </a:t>
+            </a:r>
+            <a:r>
+              <a:rPr lang="en-US" sz="3000" b="1" i="0" u="none" strike="noStrike" cap="none" dirty="0" smtClean="0">
+                <a:solidFill>
+                  <a:schemeClr val="lt1"/>
+                </a:solidFill>
+                <a:latin typeface="Courier New"/>
+                <a:ea typeface="Courier New"/>
+                <a:cs typeface="Courier New"/>
+                <a:sym typeface="Courier New"/>
+              </a:rPr>
+              <a:t>= </a:t>
+            </a:r>
+            <a:r>
+              <a:rPr lang="en-US" sz="3000" b="1" i="0" u="none" strike="noStrike" cap="none" dirty="0" smtClean="0">
+                <a:solidFill>
+                  <a:srgbClr val="FFFF00"/>
+                </a:solidFill>
+                <a:latin typeface="Courier New"/>
+                <a:ea typeface="Courier New"/>
+                <a:cs typeface="Courier New"/>
+                <a:sym typeface="Courier New"/>
+              </a:rPr>
+              <a:t>sorted(</a:t>
+            </a:r>
+            <a:r>
+              <a:rPr lang="en-US" sz="3000" b="1" i="0" u="none" strike="noStrike" cap="none" dirty="0" err="1" smtClean="0">
                 <a:solidFill>
                   <a:srgbClr val="00FF00"/>
                 </a:solidFill>
@@ -7581,7 +7521,7 @@
               <a:t>tmp</a:t>
             </a:r>
             <a:r>
-              <a:rPr lang="en-US" sz="3000" b="1" i="0" u="none" strike="noStrike" cap="none" dirty="0" err="1">
+              <a:rPr lang="en-US" sz="3000" b="1" i="0" u="none" strike="noStrike" cap="none" dirty="0" smtClean="0">
                 <a:solidFill>
                   <a:srgbClr val="FF00FF"/>
                 </a:solidFill>
@@ -7590,19 +7530,19 @@
                 <a:cs typeface="Courier New"/>
                 <a:sym typeface="Courier New"/>
               </a:rPr>
-              <a:t>.sort</a:t>
-            </a:r>
-            <a:r>
-              <a:rPr lang="en-US" sz="3000" b="1" i="0" u="none" strike="noStrike" cap="none" dirty="0">
-                <a:solidFill>
-                  <a:srgbClr val="FF00FF"/>
-                </a:solidFill>
-                <a:latin typeface="Courier New"/>
-                <a:ea typeface="Courier New"/>
-                <a:cs typeface="Courier New"/>
-                <a:sym typeface="Courier New"/>
-              </a:rPr>
-              <a:t>(reverse=True)</a:t>
+              <a:t>, reverse=True</a:t>
+            </a:r>
+            <a:r>
+              <a:rPr lang="en-US" sz="3000" b="1" i="0" u="none" strike="noStrike" cap="none" dirty="0">
+                <a:solidFill>
+                  <a:srgbClr val="FFFF00"/>
+                </a:solidFill>
+                <a:latin typeface="Courier New"/>
+                <a:ea typeface="Courier New"/>
+                <a:cs typeface="Courier New"/>
+                <a:sym typeface="Courier New"/>
+              </a:rPr>
+              <a:t>)</a:t>
             </a:r>
           </a:p>
           <a:p>
@@ -8591,7 +8531,7 @@
               <a:t>.items</a:t>
             </a:r>
             <a:r>
-              <a:rPr lang="en-US" sz="3000" b="1" i="0" u="none" strike="noStrike" cap="none" dirty="0">
+              <a:rPr lang="en-US" sz="3000" b="1" i="0" u="none" strike="noStrike" cap="none" dirty="0" smtClean="0">
                 <a:solidFill>
                   <a:schemeClr val="lt1"/>
                 </a:solidFill>
@@ -8602,6 +8542,119 @@
               </a:rPr>
               <a:t>():</a:t>
             </a:r>
+          </a:p>
+          <a:p>
+            <a:pPr lvl="0">
+              <a:buClr>
+                <a:srgbClr val="FFFF00"/>
+              </a:buClr>
+              <a:buSzPct val="25000"/>
+            </a:pPr>
+            <a:r>
+              <a:rPr lang="en-US" sz="3000" b="1" dirty="0">
+                <a:solidFill>
+                  <a:schemeClr val="lt1"/>
+                </a:solidFill>
+                <a:latin typeface="Courier New"/>
+                <a:ea typeface="Courier New"/>
+                <a:cs typeface="Courier New"/>
+                <a:sym typeface="Courier New"/>
+              </a:rPr>
+              <a:t>	</a:t>
+            </a:r>
+            <a:r>
+              <a:rPr lang="en-US" sz="3000" b="1" dirty="0" err="1" smtClean="0">
+                <a:solidFill>
+                  <a:srgbClr val="00FA00"/>
+                </a:solidFill>
+                <a:latin typeface="Courier New"/>
+                <a:ea typeface="Courier New"/>
+                <a:cs typeface="Courier New"/>
+                <a:sym typeface="Courier New"/>
+              </a:rPr>
+              <a:t>newtup</a:t>
+            </a:r>
+            <a:r>
+              <a:rPr lang="en-US" sz="3000" b="1" dirty="0" smtClean="0">
+                <a:solidFill>
+                  <a:srgbClr val="00FA00"/>
+                </a:solidFill>
+                <a:latin typeface="Courier New"/>
+                <a:ea typeface="Courier New"/>
+                <a:cs typeface="Courier New"/>
+                <a:sym typeface="Courier New"/>
+              </a:rPr>
+              <a:t> </a:t>
+            </a:r>
+            <a:r>
+              <a:rPr lang="en-US" sz="3000" b="1" dirty="0" smtClean="0">
+                <a:solidFill>
+                  <a:schemeClr val="lt1"/>
+                </a:solidFill>
+                <a:latin typeface="Courier New"/>
+                <a:ea typeface="Courier New"/>
+                <a:cs typeface="Courier New"/>
+                <a:sym typeface="Courier New"/>
+              </a:rPr>
+              <a:t>= </a:t>
+            </a:r>
+            <a:r>
+              <a:rPr lang="en-US" sz="3000" b="1" dirty="0">
+                <a:solidFill>
+                  <a:srgbClr val="FF7F00"/>
+                </a:solidFill>
+                <a:latin typeface="Courier New"/>
+                <a:ea typeface="Courier New"/>
+                <a:cs typeface="Courier New"/>
+                <a:sym typeface="Courier New"/>
+              </a:rPr>
+              <a:t>(</a:t>
+            </a:r>
+            <a:r>
+              <a:rPr lang="en-US" sz="3000" b="1" dirty="0" err="1">
+                <a:solidFill>
+                  <a:srgbClr val="FF7F00"/>
+                </a:solidFill>
+                <a:latin typeface="Courier New"/>
+                <a:ea typeface="Courier New"/>
+                <a:cs typeface="Courier New"/>
+                <a:sym typeface="Courier New"/>
+              </a:rPr>
+              <a:t>val</a:t>
+            </a:r>
+            <a:r>
+              <a:rPr lang="en-US" sz="3000" b="1" dirty="0">
+                <a:solidFill>
+                  <a:srgbClr val="FF7F00"/>
+                </a:solidFill>
+                <a:latin typeface="Courier New"/>
+                <a:ea typeface="Courier New"/>
+                <a:cs typeface="Courier New"/>
+                <a:sym typeface="Courier New"/>
+              </a:rPr>
+              <a:t>, key)</a:t>
+            </a:r>
+            <a:r>
+              <a:rPr lang="en-US" sz="3000" b="1" dirty="0">
+                <a:solidFill>
+                  <a:schemeClr val="lt1"/>
+                </a:solidFill>
+                <a:latin typeface="Courier New"/>
+                <a:ea typeface="Courier New"/>
+                <a:cs typeface="Courier New"/>
+                <a:sym typeface="Courier New"/>
+              </a:rPr>
+              <a:t> </a:t>
+            </a:r>
+            <a:endParaRPr lang="en-US" sz="3000" b="1" i="0" u="none" strike="noStrike" cap="none" dirty="0">
+              <a:solidFill>
+                <a:schemeClr val="lt1"/>
+              </a:solidFill>
+              <a:latin typeface="Courier New"/>
+              <a:ea typeface="Courier New"/>
+              <a:cs typeface="Courier New"/>
+              <a:sym typeface="Courier New"/>
+            </a:endParaRPr>
           </a:p>
           <a:p>
             <a:pPr marL="0" marR="0" lvl="0" indent="0" algn="l" rtl="0">
@@ -8634,7 +8687,7 @@
               <a:t>    </a:t>
             </a:r>
             <a:r>
-              <a:rPr lang="en-US" sz="3000" b="1" i="0" u="none" strike="noStrike" cap="none" dirty="0" err="1">
+              <a:rPr lang="en-US" sz="3000" b="1" i="0" u="none" strike="noStrike" cap="none" dirty="0" err="1" smtClean="0">
                 <a:solidFill>
                   <a:srgbClr val="00FF00"/>
                 </a:solidFill>
@@ -8646,7 +8699,7 @@
               <a:t>lst</a:t>
             </a:r>
             <a:r>
-              <a:rPr lang="en-US" sz="3000" b="1" i="0" u="none" strike="noStrike" cap="none" dirty="0" err="1">
+              <a:rPr lang="en-US" sz="3000" b="1" i="0" u="none" strike="noStrike" cap="none" dirty="0" err="1" smtClean="0">
                 <a:solidFill>
                   <a:srgbClr val="FF00FF"/>
                 </a:solidFill>
@@ -8658,21 +8711,9 @@
               <a:t>.append</a:t>
             </a:r>
             <a:r>
-              <a:rPr lang="en-US" sz="3000" b="1" i="0" u="none" strike="noStrike" cap="none" dirty="0">
-                <a:solidFill>
-                  <a:schemeClr val="lt1"/>
-                </a:solidFill>
-                <a:latin typeface="Courier New"/>
-                <a:ea typeface="Courier New"/>
-                <a:cs typeface="Courier New"/>
-                <a:sym typeface="Courier New"/>
-              </a:rPr>
-              <a:t>( </a:t>
-            </a:r>
-            <a:r>
-              <a:rPr lang="en-US" sz="3000" b="1" i="0" u="none" strike="noStrike" cap="none" dirty="0">
-                <a:solidFill>
-                  <a:srgbClr val="FF7F00"/>
+              <a:rPr lang="en-US" sz="3000" b="1" i="0" u="none" strike="noStrike" cap="none" dirty="0" smtClean="0">
+                <a:solidFill>
+                  <a:schemeClr val="lt1"/>
                 </a:solidFill>
                 <a:latin typeface="Courier New"/>
                 <a:ea typeface="Courier New"/>
@@ -8682,41 +8723,38 @@
               <a:t>(</a:t>
             </a:r>
             <a:r>
-              <a:rPr lang="en-US" sz="3000" b="1" i="0" u="none" strike="noStrike" cap="none" dirty="0" err="1">
-                <a:solidFill>
-                  <a:srgbClr val="FF7F00"/>
-                </a:solidFill>
-                <a:latin typeface="Courier New"/>
-                <a:ea typeface="Courier New"/>
-                <a:cs typeface="Courier New"/>
-                <a:sym typeface="Courier New"/>
-              </a:rPr>
-              <a:t>val</a:t>
-            </a:r>
-            <a:r>
-              <a:rPr lang="en-US" sz="3000" b="1" i="0" u="none" strike="noStrike" cap="none" dirty="0">
-                <a:solidFill>
-                  <a:srgbClr val="FF7F00"/>
-                </a:solidFill>
-                <a:latin typeface="Courier New"/>
-                <a:ea typeface="Courier New"/>
-                <a:cs typeface="Courier New"/>
-                <a:sym typeface="Courier New"/>
-              </a:rPr>
-              <a:t>, key)</a:t>
-            </a:r>
-            <a:r>
-              <a:rPr lang="en-US" sz="3000" b="1" i="0" u="none" strike="noStrike" cap="none" dirty="0">
-                <a:solidFill>
-                  <a:schemeClr val="lt1"/>
-                </a:solidFill>
-                <a:latin typeface="Courier New"/>
-                <a:ea typeface="Courier New"/>
-                <a:cs typeface="Courier New"/>
-                <a:sym typeface="Courier New"/>
-              </a:rPr>
-              <a:t> )</a:t>
-            </a:r>
+              <a:rPr lang="en-US" sz="3000" b="1" i="0" u="none" strike="noStrike" cap="none" dirty="0" err="1" smtClean="0">
+                <a:solidFill>
+                  <a:srgbClr val="00FA00"/>
+                </a:solidFill>
+                <a:latin typeface="Courier New"/>
+                <a:ea typeface="Courier New"/>
+                <a:cs typeface="Courier New"/>
+                <a:sym typeface="Courier New"/>
+              </a:rPr>
+              <a:t>newtup</a:t>
+            </a:r>
+            <a:r>
+              <a:rPr lang="en-US" sz="3000" b="1" i="0" u="none" strike="noStrike" cap="none" dirty="0" smtClean="0">
+                <a:solidFill>
+                  <a:schemeClr val="lt1"/>
+                </a:solidFill>
+                <a:latin typeface="Courier New"/>
+                <a:ea typeface="Courier New"/>
+                <a:cs typeface="Courier New"/>
+                <a:sym typeface="Courier New"/>
+              </a:rPr>
+              <a:t>)</a:t>
+            </a:r>
+            <a:endParaRPr lang="en-US" sz="3000" b="1" i="0" u="none" strike="noStrike" cap="none" dirty="0">
+              <a:solidFill>
+                <a:schemeClr val="lt1"/>
+              </a:solidFill>
+              <a:latin typeface="Courier New"/>
+              <a:ea typeface="Courier New"/>
+              <a:cs typeface="Courier New"/>
+              <a:sym typeface="Courier New"/>
+            </a:endParaRPr>
           </a:p>
           <a:p>
             <a:pPr marL="0" marR="0" lvl="0" indent="0" algn="l" rtl="0">
@@ -8746,25 +8784,14 @@
             </a:endParaRPr>
           </a:p>
           <a:p>
-            <a:pPr marL="0" marR="0" lvl="0" indent="0" algn="l" rtl="0">
-              <a:lnSpc>
-                <a:spcPct val="100000"/>
-              </a:lnSpc>
-              <a:spcBef>
-                <a:spcPts val="0"/>
-              </a:spcBef>
-              <a:spcAft>
-                <a:spcPts val="0"/>
-              </a:spcAft>
+            <a:pPr lvl="0">
               <a:buClr>
                 <a:srgbClr val="00FF00"/>
               </a:buClr>
               <a:buSzPct val="25000"/>
-              <a:buFont typeface="Courier New"/>
-              <a:buNone/>
-            </a:pPr>
-            <a:r>
-              <a:rPr lang="en-US" sz="3000" b="1" i="0" u="none" strike="noStrike" cap="none" dirty="0" err="1">
+            </a:pPr>
+            <a:r>
+              <a:rPr lang="en-US" sz="3000" b="1" dirty="0" err="1" smtClean="0">
                 <a:solidFill>
                   <a:srgbClr val="00FF00"/>
                 </a:solidFill>
@@ -8776,7 +8803,43 @@
               <a:t>lst</a:t>
             </a:r>
             <a:r>
-              <a:rPr lang="en-US" sz="3000" b="1" i="0" u="none" strike="noStrike" cap="none" dirty="0" err="1">
+              <a:rPr lang="en-US" sz="3000" b="1" dirty="0" smtClean="0">
+                <a:solidFill>
+                  <a:srgbClr val="00FF00"/>
+                </a:solidFill>
+                <a:latin typeface="Courier New"/>
+                <a:ea typeface="Courier New"/>
+                <a:cs typeface="Courier New"/>
+                <a:sym typeface="Courier New"/>
+              </a:rPr>
+              <a:t> = </a:t>
+            </a:r>
+            <a:r>
+              <a:rPr lang="en-US" sz="3000" b="1" dirty="0" smtClean="0">
+                <a:solidFill>
+                  <a:srgbClr val="FF40FF"/>
+                </a:solidFill>
+                <a:latin typeface="Courier New"/>
+                <a:ea typeface="Courier New"/>
+                <a:cs typeface="Courier New"/>
+                <a:sym typeface="Courier New"/>
+              </a:rPr>
+              <a:t>sorted(</a:t>
+            </a:r>
+            <a:r>
+              <a:rPr lang="en-US" sz="3000" b="1" dirty="0" err="1" smtClean="0">
+                <a:solidFill>
+                  <a:srgbClr val="00FF00"/>
+                </a:solidFill>
+                <a:latin typeface="Courier New"/>
+                <a:ea typeface="Courier New"/>
+                <a:cs typeface="Courier New"/>
+                <a:sym typeface="Courier New"/>
+              </a:rPr>
+              <a:t>lst</a:t>
+            </a:r>
+            <a:r>
+              <a:rPr lang="en-US" sz="3000" b="1" i="0" u="none" strike="noStrike" cap="none" dirty="0" smtClean="0">
                 <a:solidFill>
                   <a:srgbClr val="FF00FF"/>
                 </a:solidFill>
@@ -8785,36 +8848,12 @@
                 <a:cs typeface="Courier New"/>
                 <a:sym typeface="Courier New"/>
               </a:rPr>
-              <a:t>.sort</a:t>
-            </a:r>
-            <a:r>
-              <a:rPr lang="en-US" sz="3000" b="1" i="0" u="none" strike="noStrike" cap="none" dirty="0">
-                <a:solidFill>
-                  <a:schemeClr val="lt1"/>
-                </a:solidFill>
-                <a:latin typeface="Courier New"/>
-                <a:ea typeface="Courier New"/>
-                <a:cs typeface="Courier New"/>
-                <a:sym typeface="Courier New"/>
-              </a:rPr>
-              <a:t>(</a:t>
-            </a:r>
-            <a:r>
-              <a:rPr lang="en-US" sz="3000" b="1" i="0" u="none" strike="noStrike" cap="none" dirty="0">
-                <a:solidFill>
-                  <a:srgbClr val="FF00FF"/>
-                </a:solidFill>
-                <a:latin typeface="Courier New"/>
-                <a:ea typeface="Courier New"/>
-                <a:cs typeface="Courier New"/>
-                <a:sym typeface="Courier New"/>
-              </a:rPr>
-              <a:t>reverse=True</a:t>
-            </a:r>
-            <a:r>
-              <a:rPr lang="en-US" sz="3000" b="1" i="0" u="none" strike="noStrike" cap="none" dirty="0">
-                <a:solidFill>
-                  <a:schemeClr val="lt1"/>
+              <a:t>, reverse=True</a:t>
+            </a:r>
+            <a:r>
+              <a:rPr lang="en-US" sz="3000" b="1" i="0" u="none" strike="noStrike" cap="none" dirty="0">
+                <a:solidFill>
+                  <a:srgbClr val="FF40FF"/>
                 </a:solidFill>
                 <a:latin typeface="Courier New"/>
                 <a:ea typeface="Courier New"/>
@@ -12807,7 +12846,7 @@
               <a:buNone/>
             </a:pPr>
             <a:r>
-              <a:rPr lang="en-US" sz="3000" b="1" i="0" u="none" strike="noStrike" cap="none">
+              <a:rPr lang="en-US" sz="3000" b="1" i="0" u="none" strike="noStrike" cap="none" dirty="0">
                 <a:solidFill>
                   <a:schemeClr val="lt1"/>
                 </a:solidFill>
@@ -12819,7 +12858,7 @@
               <a:t>&gt;&gt;&gt; </a:t>
             </a:r>
             <a:r>
-              <a:rPr lang="en-US" sz="3000" b="1" i="0" u="none" strike="noStrike" cap="none">
+              <a:rPr lang="en-US" sz="3000" b="1" i="0" u="none" strike="noStrike" cap="none" dirty="0">
                 <a:solidFill>
                   <a:srgbClr val="00FF00"/>
                 </a:solidFill>
@@ -12831,7 +12870,7 @@
               <a:t>x</a:t>
             </a:r>
             <a:r>
-              <a:rPr lang="en-US" sz="3000" b="1" i="0" u="none" strike="noStrike" cap="none">
+              <a:rPr lang="en-US" sz="3000" b="1" i="0" u="none" strike="noStrike" cap="none" dirty="0">
                 <a:solidFill>
                   <a:schemeClr val="lt1"/>
                 </a:solidFill>
@@ -12843,7 +12882,7 @@
               <a:t> = </a:t>
             </a:r>
             <a:r>
-              <a:rPr lang="en-US" sz="3000" b="1" i="0" u="none" strike="noStrike" cap="none">
+              <a:rPr lang="en-US" sz="3000" b="1" i="0" u="none" strike="noStrike" cap="none" dirty="0">
                 <a:solidFill>
                   <a:srgbClr val="FF7F00"/>
                 </a:solidFill>
@@ -12874,7 +12913,7 @@
               <a:buNone/>
             </a:pPr>
             <a:r>
-              <a:rPr lang="en-US" sz="3000" b="1" i="0" u="none" strike="noStrike" cap="none">
+              <a:rPr lang="en-US" sz="3000" b="1" i="0" u="none" strike="noStrike" cap="none" dirty="0">
                 <a:solidFill>
                   <a:schemeClr val="lt1"/>
                 </a:solidFill>
@@ -12886,7 +12925,7 @@
               <a:t>&gt;&gt;&gt; </a:t>
             </a:r>
             <a:r>
-              <a:rPr lang="en-US" sz="3000" b="1" i="0" u="none" strike="noStrike" cap="none">
+              <a:rPr lang="en-US" sz="3000" b="1" i="0" u="none" strike="noStrike" cap="none" dirty="0" err="1">
                 <a:solidFill>
                   <a:srgbClr val="00FF00"/>
                 </a:solidFill>
@@ -12898,7 +12937,7 @@
               <a:t>x</a:t>
             </a:r>
             <a:r>
-              <a:rPr lang="en-US" sz="3000" b="1" i="0" u="none" strike="noStrike" cap="none">
+              <a:rPr lang="en-US" sz="3000" b="1" i="0" u="none" strike="noStrike" cap="none" dirty="0" err="1">
                 <a:solidFill>
                   <a:srgbClr val="FF00FF"/>
                 </a:solidFill>
@@ -12910,7 +12949,7 @@
               <a:t>.sort</a:t>
             </a:r>
             <a:r>
-              <a:rPr lang="en-US" sz="3000" b="1" i="0" u="none" strike="noStrike" cap="none">
+              <a:rPr lang="en-US" sz="3000" b="1" i="0" u="none" strike="noStrike" cap="none" dirty="0">
                 <a:solidFill>
                   <a:schemeClr val="lt1"/>
                 </a:solidFill>
@@ -12941,7 +12980,7 @@
               <a:buNone/>
             </a:pPr>
             <a:r>
-              <a:rPr lang="en-US" sz="3000" b="1" i="0" u="none" strike="noStrike" cap="none">
+              <a:rPr lang="en-US" sz="3000" b="1" i="0" u="none" strike="noStrike" cap="none" dirty="0" err="1">
                 <a:solidFill>
                   <a:srgbClr val="FF66FF"/>
                 </a:solidFill>
@@ -12950,7 +12989,19 @@
                 <a:cs typeface="Courier New"/>
                 <a:sym typeface="Courier New"/>
               </a:rPr>
-              <a:t>Traceback:</a:t>
+              <a:t>Traceback</a:t>
+            </a:r>
+            <a:r>
+              <a:rPr lang="en-US" sz="3000" b="1" i="0" u="none" strike="noStrike" cap="none" dirty="0">
+                <a:solidFill>
+                  <a:srgbClr val="FF66FF"/>
+                </a:solidFill>
+                <a:latin typeface="Courier New"/>
+                <a:ea typeface="Courier New"/>
+                <a:cs typeface="Courier New"/>
+                <a:sym typeface="Courier New"/>
+              </a:rPr>
+              <a:t>:</a:t>
             </a:r>
           </a:p>
           <a:p>
@@ -12972,7 +13023,7 @@
               <a:buNone/>
             </a:pPr>
             <a:r>
-              <a:rPr lang="en-US" sz="3000" b="1" i="0" u="none" strike="noStrike" cap="none">
+              <a:rPr lang="en-US" sz="3000" b="1" i="0" u="none" strike="noStrike" cap="none" dirty="0" err="1">
                 <a:solidFill>
                   <a:srgbClr val="FF66FF"/>
                 </a:solidFill>
@@ -12981,7 +13032,19 @@
                 <a:cs typeface="Courier New"/>
                 <a:sym typeface="Courier New"/>
               </a:rPr>
-              <a:t>AttributeError: 'tuple' object has no attribute 'sort'</a:t>
+              <a:t>AttributeError</a:t>
+            </a:r>
+            <a:r>
+              <a:rPr lang="en-US" sz="3000" b="1" i="0" u="none" strike="noStrike" cap="none" dirty="0">
+                <a:solidFill>
+                  <a:srgbClr val="FF66FF"/>
+                </a:solidFill>
+                <a:latin typeface="Courier New"/>
+                <a:ea typeface="Courier New"/>
+                <a:cs typeface="Courier New"/>
+                <a:sym typeface="Courier New"/>
+              </a:rPr>
+              <a:t>: 'tuple' object has no attribute 'sort'</a:t>
             </a:r>
           </a:p>
           <a:p>
@@ -13003,7 +13066,7 @@
               <a:buNone/>
             </a:pPr>
             <a:r>
-              <a:rPr lang="en-US" sz="3000" b="1" i="0" u="none" strike="noStrike" cap="none">
+              <a:rPr lang="en-US" sz="3000" b="1" i="0" u="none" strike="noStrike" cap="none" dirty="0">
                 <a:solidFill>
                   <a:schemeClr val="lt1"/>
                 </a:solidFill>
@@ -13015,7 +13078,7 @@
               <a:t>&gt;&gt;&gt; </a:t>
             </a:r>
             <a:r>
-              <a:rPr lang="en-US" sz="3000" b="1" i="0" u="none" strike="noStrike" cap="none">
+              <a:rPr lang="en-US" sz="3000" b="1" i="0" u="none" strike="noStrike" cap="none" dirty="0" err="1">
                 <a:solidFill>
                   <a:srgbClr val="00FF00"/>
                 </a:solidFill>
@@ -13027,7 +13090,7 @@
               <a:t>x</a:t>
             </a:r>
             <a:r>
-              <a:rPr lang="en-US" sz="3000" b="1" i="0" u="none" strike="noStrike" cap="none">
+              <a:rPr lang="en-US" sz="3000" b="1" i="0" u="none" strike="noStrike" cap="none" dirty="0" err="1">
                 <a:solidFill>
                   <a:srgbClr val="FF00FF"/>
                 </a:solidFill>
@@ -13039,7 +13102,7 @@
               <a:t>.append</a:t>
             </a:r>
             <a:r>
-              <a:rPr lang="en-US" sz="3000" b="1" i="0" u="none" strike="noStrike" cap="none">
+              <a:rPr lang="en-US" sz="3000" b="1" i="0" u="none" strike="noStrike" cap="none" dirty="0">
                 <a:solidFill>
                   <a:schemeClr val="lt1"/>
                 </a:solidFill>
@@ -13070,7 +13133,7 @@
               <a:buNone/>
             </a:pPr>
             <a:r>
-              <a:rPr lang="en-US" sz="3000" b="1" i="0" u="none" strike="noStrike" cap="none">
+              <a:rPr lang="en-US" sz="3000" b="1" i="0" u="none" strike="noStrike" cap="none" dirty="0" err="1">
                 <a:solidFill>
                   <a:srgbClr val="FF66FF"/>
                 </a:solidFill>
@@ -13079,7 +13142,19 @@
                 <a:cs typeface="Courier New"/>
                 <a:sym typeface="Courier New"/>
               </a:rPr>
-              <a:t>Traceback:</a:t>
+              <a:t>Traceback</a:t>
+            </a:r>
+            <a:r>
+              <a:rPr lang="en-US" sz="3000" b="1" i="0" u="none" strike="noStrike" cap="none" dirty="0">
+                <a:solidFill>
+                  <a:srgbClr val="FF66FF"/>
+                </a:solidFill>
+                <a:latin typeface="Courier New"/>
+                <a:ea typeface="Courier New"/>
+                <a:cs typeface="Courier New"/>
+                <a:sym typeface="Courier New"/>
+              </a:rPr>
+              <a:t>:</a:t>
             </a:r>
           </a:p>
           <a:p>
@@ -13101,7 +13176,7 @@
               <a:buNone/>
             </a:pPr>
             <a:r>
-              <a:rPr lang="en-US" sz="3000" b="1" i="0" u="none" strike="noStrike" cap="none">
+              <a:rPr lang="en-US" sz="3000" b="1" i="0" u="none" strike="noStrike" cap="none" dirty="0" err="1">
                 <a:solidFill>
                   <a:srgbClr val="FF66FF"/>
                 </a:solidFill>
@@ -13110,7 +13185,19 @@
                 <a:cs typeface="Courier New"/>
                 <a:sym typeface="Courier New"/>
               </a:rPr>
-              <a:t>AttributeError: 'tuple' object has no attribute 'append'</a:t>
+              <a:t>AttributeError</a:t>
+            </a:r>
+            <a:r>
+              <a:rPr lang="en-US" sz="3000" b="1" i="0" u="none" strike="noStrike" cap="none" dirty="0">
+                <a:solidFill>
+                  <a:srgbClr val="FF66FF"/>
+                </a:solidFill>
+                <a:latin typeface="Courier New"/>
+                <a:ea typeface="Courier New"/>
+                <a:cs typeface="Courier New"/>
+                <a:sym typeface="Courier New"/>
+              </a:rPr>
+              <a:t>: 'tuple' object has no attribute 'append'</a:t>
             </a:r>
           </a:p>
           <a:p>
@@ -13132,7 +13219,7 @@
               <a:buNone/>
             </a:pPr>
             <a:r>
-              <a:rPr lang="en-US" sz="3000" b="1" i="0" u="none" strike="noStrike" cap="none">
+              <a:rPr lang="en-US" sz="3000" b="1" i="0" u="none" strike="noStrike" cap="none" dirty="0">
                 <a:solidFill>
                   <a:schemeClr val="lt1"/>
                 </a:solidFill>
@@ -13144,7 +13231,7 @@
               <a:t>&gt;&gt;&gt; </a:t>
             </a:r>
             <a:r>
-              <a:rPr lang="en-US" sz="3000" b="1" i="0" u="none" strike="noStrike" cap="none">
+              <a:rPr lang="en-US" sz="3000" b="1" i="0" u="none" strike="noStrike" cap="none" dirty="0" err="1">
                 <a:solidFill>
                   <a:srgbClr val="00FF00"/>
                 </a:solidFill>
@@ -13156,7 +13243,7 @@
               <a:t>x</a:t>
             </a:r>
             <a:r>
-              <a:rPr lang="en-US" sz="3000" b="1" i="0" u="none" strike="noStrike" cap="none">
+              <a:rPr lang="en-US" sz="3000" b="1" i="0" u="none" strike="noStrike" cap="none" dirty="0" err="1">
                 <a:solidFill>
                   <a:srgbClr val="FF00FF"/>
                 </a:solidFill>
@@ -13168,7 +13255,7 @@
               <a:t>.reverse</a:t>
             </a:r>
             <a:r>
-              <a:rPr lang="en-US" sz="3000" b="1" i="0" u="none" strike="noStrike" cap="none">
+              <a:rPr lang="en-US" sz="3000" b="1" i="0" u="none" strike="noStrike" cap="none" dirty="0">
                 <a:solidFill>
                   <a:schemeClr val="lt1"/>
                 </a:solidFill>
@@ -13199,7 +13286,7 @@
               <a:buNone/>
             </a:pPr>
             <a:r>
-              <a:rPr lang="en-US" sz="3000" b="1" i="0" u="none" strike="noStrike" cap="none">
+              <a:rPr lang="en-US" sz="3000" b="1" i="0" u="none" strike="noStrike" cap="none" dirty="0" err="1">
                 <a:solidFill>
                   <a:srgbClr val="FF66FF"/>
                 </a:solidFill>
@@ -13208,7 +13295,19 @@
                 <a:cs typeface="Courier New"/>
                 <a:sym typeface="Courier New"/>
               </a:rPr>
-              <a:t>Traceback:</a:t>
+              <a:t>Traceback</a:t>
+            </a:r>
+            <a:r>
+              <a:rPr lang="en-US" sz="3000" b="1" i="0" u="none" strike="noStrike" cap="none" dirty="0">
+                <a:solidFill>
+                  <a:srgbClr val="FF66FF"/>
+                </a:solidFill>
+                <a:latin typeface="Courier New"/>
+                <a:ea typeface="Courier New"/>
+                <a:cs typeface="Courier New"/>
+                <a:sym typeface="Courier New"/>
+              </a:rPr>
+              <a:t>:</a:t>
             </a:r>
           </a:p>
           <a:p>
@@ -13230,7 +13329,7 @@
               <a:buNone/>
             </a:pPr>
             <a:r>
-              <a:rPr lang="en-US" sz="3000" b="1" i="0" u="none" strike="noStrike" cap="none">
+              <a:rPr lang="en-US" sz="3000" b="1" i="0" u="none" strike="noStrike" cap="none" dirty="0" err="1">
                 <a:solidFill>
                   <a:srgbClr val="FF66FF"/>
                 </a:solidFill>
@@ -13239,7 +13338,19 @@
                 <a:cs typeface="Courier New"/>
                 <a:sym typeface="Courier New"/>
               </a:rPr>
-              <a:t>AttributeError: 'tuple' object has no attribute 'reverse'</a:t>
+              <a:t>AttributeError</a:t>
+            </a:r>
+            <a:r>
+              <a:rPr lang="en-US" sz="3000" b="1" i="0" u="none" strike="noStrike" cap="none" dirty="0">
+                <a:solidFill>
+                  <a:srgbClr val="FF66FF"/>
+                </a:solidFill>
+                <a:latin typeface="Courier New"/>
+                <a:ea typeface="Courier New"/>
+                <a:cs typeface="Courier New"/>
+                <a:sym typeface="Courier New"/>
+              </a:rPr>
+              <a:t>: 'tuple' object has no attribute 'reverse'</a:t>
             </a:r>
           </a:p>
           <a:p>
@@ -13261,7 +13372,7 @@
               <a:buNone/>
             </a:pPr>
             <a:r>
-              <a:rPr lang="en-US" sz="3000" b="1" i="0" u="none" strike="noStrike" cap="none">
+              <a:rPr lang="en-US" sz="3000" b="1" i="0" u="none" strike="noStrike" cap="none" dirty="0">
                 <a:solidFill>
                   <a:schemeClr val="lt1"/>
                 </a:solidFill>
@@ -13400,7 +13511,7 @@
               <a:buNone/>
             </a:pPr>
             <a:r>
-              <a:rPr lang="en-US" sz="3000" b="1" i="0" u="none" strike="noStrike" cap="none">
+              <a:rPr lang="en-US" sz="3000" b="1" i="0" u="none" strike="noStrike" cap="none" dirty="0">
                 <a:solidFill>
                   <a:schemeClr val="lt1"/>
                 </a:solidFill>
@@ -13412,7 +13523,7 @@
               <a:t>&gt;&gt;&gt; </a:t>
             </a:r>
             <a:r>
-              <a:rPr lang="en-US" sz="3000" b="1" i="0" u="none" strike="noStrike" cap="none">
+              <a:rPr lang="en-US" sz="3000" b="1" i="0" u="none" strike="noStrike" cap="none" dirty="0">
                 <a:solidFill>
                   <a:srgbClr val="00FF00"/>
                 </a:solidFill>
@@ -13424,7 +13535,7 @@
               <a:t>l</a:t>
             </a:r>
             <a:r>
-              <a:rPr lang="en-US" sz="3000" b="1" i="0" u="none" strike="noStrike" cap="none">
+              <a:rPr lang="en-US" sz="3000" b="1" i="0" u="none" strike="noStrike" cap="none" dirty="0">
                 <a:solidFill>
                   <a:schemeClr val="lt1"/>
                 </a:solidFill>
@@ -13436,7 +13547,7 @@
               <a:t> = </a:t>
             </a:r>
             <a:r>
-              <a:rPr lang="en-US" sz="3000" b="1" i="0" u="none" strike="noStrike" cap="none">
+              <a:rPr lang="en-US" sz="3000" b="1" i="0" u="none" strike="noStrike" cap="none" dirty="0">
                 <a:solidFill>
                   <a:srgbClr val="FF00FF"/>
                 </a:solidFill>
@@ -13448,7 +13559,7 @@
               <a:t>list</a:t>
             </a:r>
             <a:r>
-              <a:rPr lang="en-US" sz="3000" b="1" i="0" u="none" strike="noStrike" cap="none">
+              <a:rPr lang="en-US" sz="3000" b="1" i="0" u="none" strike="noStrike" cap="none" dirty="0">
                 <a:solidFill>
                   <a:schemeClr val="lt1"/>
                 </a:solidFill>
@@ -13479,7 +13590,7 @@
               <a:buNone/>
             </a:pPr>
             <a:r>
-              <a:rPr lang="en-US" sz="3000" b="1" i="0" u="none" strike="noStrike" cap="none">
+              <a:rPr lang="en-US" sz="3000" b="1" i="0" u="none" strike="noStrike" cap="none" dirty="0">
                 <a:solidFill>
                   <a:schemeClr val="lt1"/>
                 </a:solidFill>
@@ -13491,7 +13602,7 @@
               <a:t>&gt;&gt;&gt; </a:t>
             </a:r>
             <a:r>
-              <a:rPr lang="en-US" sz="3000" b="1" i="0" u="none" strike="noStrike" cap="none">
+              <a:rPr lang="en-US" sz="3000" b="1" i="0" u="none" strike="noStrike" cap="none" dirty="0" err="1">
                 <a:solidFill>
                   <a:srgbClr val="FF00FF"/>
                 </a:solidFill>
@@ -13503,7 +13614,7 @@
               <a:t>dir</a:t>
             </a:r>
             <a:r>
-              <a:rPr lang="en-US" sz="3000" b="1" i="0" u="none" strike="noStrike" cap="none">
+              <a:rPr lang="en-US" sz="3000" b="1" i="0" u="none" strike="noStrike" cap="none" dirty="0">
                 <a:solidFill>
                   <a:schemeClr val="lt1"/>
                 </a:solidFill>
@@ -13515,7 +13626,7 @@
               <a:t>(</a:t>
             </a:r>
             <a:r>
-              <a:rPr lang="en-US" sz="3000" b="1" i="0" u="none" strike="noStrike" cap="none">
+              <a:rPr lang="en-US" sz="3000" b="1" i="0" u="none" strike="noStrike" cap="none" dirty="0">
                 <a:solidFill>
                   <a:srgbClr val="00FF00"/>
                 </a:solidFill>
@@ -13527,7 +13638,7 @@
               <a:t>l</a:t>
             </a:r>
             <a:r>
-              <a:rPr lang="en-US" sz="3000" b="1" i="0" u="none" strike="noStrike" cap="none">
+              <a:rPr lang="en-US" sz="3000" b="1" i="0" u="none" strike="noStrike" cap="none" dirty="0">
                 <a:solidFill>
                   <a:schemeClr val="lt1"/>
                 </a:solidFill>
@@ -13558,7 +13669,7 @@
               <a:buNone/>
             </a:pPr>
             <a:r>
-              <a:rPr lang="en-US" sz="3000" b="1" i="0" u="none" strike="noStrike" cap="none">
+              <a:rPr lang="en-US" sz="3000" b="1" i="0" u="none" strike="noStrike" cap="none" dirty="0">
                 <a:solidFill>
                   <a:schemeClr val="lt1"/>
                 </a:solidFill>
@@ -13587,7 +13698,7 @@
               <a:buFont typeface="Arial"/>
               <a:buNone/>
             </a:pPr>
-            <a:endParaRPr sz="3000" b="1" i="0" u="none" strike="noStrike" cap="none">
+            <a:endParaRPr sz="3000" b="1" i="0" u="none" strike="noStrike" cap="none" dirty="0">
               <a:solidFill>
                 <a:schemeClr val="lt1"/>
               </a:solidFill>
@@ -13616,7 +13727,7 @@
               <a:buNone/>
             </a:pPr>
             <a:r>
-              <a:rPr lang="en-US" sz="3000" b="1" i="0" u="none" strike="noStrike" cap="none">
+              <a:rPr lang="en-US" sz="3000" b="1" i="0" u="none" strike="noStrike" cap="none" dirty="0">
                 <a:solidFill>
                   <a:schemeClr val="lt1"/>
                 </a:solidFill>
@@ -13628,7 +13739,7 @@
               <a:t>&gt;&gt;&gt; </a:t>
             </a:r>
             <a:r>
-              <a:rPr lang="en-US" sz="3000" b="1" i="0" u="none" strike="noStrike" cap="none">
+              <a:rPr lang="en-US" sz="3000" b="1" i="0" u="none" strike="noStrike" cap="none" dirty="0">
                 <a:solidFill>
                   <a:srgbClr val="00FF00"/>
                 </a:solidFill>
@@ -13640,7 +13751,7 @@
               <a:t>t</a:t>
             </a:r>
             <a:r>
-              <a:rPr lang="en-US" sz="3000" b="1" i="0" u="none" strike="noStrike" cap="none">
+              <a:rPr lang="en-US" sz="3000" b="1" i="0" u="none" strike="noStrike" cap="none" dirty="0">
                 <a:solidFill>
                   <a:schemeClr val="lt1"/>
                 </a:solidFill>
@@ -13652,7 +13763,7 @@
               <a:t> = </a:t>
             </a:r>
             <a:r>
-              <a:rPr lang="en-US" sz="3000" b="1" i="0" u="none" strike="noStrike" cap="none">
+              <a:rPr lang="en-US" sz="3000" b="1" i="0" u="none" strike="noStrike" cap="none" dirty="0">
                 <a:solidFill>
                   <a:srgbClr val="FF00FF"/>
                 </a:solidFill>
@@ -13664,7 +13775,7 @@
               <a:t>tuple</a:t>
             </a:r>
             <a:r>
-              <a:rPr lang="en-US" sz="3000" b="1" i="0" u="none" strike="noStrike" cap="none">
+              <a:rPr lang="en-US" sz="3000" b="1" i="0" u="none" strike="noStrike" cap="none" dirty="0">
                 <a:solidFill>
                   <a:schemeClr val="lt1"/>
                 </a:solidFill>
@@ -13695,7 +13806,7 @@
               <a:buNone/>
             </a:pPr>
             <a:r>
-              <a:rPr lang="en-US" sz="3000" b="1" i="0" u="none" strike="noStrike" cap="none">
+              <a:rPr lang="en-US" sz="3000" b="1" i="0" u="none" strike="noStrike" cap="none" dirty="0">
                 <a:solidFill>
                   <a:schemeClr val="lt1"/>
                 </a:solidFill>
@@ -13707,7 +13818,7 @@
               <a:t>&gt;&gt;&gt; </a:t>
             </a:r>
             <a:r>
-              <a:rPr lang="en-US" sz="3000" b="1" i="0" u="none" strike="noStrike" cap="none">
+              <a:rPr lang="en-US" sz="3000" b="1" i="0" u="none" strike="noStrike" cap="none" dirty="0" err="1">
                 <a:solidFill>
                   <a:srgbClr val="FF00FF"/>
                 </a:solidFill>
@@ -13719,7 +13830,7 @@
               <a:t>dir</a:t>
             </a:r>
             <a:r>
-              <a:rPr lang="en-US" sz="3000" b="1" i="0" u="none" strike="noStrike" cap="none">
+              <a:rPr lang="en-US" sz="3000" b="1" i="0" u="none" strike="noStrike" cap="none" dirty="0">
                 <a:solidFill>
                   <a:schemeClr val="lt1"/>
                 </a:solidFill>
@@ -13731,7 +13842,7 @@
               <a:t>(</a:t>
             </a:r>
             <a:r>
-              <a:rPr lang="en-US" sz="3000" b="1" i="0" u="none" strike="noStrike" cap="none">
+              <a:rPr lang="en-US" sz="3000" b="1" i="0" u="none" strike="noStrike" cap="none" dirty="0">
                 <a:solidFill>
                   <a:srgbClr val="00FF00"/>
                 </a:solidFill>
@@ -13743,7 +13854,7 @@
               <a:t>t</a:t>
             </a:r>
             <a:r>
-              <a:rPr lang="en-US" sz="3000" b="1" i="0" u="none" strike="noStrike" cap="none">
+              <a:rPr lang="en-US" sz="3000" b="1" i="0" u="none" strike="noStrike" cap="none" dirty="0">
                 <a:solidFill>
                   <a:schemeClr val="lt1"/>
                 </a:solidFill>
@@ -13774,7 +13885,7 @@
               <a:buNone/>
             </a:pPr>
             <a:r>
-              <a:rPr lang="en-US" sz="3000" b="1" i="0" u="none" strike="noStrike" cap="none">
+              <a:rPr lang="en-US" sz="3000" b="1" i="0" u="none" strike="noStrike" cap="none" dirty="0">
                 <a:solidFill>
                   <a:schemeClr val="lt1"/>
                 </a:solidFill>
@@ -14659,8 +14770,8 @@
         </p:nvSpPr>
         <p:spPr>
           <a:xfrm>
-            <a:off x="1155700" y="2603500"/>
-            <a:ext cx="5630863" cy="5702398"/>
+            <a:off x="1155701" y="2603500"/>
+            <a:ext cx="4824476" cy="5702398"/>
           </a:xfrm>
           <a:prstGeom prst="rect">
             <a:avLst/>
@@ -14694,7 +14805,7 @@
               <a:buChar char="•"/>
             </a:pPr>
             <a:r>
-              <a:rPr lang="en-US" sz="3600" u="none" strike="noStrike" cap="none">
+              <a:rPr lang="en-US" sz="3600" u="none" strike="noStrike" cap="none" dirty="0">
                 <a:solidFill>
                   <a:schemeClr val="lt1"/>
                 </a:solidFill>
@@ -14706,7 +14817,7 @@
               <a:t>The </a:t>
             </a:r>
             <a:r>
-              <a:rPr lang="en-US" sz="3600" u="none" strike="noStrike" cap="none">
+              <a:rPr lang="en-US" sz="3600" u="none" strike="noStrike" cap="none" dirty="0">
                 <a:solidFill>
                   <a:srgbClr val="FF00FF"/>
                 </a:solidFill>
@@ -14718,7 +14829,7 @@
               <a:t>items</a:t>
             </a:r>
             <a:r>
-              <a:rPr lang="en-US" sz="3600" u="none" strike="noStrike" cap="none">
+              <a:rPr lang="en-US" sz="3600" u="none" strike="noStrike" cap="none" dirty="0">
                 <a:solidFill>
                   <a:schemeClr val="lt1"/>
                 </a:solidFill>
@@ -14730,7 +14841,7 @@
               <a:t>() method in dictionaries returns a list of (key, value) </a:t>
             </a:r>
             <a:r>
-              <a:rPr lang="en-US" sz="3600" u="none" strike="noStrike" cap="none">
+              <a:rPr lang="en-US" sz="3600" u="none" strike="noStrike" cap="none" dirty="0">
                 <a:solidFill>
                   <a:srgbClr val="FF7F00"/>
                 </a:solidFill>
@@ -14752,8 +14863,8 @@
         </p:nvSpPr>
         <p:spPr>
           <a:xfrm>
-            <a:off x="7601050" y="2182500"/>
-            <a:ext cx="7070400" cy="6248399"/>
+            <a:off x="6786563" y="2182500"/>
+            <a:ext cx="9469437" cy="6248399"/>
           </a:xfrm>
           <a:prstGeom prst="rect">
             <a:avLst/>
@@ -15525,16 +15636,64 @@
               <a:buNone/>
             </a:pPr>
             <a:r>
+              <a:rPr lang="en-US" sz="3200" b="1" i="0" u="none" strike="noStrike" cap="none" dirty="0" err="1" smtClean="0">
+                <a:solidFill>
+                  <a:schemeClr val="lt1"/>
+                </a:solidFill>
+                <a:latin typeface="Courier New"/>
+                <a:ea typeface="Courier New"/>
+                <a:cs typeface="Courier New"/>
+                <a:sym typeface="Courier New"/>
+              </a:rPr>
+              <a:t>dict_items</a:t>
+            </a:r>
+            <a:r>
+              <a:rPr lang="en-US" sz="3200" b="1" i="0" u="none" strike="noStrike" cap="none" dirty="0" smtClean="0">
+                <a:solidFill>
+                  <a:schemeClr val="lt1"/>
+                </a:solidFill>
+                <a:latin typeface="Courier New"/>
+                <a:ea typeface="Courier New"/>
+                <a:cs typeface="Courier New"/>
+                <a:sym typeface="Courier New"/>
+              </a:rPr>
+              <a:t>([</a:t>
+            </a:r>
+            <a:r>
+              <a:rPr lang="en-US" sz="3200" b="1" i="0" u="none" strike="noStrike" cap="none" dirty="0" smtClean="0">
+                <a:solidFill>
+                  <a:srgbClr val="FF7F00"/>
+                </a:solidFill>
+                <a:latin typeface="Courier New"/>
+                <a:ea typeface="Courier New"/>
+                <a:cs typeface="Courier New"/>
+                <a:sym typeface="Courier New"/>
+              </a:rPr>
+              <a:t>(</a:t>
+            </a:r>
+            <a:r>
               <a:rPr lang="en-US" sz="3200" b="1" i="0" u="none" strike="noStrike" cap="none" dirty="0">
                 <a:solidFill>
-                  <a:schemeClr val="lt1"/>
-                </a:solidFill>
-                <a:latin typeface="Courier New"/>
-                <a:ea typeface="Courier New"/>
-                <a:cs typeface="Courier New"/>
-                <a:sym typeface="Courier New"/>
-              </a:rPr>
-              <a:t>[</a:t>
+                  <a:srgbClr val="FF7F00"/>
+                </a:solidFill>
+                <a:latin typeface="Courier New"/>
+                <a:ea typeface="Courier New"/>
+                <a:cs typeface="Courier New"/>
+                <a:sym typeface="Courier New"/>
+              </a:rPr>
+              <a:t>'</a:t>
+            </a:r>
+            <a:r>
+              <a:rPr lang="en-US" sz="3200" b="1" i="0" u="none" strike="noStrike" cap="none" dirty="0" err="1">
+                <a:solidFill>
+                  <a:srgbClr val="FF7F00"/>
+                </a:solidFill>
+                <a:latin typeface="Courier New"/>
+                <a:ea typeface="Courier New"/>
+                <a:cs typeface="Courier New"/>
+                <a:sym typeface="Courier New"/>
+              </a:rPr>
+              <a:t>csev</a:t>
             </a:r>
             <a:r>
               <a:rPr lang="en-US" sz="3200" b="1" i="0" u="none" strike="noStrike" cap="none" dirty="0">
@@ -15546,6 +15705,30 @@
                 <a:cs typeface="Courier New"/>
                 <a:sym typeface="Courier New"/>
               </a:rPr>
+              <a:t>', 2)</a:t>
+            </a:r>
+            <a:r>
+              <a:rPr lang="en-US" sz="3200" b="1" i="0" u="none" strike="noStrike" cap="none" dirty="0">
+                <a:solidFill>
+                  <a:schemeClr val="lt1"/>
+                </a:solidFill>
+                <a:latin typeface="Courier New"/>
+                <a:ea typeface="Courier New"/>
+                <a:cs typeface="Courier New"/>
+                <a:sym typeface="Courier New"/>
+              </a:rPr>
+              <a:t>, </a:t>
+            </a:r>
+            <a:r>
+              <a:rPr lang="en-US" sz="3200" b="1" i="0" u="none" strike="noStrike" cap="none" dirty="0">
+                <a:solidFill>
+                  <a:srgbClr val="FF7F00"/>
+                </a:solidFill>
+                <a:latin typeface="Courier New"/>
+                <a:ea typeface="Courier New"/>
+                <a:cs typeface="Courier New"/>
+                <a:sym typeface="Courier New"/>
+              </a:rPr>
               <a:t>('</a:t>
             </a:r>
             <a:r>
@@ -15558,7 +15741,7 @@
                 <a:cs typeface="Courier New"/>
                 <a:sym typeface="Courier New"/>
               </a:rPr>
-              <a:t>csev</a:t>
+              <a:t>cwen</a:t>
             </a:r>
             <a:r>
               <a:rPr lang="en-US" sz="3200" b="1" i="0" u="none" strike="noStrike" cap="none" dirty="0">
@@ -15570,22 +15753,10 @@
                 <a:cs typeface="Courier New"/>
                 <a:sym typeface="Courier New"/>
               </a:rPr>
-              <a:t>', 2)</a:t>
-            </a:r>
-            <a:r>
-              <a:rPr lang="en-US" sz="3200" b="1" i="0" u="none" strike="noStrike" cap="none" dirty="0">
-                <a:solidFill>
-                  <a:schemeClr val="lt1"/>
-                </a:solidFill>
-                <a:latin typeface="Courier New"/>
-                <a:ea typeface="Courier New"/>
-                <a:cs typeface="Courier New"/>
-                <a:sym typeface="Courier New"/>
-              </a:rPr>
-              <a:t>, </a:t>
-            </a:r>
-            <a:r>
-              <a:rPr lang="en-US" sz="3200" b="1" i="0" u="none" strike="noStrike" cap="none" dirty="0">
+              <a:t>', 4</a:t>
+            </a:r>
+            <a:r>
+              <a:rPr lang="en-US" sz="3200" b="1" i="0" u="none" strike="noStrike" cap="none" dirty="0" smtClean="0">
                 <a:solidFill>
                   <a:srgbClr val="FF7F00"/>
                 </a:solidFill>
@@ -15594,44 +15765,29 @@
                 <a:cs typeface="Courier New"/>
                 <a:sym typeface="Courier New"/>
               </a:rPr>
-              <a:t>('</a:t>
-            </a:r>
-            <a:r>
-              <a:rPr lang="en-US" sz="3200" b="1" i="0" u="none" strike="noStrike" cap="none" dirty="0" err="1">
-                <a:solidFill>
-                  <a:srgbClr val="FF7F00"/>
-                </a:solidFill>
-                <a:latin typeface="Courier New"/>
-                <a:ea typeface="Courier New"/>
-                <a:cs typeface="Courier New"/>
-                <a:sym typeface="Courier New"/>
-              </a:rPr>
-              <a:t>cwen</a:t>
-            </a:r>
-            <a:r>
-              <a:rPr lang="en-US" sz="3200" b="1" i="0" u="none" strike="noStrike" cap="none" dirty="0">
-                <a:solidFill>
-                  <a:srgbClr val="FF7F00"/>
-                </a:solidFill>
-                <a:latin typeface="Courier New"/>
-                <a:ea typeface="Courier New"/>
-                <a:cs typeface="Courier New"/>
-                <a:sym typeface="Courier New"/>
-              </a:rPr>
-              <a:t>', 4)</a:t>
-            </a:r>
-            <a:r>
-              <a:rPr lang="en-US" sz="3200" b="1" i="0" u="none" strike="noStrike" cap="none" dirty="0">
-                <a:solidFill>
-                  <a:schemeClr val="lt1"/>
-                </a:solidFill>
-                <a:latin typeface="Courier New"/>
-                <a:ea typeface="Courier New"/>
-                <a:cs typeface="Courier New"/>
-                <a:sym typeface="Courier New"/>
-              </a:rPr>
-              <a:t>]</a:t>
-            </a:r>
+              <a:t>)</a:t>
+            </a:r>
+            <a:r>
+              <a:rPr lang="en-US" sz="3200" b="1" i="0" u="none" strike="noStrike" cap="none" dirty="0" smtClean="0">
+                <a:solidFill>
+                  <a:schemeClr val="lt1"/>
+                </a:solidFill>
+                <a:latin typeface="Courier New"/>
+                <a:ea typeface="Courier New"/>
+                <a:cs typeface="Courier New"/>
+                <a:sym typeface="Courier New"/>
+              </a:rPr>
+              <a:t>])</a:t>
+            </a:r>
+            <a:endParaRPr lang="en-US" sz="3200" b="1" i="0" u="none" strike="noStrike" cap="none" dirty="0">
+              <a:solidFill>
+                <a:schemeClr val="lt1"/>
+              </a:solidFill>
+              <a:latin typeface="Courier New"/>
+              <a:ea typeface="Courier New"/>
+              <a:cs typeface="Courier New"/>
+              <a:sym typeface="Courier New"/>
+            </a:endParaRPr>
           </a:p>
         </p:txBody>
       </p:sp>

--- a/lectures3/Pythonlearn-10-Tuples.pptx
+++ b/lectures3/Pythonlearn-10-Tuples.pptx
@@ -231,7 +231,18 @@
   </p:defaultTextStyle>
   <p:extLst>
     <p:ext uri="{EFAFB233-063F-42B5-8137-9DF3F51BA10A}">
-      <p15:sldGuideLst xmlns:p15="http://schemas.microsoft.com/office/powerpoint/2012/main"/>
+      <p15:sldGuideLst xmlns:p15="http://schemas.microsoft.com/office/powerpoint/2012/main">
+        <p15:guide id="1" orient="horz" pos="2880">
+          <p15:clr>
+            <a:srgbClr val="A4A3A4"/>
+          </p15:clr>
+        </p15:guide>
+        <p15:guide id="2" pos="5120">
+          <p15:clr>
+            <a:srgbClr val="A4A3A4"/>
+          </p15:clr>
+        </p15:guide>
+      </p15:sldGuideLst>
     </p:ext>
   </p:extLst>
 </p:presentation>
@@ -566,13 +577,42 @@
               <a:buNone/>
             </a:pPr>
             <a:r>
-              <a:rPr lang="en-US" sz="1100" b="0" i="0" u="none" strike="noStrike" cap="none">
+              <a:rPr lang="en-US" sz="1100" b="0" i="0" u="none" strike="noStrike" cap="none" dirty="0">
                 <a:solidFill>
                   <a:schemeClr val="dk2"/>
                 </a:solidFill>
               </a:rPr>
-              <a:t>Note from Chuck.  If you are using these materials, you can remove the UM logo and replace it with your own, but please retain the CC-BY logo on the first page as well as retain the entire last page.</a:t>
-            </a:r>
+              <a:t>Note from Chuck.  If you are using these materials, you can remove the UM logo and replace it with your own, but please retain the CC-BY logo on the first page as well as retain the </a:t>
+            </a:r>
+            <a:r>
+              <a:rPr lang="en-US" sz="1100" b="0" i="0" u="none" strike="noStrike" cap="none" dirty="0" smtClean="0">
+                <a:solidFill>
+                  <a:schemeClr val="dk2"/>
+                </a:solidFill>
+              </a:rPr>
+              <a:t>acknowledgement</a:t>
+            </a:r>
+            <a:r>
+              <a:rPr lang="en-US" sz="1100" b="0" i="0" u="none" strike="noStrike" cap="none" baseline="0" dirty="0" smtClean="0">
+                <a:solidFill>
+                  <a:schemeClr val="dk2"/>
+                </a:solidFill>
+              </a:rPr>
+              <a:t> </a:t>
+            </a:r>
+            <a:r>
+              <a:rPr lang="en-US" sz="1100" b="0" i="0" u="none" strike="noStrike" cap="none" dirty="0" smtClean="0">
+                <a:solidFill>
+                  <a:schemeClr val="dk2"/>
+                </a:solidFill>
+              </a:rPr>
+              <a:t>page(s) at the end.</a:t>
+            </a:r>
+            <a:endParaRPr lang="en-US" sz="1100" b="0" i="0" u="none" strike="noStrike" cap="none" dirty="0">
+              <a:solidFill>
+                <a:schemeClr val="dk2"/>
+              </a:solidFill>
+            </a:endParaRPr>
           </a:p>
         </p:txBody>
       </p:sp>
@@ -5835,17 +5875,19 @@
         </p:nvSpPr>
         <p:spPr>
           <a:xfrm>
-            <a:off x="1155700" y="2603500"/>
-            <a:ext cx="4987925" cy="5702398"/>
+            <a:off x="1155700" y="3030416"/>
+            <a:ext cx="4987925" cy="4365898"/>
           </a:xfrm>
         </p:spPr>
         <p:txBody>
           <a:bodyPr/>
           <a:lstStyle/>
           <a:p>
-            <a:pPr lvl="0"/>
-            <a:r>
-              <a:rPr lang="en-US" dirty="0">
+            <a:pPr marL="647700" lvl="0" indent="0">
+              <a:buNone/>
+            </a:pPr>
+            <a:r>
+              <a:rPr lang="en-US" smtClean="0">
                 <a:solidFill>
                   <a:schemeClr val="lt1"/>
                 </a:solidFill>
@@ -5854,7 +5896,19 @@
                 <a:cs typeface="Arial" charset="0"/>
                 <a:sym typeface="Cabin"/>
               </a:rPr>
-              <a:t> We can do this even more directly using the built-in function </a:t>
+              <a:t>We </a:t>
+            </a:r>
+            <a:r>
+              <a:rPr lang="en-US" dirty="0">
+                <a:solidFill>
+                  <a:schemeClr val="lt1"/>
+                </a:solidFill>
+                <a:latin typeface="Arial" charset="0"/>
+                <a:ea typeface="Arial" charset="0"/>
+                <a:cs typeface="Arial" charset="0"/>
+                <a:sym typeface="Cabin"/>
+              </a:rPr>
+              <a:t>can do this even more directly using the built-in function </a:t>
             </a:r>
             <a:r>
               <a:rPr lang="en-US" dirty="0">
@@ -6728,7 +6782,7 @@
         <p:spPr>
           <a:xfrm>
             <a:off x="1155700" y="2603500"/>
-            <a:ext cx="5788025" cy="5702398"/>
+            <a:ext cx="5788025" cy="5016044"/>
           </a:xfrm>
           <a:prstGeom prst="rect">
             <a:avLst/>
@@ -7677,7 +7731,7 @@
         <p:spPr>
           <a:xfrm>
             <a:off x="1016950" y="871538"/>
-            <a:ext cx="13487400" cy="7153273"/>
+            <a:ext cx="13487400" cy="7421299"/>
           </a:xfrm>
           <a:prstGeom prst="rect">
             <a:avLst/>
@@ -9128,8 +9182,8 @@
         </p:nvSpPr>
         <p:spPr>
           <a:xfrm>
-            <a:off x="11953875" y="6805612"/>
-            <a:ext cx="3937000" cy="1219199"/>
+            <a:off x="9465992" y="601022"/>
+            <a:ext cx="4962830" cy="1583281"/>
           </a:xfrm>
           <a:prstGeom prst="rect">
             <a:avLst/>
@@ -9163,7 +9217,7 @@
               <a:buNone/>
             </a:pPr>
             <a:r>
-              <a:rPr lang="en-US" sz="3800" u="none" strike="noStrike" cap="none">
+              <a:rPr lang="en-US" sz="4400" u="none" strike="noStrike" cap="none">
                 <a:solidFill>
                   <a:srgbClr val="FFFF00"/>
                 </a:solidFill>
@@ -9373,7 +9427,7 @@
               <a:buNone/>
             </a:pPr>
             <a:r>
-              <a:rPr lang="en-US" sz="3600" b="1" i="0" u="none" strike="noStrike" cap="none">
+              <a:rPr lang="en-US" sz="3600" b="1" i="0" u="none" strike="noStrike" cap="none" dirty="0">
                 <a:solidFill>
                   <a:schemeClr val="lt1"/>
                 </a:solidFill>
@@ -9385,7 +9439,7 @@
               <a:t>&gt;&gt;&gt; </a:t>
             </a:r>
             <a:r>
-              <a:rPr lang="en-US" sz="3600" b="1" i="0" u="none" strike="noStrike" cap="none">
+              <a:rPr lang="en-US" sz="3600" b="1" i="0" u="none" strike="noStrike" cap="none" dirty="0">
                 <a:solidFill>
                   <a:srgbClr val="00FF00"/>
                 </a:solidFill>
@@ -9397,7 +9451,7 @@
               <a:t>c</a:t>
             </a:r>
             <a:r>
-              <a:rPr lang="en-US" sz="3600" b="1" i="0" u="none" strike="noStrike" cap="none">
+              <a:rPr lang="en-US" sz="3600" b="1" i="0" u="none" strike="noStrike" cap="none" dirty="0">
                 <a:solidFill>
                   <a:schemeClr val="lt1"/>
                 </a:solidFill>
@@ -9426,7 +9480,7 @@
               <a:buFont typeface="Arial"/>
               <a:buNone/>
             </a:pPr>
-            <a:endParaRPr sz="3600" b="1" i="0" u="none" strike="noStrike" cap="none">
+            <a:endParaRPr sz="3600" b="1" i="0" u="none" strike="noStrike" cap="none" dirty="0">
               <a:solidFill>
                 <a:schemeClr val="lt1"/>
               </a:solidFill>
@@ -9455,7 +9509,7 @@
               <a:buNone/>
             </a:pPr>
             <a:r>
-              <a:rPr lang="en-US" sz="3600" b="1" i="0" u="none" strike="noStrike" cap="none">
+              <a:rPr lang="en-US" sz="3600" b="1" i="0" u="none" strike="noStrike" cap="none" dirty="0">
                 <a:solidFill>
                   <a:schemeClr val="lt1"/>
                 </a:solidFill>
@@ -9467,7 +9521,7 @@
               <a:t>&gt;&gt;&gt; </a:t>
             </a:r>
             <a:r>
-              <a:rPr lang="en-US" sz="3600" b="1" i="0" u="none" strike="noStrike" cap="none">
+              <a:rPr lang="en-US" sz="3600" b="1" i="0" u="none" strike="noStrike" cap="none" dirty="0">
                 <a:solidFill>
                   <a:srgbClr val="FFFF00"/>
                 </a:solidFill>
@@ -9479,7 +9533,7 @@
               <a:t>print</a:t>
             </a:r>
             <a:r>
-              <a:rPr lang="en-US" sz="3600" b="1" i="0" u="none" strike="noStrike" cap="none">
+              <a:rPr lang="en-US" sz="3600" b="1" i="0" u="none" strike="noStrike" cap="none" dirty="0">
                 <a:solidFill>
                   <a:srgbClr val="00FF00"/>
                 </a:solidFill>
@@ -9491,7 +9545,7 @@
               <a:t> </a:t>
             </a:r>
             <a:r>
-              <a:rPr lang="en-US" sz="3600" b="1" i="0" u="none" strike="noStrike" cap="none">
+              <a:rPr lang="en-US" sz="3600" b="1" i="0" u="none" strike="noStrike" cap="none" dirty="0">
                 <a:solidFill>
                   <a:srgbClr val="FF00FF"/>
                 </a:solidFill>
@@ -9503,7 +9557,7 @@
               <a:t>sorted</a:t>
             </a:r>
             <a:r>
-              <a:rPr lang="en-US" sz="3600" b="1" i="0" u="none" strike="noStrike" cap="none">
+              <a:rPr lang="en-US" sz="3600" b="1" i="0" u="none" strike="noStrike" cap="none" dirty="0">
                 <a:solidFill>
                   <a:schemeClr val="lt1"/>
                 </a:solidFill>
@@ -9515,7 +9569,7 @@
               <a:t>(</a:t>
             </a:r>
             <a:r>
-              <a:rPr lang="en-US" sz="3600" b="1" i="0" u="none" strike="noStrike" cap="none">
+              <a:rPr lang="en-US" sz="3600" b="1" i="0" u="none" strike="noStrike" cap="none" dirty="0">
                 <a:solidFill>
                   <a:srgbClr val="00FF00"/>
                 </a:solidFill>
@@ -9527,7 +9581,7 @@
               <a:t> </a:t>
             </a:r>
             <a:r>
-              <a:rPr lang="en-US" sz="3600" b="1" i="0" u="none" strike="noStrike" cap="none">
+              <a:rPr lang="en-US" sz="3600" b="1" i="0" u="none" strike="noStrike" cap="none" dirty="0">
                 <a:solidFill>
                   <a:srgbClr val="00FFFF"/>
                 </a:solidFill>
@@ -9539,7 +9593,7 @@
               <a:t>[</a:t>
             </a:r>
             <a:r>
-              <a:rPr lang="en-US" sz="3600" b="1" i="0" u="none" strike="noStrike" cap="none">
+              <a:rPr lang="en-US" sz="3600" b="1" i="0" u="none" strike="noStrike" cap="none" dirty="0">
                 <a:solidFill>
                   <a:schemeClr val="lt1"/>
                 </a:solidFill>
@@ -9551,7 +9605,7 @@
               <a:t> </a:t>
             </a:r>
             <a:r>
-              <a:rPr lang="en-US" sz="3600" b="1" i="0" u="none" strike="noStrike" cap="none">
+              <a:rPr lang="en-US" sz="3600" b="1" i="0" u="none" strike="noStrike" cap="none" dirty="0">
                 <a:solidFill>
                   <a:srgbClr val="FF7F00"/>
                 </a:solidFill>
@@ -9560,10 +9614,34 @@
                 <a:cs typeface="Courier New"/>
                 <a:sym typeface="Courier New"/>
               </a:rPr>
-              <a:t>(v,k)</a:t>
-            </a:r>
-            <a:r>
-              <a:rPr lang="en-US" sz="3600" b="1" i="0" u="none" strike="noStrike" cap="none">
+              <a:t>(</a:t>
+            </a:r>
+            <a:r>
+              <a:rPr lang="en-US" sz="3600" b="1" i="0" u="none" strike="noStrike" cap="none" dirty="0" err="1">
+                <a:solidFill>
+                  <a:srgbClr val="FF7F00"/>
+                </a:solidFill>
+                <a:latin typeface="Courier New"/>
+                <a:ea typeface="Courier New"/>
+                <a:cs typeface="Courier New"/>
+                <a:sym typeface="Courier New"/>
+              </a:rPr>
+              <a:t>v,k</a:t>
+            </a:r>
+            <a:r>
+              <a:rPr lang="en-US" sz="3600" b="1" i="0" u="none" strike="noStrike" cap="none" dirty="0">
+                <a:solidFill>
+                  <a:srgbClr val="FF7F00"/>
+                </a:solidFill>
+                <a:latin typeface="Courier New"/>
+                <a:ea typeface="Courier New"/>
+                <a:cs typeface="Courier New"/>
+                <a:sym typeface="Courier New"/>
+              </a:rPr>
+              <a:t>)</a:t>
+            </a:r>
+            <a:r>
+              <a:rPr lang="en-US" sz="3600" b="1" i="0" u="none" strike="noStrike" cap="none" dirty="0">
                 <a:solidFill>
                   <a:schemeClr val="lt1"/>
                 </a:solidFill>
@@ -9575,7 +9653,7 @@
               <a:t> </a:t>
             </a:r>
             <a:r>
-              <a:rPr lang="en-US" sz="3600" b="1" i="0" u="none" strike="noStrike" cap="none">
+              <a:rPr lang="en-US" sz="3600" b="1" i="0" u="none" strike="noStrike" cap="none" dirty="0">
                 <a:solidFill>
                   <a:srgbClr val="FFFF00"/>
                 </a:solidFill>
@@ -9587,7 +9665,7 @@
               <a:t>for</a:t>
             </a:r>
             <a:r>
-              <a:rPr lang="en-US" sz="3600" b="1" i="0" u="none" strike="noStrike" cap="none">
+              <a:rPr lang="en-US" sz="3600" b="1" i="0" u="none" strike="noStrike" cap="none" dirty="0">
                 <a:solidFill>
                   <a:schemeClr val="lt1"/>
                 </a:solidFill>
@@ -9599,7 +9677,7 @@
               <a:t> </a:t>
             </a:r>
             <a:r>
-              <a:rPr lang="en-US" sz="3600" b="1" i="0" u="none" strike="noStrike" cap="none">
+              <a:rPr lang="en-US" sz="3600" b="1" i="0" u="none" strike="noStrike" cap="none" dirty="0" err="1">
                 <a:solidFill>
                   <a:srgbClr val="FF7F00"/>
                 </a:solidFill>
@@ -9611,7 +9689,7 @@
               <a:t>k,v</a:t>
             </a:r>
             <a:r>
-              <a:rPr lang="en-US" sz="3600" b="1" i="0" u="none" strike="noStrike" cap="none">
+              <a:rPr lang="en-US" sz="3600" b="1" i="0" u="none" strike="noStrike" cap="none" dirty="0">
                 <a:solidFill>
                   <a:schemeClr val="lt1"/>
                 </a:solidFill>
@@ -9623,7 +9701,7 @@
               <a:t> </a:t>
             </a:r>
             <a:r>
-              <a:rPr lang="en-US" sz="3600" b="1" i="0" u="none" strike="noStrike" cap="none">
+              <a:rPr lang="en-US" sz="3600" b="1" i="0" u="none" strike="noStrike" cap="none" dirty="0">
                 <a:solidFill>
                   <a:srgbClr val="FFFF00"/>
                 </a:solidFill>
@@ -9635,7 +9713,7 @@
               <a:t>in</a:t>
             </a:r>
             <a:r>
-              <a:rPr lang="en-US" sz="3600" b="1" i="0" u="none" strike="noStrike" cap="none">
+              <a:rPr lang="en-US" sz="3600" b="1" i="0" u="none" strike="noStrike" cap="none" dirty="0">
                 <a:solidFill>
                   <a:schemeClr val="lt1"/>
                 </a:solidFill>
@@ -9647,7 +9725,7 @@
               <a:t> </a:t>
             </a:r>
             <a:r>
-              <a:rPr lang="en-US" sz="3600" b="1" i="0" u="none" strike="noStrike" cap="none">
+              <a:rPr lang="en-US" sz="3600" b="1" i="0" u="none" strike="noStrike" cap="none" dirty="0" err="1">
                 <a:solidFill>
                   <a:srgbClr val="00FF00"/>
                 </a:solidFill>
@@ -9659,7 +9737,7 @@
               <a:t>c</a:t>
             </a:r>
             <a:r>
-              <a:rPr lang="en-US" sz="3600" b="1" i="0" u="none" strike="noStrike" cap="none">
+              <a:rPr lang="en-US" sz="3600" b="1" i="0" u="none" strike="noStrike" cap="none" dirty="0" err="1">
                 <a:solidFill>
                   <a:srgbClr val="FF00FF"/>
                 </a:solidFill>
@@ -9671,7 +9749,7 @@
               <a:t>.items</a:t>
             </a:r>
             <a:r>
-              <a:rPr lang="en-US" sz="3600" b="1" i="0" u="none" strike="noStrike" cap="none">
+              <a:rPr lang="en-US" sz="3600" b="1" i="0" u="none" strike="noStrike" cap="none" dirty="0">
                 <a:solidFill>
                   <a:schemeClr val="lt1"/>
                 </a:solidFill>
@@ -9683,7 +9761,7 @@
               <a:t>() </a:t>
             </a:r>
             <a:r>
-              <a:rPr lang="en-US" sz="3600" b="1" i="0" u="none" strike="noStrike" cap="none">
+              <a:rPr lang="en-US" sz="3600" b="1" i="0" u="none" strike="noStrike" cap="none" dirty="0">
                 <a:solidFill>
                   <a:srgbClr val="00FFFF"/>
                 </a:solidFill>
@@ -9695,7 +9773,7 @@
               <a:t>]</a:t>
             </a:r>
             <a:r>
-              <a:rPr lang="en-US" sz="3600" b="1" i="0" u="none" strike="noStrike" cap="none">
+              <a:rPr lang="en-US" sz="3600" b="1" i="0" u="none" strike="noStrike" cap="none" dirty="0">
                 <a:solidFill>
                   <a:schemeClr val="lt1"/>
                 </a:solidFill>
@@ -9724,7 +9802,7 @@
               <a:buFont typeface="Arial"/>
               <a:buNone/>
             </a:pPr>
-            <a:endParaRPr sz="3600" b="1" i="0" u="none" strike="noStrike" cap="none">
+            <a:endParaRPr sz="3600" b="1" i="0" u="none" strike="noStrike" cap="none" dirty="0">
               <a:solidFill>
                 <a:schemeClr val="lt1"/>
               </a:solidFill>
@@ -9753,7 +9831,7 @@
               <a:buNone/>
             </a:pPr>
             <a:r>
-              <a:rPr lang="en-US" sz="3600" b="1" i="0" u="none" strike="noStrike" cap="none">
+              <a:rPr lang="en-US" sz="3600" b="1" i="0" u="none" strike="noStrike" cap="none" dirty="0">
                 <a:solidFill>
                   <a:schemeClr val="lt1"/>
                 </a:solidFill>
@@ -9884,6 +9962,10 @@
           </p:nvPr>
         </p:nvSpPr>
         <p:spPr>
+          <a:xfrm>
+            <a:off x="1155700" y="789708"/>
+            <a:ext cx="13187359" cy="1750191"/>
+          </a:xfrm>
           <a:prstGeom prst="rect">
             <a:avLst/>
           </a:prstGeom>
@@ -9941,6 +10023,10 @@
           </p:nvPr>
         </p:nvSpPr>
         <p:spPr>
+          <a:xfrm>
+            <a:off x="1760866" y="2603500"/>
+            <a:ext cx="13326833" cy="4984005"/>
+          </a:xfrm>
           <a:prstGeom prst="rect">
             <a:avLst/>
           </a:prstGeom>
@@ -10092,8 +10178,8 @@
         </p:nvSpPr>
         <p:spPr>
           <a:xfrm>
-            <a:off x="8020050" y="3321892"/>
-            <a:ext cx="6378575" cy="4265613"/>
+            <a:off x="7742580" y="3215163"/>
+            <a:ext cx="6378575" cy="3209917"/>
           </a:xfrm>
           <a:prstGeom prst="rect">
             <a:avLst/>
@@ -10686,8 +10772,8 @@
         </p:nvSpPr>
         <p:spPr>
           <a:xfrm>
-            <a:off x="1155700" y="2603500"/>
-            <a:ext cx="13932000" cy="1725613"/>
+            <a:off x="750168" y="2603251"/>
+            <a:ext cx="14051783" cy="1725613"/>
           </a:xfrm>
           <a:prstGeom prst="rect">
             <a:avLst/>
@@ -10703,7 +10789,7 @@
           </a:bodyPr>
           <a:lstStyle/>
           <a:p>
-            <a:pPr marL="1104900" marR="0" lvl="0" indent="-609600" algn="l" rtl="0">
+            <a:pPr marL="495300" marR="0" lvl="0" indent="0" algn="l" rtl="0">
               <a:lnSpc>
                 <a:spcPct val="100000"/>
               </a:lnSpc>
@@ -10717,8 +10803,7 @@
                 <a:schemeClr val="lt1"/>
               </a:buClr>
               <a:buSzPct val="100000"/>
-              <a:buFont typeface="Cabin"/>
-              <a:buChar char="•"/>
+              <a:buNone/>
             </a:pPr>
             <a:r>
               <a:rPr lang="en-US" sz="3600" u="none" strike="noStrike" cap="none">
@@ -11714,7 +11799,7 @@
           </a:bodyPr>
           <a:lstStyle/>
           <a:p>
-            <a:pPr marL="1104900" marR="0" lvl="0" indent="-787400" algn="l" rtl="0">
+            <a:pPr marL="317500" marR="0" lvl="0" indent="0" algn="l" rtl="0">
               <a:lnSpc>
                 <a:spcPct val="100000"/>
               </a:lnSpc>
@@ -11728,8 +11813,7 @@
                 <a:schemeClr val="lt1"/>
               </a:buClr>
               <a:buSzPct val="171000"/>
-              <a:buFont typeface="Cabin"/>
-              <a:buChar char="•"/>
+              <a:buNone/>
             </a:pPr>
             <a:r>
               <a:rPr lang="en-US" sz="3800" u="none" strike="noStrike" cap="none">
@@ -11802,7 +11886,7 @@
         </p:nvSpPr>
         <p:spPr>
           <a:xfrm>
-            <a:off x="749300" y="4433879"/>
+            <a:off x="749300" y="4465898"/>
             <a:ext cx="5078400" cy="2438409"/>
           </a:xfrm>
           <a:prstGeom prst="rect">
@@ -12444,7 +12528,7 @@
               <a:buNone/>
             </a:pPr>
             <a:r>
-              <a:rPr lang="en-US" sz="3000" b="1" i="0" u="none" strike="noStrike" cap="none">
+              <a:rPr lang="en-US" sz="3000" i="0" u="none" strike="noStrike" cap="none" dirty="0">
                 <a:solidFill>
                   <a:schemeClr val="lt1"/>
                 </a:solidFill>
@@ -12456,7 +12540,7 @@
               <a:t>&gt;&gt;&gt; </a:t>
             </a:r>
             <a:r>
-              <a:rPr lang="en-US" sz="3000" b="1" i="0" u="none" strike="noStrike" cap="none">
+              <a:rPr lang="en-US" sz="3000" i="0" u="none" strike="noStrike" cap="none" dirty="0">
                 <a:solidFill>
                   <a:srgbClr val="00FF00"/>
                 </a:solidFill>
@@ -12468,7 +12552,7 @@
               <a:t>z</a:t>
             </a:r>
             <a:r>
-              <a:rPr lang="en-US" sz="3000" b="1" i="0" u="none" strike="noStrike" cap="none">
+              <a:rPr lang="en-US" sz="3000" i="0" u="none" strike="noStrike" cap="none" dirty="0">
                 <a:solidFill>
                   <a:schemeClr val="lt1"/>
                 </a:solidFill>
@@ -12499,7 +12583,7 @@
               <a:buNone/>
             </a:pPr>
             <a:r>
-              <a:rPr lang="en-US" sz="3000" b="1" i="0" u="none" strike="noStrike" cap="none">
+              <a:rPr lang="en-US" sz="3000" i="0" u="none" strike="noStrike" cap="none" dirty="0">
                 <a:solidFill>
                   <a:schemeClr val="lt1"/>
                 </a:solidFill>
@@ -12511,7 +12595,7 @@
               <a:t>&gt;&gt;&gt; </a:t>
             </a:r>
             <a:r>
-              <a:rPr lang="en-US" sz="3000" b="1" i="0" u="none" strike="noStrike" cap="none">
+              <a:rPr lang="en-US" sz="3000" i="0" u="none" strike="noStrike" cap="none" dirty="0">
                 <a:solidFill>
                   <a:srgbClr val="00FF00"/>
                 </a:solidFill>
@@ -12523,7 +12607,7 @@
               <a:t>z</a:t>
             </a:r>
             <a:r>
-              <a:rPr lang="en-US" sz="3000" b="1" i="0" u="none" strike="noStrike" cap="none">
+              <a:rPr lang="en-US" sz="3000" i="0" u="none" strike="noStrike" cap="none" dirty="0">
                 <a:solidFill>
                   <a:srgbClr val="00FFFF"/>
                 </a:solidFill>
@@ -12535,7 +12619,7 @@
               <a:t>[2]</a:t>
             </a:r>
             <a:r>
-              <a:rPr lang="en-US" sz="3000" b="1" i="0" u="none" strike="noStrike" cap="none">
+              <a:rPr lang="en-US" sz="3000" i="0" u="none" strike="noStrike" cap="none" dirty="0">
                 <a:solidFill>
                   <a:schemeClr val="lt1"/>
                 </a:solidFill>
@@ -12566,7 +12650,7 @@
               <a:buNone/>
             </a:pPr>
             <a:r>
-              <a:rPr lang="en-US" sz="3000" b="1" i="0" u="none" strike="noStrike" cap="none">
+              <a:rPr lang="en-US" sz="3000" i="0" u="none" strike="noStrike" cap="none" dirty="0" err="1">
                 <a:solidFill>
                   <a:srgbClr val="FF66FF"/>
                 </a:solidFill>
@@ -12575,7 +12659,19 @@
                 <a:cs typeface="Courier New"/>
                 <a:sym typeface="Courier New"/>
               </a:rPr>
-              <a:t>Traceback:'tuple' object does </a:t>
+              <a:t>Traceback</a:t>
+            </a:r>
+            <a:r>
+              <a:rPr lang="en-US" sz="3000" i="0" u="none" strike="noStrike" cap="none" dirty="0">
+                <a:solidFill>
+                  <a:srgbClr val="FF66FF"/>
+                </a:solidFill>
+                <a:latin typeface="Courier New"/>
+                <a:ea typeface="Courier New"/>
+                <a:cs typeface="Courier New"/>
+                <a:sym typeface="Courier New"/>
+              </a:rPr>
+              <a:t>:'tuple' object does </a:t>
             </a:r>
           </a:p>
           <a:p>
@@ -12597,7 +12693,7 @@
               <a:buNone/>
             </a:pPr>
             <a:r>
-              <a:rPr lang="en-US" sz="3000" b="1" i="0" u="none" strike="noStrike" cap="none">
+              <a:rPr lang="en-US" sz="3000" i="0" u="none" strike="noStrike" cap="none" dirty="0">
                 <a:solidFill>
                   <a:srgbClr val="FF66FF"/>
                 </a:solidFill>
@@ -12609,7 +12705,7 @@
               <a:t>not support </a:t>
             </a:r>
             <a:r>
-              <a:rPr lang="en-US" sz="3000" b="1" i="0" u="none" strike="noStrike" cap="none">
+              <a:rPr lang="en-US" sz="3000" i="0" u="none" strike="noStrike" cap="none" dirty="0">
                 <a:solidFill>
                   <a:srgbClr val="00FFFF"/>
                 </a:solidFill>
@@ -12621,7 +12717,7 @@
               <a:t>item</a:t>
             </a:r>
             <a:r>
-              <a:rPr lang="en-US" sz="3000" b="1" i="0" u="none" strike="noStrike" cap="none">
+              <a:rPr lang="en-US" sz="3000" i="0" u="none" strike="noStrike" cap="none" dirty="0">
                 <a:solidFill>
                   <a:srgbClr val="FF66FF"/>
                 </a:solidFill>
@@ -12652,7 +12748,7 @@
               <a:buNone/>
             </a:pPr>
             <a:r>
-              <a:rPr lang="en-US" sz="3000" b="1" i="0" u="none" strike="noStrike" cap="none">
+              <a:rPr lang="en-US" sz="3000" i="0" u="none" strike="noStrike" cap="none" dirty="0">
                 <a:solidFill>
                   <a:srgbClr val="FF66FF"/>
                 </a:solidFill>
@@ -12683,7 +12779,7 @@
               <a:buNone/>
             </a:pPr>
             <a:r>
-              <a:rPr lang="en-US" sz="3000" b="1" i="0" u="none" strike="noStrike" cap="none">
+              <a:rPr lang="en-US" sz="3000" i="0" u="none" strike="noStrike" cap="none" dirty="0">
                 <a:solidFill>
                   <a:schemeClr val="lt1"/>
                 </a:solidFill>
@@ -13992,6 +14088,10 @@
           </p:nvPr>
         </p:nvSpPr>
         <p:spPr>
+          <a:xfrm>
+            <a:off x="1155700" y="2603500"/>
+            <a:ext cx="13932000" cy="4931562"/>
+          </a:xfrm>
           <a:prstGeom prst="rect">
             <a:avLst/>
           </a:prstGeom>
@@ -14771,7 +14871,7 @@
         <p:spPr>
           <a:xfrm>
             <a:off x="1155701" y="2603500"/>
-            <a:ext cx="4824476" cy="5702398"/>
+            <a:ext cx="4824476" cy="5113001"/>
           </a:xfrm>
           <a:prstGeom prst="rect">
             <a:avLst/>
@@ -14787,7 +14887,7 @@
           </a:bodyPr>
           <a:lstStyle/>
           <a:p>
-            <a:pPr marL="1104900" marR="0" lvl="0" indent="-609600" algn="l" rtl="0">
+            <a:pPr marL="495300" marR="0" lvl="0" indent="0" algn="l" rtl="0">
               <a:lnSpc>
                 <a:spcPct val="100000"/>
               </a:lnSpc>
@@ -14801,8 +14901,7 @@
                 <a:schemeClr val="lt1"/>
               </a:buClr>
               <a:buSzPct val="100000"/>
-              <a:buFont typeface="Cabin"/>
-              <a:buChar char="•"/>
+              <a:buNone/>
             </a:pPr>
             <a:r>
               <a:rPr lang="en-US" sz="3600" u="none" strike="noStrike" cap="none" dirty="0">
@@ -15902,7 +16001,7 @@
           </a:bodyPr>
           <a:lstStyle/>
           <a:p>
-            <a:pPr marL="1104900" marR="0" lvl="0" indent="-787400" algn="l" rtl="0">
+            <a:pPr marL="317500" marR="0" lvl="0" indent="0" algn="l" rtl="0">
               <a:lnSpc>
                 <a:spcPct val="100000"/>
               </a:lnSpc>
@@ -15916,8 +16015,7 @@
                 <a:schemeClr val="lt1"/>
               </a:buClr>
               <a:buSzPct val="171000"/>
-              <a:buFont typeface="Cabin"/>
-              <a:buChar char="•"/>
+              <a:buNone/>
             </a:pPr>
             <a:r>
               <a:rPr lang="en-US" sz="3800" u="none" strike="noStrike" cap="none">

--- a/lectures3/Pythonlearn-10-Tuples.pptx
+++ b/lectures3/Pythonlearn-10-Tuples.pptx
@@ -9393,7 +9393,7 @@
         <p:spPr>
           <a:xfrm>
             <a:off x="800100" y="2686050"/>
-            <a:ext cx="14294400" cy="2705100"/>
+            <a:ext cx="14744700" cy="2705100"/>
           </a:xfrm>
           <a:prstGeom prst="rect">
             <a:avLst/>
@@ -9521,8 +9521,140 @@
               <a:t>&gt;&gt;&gt; </a:t>
             </a:r>
             <a:r>
+              <a:rPr lang="en-US" sz="3600" b="1" i="0" u="none" strike="noStrike" cap="none" dirty="0" smtClean="0">
+                <a:solidFill>
+                  <a:srgbClr val="FFFF00"/>
+                </a:solidFill>
+                <a:latin typeface="Courier New"/>
+                <a:ea typeface="Courier New"/>
+                <a:cs typeface="Courier New"/>
+                <a:sym typeface="Courier New"/>
+              </a:rPr>
+              <a:t>print(</a:t>
+            </a:r>
+            <a:r>
+              <a:rPr lang="en-US" sz="3600" b="1" dirty="0">
+                <a:solidFill>
+                  <a:srgbClr val="00FF00"/>
+                </a:solidFill>
+                <a:latin typeface="Courier New"/>
+                <a:ea typeface="Courier New"/>
+                <a:cs typeface="Courier New"/>
+                <a:sym typeface="Courier New"/>
+              </a:rPr>
+              <a:t> </a:t>
+            </a:r>
+            <a:r>
+              <a:rPr lang="en-US" sz="3600" b="1" i="0" u="none" strike="noStrike" cap="none" dirty="0" smtClean="0">
+                <a:solidFill>
+                  <a:srgbClr val="FF00FF"/>
+                </a:solidFill>
+                <a:latin typeface="Courier New"/>
+                <a:ea typeface="Courier New"/>
+                <a:cs typeface="Courier New"/>
+                <a:sym typeface="Courier New"/>
+              </a:rPr>
+              <a:t>sorted</a:t>
+            </a:r>
+            <a:r>
               <a:rPr lang="en-US" sz="3600" b="1" i="0" u="none" strike="noStrike" cap="none" dirty="0">
                 <a:solidFill>
+                  <a:schemeClr val="lt1"/>
+                </a:solidFill>
+                <a:latin typeface="Courier New"/>
+                <a:ea typeface="Courier New"/>
+                <a:cs typeface="Courier New"/>
+                <a:sym typeface="Courier New"/>
+              </a:rPr>
+              <a:t>(</a:t>
+            </a:r>
+            <a:r>
+              <a:rPr lang="en-US" sz="3600" b="1" i="0" u="none" strike="noStrike" cap="none" dirty="0">
+                <a:solidFill>
+                  <a:srgbClr val="00FF00"/>
+                </a:solidFill>
+                <a:latin typeface="Courier New"/>
+                <a:ea typeface="Courier New"/>
+                <a:cs typeface="Courier New"/>
+                <a:sym typeface="Courier New"/>
+              </a:rPr>
+              <a:t> </a:t>
+            </a:r>
+            <a:r>
+              <a:rPr lang="en-US" sz="3600" b="1" i="0" u="none" strike="noStrike" cap="none" dirty="0">
+                <a:solidFill>
+                  <a:srgbClr val="00FFFF"/>
+                </a:solidFill>
+                <a:latin typeface="Courier New"/>
+                <a:ea typeface="Courier New"/>
+                <a:cs typeface="Courier New"/>
+                <a:sym typeface="Courier New"/>
+              </a:rPr>
+              <a:t>[</a:t>
+            </a:r>
+            <a:r>
+              <a:rPr lang="en-US" sz="3600" b="1" i="0" u="none" strike="noStrike" cap="none" dirty="0">
+                <a:solidFill>
+                  <a:schemeClr val="lt1"/>
+                </a:solidFill>
+                <a:latin typeface="Courier New"/>
+                <a:ea typeface="Courier New"/>
+                <a:cs typeface="Courier New"/>
+                <a:sym typeface="Courier New"/>
+              </a:rPr>
+              <a:t> </a:t>
+            </a:r>
+            <a:r>
+              <a:rPr lang="en-US" sz="3600" b="1" i="0" u="none" strike="noStrike" cap="none" dirty="0">
+                <a:solidFill>
+                  <a:srgbClr val="FF7F00"/>
+                </a:solidFill>
+                <a:latin typeface="Courier New"/>
+                <a:ea typeface="Courier New"/>
+                <a:cs typeface="Courier New"/>
+                <a:sym typeface="Courier New"/>
+              </a:rPr>
+              <a:t>(</a:t>
+            </a:r>
+            <a:r>
+              <a:rPr lang="en-US" sz="3600" b="1" i="0" u="none" strike="noStrike" cap="none" dirty="0" err="1">
+                <a:solidFill>
+                  <a:srgbClr val="FF7F00"/>
+                </a:solidFill>
+                <a:latin typeface="Courier New"/>
+                <a:ea typeface="Courier New"/>
+                <a:cs typeface="Courier New"/>
+                <a:sym typeface="Courier New"/>
+              </a:rPr>
+              <a:t>v,k</a:t>
+            </a:r>
+            <a:r>
+              <a:rPr lang="en-US" sz="3600" b="1" i="0" u="none" strike="noStrike" cap="none" dirty="0">
+                <a:solidFill>
+                  <a:srgbClr val="FF7F00"/>
+                </a:solidFill>
+                <a:latin typeface="Courier New"/>
+                <a:ea typeface="Courier New"/>
+                <a:cs typeface="Courier New"/>
+                <a:sym typeface="Courier New"/>
+              </a:rPr>
+              <a:t>)</a:t>
+            </a:r>
+            <a:r>
+              <a:rPr lang="en-US" sz="3600" b="1" i="0" u="none" strike="noStrike" cap="none" dirty="0">
+                <a:solidFill>
+                  <a:schemeClr val="lt1"/>
+                </a:solidFill>
+                <a:latin typeface="Courier New"/>
+                <a:ea typeface="Courier New"/>
+                <a:cs typeface="Courier New"/>
+                <a:sym typeface="Courier New"/>
+              </a:rPr>
+              <a:t> </a:t>
+            </a:r>
+            <a:r>
+              <a:rPr lang="en-US" sz="3600" b="1" i="0" u="none" strike="noStrike" cap="none" dirty="0">
+                <a:solidFill>
                   <a:srgbClr val="FFFF00"/>
                 </a:solidFill>
                 <a:latin typeface="Courier New"/>
@@ -9530,11 +9662,71 @@
                 <a:cs typeface="Courier New"/>
                 <a:sym typeface="Courier New"/>
               </a:rPr>
-              <a:t>print</a:t>
+              <a:t>for</a:t>
             </a:r>
             <a:r>
               <a:rPr lang="en-US" sz="3600" b="1" i="0" u="none" strike="noStrike" cap="none" dirty="0">
                 <a:solidFill>
+                  <a:schemeClr val="lt1"/>
+                </a:solidFill>
+                <a:latin typeface="Courier New"/>
+                <a:ea typeface="Courier New"/>
+                <a:cs typeface="Courier New"/>
+                <a:sym typeface="Courier New"/>
+              </a:rPr>
+              <a:t> </a:t>
+            </a:r>
+            <a:r>
+              <a:rPr lang="en-US" sz="3600" b="1" i="0" u="none" strike="noStrike" cap="none" dirty="0" err="1">
+                <a:solidFill>
+                  <a:srgbClr val="FF7F00"/>
+                </a:solidFill>
+                <a:latin typeface="Courier New"/>
+                <a:ea typeface="Courier New"/>
+                <a:cs typeface="Courier New"/>
+                <a:sym typeface="Courier New"/>
+              </a:rPr>
+              <a:t>k,v</a:t>
+            </a:r>
+            <a:r>
+              <a:rPr lang="en-US" sz="3600" b="1" i="0" u="none" strike="noStrike" cap="none" dirty="0">
+                <a:solidFill>
+                  <a:schemeClr val="lt1"/>
+                </a:solidFill>
+                <a:latin typeface="Courier New"/>
+                <a:ea typeface="Courier New"/>
+                <a:cs typeface="Courier New"/>
+                <a:sym typeface="Courier New"/>
+              </a:rPr>
+              <a:t> </a:t>
+            </a:r>
+            <a:r>
+              <a:rPr lang="en-US" sz="3600" b="1" i="0" u="none" strike="noStrike" cap="none" dirty="0">
+                <a:solidFill>
+                  <a:srgbClr val="FFFF00"/>
+                </a:solidFill>
+                <a:latin typeface="Courier New"/>
+                <a:ea typeface="Courier New"/>
+                <a:cs typeface="Courier New"/>
+                <a:sym typeface="Courier New"/>
+              </a:rPr>
+              <a:t>in</a:t>
+            </a:r>
+            <a:r>
+              <a:rPr lang="en-US" sz="3600" b="1" i="0" u="none" strike="noStrike" cap="none" dirty="0">
+                <a:solidFill>
+                  <a:schemeClr val="lt1"/>
+                </a:solidFill>
+                <a:latin typeface="Courier New"/>
+                <a:ea typeface="Courier New"/>
+                <a:cs typeface="Courier New"/>
+                <a:sym typeface="Courier New"/>
+              </a:rPr>
+              <a:t> </a:t>
+            </a:r>
+            <a:r>
+              <a:rPr lang="en-US" sz="3600" b="1" i="0" u="none" strike="noStrike" cap="none" dirty="0" err="1">
+                <a:solidFill>
                   <a:srgbClr val="00FF00"/>
                 </a:solidFill>
                 <a:latin typeface="Courier New"/>
@@ -9542,96 +9734,72 @@
                 <a:cs typeface="Courier New"/>
                 <a:sym typeface="Courier New"/>
               </a:rPr>
+              <a:t>c</a:t>
+            </a:r>
+            <a:r>
+              <a:rPr lang="en-US" sz="3600" b="1" i="0" u="none" strike="noStrike" cap="none" dirty="0" err="1">
+                <a:solidFill>
+                  <a:srgbClr val="FF00FF"/>
+                </a:solidFill>
+                <a:latin typeface="Courier New"/>
+                <a:ea typeface="Courier New"/>
+                <a:cs typeface="Courier New"/>
+                <a:sym typeface="Courier New"/>
+              </a:rPr>
+              <a:t>.items</a:t>
+            </a:r>
+            <a:r>
+              <a:rPr lang="en-US" sz="3600" b="1" i="0" u="none" strike="noStrike" cap="none" dirty="0">
+                <a:solidFill>
+                  <a:schemeClr val="lt1"/>
+                </a:solidFill>
+                <a:latin typeface="Courier New"/>
+                <a:ea typeface="Courier New"/>
+                <a:cs typeface="Courier New"/>
+                <a:sym typeface="Courier New"/>
+              </a:rPr>
+              <a:t>() </a:t>
+            </a:r>
+            <a:r>
+              <a:rPr lang="en-US" sz="3600" b="1" i="0" u="none" strike="noStrike" cap="none" dirty="0">
+                <a:solidFill>
+                  <a:srgbClr val="00FFFF"/>
+                </a:solidFill>
+                <a:latin typeface="Courier New"/>
+                <a:ea typeface="Courier New"/>
+                <a:cs typeface="Courier New"/>
+                <a:sym typeface="Courier New"/>
+              </a:rPr>
+              <a:t>]</a:t>
+            </a:r>
+            <a:r>
+              <a:rPr lang="en-US" sz="3600" b="1" i="0" u="none" strike="noStrike" cap="none" dirty="0">
+                <a:solidFill>
+                  <a:schemeClr val="lt1"/>
+                </a:solidFill>
+                <a:latin typeface="Courier New"/>
+                <a:ea typeface="Courier New"/>
+                <a:cs typeface="Courier New"/>
+                <a:sym typeface="Courier New"/>
+              </a:rPr>
               <a:t> </a:t>
             </a:r>
             <a:r>
-              <a:rPr lang="en-US" sz="3600" b="1" i="0" u="none" strike="noStrike" cap="none" dirty="0">
-                <a:solidFill>
-                  <a:srgbClr val="FF00FF"/>
-                </a:solidFill>
-                <a:latin typeface="Courier New"/>
-                <a:ea typeface="Courier New"/>
-                <a:cs typeface="Courier New"/>
-                <a:sym typeface="Courier New"/>
-              </a:rPr>
-              <a:t>sorted</a:t>
-            </a:r>
-            <a:r>
-              <a:rPr lang="en-US" sz="3600" b="1" i="0" u="none" strike="noStrike" cap="none" dirty="0">
-                <a:solidFill>
-                  <a:schemeClr val="lt1"/>
-                </a:solidFill>
-                <a:latin typeface="Courier New"/>
-                <a:ea typeface="Courier New"/>
-                <a:cs typeface="Courier New"/>
-                <a:sym typeface="Courier New"/>
-              </a:rPr>
-              <a:t>(</a:t>
-            </a:r>
-            <a:r>
-              <a:rPr lang="en-US" sz="3600" b="1" i="0" u="none" strike="noStrike" cap="none" dirty="0">
-                <a:solidFill>
-                  <a:srgbClr val="00FF00"/>
-                </a:solidFill>
-                <a:latin typeface="Courier New"/>
-                <a:ea typeface="Courier New"/>
-                <a:cs typeface="Courier New"/>
-                <a:sym typeface="Courier New"/>
-              </a:rPr>
-              <a:t> </a:t>
-            </a:r>
-            <a:r>
-              <a:rPr lang="en-US" sz="3600" b="1" i="0" u="none" strike="noStrike" cap="none" dirty="0">
-                <a:solidFill>
-                  <a:srgbClr val="00FFFF"/>
-                </a:solidFill>
-                <a:latin typeface="Courier New"/>
-                <a:ea typeface="Courier New"/>
-                <a:cs typeface="Courier New"/>
-                <a:sym typeface="Courier New"/>
-              </a:rPr>
-              <a:t>[</a:t>
-            </a:r>
-            <a:r>
-              <a:rPr lang="en-US" sz="3600" b="1" i="0" u="none" strike="noStrike" cap="none" dirty="0">
-                <a:solidFill>
-                  <a:schemeClr val="lt1"/>
-                </a:solidFill>
-                <a:latin typeface="Courier New"/>
-                <a:ea typeface="Courier New"/>
-                <a:cs typeface="Courier New"/>
-                <a:sym typeface="Courier New"/>
-              </a:rPr>
-              <a:t> </a:t>
-            </a:r>
-            <a:r>
-              <a:rPr lang="en-US" sz="3600" b="1" i="0" u="none" strike="noStrike" cap="none" dirty="0">
-                <a:solidFill>
-                  <a:srgbClr val="FF7F00"/>
-                </a:solidFill>
-                <a:latin typeface="Courier New"/>
-                <a:ea typeface="Courier New"/>
-                <a:cs typeface="Courier New"/>
-                <a:sym typeface="Courier New"/>
-              </a:rPr>
-              <a:t>(</a:t>
-            </a:r>
-            <a:r>
-              <a:rPr lang="en-US" sz="3600" b="1" i="0" u="none" strike="noStrike" cap="none" dirty="0" err="1">
-                <a:solidFill>
-                  <a:srgbClr val="FF7F00"/>
-                </a:solidFill>
-                <a:latin typeface="Courier New"/>
-                <a:ea typeface="Courier New"/>
-                <a:cs typeface="Courier New"/>
-                <a:sym typeface="Courier New"/>
-              </a:rPr>
-              <a:t>v,k</a:t>
-            </a:r>
-            <a:r>
-              <a:rPr lang="en-US" sz="3600" b="1" i="0" u="none" strike="noStrike" cap="none" dirty="0">
-                <a:solidFill>
-                  <a:srgbClr val="FF7F00"/>
+              <a:rPr lang="en-US" sz="3600" b="1" i="0" u="none" strike="noStrike" cap="none" dirty="0" smtClean="0">
+                <a:solidFill>
+                  <a:schemeClr val="lt1"/>
+                </a:solidFill>
+                <a:latin typeface="Courier New"/>
+                <a:ea typeface="Courier New"/>
+                <a:cs typeface="Courier New"/>
+                <a:sym typeface="Courier New"/>
+              </a:rPr>
+              <a:t>) </a:t>
+            </a:r>
+            <a:r>
+              <a:rPr lang="en-US" sz="3600" b="1" i="0" u="none" strike="noStrike" cap="none" dirty="0" smtClean="0">
+                <a:solidFill>
+                  <a:srgbClr val="FFFF00"/>
                 </a:solidFill>
                 <a:latin typeface="Courier New"/>
                 <a:ea typeface="Courier New"/>
@@ -9640,150 +9808,15 @@
               </a:rPr>
               <a:t>)</a:t>
             </a:r>
-            <a:r>
-              <a:rPr lang="en-US" sz="3600" b="1" i="0" u="none" strike="noStrike" cap="none" dirty="0">
-                <a:solidFill>
-                  <a:schemeClr val="lt1"/>
-                </a:solidFill>
-                <a:latin typeface="Courier New"/>
-                <a:ea typeface="Courier New"/>
-                <a:cs typeface="Courier New"/>
-                <a:sym typeface="Courier New"/>
-              </a:rPr>
-              <a:t> </a:t>
-            </a:r>
-            <a:r>
-              <a:rPr lang="en-US" sz="3600" b="1" i="0" u="none" strike="noStrike" cap="none" dirty="0">
-                <a:solidFill>
-                  <a:srgbClr val="FFFF00"/>
-                </a:solidFill>
-                <a:latin typeface="Courier New"/>
-                <a:ea typeface="Courier New"/>
-                <a:cs typeface="Courier New"/>
-                <a:sym typeface="Courier New"/>
-              </a:rPr>
-              <a:t>for</a:t>
-            </a:r>
-            <a:r>
-              <a:rPr lang="en-US" sz="3600" b="1" i="0" u="none" strike="noStrike" cap="none" dirty="0">
-                <a:solidFill>
-                  <a:schemeClr val="lt1"/>
-                </a:solidFill>
-                <a:latin typeface="Courier New"/>
-                <a:ea typeface="Courier New"/>
-                <a:cs typeface="Courier New"/>
-                <a:sym typeface="Courier New"/>
-              </a:rPr>
-              <a:t> </a:t>
-            </a:r>
-            <a:r>
-              <a:rPr lang="en-US" sz="3600" b="1" i="0" u="none" strike="noStrike" cap="none" dirty="0" err="1">
-                <a:solidFill>
-                  <a:srgbClr val="FF7F00"/>
-                </a:solidFill>
-                <a:latin typeface="Courier New"/>
-                <a:ea typeface="Courier New"/>
-                <a:cs typeface="Courier New"/>
-                <a:sym typeface="Courier New"/>
-              </a:rPr>
-              <a:t>k,v</a:t>
-            </a:r>
-            <a:r>
-              <a:rPr lang="en-US" sz="3600" b="1" i="0" u="none" strike="noStrike" cap="none" dirty="0">
-                <a:solidFill>
-                  <a:schemeClr val="lt1"/>
-                </a:solidFill>
-                <a:latin typeface="Courier New"/>
-                <a:ea typeface="Courier New"/>
-                <a:cs typeface="Courier New"/>
-                <a:sym typeface="Courier New"/>
-              </a:rPr>
-              <a:t> </a:t>
-            </a:r>
-            <a:r>
-              <a:rPr lang="en-US" sz="3600" b="1" i="0" u="none" strike="noStrike" cap="none" dirty="0">
-                <a:solidFill>
-                  <a:srgbClr val="FFFF00"/>
-                </a:solidFill>
-                <a:latin typeface="Courier New"/>
-                <a:ea typeface="Courier New"/>
-                <a:cs typeface="Courier New"/>
-                <a:sym typeface="Courier New"/>
-              </a:rPr>
-              <a:t>in</a:t>
-            </a:r>
-            <a:r>
-              <a:rPr lang="en-US" sz="3600" b="1" i="0" u="none" strike="noStrike" cap="none" dirty="0">
-                <a:solidFill>
-                  <a:schemeClr val="lt1"/>
-                </a:solidFill>
-                <a:latin typeface="Courier New"/>
-                <a:ea typeface="Courier New"/>
-                <a:cs typeface="Courier New"/>
-                <a:sym typeface="Courier New"/>
-              </a:rPr>
-              <a:t> </a:t>
-            </a:r>
-            <a:r>
-              <a:rPr lang="en-US" sz="3600" b="1" i="0" u="none" strike="noStrike" cap="none" dirty="0" err="1">
-                <a:solidFill>
-                  <a:srgbClr val="00FF00"/>
-                </a:solidFill>
-                <a:latin typeface="Courier New"/>
-                <a:ea typeface="Courier New"/>
-                <a:cs typeface="Courier New"/>
-                <a:sym typeface="Courier New"/>
-              </a:rPr>
-              <a:t>c</a:t>
-            </a:r>
-            <a:r>
-              <a:rPr lang="en-US" sz="3600" b="1" i="0" u="none" strike="noStrike" cap="none" dirty="0" err="1">
-                <a:solidFill>
-                  <a:srgbClr val="FF00FF"/>
-                </a:solidFill>
-                <a:latin typeface="Courier New"/>
-                <a:ea typeface="Courier New"/>
-                <a:cs typeface="Courier New"/>
-                <a:sym typeface="Courier New"/>
-              </a:rPr>
-              <a:t>.items</a:t>
-            </a:r>
-            <a:r>
-              <a:rPr lang="en-US" sz="3600" b="1" i="0" u="none" strike="noStrike" cap="none" dirty="0">
-                <a:solidFill>
-                  <a:schemeClr val="lt1"/>
-                </a:solidFill>
-                <a:latin typeface="Courier New"/>
-                <a:ea typeface="Courier New"/>
-                <a:cs typeface="Courier New"/>
-                <a:sym typeface="Courier New"/>
-              </a:rPr>
-              <a:t>() </a:t>
-            </a:r>
-            <a:r>
-              <a:rPr lang="en-US" sz="3600" b="1" i="0" u="none" strike="noStrike" cap="none" dirty="0">
-                <a:solidFill>
-                  <a:srgbClr val="00FFFF"/>
-                </a:solidFill>
-                <a:latin typeface="Courier New"/>
-                <a:ea typeface="Courier New"/>
-                <a:cs typeface="Courier New"/>
-                <a:sym typeface="Courier New"/>
-              </a:rPr>
-              <a:t>]</a:t>
-            </a:r>
-            <a:r>
-              <a:rPr lang="en-US" sz="3600" b="1" i="0" u="none" strike="noStrike" cap="none" dirty="0">
-                <a:solidFill>
-                  <a:schemeClr val="lt1"/>
-                </a:solidFill>
-                <a:latin typeface="Courier New"/>
-                <a:ea typeface="Courier New"/>
-                <a:cs typeface="Courier New"/>
-                <a:sym typeface="Courier New"/>
-              </a:rPr>
-              <a:t> )</a:t>
-            </a:r>
+            <a:endParaRPr lang="en-US" sz="3600" b="1" i="0" u="none" strike="noStrike" cap="none" dirty="0">
+              <a:solidFill>
+                <a:srgbClr val="FFFF00"/>
+              </a:solidFill>
+              <a:latin typeface="Courier New"/>
+              <a:ea typeface="Courier New"/>
+              <a:cs typeface="Courier New"/>
+              <a:sym typeface="Courier New"/>
+            </a:endParaRPr>
           </a:p>
           <a:p>
             <a:pPr marL="0" marR="0" lvl="0" indent="0" algn="ctr" rtl="0">

--- a/lectures3/Pythonlearn-10-Tuples.pptx
+++ b/lectures3/Pythonlearn-10-Tuples.pptx
@@ -12561,7 +12561,7 @@
               <a:buNone/>
             </a:pPr>
             <a:r>
-              <a:rPr lang="en-US" sz="3000" i="0" u="none" strike="noStrike" cap="none" dirty="0">
+              <a:rPr lang="en-US" sz="3000" b="1" i="0" u="none" strike="noStrike" cap="none" dirty="0">
                 <a:solidFill>
                   <a:schemeClr val="lt1"/>
                 </a:solidFill>
@@ -12573,7 +12573,7 @@
               <a:t>&gt;&gt;&gt; </a:t>
             </a:r>
             <a:r>
-              <a:rPr lang="en-US" sz="3000" i="0" u="none" strike="noStrike" cap="none" dirty="0">
+              <a:rPr lang="en-US" sz="3000" b="1" i="0" u="none" strike="noStrike" cap="none" dirty="0">
                 <a:solidFill>
                   <a:srgbClr val="00FF00"/>
                 </a:solidFill>
@@ -12585,7 +12585,7 @@
               <a:t>z</a:t>
             </a:r>
             <a:r>
-              <a:rPr lang="en-US" sz="3000" i="0" u="none" strike="noStrike" cap="none" dirty="0">
+              <a:rPr lang="en-US" sz="3000" b="1" i="0" u="none" strike="noStrike" cap="none" dirty="0">
                 <a:solidFill>
                   <a:schemeClr val="lt1"/>
                 </a:solidFill>
@@ -12616,7 +12616,7 @@
               <a:buNone/>
             </a:pPr>
             <a:r>
-              <a:rPr lang="en-US" sz="3000" i="0" u="none" strike="noStrike" cap="none" dirty="0">
+              <a:rPr lang="en-US" sz="3000" b="1" i="0" u="none" strike="noStrike" cap="none" dirty="0">
                 <a:solidFill>
                   <a:schemeClr val="lt1"/>
                 </a:solidFill>
@@ -12628,7 +12628,7 @@
               <a:t>&gt;&gt;&gt; </a:t>
             </a:r>
             <a:r>
-              <a:rPr lang="en-US" sz="3000" i="0" u="none" strike="noStrike" cap="none" dirty="0">
+              <a:rPr lang="en-US" sz="3000" b="1" i="0" u="none" strike="noStrike" cap="none" dirty="0">
                 <a:solidFill>
                   <a:srgbClr val="00FF00"/>
                 </a:solidFill>
@@ -12640,7 +12640,7 @@
               <a:t>z</a:t>
             </a:r>
             <a:r>
-              <a:rPr lang="en-US" sz="3000" i="0" u="none" strike="noStrike" cap="none" dirty="0">
+              <a:rPr lang="en-US" sz="3000" b="1" i="0" u="none" strike="noStrike" cap="none" dirty="0">
                 <a:solidFill>
                   <a:srgbClr val="00FFFF"/>
                 </a:solidFill>
@@ -12652,7 +12652,7 @@
               <a:t>[2]</a:t>
             </a:r>
             <a:r>
-              <a:rPr lang="en-US" sz="3000" i="0" u="none" strike="noStrike" cap="none" dirty="0">
+              <a:rPr lang="en-US" sz="3000" b="1" i="0" u="none" strike="noStrike" cap="none" dirty="0">
                 <a:solidFill>
                   <a:schemeClr val="lt1"/>
                 </a:solidFill>
@@ -12683,7 +12683,7 @@
               <a:buNone/>
             </a:pPr>
             <a:r>
-              <a:rPr lang="en-US" sz="3000" i="0" u="none" strike="noStrike" cap="none" dirty="0" err="1">
+              <a:rPr lang="en-US" sz="3000" b="1" i="0" u="none" strike="noStrike" cap="none" dirty="0" err="1">
                 <a:solidFill>
                   <a:srgbClr val="FF66FF"/>
                 </a:solidFill>
@@ -12695,7 +12695,7 @@
               <a:t>Traceback</a:t>
             </a:r>
             <a:r>
-              <a:rPr lang="en-US" sz="3000" i="0" u="none" strike="noStrike" cap="none" dirty="0">
+              <a:rPr lang="en-US" sz="3000" b="1" i="0" u="none" strike="noStrike" cap="none" dirty="0">
                 <a:solidFill>
                   <a:srgbClr val="FF66FF"/>
                 </a:solidFill>
@@ -12726,7 +12726,7 @@
               <a:buNone/>
             </a:pPr>
             <a:r>
-              <a:rPr lang="en-US" sz="3000" i="0" u="none" strike="noStrike" cap="none" dirty="0">
+              <a:rPr lang="en-US" sz="3000" b="1" i="0" u="none" strike="noStrike" cap="none" dirty="0">
                 <a:solidFill>
                   <a:srgbClr val="FF66FF"/>
                 </a:solidFill>
@@ -12738,7 +12738,7 @@
               <a:t>not support </a:t>
             </a:r>
             <a:r>
-              <a:rPr lang="en-US" sz="3000" i="0" u="none" strike="noStrike" cap="none" dirty="0">
+              <a:rPr lang="en-US" sz="3000" b="1" i="0" u="none" strike="noStrike" cap="none" dirty="0">
                 <a:solidFill>
                   <a:srgbClr val="00FFFF"/>
                 </a:solidFill>
@@ -12750,7 +12750,7 @@
               <a:t>item</a:t>
             </a:r>
             <a:r>
-              <a:rPr lang="en-US" sz="3000" i="0" u="none" strike="noStrike" cap="none" dirty="0">
+              <a:rPr lang="en-US" sz="3000" b="1" i="0" u="none" strike="noStrike" cap="none" dirty="0">
                 <a:solidFill>
                   <a:srgbClr val="FF66FF"/>
                 </a:solidFill>
@@ -12781,7 +12781,7 @@
               <a:buNone/>
             </a:pPr>
             <a:r>
-              <a:rPr lang="en-US" sz="3000" i="0" u="none" strike="noStrike" cap="none" dirty="0">
+              <a:rPr lang="en-US" sz="3000" b="1" i="0" u="none" strike="noStrike" cap="none" dirty="0">
                 <a:solidFill>
                   <a:srgbClr val="FF66FF"/>
                 </a:solidFill>
@@ -12812,7 +12812,7 @@
               <a:buNone/>
             </a:pPr>
             <a:r>
-              <a:rPr lang="en-US" sz="3000" i="0" u="none" strike="noStrike" cap="none" dirty="0">
+              <a:rPr lang="en-US" sz="3000" b="1" i="0" u="none" strike="noStrike" cap="none" dirty="0">
                 <a:solidFill>
                   <a:schemeClr val="lt1"/>
                 </a:solidFill>

--- a/lectures3/Pythonlearn-10-Tuples.pptx
+++ b/lectures3/Pythonlearn-10-Tuples.pptx
@@ -5,7 +5,7 @@
     <p:sldMasterId id="2147483692" r:id="rId1"/>
   </p:sldMasterIdLst>
   <p:notesMasterIdLst>
-    <p:notesMasterId r:id="rId18"/>
+    <p:notesMasterId r:id="rId19"/>
   </p:notesMasterIdLst>
   <p:sldIdLst>
     <p:sldId id="256" r:id="rId2"/>
@@ -17,13 +17,14 @@
     <p:sldId id="262" r:id="rId8"/>
     <p:sldId id="263" r:id="rId9"/>
     <p:sldId id="264" r:id="rId10"/>
-    <p:sldId id="265" r:id="rId11"/>
-    <p:sldId id="266" r:id="rId12"/>
-    <p:sldId id="267" r:id="rId13"/>
-    <p:sldId id="268" r:id="rId14"/>
-    <p:sldId id="269" r:id="rId15"/>
-    <p:sldId id="270" r:id="rId16"/>
-    <p:sldId id="271" r:id="rId17"/>
+    <p:sldId id="272" r:id="rId11"/>
+    <p:sldId id="265" r:id="rId12"/>
+    <p:sldId id="266" r:id="rId13"/>
+    <p:sldId id="267" r:id="rId14"/>
+    <p:sldId id="268" r:id="rId15"/>
+    <p:sldId id="269" r:id="rId16"/>
+    <p:sldId id="270" r:id="rId17"/>
+    <p:sldId id="271" r:id="rId18"/>
   </p:sldIdLst>
   <p:sldSz cx="16256000" cy="9144000"/>
   <p:notesSz cx="6858000" cy="9144000"/>
@@ -2568,9 +2569,9 @@
               </a:buClr>
               <a:buFont typeface="Arial"/>
               <a:buNone/>
-              <a:defRPr sz="1400" b="0" i="0" u="none" strike="noStrike" cap="none">
-                <a:solidFill>
-                  <a:srgbClr val="000000"/>
+              <a:defRPr sz="6000" b="0" i="0" u="none" strike="noStrike" cap="none">
+                <a:solidFill>
+                  <a:srgbClr val="FFFC00"/>
                 </a:solidFill>
                 <a:latin typeface="Arial"/>
                 <a:ea typeface="Arial"/>
@@ -2660,7 +2661,7 @@
             </a:lvl9pPr>
           </a:lstStyle>
           <a:p>
-            <a:endParaRPr/>
+            <a:endParaRPr dirty="0"/>
           </a:p>
         </p:txBody>
       </p:sp>
@@ -2705,7 +2706,7 @@
               </a:buClr>
               <a:buFont typeface="Arial"/>
               <a:buNone/>
-              <a:defRPr sz="1400" b="0" i="0" u="none" strike="noStrike" cap="none">
+              <a:defRPr sz="2800" b="0" i="0" u="none" strike="noStrike" cap="none">
                 <a:solidFill>
                   <a:srgbClr val="000000"/>
                 </a:solidFill>
@@ -2917,7 +2918,7 @@
             </a:lvl9pPr>
           </a:lstStyle>
           <a:p>
-            <a:endParaRPr/>
+            <a:endParaRPr dirty="0"/>
           </a:p>
         </p:txBody>
       </p:sp>
@@ -2987,9 +2988,9 @@
               </a:buClr>
               <a:buFont typeface="Arial"/>
               <a:buNone/>
-              <a:defRPr sz="1400" b="0" i="0" u="none" strike="noStrike" cap="none">
-                <a:solidFill>
-                  <a:srgbClr val="000000"/>
+              <a:defRPr sz="6000" b="0" i="0" u="none" strike="noStrike" cap="none">
+                <a:solidFill>
+                  <a:srgbClr val="FFFC00"/>
                 </a:solidFill>
                 <a:latin typeface="Arial"/>
                 <a:ea typeface="Arial"/>
@@ -3079,7 +3080,7 @@
             </a:lvl9pPr>
           </a:lstStyle>
           <a:p>
-            <a:endParaRPr/>
+            <a:endParaRPr dirty="0"/>
           </a:p>
         </p:txBody>
       </p:sp>
@@ -3415,9 +3416,9 @@
               </a:buClr>
               <a:buFont typeface="Arial"/>
               <a:buNone/>
-              <a:defRPr sz="1400" b="0" i="0" u="none" strike="noStrike" cap="none">
-                <a:solidFill>
-                  <a:srgbClr val="000000"/>
+              <a:defRPr sz="6000" b="0" i="0" u="none" strike="noStrike" cap="none">
+                <a:solidFill>
+                  <a:srgbClr val="FFFC00"/>
                 </a:solidFill>
                 <a:latin typeface="Arial"/>
                 <a:ea typeface="Arial"/>
@@ -3507,7 +3508,7 @@
             </a:lvl9pPr>
           </a:lstStyle>
           <a:p>
-            <a:endParaRPr/>
+            <a:endParaRPr dirty="0"/>
           </a:p>
         </p:txBody>
       </p:sp>
@@ -3712,7 +3713,7 @@
             </a:lvl9pPr>
           </a:lstStyle>
           <a:p>
-            <a:endParaRPr/>
+            <a:endParaRPr dirty="0"/>
           </a:p>
         </p:txBody>
       </p:sp>
@@ -3969,7 +3970,7 @@
             </a:lvl9pPr>
           </a:lstStyle>
           <a:p>
-            <a:endParaRPr/>
+            <a:endParaRPr dirty="0"/>
           </a:p>
         </p:txBody>
       </p:sp>
@@ -4307,9 +4308,9 @@
           <a:spcPts val="0"/>
         </a:spcAft>
         <a:buNone/>
-        <a:defRPr sz="1400" b="0" i="0" u="none" strike="noStrike" cap="none">
+        <a:defRPr sz="6000" b="0" i="0" u="none" strike="noStrike" cap="none">
           <a:solidFill>
-            <a:srgbClr val="000000"/>
+            <a:srgbClr val="FFFC00"/>
           </a:solidFill>
           <a:latin typeface="Arial"/>
           <a:ea typeface="Arial"/>
@@ -4341,7 +4342,7 @@
           <a:spcPts val="0"/>
         </a:spcAft>
         <a:buNone/>
-        <a:defRPr sz="1400" b="0" i="0" u="none" strike="noStrike" cap="none">
+        <a:defRPr sz="2800" b="0" i="0" u="none" strike="noStrike" cap="none">
           <a:solidFill>
             <a:srgbClr val="000000"/>
           </a:solidFill>
@@ -5015,10 +5016,100 @@
   <p:clrMapOvr>
     <a:masterClrMapping/>
   </p:clrMapOvr>
+  <p:timing>
+    <p:tnLst>
+      <p:par>
+        <p:cTn id="1" dur="indefinite" restart="never" nodeType="tmRoot"/>
+      </p:par>
+    </p:tnLst>
+  </p:timing>
 </p:sld>
 </file>
 
 <file path=ppt/slides/slide10.xml><?xml version="1.0" encoding="utf-8"?>
+<p:sld xmlns:a="http://schemas.openxmlformats.org/drawingml/2006/main" xmlns:r="http://schemas.openxmlformats.org/officeDocument/2006/relationships" xmlns:p="http://schemas.openxmlformats.org/presentationml/2006/main">
+  <p:cSld>
+    <p:spTree>
+      <p:nvGrpSpPr>
+        <p:cNvPr id="1" name=""/>
+        <p:cNvGrpSpPr/>
+        <p:nvPr/>
+      </p:nvGrpSpPr>
+      <p:grpSpPr>
+        <a:xfrm>
+          <a:off x="0" y="0"/>
+          <a:ext cx="0" cy="0"/>
+          <a:chOff x="0" y="0"/>
+          <a:chExt cx="0" cy="0"/>
+        </a:xfrm>
+      </p:grpSpPr>
+      <p:sp>
+        <p:nvSpPr>
+          <p:cNvPr id="4" name="Title 3"/>
+          <p:cNvSpPr>
+            <a:spLocks noGrp="1"/>
+          </p:cNvSpPr>
+          <p:nvPr>
+            <p:ph type="title"/>
+          </p:nvPr>
+        </p:nvSpPr>
+        <p:spPr/>
+        <p:txBody>
+          <a:bodyPr/>
+          <a:lstStyle/>
+          <a:p>
+            <a:r>
+              <a:rPr lang="en-US" dirty="0" smtClean="0"/>
+              <a:t>Sorting Lists of Tuples</a:t>
+            </a:r>
+            <a:r>
+              <a:rPr lang="is-IS" dirty="0" smtClean="0"/>
+              <a:t>…</a:t>
+            </a:r>
+            <a:endParaRPr lang="en-US" dirty="0"/>
+          </a:p>
+        </p:txBody>
+      </p:sp>
+      <p:sp>
+        <p:nvSpPr>
+          <p:cNvPr id="5" name="Text Placeholder 4"/>
+          <p:cNvSpPr>
+            <a:spLocks noGrp="1"/>
+          </p:cNvSpPr>
+          <p:nvPr>
+            <p:ph type="body" idx="1"/>
+          </p:nvPr>
+        </p:nvSpPr>
+        <p:spPr/>
+        <p:txBody>
+          <a:bodyPr/>
+          <a:lstStyle/>
+          <a:p>
+            <a:endParaRPr lang="en-US"/>
+          </a:p>
+        </p:txBody>
+      </p:sp>
+    </p:spTree>
+    <p:extLst>
+      <p:ext uri="{BB962C8B-B14F-4D97-AF65-F5344CB8AC3E}">
+        <p14:creationId xmlns:p14="http://schemas.microsoft.com/office/powerpoint/2010/main" val="1123644704"/>
+      </p:ext>
+    </p:extLst>
+  </p:cSld>
+  <p:clrMapOvr>
+    <a:masterClrMapping/>
+  </p:clrMapOvr>
+  <p:timing>
+    <p:tnLst>
+      <p:par>
+        <p:cTn id="1" dur="indefinite" restart="never" nodeType="tmRoot"/>
+      </p:par>
+    </p:tnLst>
+  </p:timing>
+</p:sld>
+</file>
+
+<file path=ppt/slides/slide11.xml><?xml version="1.0" encoding="utf-8"?>
 <p:sld xmlns:a="http://schemas.openxmlformats.org/drawingml/2006/main" xmlns:r="http://schemas.openxmlformats.org/officeDocument/2006/relationships" xmlns:p="http://schemas.openxmlformats.org/presentationml/2006/main">
   <p:cSld>
     <p:spTree>
@@ -5782,10 +5873,17 @@
   <p:clrMapOvr>
     <a:masterClrMapping/>
   </p:clrMapOvr>
+  <p:timing>
+    <p:tnLst>
+      <p:par>
+        <p:cTn id="1" dur="indefinite" restart="never" nodeType="tmRoot"/>
+      </p:par>
+    </p:tnLst>
+  </p:timing>
 </p:sld>
 </file>
 
-<file path=ppt/slides/slide11.xml><?xml version="1.0" encoding="utf-8"?>
+<file path=ppt/slides/slide12.xml><?xml version="1.0" encoding="utf-8"?>
 <p:sld xmlns:a="http://schemas.openxmlformats.org/drawingml/2006/main" xmlns:r="http://schemas.openxmlformats.org/officeDocument/2006/relationships" xmlns:p="http://schemas.openxmlformats.org/presentationml/2006/main">
   <p:cSld>
     <p:spTree>
@@ -6692,10 +6790,17 @@
   <p:clrMapOvr>
     <a:masterClrMapping/>
   </p:clrMapOvr>
+  <p:timing>
+    <p:tnLst>
+      <p:par>
+        <p:cTn id="1" dur="indefinite" restart="never" nodeType="tmRoot"/>
+      </p:par>
+    </p:tnLst>
+  </p:timing>
 </p:sld>
 </file>
 
-<file path=ppt/slides/slide12.xml><?xml version="1.0" encoding="utf-8"?>
+<file path=ppt/slides/slide13.xml><?xml version="1.0" encoding="utf-8"?>
 <p:sld xmlns:a="http://schemas.openxmlformats.org/drawingml/2006/main" xmlns:r="http://schemas.openxmlformats.org/officeDocument/2006/relationships" xmlns:p="http://schemas.openxmlformats.org/presentationml/2006/main">
   <p:cSld>
     <p:spTree>
@@ -7702,10 +7807,17 @@
   <p:clrMapOvr>
     <a:masterClrMapping/>
   </p:clrMapOvr>
+  <p:timing>
+    <p:tnLst>
+      <p:par>
+        <p:cTn id="1" dur="indefinite" restart="never" nodeType="tmRoot"/>
+      </p:par>
+    </p:tnLst>
+  </p:timing>
 </p:sld>
 </file>
 
-<file path=ppt/slides/slide13.xml><?xml version="1.0" encoding="utf-8"?>
+<file path=ppt/slides/slide14.xml><?xml version="1.0" encoding="utf-8"?>
 <p:sld xmlns:a="http://schemas.openxmlformats.org/drawingml/2006/main" xmlns:r="http://schemas.openxmlformats.org/officeDocument/2006/relationships" xmlns:p="http://schemas.openxmlformats.org/presentationml/2006/main">
   <p:cSld>
     <p:spTree>
@@ -9236,10 +9348,17 @@
   <p:clrMapOvr>
     <a:masterClrMapping/>
   </p:clrMapOvr>
+  <p:timing>
+    <p:tnLst>
+      <p:par>
+        <p:cTn id="1" dur="indefinite" restart="never" nodeType="tmRoot"/>
+      </p:par>
+    </p:tnLst>
+  </p:timing>
 </p:sld>
 </file>
 
-<file path=ppt/slides/slide14.xml><?xml version="1.0" encoding="utf-8"?>
+<file path=ppt/slides/slide15.xml><?xml version="1.0" encoding="utf-8"?>
 <p:sld xmlns:a="http://schemas.openxmlformats.org/drawingml/2006/main" xmlns:r="http://schemas.openxmlformats.org/officeDocument/2006/relationships" xmlns:p="http://schemas.openxmlformats.org/presentationml/2006/main">
   <p:cSld>
     <p:spTree>
@@ -9964,10 +10083,17 @@
   <p:clrMapOvr>
     <a:masterClrMapping/>
   </p:clrMapOvr>
+  <p:timing>
+    <p:tnLst>
+      <p:par>
+        <p:cTn id="1" dur="indefinite" restart="never" nodeType="tmRoot"/>
+      </p:par>
+    </p:tnLst>
+  </p:timing>
 </p:sld>
 </file>
 
-<file path=ppt/slides/slide15.xml><?xml version="1.0" encoding="utf-8"?>
+<file path=ppt/slides/slide16.xml><?xml version="1.0" encoding="utf-8"?>
 <p:sld xmlns:a="http://schemas.openxmlformats.org/drawingml/2006/main" xmlns:r="http://schemas.openxmlformats.org/officeDocument/2006/relationships" xmlns:p="http://schemas.openxmlformats.org/presentationml/2006/main">
   <p:cSld>
     <p:spTree>
@@ -10296,10 +10422,17 @@
   <p:clrMapOvr>
     <a:masterClrMapping/>
   </p:clrMapOvr>
+  <p:timing>
+    <p:tnLst>
+      <p:par>
+        <p:cTn id="1" dur="indefinite" restart="never" nodeType="tmRoot"/>
+      </p:par>
+    </p:tnLst>
+  </p:timing>
 </p:sld>
 </file>
 
-<file path=ppt/slides/slide16.xml><?xml version="1.0" encoding="utf-8"?>
+<file path=ppt/slides/slide17.xml><?xml version="1.0" encoding="utf-8"?>
 <p:sld xmlns:a="http://schemas.openxmlformats.org/drawingml/2006/main" xmlns:r="http://schemas.openxmlformats.org/officeDocument/2006/relationships" xmlns:p="http://schemas.openxmlformats.org/presentationml/2006/main">
   <p:cSld>
     <p:spTree>
@@ -10716,6 +10849,13 @@
   <p:clrMapOvr>
     <a:masterClrMapping/>
   </p:clrMapOvr>
+  <p:timing>
+    <p:tnLst>
+      <p:par>
+        <p:cTn id="1" dur="indefinite" restart="never" nodeType="tmRoot"/>
+      </p:par>
+    </p:tnLst>
+  </p:timing>
 </p:sld>
 </file>
 
@@ -11726,6 +11866,13 @@
   <p:clrMapOvr>
     <a:masterClrMapping/>
   </p:clrMapOvr>
+  <p:timing>
+    <p:tnLst>
+      <p:par>
+        <p:cTn id="1" dur="indefinite" restart="never" nodeType="tmRoot"/>
+      </p:par>
+    </p:tnLst>
+  </p:timing>
 </p:sld>
 </file>
 
@@ -12831,6 +12978,13 @@
   <p:clrMapOvr>
     <a:masterClrMapping/>
   </p:clrMapOvr>
+  <p:timing>
+    <p:tnLst>
+      <p:par>
+        <p:cTn id="1" dur="indefinite" restart="never" nodeType="tmRoot"/>
+      </p:par>
+    </p:tnLst>
+  </p:timing>
 </p:sld>
 </file>
 
@@ -13520,6 +13674,13 @@
   <p:clrMapOvr>
     <a:masterClrMapping/>
   </p:clrMapOvr>
+  <p:timing>
+    <p:tnLst>
+      <p:par>
+        <p:cTn id="1" dur="indefinite" restart="never" nodeType="tmRoot"/>
+      </p:par>
+    </p:tnLst>
+  </p:timing>
 </p:sld>
 </file>
 
@@ -14033,6 +14194,13 @@
   <p:clrMapOvr>
     <a:masterClrMapping/>
   </p:clrMapOvr>
+  <p:timing>
+    <p:tnLst>
+      <p:par>
+        <p:cTn id="1" dur="indefinite" restart="never" nodeType="tmRoot"/>
+      </p:par>
+    </p:tnLst>
+  </p:timing>
 </p:sld>
 </file>
 
@@ -14207,6 +14375,13 @@
   <p:clrMapOvr>
     <a:masterClrMapping/>
   </p:clrMapOvr>
+  <p:timing>
+    <p:tnLst>
+      <p:par>
+        <p:cTn id="1" dur="indefinite" restart="never" nodeType="tmRoot"/>
+      </p:par>
+    </p:tnLst>
+  </p:timing>
 </p:sld>
 </file>
 
@@ -14814,6 +14989,13 @@
   <p:clrMapOvr>
     <a:masterClrMapping/>
   </p:clrMapOvr>
+  <p:timing>
+    <p:tnLst>
+      <p:par>
+        <p:cTn id="1" dur="indefinite" restart="never" nodeType="tmRoot"/>
+      </p:par>
+    </p:tnLst>
+  </p:timing>
 </p:sld>
 </file>
 
@@ -15928,6 +16110,13 @@
   <p:clrMapOvr>
     <a:masterClrMapping/>
   </p:clrMapOvr>
+  <p:timing>
+    <p:tnLst>
+      <p:par>
+        <p:cTn id="1" dur="indefinite" restart="never" nodeType="tmRoot"/>
+      </p:par>
+    </p:tnLst>
+  </p:timing>
 </p:sld>
 </file>
 
@@ -15991,7 +16180,7 @@
               <a:buNone/>
             </a:pPr>
             <a:r>
-              <a:rPr lang="en-US" sz="7800" u="none" strike="noStrike" cap="none">
+              <a:rPr lang="en-US" sz="7800" u="none" strike="noStrike" cap="none" dirty="0">
                 <a:solidFill>
                   <a:srgbClr val="FFFF00"/>
                 </a:solidFill>
@@ -16548,6 +16737,13 @@
   <p:clrMapOvr>
     <a:masterClrMapping/>
   </p:clrMapOvr>
+  <p:timing>
+    <p:tnLst>
+      <p:par>
+        <p:cTn id="1" dur="indefinite" restart="never" nodeType="tmRoot"/>
+      </p:par>
+    </p:tnLst>
+  </p:timing>
 </p:sld>
 </file>
 

--- a/lectures3/Pythonlearn-10-Tuples.pptx
+++ b/lectures3/Pythonlearn-10-Tuples.pptx
@@ -5,7 +5,7 @@
     <p:sldMasterId id="2147483692" r:id="rId1"/>
   </p:sldMasterIdLst>
   <p:notesMasterIdLst>
-    <p:notesMasterId r:id="rId19"/>
+    <p:notesMasterId r:id="rId18"/>
   </p:notesMasterIdLst>
   <p:sldIdLst>
     <p:sldId id="256" r:id="rId2"/>
@@ -17,14 +17,13 @@
     <p:sldId id="262" r:id="rId8"/>
     <p:sldId id="263" r:id="rId9"/>
     <p:sldId id="264" r:id="rId10"/>
-    <p:sldId id="272" r:id="rId11"/>
-    <p:sldId id="265" r:id="rId12"/>
-    <p:sldId id="266" r:id="rId13"/>
-    <p:sldId id="267" r:id="rId14"/>
-    <p:sldId id="268" r:id="rId15"/>
-    <p:sldId id="269" r:id="rId16"/>
-    <p:sldId id="270" r:id="rId17"/>
-    <p:sldId id="271" r:id="rId18"/>
+    <p:sldId id="265" r:id="rId11"/>
+    <p:sldId id="266" r:id="rId12"/>
+    <p:sldId id="267" r:id="rId13"/>
+    <p:sldId id="268" r:id="rId14"/>
+    <p:sldId id="269" r:id="rId15"/>
+    <p:sldId id="270" r:id="rId16"/>
+    <p:sldId id="271" r:id="rId17"/>
   </p:sldIdLst>
   <p:sldSz cx="16256000" cy="9144000"/>
   <p:notesSz cx="6858000" cy="9144000"/>
@@ -232,7 +231,7 @@
   </p:defaultTextStyle>
   <p:extLst>
     <p:ext uri="{EFAFB233-063F-42B5-8137-9DF3F51BA10A}">
-      <p15:sldGuideLst xmlns:p15="http://schemas.microsoft.com/office/powerpoint/2012/main">
+      <p15:sldGuideLst xmlns:p15="http://schemas.microsoft.com/office/powerpoint/2012/main" xmlns="">
         <p15:guide id="1" orient="horz" pos="2880">
           <p15:clr>
             <a:srgbClr val="A4A3A4"/>
@@ -5019,7 +5018,7 @@
   <p:timing>
     <p:tnLst>
       <p:par>
-        <p:cTn id="1" dur="indefinite" restart="never" nodeType="tmRoot"/>
+        <p:cTn xmlns:p14="http://schemas.microsoft.com/office/powerpoint/2010/main" id="1" dur="indefinite" restart="never" nodeType="tmRoot"/>
       </p:par>
     </p:tnLst>
   </p:timing>
@@ -5027,89 +5026,6 @@
 </file>
 
 <file path=ppt/slides/slide10.xml><?xml version="1.0" encoding="utf-8"?>
-<p:sld xmlns:a="http://schemas.openxmlformats.org/drawingml/2006/main" xmlns:r="http://schemas.openxmlformats.org/officeDocument/2006/relationships" xmlns:p="http://schemas.openxmlformats.org/presentationml/2006/main">
-  <p:cSld>
-    <p:spTree>
-      <p:nvGrpSpPr>
-        <p:cNvPr id="1" name=""/>
-        <p:cNvGrpSpPr/>
-        <p:nvPr/>
-      </p:nvGrpSpPr>
-      <p:grpSpPr>
-        <a:xfrm>
-          <a:off x="0" y="0"/>
-          <a:ext cx="0" cy="0"/>
-          <a:chOff x="0" y="0"/>
-          <a:chExt cx="0" cy="0"/>
-        </a:xfrm>
-      </p:grpSpPr>
-      <p:sp>
-        <p:nvSpPr>
-          <p:cNvPr id="4" name="Title 3"/>
-          <p:cNvSpPr>
-            <a:spLocks noGrp="1"/>
-          </p:cNvSpPr>
-          <p:nvPr>
-            <p:ph type="title"/>
-          </p:nvPr>
-        </p:nvSpPr>
-        <p:spPr/>
-        <p:txBody>
-          <a:bodyPr/>
-          <a:lstStyle/>
-          <a:p>
-            <a:r>
-              <a:rPr lang="en-US" dirty="0" smtClean="0"/>
-              <a:t>Sorting Lists of Tuples</a:t>
-            </a:r>
-            <a:r>
-              <a:rPr lang="is-IS" dirty="0" smtClean="0"/>
-              <a:t>…</a:t>
-            </a:r>
-            <a:endParaRPr lang="en-US" dirty="0"/>
-          </a:p>
-        </p:txBody>
-      </p:sp>
-      <p:sp>
-        <p:nvSpPr>
-          <p:cNvPr id="5" name="Text Placeholder 4"/>
-          <p:cNvSpPr>
-            <a:spLocks noGrp="1"/>
-          </p:cNvSpPr>
-          <p:nvPr>
-            <p:ph type="body" idx="1"/>
-          </p:nvPr>
-        </p:nvSpPr>
-        <p:spPr/>
-        <p:txBody>
-          <a:bodyPr/>
-          <a:lstStyle/>
-          <a:p>
-            <a:endParaRPr lang="en-US"/>
-          </a:p>
-        </p:txBody>
-      </p:sp>
-    </p:spTree>
-    <p:extLst>
-      <p:ext uri="{BB962C8B-B14F-4D97-AF65-F5344CB8AC3E}">
-        <p14:creationId xmlns:p14="http://schemas.microsoft.com/office/powerpoint/2010/main" val="1123644704"/>
-      </p:ext>
-    </p:extLst>
-  </p:cSld>
-  <p:clrMapOvr>
-    <a:masterClrMapping/>
-  </p:clrMapOvr>
-  <p:timing>
-    <p:tnLst>
-      <p:par>
-        <p:cTn id="1" dur="indefinite" restart="never" nodeType="tmRoot"/>
-      </p:par>
-    </p:tnLst>
-  </p:timing>
-</p:sld>
-</file>
-
-<file path=ppt/slides/slide11.xml><?xml version="1.0" encoding="utf-8"?>
 <p:sld xmlns:a="http://schemas.openxmlformats.org/drawingml/2006/main" xmlns:r="http://schemas.openxmlformats.org/officeDocument/2006/relationships" xmlns:p="http://schemas.openxmlformats.org/presentationml/2006/main">
   <p:cSld>
     <p:spTree>
@@ -5411,37 +5327,37 @@
               <a:buNone/>
             </a:pPr>
             <a:r>
-              <a:rPr lang="en-US" sz="3000" b="1" i="0" u="none" strike="noStrike" cap="none" dirty="0">
-                <a:solidFill>
-                  <a:schemeClr val="lt1"/>
-                </a:solidFill>
-                <a:latin typeface="Courier New"/>
-                <a:ea typeface="Courier New"/>
-                <a:cs typeface="Courier New"/>
+              <a:rPr lang="en-US" sz="3000" i="0" u="none" strike="noStrike" cap="none" dirty="0">
+                <a:solidFill>
+                  <a:schemeClr val="lt1"/>
+                </a:solidFill>
+                <a:latin typeface="Courier"/>
+                <a:ea typeface="Courier New"/>
+                <a:cs typeface="Courier"/>
                 <a:sym typeface="Courier New"/>
               </a:rPr>
               <a:t>&gt;&gt;&gt; </a:t>
             </a:r>
             <a:r>
-              <a:rPr lang="en-US" sz="3000" b="1" i="0" u="none" strike="noStrike" cap="none" dirty="0">
+              <a:rPr lang="en-US" sz="3000" i="0" u="none" strike="noStrike" cap="none" dirty="0">
                 <a:solidFill>
                   <a:srgbClr val="00FF00"/>
                 </a:solidFill>
-                <a:latin typeface="Courier New"/>
-                <a:ea typeface="Courier New"/>
-                <a:cs typeface="Courier New"/>
+                <a:latin typeface="Courier"/>
+                <a:ea typeface="Courier New"/>
+                <a:cs typeface="Courier"/>
                 <a:sym typeface="Courier New"/>
               </a:rPr>
               <a:t>d</a:t>
             </a:r>
             <a:r>
-              <a:rPr lang="en-US" sz="3000" b="1" i="0" u="none" strike="noStrike" cap="none" dirty="0">
-                <a:solidFill>
-                  <a:schemeClr val="lt1"/>
-                </a:solidFill>
-                <a:latin typeface="Courier New"/>
-                <a:ea typeface="Courier New"/>
-                <a:cs typeface="Courier New"/>
+              <a:rPr lang="en-US" sz="3000" i="0" u="none" strike="noStrike" cap="none" dirty="0">
+                <a:solidFill>
+                  <a:schemeClr val="lt1"/>
+                </a:solidFill>
+                <a:latin typeface="Courier"/>
+                <a:ea typeface="Courier New"/>
+                <a:cs typeface="Courier"/>
                 <a:sym typeface="Courier New"/>
               </a:rPr>
               <a:t> = {'a':10, 'b':1, 'c':22}</a:t>
@@ -5466,49 +5382,49 @@
               <a:buNone/>
             </a:pPr>
             <a:r>
-              <a:rPr lang="en-US" sz="3000" b="1" i="0" u="none" strike="noStrike" cap="none" dirty="0">
-                <a:solidFill>
-                  <a:schemeClr val="lt1"/>
-                </a:solidFill>
-                <a:latin typeface="Courier New"/>
-                <a:ea typeface="Courier New"/>
-                <a:cs typeface="Courier New"/>
+              <a:rPr lang="en-US" sz="3000" i="0" u="none" strike="noStrike" cap="none" dirty="0">
+                <a:solidFill>
+                  <a:schemeClr val="lt1"/>
+                </a:solidFill>
+                <a:latin typeface="Courier"/>
+                <a:ea typeface="Courier New"/>
+                <a:cs typeface="Courier"/>
                 <a:sym typeface="Courier New"/>
               </a:rPr>
               <a:t>&gt;&gt;&gt; </a:t>
             </a:r>
             <a:r>
-              <a:rPr lang="en-US" sz="3000" b="1" i="0" u="none" strike="noStrike" cap="none" dirty="0" err="1" smtClean="0">
+              <a:rPr lang="en-US" sz="3000" i="0" u="none" strike="noStrike" cap="none" dirty="0" err="1" smtClean="0">
                 <a:solidFill>
                   <a:srgbClr val="00FF00"/>
                 </a:solidFill>
-                <a:latin typeface="Courier New"/>
-                <a:ea typeface="Courier New"/>
-                <a:cs typeface="Courier New"/>
+                <a:latin typeface="Courier"/>
+                <a:ea typeface="Courier New"/>
+                <a:cs typeface="Courier"/>
                 <a:sym typeface="Courier New"/>
               </a:rPr>
               <a:t>d</a:t>
             </a:r>
             <a:r>
-              <a:rPr lang="en-US" sz="3000" b="1" i="0" u="none" strike="noStrike" cap="none" dirty="0" err="1" smtClean="0">
+              <a:rPr lang="en-US" sz="3000" i="0" u="none" strike="noStrike" cap="none" dirty="0" err="1" smtClean="0">
                 <a:solidFill>
                   <a:srgbClr val="FF00FF"/>
                 </a:solidFill>
-                <a:latin typeface="Courier New"/>
-                <a:ea typeface="Courier New"/>
-                <a:cs typeface="Courier New"/>
+                <a:latin typeface="Courier"/>
+                <a:ea typeface="Courier New"/>
+                <a:cs typeface="Courier"/>
                 <a:sym typeface="Courier New"/>
               </a:rPr>
               <a:t>.items</a:t>
             </a:r>
             <a:r>
-              <a:rPr lang="en-US" sz="3000" b="1" i="0" u="none" strike="noStrike" cap="none" dirty="0">
-                <a:solidFill>
-                  <a:schemeClr val="lt1"/>
-                </a:solidFill>
-                <a:latin typeface="Courier New"/>
-                <a:ea typeface="Courier New"/>
-                <a:cs typeface="Courier New"/>
+              <a:rPr lang="en-US" sz="3000" i="0" u="none" strike="noStrike" cap="none" dirty="0">
+                <a:solidFill>
+                  <a:schemeClr val="lt1"/>
+                </a:solidFill>
+                <a:latin typeface="Courier"/>
+                <a:ea typeface="Courier New"/>
+                <a:cs typeface="Courier"/>
                 <a:sym typeface="Courier New"/>
               </a:rPr>
               <a:t>()</a:t>
@@ -5533,132 +5449,132 @@
               <a:buNone/>
             </a:pPr>
             <a:r>
-              <a:rPr lang="en-US" sz="3000" b="1" i="0" u="none" strike="noStrike" cap="none" dirty="0" err="1" smtClean="0">
-                <a:solidFill>
-                  <a:schemeClr val="lt1"/>
-                </a:solidFill>
-                <a:latin typeface="Courier New"/>
-                <a:ea typeface="Courier New"/>
-                <a:cs typeface="Courier New"/>
+              <a:rPr lang="en-US" sz="3000" i="0" u="none" strike="noStrike" cap="none" dirty="0" err="1" smtClean="0">
+                <a:solidFill>
+                  <a:schemeClr val="lt1"/>
+                </a:solidFill>
+                <a:latin typeface="Courier"/>
+                <a:ea typeface="Courier New"/>
+                <a:cs typeface="Courier"/>
                 <a:sym typeface="Courier New"/>
               </a:rPr>
               <a:t>dict_items</a:t>
             </a:r>
             <a:r>
-              <a:rPr lang="en-US" sz="3000" b="1" i="0" u="none" strike="noStrike" cap="none" dirty="0" smtClean="0">
-                <a:solidFill>
-                  <a:schemeClr val="lt1"/>
-                </a:solidFill>
-                <a:latin typeface="Courier New"/>
-                <a:ea typeface="Courier New"/>
-                <a:cs typeface="Courier New"/>
+              <a:rPr lang="en-US" sz="3000" i="0" u="none" strike="noStrike" cap="none" dirty="0" smtClean="0">
+                <a:solidFill>
+                  <a:schemeClr val="lt1"/>
+                </a:solidFill>
+                <a:latin typeface="Courier"/>
+                <a:ea typeface="Courier New"/>
+                <a:cs typeface="Courier"/>
                 <a:sym typeface="Courier New"/>
               </a:rPr>
               <a:t>([</a:t>
             </a:r>
             <a:r>
-              <a:rPr lang="en-US" sz="3000" b="1" i="0" u="none" strike="noStrike" cap="none" dirty="0" smtClean="0">
+              <a:rPr lang="en-US" sz="3000" i="0" u="none" strike="noStrike" cap="none" dirty="0" smtClean="0">
                 <a:solidFill>
                   <a:srgbClr val="FF7F00"/>
                 </a:solidFill>
-                <a:latin typeface="Courier New"/>
-                <a:ea typeface="Courier New"/>
-                <a:cs typeface="Courier New"/>
+                <a:latin typeface="Courier"/>
+                <a:ea typeface="Courier New"/>
+                <a:cs typeface="Courier"/>
                 <a:sym typeface="Courier New"/>
               </a:rPr>
               <a:t>(</a:t>
             </a:r>
             <a:r>
-              <a:rPr lang="en-US" sz="3000" b="1" i="0" u="none" strike="noStrike" cap="none" dirty="0">
+              <a:rPr lang="en-US" sz="3000" i="0" u="none" strike="noStrike" cap="none" dirty="0">
                 <a:solidFill>
                   <a:srgbClr val="FF7F00"/>
                 </a:solidFill>
-                <a:latin typeface="Courier New"/>
-                <a:ea typeface="Courier New"/>
-                <a:cs typeface="Courier New"/>
+                <a:latin typeface="Courier"/>
+                <a:ea typeface="Courier New"/>
+                <a:cs typeface="Courier"/>
                 <a:sym typeface="Courier New"/>
               </a:rPr>
               <a:t>'a', 10)</a:t>
             </a:r>
             <a:r>
-              <a:rPr lang="en-US" sz="3000" b="1" i="0" u="none" strike="noStrike" cap="none" dirty="0">
-                <a:solidFill>
-                  <a:schemeClr val="lt1"/>
-                </a:solidFill>
-                <a:latin typeface="Courier New"/>
-                <a:ea typeface="Courier New"/>
-                <a:cs typeface="Courier New"/>
+              <a:rPr lang="en-US" sz="3000" i="0" u="none" strike="noStrike" cap="none" dirty="0">
+                <a:solidFill>
+                  <a:schemeClr val="lt1"/>
+                </a:solidFill>
+                <a:latin typeface="Courier"/>
+                <a:ea typeface="Courier New"/>
+                <a:cs typeface="Courier"/>
                 <a:sym typeface="Courier New"/>
               </a:rPr>
               <a:t>, </a:t>
             </a:r>
             <a:r>
-              <a:rPr lang="en-US" sz="3000" b="1" i="0" u="none" strike="noStrike" cap="none" dirty="0">
+              <a:rPr lang="en-US" sz="3000" i="0" u="none" strike="noStrike" cap="none" dirty="0">
                 <a:solidFill>
                   <a:srgbClr val="FF7F00"/>
                 </a:solidFill>
-                <a:latin typeface="Courier New"/>
-                <a:ea typeface="Courier New"/>
-                <a:cs typeface="Courier New"/>
+                <a:latin typeface="Courier"/>
+                <a:ea typeface="Courier New"/>
+                <a:cs typeface="Courier"/>
                 <a:sym typeface="Courier New"/>
               </a:rPr>
               <a:t>('c', 22)</a:t>
             </a:r>
             <a:r>
-              <a:rPr lang="en-US" sz="3000" b="1" i="0" u="none" strike="noStrike" cap="none" dirty="0">
-                <a:solidFill>
-                  <a:schemeClr val="lt1"/>
-                </a:solidFill>
-                <a:latin typeface="Courier New"/>
-                <a:ea typeface="Courier New"/>
-                <a:cs typeface="Courier New"/>
+              <a:rPr lang="en-US" sz="3000" i="0" u="none" strike="noStrike" cap="none" dirty="0">
+                <a:solidFill>
+                  <a:schemeClr val="lt1"/>
+                </a:solidFill>
+                <a:latin typeface="Courier"/>
+                <a:ea typeface="Courier New"/>
+                <a:cs typeface="Courier"/>
                 <a:sym typeface="Courier New"/>
               </a:rPr>
               <a:t>, </a:t>
             </a:r>
             <a:r>
-              <a:rPr lang="en-US" sz="3000" b="1" i="0" u="none" strike="noStrike" cap="none" dirty="0">
+              <a:rPr lang="en-US" sz="3000" i="0" u="none" strike="noStrike" cap="none" dirty="0">
                 <a:solidFill>
                   <a:srgbClr val="FF7F00"/>
                 </a:solidFill>
-                <a:latin typeface="Courier New"/>
-                <a:ea typeface="Courier New"/>
-                <a:cs typeface="Courier New"/>
+                <a:latin typeface="Courier"/>
+                <a:ea typeface="Courier New"/>
+                <a:cs typeface="Courier"/>
                 <a:sym typeface="Courier New"/>
               </a:rPr>
               <a:t>('b', 1</a:t>
             </a:r>
             <a:r>
-              <a:rPr lang="en-US" sz="3000" b="1" i="0" u="none" strike="noStrike" cap="none" dirty="0" smtClean="0">
+              <a:rPr lang="en-US" sz="3000" i="0" u="none" strike="noStrike" cap="none" dirty="0" smtClean="0">
                 <a:solidFill>
                   <a:srgbClr val="FF7F00"/>
                 </a:solidFill>
-                <a:latin typeface="Courier New"/>
-                <a:ea typeface="Courier New"/>
-                <a:cs typeface="Courier New"/>
+                <a:latin typeface="Courier"/>
+                <a:ea typeface="Courier New"/>
+                <a:cs typeface="Courier"/>
                 <a:sym typeface="Courier New"/>
               </a:rPr>
               <a:t>)</a:t>
             </a:r>
             <a:r>
-              <a:rPr lang="en-US" sz="3000" b="1" i="0" u="none" strike="noStrike" cap="none" dirty="0" smtClean="0">
-                <a:solidFill>
-                  <a:schemeClr val="lt1"/>
-                </a:solidFill>
-                <a:latin typeface="Courier New"/>
-                <a:ea typeface="Courier New"/>
-                <a:cs typeface="Courier New"/>
+              <a:rPr lang="en-US" sz="3000" i="0" u="none" strike="noStrike" cap="none" dirty="0" smtClean="0">
+                <a:solidFill>
+                  <a:schemeClr val="lt1"/>
+                </a:solidFill>
+                <a:latin typeface="Courier"/>
+                <a:ea typeface="Courier New"/>
+                <a:cs typeface="Courier"/>
                 <a:sym typeface="Courier New"/>
               </a:rPr>
               <a:t>])</a:t>
             </a:r>
-            <a:endParaRPr lang="en-US" sz="3000" b="1" i="0" u="none" strike="noStrike" cap="none" dirty="0">
+            <a:endParaRPr lang="en-US" sz="3000" i="0" u="none" strike="noStrike" cap="none" dirty="0">
               <a:solidFill>
                 <a:schemeClr val="lt1"/>
               </a:solidFill>
-              <a:latin typeface="Courier New"/>
+              <a:latin typeface="Courier"/>
               <a:ea typeface="Courier New"/>
-              <a:cs typeface="Courier New"/>
+              <a:cs typeface="Courier"/>
               <a:sym typeface="Courier New"/>
             </a:endParaRPr>
           </a:p>
@@ -5670,84 +5586,84 @@
               <a:buSzPct val="25000"/>
             </a:pPr>
             <a:r>
-              <a:rPr lang="en-US" sz="3000" b="1" i="0" u="none" strike="noStrike" cap="none" dirty="0">
-                <a:solidFill>
-                  <a:schemeClr val="lt1"/>
-                </a:solidFill>
-                <a:latin typeface="Courier New"/>
-                <a:ea typeface="Courier New"/>
-                <a:cs typeface="Courier New"/>
+              <a:rPr lang="en-US" sz="3000" i="0" u="none" strike="noStrike" cap="none" dirty="0">
+                <a:solidFill>
+                  <a:schemeClr val="lt1"/>
+                </a:solidFill>
+                <a:latin typeface="Courier"/>
+                <a:ea typeface="Courier New"/>
+                <a:cs typeface="Courier"/>
                 <a:sym typeface="Courier New"/>
               </a:rPr>
               <a:t>&gt;&gt;&gt; </a:t>
             </a:r>
             <a:r>
-              <a:rPr lang="en-US" sz="3000" b="1" dirty="0">
+              <a:rPr lang="en-US" sz="3000" dirty="0">
                 <a:solidFill>
                   <a:srgbClr val="FFFF00"/>
                 </a:solidFill>
-                <a:latin typeface="Courier New"/>
-                <a:ea typeface="Courier New"/>
-                <a:cs typeface="Courier New"/>
+                <a:latin typeface="Courier"/>
+                <a:ea typeface="Courier New"/>
+                <a:cs typeface="Courier"/>
                 <a:sym typeface="Courier New"/>
               </a:rPr>
               <a:t>sorted(</a:t>
             </a:r>
             <a:r>
-              <a:rPr lang="en-US" sz="3000" b="1" dirty="0" err="1">
+              <a:rPr lang="en-US" sz="3000" dirty="0" err="1">
                 <a:solidFill>
                   <a:srgbClr val="00FF00"/>
                 </a:solidFill>
-                <a:latin typeface="Courier New"/>
-                <a:ea typeface="Courier New"/>
-                <a:cs typeface="Courier New"/>
+                <a:latin typeface="Courier"/>
+                <a:ea typeface="Courier New"/>
+                <a:cs typeface="Courier"/>
                 <a:sym typeface="Courier New"/>
               </a:rPr>
               <a:t>d</a:t>
             </a:r>
             <a:r>
-              <a:rPr lang="en-US" sz="3000" b="1" dirty="0" err="1">
+              <a:rPr lang="en-US" sz="3000" dirty="0" err="1">
                 <a:solidFill>
                   <a:srgbClr val="FF00FF"/>
                 </a:solidFill>
-                <a:latin typeface="Courier New"/>
-                <a:ea typeface="Courier New"/>
-                <a:cs typeface="Courier New"/>
+                <a:latin typeface="Courier"/>
+                <a:ea typeface="Courier New"/>
+                <a:cs typeface="Courier"/>
                 <a:sym typeface="Courier New"/>
               </a:rPr>
               <a:t>.items</a:t>
             </a:r>
             <a:r>
-              <a:rPr lang="en-US" sz="3000" b="1" dirty="0" smtClean="0">
-                <a:solidFill>
-                  <a:schemeClr val="lt1"/>
-                </a:solidFill>
-                <a:latin typeface="Courier New"/>
-                <a:ea typeface="Courier New"/>
-                <a:cs typeface="Courier New"/>
+              <a:rPr lang="en-US" sz="3000" dirty="0" smtClean="0">
+                <a:solidFill>
+                  <a:schemeClr val="lt1"/>
+                </a:solidFill>
+                <a:latin typeface="Courier"/>
+                <a:ea typeface="Courier New"/>
+                <a:cs typeface="Courier"/>
                 <a:sym typeface="Courier New"/>
               </a:rPr>
               <a:t>()</a:t>
             </a:r>
             <a:r>
-              <a:rPr lang="en-US" sz="3000" b="1" dirty="0" smtClean="0">
+              <a:rPr lang="en-US" sz="3000" dirty="0" smtClean="0">
                 <a:solidFill>
                   <a:srgbClr val="FFFC00"/>
                 </a:solidFill>
-                <a:latin typeface="Courier New"/>
-                <a:ea typeface="Courier New"/>
-                <a:cs typeface="Courier New"/>
+                <a:latin typeface="Courier"/>
+                <a:ea typeface="Courier New"/>
+                <a:cs typeface="Courier"/>
                 <a:sym typeface="Courier New"/>
               </a:rPr>
               <a:t>)</a:t>
             </a:r>
-            <a:endParaRPr lang="en-US" sz="3000" b="1" i="0" u="none" strike="noStrike" cap="none" dirty="0">
+            <a:endParaRPr lang="en-US" sz="3000" i="0" u="none" strike="noStrike" cap="none" dirty="0">
               <a:solidFill>
                 <a:srgbClr val="FFFC00"/>
               </a:solidFill>
-              <a:latin typeface="Courier New"/>
+              <a:latin typeface="Courier"/>
               <a:ea typeface="Courier New"/>
-              <a:cs typeface="Courier New"/>
+              <a:cs typeface="Courier"/>
               <a:sym typeface="Courier New"/>
             </a:endParaRPr>
           </a:p>
@@ -5770,97 +5686,97 @@
               <a:buNone/>
             </a:pPr>
             <a:r>
-              <a:rPr lang="en-US" sz="3000" b="1" i="0" u="none" strike="noStrike" cap="none" dirty="0" smtClean="0">
-                <a:solidFill>
-                  <a:schemeClr val="lt1"/>
-                </a:solidFill>
-                <a:latin typeface="Courier New"/>
-                <a:ea typeface="Courier New"/>
-                <a:cs typeface="Courier New"/>
+              <a:rPr lang="en-US" sz="3000" i="0" u="none" strike="noStrike" cap="none" dirty="0" smtClean="0">
+                <a:solidFill>
+                  <a:schemeClr val="lt1"/>
+                </a:solidFill>
+                <a:latin typeface="Courier"/>
+                <a:ea typeface="Courier New"/>
+                <a:cs typeface="Courier"/>
                 <a:sym typeface="Courier New"/>
               </a:rPr>
               <a:t>[</a:t>
             </a:r>
             <a:r>
-              <a:rPr lang="en-US" sz="3000" b="1" i="0" u="none" strike="noStrike" cap="none" dirty="0" smtClean="0">
+              <a:rPr lang="en-US" sz="3000" i="0" u="none" strike="noStrike" cap="none" dirty="0" smtClean="0">
                 <a:solidFill>
                   <a:srgbClr val="FF7F00"/>
                 </a:solidFill>
-                <a:latin typeface="Courier New"/>
-                <a:ea typeface="Courier New"/>
-                <a:cs typeface="Courier New"/>
+                <a:latin typeface="Courier"/>
+                <a:ea typeface="Courier New"/>
+                <a:cs typeface="Courier"/>
                 <a:sym typeface="Courier New"/>
               </a:rPr>
               <a:t>(</a:t>
             </a:r>
             <a:r>
-              <a:rPr lang="en-US" sz="3000" b="1" i="0" u="none" strike="noStrike" cap="none" dirty="0">
+              <a:rPr lang="en-US" sz="3000" i="0" u="none" strike="noStrike" cap="none" dirty="0">
                 <a:solidFill>
                   <a:srgbClr val="FF7F00"/>
                 </a:solidFill>
-                <a:latin typeface="Courier New"/>
-                <a:ea typeface="Courier New"/>
-                <a:cs typeface="Courier New"/>
+                <a:latin typeface="Courier"/>
+                <a:ea typeface="Courier New"/>
+                <a:cs typeface="Courier"/>
                 <a:sym typeface="Courier New"/>
               </a:rPr>
               <a:t>'a', 10)</a:t>
             </a:r>
             <a:r>
-              <a:rPr lang="en-US" sz="3000" b="1" i="0" u="none" strike="noStrike" cap="none" dirty="0">
-                <a:solidFill>
-                  <a:schemeClr val="lt1"/>
-                </a:solidFill>
-                <a:latin typeface="Courier New"/>
-                <a:ea typeface="Courier New"/>
-                <a:cs typeface="Courier New"/>
+              <a:rPr lang="en-US" sz="3000" i="0" u="none" strike="noStrike" cap="none" dirty="0">
+                <a:solidFill>
+                  <a:schemeClr val="lt1"/>
+                </a:solidFill>
+                <a:latin typeface="Courier"/>
+                <a:ea typeface="Courier New"/>
+                <a:cs typeface="Courier"/>
                 <a:sym typeface="Courier New"/>
               </a:rPr>
               <a:t>, </a:t>
             </a:r>
             <a:r>
-              <a:rPr lang="en-US" sz="3000" b="1" i="0" u="none" strike="noStrike" cap="none" dirty="0">
+              <a:rPr lang="en-US" sz="3000" i="0" u="none" strike="noStrike" cap="none" dirty="0">
                 <a:solidFill>
                   <a:srgbClr val="FF7F00"/>
                 </a:solidFill>
-                <a:latin typeface="Courier New"/>
-                <a:ea typeface="Courier New"/>
-                <a:cs typeface="Courier New"/>
+                <a:latin typeface="Courier"/>
+                <a:ea typeface="Courier New"/>
+                <a:cs typeface="Courier"/>
                 <a:sym typeface="Courier New"/>
               </a:rPr>
               <a:t>('b', 1)</a:t>
             </a:r>
             <a:r>
-              <a:rPr lang="en-US" sz="3000" b="1" i="0" u="none" strike="noStrike" cap="none" dirty="0">
-                <a:solidFill>
-                  <a:schemeClr val="lt1"/>
-                </a:solidFill>
-                <a:latin typeface="Courier New"/>
-                <a:ea typeface="Courier New"/>
-                <a:cs typeface="Courier New"/>
+              <a:rPr lang="en-US" sz="3000" i="0" u="none" strike="noStrike" cap="none" dirty="0">
+                <a:solidFill>
+                  <a:schemeClr val="lt1"/>
+                </a:solidFill>
+                <a:latin typeface="Courier"/>
+                <a:ea typeface="Courier New"/>
+                <a:cs typeface="Courier"/>
                 <a:sym typeface="Courier New"/>
               </a:rPr>
               <a:t>, </a:t>
             </a:r>
             <a:r>
-              <a:rPr lang="en-US" sz="3000" b="1" i="0" u="none" strike="noStrike" cap="none" dirty="0">
+              <a:rPr lang="en-US" sz="3000" i="0" u="none" strike="noStrike" cap="none" dirty="0">
                 <a:solidFill>
                   <a:srgbClr val="FF7F00"/>
                 </a:solidFill>
-                <a:latin typeface="Courier New"/>
-                <a:ea typeface="Courier New"/>
-                <a:cs typeface="Courier New"/>
+                <a:latin typeface="Courier"/>
+                <a:ea typeface="Courier New"/>
+                <a:cs typeface="Courier"/>
                 <a:sym typeface="Courier New"/>
               </a:rPr>
               <a:t>('c', 22)</a:t>
             </a:r>
             <a:r>
-              <a:rPr lang="en-US" sz="3000" b="1" i="0" u="none" strike="noStrike" cap="none" dirty="0">
-                <a:solidFill>
-                  <a:schemeClr val="lt1"/>
-                </a:solidFill>
-                <a:latin typeface="Courier New"/>
-                <a:ea typeface="Courier New"/>
-                <a:cs typeface="Courier New"/>
+              <a:rPr lang="en-US" sz="3000" i="0" u="none" strike="noStrike" cap="none" dirty="0">
+                <a:solidFill>
+                  <a:schemeClr val="lt1"/>
+                </a:solidFill>
+                <a:latin typeface="Courier"/>
+                <a:ea typeface="Courier New"/>
+                <a:cs typeface="Courier"/>
                 <a:sym typeface="Courier New"/>
               </a:rPr>
               <a:t>]</a:t>
@@ -5876,14 +5792,14 @@
   <p:timing>
     <p:tnLst>
       <p:par>
-        <p:cTn id="1" dur="indefinite" restart="never" nodeType="tmRoot"/>
+        <p:cTn xmlns:p14="http://schemas.microsoft.com/office/powerpoint/2010/main" id="1" dur="indefinite" restart="never" nodeType="tmRoot"/>
       </p:par>
     </p:tnLst>
   </p:timing>
 </p:sld>
 </file>
 
-<file path=ppt/slides/slide12.xml><?xml version="1.0" encoding="utf-8"?>
+<file path=ppt/slides/slide11.xml><?xml version="1.0" encoding="utf-8"?>
 <p:sld xmlns:a="http://schemas.openxmlformats.org/drawingml/2006/main" xmlns:r="http://schemas.openxmlformats.org/officeDocument/2006/relationships" xmlns:p="http://schemas.openxmlformats.org/presentationml/2006/main">
   <p:cSld>
     <p:spTree>
@@ -5913,7 +5829,7 @@
         <p:spPr>
           <a:xfrm>
             <a:off x="1155700" y="789708"/>
-            <a:ext cx="6716713" cy="1750191"/>
+            <a:ext cx="10054167" cy="1750191"/>
           </a:xfrm>
           <a:prstGeom prst="rect">
             <a:avLst/>
@@ -5956,7 +5872,19 @@
                 <a:cs typeface="Arial" charset="0"/>
                 <a:sym typeface="Cabin"/>
               </a:rPr>
-              <a:t>Using sorted()</a:t>
+              <a:t>Using </a:t>
+            </a:r>
+            <a:r>
+              <a:rPr lang="en-US" sz="7800" u="none" strike="noStrike" cap="none" dirty="0">
+                <a:solidFill>
+                  <a:srgbClr val="FF40FF"/>
+                </a:solidFill>
+                <a:latin typeface="Arial" charset="0"/>
+                <a:ea typeface="Arial" charset="0"/>
+                <a:cs typeface="Arial" charset="0"/>
+                <a:sym typeface="Cabin"/>
+              </a:rPr>
+              <a:t>sorted()</a:t>
             </a:r>
           </a:p>
         </p:txBody>
@@ -6099,37 +6027,37 @@
               <a:buNone/>
             </a:pPr>
             <a:r>
-              <a:rPr lang="en-US" sz="3000" b="1" i="0" u="none" strike="noStrike" cap="none" dirty="0">
-                <a:solidFill>
-                  <a:schemeClr val="lt1"/>
-                </a:solidFill>
-                <a:latin typeface="Courier New"/>
-                <a:ea typeface="Courier New"/>
-                <a:cs typeface="Courier New"/>
+              <a:rPr lang="en-US" sz="3000" i="0" u="none" strike="noStrike" cap="none" dirty="0">
+                <a:solidFill>
+                  <a:schemeClr val="lt1"/>
+                </a:solidFill>
+                <a:latin typeface="Courier"/>
+                <a:ea typeface="Courier New"/>
+                <a:cs typeface="Courier"/>
                 <a:sym typeface="Courier New"/>
               </a:rPr>
               <a:t>&gt;&gt;&gt; </a:t>
             </a:r>
             <a:r>
-              <a:rPr lang="en-US" sz="3000" b="1" i="0" u="none" strike="noStrike" cap="none" dirty="0">
+              <a:rPr lang="en-US" sz="3000" i="0" u="none" strike="noStrike" cap="none" dirty="0">
                 <a:solidFill>
                   <a:srgbClr val="00FF00"/>
                 </a:solidFill>
-                <a:latin typeface="Courier New"/>
-                <a:ea typeface="Courier New"/>
-                <a:cs typeface="Courier New"/>
+                <a:latin typeface="Courier"/>
+                <a:ea typeface="Courier New"/>
+                <a:cs typeface="Courier"/>
                 <a:sym typeface="Courier New"/>
               </a:rPr>
               <a:t>d</a:t>
             </a:r>
             <a:r>
-              <a:rPr lang="en-US" sz="3000" b="1" i="0" u="none" strike="noStrike" cap="none" dirty="0">
-                <a:solidFill>
-                  <a:schemeClr val="lt1"/>
-                </a:solidFill>
-                <a:latin typeface="Courier New"/>
-                <a:ea typeface="Courier New"/>
-                <a:cs typeface="Courier New"/>
+              <a:rPr lang="en-US" sz="3000" i="0" u="none" strike="noStrike" cap="none" dirty="0">
+                <a:solidFill>
+                  <a:schemeClr val="lt1"/>
+                </a:solidFill>
+                <a:latin typeface="Courier"/>
+                <a:ea typeface="Courier New"/>
+                <a:cs typeface="Courier"/>
                 <a:sym typeface="Courier New"/>
               </a:rPr>
               <a:t> = {'a':10, 'b':1, 'c':22}</a:t>
@@ -6154,97 +6082,97 @@
               <a:buNone/>
             </a:pPr>
             <a:r>
-              <a:rPr lang="en-US" sz="3000" b="1" i="0" u="none" strike="noStrike" cap="none" dirty="0" smtClean="0">
-                <a:solidFill>
-                  <a:schemeClr val="lt1"/>
-                </a:solidFill>
-                <a:latin typeface="Courier New"/>
-                <a:ea typeface="Courier New"/>
-                <a:cs typeface="Courier New"/>
+              <a:rPr lang="en-US" sz="3000" i="0" u="none" strike="noStrike" cap="none" dirty="0" smtClean="0">
+                <a:solidFill>
+                  <a:schemeClr val="lt1"/>
+                </a:solidFill>
+                <a:latin typeface="Courier"/>
+                <a:ea typeface="Courier New"/>
+                <a:cs typeface="Courier"/>
                 <a:sym typeface="Courier New"/>
               </a:rPr>
               <a:t>&gt;&gt;&gt; </a:t>
             </a:r>
             <a:r>
-              <a:rPr lang="en-US" sz="3000" b="1" i="0" u="none" strike="noStrike" cap="none" dirty="0">
+              <a:rPr lang="en-US" sz="3000" i="0" u="none" strike="noStrike" cap="none" dirty="0">
                 <a:solidFill>
                   <a:srgbClr val="00FF00"/>
                 </a:solidFill>
-                <a:latin typeface="Courier New"/>
-                <a:ea typeface="Courier New"/>
-                <a:cs typeface="Courier New"/>
+                <a:latin typeface="Courier"/>
+                <a:ea typeface="Courier New"/>
+                <a:cs typeface="Courier"/>
                 <a:sym typeface="Courier New"/>
               </a:rPr>
               <a:t>t</a:t>
             </a:r>
             <a:r>
-              <a:rPr lang="en-US" sz="3000" b="1" i="0" u="none" strike="noStrike" cap="none" dirty="0">
-                <a:solidFill>
-                  <a:schemeClr val="lt1"/>
-                </a:solidFill>
-                <a:latin typeface="Courier New"/>
-                <a:ea typeface="Courier New"/>
-                <a:cs typeface="Courier New"/>
+              <a:rPr lang="en-US" sz="3000" i="0" u="none" strike="noStrike" cap="none" dirty="0">
+                <a:solidFill>
+                  <a:schemeClr val="lt1"/>
+                </a:solidFill>
+                <a:latin typeface="Courier"/>
+                <a:ea typeface="Courier New"/>
+                <a:cs typeface="Courier"/>
                 <a:sym typeface="Courier New"/>
               </a:rPr>
               <a:t> = </a:t>
             </a:r>
             <a:r>
-              <a:rPr lang="en-US" sz="3000" b="1" i="0" u="none" strike="noStrike" cap="none" dirty="0">
+              <a:rPr lang="en-US" sz="3000" i="0" u="none" strike="noStrike" cap="none" dirty="0">
                 <a:solidFill>
                   <a:srgbClr val="FF00FF"/>
                 </a:solidFill>
-                <a:latin typeface="Courier New"/>
-                <a:ea typeface="Courier New"/>
-                <a:cs typeface="Courier New"/>
+                <a:latin typeface="Courier"/>
+                <a:ea typeface="Courier New"/>
+                <a:cs typeface="Courier"/>
                 <a:sym typeface="Courier New"/>
               </a:rPr>
               <a:t>sorted</a:t>
             </a:r>
             <a:r>
-              <a:rPr lang="en-US" sz="3000" b="1" i="0" u="none" strike="noStrike" cap="none" dirty="0">
-                <a:solidFill>
-                  <a:schemeClr val="lt1"/>
-                </a:solidFill>
-                <a:latin typeface="Courier New"/>
-                <a:ea typeface="Courier New"/>
-                <a:cs typeface="Courier New"/>
+              <a:rPr lang="en-US" sz="3000" i="0" u="none" strike="noStrike" cap="none" dirty="0">
+                <a:solidFill>
+                  <a:schemeClr val="lt1"/>
+                </a:solidFill>
+                <a:latin typeface="Courier"/>
+                <a:ea typeface="Courier New"/>
+                <a:cs typeface="Courier"/>
                 <a:sym typeface="Courier New"/>
               </a:rPr>
               <a:t>(</a:t>
             </a:r>
             <a:r>
-              <a:rPr lang="en-US" sz="3000" b="1" i="0" u="none" strike="noStrike" cap="none" dirty="0" err="1">
+              <a:rPr lang="en-US" sz="3000" i="0" u="none" strike="noStrike" cap="none" dirty="0" err="1">
                 <a:solidFill>
                   <a:srgbClr val="00FF00"/>
                 </a:solidFill>
-                <a:latin typeface="Courier New"/>
-                <a:ea typeface="Courier New"/>
-                <a:cs typeface="Courier New"/>
+                <a:latin typeface="Courier"/>
+                <a:ea typeface="Courier New"/>
+                <a:cs typeface="Courier"/>
                 <a:sym typeface="Courier New"/>
               </a:rPr>
               <a:t>d</a:t>
             </a:r>
             <a:r>
-              <a:rPr lang="en-US" sz="3000" b="1" i="0" u="none" strike="noStrike" cap="none" dirty="0" err="1">
+              <a:rPr lang="en-US" sz="3000" i="0" u="none" strike="noStrike" cap="none" dirty="0" err="1">
                 <a:solidFill>
                   <a:srgbClr val="FF00FF"/>
                 </a:solidFill>
-                <a:latin typeface="Courier New"/>
-                <a:ea typeface="Courier New"/>
-                <a:cs typeface="Courier New"/>
+                <a:latin typeface="Courier"/>
+                <a:ea typeface="Courier New"/>
+                <a:cs typeface="Courier"/>
                 <a:sym typeface="Courier New"/>
               </a:rPr>
               <a:t>.items</a:t>
             </a:r>
             <a:r>
-              <a:rPr lang="en-US" sz="3000" b="1" i="0" u="none" strike="noStrike" cap="none" dirty="0">
-                <a:solidFill>
-                  <a:schemeClr val="lt1"/>
-                </a:solidFill>
-                <a:latin typeface="Courier New"/>
-                <a:ea typeface="Courier New"/>
-                <a:cs typeface="Courier New"/>
+              <a:rPr lang="en-US" sz="3000" i="0" u="none" strike="noStrike" cap="none" dirty="0">
+                <a:solidFill>
+                  <a:schemeClr val="lt1"/>
+                </a:solidFill>
+                <a:latin typeface="Courier"/>
+                <a:ea typeface="Courier New"/>
+                <a:cs typeface="Courier"/>
                 <a:sym typeface="Courier New"/>
               </a:rPr>
               <a:t>())</a:t>
@@ -6269,25 +6197,25 @@
               <a:buNone/>
             </a:pPr>
             <a:r>
-              <a:rPr lang="en-US" sz="3000" b="1" i="0" u="none" strike="noStrike" cap="none" dirty="0">
-                <a:solidFill>
-                  <a:schemeClr val="lt1"/>
-                </a:solidFill>
-                <a:latin typeface="Courier New"/>
-                <a:ea typeface="Courier New"/>
-                <a:cs typeface="Courier New"/>
+              <a:rPr lang="en-US" sz="3000" i="0" u="none" strike="noStrike" cap="none" dirty="0">
+                <a:solidFill>
+                  <a:schemeClr val="lt1"/>
+                </a:solidFill>
+                <a:latin typeface="Courier"/>
+                <a:ea typeface="Courier New"/>
+                <a:cs typeface="Courier"/>
                 <a:sym typeface="Courier New"/>
               </a:rPr>
               <a:t>&gt;&gt;&gt; </a:t>
             </a:r>
             <a:r>
-              <a:rPr lang="en-US" sz="3000" b="1" i="0" u="none" strike="noStrike" cap="none" dirty="0">
+              <a:rPr lang="en-US" sz="3000" i="0" u="none" strike="noStrike" cap="none" dirty="0">
                 <a:solidFill>
                   <a:srgbClr val="00FF00"/>
                 </a:solidFill>
-                <a:latin typeface="Courier New"/>
-                <a:ea typeface="Courier New"/>
-                <a:cs typeface="Courier New"/>
+                <a:latin typeface="Courier"/>
+                <a:ea typeface="Courier New"/>
+                <a:cs typeface="Courier"/>
                 <a:sym typeface="Courier New"/>
               </a:rPr>
               <a:t>t</a:t>
@@ -6312,85 +6240,85 @@
               <a:buNone/>
             </a:pPr>
             <a:r>
-              <a:rPr lang="en-US" sz="3000" b="1" i="0" u="none" strike="noStrike" cap="none" dirty="0">
-                <a:solidFill>
-                  <a:schemeClr val="lt1"/>
-                </a:solidFill>
-                <a:latin typeface="Courier New"/>
-                <a:ea typeface="Courier New"/>
-                <a:cs typeface="Courier New"/>
+              <a:rPr lang="en-US" sz="3000" i="0" u="none" strike="noStrike" cap="none" dirty="0">
+                <a:solidFill>
+                  <a:schemeClr val="lt1"/>
+                </a:solidFill>
+                <a:latin typeface="Courier"/>
+                <a:ea typeface="Courier New"/>
+                <a:cs typeface="Courier"/>
                 <a:sym typeface="Courier New"/>
               </a:rPr>
               <a:t>[</a:t>
             </a:r>
             <a:r>
-              <a:rPr lang="en-US" sz="3000" b="1" i="0" u="none" strike="noStrike" cap="none" dirty="0">
+              <a:rPr lang="en-US" sz="3000" i="0" u="none" strike="noStrike" cap="none" dirty="0">
                 <a:solidFill>
                   <a:srgbClr val="FF7F00"/>
                 </a:solidFill>
-                <a:latin typeface="Courier New"/>
-                <a:ea typeface="Courier New"/>
-                <a:cs typeface="Courier New"/>
+                <a:latin typeface="Courier"/>
+                <a:ea typeface="Courier New"/>
+                <a:cs typeface="Courier"/>
                 <a:sym typeface="Courier New"/>
               </a:rPr>
               <a:t>('a', 10)</a:t>
             </a:r>
             <a:r>
-              <a:rPr lang="en-US" sz="3000" b="1" i="0" u="none" strike="noStrike" cap="none" dirty="0">
-                <a:solidFill>
-                  <a:schemeClr val="lt1"/>
-                </a:solidFill>
-                <a:latin typeface="Courier New"/>
-                <a:ea typeface="Courier New"/>
-                <a:cs typeface="Courier New"/>
+              <a:rPr lang="en-US" sz="3000" i="0" u="none" strike="noStrike" cap="none" dirty="0">
+                <a:solidFill>
+                  <a:schemeClr val="lt1"/>
+                </a:solidFill>
+                <a:latin typeface="Courier"/>
+                <a:ea typeface="Courier New"/>
+                <a:cs typeface="Courier"/>
                 <a:sym typeface="Courier New"/>
               </a:rPr>
               <a:t>, </a:t>
             </a:r>
             <a:r>
-              <a:rPr lang="en-US" sz="3000" b="1" i="0" u="none" strike="noStrike" cap="none" dirty="0">
+              <a:rPr lang="en-US" sz="3000" i="0" u="none" strike="noStrike" cap="none" dirty="0">
                 <a:solidFill>
                   <a:srgbClr val="FF7F00"/>
                 </a:solidFill>
-                <a:latin typeface="Courier New"/>
-                <a:ea typeface="Courier New"/>
-                <a:cs typeface="Courier New"/>
+                <a:latin typeface="Courier"/>
+                <a:ea typeface="Courier New"/>
+                <a:cs typeface="Courier"/>
                 <a:sym typeface="Courier New"/>
               </a:rPr>
               <a:t>('b', 1)</a:t>
             </a:r>
             <a:r>
-              <a:rPr lang="en-US" sz="3000" b="1" i="0" u="none" strike="noStrike" cap="none" dirty="0">
-                <a:solidFill>
-                  <a:schemeClr val="lt1"/>
-                </a:solidFill>
-                <a:latin typeface="Courier New"/>
-                <a:ea typeface="Courier New"/>
-                <a:cs typeface="Courier New"/>
+              <a:rPr lang="en-US" sz="3000" i="0" u="none" strike="noStrike" cap="none" dirty="0">
+                <a:solidFill>
+                  <a:schemeClr val="lt1"/>
+                </a:solidFill>
+                <a:latin typeface="Courier"/>
+                <a:ea typeface="Courier New"/>
+                <a:cs typeface="Courier"/>
                 <a:sym typeface="Courier New"/>
               </a:rPr>
               <a:t>, </a:t>
             </a:r>
             <a:r>
-              <a:rPr lang="en-US" sz="3000" b="1" i="0" u="none" strike="noStrike" cap="none" dirty="0">
+              <a:rPr lang="en-US" sz="3000" i="0" u="none" strike="noStrike" cap="none" dirty="0">
                 <a:solidFill>
                   <a:srgbClr val="FF7F00"/>
                 </a:solidFill>
-                <a:latin typeface="Courier New"/>
-                <a:ea typeface="Courier New"/>
-                <a:cs typeface="Courier New"/>
+                <a:latin typeface="Courier"/>
+                <a:ea typeface="Courier New"/>
+                <a:cs typeface="Courier"/>
                 <a:sym typeface="Courier New"/>
               </a:rPr>
               <a:t>('c', 22)</a:t>
             </a:r>
             <a:r>
-              <a:rPr lang="en-US" sz="3000" b="1" i="0" u="none" strike="noStrike" cap="none" dirty="0">
-                <a:solidFill>
-                  <a:schemeClr val="lt1"/>
-                </a:solidFill>
-                <a:latin typeface="Courier New"/>
-                <a:ea typeface="Courier New"/>
-                <a:cs typeface="Courier New"/>
+              <a:rPr lang="en-US" sz="3000" i="0" u="none" strike="noStrike" cap="none" dirty="0">
+                <a:solidFill>
+                  <a:schemeClr val="lt1"/>
+                </a:solidFill>
+                <a:latin typeface="Courier"/>
+                <a:ea typeface="Courier New"/>
+                <a:cs typeface="Courier"/>
                 <a:sym typeface="Courier New"/>
               </a:rPr>
               <a:t>]</a:t>
@@ -6415,145 +6343,145 @@
               <a:buNone/>
             </a:pPr>
             <a:r>
-              <a:rPr lang="en-US" sz="3000" b="1" i="0" u="none" strike="noStrike" cap="none" dirty="0">
-                <a:solidFill>
-                  <a:schemeClr val="lt1"/>
-                </a:solidFill>
-                <a:latin typeface="Courier New"/>
-                <a:ea typeface="Courier New"/>
-                <a:cs typeface="Courier New"/>
+              <a:rPr lang="en-US" sz="3000" i="0" u="none" strike="noStrike" cap="none" dirty="0">
+                <a:solidFill>
+                  <a:schemeClr val="lt1"/>
+                </a:solidFill>
+                <a:latin typeface="Courier"/>
+                <a:ea typeface="Courier New"/>
+                <a:cs typeface="Courier"/>
                 <a:sym typeface="Courier New"/>
               </a:rPr>
               <a:t>&gt;&gt;&gt; </a:t>
             </a:r>
             <a:r>
-              <a:rPr lang="en-US" sz="3000" b="1" i="0" u="none" strike="noStrike" cap="none" dirty="0">
+              <a:rPr lang="en-US" sz="3000" i="0" u="none" strike="noStrike" cap="none" dirty="0">
                 <a:solidFill>
                   <a:srgbClr val="FFFF00"/>
                 </a:solidFill>
-                <a:latin typeface="Courier New"/>
-                <a:ea typeface="Courier New"/>
-                <a:cs typeface="Courier New"/>
+                <a:latin typeface="Courier"/>
+                <a:ea typeface="Courier New"/>
+                <a:cs typeface="Courier"/>
                 <a:sym typeface="Courier New"/>
               </a:rPr>
               <a:t>for</a:t>
             </a:r>
             <a:r>
-              <a:rPr lang="en-US" sz="3000" b="1" i="0" u="none" strike="noStrike" cap="none" dirty="0">
-                <a:solidFill>
-                  <a:schemeClr val="lt1"/>
-                </a:solidFill>
-                <a:latin typeface="Courier New"/>
-                <a:ea typeface="Courier New"/>
-                <a:cs typeface="Courier New"/>
+              <a:rPr lang="en-US" sz="3000" i="0" u="none" strike="noStrike" cap="none" dirty="0">
+                <a:solidFill>
+                  <a:schemeClr val="lt1"/>
+                </a:solidFill>
+                <a:latin typeface="Courier"/>
+                <a:ea typeface="Courier New"/>
+                <a:cs typeface="Courier"/>
                 <a:sym typeface="Courier New"/>
               </a:rPr>
               <a:t> </a:t>
             </a:r>
             <a:r>
-              <a:rPr lang="en-US" sz="3000" b="1" i="0" u="none" strike="noStrike" cap="none" dirty="0">
+              <a:rPr lang="en-US" sz="3000" i="0" u="none" strike="noStrike" cap="none" dirty="0">
                 <a:solidFill>
                   <a:srgbClr val="FF7F00"/>
                 </a:solidFill>
-                <a:latin typeface="Courier New"/>
-                <a:ea typeface="Courier New"/>
-                <a:cs typeface="Courier New"/>
+                <a:latin typeface="Courier"/>
+                <a:ea typeface="Courier New"/>
+                <a:cs typeface="Courier"/>
                 <a:sym typeface="Courier New"/>
               </a:rPr>
               <a:t>k, v</a:t>
             </a:r>
             <a:r>
-              <a:rPr lang="en-US" sz="3000" b="1" i="0" u="none" strike="noStrike" cap="none" dirty="0">
-                <a:solidFill>
-                  <a:schemeClr val="lt1"/>
-                </a:solidFill>
-                <a:latin typeface="Courier New"/>
-                <a:ea typeface="Courier New"/>
-                <a:cs typeface="Courier New"/>
+              <a:rPr lang="en-US" sz="3000" i="0" u="none" strike="noStrike" cap="none" dirty="0">
+                <a:solidFill>
+                  <a:schemeClr val="lt1"/>
+                </a:solidFill>
+                <a:latin typeface="Courier"/>
+                <a:ea typeface="Courier New"/>
+                <a:cs typeface="Courier"/>
                 <a:sym typeface="Courier New"/>
               </a:rPr>
               <a:t> </a:t>
             </a:r>
             <a:r>
-              <a:rPr lang="en-US" sz="3000" b="1" i="0" u="none" strike="noStrike" cap="none" dirty="0">
+              <a:rPr lang="en-US" sz="3000" i="0" u="none" strike="noStrike" cap="none" dirty="0">
                 <a:solidFill>
                   <a:srgbClr val="FFFF00"/>
                 </a:solidFill>
-                <a:latin typeface="Courier New"/>
-                <a:ea typeface="Courier New"/>
-                <a:cs typeface="Courier New"/>
+                <a:latin typeface="Courier"/>
+                <a:ea typeface="Courier New"/>
+                <a:cs typeface="Courier"/>
                 <a:sym typeface="Courier New"/>
               </a:rPr>
               <a:t>in</a:t>
             </a:r>
             <a:r>
-              <a:rPr lang="en-US" sz="3000" b="1" i="0" u="none" strike="noStrike" cap="none" dirty="0">
-                <a:solidFill>
-                  <a:schemeClr val="lt1"/>
-                </a:solidFill>
-                <a:latin typeface="Courier New"/>
-                <a:ea typeface="Courier New"/>
-                <a:cs typeface="Courier New"/>
+              <a:rPr lang="en-US" sz="3000" i="0" u="none" strike="noStrike" cap="none" dirty="0">
+                <a:solidFill>
+                  <a:schemeClr val="lt1"/>
+                </a:solidFill>
+                <a:latin typeface="Courier"/>
+                <a:ea typeface="Courier New"/>
+                <a:cs typeface="Courier"/>
                 <a:sym typeface="Courier New"/>
               </a:rPr>
               <a:t> </a:t>
             </a:r>
             <a:r>
-              <a:rPr lang="en-US" sz="3000" b="1" i="0" u="none" strike="noStrike" cap="none" dirty="0">
+              <a:rPr lang="en-US" sz="3000" i="0" u="none" strike="noStrike" cap="none" dirty="0">
                 <a:solidFill>
                   <a:srgbClr val="FF00FF"/>
                 </a:solidFill>
-                <a:latin typeface="Courier New"/>
-                <a:ea typeface="Courier New"/>
-                <a:cs typeface="Courier New"/>
+                <a:latin typeface="Courier"/>
+                <a:ea typeface="Courier New"/>
+                <a:cs typeface="Courier"/>
                 <a:sym typeface="Courier New"/>
               </a:rPr>
               <a:t>sorted</a:t>
             </a:r>
             <a:r>
-              <a:rPr lang="en-US" sz="3000" b="1" i="0" u="none" strike="noStrike" cap="none" dirty="0">
-                <a:solidFill>
-                  <a:schemeClr val="lt1"/>
-                </a:solidFill>
-                <a:latin typeface="Courier New"/>
-                <a:ea typeface="Courier New"/>
-                <a:cs typeface="Courier New"/>
+              <a:rPr lang="en-US" sz="3000" i="0" u="none" strike="noStrike" cap="none" dirty="0">
+                <a:solidFill>
+                  <a:schemeClr val="lt1"/>
+                </a:solidFill>
+                <a:latin typeface="Courier"/>
+                <a:ea typeface="Courier New"/>
+                <a:cs typeface="Courier"/>
                 <a:sym typeface="Courier New"/>
               </a:rPr>
               <a:t>(</a:t>
             </a:r>
             <a:r>
-              <a:rPr lang="en-US" sz="3000" b="1" i="0" u="none" strike="noStrike" cap="none" dirty="0" err="1">
+              <a:rPr lang="en-US" sz="3000" i="0" u="none" strike="noStrike" cap="none" dirty="0" err="1">
                 <a:solidFill>
                   <a:srgbClr val="00FF00"/>
                 </a:solidFill>
-                <a:latin typeface="Courier New"/>
-                <a:ea typeface="Courier New"/>
-                <a:cs typeface="Courier New"/>
+                <a:latin typeface="Courier"/>
+                <a:ea typeface="Courier New"/>
+                <a:cs typeface="Courier"/>
                 <a:sym typeface="Courier New"/>
               </a:rPr>
               <a:t>d</a:t>
             </a:r>
             <a:r>
-              <a:rPr lang="en-US" sz="3000" b="1" i="0" u="none" strike="noStrike" cap="none" dirty="0" err="1">
+              <a:rPr lang="en-US" sz="3000" i="0" u="none" strike="noStrike" cap="none" dirty="0" err="1">
                 <a:solidFill>
                   <a:srgbClr val="FF00FF"/>
                 </a:solidFill>
-                <a:latin typeface="Courier New"/>
-                <a:ea typeface="Courier New"/>
-                <a:cs typeface="Courier New"/>
+                <a:latin typeface="Courier"/>
+                <a:ea typeface="Courier New"/>
+                <a:cs typeface="Courier"/>
                 <a:sym typeface="Courier New"/>
               </a:rPr>
               <a:t>.items</a:t>
             </a:r>
             <a:r>
-              <a:rPr lang="en-US" sz="3000" b="1" i="0" u="none" strike="noStrike" cap="none" dirty="0">
-                <a:solidFill>
-                  <a:schemeClr val="lt1"/>
-                </a:solidFill>
-                <a:latin typeface="Courier New"/>
-                <a:ea typeface="Courier New"/>
-                <a:cs typeface="Courier New"/>
+              <a:rPr lang="en-US" sz="3000" i="0" u="none" strike="noStrike" cap="none" dirty="0">
+                <a:solidFill>
+                  <a:schemeClr val="lt1"/>
+                </a:solidFill>
+                <a:latin typeface="Courier"/>
+                <a:ea typeface="Courier New"/>
+                <a:cs typeface="Courier"/>
                 <a:sym typeface="Courier New"/>
               </a:rPr>
               <a:t>()):</a:t>
@@ -6578,73 +6506,73 @@
               <a:buNone/>
             </a:pPr>
             <a:r>
-              <a:rPr lang="en-US" sz="3000" b="1" i="0" u="none" strike="noStrike" cap="none" dirty="0" smtClean="0">
-                <a:solidFill>
-                  <a:schemeClr val="lt1"/>
-                </a:solidFill>
-                <a:latin typeface="Courier New"/>
-                <a:ea typeface="Courier New"/>
-                <a:cs typeface="Courier New"/>
+              <a:rPr lang="en-US" sz="3000" i="0" u="none" strike="noStrike" cap="none" dirty="0" smtClean="0">
+                <a:solidFill>
+                  <a:schemeClr val="lt1"/>
+                </a:solidFill>
+                <a:latin typeface="Courier"/>
+                <a:ea typeface="Courier New"/>
+                <a:cs typeface="Courier"/>
                 <a:sym typeface="Courier New"/>
               </a:rPr>
               <a:t>...    </a:t>
             </a:r>
             <a:r>
-              <a:rPr lang="en-US" sz="3000" b="1" i="0" u="none" strike="noStrike" cap="none" dirty="0" smtClean="0">
+              <a:rPr lang="en-US" sz="3000" i="0" u="none" strike="noStrike" cap="none" dirty="0" smtClean="0">
                 <a:solidFill>
                   <a:srgbClr val="FFFF00"/>
                 </a:solidFill>
-                <a:latin typeface="Courier New"/>
-                <a:ea typeface="Courier New"/>
-                <a:cs typeface="Courier New"/>
+                <a:latin typeface="Courier"/>
+                <a:ea typeface="Courier New"/>
+                <a:cs typeface="Courier"/>
                 <a:sym typeface="Courier New"/>
               </a:rPr>
               <a:t>print(</a:t>
             </a:r>
             <a:r>
-              <a:rPr lang="en-US" sz="3000" b="1" i="0" u="none" strike="noStrike" cap="none" dirty="0" smtClean="0">
+              <a:rPr lang="en-US" sz="3000" i="0" u="none" strike="noStrike" cap="none" dirty="0" smtClean="0">
                 <a:solidFill>
                   <a:srgbClr val="00FF00"/>
                 </a:solidFill>
-                <a:latin typeface="Courier New"/>
-                <a:ea typeface="Courier New"/>
-                <a:cs typeface="Courier New"/>
+                <a:latin typeface="Courier"/>
+                <a:ea typeface="Courier New"/>
+                <a:cs typeface="Courier"/>
                 <a:sym typeface="Courier New"/>
               </a:rPr>
               <a:t>k</a:t>
             </a:r>
             <a:r>
-              <a:rPr lang="en-US" sz="3000" b="1" i="0" u="none" strike="noStrike" cap="none" dirty="0" smtClean="0">
-                <a:solidFill>
-                  <a:schemeClr val="lt1"/>
-                </a:solidFill>
-                <a:latin typeface="Courier New"/>
-                <a:ea typeface="Courier New"/>
-                <a:cs typeface="Courier New"/>
+              <a:rPr lang="en-US" sz="3000" i="0" u="none" strike="noStrike" cap="none" dirty="0" smtClean="0">
+                <a:solidFill>
+                  <a:schemeClr val="lt1"/>
+                </a:solidFill>
+                <a:latin typeface="Courier"/>
+                <a:ea typeface="Courier New"/>
+                <a:cs typeface="Courier"/>
                 <a:sym typeface="Courier New"/>
               </a:rPr>
               <a:t>, </a:t>
             </a:r>
             <a:r>
-              <a:rPr lang="en-US" sz="3000" b="1" i="0" u="none" strike="noStrike" cap="none" dirty="0" smtClean="0">
+              <a:rPr lang="en-US" sz="3000" i="0" u="none" strike="noStrike" cap="none" dirty="0" smtClean="0">
                 <a:solidFill>
                   <a:srgbClr val="00FF00"/>
                 </a:solidFill>
-                <a:latin typeface="Courier New"/>
-                <a:ea typeface="Courier New"/>
-                <a:cs typeface="Courier New"/>
+                <a:latin typeface="Courier"/>
+                <a:ea typeface="Courier New"/>
+                <a:cs typeface="Courier"/>
                 <a:sym typeface="Courier New"/>
               </a:rPr>
               <a:t>v</a:t>
             </a:r>
             <a:r>
-              <a:rPr lang="en-US" sz="3000" b="1" i="0" u="none" strike="noStrike" cap="none" dirty="0" smtClean="0">
+              <a:rPr lang="en-US" sz="3000" i="0" u="none" strike="noStrike" cap="none" dirty="0" smtClean="0">
                 <a:solidFill>
                   <a:srgbClr val="FFFF00"/>
                 </a:solidFill>
-                <a:latin typeface="Courier New"/>
-                <a:ea typeface="Courier New"/>
-                <a:cs typeface="Courier New"/>
+                <a:latin typeface="Courier"/>
+                <a:ea typeface="Courier New"/>
+                <a:cs typeface="Courier"/>
                 <a:sym typeface="Courier New"/>
               </a:rPr>
               <a:t>)</a:t>
@@ -6669,24 +6597,24 @@
               <a:buNone/>
             </a:pPr>
             <a:r>
-              <a:rPr lang="en-US" sz="3000" b="1" i="0" u="none" strike="noStrike" cap="none" dirty="0" smtClean="0">
-                <a:solidFill>
-                  <a:schemeClr val="lt1"/>
-                </a:solidFill>
-                <a:latin typeface="Courier New"/>
-                <a:ea typeface="Courier New"/>
-                <a:cs typeface="Courier New"/>
+              <a:rPr lang="en-US" sz="3000" i="0" u="none" strike="noStrike" cap="none" dirty="0" smtClean="0">
+                <a:solidFill>
+                  <a:schemeClr val="lt1"/>
+                </a:solidFill>
+                <a:latin typeface="Courier"/>
+                <a:ea typeface="Courier New"/>
+                <a:cs typeface="Courier"/>
                 <a:sym typeface="Courier New"/>
               </a:rPr>
               <a:t>...</a:t>
             </a:r>
-            <a:endParaRPr lang="en-US" sz="3000" b="1" i="0" u="none" strike="noStrike" cap="none" dirty="0">
+            <a:endParaRPr lang="en-US" sz="3000" i="0" u="none" strike="noStrike" cap="none" dirty="0">
               <a:solidFill>
                 <a:schemeClr val="lt1"/>
               </a:solidFill>
-              <a:latin typeface="Courier New"/>
+              <a:latin typeface="Courier"/>
               <a:ea typeface="Courier New"/>
-              <a:cs typeface="Courier New"/>
+              <a:cs typeface="Courier"/>
               <a:sym typeface="Courier New"/>
             </a:endParaRPr>
           </a:p>
@@ -6709,13 +6637,13 @@
               <a:buNone/>
             </a:pPr>
             <a:r>
-              <a:rPr lang="en-US" sz="3000" b="1" i="0" u="none" strike="noStrike" cap="none" dirty="0">
-                <a:solidFill>
-                  <a:schemeClr val="lt1"/>
-                </a:solidFill>
-                <a:latin typeface="Courier New"/>
-                <a:ea typeface="Courier New"/>
-                <a:cs typeface="Courier New"/>
+              <a:rPr lang="en-US" sz="3000" i="0" u="none" strike="noStrike" cap="none" dirty="0">
+                <a:solidFill>
+                  <a:schemeClr val="lt1"/>
+                </a:solidFill>
+                <a:latin typeface="Courier"/>
+                <a:ea typeface="Courier New"/>
+                <a:cs typeface="Courier"/>
                 <a:sym typeface="Courier New"/>
               </a:rPr>
               <a:t>a 10</a:t>
@@ -6740,13 +6668,13 @@
               <a:buNone/>
             </a:pPr>
             <a:r>
-              <a:rPr lang="en-US" sz="3000" b="1" i="0" u="none" strike="noStrike" cap="none" dirty="0">
-                <a:solidFill>
-                  <a:schemeClr val="lt1"/>
-                </a:solidFill>
-                <a:latin typeface="Courier New"/>
-                <a:ea typeface="Courier New"/>
-                <a:cs typeface="Courier New"/>
+              <a:rPr lang="en-US" sz="3000" i="0" u="none" strike="noStrike" cap="none" dirty="0">
+                <a:solidFill>
+                  <a:schemeClr val="lt1"/>
+                </a:solidFill>
+                <a:latin typeface="Courier"/>
+                <a:ea typeface="Courier New"/>
+                <a:cs typeface="Courier"/>
                 <a:sym typeface="Courier New"/>
               </a:rPr>
               <a:t>b 1</a:t>
@@ -6771,13 +6699,13 @@
               <a:buNone/>
             </a:pPr>
             <a:r>
-              <a:rPr lang="en-US" sz="3000" b="1" i="0" u="none" strike="noStrike" cap="none" dirty="0">
-                <a:solidFill>
-                  <a:schemeClr val="lt1"/>
-                </a:solidFill>
-                <a:latin typeface="Courier New"/>
-                <a:ea typeface="Courier New"/>
-                <a:cs typeface="Courier New"/>
+              <a:rPr lang="en-US" sz="3000" i="0" u="none" strike="noStrike" cap="none" dirty="0">
+                <a:solidFill>
+                  <a:schemeClr val="lt1"/>
+                </a:solidFill>
+                <a:latin typeface="Courier"/>
+                <a:ea typeface="Courier New"/>
+                <a:cs typeface="Courier"/>
                 <a:sym typeface="Courier New"/>
               </a:rPr>
               <a:t>c 22</a:t>
@@ -6793,14 +6721,14 @@
   <p:timing>
     <p:tnLst>
       <p:par>
-        <p:cTn id="1" dur="indefinite" restart="never" nodeType="tmRoot"/>
+        <p:cTn xmlns:p14="http://schemas.microsoft.com/office/powerpoint/2010/main" id="1" dur="indefinite" restart="never" nodeType="tmRoot"/>
       </p:par>
     </p:tnLst>
   </p:timing>
 </p:sld>
 </file>
 
-<file path=ppt/slides/slide13.xml><?xml version="1.0" encoding="utf-8"?>
+<file path=ppt/slides/slide12.xml><?xml version="1.0" encoding="utf-8"?>
 <p:sld xmlns:a="http://schemas.openxmlformats.org/drawingml/2006/main" xmlns:r="http://schemas.openxmlformats.org/officeDocument/2006/relationships" xmlns:p="http://schemas.openxmlformats.org/presentationml/2006/main">
   <p:cSld>
     <p:spTree>
@@ -6869,7 +6797,7 @@
                 <a:cs typeface="Arial" charset="0"/>
                 <a:sym typeface="Cabin"/>
               </a:rPr>
-              <a:t>Sort by values instead of key</a:t>
+              <a:t>Sort by Values Instead of Key</a:t>
             </a:r>
           </a:p>
         </p:txBody>
@@ -6886,8 +6814,8 @@
         </p:nvSpPr>
         <p:spPr>
           <a:xfrm>
-            <a:off x="1155700" y="2603500"/>
-            <a:ext cx="5788025" cy="5016044"/>
+            <a:off x="736601" y="2603500"/>
+            <a:ext cx="5788025" cy="4677833"/>
           </a:xfrm>
           <a:prstGeom prst="rect">
             <a:avLst/>
@@ -7070,8 +6998,8 @@
         </p:nvSpPr>
         <p:spPr>
           <a:xfrm>
-            <a:off x="7754112" y="2603500"/>
-            <a:ext cx="8920987" cy="4800600"/>
+            <a:off x="7335014" y="2603500"/>
+            <a:ext cx="8328320" cy="5067300"/>
           </a:xfrm>
           <a:prstGeom prst="rect">
             <a:avLst/>
@@ -7087,16 +7015,7 @@
           </a:bodyPr>
           <a:lstStyle/>
           <a:p>
-            <a:pPr marL="0" marR="0" lvl="0" indent="0" algn="l" rtl="0">
-              <a:lnSpc>
-                <a:spcPct val="100000"/>
-              </a:lnSpc>
-              <a:spcBef>
-                <a:spcPts val="0"/>
-              </a:spcBef>
-              <a:spcAft>
-                <a:spcPts val="0"/>
-              </a:spcAft>
+            <a:pPr lvl="1">
               <a:buClr>
                 <a:schemeClr val="lt1"/>
               </a:buClr>
@@ -7105,53 +7024,44 @@
               <a:buNone/>
             </a:pPr>
             <a:r>
-              <a:rPr lang="en-US" sz="3000" b="1" i="0" u="none" strike="noStrike" cap="none" dirty="0">
-                <a:solidFill>
-                  <a:schemeClr val="lt1"/>
-                </a:solidFill>
-                <a:latin typeface="Courier New"/>
-                <a:ea typeface="Courier New"/>
-                <a:cs typeface="Courier New"/>
+              <a:rPr lang="en-US" sz="3000" i="0" u="none" strike="noStrike" cap="none" dirty="0">
+                <a:solidFill>
+                  <a:schemeClr val="lt1"/>
+                </a:solidFill>
+                <a:latin typeface="Courier"/>
+                <a:ea typeface="Courier New"/>
+                <a:cs typeface="Courier"/>
                 <a:sym typeface="Courier New"/>
               </a:rPr>
               <a:t>&gt;&gt;&gt; </a:t>
             </a:r>
             <a:r>
-              <a:rPr lang="en-US" sz="3000" b="1" i="0" u="none" strike="noStrike" cap="none" dirty="0">
+              <a:rPr lang="en-US" sz="3000" i="0" u="none" strike="noStrike" cap="none" dirty="0">
                 <a:solidFill>
                   <a:srgbClr val="00FF00"/>
                 </a:solidFill>
-                <a:latin typeface="Courier New"/>
-                <a:ea typeface="Courier New"/>
-                <a:cs typeface="Courier New"/>
+                <a:latin typeface="Courier"/>
+                <a:ea typeface="Courier New"/>
+                <a:cs typeface="Courier"/>
                 <a:sym typeface="Courier New"/>
               </a:rPr>
               <a:t>c</a:t>
             </a:r>
             <a:r>
-              <a:rPr lang="en-US" sz="3000" b="1" i="0" u="none" strike="noStrike" cap="none" dirty="0">
-                <a:solidFill>
-                  <a:schemeClr val="lt1"/>
-                </a:solidFill>
-                <a:latin typeface="Courier New"/>
-                <a:ea typeface="Courier New"/>
-                <a:cs typeface="Courier New"/>
+              <a:rPr lang="en-US" sz="3000" i="0" u="none" strike="noStrike" cap="none" dirty="0">
+                <a:solidFill>
+                  <a:schemeClr val="lt1"/>
+                </a:solidFill>
+                <a:latin typeface="Courier"/>
+                <a:ea typeface="Courier New"/>
+                <a:cs typeface="Courier"/>
                 <a:sym typeface="Courier New"/>
               </a:rPr>
               <a:t> = {'a':10, 'b':1, 'c':22}</a:t>
             </a:r>
           </a:p>
           <a:p>
-            <a:pPr marL="0" marR="0" lvl="0" indent="0" algn="l" rtl="0">
-              <a:lnSpc>
-                <a:spcPct val="100000"/>
-              </a:lnSpc>
-              <a:spcBef>
-                <a:spcPts val="0"/>
-              </a:spcBef>
-              <a:spcAft>
-                <a:spcPts val="0"/>
-              </a:spcAft>
+            <a:pPr lvl="1">
               <a:buClr>
                 <a:schemeClr val="lt1"/>
               </a:buClr>
@@ -7160,77 +7070,68 @@
               <a:buNone/>
             </a:pPr>
             <a:r>
-              <a:rPr lang="en-US" sz="3000" b="1" i="0" u="none" strike="noStrike" cap="none" dirty="0">
-                <a:solidFill>
-                  <a:schemeClr val="lt1"/>
-                </a:solidFill>
-                <a:latin typeface="Courier New"/>
-                <a:ea typeface="Courier New"/>
-                <a:cs typeface="Courier New"/>
+              <a:rPr lang="en-US" sz="3000" i="0" u="none" strike="noStrike" cap="none" dirty="0">
+                <a:solidFill>
+                  <a:schemeClr val="lt1"/>
+                </a:solidFill>
+                <a:latin typeface="Courier"/>
+                <a:ea typeface="Courier New"/>
+                <a:cs typeface="Courier"/>
                 <a:sym typeface="Courier New"/>
               </a:rPr>
               <a:t>&gt;&gt;&gt; </a:t>
             </a:r>
             <a:r>
-              <a:rPr lang="en-US" sz="3000" b="1" i="0" u="none" strike="noStrike" cap="none" dirty="0" err="1">
+              <a:rPr lang="en-US" sz="3000" i="0" u="none" strike="noStrike" cap="none" dirty="0" err="1">
                 <a:solidFill>
                   <a:srgbClr val="00FF00"/>
                 </a:solidFill>
-                <a:latin typeface="Courier New"/>
-                <a:ea typeface="Courier New"/>
-                <a:cs typeface="Courier New"/>
+                <a:latin typeface="Courier"/>
+                <a:ea typeface="Courier New"/>
+                <a:cs typeface="Courier"/>
                 <a:sym typeface="Courier New"/>
               </a:rPr>
               <a:t>tmp</a:t>
             </a:r>
             <a:r>
-              <a:rPr lang="en-US" sz="3000" b="1" i="0" u="none" strike="noStrike" cap="none" dirty="0">
-                <a:solidFill>
-                  <a:schemeClr val="lt1"/>
-                </a:solidFill>
-                <a:latin typeface="Courier New"/>
-                <a:ea typeface="Courier New"/>
-                <a:cs typeface="Courier New"/>
+              <a:rPr lang="en-US" sz="3000" i="0" u="none" strike="noStrike" cap="none" dirty="0">
+                <a:solidFill>
+                  <a:schemeClr val="lt1"/>
+                </a:solidFill>
+                <a:latin typeface="Courier"/>
+                <a:ea typeface="Courier New"/>
+                <a:cs typeface="Courier"/>
                 <a:sym typeface="Courier New"/>
               </a:rPr>
               <a:t> = </a:t>
             </a:r>
             <a:r>
-              <a:rPr lang="en-US" sz="3000" b="1" i="0" u="none" strike="noStrike" cap="none" dirty="0">
+              <a:rPr lang="en-US" sz="3000" i="0" u="none" strike="noStrike" cap="none" dirty="0">
                 <a:solidFill>
                   <a:srgbClr val="FF00FF"/>
                 </a:solidFill>
-                <a:latin typeface="Courier New"/>
-                <a:ea typeface="Courier New"/>
-                <a:cs typeface="Courier New"/>
+                <a:latin typeface="Courier"/>
+                <a:ea typeface="Courier New"/>
+                <a:cs typeface="Courier"/>
                 <a:sym typeface="Courier New"/>
               </a:rPr>
               <a:t>list</a:t>
             </a:r>
             <a:r>
-              <a:rPr lang="en-US" sz="3000" b="1" i="0" u="none" strike="noStrike" cap="none" dirty="0">
-                <a:solidFill>
-                  <a:schemeClr val="lt1"/>
-                </a:solidFill>
-                <a:latin typeface="Courier New"/>
-                <a:ea typeface="Courier New"/>
-                <a:cs typeface="Courier New"/>
+              <a:rPr lang="en-US" sz="3000" i="0" u="none" strike="noStrike" cap="none" dirty="0">
+                <a:solidFill>
+                  <a:schemeClr val="lt1"/>
+                </a:solidFill>
+                <a:latin typeface="Courier"/>
+                <a:ea typeface="Courier New"/>
+                <a:cs typeface="Courier"/>
                 <a:sym typeface="Courier New"/>
               </a:rPr>
               <a:t>()</a:t>
             </a:r>
           </a:p>
           <a:p>
-            <a:pPr marL="0" marR="0" lvl="0" indent="0" algn="l" rtl="0">
-              <a:lnSpc>
-                <a:spcPct val="100000"/>
-              </a:lnSpc>
-              <a:spcBef>
-                <a:spcPts val="0"/>
-              </a:spcBef>
-              <a:spcAft>
-                <a:spcPts val="0"/>
-              </a:spcAft>
+            <a:pPr lvl="1">
               <a:buClr>
                 <a:schemeClr val="lt1"/>
               </a:buClr>
@@ -7239,137 +7140,128 @@
               <a:buNone/>
             </a:pPr>
             <a:r>
-              <a:rPr lang="en-US" sz="3000" b="1" i="0" u="none" strike="noStrike" cap="none" dirty="0">
-                <a:solidFill>
-                  <a:schemeClr val="lt1"/>
-                </a:solidFill>
-                <a:latin typeface="Courier New"/>
-                <a:ea typeface="Courier New"/>
-                <a:cs typeface="Courier New"/>
+              <a:rPr lang="en-US" sz="3000" i="0" u="none" strike="noStrike" cap="none" dirty="0">
+                <a:solidFill>
+                  <a:schemeClr val="lt1"/>
+                </a:solidFill>
+                <a:latin typeface="Courier"/>
+                <a:ea typeface="Courier New"/>
+                <a:cs typeface="Courier"/>
                 <a:sym typeface="Courier New"/>
               </a:rPr>
               <a:t>&gt;&gt;&gt; </a:t>
             </a:r>
             <a:r>
-              <a:rPr lang="en-US" sz="3000" b="1" i="0" u="none" strike="noStrike" cap="none" dirty="0">
+              <a:rPr lang="en-US" sz="3000" i="0" u="none" strike="noStrike" cap="none" dirty="0">
                 <a:solidFill>
                   <a:srgbClr val="FFFF00"/>
                 </a:solidFill>
-                <a:latin typeface="Courier New"/>
-                <a:ea typeface="Courier New"/>
-                <a:cs typeface="Courier New"/>
+                <a:latin typeface="Courier"/>
+                <a:ea typeface="Courier New"/>
+                <a:cs typeface="Courier"/>
                 <a:sym typeface="Courier New"/>
               </a:rPr>
               <a:t>for</a:t>
             </a:r>
             <a:r>
-              <a:rPr lang="en-US" sz="3000" b="1" i="0" u="none" strike="noStrike" cap="none" dirty="0">
-                <a:solidFill>
-                  <a:schemeClr val="lt1"/>
-                </a:solidFill>
-                <a:latin typeface="Courier New"/>
-                <a:ea typeface="Courier New"/>
-                <a:cs typeface="Courier New"/>
+              <a:rPr lang="en-US" sz="3000" i="0" u="none" strike="noStrike" cap="none" dirty="0">
+                <a:solidFill>
+                  <a:schemeClr val="lt1"/>
+                </a:solidFill>
+                <a:latin typeface="Courier"/>
+                <a:ea typeface="Courier New"/>
+                <a:cs typeface="Courier"/>
                 <a:sym typeface="Courier New"/>
               </a:rPr>
               <a:t> </a:t>
             </a:r>
             <a:r>
-              <a:rPr lang="en-US" sz="3000" b="1" i="0" u="none" strike="noStrike" cap="none" dirty="0">
+              <a:rPr lang="en-US" sz="3000" i="0" u="none" strike="noStrike" cap="none" dirty="0">
                 <a:solidFill>
                   <a:srgbClr val="FF7F00"/>
                 </a:solidFill>
-                <a:latin typeface="Courier New"/>
-                <a:ea typeface="Courier New"/>
-                <a:cs typeface="Courier New"/>
+                <a:latin typeface="Courier"/>
+                <a:ea typeface="Courier New"/>
+                <a:cs typeface="Courier"/>
                 <a:sym typeface="Courier New"/>
               </a:rPr>
               <a:t>k, v</a:t>
             </a:r>
             <a:r>
-              <a:rPr lang="en-US" sz="3000" b="1" i="0" u="none" strike="noStrike" cap="none" dirty="0">
-                <a:solidFill>
-                  <a:schemeClr val="lt1"/>
-                </a:solidFill>
-                <a:latin typeface="Courier New"/>
-                <a:ea typeface="Courier New"/>
-                <a:cs typeface="Courier New"/>
+              <a:rPr lang="en-US" sz="3000" i="0" u="none" strike="noStrike" cap="none" dirty="0">
+                <a:solidFill>
+                  <a:schemeClr val="lt1"/>
+                </a:solidFill>
+                <a:latin typeface="Courier"/>
+                <a:ea typeface="Courier New"/>
+                <a:cs typeface="Courier"/>
                 <a:sym typeface="Courier New"/>
               </a:rPr>
               <a:t> </a:t>
             </a:r>
             <a:r>
-              <a:rPr lang="en-US" sz="3000" b="1" i="0" u="none" strike="noStrike" cap="none" dirty="0">
+              <a:rPr lang="en-US" sz="3000" i="0" u="none" strike="noStrike" cap="none" dirty="0">
                 <a:solidFill>
                   <a:srgbClr val="FFFF00"/>
                 </a:solidFill>
-                <a:latin typeface="Courier New"/>
-                <a:ea typeface="Courier New"/>
-                <a:cs typeface="Courier New"/>
+                <a:latin typeface="Courier"/>
+                <a:ea typeface="Courier New"/>
+                <a:cs typeface="Courier"/>
                 <a:sym typeface="Courier New"/>
               </a:rPr>
               <a:t>in</a:t>
             </a:r>
             <a:r>
-              <a:rPr lang="en-US" sz="3000" b="1" i="0" u="none" strike="noStrike" cap="none" dirty="0">
-                <a:solidFill>
-                  <a:schemeClr val="lt1"/>
-                </a:solidFill>
-                <a:latin typeface="Courier New"/>
-                <a:ea typeface="Courier New"/>
-                <a:cs typeface="Courier New"/>
+              <a:rPr lang="en-US" sz="3000" i="0" u="none" strike="noStrike" cap="none" dirty="0">
+                <a:solidFill>
+                  <a:schemeClr val="lt1"/>
+                </a:solidFill>
+                <a:latin typeface="Courier"/>
+                <a:ea typeface="Courier New"/>
+                <a:cs typeface="Courier"/>
                 <a:sym typeface="Courier New"/>
               </a:rPr>
               <a:t> </a:t>
             </a:r>
             <a:r>
-              <a:rPr lang="en-US" sz="3000" b="1" i="0" u="none" strike="noStrike" cap="none" dirty="0" err="1">
+              <a:rPr lang="en-US" sz="3000" i="0" u="none" strike="noStrike" cap="none" dirty="0" err="1">
                 <a:solidFill>
                   <a:srgbClr val="00FF00"/>
                 </a:solidFill>
-                <a:latin typeface="Courier New"/>
-                <a:ea typeface="Courier New"/>
-                <a:cs typeface="Courier New"/>
+                <a:latin typeface="Courier"/>
+                <a:ea typeface="Courier New"/>
+                <a:cs typeface="Courier"/>
                 <a:sym typeface="Courier New"/>
               </a:rPr>
               <a:t>c</a:t>
             </a:r>
             <a:r>
-              <a:rPr lang="en-US" sz="3000" b="1" i="0" u="none" strike="noStrike" cap="none" dirty="0" err="1">
+              <a:rPr lang="en-US" sz="3000" i="0" u="none" strike="noStrike" cap="none" dirty="0" err="1">
                 <a:solidFill>
                   <a:srgbClr val="FF00FF"/>
                 </a:solidFill>
-                <a:latin typeface="Courier New"/>
-                <a:ea typeface="Courier New"/>
-                <a:cs typeface="Courier New"/>
+                <a:latin typeface="Courier"/>
+                <a:ea typeface="Courier New"/>
+                <a:cs typeface="Courier"/>
                 <a:sym typeface="Courier New"/>
               </a:rPr>
               <a:t>.items</a:t>
             </a:r>
             <a:r>
-              <a:rPr lang="en-US" sz="3000" b="1" i="0" u="none" strike="noStrike" cap="none" dirty="0">
-                <a:solidFill>
-                  <a:schemeClr val="lt1"/>
-                </a:solidFill>
-                <a:latin typeface="Courier New"/>
-                <a:ea typeface="Courier New"/>
-                <a:cs typeface="Courier New"/>
+              <a:rPr lang="en-US" sz="3000" i="0" u="none" strike="noStrike" cap="none" dirty="0">
+                <a:solidFill>
+                  <a:schemeClr val="lt1"/>
+                </a:solidFill>
+                <a:latin typeface="Courier"/>
+                <a:ea typeface="Courier New"/>
+                <a:cs typeface="Courier"/>
                 <a:sym typeface="Courier New"/>
               </a:rPr>
               <a:t>() :</a:t>
             </a:r>
           </a:p>
           <a:p>
-            <a:pPr marL="0" marR="0" lvl="0" indent="0" algn="l" rtl="0">
-              <a:lnSpc>
-                <a:spcPct val="100000"/>
-              </a:lnSpc>
-              <a:spcBef>
-                <a:spcPts val="0"/>
-              </a:spcBef>
-              <a:spcAft>
-                <a:spcPts val="0"/>
-              </a:spcAft>
+            <a:pPr lvl="1">
               <a:buClr>
                 <a:schemeClr val="lt1"/>
               </a:buClr>
@@ -7378,89 +7270,80 @@
               <a:buNone/>
             </a:pPr>
             <a:r>
-              <a:rPr lang="en-US" sz="3000" b="1" i="0" u="none" strike="noStrike" cap="none" dirty="0">
-                <a:solidFill>
-                  <a:schemeClr val="lt1"/>
-                </a:solidFill>
-                <a:latin typeface="Courier New"/>
-                <a:ea typeface="Courier New"/>
-                <a:cs typeface="Courier New"/>
+              <a:rPr lang="en-US" sz="3000" i="0" u="none" strike="noStrike" cap="none" dirty="0">
+                <a:solidFill>
+                  <a:schemeClr val="lt1"/>
+                </a:solidFill>
+                <a:latin typeface="Courier"/>
+                <a:ea typeface="Courier New"/>
+                <a:cs typeface="Courier"/>
                 <a:sym typeface="Courier New"/>
               </a:rPr>
               <a:t>...     </a:t>
             </a:r>
             <a:r>
-              <a:rPr lang="en-US" sz="3000" b="1" i="0" u="none" strike="noStrike" cap="none" dirty="0" err="1">
+              <a:rPr lang="en-US" sz="3000" i="0" u="none" strike="noStrike" cap="none" dirty="0" err="1">
                 <a:solidFill>
                   <a:srgbClr val="00FF00"/>
                 </a:solidFill>
-                <a:latin typeface="Courier New"/>
-                <a:ea typeface="Courier New"/>
-                <a:cs typeface="Courier New"/>
+                <a:latin typeface="Courier"/>
+                <a:ea typeface="Courier New"/>
+                <a:cs typeface="Courier"/>
                 <a:sym typeface="Courier New"/>
               </a:rPr>
               <a:t>tmp</a:t>
             </a:r>
             <a:r>
-              <a:rPr lang="en-US" sz="3000" b="1" i="0" u="none" strike="noStrike" cap="none" dirty="0" err="1">
+              <a:rPr lang="en-US" sz="3000" i="0" u="none" strike="noStrike" cap="none" dirty="0" err="1">
                 <a:solidFill>
                   <a:srgbClr val="FF00FF"/>
                 </a:solidFill>
-                <a:latin typeface="Courier New"/>
-                <a:ea typeface="Courier New"/>
-                <a:cs typeface="Courier New"/>
+                <a:latin typeface="Courier"/>
+                <a:ea typeface="Courier New"/>
+                <a:cs typeface="Courier"/>
                 <a:sym typeface="Courier New"/>
               </a:rPr>
               <a:t>.append</a:t>
             </a:r>
             <a:r>
-              <a:rPr lang="en-US" sz="3000" b="1" i="0" u="none" strike="noStrike" cap="none" dirty="0">
-                <a:solidFill>
-                  <a:schemeClr val="lt1"/>
-                </a:solidFill>
-                <a:latin typeface="Courier New"/>
-                <a:ea typeface="Courier New"/>
-                <a:cs typeface="Courier New"/>
+              <a:rPr lang="en-US" sz="3000" i="0" u="none" strike="noStrike" cap="none" dirty="0">
+                <a:solidFill>
+                  <a:schemeClr val="lt1"/>
+                </a:solidFill>
+                <a:latin typeface="Courier"/>
+                <a:ea typeface="Courier New"/>
+                <a:cs typeface="Courier"/>
                 <a:sym typeface="Courier New"/>
               </a:rPr>
               <a:t>( </a:t>
             </a:r>
             <a:r>
-              <a:rPr lang="en-US" sz="3000" b="1" i="0" u="none" strike="noStrike" cap="none" dirty="0">
+              <a:rPr lang="en-US" sz="3000" i="0" u="none" strike="noStrike" cap="none" dirty="0">
                 <a:solidFill>
                   <a:srgbClr val="FF7F00"/>
                 </a:solidFill>
-                <a:latin typeface="Courier New"/>
-                <a:ea typeface="Courier New"/>
-                <a:cs typeface="Courier New"/>
+                <a:latin typeface="Courier"/>
+                <a:ea typeface="Courier New"/>
+                <a:cs typeface="Courier"/>
                 <a:sym typeface="Courier New"/>
               </a:rPr>
               <a:t>(v, k)</a:t>
             </a:r>
             <a:r>
-              <a:rPr lang="en-US" sz="3000" b="1" i="0" u="none" strike="noStrike" cap="none" dirty="0">
-                <a:solidFill>
-                  <a:schemeClr val="lt1"/>
-                </a:solidFill>
-                <a:latin typeface="Courier New"/>
-                <a:ea typeface="Courier New"/>
-                <a:cs typeface="Courier New"/>
+              <a:rPr lang="en-US" sz="3000" i="0" u="none" strike="noStrike" cap="none" dirty="0">
+                <a:solidFill>
+                  <a:schemeClr val="lt1"/>
+                </a:solidFill>
+                <a:latin typeface="Courier"/>
+                <a:ea typeface="Courier New"/>
+                <a:cs typeface="Courier"/>
                 <a:sym typeface="Courier New"/>
               </a:rPr>
               <a:t> )</a:t>
             </a:r>
           </a:p>
           <a:p>
-            <a:pPr marL="0" marR="0" lvl="0" indent="0" algn="l" rtl="0">
-              <a:lnSpc>
-                <a:spcPct val="100000"/>
-              </a:lnSpc>
-              <a:spcBef>
-                <a:spcPts val="0"/>
-              </a:spcBef>
-              <a:spcAft>
-                <a:spcPts val="0"/>
-              </a:spcAft>
+            <a:pPr lvl="1">
               <a:buClr>
                 <a:schemeClr val="lt1"/>
               </a:buClr>
@@ -7469,106 +7352,97 @@
               <a:buNone/>
             </a:pPr>
             <a:r>
-              <a:rPr lang="en-US" sz="3000" b="1" i="0" u="none" strike="noStrike" cap="none" dirty="0">
-                <a:solidFill>
-                  <a:schemeClr val="lt1"/>
-                </a:solidFill>
-                <a:latin typeface="Courier New"/>
-                <a:ea typeface="Courier New"/>
-                <a:cs typeface="Courier New"/>
+              <a:rPr lang="en-US" sz="3000" i="0" u="none" strike="noStrike" cap="none" dirty="0">
+                <a:solidFill>
+                  <a:schemeClr val="lt1"/>
+                </a:solidFill>
+                <a:latin typeface="Courier"/>
+                <a:ea typeface="Courier New"/>
+                <a:cs typeface="Courier"/>
                 <a:sym typeface="Courier New"/>
               </a:rPr>
               <a:t>... </a:t>
             </a:r>
           </a:p>
           <a:p>
-            <a:pPr lvl="0">
+            <a:pPr lvl="1">
               <a:buClr>
                 <a:schemeClr val="lt1"/>
               </a:buClr>
               <a:buSzPct val="25000"/>
             </a:pPr>
             <a:r>
-              <a:rPr lang="en-US" sz="3000" b="1" i="0" u="none" strike="noStrike" cap="none" dirty="0">
-                <a:solidFill>
-                  <a:schemeClr val="lt1"/>
-                </a:solidFill>
-                <a:latin typeface="Courier New"/>
-                <a:ea typeface="Courier New"/>
-                <a:cs typeface="Courier New"/>
+              <a:rPr lang="en-US" sz="3000" i="0" u="none" strike="noStrike" cap="none" dirty="0">
+                <a:solidFill>
+                  <a:schemeClr val="lt1"/>
+                </a:solidFill>
+                <a:latin typeface="Courier"/>
+                <a:ea typeface="Courier New"/>
+                <a:cs typeface="Courier"/>
                 <a:sym typeface="Courier New"/>
               </a:rPr>
               <a:t>&gt;&gt;&gt; </a:t>
             </a:r>
             <a:r>
-              <a:rPr lang="en-US" sz="3000" b="1" i="0" u="none" strike="noStrike" cap="none" dirty="0" smtClean="0">
+              <a:rPr lang="en-US" sz="3000" i="0" u="none" strike="noStrike" cap="none" dirty="0" smtClean="0">
                 <a:solidFill>
                   <a:srgbClr val="FFFF00"/>
                 </a:solidFill>
-                <a:latin typeface="Courier New"/>
-                <a:ea typeface="Courier New"/>
-                <a:cs typeface="Courier New"/>
+                <a:latin typeface="Courier"/>
+                <a:ea typeface="Courier New"/>
+                <a:cs typeface="Courier"/>
                 <a:sym typeface="Courier New"/>
               </a:rPr>
               <a:t>print</a:t>
             </a:r>
             <a:r>
-              <a:rPr lang="en-US" sz="3000" b="1" dirty="0">
-                <a:solidFill>
-                  <a:schemeClr val="lt1"/>
-                </a:solidFill>
-                <a:latin typeface="Courier New"/>
-                <a:ea typeface="Courier New"/>
-                <a:cs typeface="Courier New"/>
+              <a:rPr lang="en-US" sz="3000" dirty="0">
+                <a:solidFill>
+                  <a:schemeClr val="lt1"/>
+                </a:solidFill>
+                <a:latin typeface="Courier"/>
+                <a:ea typeface="Courier New"/>
+                <a:cs typeface="Courier"/>
                 <a:sym typeface="Courier New"/>
               </a:rPr>
               <a:t>(</a:t>
             </a:r>
             <a:r>
-              <a:rPr lang="en-US" sz="3000" b="1" i="0" u="none" strike="noStrike" cap="none" dirty="0" err="1" smtClean="0">
+              <a:rPr lang="en-US" sz="3000" i="0" u="none" strike="noStrike" cap="none" dirty="0" err="1" smtClean="0">
                 <a:solidFill>
                   <a:srgbClr val="00FF00"/>
                 </a:solidFill>
-                <a:latin typeface="Courier New"/>
-                <a:ea typeface="Courier New"/>
-                <a:cs typeface="Courier New"/>
+                <a:latin typeface="Courier"/>
+                <a:ea typeface="Courier New"/>
+                <a:cs typeface="Courier"/>
                 <a:sym typeface="Courier New"/>
               </a:rPr>
               <a:t>tmp</a:t>
             </a:r>
             <a:r>
-              <a:rPr lang="en-US" sz="3000" b="1" dirty="0" smtClean="0">
+              <a:rPr lang="en-US" sz="3000" dirty="0" smtClean="0">
                 <a:solidFill>
                   <a:srgbClr val="FFFF00"/>
                 </a:solidFill>
-                <a:latin typeface="Courier New"/>
-                <a:ea typeface="Courier New"/>
-                <a:cs typeface="Courier New"/>
+                <a:latin typeface="Courier"/>
+                <a:ea typeface="Courier New"/>
+                <a:cs typeface="Courier"/>
                 <a:sym typeface="Courier New"/>
               </a:rPr>
               <a:t>)</a:t>
             </a:r>
-            <a:endParaRPr lang="en-US" sz="3000" b="1" i="0" u="none" strike="noStrike" cap="none" dirty="0">
+            <a:endParaRPr lang="en-US" sz="3000" i="0" u="none" strike="noStrike" cap="none" dirty="0">
               <a:solidFill>
                 <a:srgbClr val="00FF00"/>
               </a:solidFill>
-              <a:latin typeface="Courier New"/>
+              <a:latin typeface="Courier"/>
               <a:ea typeface="Courier New"/>
-              <a:cs typeface="Courier New"/>
+              <a:cs typeface="Courier"/>
               <a:sym typeface="Courier New"/>
             </a:endParaRPr>
           </a:p>
           <a:p>
-            <a:pPr marL="0" marR="0" lvl="0" indent="0" algn="l" rtl="0">
-              <a:lnSpc>
-                <a:spcPct val="100000"/>
-              </a:lnSpc>
-              <a:spcBef>
-                <a:spcPts val="0"/>
-              </a:spcBef>
-              <a:spcAft>
-                <a:spcPts val="0"/>
-              </a:spcAft>
+            <a:pPr lvl="1">
               <a:buClr>
                 <a:schemeClr val="lt1"/>
               </a:buClr>
@@ -7577,29 +7451,20 @@
               <a:buNone/>
             </a:pPr>
             <a:r>
-              <a:rPr lang="en-US" sz="3000" b="1" i="0" u="none" strike="noStrike" cap="none" dirty="0">
-                <a:solidFill>
-                  <a:schemeClr val="lt1"/>
-                </a:solidFill>
-                <a:latin typeface="Courier New"/>
-                <a:ea typeface="Courier New"/>
-                <a:cs typeface="Courier New"/>
+              <a:rPr lang="en-US" sz="3000" i="0" u="none" strike="noStrike" cap="none" dirty="0">
+                <a:solidFill>
+                  <a:schemeClr val="lt1"/>
+                </a:solidFill>
+                <a:latin typeface="Courier"/>
+                <a:ea typeface="Courier New"/>
+                <a:cs typeface="Courier"/>
                 <a:sym typeface="Courier New"/>
               </a:rPr>
               <a:t>[(10, 'a'), (22, 'c'), (1, 'b')]</a:t>
             </a:r>
           </a:p>
           <a:p>
-            <a:pPr marL="0" marR="0" lvl="0" indent="0" algn="l" rtl="0">
-              <a:lnSpc>
-                <a:spcPct val="100000"/>
-              </a:lnSpc>
-              <a:spcBef>
-                <a:spcPts val="0"/>
-              </a:spcBef>
-              <a:spcAft>
-                <a:spcPts val="0"/>
-              </a:spcAft>
+            <a:pPr lvl="1">
               <a:buClr>
                 <a:schemeClr val="lt1"/>
               </a:buClr>
@@ -7608,178 +7473,169 @@
               <a:buNone/>
             </a:pPr>
             <a:r>
-              <a:rPr lang="en-US" sz="3000" b="1" i="0" u="none" strike="noStrike" cap="none" dirty="0">
-                <a:solidFill>
-                  <a:schemeClr val="lt1"/>
-                </a:solidFill>
-                <a:latin typeface="Courier New"/>
-                <a:ea typeface="Courier New"/>
-                <a:cs typeface="Courier New"/>
+              <a:rPr lang="en-US" sz="3000" i="0" u="none" strike="noStrike" cap="none" dirty="0">
+                <a:solidFill>
+                  <a:schemeClr val="lt1"/>
+                </a:solidFill>
+                <a:latin typeface="Courier"/>
+                <a:ea typeface="Courier New"/>
+                <a:cs typeface="Courier"/>
                 <a:sym typeface="Courier New"/>
               </a:rPr>
               <a:t>&gt;&gt;&gt; </a:t>
             </a:r>
             <a:r>
-              <a:rPr lang="en-US" sz="3000" b="1" i="0" u="none" strike="noStrike" cap="none" dirty="0" err="1" smtClean="0">
+              <a:rPr lang="en-US" sz="3000" i="0" u="none" strike="noStrike" cap="none" dirty="0" err="1" smtClean="0">
                 <a:solidFill>
                   <a:srgbClr val="00FA00"/>
                 </a:solidFill>
-                <a:latin typeface="Courier New"/>
-                <a:ea typeface="Courier New"/>
-                <a:cs typeface="Courier New"/>
+                <a:latin typeface="Courier"/>
+                <a:ea typeface="Courier New"/>
+                <a:cs typeface="Courier"/>
                 <a:sym typeface="Courier New"/>
               </a:rPr>
               <a:t>tmp</a:t>
             </a:r>
             <a:r>
-              <a:rPr lang="en-US" sz="3000" b="1" i="0" u="none" strike="noStrike" cap="none" dirty="0" smtClean="0">
+              <a:rPr lang="en-US" sz="3000" i="0" u="none" strike="noStrike" cap="none" dirty="0" smtClean="0">
                 <a:solidFill>
                   <a:srgbClr val="00FA00"/>
                 </a:solidFill>
-                <a:latin typeface="Courier New"/>
-                <a:ea typeface="Courier New"/>
-                <a:cs typeface="Courier New"/>
+                <a:latin typeface="Courier"/>
+                <a:ea typeface="Courier New"/>
+                <a:cs typeface="Courier"/>
                 <a:sym typeface="Courier New"/>
               </a:rPr>
               <a:t> </a:t>
             </a:r>
             <a:r>
-              <a:rPr lang="en-US" sz="3000" b="1" i="0" u="none" strike="noStrike" cap="none" dirty="0" smtClean="0">
-                <a:solidFill>
-                  <a:schemeClr val="lt1"/>
-                </a:solidFill>
-                <a:latin typeface="Courier New"/>
-                <a:ea typeface="Courier New"/>
-                <a:cs typeface="Courier New"/>
+              <a:rPr lang="en-US" sz="3000" i="0" u="none" strike="noStrike" cap="none" dirty="0" smtClean="0">
+                <a:solidFill>
+                  <a:schemeClr val="lt1"/>
+                </a:solidFill>
+                <a:latin typeface="Courier"/>
+                <a:ea typeface="Courier New"/>
+                <a:cs typeface="Courier"/>
                 <a:sym typeface="Courier New"/>
               </a:rPr>
               <a:t>= </a:t>
             </a:r>
             <a:r>
-              <a:rPr lang="en-US" sz="3000" b="1" i="0" u="none" strike="noStrike" cap="none" dirty="0" smtClean="0">
+              <a:rPr lang="en-US" sz="3000" i="0" u="none" strike="noStrike" cap="none" dirty="0" smtClean="0">
                 <a:solidFill>
                   <a:srgbClr val="FFFF00"/>
                 </a:solidFill>
-                <a:latin typeface="Courier New"/>
-                <a:ea typeface="Courier New"/>
-                <a:cs typeface="Courier New"/>
+                <a:latin typeface="Courier"/>
+                <a:ea typeface="Courier New"/>
+                <a:cs typeface="Courier"/>
                 <a:sym typeface="Courier New"/>
               </a:rPr>
               <a:t>sorted(</a:t>
             </a:r>
             <a:r>
-              <a:rPr lang="en-US" sz="3000" b="1" i="0" u="none" strike="noStrike" cap="none" dirty="0" err="1" smtClean="0">
+              <a:rPr lang="en-US" sz="3000" i="0" u="none" strike="noStrike" cap="none" dirty="0" err="1" smtClean="0">
                 <a:solidFill>
                   <a:srgbClr val="00FF00"/>
                 </a:solidFill>
-                <a:latin typeface="Courier New"/>
-                <a:ea typeface="Courier New"/>
-                <a:cs typeface="Courier New"/>
+                <a:latin typeface="Courier"/>
+                <a:ea typeface="Courier New"/>
+                <a:cs typeface="Courier"/>
                 <a:sym typeface="Courier New"/>
               </a:rPr>
               <a:t>tmp</a:t>
             </a:r>
             <a:r>
-              <a:rPr lang="en-US" sz="3000" b="1" i="0" u="none" strike="noStrike" cap="none" dirty="0" smtClean="0">
+              <a:rPr lang="en-US" sz="3000" i="0" u="none" strike="noStrike" cap="none" dirty="0" smtClean="0">
                 <a:solidFill>
                   <a:srgbClr val="FF00FF"/>
                 </a:solidFill>
-                <a:latin typeface="Courier New"/>
-                <a:ea typeface="Courier New"/>
-                <a:cs typeface="Courier New"/>
+                <a:latin typeface="Courier"/>
+                <a:ea typeface="Courier New"/>
+                <a:cs typeface="Courier"/>
                 <a:sym typeface="Courier New"/>
               </a:rPr>
               <a:t>, reverse=True</a:t>
             </a:r>
             <a:r>
-              <a:rPr lang="en-US" sz="3000" b="1" i="0" u="none" strike="noStrike" cap="none" dirty="0">
+              <a:rPr lang="en-US" sz="3000" i="0" u="none" strike="noStrike" cap="none" dirty="0">
                 <a:solidFill>
                   <a:srgbClr val="FFFF00"/>
                 </a:solidFill>
-                <a:latin typeface="Courier New"/>
-                <a:ea typeface="Courier New"/>
-                <a:cs typeface="Courier New"/>
+                <a:latin typeface="Courier"/>
+                <a:ea typeface="Courier New"/>
+                <a:cs typeface="Courier"/>
                 <a:sym typeface="Courier New"/>
               </a:rPr>
               <a:t>)</a:t>
             </a:r>
           </a:p>
           <a:p>
-            <a:pPr lvl="0">
+            <a:pPr lvl="1">
               <a:buClr>
                 <a:schemeClr val="lt1"/>
               </a:buClr>
               <a:buSzPct val="25000"/>
             </a:pPr>
             <a:r>
-              <a:rPr lang="en-US" sz="3000" b="1" i="0" u="none" strike="noStrike" cap="none" dirty="0">
-                <a:solidFill>
-                  <a:schemeClr val="lt1"/>
-                </a:solidFill>
-                <a:latin typeface="Courier New"/>
-                <a:ea typeface="Courier New"/>
-                <a:cs typeface="Courier New"/>
+              <a:rPr lang="en-US" sz="3000" i="0" u="none" strike="noStrike" cap="none" dirty="0">
+                <a:solidFill>
+                  <a:schemeClr val="lt1"/>
+                </a:solidFill>
+                <a:latin typeface="Courier"/>
+                <a:ea typeface="Courier New"/>
+                <a:cs typeface="Courier"/>
                 <a:sym typeface="Courier New"/>
               </a:rPr>
               <a:t>&gt;&gt;&gt; </a:t>
             </a:r>
             <a:r>
-              <a:rPr lang="en-US" sz="3000" b="1" i="0" u="none" strike="noStrike" cap="none" dirty="0" smtClean="0">
+              <a:rPr lang="en-US" sz="3000" i="0" u="none" strike="noStrike" cap="none" dirty="0" smtClean="0">
                 <a:solidFill>
                   <a:srgbClr val="FFFF00"/>
                 </a:solidFill>
-                <a:latin typeface="Courier New"/>
-                <a:ea typeface="Courier New"/>
-                <a:cs typeface="Courier New"/>
+                <a:latin typeface="Courier"/>
+                <a:ea typeface="Courier New"/>
+                <a:cs typeface="Courier"/>
                 <a:sym typeface="Courier New"/>
               </a:rPr>
               <a:t>print(</a:t>
             </a:r>
             <a:r>
-              <a:rPr lang="en-US" sz="3000" b="1" i="0" u="none" strike="noStrike" cap="none" dirty="0" err="1" smtClean="0">
+              <a:rPr lang="en-US" sz="3000" i="0" u="none" strike="noStrike" cap="none" dirty="0" err="1" smtClean="0">
                 <a:solidFill>
                   <a:srgbClr val="00FF00"/>
                 </a:solidFill>
-                <a:latin typeface="Courier New"/>
-                <a:ea typeface="Courier New"/>
-                <a:cs typeface="Courier New"/>
+                <a:latin typeface="Courier"/>
+                <a:ea typeface="Courier New"/>
+                <a:cs typeface="Courier"/>
                 <a:sym typeface="Courier New"/>
               </a:rPr>
               <a:t>tmp</a:t>
             </a:r>
             <a:r>
-              <a:rPr lang="en-US" sz="3000" b="1" dirty="0" smtClean="0">
+              <a:rPr lang="en-US" sz="3000" dirty="0" smtClean="0">
                 <a:solidFill>
                   <a:srgbClr val="FFFF00"/>
                 </a:solidFill>
-                <a:latin typeface="Courier New"/>
-                <a:ea typeface="Courier New"/>
-                <a:cs typeface="Courier New"/>
+                <a:latin typeface="Courier"/>
+                <a:ea typeface="Courier New"/>
+                <a:cs typeface="Courier"/>
                 <a:sym typeface="Courier New"/>
               </a:rPr>
               <a:t>)</a:t>
             </a:r>
-            <a:endParaRPr lang="en-US" sz="3000" b="1" i="0" u="none" strike="noStrike" cap="none" dirty="0">
+            <a:endParaRPr lang="en-US" sz="3000" i="0" u="none" strike="noStrike" cap="none" dirty="0">
               <a:solidFill>
                 <a:srgbClr val="00FF00"/>
               </a:solidFill>
-              <a:latin typeface="Courier New"/>
+              <a:latin typeface="Courier"/>
               <a:ea typeface="Courier New"/>
-              <a:cs typeface="Courier New"/>
+              <a:cs typeface="Courier"/>
               <a:sym typeface="Courier New"/>
             </a:endParaRPr>
           </a:p>
           <a:p>
-            <a:pPr marL="0" marR="0" lvl="0" indent="0" algn="l" rtl="0">
-              <a:lnSpc>
-                <a:spcPct val="100000"/>
-              </a:lnSpc>
-              <a:spcBef>
-                <a:spcPts val="0"/>
-              </a:spcBef>
-              <a:spcAft>
-                <a:spcPts val="0"/>
-              </a:spcAft>
+            <a:pPr lvl="1">
               <a:buClr>
                 <a:schemeClr val="lt1"/>
               </a:buClr>
@@ -7788,13 +7644,13 @@
               <a:buNone/>
             </a:pPr>
             <a:r>
-              <a:rPr lang="en-US" sz="3000" b="1" i="0" u="none" strike="noStrike" cap="none" dirty="0">
-                <a:solidFill>
-                  <a:schemeClr val="lt1"/>
-                </a:solidFill>
-                <a:latin typeface="Courier New"/>
-                <a:ea typeface="Courier New"/>
-                <a:cs typeface="Courier New"/>
+              <a:rPr lang="en-US" sz="3000" i="0" u="none" strike="noStrike" cap="none" dirty="0">
+                <a:solidFill>
+                  <a:schemeClr val="lt1"/>
+                </a:solidFill>
+                <a:latin typeface="Courier"/>
+                <a:ea typeface="Courier New"/>
+                <a:cs typeface="Courier"/>
                 <a:sym typeface="Courier New"/>
               </a:rPr>
               <a:t>[(22, 'c'), (10, 'a'), (1, 'b')]</a:t>
@@ -7810,14 +7666,14 @@
   <p:timing>
     <p:tnLst>
       <p:par>
-        <p:cTn id="1" dur="indefinite" restart="never" nodeType="tmRoot"/>
+        <p:cTn xmlns:p14="http://schemas.microsoft.com/office/powerpoint/2010/main" id="1" dur="indefinite" restart="never" nodeType="tmRoot"/>
       </p:par>
     </p:tnLst>
   </p:timing>
 </p:sld>
 </file>
 
-<file path=ppt/slides/slide14.xml><?xml version="1.0" encoding="utf-8"?>
+<file path=ppt/slides/slide13.xml><?xml version="1.0" encoding="utf-8"?>
 <p:sld xmlns:a="http://schemas.openxmlformats.org/drawingml/2006/main" xmlns:r="http://schemas.openxmlformats.org/officeDocument/2006/relationships" xmlns:p="http://schemas.openxmlformats.org/presentationml/2006/main">
   <p:cSld>
     <p:spTree>
@@ -7877,73 +7733,73 @@
               <a:buNone/>
             </a:pPr>
             <a:r>
-              <a:rPr lang="en-US" sz="3000" b="1" i="0" u="none" strike="noStrike" cap="none" dirty="0" err="1">
+              <a:rPr lang="en-US" sz="3000" i="0" u="none" strike="noStrike" cap="none" dirty="0" err="1">
                 <a:solidFill>
                   <a:srgbClr val="00FF00"/>
                 </a:solidFill>
-                <a:latin typeface="Courier New"/>
-                <a:ea typeface="Courier New"/>
-                <a:cs typeface="Courier New"/>
+                <a:latin typeface="Courier"/>
+                <a:ea typeface="Courier New"/>
+                <a:cs typeface="Courier"/>
                 <a:sym typeface="Courier New"/>
               </a:rPr>
               <a:t>fhand</a:t>
             </a:r>
             <a:r>
-              <a:rPr lang="en-US" sz="3000" b="1" i="0" u="none" strike="noStrike" cap="none" dirty="0">
-                <a:solidFill>
-                  <a:schemeClr val="lt1"/>
-                </a:solidFill>
-                <a:latin typeface="Courier New"/>
-                <a:ea typeface="Courier New"/>
-                <a:cs typeface="Courier New"/>
+              <a:rPr lang="en-US" sz="3000" i="0" u="none" strike="noStrike" cap="none" dirty="0">
+                <a:solidFill>
+                  <a:schemeClr val="lt1"/>
+                </a:solidFill>
+                <a:latin typeface="Courier"/>
+                <a:ea typeface="Courier New"/>
+                <a:cs typeface="Courier"/>
                 <a:sym typeface="Courier New"/>
               </a:rPr>
               <a:t> = </a:t>
             </a:r>
             <a:r>
-              <a:rPr lang="en-US" sz="3000" b="1" i="0" u="none" strike="noStrike" cap="none" dirty="0">
+              <a:rPr lang="en-US" sz="3000" i="0" u="none" strike="noStrike" cap="none" dirty="0">
                 <a:solidFill>
                   <a:srgbClr val="FF00FF"/>
                 </a:solidFill>
-                <a:latin typeface="Courier New"/>
-                <a:ea typeface="Courier New"/>
-                <a:cs typeface="Courier New"/>
+                <a:latin typeface="Courier"/>
+                <a:ea typeface="Courier New"/>
+                <a:cs typeface="Courier"/>
                 <a:sym typeface="Courier New"/>
               </a:rPr>
               <a:t>open</a:t>
             </a:r>
             <a:r>
-              <a:rPr lang="en-US" sz="3000" b="1" i="0" u="none" strike="noStrike" cap="none" dirty="0">
-                <a:solidFill>
-                  <a:schemeClr val="lt1"/>
-                </a:solidFill>
-                <a:latin typeface="Courier New"/>
-                <a:ea typeface="Courier New"/>
-                <a:cs typeface="Courier New"/>
+              <a:rPr lang="en-US" sz="3000" i="0" u="none" strike="noStrike" cap="none" dirty="0">
+                <a:solidFill>
+                  <a:schemeClr val="lt1"/>
+                </a:solidFill>
+                <a:latin typeface="Courier"/>
+                <a:ea typeface="Courier New"/>
+                <a:cs typeface="Courier"/>
                 <a:sym typeface="Courier New"/>
               </a:rPr>
               <a:t>('</a:t>
             </a:r>
             <a:r>
-              <a:rPr lang="en-US" sz="3000" b="1" i="0" u="none" strike="noStrike" cap="none" dirty="0" err="1">
-                <a:solidFill>
-                  <a:schemeClr val="lt1"/>
-                </a:solidFill>
-                <a:latin typeface="Courier New"/>
-                <a:ea typeface="Courier New"/>
-                <a:cs typeface="Courier New"/>
+              <a:rPr lang="en-US" sz="3000" i="0" u="none" strike="noStrike" cap="none" dirty="0" err="1">
+                <a:solidFill>
+                  <a:schemeClr val="lt1"/>
+                </a:solidFill>
+                <a:latin typeface="Courier"/>
+                <a:ea typeface="Courier New"/>
+                <a:cs typeface="Courier"/>
                 <a:sym typeface="Courier New"/>
               </a:rPr>
               <a:t>romeo.txt</a:t>
             </a:r>
             <a:r>
-              <a:rPr lang="en-US" sz="3000" b="1" i="0" u="none" strike="noStrike" cap="none" dirty="0">
-                <a:solidFill>
-                  <a:schemeClr val="lt1"/>
-                </a:solidFill>
-                <a:latin typeface="Courier New"/>
-                <a:ea typeface="Courier New"/>
-                <a:cs typeface="Courier New"/>
+              <a:rPr lang="en-US" sz="3000" i="0" u="none" strike="noStrike" cap="none" dirty="0">
+                <a:solidFill>
+                  <a:schemeClr val="lt1"/>
+                </a:solidFill>
+                <a:latin typeface="Courier"/>
+                <a:ea typeface="Courier New"/>
+                <a:cs typeface="Courier"/>
                 <a:sym typeface="Courier New"/>
               </a:rPr>
               <a:t>')</a:t>
@@ -7968,49 +7824,49 @@
               <a:buNone/>
             </a:pPr>
             <a:r>
-              <a:rPr lang="en-US" sz="3000" b="1" i="0" u="none" strike="noStrike" cap="none" dirty="0">
+              <a:rPr lang="en-US" sz="3000" i="0" u="none" strike="noStrike" cap="none" dirty="0">
                 <a:solidFill>
                   <a:srgbClr val="00FF00"/>
                 </a:solidFill>
-                <a:latin typeface="Courier New"/>
-                <a:ea typeface="Courier New"/>
-                <a:cs typeface="Courier New"/>
+                <a:latin typeface="Courier"/>
+                <a:ea typeface="Courier New"/>
+                <a:cs typeface="Courier"/>
                 <a:sym typeface="Courier New"/>
               </a:rPr>
               <a:t>counts</a:t>
             </a:r>
             <a:r>
-              <a:rPr lang="en-US" sz="3000" b="1" i="0" u="none" strike="noStrike" cap="none" dirty="0">
-                <a:solidFill>
-                  <a:schemeClr val="lt1"/>
-                </a:solidFill>
-                <a:latin typeface="Courier New"/>
-                <a:ea typeface="Courier New"/>
-                <a:cs typeface="Courier New"/>
+              <a:rPr lang="en-US" sz="3000" i="0" u="none" strike="noStrike" cap="none" dirty="0">
+                <a:solidFill>
+                  <a:schemeClr val="lt1"/>
+                </a:solidFill>
+                <a:latin typeface="Courier"/>
+                <a:ea typeface="Courier New"/>
+                <a:cs typeface="Courier"/>
                 <a:sym typeface="Courier New"/>
               </a:rPr>
               <a:t> = </a:t>
             </a:r>
             <a:r>
-              <a:rPr lang="en-US" sz="3000" b="1" i="0" u="none" strike="noStrike" cap="none" dirty="0" err="1">
+              <a:rPr lang="en-US" sz="3000" i="0" u="none" strike="noStrike" cap="none" dirty="0" err="1">
                 <a:solidFill>
                   <a:srgbClr val="FF00FF"/>
                 </a:solidFill>
-                <a:latin typeface="Courier New"/>
-                <a:ea typeface="Courier New"/>
-                <a:cs typeface="Courier New"/>
+                <a:latin typeface="Courier"/>
+                <a:ea typeface="Courier New"/>
+                <a:cs typeface="Courier"/>
                 <a:sym typeface="Courier New"/>
               </a:rPr>
               <a:t>dict</a:t>
             </a:r>
             <a:r>
-              <a:rPr lang="en-US" sz="3000" b="1" i="0" u="none" strike="noStrike" cap="none" dirty="0">
-                <a:solidFill>
-                  <a:schemeClr val="lt1"/>
-                </a:solidFill>
-                <a:latin typeface="Courier New"/>
-                <a:ea typeface="Courier New"/>
-                <a:cs typeface="Courier New"/>
+              <a:rPr lang="en-US" sz="3000" i="0" u="none" strike="noStrike" cap="none" dirty="0">
+                <a:solidFill>
+                  <a:schemeClr val="lt1"/>
+                </a:solidFill>
+                <a:latin typeface="Courier"/>
+                <a:ea typeface="Courier New"/>
+                <a:cs typeface="Courier"/>
                 <a:sym typeface="Courier New"/>
               </a:rPr>
               <a:t>()</a:t>
@@ -8035,97 +7891,97 @@
               <a:buNone/>
             </a:pPr>
             <a:r>
-              <a:rPr lang="en-US" sz="3000" b="1" i="0" u="none" strike="noStrike" cap="none" dirty="0">
+              <a:rPr lang="en-US" sz="3000" i="0" u="none" strike="noStrike" cap="none" dirty="0">
                 <a:solidFill>
                   <a:srgbClr val="FFFF00"/>
                 </a:solidFill>
-                <a:latin typeface="Courier New"/>
-                <a:ea typeface="Courier New"/>
-                <a:cs typeface="Courier New"/>
+                <a:latin typeface="Courier"/>
+                <a:ea typeface="Courier New"/>
+                <a:cs typeface="Courier"/>
                 <a:sym typeface="Courier New"/>
               </a:rPr>
               <a:t>for</a:t>
             </a:r>
             <a:r>
-              <a:rPr lang="en-US" sz="3000" b="1" i="0" u="none" strike="noStrike" cap="none" dirty="0">
-                <a:solidFill>
-                  <a:schemeClr val="lt1"/>
-                </a:solidFill>
-                <a:latin typeface="Courier New"/>
-                <a:ea typeface="Courier New"/>
-                <a:cs typeface="Courier New"/>
+              <a:rPr lang="en-US" sz="3000" i="0" u="none" strike="noStrike" cap="none" dirty="0">
+                <a:solidFill>
+                  <a:schemeClr val="lt1"/>
+                </a:solidFill>
+                <a:latin typeface="Courier"/>
+                <a:ea typeface="Courier New"/>
+                <a:cs typeface="Courier"/>
                 <a:sym typeface="Courier New"/>
               </a:rPr>
               <a:t> </a:t>
             </a:r>
             <a:r>
-              <a:rPr lang="en-US" sz="3000" b="1" i="0" u="none" strike="noStrike" cap="none" dirty="0">
+              <a:rPr lang="en-US" sz="3000" i="0" u="none" strike="noStrike" cap="none" dirty="0">
                 <a:solidFill>
                   <a:srgbClr val="00FF00"/>
                 </a:solidFill>
-                <a:latin typeface="Courier New"/>
-                <a:ea typeface="Courier New"/>
-                <a:cs typeface="Courier New"/>
+                <a:latin typeface="Courier"/>
+                <a:ea typeface="Courier New"/>
+                <a:cs typeface="Courier"/>
                 <a:sym typeface="Courier New"/>
               </a:rPr>
               <a:t>line</a:t>
             </a:r>
             <a:r>
-              <a:rPr lang="en-US" sz="3000" b="1" i="0" u="none" strike="noStrike" cap="none" dirty="0">
-                <a:solidFill>
-                  <a:schemeClr val="lt1"/>
-                </a:solidFill>
-                <a:latin typeface="Courier New"/>
-                <a:ea typeface="Courier New"/>
-                <a:cs typeface="Courier New"/>
+              <a:rPr lang="en-US" sz="3000" i="0" u="none" strike="noStrike" cap="none" dirty="0">
+                <a:solidFill>
+                  <a:schemeClr val="lt1"/>
+                </a:solidFill>
+                <a:latin typeface="Courier"/>
+                <a:ea typeface="Courier New"/>
+                <a:cs typeface="Courier"/>
                 <a:sym typeface="Courier New"/>
               </a:rPr>
               <a:t> </a:t>
             </a:r>
             <a:r>
-              <a:rPr lang="en-US" sz="3000" b="1" i="0" u="none" strike="noStrike" cap="none" dirty="0">
+              <a:rPr lang="en-US" sz="3000" i="0" u="none" strike="noStrike" cap="none" dirty="0">
                 <a:solidFill>
                   <a:srgbClr val="FFFF00"/>
                 </a:solidFill>
-                <a:latin typeface="Courier New"/>
-                <a:ea typeface="Courier New"/>
-                <a:cs typeface="Courier New"/>
+                <a:latin typeface="Courier"/>
+                <a:ea typeface="Courier New"/>
+                <a:cs typeface="Courier"/>
                 <a:sym typeface="Courier New"/>
               </a:rPr>
               <a:t>in</a:t>
             </a:r>
             <a:r>
-              <a:rPr lang="en-US" sz="3000" b="1" i="0" u="none" strike="noStrike" cap="none" dirty="0">
-                <a:solidFill>
-                  <a:schemeClr val="lt1"/>
-                </a:solidFill>
-                <a:latin typeface="Courier New"/>
-                <a:ea typeface="Courier New"/>
-                <a:cs typeface="Courier New"/>
+              <a:rPr lang="en-US" sz="3000" i="0" u="none" strike="noStrike" cap="none" dirty="0">
+                <a:solidFill>
+                  <a:schemeClr val="lt1"/>
+                </a:solidFill>
+                <a:latin typeface="Courier"/>
+                <a:ea typeface="Courier New"/>
+                <a:cs typeface="Courier"/>
                 <a:sym typeface="Courier New"/>
               </a:rPr>
               <a:t> </a:t>
             </a:r>
             <a:r>
-              <a:rPr lang="en-US" sz="3000" b="1" i="0" u="none" strike="noStrike" cap="none" dirty="0" err="1">
+              <a:rPr lang="en-US" sz="3000" i="0" u="none" strike="noStrike" cap="none" dirty="0" err="1">
                 <a:solidFill>
                   <a:srgbClr val="00FF00"/>
                 </a:solidFill>
-                <a:latin typeface="Courier New"/>
-                <a:ea typeface="Courier New"/>
-                <a:cs typeface="Courier New"/>
+                <a:latin typeface="Courier"/>
+                <a:ea typeface="Courier New"/>
+                <a:cs typeface="Courier"/>
                 <a:sym typeface="Courier New"/>
               </a:rPr>
               <a:t>fhand</a:t>
             </a:r>
             <a:r>
-              <a:rPr lang="en-US" sz="3000" b="1" i="0" u="none" strike="noStrike" cap="none" dirty="0">
-                <a:solidFill>
-                  <a:schemeClr val="lt1"/>
-                </a:solidFill>
-                <a:latin typeface="Courier New"/>
-                <a:ea typeface="Courier New"/>
-                <a:cs typeface="Courier New"/>
+              <a:rPr lang="en-US" sz="3000" i="0" u="none" strike="noStrike" cap="none" dirty="0">
+                <a:solidFill>
+                  <a:schemeClr val="lt1"/>
+                </a:solidFill>
+                <a:latin typeface="Courier"/>
+                <a:ea typeface="Courier New"/>
+                <a:cs typeface="Courier"/>
                 <a:sym typeface="Courier New"/>
               </a:rPr>
               <a:t>:</a:t>
@@ -8150,73 +8006,73 @@
               <a:buNone/>
             </a:pPr>
             <a:r>
-              <a:rPr lang="en-US" sz="3000" b="1" i="0" u="none" strike="noStrike" cap="none" dirty="0">
-                <a:solidFill>
-                  <a:schemeClr val="lt1"/>
-                </a:solidFill>
-                <a:latin typeface="Courier New"/>
-                <a:ea typeface="Courier New"/>
-                <a:cs typeface="Courier New"/>
+              <a:rPr lang="en-US" sz="3000" i="0" u="none" strike="noStrike" cap="none" dirty="0">
+                <a:solidFill>
+                  <a:schemeClr val="lt1"/>
+                </a:solidFill>
+                <a:latin typeface="Courier"/>
+                <a:ea typeface="Courier New"/>
+                <a:cs typeface="Courier"/>
                 <a:sym typeface="Courier New"/>
               </a:rPr>
               <a:t>    </a:t>
             </a:r>
             <a:r>
-              <a:rPr lang="en-US" sz="3000" b="1" i="0" u="none" strike="noStrike" cap="none" dirty="0">
+              <a:rPr lang="en-US" sz="3000" i="0" u="none" strike="noStrike" cap="none" dirty="0">
                 <a:solidFill>
                   <a:srgbClr val="00FF00"/>
                 </a:solidFill>
-                <a:latin typeface="Courier New"/>
-                <a:ea typeface="Courier New"/>
-                <a:cs typeface="Courier New"/>
+                <a:latin typeface="Courier"/>
+                <a:ea typeface="Courier New"/>
+                <a:cs typeface="Courier"/>
                 <a:sym typeface="Courier New"/>
               </a:rPr>
               <a:t>words</a:t>
             </a:r>
             <a:r>
-              <a:rPr lang="en-US" sz="3000" b="1" i="0" u="none" strike="noStrike" cap="none" dirty="0">
-                <a:solidFill>
-                  <a:schemeClr val="lt1"/>
-                </a:solidFill>
-                <a:latin typeface="Courier New"/>
-                <a:ea typeface="Courier New"/>
-                <a:cs typeface="Courier New"/>
+              <a:rPr lang="en-US" sz="3000" i="0" u="none" strike="noStrike" cap="none" dirty="0">
+                <a:solidFill>
+                  <a:schemeClr val="lt1"/>
+                </a:solidFill>
+                <a:latin typeface="Courier"/>
+                <a:ea typeface="Courier New"/>
+                <a:cs typeface="Courier"/>
                 <a:sym typeface="Courier New"/>
               </a:rPr>
               <a:t> = </a:t>
             </a:r>
             <a:r>
-              <a:rPr lang="en-US" sz="3000" b="1" i="0" u="none" strike="noStrike" cap="none" dirty="0" err="1">
+              <a:rPr lang="en-US" sz="3000" i="0" u="none" strike="noStrike" cap="none" dirty="0" err="1">
                 <a:solidFill>
                   <a:srgbClr val="00FF00"/>
                 </a:solidFill>
-                <a:latin typeface="Courier New"/>
-                <a:ea typeface="Courier New"/>
-                <a:cs typeface="Courier New"/>
+                <a:latin typeface="Courier"/>
+                <a:ea typeface="Courier New"/>
+                <a:cs typeface="Courier"/>
                 <a:sym typeface="Courier New"/>
               </a:rPr>
               <a:t>line</a:t>
             </a:r>
             <a:r>
-              <a:rPr lang="en-US" sz="3000" b="1" i="0" u="none" strike="noStrike" cap="none" dirty="0" err="1">
+              <a:rPr lang="en-US" sz="3000" i="0" u="none" strike="noStrike" cap="none" dirty="0" err="1">
                 <a:solidFill>
                   <a:srgbClr val="FF00FF"/>
                 </a:solidFill>
-                <a:latin typeface="Courier New"/>
-                <a:ea typeface="Courier New"/>
-                <a:cs typeface="Courier New"/>
+                <a:latin typeface="Courier"/>
+                <a:ea typeface="Courier New"/>
+                <a:cs typeface="Courier"/>
                 <a:sym typeface="Courier New"/>
               </a:rPr>
               <a:t>.split</a:t>
             </a:r>
             <a:r>
-              <a:rPr lang="en-US" sz="3000" b="1" i="0" u="none" strike="noStrike" cap="none" dirty="0">
-                <a:solidFill>
-                  <a:schemeClr val="lt1"/>
-                </a:solidFill>
-                <a:latin typeface="Courier New"/>
-                <a:ea typeface="Courier New"/>
-                <a:cs typeface="Courier New"/>
+              <a:rPr lang="en-US" sz="3000" i="0" u="none" strike="noStrike" cap="none" dirty="0">
+                <a:solidFill>
+                  <a:schemeClr val="lt1"/>
+                </a:solidFill>
+                <a:latin typeface="Courier"/>
+                <a:ea typeface="Courier New"/>
+                <a:cs typeface="Courier"/>
                 <a:sym typeface="Courier New"/>
               </a:rPr>
               <a:t>()</a:t>
@@ -8241,109 +8097,109 @@
               <a:buNone/>
             </a:pPr>
             <a:r>
-              <a:rPr lang="en-US" sz="3000" b="1" i="0" u="none" strike="noStrike" cap="none" dirty="0">
-                <a:solidFill>
-                  <a:schemeClr val="lt1"/>
-                </a:solidFill>
-                <a:latin typeface="Courier New"/>
-                <a:ea typeface="Courier New"/>
-                <a:cs typeface="Courier New"/>
+              <a:rPr lang="en-US" sz="3000" i="0" u="none" strike="noStrike" cap="none" dirty="0">
+                <a:solidFill>
+                  <a:schemeClr val="lt1"/>
+                </a:solidFill>
+                <a:latin typeface="Courier"/>
+                <a:ea typeface="Courier New"/>
+                <a:cs typeface="Courier"/>
                 <a:sym typeface="Courier New"/>
               </a:rPr>
               <a:t>    </a:t>
             </a:r>
             <a:r>
-              <a:rPr lang="en-US" sz="3000" b="1" i="0" u="none" strike="noStrike" cap="none" dirty="0">
+              <a:rPr lang="en-US" sz="3000" i="0" u="none" strike="noStrike" cap="none" dirty="0">
                 <a:solidFill>
                   <a:srgbClr val="FFFF00"/>
                 </a:solidFill>
-                <a:latin typeface="Courier New"/>
-                <a:ea typeface="Courier New"/>
-                <a:cs typeface="Courier New"/>
+                <a:latin typeface="Courier"/>
+                <a:ea typeface="Courier New"/>
+                <a:cs typeface="Courier"/>
                 <a:sym typeface="Courier New"/>
               </a:rPr>
               <a:t>for</a:t>
             </a:r>
             <a:r>
-              <a:rPr lang="en-US" sz="3000" b="1" i="0" u="none" strike="noStrike" cap="none" dirty="0">
-                <a:solidFill>
-                  <a:schemeClr val="lt1"/>
-                </a:solidFill>
-                <a:latin typeface="Courier New"/>
-                <a:ea typeface="Courier New"/>
-                <a:cs typeface="Courier New"/>
+              <a:rPr lang="en-US" sz="3000" i="0" u="none" strike="noStrike" cap="none" dirty="0">
+                <a:solidFill>
+                  <a:schemeClr val="lt1"/>
+                </a:solidFill>
+                <a:latin typeface="Courier"/>
+                <a:ea typeface="Courier New"/>
+                <a:cs typeface="Courier"/>
                 <a:sym typeface="Courier New"/>
               </a:rPr>
               <a:t> </a:t>
             </a:r>
             <a:r>
-              <a:rPr lang="en-US" sz="3000" b="1" i="0" u="none" strike="noStrike" cap="none" dirty="0">
+              <a:rPr lang="en-US" sz="3000" i="0" u="none" strike="noStrike" cap="none" dirty="0">
                 <a:solidFill>
                   <a:srgbClr val="00FF00"/>
                 </a:solidFill>
-                <a:latin typeface="Courier New"/>
-                <a:ea typeface="Courier New"/>
-                <a:cs typeface="Courier New"/>
+                <a:latin typeface="Courier"/>
+                <a:ea typeface="Courier New"/>
+                <a:cs typeface="Courier"/>
                 <a:sym typeface="Courier New"/>
               </a:rPr>
               <a:t>word</a:t>
             </a:r>
             <a:r>
-              <a:rPr lang="en-US" sz="3000" b="1" i="0" u="none" strike="noStrike" cap="none" dirty="0">
-                <a:solidFill>
-                  <a:schemeClr val="lt1"/>
-                </a:solidFill>
-                <a:latin typeface="Courier New"/>
-                <a:ea typeface="Courier New"/>
-                <a:cs typeface="Courier New"/>
+              <a:rPr lang="en-US" sz="3000" i="0" u="none" strike="noStrike" cap="none" dirty="0">
+                <a:solidFill>
+                  <a:schemeClr val="lt1"/>
+                </a:solidFill>
+                <a:latin typeface="Courier"/>
+                <a:ea typeface="Courier New"/>
+                <a:cs typeface="Courier"/>
                 <a:sym typeface="Courier New"/>
               </a:rPr>
               <a:t> </a:t>
             </a:r>
             <a:r>
-              <a:rPr lang="en-US" sz="3000" b="1" i="0" u="none" strike="noStrike" cap="none" dirty="0">
+              <a:rPr lang="en-US" sz="3000" i="0" u="none" strike="noStrike" cap="none" dirty="0">
                 <a:solidFill>
                   <a:srgbClr val="FFFF00"/>
                 </a:solidFill>
-                <a:latin typeface="Courier New"/>
-                <a:ea typeface="Courier New"/>
-                <a:cs typeface="Courier New"/>
+                <a:latin typeface="Courier"/>
+                <a:ea typeface="Courier New"/>
+                <a:cs typeface="Courier"/>
                 <a:sym typeface="Courier New"/>
               </a:rPr>
               <a:t>in</a:t>
             </a:r>
             <a:r>
-              <a:rPr lang="en-US" sz="3000" b="1" i="0" u="none" strike="noStrike" cap="none" dirty="0">
-                <a:solidFill>
-                  <a:schemeClr val="lt1"/>
-                </a:solidFill>
-                <a:latin typeface="Courier New"/>
-                <a:ea typeface="Courier New"/>
-                <a:cs typeface="Courier New"/>
+              <a:rPr lang="en-US" sz="3000" i="0" u="none" strike="noStrike" cap="none" dirty="0">
+                <a:solidFill>
+                  <a:schemeClr val="lt1"/>
+                </a:solidFill>
+                <a:latin typeface="Courier"/>
+                <a:ea typeface="Courier New"/>
+                <a:cs typeface="Courier"/>
                 <a:sym typeface="Courier New"/>
               </a:rPr>
               <a:t> </a:t>
             </a:r>
             <a:r>
-              <a:rPr lang="en-US" sz="3000" b="1" i="0" u="none" strike="noStrike" cap="none" dirty="0">
+              <a:rPr lang="en-US" sz="3000" i="0" u="none" strike="noStrike" cap="none" dirty="0">
                 <a:solidFill>
                   <a:srgbClr val="00FF00"/>
                 </a:solidFill>
-                <a:latin typeface="Courier New"/>
-                <a:ea typeface="Courier New"/>
-                <a:cs typeface="Courier New"/>
+                <a:latin typeface="Courier"/>
+                <a:ea typeface="Courier New"/>
+                <a:cs typeface="Courier"/>
                 <a:sym typeface="Courier New"/>
               </a:rPr>
               <a:t>words</a:t>
             </a:r>
             <a:r>
-              <a:rPr lang="en-US" sz="3000" b="1" i="0" u="none" strike="noStrike" cap="none" dirty="0">
-                <a:solidFill>
-                  <a:schemeClr val="lt1"/>
-                </a:solidFill>
-                <a:latin typeface="Courier New"/>
-                <a:ea typeface="Courier New"/>
-                <a:cs typeface="Courier New"/>
+              <a:rPr lang="en-US" sz="3000" i="0" u="none" strike="noStrike" cap="none" dirty="0">
+                <a:solidFill>
+                  <a:schemeClr val="lt1"/>
+                </a:solidFill>
+                <a:latin typeface="Courier"/>
+                <a:ea typeface="Courier New"/>
+                <a:cs typeface="Courier"/>
                 <a:sym typeface="Courier New"/>
               </a:rPr>
               <a:t>:</a:t>
@@ -8368,109 +8224,109 @@
               <a:buNone/>
             </a:pPr>
             <a:r>
-              <a:rPr lang="en-US" sz="3000" b="1" i="0" u="none" strike="noStrike" cap="none" dirty="0">
-                <a:solidFill>
-                  <a:schemeClr val="lt1"/>
-                </a:solidFill>
-                <a:latin typeface="Courier New"/>
-                <a:ea typeface="Courier New"/>
-                <a:cs typeface="Courier New"/>
+              <a:rPr lang="en-US" sz="3000" i="0" u="none" strike="noStrike" cap="none" dirty="0">
+                <a:solidFill>
+                  <a:schemeClr val="lt1"/>
+                </a:solidFill>
+                <a:latin typeface="Courier"/>
+                <a:ea typeface="Courier New"/>
+                <a:cs typeface="Courier"/>
                 <a:sym typeface="Courier New"/>
               </a:rPr>
               <a:t>        </a:t>
             </a:r>
             <a:r>
-              <a:rPr lang="en-US" sz="3000" b="1" i="0" u="none" strike="noStrike" cap="none" dirty="0">
+              <a:rPr lang="en-US" sz="3000" i="0" u="none" strike="noStrike" cap="none" dirty="0">
                 <a:solidFill>
                   <a:srgbClr val="00FF00"/>
                 </a:solidFill>
-                <a:latin typeface="Courier New"/>
-                <a:ea typeface="Courier New"/>
-                <a:cs typeface="Courier New"/>
+                <a:latin typeface="Courier"/>
+                <a:ea typeface="Courier New"/>
+                <a:cs typeface="Courier"/>
                 <a:sym typeface="Courier New"/>
               </a:rPr>
               <a:t>counts</a:t>
             </a:r>
             <a:r>
-              <a:rPr lang="en-US" sz="3000" b="1" i="0" u="none" strike="noStrike" cap="none" dirty="0">
+              <a:rPr lang="en-US" sz="3000" i="0" u="none" strike="noStrike" cap="none" dirty="0">
                 <a:solidFill>
                   <a:srgbClr val="00FFFF"/>
                 </a:solidFill>
-                <a:latin typeface="Courier New"/>
-                <a:ea typeface="Courier New"/>
-                <a:cs typeface="Courier New"/>
+                <a:latin typeface="Courier"/>
+                <a:ea typeface="Courier New"/>
+                <a:cs typeface="Courier"/>
                 <a:sym typeface="Courier New"/>
               </a:rPr>
               <a:t>[word]</a:t>
             </a:r>
             <a:r>
-              <a:rPr lang="en-US" sz="3000" b="1" i="0" u="none" strike="noStrike" cap="none" dirty="0">
-                <a:solidFill>
-                  <a:schemeClr val="lt1"/>
-                </a:solidFill>
-                <a:latin typeface="Courier New"/>
-                <a:ea typeface="Courier New"/>
-                <a:cs typeface="Courier New"/>
+              <a:rPr lang="en-US" sz="3000" i="0" u="none" strike="noStrike" cap="none" dirty="0">
+                <a:solidFill>
+                  <a:schemeClr val="lt1"/>
+                </a:solidFill>
+                <a:latin typeface="Courier"/>
+                <a:ea typeface="Courier New"/>
+                <a:cs typeface="Courier"/>
                 <a:sym typeface="Courier New"/>
               </a:rPr>
               <a:t> = </a:t>
             </a:r>
             <a:r>
-              <a:rPr lang="en-US" sz="3000" b="1" i="0" u="none" strike="noStrike" cap="none" dirty="0" err="1">
+              <a:rPr lang="en-US" sz="3000" i="0" u="none" strike="noStrike" cap="none" dirty="0" err="1">
                 <a:solidFill>
                   <a:srgbClr val="00FF00"/>
                 </a:solidFill>
-                <a:latin typeface="Courier New"/>
-                <a:ea typeface="Courier New"/>
-                <a:cs typeface="Courier New"/>
+                <a:latin typeface="Courier"/>
+                <a:ea typeface="Courier New"/>
+                <a:cs typeface="Courier"/>
                 <a:sym typeface="Courier New"/>
               </a:rPr>
               <a:t>counts</a:t>
             </a:r>
             <a:r>
-              <a:rPr lang="en-US" sz="3000" b="1" i="0" u="none" strike="noStrike" cap="none" dirty="0" err="1">
+              <a:rPr lang="en-US" sz="3000" i="0" u="none" strike="noStrike" cap="none" dirty="0" err="1">
                 <a:solidFill>
                   <a:srgbClr val="FF00FF"/>
                 </a:solidFill>
-                <a:latin typeface="Courier New"/>
-                <a:ea typeface="Courier New"/>
-                <a:cs typeface="Courier New"/>
+                <a:latin typeface="Courier"/>
+                <a:ea typeface="Courier New"/>
+                <a:cs typeface="Courier"/>
                 <a:sym typeface="Courier New"/>
               </a:rPr>
               <a:t>.get</a:t>
             </a:r>
             <a:r>
-              <a:rPr lang="en-US" sz="3000" b="1" i="0" u="none" strike="noStrike" cap="none" dirty="0">
-                <a:solidFill>
-                  <a:schemeClr val="lt1"/>
-                </a:solidFill>
-                <a:latin typeface="Courier New"/>
-                <a:ea typeface="Courier New"/>
-                <a:cs typeface="Courier New"/>
+              <a:rPr lang="en-US" sz="3000" i="0" u="none" strike="noStrike" cap="none" dirty="0">
+                <a:solidFill>
+                  <a:schemeClr val="lt1"/>
+                </a:solidFill>
+                <a:latin typeface="Courier"/>
+                <a:ea typeface="Courier New"/>
+                <a:cs typeface="Courier"/>
                 <a:sym typeface="Courier New"/>
               </a:rPr>
               <a:t>(</a:t>
             </a:r>
             <a:r>
-              <a:rPr lang="en-US" sz="3000" b="1" i="0" u="none" strike="noStrike" cap="none" dirty="0">
+              <a:rPr lang="en-US" sz="3000" i="0" u="none" strike="noStrike" cap="none" dirty="0">
                 <a:solidFill>
                   <a:srgbClr val="00FFFF"/>
                 </a:solidFill>
-                <a:latin typeface="Courier New"/>
-                <a:ea typeface="Courier New"/>
-                <a:cs typeface="Courier New"/>
+                <a:latin typeface="Courier"/>
+                <a:ea typeface="Courier New"/>
+                <a:cs typeface="Courier"/>
                 <a:sym typeface="Courier New"/>
               </a:rPr>
               <a:t>word</a:t>
             </a:r>
             <a:r>
-              <a:rPr lang="en-US" sz="3000" b="1" i="0" u="none" strike="noStrike" cap="none" dirty="0">
-                <a:solidFill>
-                  <a:schemeClr val="lt1"/>
-                </a:solidFill>
-                <a:latin typeface="Courier New"/>
-                <a:ea typeface="Courier New"/>
-                <a:cs typeface="Courier New"/>
+              <a:rPr lang="en-US" sz="3000" i="0" u="none" strike="noStrike" cap="none" dirty="0">
+                <a:solidFill>
+                  <a:schemeClr val="lt1"/>
+                </a:solidFill>
+                <a:latin typeface="Courier"/>
+                <a:ea typeface="Courier New"/>
+                <a:cs typeface="Courier"/>
                 <a:sym typeface="Courier New"/>
               </a:rPr>
               <a:t>, 0 ) + 1</a:t>
@@ -8493,13 +8349,13 @@
               <a:buFont typeface="Arial"/>
               <a:buNone/>
             </a:pPr>
-            <a:endParaRPr sz="3000" b="1" i="0" u="none" strike="noStrike" cap="none" dirty="0">
+            <a:endParaRPr sz="3000" i="0" u="none" strike="noStrike" cap="none" dirty="0">
               <a:solidFill>
                 <a:schemeClr val="lt1"/>
               </a:solidFill>
-              <a:latin typeface="Courier New"/>
+              <a:latin typeface="Courier"/>
               <a:ea typeface="Courier New"/>
-              <a:cs typeface="Courier New"/>
+              <a:cs typeface="Courier"/>
               <a:sym typeface="Courier New"/>
             </a:endParaRPr>
           </a:p>
@@ -8522,49 +8378,49 @@
               <a:buNone/>
             </a:pPr>
             <a:r>
-              <a:rPr lang="en-US" sz="3000" b="1" i="0" u="none" strike="noStrike" cap="none" dirty="0" err="1">
+              <a:rPr lang="en-US" sz="3000" i="0" u="none" strike="noStrike" cap="none" dirty="0" err="1">
                 <a:solidFill>
                   <a:srgbClr val="00FF00"/>
                 </a:solidFill>
-                <a:latin typeface="Courier New"/>
-                <a:ea typeface="Courier New"/>
-                <a:cs typeface="Courier New"/>
+                <a:latin typeface="Courier"/>
+                <a:ea typeface="Courier New"/>
+                <a:cs typeface="Courier"/>
                 <a:sym typeface="Courier New"/>
               </a:rPr>
               <a:t>lst</a:t>
             </a:r>
             <a:r>
-              <a:rPr lang="en-US" sz="3000" b="1" i="0" u="none" strike="noStrike" cap="none" dirty="0">
-                <a:solidFill>
-                  <a:schemeClr val="lt1"/>
-                </a:solidFill>
-                <a:latin typeface="Courier New"/>
-                <a:ea typeface="Courier New"/>
-                <a:cs typeface="Courier New"/>
+              <a:rPr lang="en-US" sz="3000" i="0" u="none" strike="noStrike" cap="none" dirty="0">
+                <a:solidFill>
+                  <a:schemeClr val="lt1"/>
+                </a:solidFill>
+                <a:latin typeface="Courier"/>
+                <a:ea typeface="Courier New"/>
+                <a:cs typeface="Courier"/>
                 <a:sym typeface="Courier New"/>
               </a:rPr>
               <a:t> = </a:t>
             </a:r>
             <a:r>
-              <a:rPr lang="en-US" sz="3000" b="1" i="0" u="none" strike="noStrike" cap="none" dirty="0">
+              <a:rPr lang="en-US" sz="3000" i="0" u="none" strike="noStrike" cap="none" dirty="0">
                 <a:solidFill>
                   <a:srgbClr val="FF00FF"/>
                 </a:solidFill>
-                <a:latin typeface="Courier New"/>
-                <a:ea typeface="Courier New"/>
-                <a:cs typeface="Courier New"/>
+                <a:latin typeface="Courier"/>
+                <a:ea typeface="Courier New"/>
+                <a:cs typeface="Courier"/>
                 <a:sym typeface="Courier New"/>
               </a:rPr>
               <a:t>list</a:t>
             </a:r>
             <a:r>
-              <a:rPr lang="en-US" sz="3000" b="1" i="0" u="none" strike="noStrike" cap="none" dirty="0">
-                <a:solidFill>
-                  <a:schemeClr val="lt1"/>
-                </a:solidFill>
-                <a:latin typeface="Courier New"/>
-                <a:ea typeface="Courier New"/>
-                <a:cs typeface="Courier New"/>
+              <a:rPr lang="en-US" sz="3000" i="0" u="none" strike="noStrike" cap="none" dirty="0">
+                <a:solidFill>
+                  <a:schemeClr val="lt1"/>
+                </a:solidFill>
+                <a:latin typeface="Courier"/>
+                <a:ea typeface="Courier New"/>
+                <a:cs typeface="Courier"/>
                 <a:sym typeface="Courier New"/>
               </a:rPr>
               <a:t>()</a:t>
@@ -8589,121 +8445,121 @@
               <a:buNone/>
             </a:pPr>
             <a:r>
-              <a:rPr lang="en-US" sz="3000" b="1" i="0" u="none" strike="noStrike" cap="none" dirty="0">
+              <a:rPr lang="en-US" sz="3000" i="0" u="none" strike="noStrike" cap="none" dirty="0">
                 <a:solidFill>
                   <a:srgbClr val="FFFF00"/>
                 </a:solidFill>
-                <a:latin typeface="Courier New"/>
-                <a:ea typeface="Courier New"/>
-                <a:cs typeface="Courier New"/>
+                <a:latin typeface="Courier"/>
+                <a:ea typeface="Courier New"/>
+                <a:cs typeface="Courier"/>
                 <a:sym typeface="Courier New"/>
               </a:rPr>
               <a:t>for</a:t>
             </a:r>
             <a:r>
-              <a:rPr lang="en-US" sz="3000" b="1" i="0" u="none" strike="noStrike" cap="none" dirty="0">
-                <a:solidFill>
-                  <a:schemeClr val="lt1"/>
-                </a:solidFill>
-                <a:latin typeface="Courier New"/>
-                <a:ea typeface="Courier New"/>
-                <a:cs typeface="Courier New"/>
+              <a:rPr lang="en-US" sz="3000" i="0" u="none" strike="noStrike" cap="none" dirty="0">
+                <a:solidFill>
+                  <a:schemeClr val="lt1"/>
+                </a:solidFill>
+                <a:latin typeface="Courier"/>
+                <a:ea typeface="Courier New"/>
+                <a:cs typeface="Courier"/>
                 <a:sym typeface="Courier New"/>
               </a:rPr>
               <a:t> </a:t>
             </a:r>
             <a:r>
-              <a:rPr lang="en-US" sz="3000" b="1" i="0" u="none" strike="noStrike" cap="none" dirty="0">
+              <a:rPr lang="en-US" sz="3000" i="0" u="none" strike="noStrike" cap="none" dirty="0">
                 <a:solidFill>
                   <a:srgbClr val="FF7F00"/>
                 </a:solidFill>
-                <a:latin typeface="Courier New"/>
-                <a:ea typeface="Courier New"/>
-                <a:cs typeface="Courier New"/>
+                <a:latin typeface="Courier"/>
+                <a:ea typeface="Courier New"/>
+                <a:cs typeface="Courier"/>
                 <a:sym typeface="Courier New"/>
               </a:rPr>
               <a:t>key, </a:t>
             </a:r>
             <a:r>
-              <a:rPr lang="en-US" sz="3000" b="1" i="0" u="none" strike="noStrike" cap="none" dirty="0" err="1">
+              <a:rPr lang="en-US" sz="3000" i="0" u="none" strike="noStrike" cap="none" dirty="0" err="1">
                 <a:solidFill>
                   <a:srgbClr val="FF7F00"/>
                 </a:solidFill>
-                <a:latin typeface="Courier New"/>
-                <a:ea typeface="Courier New"/>
-                <a:cs typeface="Courier New"/>
+                <a:latin typeface="Courier"/>
+                <a:ea typeface="Courier New"/>
+                <a:cs typeface="Courier"/>
                 <a:sym typeface="Courier New"/>
               </a:rPr>
               <a:t>val</a:t>
             </a:r>
             <a:r>
-              <a:rPr lang="en-US" sz="3000" b="1" i="0" u="none" strike="noStrike" cap="none" dirty="0">
-                <a:solidFill>
-                  <a:schemeClr val="lt1"/>
-                </a:solidFill>
-                <a:latin typeface="Courier New"/>
-                <a:ea typeface="Courier New"/>
-                <a:cs typeface="Courier New"/>
+              <a:rPr lang="en-US" sz="3000" i="0" u="none" strike="noStrike" cap="none" dirty="0">
+                <a:solidFill>
+                  <a:schemeClr val="lt1"/>
+                </a:solidFill>
+                <a:latin typeface="Courier"/>
+                <a:ea typeface="Courier New"/>
+                <a:cs typeface="Courier"/>
                 <a:sym typeface="Courier New"/>
               </a:rPr>
               <a:t> </a:t>
             </a:r>
             <a:r>
-              <a:rPr lang="en-US" sz="3000" b="1" i="0" u="none" strike="noStrike" cap="none" dirty="0">
+              <a:rPr lang="en-US" sz="3000" i="0" u="none" strike="noStrike" cap="none" dirty="0">
                 <a:solidFill>
                   <a:srgbClr val="FFFF00"/>
                 </a:solidFill>
-                <a:latin typeface="Courier New"/>
-                <a:ea typeface="Courier New"/>
-                <a:cs typeface="Courier New"/>
+                <a:latin typeface="Courier"/>
+                <a:ea typeface="Courier New"/>
+                <a:cs typeface="Courier"/>
                 <a:sym typeface="Courier New"/>
               </a:rPr>
               <a:t>in</a:t>
             </a:r>
             <a:r>
-              <a:rPr lang="en-US" sz="3000" b="1" i="0" u="none" strike="noStrike" cap="none" dirty="0">
-                <a:solidFill>
-                  <a:schemeClr val="lt1"/>
-                </a:solidFill>
-                <a:latin typeface="Courier New"/>
-                <a:ea typeface="Courier New"/>
-                <a:cs typeface="Courier New"/>
+              <a:rPr lang="en-US" sz="3000" i="0" u="none" strike="noStrike" cap="none" dirty="0">
+                <a:solidFill>
+                  <a:schemeClr val="lt1"/>
+                </a:solidFill>
+                <a:latin typeface="Courier"/>
+                <a:ea typeface="Courier New"/>
+                <a:cs typeface="Courier"/>
                 <a:sym typeface="Courier New"/>
               </a:rPr>
               <a:t> </a:t>
             </a:r>
             <a:r>
-              <a:rPr lang="en-US" sz="3000" b="1" i="0" u="none" strike="noStrike" cap="none" dirty="0" err="1">
+              <a:rPr lang="en-US" sz="3000" i="0" u="none" strike="noStrike" cap="none" dirty="0" err="1">
                 <a:solidFill>
                   <a:srgbClr val="00FF00"/>
                 </a:solidFill>
-                <a:latin typeface="Courier New"/>
-                <a:ea typeface="Courier New"/>
-                <a:cs typeface="Courier New"/>
+                <a:latin typeface="Courier"/>
+                <a:ea typeface="Courier New"/>
+                <a:cs typeface="Courier"/>
                 <a:sym typeface="Courier New"/>
               </a:rPr>
               <a:t>counts</a:t>
             </a:r>
             <a:r>
-              <a:rPr lang="en-US" sz="3000" b="1" i="0" u="none" strike="noStrike" cap="none" dirty="0" err="1">
+              <a:rPr lang="en-US" sz="3000" i="0" u="none" strike="noStrike" cap="none" dirty="0" err="1">
                 <a:solidFill>
                   <a:srgbClr val="FF00FF"/>
                 </a:solidFill>
-                <a:latin typeface="Courier New"/>
-                <a:ea typeface="Courier New"/>
-                <a:cs typeface="Courier New"/>
+                <a:latin typeface="Courier"/>
+                <a:ea typeface="Courier New"/>
+                <a:cs typeface="Courier"/>
                 <a:sym typeface="Courier New"/>
               </a:rPr>
               <a:t>.items</a:t>
             </a:r>
             <a:r>
-              <a:rPr lang="en-US" sz="3000" b="1" i="0" u="none" strike="noStrike" cap="none" dirty="0" smtClean="0">
-                <a:solidFill>
-                  <a:schemeClr val="lt1"/>
-                </a:solidFill>
-                <a:latin typeface="Courier New"/>
-                <a:ea typeface="Courier New"/>
-                <a:cs typeface="Courier New"/>
+              <a:rPr lang="en-US" sz="3000" i="0" u="none" strike="noStrike" cap="none" dirty="0" smtClean="0">
+                <a:solidFill>
+                  <a:schemeClr val="lt1"/>
+                </a:solidFill>
+                <a:latin typeface="Courier"/>
+                <a:ea typeface="Courier New"/>
+                <a:cs typeface="Courier"/>
                 <a:sym typeface="Courier New"/>
               </a:rPr>
               <a:t>():</a:t>
@@ -8717,108 +8573,108 @@
               <a:buSzPct val="25000"/>
             </a:pPr>
             <a:r>
-              <a:rPr lang="en-US" sz="3000" b="1" dirty="0">
-                <a:solidFill>
-                  <a:schemeClr val="lt1"/>
-                </a:solidFill>
-                <a:latin typeface="Courier New"/>
-                <a:ea typeface="Courier New"/>
-                <a:cs typeface="Courier New"/>
+              <a:rPr lang="en-US" sz="3000" dirty="0">
+                <a:solidFill>
+                  <a:schemeClr val="lt1"/>
+                </a:solidFill>
+                <a:latin typeface="Courier"/>
+                <a:ea typeface="Courier New"/>
+                <a:cs typeface="Courier"/>
                 <a:sym typeface="Courier New"/>
               </a:rPr>
               <a:t>	</a:t>
             </a:r>
             <a:r>
-              <a:rPr lang="en-US" sz="3000" b="1" dirty="0" err="1" smtClean="0">
+              <a:rPr lang="en-US" sz="3000" dirty="0" err="1" smtClean="0">
                 <a:solidFill>
                   <a:srgbClr val="00FA00"/>
                 </a:solidFill>
-                <a:latin typeface="Courier New"/>
-                <a:ea typeface="Courier New"/>
-                <a:cs typeface="Courier New"/>
+                <a:latin typeface="Courier"/>
+                <a:ea typeface="Courier New"/>
+                <a:cs typeface="Courier"/>
                 <a:sym typeface="Courier New"/>
               </a:rPr>
               <a:t>newtup</a:t>
             </a:r>
             <a:r>
-              <a:rPr lang="en-US" sz="3000" b="1" dirty="0" smtClean="0">
+              <a:rPr lang="en-US" sz="3000" dirty="0" smtClean="0">
                 <a:solidFill>
                   <a:srgbClr val="00FA00"/>
                 </a:solidFill>
-                <a:latin typeface="Courier New"/>
-                <a:ea typeface="Courier New"/>
-                <a:cs typeface="Courier New"/>
+                <a:latin typeface="Courier"/>
+                <a:ea typeface="Courier New"/>
+                <a:cs typeface="Courier"/>
                 <a:sym typeface="Courier New"/>
               </a:rPr>
               <a:t> </a:t>
             </a:r>
             <a:r>
-              <a:rPr lang="en-US" sz="3000" b="1" dirty="0" smtClean="0">
-                <a:solidFill>
-                  <a:schemeClr val="lt1"/>
-                </a:solidFill>
-                <a:latin typeface="Courier New"/>
-                <a:ea typeface="Courier New"/>
-                <a:cs typeface="Courier New"/>
+              <a:rPr lang="en-US" sz="3000" dirty="0" smtClean="0">
+                <a:solidFill>
+                  <a:schemeClr val="lt1"/>
+                </a:solidFill>
+                <a:latin typeface="Courier"/>
+                <a:ea typeface="Courier New"/>
+                <a:cs typeface="Courier"/>
                 <a:sym typeface="Courier New"/>
               </a:rPr>
               <a:t>= </a:t>
             </a:r>
             <a:r>
-              <a:rPr lang="en-US" sz="3000" b="1" dirty="0">
+              <a:rPr lang="en-US" sz="3000" dirty="0">
                 <a:solidFill>
                   <a:srgbClr val="FF7F00"/>
                 </a:solidFill>
-                <a:latin typeface="Courier New"/>
-                <a:ea typeface="Courier New"/>
-                <a:cs typeface="Courier New"/>
+                <a:latin typeface="Courier"/>
+                <a:ea typeface="Courier New"/>
+                <a:cs typeface="Courier"/>
                 <a:sym typeface="Courier New"/>
               </a:rPr>
               <a:t>(</a:t>
             </a:r>
             <a:r>
-              <a:rPr lang="en-US" sz="3000" b="1" dirty="0" err="1">
+              <a:rPr lang="en-US" sz="3000" dirty="0" err="1">
                 <a:solidFill>
                   <a:srgbClr val="FF7F00"/>
                 </a:solidFill>
-                <a:latin typeface="Courier New"/>
-                <a:ea typeface="Courier New"/>
-                <a:cs typeface="Courier New"/>
+                <a:latin typeface="Courier"/>
+                <a:ea typeface="Courier New"/>
+                <a:cs typeface="Courier"/>
                 <a:sym typeface="Courier New"/>
               </a:rPr>
               <a:t>val</a:t>
             </a:r>
             <a:r>
-              <a:rPr lang="en-US" sz="3000" b="1" dirty="0">
+              <a:rPr lang="en-US" sz="3000" dirty="0">
                 <a:solidFill>
                   <a:srgbClr val="FF7F00"/>
                 </a:solidFill>
-                <a:latin typeface="Courier New"/>
-                <a:ea typeface="Courier New"/>
-                <a:cs typeface="Courier New"/>
+                <a:latin typeface="Courier"/>
+                <a:ea typeface="Courier New"/>
+                <a:cs typeface="Courier"/>
                 <a:sym typeface="Courier New"/>
               </a:rPr>
               <a:t>, key)</a:t>
             </a:r>
             <a:r>
-              <a:rPr lang="en-US" sz="3000" b="1" dirty="0">
-                <a:solidFill>
-                  <a:schemeClr val="lt1"/>
-                </a:solidFill>
-                <a:latin typeface="Courier New"/>
-                <a:ea typeface="Courier New"/>
-                <a:cs typeface="Courier New"/>
+              <a:rPr lang="en-US" sz="3000" dirty="0">
+                <a:solidFill>
+                  <a:schemeClr val="lt1"/>
+                </a:solidFill>
+                <a:latin typeface="Courier"/>
+                <a:ea typeface="Courier New"/>
+                <a:cs typeface="Courier"/>
                 <a:sym typeface="Courier New"/>
               </a:rPr>
               <a:t> </a:t>
             </a:r>
-            <a:endParaRPr lang="en-US" sz="3000" b="1" i="0" u="none" strike="noStrike" cap="none" dirty="0">
+            <a:endParaRPr lang="en-US" sz="3000" i="0" u="none" strike="noStrike" cap="none" dirty="0">
               <a:solidFill>
                 <a:schemeClr val="lt1"/>
               </a:solidFill>
-              <a:latin typeface="Courier New"/>
+              <a:latin typeface="Courier"/>
               <a:ea typeface="Courier New"/>
-              <a:cs typeface="Courier New"/>
+              <a:cs typeface="Courier"/>
               <a:sym typeface="Courier New"/>
             </a:endParaRPr>
           </a:p>
@@ -8841,84 +8697,84 @@
               <a:buNone/>
             </a:pPr>
             <a:r>
-              <a:rPr lang="en-US" sz="3000" b="1" i="0" u="none" strike="noStrike" cap="none" dirty="0">
-                <a:solidFill>
-                  <a:schemeClr val="lt1"/>
-                </a:solidFill>
-                <a:latin typeface="Courier New"/>
-                <a:ea typeface="Courier New"/>
-                <a:cs typeface="Courier New"/>
+              <a:rPr lang="en-US" sz="3000" i="0" u="none" strike="noStrike" cap="none" dirty="0">
+                <a:solidFill>
+                  <a:schemeClr val="lt1"/>
+                </a:solidFill>
+                <a:latin typeface="Courier"/>
+                <a:ea typeface="Courier New"/>
+                <a:cs typeface="Courier"/>
                 <a:sym typeface="Courier New"/>
               </a:rPr>
               <a:t>    </a:t>
             </a:r>
             <a:r>
-              <a:rPr lang="en-US" sz="3000" b="1" i="0" u="none" strike="noStrike" cap="none" dirty="0" err="1" smtClean="0">
+              <a:rPr lang="en-US" sz="3000" i="0" u="none" strike="noStrike" cap="none" dirty="0" err="1" smtClean="0">
                 <a:solidFill>
                   <a:srgbClr val="00FF00"/>
                 </a:solidFill>
-                <a:latin typeface="Courier New"/>
-                <a:ea typeface="Courier New"/>
-                <a:cs typeface="Courier New"/>
+                <a:latin typeface="Courier"/>
+                <a:ea typeface="Courier New"/>
+                <a:cs typeface="Courier"/>
                 <a:sym typeface="Courier New"/>
               </a:rPr>
               <a:t>lst</a:t>
             </a:r>
             <a:r>
-              <a:rPr lang="en-US" sz="3000" b="1" i="0" u="none" strike="noStrike" cap="none" dirty="0" err="1" smtClean="0">
+              <a:rPr lang="en-US" sz="3000" i="0" u="none" strike="noStrike" cap="none" dirty="0" err="1" smtClean="0">
                 <a:solidFill>
                   <a:srgbClr val="FF00FF"/>
                 </a:solidFill>
-                <a:latin typeface="Courier New"/>
-                <a:ea typeface="Courier New"/>
-                <a:cs typeface="Courier New"/>
+                <a:latin typeface="Courier"/>
+                <a:ea typeface="Courier New"/>
+                <a:cs typeface="Courier"/>
                 <a:sym typeface="Courier New"/>
               </a:rPr>
               <a:t>.append</a:t>
             </a:r>
             <a:r>
-              <a:rPr lang="en-US" sz="3000" b="1" i="0" u="none" strike="noStrike" cap="none" dirty="0" smtClean="0">
-                <a:solidFill>
-                  <a:schemeClr val="lt1"/>
-                </a:solidFill>
-                <a:latin typeface="Courier New"/>
-                <a:ea typeface="Courier New"/>
-                <a:cs typeface="Courier New"/>
+              <a:rPr lang="en-US" sz="3000" i="0" u="none" strike="noStrike" cap="none" dirty="0" smtClean="0">
+                <a:solidFill>
+                  <a:schemeClr val="lt1"/>
+                </a:solidFill>
+                <a:latin typeface="Courier"/>
+                <a:ea typeface="Courier New"/>
+                <a:cs typeface="Courier"/>
                 <a:sym typeface="Courier New"/>
               </a:rPr>
               <a:t>(</a:t>
             </a:r>
             <a:r>
-              <a:rPr lang="en-US" sz="3000" b="1" i="0" u="none" strike="noStrike" cap="none" dirty="0" err="1" smtClean="0">
+              <a:rPr lang="en-US" sz="3000" i="0" u="none" strike="noStrike" cap="none" dirty="0" err="1" smtClean="0">
                 <a:solidFill>
                   <a:srgbClr val="00FA00"/>
                 </a:solidFill>
-                <a:latin typeface="Courier New"/>
-                <a:ea typeface="Courier New"/>
-                <a:cs typeface="Courier New"/>
+                <a:latin typeface="Courier"/>
+                <a:ea typeface="Courier New"/>
+                <a:cs typeface="Courier"/>
                 <a:sym typeface="Courier New"/>
               </a:rPr>
               <a:t>newtup</a:t>
             </a:r>
             <a:r>
-              <a:rPr lang="en-US" sz="3000" b="1" i="0" u="none" strike="noStrike" cap="none" dirty="0" smtClean="0">
-                <a:solidFill>
-                  <a:schemeClr val="lt1"/>
-                </a:solidFill>
-                <a:latin typeface="Courier New"/>
-                <a:ea typeface="Courier New"/>
-                <a:cs typeface="Courier New"/>
+              <a:rPr lang="en-US" sz="3000" i="0" u="none" strike="noStrike" cap="none" dirty="0" smtClean="0">
+                <a:solidFill>
+                  <a:schemeClr val="lt1"/>
+                </a:solidFill>
+                <a:latin typeface="Courier"/>
+                <a:ea typeface="Courier New"/>
+                <a:cs typeface="Courier"/>
                 <a:sym typeface="Courier New"/>
               </a:rPr>
               <a:t>)</a:t>
             </a:r>
-            <a:endParaRPr lang="en-US" sz="3000" b="1" i="0" u="none" strike="noStrike" cap="none" dirty="0">
+            <a:endParaRPr lang="en-US" sz="3000" i="0" u="none" strike="noStrike" cap="none" dirty="0">
               <a:solidFill>
                 <a:schemeClr val="lt1"/>
               </a:solidFill>
-              <a:latin typeface="Courier New"/>
+              <a:latin typeface="Courier"/>
               <a:ea typeface="Courier New"/>
-              <a:cs typeface="Courier New"/>
+              <a:cs typeface="Courier"/>
               <a:sym typeface="Courier New"/>
             </a:endParaRPr>
           </a:p>
@@ -8939,13 +8795,13 @@
               <a:buFont typeface="Courier New"/>
               <a:buNone/>
             </a:pPr>
-            <a:endParaRPr sz="3000" b="1" i="0" u="none" strike="noStrike" cap="none" dirty="0">
+            <a:endParaRPr sz="3000" i="0" u="none" strike="noStrike" cap="none" dirty="0">
               <a:solidFill>
                 <a:schemeClr val="lt1"/>
               </a:solidFill>
-              <a:latin typeface="Courier New"/>
+              <a:latin typeface="Courier"/>
               <a:ea typeface="Courier New"/>
-              <a:cs typeface="Courier New"/>
+              <a:cs typeface="Courier"/>
               <a:sym typeface="Courier New"/>
             </a:endParaRPr>
           </a:p>
@@ -8957,73 +8813,73 @@
               <a:buSzPct val="25000"/>
             </a:pPr>
             <a:r>
-              <a:rPr lang="en-US" sz="3000" b="1" dirty="0" err="1" smtClean="0">
+              <a:rPr lang="en-US" sz="3000" dirty="0" err="1" smtClean="0">
                 <a:solidFill>
                   <a:srgbClr val="00FF00"/>
                 </a:solidFill>
-                <a:latin typeface="Courier New"/>
-                <a:ea typeface="Courier New"/>
-                <a:cs typeface="Courier New"/>
+                <a:latin typeface="Courier"/>
+                <a:ea typeface="Courier New"/>
+                <a:cs typeface="Courier"/>
                 <a:sym typeface="Courier New"/>
               </a:rPr>
               <a:t>lst</a:t>
             </a:r>
             <a:r>
-              <a:rPr lang="en-US" sz="3000" b="1" dirty="0" smtClean="0">
+              <a:rPr lang="en-US" sz="3000" dirty="0" smtClean="0">
                 <a:solidFill>
                   <a:srgbClr val="00FF00"/>
                 </a:solidFill>
-                <a:latin typeface="Courier New"/>
-                <a:ea typeface="Courier New"/>
-                <a:cs typeface="Courier New"/>
+                <a:latin typeface="Courier"/>
+                <a:ea typeface="Courier New"/>
+                <a:cs typeface="Courier"/>
                 <a:sym typeface="Courier New"/>
               </a:rPr>
               <a:t> = </a:t>
             </a:r>
             <a:r>
-              <a:rPr lang="en-US" sz="3000" b="1" dirty="0" smtClean="0">
+              <a:rPr lang="en-US" sz="3000" dirty="0" smtClean="0">
                 <a:solidFill>
                   <a:srgbClr val="FF40FF"/>
                 </a:solidFill>
-                <a:latin typeface="Courier New"/>
-                <a:ea typeface="Courier New"/>
-                <a:cs typeface="Courier New"/>
+                <a:latin typeface="Courier"/>
+                <a:ea typeface="Courier New"/>
+                <a:cs typeface="Courier"/>
                 <a:sym typeface="Courier New"/>
               </a:rPr>
               <a:t>sorted(</a:t>
             </a:r>
             <a:r>
-              <a:rPr lang="en-US" sz="3000" b="1" dirty="0" err="1" smtClean="0">
+              <a:rPr lang="en-US" sz="3000" dirty="0" err="1" smtClean="0">
                 <a:solidFill>
                   <a:srgbClr val="00FF00"/>
                 </a:solidFill>
-                <a:latin typeface="Courier New"/>
-                <a:ea typeface="Courier New"/>
-                <a:cs typeface="Courier New"/>
+                <a:latin typeface="Courier"/>
+                <a:ea typeface="Courier New"/>
+                <a:cs typeface="Courier"/>
                 <a:sym typeface="Courier New"/>
               </a:rPr>
               <a:t>lst</a:t>
             </a:r>
             <a:r>
-              <a:rPr lang="en-US" sz="3000" b="1" i="0" u="none" strike="noStrike" cap="none" dirty="0" smtClean="0">
+              <a:rPr lang="en-US" sz="3000" i="0" u="none" strike="noStrike" cap="none" dirty="0" smtClean="0">
                 <a:solidFill>
                   <a:srgbClr val="FF00FF"/>
                 </a:solidFill>
-                <a:latin typeface="Courier New"/>
-                <a:ea typeface="Courier New"/>
-                <a:cs typeface="Courier New"/>
+                <a:latin typeface="Courier"/>
+                <a:ea typeface="Courier New"/>
+                <a:cs typeface="Courier"/>
                 <a:sym typeface="Courier New"/>
               </a:rPr>
               <a:t>, reverse=True</a:t>
             </a:r>
             <a:r>
-              <a:rPr lang="en-US" sz="3000" b="1" i="0" u="none" strike="noStrike" cap="none" dirty="0">
+              <a:rPr lang="en-US" sz="3000" i="0" u="none" strike="noStrike" cap="none" dirty="0">
                 <a:solidFill>
                   <a:srgbClr val="FF40FF"/>
                 </a:solidFill>
-                <a:latin typeface="Courier New"/>
-                <a:ea typeface="Courier New"/>
-                <a:cs typeface="Courier New"/>
+                <a:latin typeface="Courier"/>
+                <a:ea typeface="Courier New"/>
+                <a:cs typeface="Courier"/>
                 <a:sym typeface="Courier New"/>
               </a:rPr>
               <a:t>)</a:t>
@@ -9046,13 +8902,13 @@
               <a:buFont typeface="Courier New"/>
               <a:buNone/>
             </a:pPr>
-            <a:endParaRPr sz="3000" b="1" i="0" u="none" strike="noStrike" cap="none" dirty="0">
+            <a:endParaRPr sz="3000" i="0" u="none" strike="noStrike" cap="none" dirty="0">
               <a:solidFill>
                 <a:srgbClr val="FFFF00"/>
               </a:solidFill>
-              <a:latin typeface="Courier New"/>
+              <a:latin typeface="Courier"/>
               <a:ea typeface="Courier New"/>
-              <a:cs typeface="Courier New"/>
+              <a:cs typeface="Courier"/>
               <a:sym typeface="Courier New"/>
             </a:endParaRPr>
           </a:p>
@@ -9075,121 +8931,121 @@
               <a:buNone/>
             </a:pPr>
             <a:r>
-              <a:rPr lang="en-US" sz="3000" b="1" i="0" u="none" strike="noStrike" cap="none" dirty="0">
+              <a:rPr lang="en-US" sz="3000" i="0" u="none" strike="noStrike" cap="none" dirty="0">
                 <a:solidFill>
                   <a:srgbClr val="FFFF00"/>
                 </a:solidFill>
-                <a:latin typeface="Courier New"/>
-                <a:ea typeface="Courier New"/>
-                <a:cs typeface="Courier New"/>
+                <a:latin typeface="Courier"/>
+                <a:ea typeface="Courier New"/>
+                <a:cs typeface="Courier"/>
                 <a:sym typeface="Courier New"/>
               </a:rPr>
               <a:t>for</a:t>
             </a:r>
             <a:r>
-              <a:rPr lang="en-US" sz="3000" b="1" i="0" u="none" strike="noStrike" cap="none" dirty="0">
-                <a:solidFill>
-                  <a:schemeClr val="lt1"/>
-                </a:solidFill>
-                <a:latin typeface="Courier New"/>
-                <a:ea typeface="Courier New"/>
-                <a:cs typeface="Courier New"/>
+              <a:rPr lang="en-US" sz="3000" i="0" u="none" strike="noStrike" cap="none" dirty="0">
+                <a:solidFill>
+                  <a:schemeClr val="lt1"/>
+                </a:solidFill>
+                <a:latin typeface="Courier"/>
+                <a:ea typeface="Courier New"/>
+                <a:cs typeface="Courier"/>
                 <a:sym typeface="Courier New"/>
               </a:rPr>
               <a:t> </a:t>
             </a:r>
             <a:r>
-              <a:rPr lang="en-US" sz="3000" b="1" i="0" u="none" strike="noStrike" cap="none" dirty="0" err="1">
+              <a:rPr lang="en-US" sz="3000" i="0" u="none" strike="noStrike" cap="none" dirty="0" err="1">
                 <a:solidFill>
                   <a:srgbClr val="FF7F00"/>
                 </a:solidFill>
-                <a:latin typeface="Courier New"/>
-                <a:ea typeface="Courier New"/>
-                <a:cs typeface="Courier New"/>
+                <a:latin typeface="Courier"/>
+                <a:ea typeface="Courier New"/>
+                <a:cs typeface="Courier"/>
                 <a:sym typeface="Courier New"/>
               </a:rPr>
               <a:t>val</a:t>
             </a:r>
             <a:r>
-              <a:rPr lang="en-US" sz="3000" b="1" i="0" u="none" strike="noStrike" cap="none" dirty="0">
+              <a:rPr lang="en-US" sz="3000" i="0" u="none" strike="noStrike" cap="none" dirty="0">
                 <a:solidFill>
                   <a:srgbClr val="FF7F00"/>
                 </a:solidFill>
-                <a:latin typeface="Courier New"/>
-                <a:ea typeface="Courier New"/>
-                <a:cs typeface="Courier New"/>
+                <a:latin typeface="Courier"/>
+                <a:ea typeface="Courier New"/>
+                <a:cs typeface="Courier"/>
                 <a:sym typeface="Courier New"/>
               </a:rPr>
               <a:t>, key</a:t>
             </a:r>
             <a:r>
-              <a:rPr lang="en-US" sz="3000" b="1" i="0" u="none" strike="noStrike" cap="none" dirty="0">
-                <a:solidFill>
-                  <a:schemeClr val="lt1"/>
-                </a:solidFill>
-                <a:latin typeface="Courier New"/>
-                <a:ea typeface="Courier New"/>
-                <a:cs typeface="Courier New"/>
+              <a:rPr lang="en-US" sz="3000" i="0" u="none" strike="noStrike" cap="none" dirty="0">
+                <a:solidFill>
+                  <a:schemeClr val="lt1"/>
+                </a:solidFill>
+                <a:latin typeface="Courier"/>
+                <a:ea typeface="Courier New"/>
+                <a:cs typeface="Courier"/>
                 <a:sym typeface="Courier New"/>
               </a:rPr>
               <a:t> </a:t>
             </a:r>
             <a:r>
-              <a:rPr lang="en-US" sz="3000" b="1" i="0" u="none" strike="noStrike" cap="none" dirty="0">
+              <a:rPr lang="en-US" sz="3000" i="0" u="none" strike="noStrike" cap="none" dirty="0">
                 <a:solidFill>
                   <a:srgbClr val="FFFF00"/>
                 </a:solidFill>
-                <a:latin typeface="Courier New"/>
-                <a:ea typeface="Courier New"/>
-                <a:cs typeface="Courier New"/>
+                <a:latin typeface="Courier"/>
+                <a:ea typeface="Courier New"/>
+                <a:cs typeface="Courier"/>
                 <a:sym typeface="Courier New"/>
               </a:rPr>
               <a:t>in</a:t>
             </a:r>
             <a:r>
-              <a:rPr lang="en-US" sz="3000" b="1" i="0" u="none" strike="noStrike" cap="none" dirty="0">
-                <a:solidFill>
-                  <a:schemeClr val="lt1"/>
-                </a:solidFill>
-                <a:latin typeface="Courier New"/>
-                <a:ea typeface="Courier New"/>
-                <a:cs typeface="Courier New"/>
+              <a:rPr lang="en-US" sz="3000" i="0" u="none" strike="noStrike" cap="none" dirty="0">
+                <a:solidFill>
+                  <a:schemeClr val="lt1"/>
+                </a:solidFill>
+                <a:latin typeface="Courier"/>
+                <a:ea typeface="Courier New"/>
+                <a:cs typeface="Courier"/>
                 <a:sym typeface="Courier New"/>
               </a:rPr>
               <a:t> </a:t>
             </a:r>
             <a:r>
-              <a:rPr lang="en-US" sz="3000" b="1" i="0" u="none" strike="noStrike" cap="none" dirty="0" err="1">
+              <a:rPr lang="en-US" sz="3000" i="0" u="none" strike="noStrike" cap="none" dirty="0" err="1">
                 <a:solidFill>
                   <a:srgbClr val="FF00FF"/>
                 </a:solidFill>
-                <a:latin typeface="Courier New"/>
-                <a:ea typeface="Courier New"/>
-                <a:cs typeface="Courier New"/>
+                <a:latin typeface="Courier"/>
+                <a:ea typeface="Courier New"/>
+                <a:cs typeface="Courier"/>
                 <a:sym typeface="Courier New"/>
               </a:rPr>
               <a:t>lst</a:t>
             </a:r>
             <a:r>
-              <a:rPr lang="en-US" sz="3000" b="1" i="0" u="none" strike="noStrike" cap="none" dirty="0">
+              <a:rPr lang="en-US" sz="3000" i="0" u="none" strike="noStrike" cap="none" dirty="0">
                 <a:solidFill>
                   <a:srgbClr val="00FFFF"/>
                 </a:solidFill>
-                <a:latin typeface="Courier New"/>
-                <a:ea typeface="Courier New"/>
-                <a:cs typeface="Courier New"/>
+                <a:latin typeface="Courier"/>
+                <a:ea typeface="Courier New"/>
+                <a:cs typeface="Courier"/>
                 <a:sym typeface="Courier New"/>
               </a:rPr>
               <a:t>[:10]</a:t>
             </a:r>
             <a:r>
-              <a:rPr lang="en-US" sz="3000" b="1" i="0" u="none" strike="noStrike" cap="none" dirty="0">
-                <a:solidFill>
-                  <a:schemeClr val="lt1"/>
-                </a:solidFill>
-                <a:latin typeface="Courier New"/>
-                <a:ea typeface="Courier New"/>
-                <a:cs typeface="Courier New"/>
+              <a:rPr lang="en-US" sz="3000" i="0" u="none" strike="noStrike" cap="none" dirty="0">
+                <a:solidFill>
+                  <a:schemeClr val="lt1"/>
+                </a:solidFill>
+                <a:latin typeface="Courier"/>
+                <a:ea typeface="Courier New"/>
+                <a:cs typeface="Courier"/>
                 <a:sym typeface="Courier New"/>
               </a:rPr>
               <a:t> :</a:t>
@@ -9203,84 +9059,84 @@
               <a:buSzPct val="25000"/>
             </a:pPr>
             <a:r>
-              <a:rPr lang="en-US" sz="3000" b="1" i="0" u="none" strike="noStrike" cap="none" dirty="0">
-                <a:solidFill>
-                  <a:schemeClr val="lt1"/>
-                </a:solidFill>
-                <a:latin typeface="Courier New"/>
-                <a:ea typeface="Courier New"/>
-                <a:cs typeface="Courier New"/>
+              <a:rPr lang="en-US" sz="3000" i="0" u="none" strike="noStrike" cap="none" dirty="0">
+                <a:solidFill>
+                  <a:schemeClr val="lt1"/>
+                </a:solidFill>
+                <a:latin typeface="Courier"/>
+                <a:ea typeface="Courier New"/>
+                <a:cs typeface="Courier"/>
                 <a:sym typeface="Courier New"/>
               </a:rPr>
               <a:t>    </a:t>
             </a:r>
             <a:r>
-              <a:rPr lang="en-US" sz="3000" b="1" i="0" u="none" strike="noStrike" cap="none" dirty="0" smtClean="0">
+              <a:rPr lang="en-US" sz="3000" i="0" u="none" strike="noStrike" cap="none" dirty="0" smtClean="0">
                 <a:solidFill>
                   <a:srgbClr val="FFFF00"/>
                 </a:solidFill>
-                <a:latin typeface="Courier New"/>
-                <a:ea typeface="Courier New"/>
-                <a:cs typeface="Courier New"/>
+                <a:latin typeface="Courier"/>
+                <a:ea typeface="Courier New"/>
+                <a:cs typeface="Courier"/>
                 <a:sym typeface="Courier New"/>
               </a:rPr>
               <a:t>print(</a:t>
             </a:r>
             <a:r>
-              <a:rPr lang="en-US" sz="3000" b="1" i="0" u="none" strike="noStrike" cap="none" dirty="0" smtClean="0">
+              <a:rPr lang="en-US" sz="3000" i="0" u="none" strike="noStrike" cap="none" dirty="0" smtClean="0">
                 <a:solidFill>
                   <a:srgbClr val="00FF00"/>
                 </a:solidFill>
-                <a:latin typeface="Courier New"/>
-                <a:ea typeface="Courier New"/>
-                <a:cs typeface="Courier New"/>
+                <a:latin typeface="Courier"/>
+                <a:ea typeface="Courier New"/>
+                <a:cs typeface="Courier"/>
                 <a:sym typeface="Courier New"/>
               </a:rPr>
               <a:t>key</a:t>
             </a:r>
             <a:r>
-              <a:rPr lang="en-US" sz="3000" b="1" i="0" u="none" strike="noStrike" cap="none" dirty="0">
-                <a:solidFill>
-                  <a:schemeClr val="lt1"/>
-                </a:solidFill>
-                <a:latin typeface="Courier New"/>
-                <a:ea typeface="Courier New"/>
-                <a:cs typeface="Courier New"/>
+              <a:rPr lang="en-US" sz="3000" i="0" u="none" strike="noStrike" cap="none" dirty="0">
+                <a:solidFill>
+                  <a:schemeClr val="lt1"/>
+                </a:solidFill>
+                <a:latin typeface="Courier"/>
+                <a:ea typeface="Courier New"/>
+                <a:cs typeface="Courier"/>
                 <a:sym typeface="Courier New"/>
               </a:rPr>
               <a:t>, </a:t>
             </a:r>
             <a:r>
-              <a:rPr lang="en-US" sz="3000" b="1" i="0" u="none" strike="noStrike" cap="none" dirty="0" err="1" smtClean="0">
+              <a:rPr lang="en-US" sz="3000" i="0" u="none" strike="noStrike" cap="none" dirty="0" err="1" smtClean="0">
                 <a:solidFill>
                   <a:srgbClr val="00FF00"/>
                 </a:solidFill>
-                <a:latin typeface="Courier New"/>
-                <a:ea typeface="Courier New"/>
-                <a:cs typeface="Courier New"/>
+                <a:latin typeface="Courier"/>
+                <a:ea typeface="Courier New"/>
+                <a:cs typeface="Courier"/>
                 <a:sym typeface="Courier New"/>
               </a:rPr>
               <a:t>val</a:t>
             </a:r>
             <a:r>
-              <a:rPr lang="en-US" sz="3000" b="1" dirty="0" smtClean="0">
+              <a:rPr lang="en-US" sz="3000" dirty="0" smtClean="0">
                 <a:solidFill>
                   <a:srgbClr val="FFFF00"/>
                 </a:solidFill>
-                <a:latin typeface="Courier New"/>
-                <a:ea typeface="Courier New"/>
-                <a:cs typeface="Courier New"/>
+                <a:latin typeface="Courier"/>
+                <a:ea typeface="Courier New"/>
+                <a:cs typeface="Courier"/>
                 <a:sym typeface="Courier New"/>
               </a:rPr>
               <a:t>)</a:t>
             </a:r>
-            <a:endParaRPr lang="en-US" sz="3000" b="1" i="0" u="none" strike="noStrike" cap="none" dirty="0">
+            <a:endParaRPr lang="en-US" sz="3000" i="0" u="none" strike="noStrike" cap="none" dirty="0">
               <a:solidFill>
                 <a:srgbClr val="00FF00"/>
               </a:solidFill>
-              <a:latin typeface="Courier New"/>
+              <a:latin typeface="Courier"/>
               <a:ea typeface="Courier New"/>
-              <a:cs typeface="Courier New"/>
+              <a:cs typeface="Courier"/>
               <a:sym typeface="Courier New"/>
             </a:endParaRPr>
           </a:p>
@@ -9351,14 +9207,14 @@
   <p:timing>
     <p:tnLst>
       <p:par>
-        <p:cTn id="1" dur="indefinite" restart="never" nodeType="tmRoot"/>
+        <p:cTn xmlns:p14="http://schemas.microsoft.com/office/powerpoint/2010/main" id="1" dur="indefinite" restart="never" nodeType="tmRoot"/>
       </p:par>
     </p:tnLst>
   </p:timing>
 </p:sld>
 </file>
 
-<file path=ppt/slides/slide15.xml><?xml version="1.0" encoding="utf-8"?>
+<file path=ppt/slides/slide14.xml><?xml version="1.0" encoding="utf-8"?>
 <p:sld xmlns:a="http://schemas.openxmlformats.org/drawingml/2006/main" xmlns:r="http://schemas.openxmlformats.org/officeDocument/2006/relationships" xmlns:p="http://schemas.openxmlformats.org/presentationml/2006/main">
   <p:cSld>
     <p:spTree>
@@ -9546,37 +9402,37 @@
               <a:buNone/>
             </a:pPr>
             <a:r>
-              <a:rPr lang="en-US" sz="3600" b="1" i="0" u="none" strike="noStrike" cap="none" dirty="0">
-                <a:solidFill>
-                  <a:schemeClr val="lt1"/>
-                </a:solidFill>
-                <a:latin typeface="Courier New"/>
-                <a:ea typeface="Courier New"/>
-                <a:cs typeface="Courier New"/>
+              <a:rPr lang="en-US" sz="3600" i="0" u="none" strike="noStrike" cap="none" dirty="0">
+                <a:solidFill>
+                  <a:schemeClr val="lt1"/>
+                </a:solidFill>
+                <a:latin typeface="Courier"/>
+                <a:ea typeface="Courier New"/>
+                <a:cs typeface="Courier"/>
                 <a:sym typeface="Courier New"/>
               </a:rPr>
               <a:t>&gt;&gt;&gt; </a:t>
             </a:r>
             <a:r>
-              <a:rPr lang="en-US" sz="3600" b="1" i="0" u="none" strike="noStrike" cap="none" dirty="0">
+              <a:rPr lang="en-US" sz="3600" i="0" u="none" strike="noStrike" cap="none" dirty="0">
                 <a:solidFill>
                   <a:srgbClr val="00FF00"/>
                 </a:solidFill>
-                <a:latin typeface="Courier New"/>
-                <a:ea typeface="Courier New"/>
-                <a:cs typeface="Courier New"/>
+                <a:latin typeface="Courier"/>
+                <a:ea typeface="Courier New"/>
+                <a:cs typeface="Courier"/>
                 <a:sym typeface="Courier New"/>
               </a:rPr>
               <a:t>c</a:t>
             </a:r>
             <a:r>
-              <a:rPr lang="en-US" sz="3600" b="1" i="0" u="none" strike="noStrike" cap="none" dirty="0">
-                <a:solidFill>
-                  <a:schemeClr val="lt1"/>
-                </a:solidFill>
-                <a:latin typeface="Courier New"/>
-                <a:ea typeface="Courier New"/>
-                <a:cs typeface="Courier New"/>
+              <a:rPr lang="en-US" sz="3600" i="0" u="none" strike="noStrike" cap="none" dirty="0">
+                <a:solidFill>
+                  <a:schemeClr val="lt1"/>
+                </a:solidFill>
+                <a:latin typeface="Courier"/>
+                <a:ea typeface="Courier New"/>
+                <a:cs typeface="Courier"/>
                 <a:sym typeface="Courier New"/>
               </a:rPr>
               <a:t> = {'a':10, 'b':1, 'c':22}</a:t>
@@ -9599,13 +9455,13 @@
               <a:buFont typeface="Arial"/>
               <a:buNone/>
             </a:pPr>
-            <a:endParaRPr sz="3600" b="1" i="0" u="none" strike="noStrike" cap="none" dirty="0">
+            <a:endParaRPr sz="3600" i="0" u="none" strike="noStrike" cap="none" dirty="0">
               <a:solidFill>
                 <a:schemeClr val="lt1"/>
               </a:solidFill>
-              <a:latin typeface="Courier New"/>
+              <a:latin typeface="Courier"/>
               <a:ea typeface="Courier New"/>
-              <a:cs typeface="Courier New"/>
+              <a:cs typeface="Courier"/>
               <a:sym typeface="Courier New"/>
             </a:endParaRPr>
           </a:p>
@@ -9628,312 +9484,312 @@
               <a:buNone/>
             </a:pPr>
             <a:r>
-              <a:rPr lang="en-US" sz="3600" b="1" i="0" u="none" strike="noStrike" cap="none" dirty="0">
-                <a:solidFill>
-                  <a:schemeClr val="lt1"/>
-                </a:solidFill>
-                <a:latin typeface="Courier New"/>
-                <a:ea typeface="Courier New"/>
-                <a:cs typeface="Courier New"/>
+              <a:rPr lang="en-US" sz="3600" i="0" u="none" strike="noStrike" cap="none" dirty="0">
+                <a:solidFill>
+                  <a:schemeClr val="lt1"/>
+                </a:solidFill>
+                <a:latin typeface="Courier"/>
+                <a:ea typeface="Courier New"/>
+                <a:cs typeface="Courier"/>
                 <a:sym typeface="Courier New"/>
               </a:rPr>
               <a:t>&gt;&gt;&gt; </a:t>
             </a:r>
             <a:r>
-              <a:rPr lang="en-US" sz="3600" b="1" i="0" u="none" strike="noStrike" cap="none" dirty="0" smtClean="0">
+              <a:rPr lang="en-US" sz="3600" i="0" u="none" strike="noStrike" cap="none" dirty="0" smtClean="0">
                 <a:solidFill>
                   <a:srgbClr val="FFFF00"/>
                 </a:solidFill>
-                <a:latin typeface="Courier New"/>
-                <a:ea typeface="Courier New"/>
-                <a:cs typeface="Courier New"/>
+                <a:latin typeface="Courier"/>
+                <a:ea typeface="Courier New"/>
+                <a:cs typeface="Courier"/>
                 <a:sym typeface="Courier New"/>
               </a:rPr>
               <a:t>print(</a:t>
             </a:r>
             <a:r>
-              <a:rPr lang="en-US" sz="3600" b="1" dirty="0">
+              <a:rPr lang="en-US" sz="3600" dirty="0">
                 <a:solidFill>
                   <a:srgbClr val="00FF00"/>
                 </a:solidFill>
-                <a:latin typeface="Courier New"/>
-                <a:ea typeface="Courier New"/>
-                <a:cs typeface="Courier New"/>
+                <a:latin typeface="Courier"/>
+                <a:ea typeface="Courier New"/>
+                <a:cs typeface="Courier"/>
                 <a:sym typeface="Courier New"/>
               </a:rPr>
               <a:t> </a:t>
             </a:r>
             <a:r>
-              <a:rPr lang="en-US" sz="3600" b="1" i="0" u="none" strike="noStrike" cap="none" dirty="0" smtClean="0">
+              <a:rPr lang="en-US" sz="3600" i="0" u="none" strike="noStrike" cap="none" dirty="0" smtClean="0">
                 <a:solidFill>
                   <a:srgbClr val="FF00FF"/>
                 </a:solidFill>
-                <a:latin typeface="Courier New"/>
-                <a:ea typeface="Courier New"/>
-                <a:cs typeface="Courier New"/>
+                <a:latin typeface="Courier"/>
+                <a:ea typeface="Courier New"/>
+                <a:cs typeface="Courier"/>
                 <a:sym typeface="Courier New"/>
               </a:rPr>
               <a:t>sorted</a:t>
             </a:r>
             <a:r>
-              <a:rPr lang="en-US" sz="3600" b="1" i="0" u="none" strike="noStrike" cap="none" dirty="0">
-                <a:solidFill>
-                  <a:schemeClr val="lt1"/>
-                </a:solidFill>
-                <a:latin typeface="Courier New"/>
-                <a:ea typeface="Courier New"/>
-                <a:cs typeface="Courier New"/>
+              <a:rPr lang="en-US" sz="3600" i="0" u="none" strike="noStrike" cap="none" dirty="0">
+                <a:solidFill>
+                  <a:schemeClr val="lt1"/>
+                </a:solidFill>
+                <a:latin typeface="Courier"/>
+                <a:ea typeface="Courier New"/>
+                <a:cs typeface="Courier"/>
                 <a:sym typeface="Courier New"/>
               </a:rPr>
               <a:t>(</a:t>
             </a:r>
             <a:r>
-              <a:rPr lang="en-US" sz="3600" b="1" i="0" u="none" strike="noStrike" cap="none" dirty="0">
+              <a:rPr lang="en-US" sz="3600" i="0" u="none" strike="noStrike" cap="none" dirty="0">
                 <a:solidFill>
                   <a:srgbClr val="00FF00"/>
                 </a:solidFill>
-                <a:latin typeface="Courier New"/>
-                <a:ea typeface="Courier New"/>
-                <a:cs typeface="Courier New"/>
+                <a:latin typeface="Courier"/>
+                <a:ea typeface="Courier New"/>
+                <a:cs typeface="Courier"/>
                 <a:sym typeface="Courier New"/>
               </a:rPr>
               <a:t> </a:t>
             </a:r>
             <a:r>
-              <a:rPr lang="en-US" sz="3600" b="1" i="0" u="none" strike="noStrike" cap="none" dirty="0">
+              <a:rPr lang="en-US" sz="3600" i="0" u="none" strike="noStrike" cap="none" dirty="0">
                 <a:solidFill>
                   <a:srgbClr val="00FFFF"/>
                 </a:solidFill>
-                <a:latin typeface="Courier New"/>
-                <a:ea typeface="Courier New"/>
-                <a:cs typeface="Courier New"/>
+                <a:latin typeface="Courier"/>
+                <a:ea typeface="Courier New"/>
+                <a:cs typeface="Courier"/>
                 <a:sym typeface="Courier New"/>
               </a:rPr>
               <a:t>[</a:t>
             </a:r>
             <a:r>
-              <a:rPr lang="en-US" sz="3600" b="1" i="0" u="none" strike="noStrike" cap="none" dirty="0">
-                <a:solidFill>
-                  <a:schemeClr val="lt1"/>
-                </a:solidFill>
-                <a:latin typeface="Courier New"/>
-                <a:ea typeface="Courier New"/>
-                <a:cs typeface="Courier New"/>
+              <a:rPr lang="en-US" sz="3600" i="0" u="none" strike="noStrike" cap="none" dirty="0">
+                <a:solidFill>
+                  <a:schemeClr val="lt1"/>
+                </a:solidFill>
+                <a:latin typeface="Courier"/>
+                <a:ea typeface="Courier New"/>
+                <a:cs typeface="Courier"/>
                 <a:sym typeface="Courier New"/>
               </a:rPr>
               <a:t> </a:t>
             </a:r>
             <a:r>
-              <a:rPr lang="en-US" sz="3600" b="1" i="0" u="none" strike="noStrike" cap="none" dirty="0">
+              <a:rPr lang="en-US" sz="3600" i="0" u="none" strike="noStrike" cap="none" dirty="0">
                 <a:solidFill>
                   <a:srgbClr val="FF7F00"/>
                 </a:solidFill>
-                <a:latin typeface="Courier New"/>
-                <a:ea typeface="Courier New"/>
-                <a:cs typeface="Courier New"/>
+                <a:latin typeface="Courier"/>
+                <a:ea typeface="Courier New"/>
+                <a:cs typeface="Courier"/>
                 <a:sym typeface="Courier New"/>
               </a:rPr>
               <a:t>(</a:t>
             </a:r>
             <a:r>
-              <a:rPr lang="en-US" sz="3600" b="1" i="0" u="none" strike="noStrike" cap="none" dirty="0" err="1">
+              <a:rPr lang="en-US" sz="3600" i="0" u="none" strike="noStrike" cap="none" dirty="0" err="1">
                 <a:solidFill>
                   <a:srgbClr val="FF7F00"/>
                 </a:solidFill>
-                <a:latin typeface="Courier New"/>
-                <a:ea typeface="Courier New"/>
-                <a:cs typeface="Courier New"/>
+                <a:latin typeface="Courier"/>
+                <a:ea typeface="Courier New"/>
+                <a:cs typeface="Courier"/>
                 <a:sym typeface="Courier New"/>
               </a:rPr>
               <a:t>v,k</a:t>
             </a:r>
             <a:r>
-              <a:rPr lang="en-US" sz="3600" b="1" i="0" u="none" strike="noStrike" cap="none" dirty="0">
+              <a:rPr lang="en-US" sz="3600" i="0" u="none" strike="noStrike" cap="none" dirty="0">
                 <a:solidFill>
                   <a:srgbClr val="FF7F00"/>
                 </a:solidFill>
-                <a:latin typeface="Courier New"/>
-                <a:ea typeface="Courier New"/>
-                <a:cs typeface="Courier New"/>
+                <a:latin typeface="Courier"/>
+                <a:ea typeface="Courier New"/>
+                <a:cs typeface="Courier"/>
                 <a:sym typeface="Courier New"/>
               </a:rPr>
               <a:t>)</a:t>
             </a:r>
             <a:r>
-              <a:rPr lang="en-US" sz="3600" b="1" i="0" u="none" strike="noStrike" cap="none" dirty="0">
-                <a:solidFill>
-                  <a:schemeClr val="lt1"/>
-                </a:solidFill>
-                <a:latin typeface="Courier New"/>
-                <a:ea typeface="Courier New"/>
-                <a:cs typeface="Courier New"/>
+              <a:rPr lang="en-US" sz="3600" i="0" u="none" strike="noStrike" cap="none" dirty="0">
+                <a:solidFill>
+                  <a:schemeClr val="lt1"/>
+                </a:solidFill>
+                <a:latin typeface="Courier"/>
+                <a:ea typeface="Courier New"/>
+                <a:cs typeface="Courier"/>
                 <a:sym typeface="Courier New"/>
               </a:rPr>
               <a:t> </a:t>
             </a:r>
             <a:r>
-              <a:rPr lang="en-US" sz="3600" b="1" i="0" u="none" strike="noStrike" cap="none" dirty="0">
+              <a:rPr lang="en-US" sz="3600" i="0" u="none" strike="noStrike" cap="none" dirty="0">
                 <a:solidFill>
                   <a:srgbClr val="FFFF00"/>
                 </a:solidFill>
-                <a:latin typeface="Courier New"/>
-                <a:ea typeface="Courier New"/>
-                <a:cs typeface="Courier New"/>
+                <a:latin typeface="Courier"/>
+                <a:ea typeface="Courier New"/>
+                <a:cs typeface="Courier"/>
                 <a:sym typeface="Courier New"/>
               </a:rPr>
               <a:t>for</a:t>
             </a:r>
             <a:r>
-              <a:rPr lang="en-US" sz="3600" b="1" i="0" u="none" strike="noStrike" cap="none" dirty="0">
-                <a:solidFill>
-                  <a:schemeClr val="lt1"/>
-                </a:solidFill>
-                <a:latin typeface="Courier New"/>
-                <a:ea typeface="Courier New"/>
-                <a:cs typeface="Courier New"/>
+              <a:rPr lang="en-US" sz="3600" i="0" u="none" strike="noStrike" cap="none" dirty="0">
+                <a:solidFill>
+                  <a:schemeClr val="lt1"/>
+                </a:solidFill>
+                <a:latin typeface="Courier"/>
+                <a:ea typeface="Courier New"/>
+                <a:cs typeface="Courier"/>
                 <a:sym typeface="Courier New"/>
               </a:rPr>
               <a:t> </a:t>
             </a:r>
             <a:r>
-              <a:rPr lang="en-US" sz="3600" b="1" i="0" u="none" strike="noStrike" cap="none" dirty="0" err="1">
+              <a:rPr lang="en-US" sz="3600" i="0" u="none" strike="noStrike" cap="none" dirty="0" err="1">
                 <a:solidFill>
                   <a:srgbClr val="FF7F00"/>
                 </a:solidFill>
-                <a:latin typeface="Courier New"/>
-                <a:ea typeface="Courier New"/>
-                <a:cs typeface="Courier New"/>
+                <a:latin typeface="Courier"/>
+                <a:ea typeface="Courier New"/>
+                <a:cs typeface="Courier"/>
                 <a:sym typeface="Courier New"/>
               </a:rPr>
               <a:t>k,v</a:t>
             </a:r>
             <a:r>
-              <a:rPr lang="en-US" sz="3600" b="1" i="0" u="none" strike="noStrike" cap="none" dirty="0">
-                <a:solidFill>
-                  <a:schemeClr val="lt1"/>
-                </a:solidFill>
-                <a:latin typeface="Courier New"/>
-                <a:ea typeface="Courier New"/>
-                <a:cs typeface="Courier New"/>
+              <a:rPr lang="en-US" sz="3600" i="0" u="none" strike="noStrike" cap="none" dirty="0">
+                <a:solidFill>
+                  <a:schemeClr val="lt1"/>
+                </a:solidFill>
+                <a:latin typeface="Courier"/>
+                <a:ea typeface="Courier New"/>
+                <a:cs typeface="Courier"/>
                 <a:sym typeface="Courier New"/>
               </a:rPr>
               <a:t> </a:t>
             </a:r>
             <a:r>
-              <a:rPr lang="en-US" sz="3600" b="1" i="0" u="none" strike="noStrike" cap="none" dirty="0">
+              <a:rPr lang="en-US" sz="3600" i="0" u="none" strike="noStrike" cap="none" dirty="0">
                 <a:solidFill>
                   <a:srgbClr val="FFFF00"/>
                 </a:solidFill>
-                <a:latin typeface="Courier New"/>
-                <a:ea typeface="Courier New"/>
-                <a:cs typeface="Courier New"/>
+                <a:latin typeface="Courier"/>
+                <a:ea typeface="Courier New"/>
+                <a:cs typeface="Courier"/>
                 <a:sym typeface="Courier New"/>
               </a:rPr>
               <a:t>in</a:t>
             </a:r>
             <a:r>
-              <a:rPr lang="en-US" sz="3600" b="1" i="0" u="none" strike="noStrike" cap="none" dirty="0">
-                <a:solidFill>
-                  <a:schemeClr val="lt1"/>
-                </a:solidFill>
-                <a:latin typeface="Courier New"/>
-                <a:ea typeface="Courier New"/>
-                <a:cs typeface="Courier New"/>
+              <a:rPr lang="en-US" sz="3600" i="0" u="none" strike="noStrike" cap="none" dirty="0">
+                <a:solidFill>
+                  <a:schemeClr val="lt1"/>
+                </a:solidFill>
+                <a:latin typeface="Courier"/>
+                <a:ea typeface="Courier New"/>
+                <a:cs typeface="Courier"/>
                 <a:sym typeface="Courier New"/>
               </a:rPr>
               <a:t> </a:t>
             </a:r>
             <a:r>
-              <a:rPr lang="en-US" sz="3600" b="1" i="0" u="none" strike="noStrike" cap="none" dirty="0" err="1">
+              <a:rPr lang="en-US" sz="3600" i="0" u="none" strike="noStrike" cap="none" dirty="0" err="1">
                 <a:solidFill>
                   <a:srgbClr val="00FF00"/>
                 </a:solidFill>
-                <a:latin typeface="Courier New"/>
-                <a:ea typeface="Courier New"/>
-                <a:cs typeface="Courier New"/>
+                <a:latin typeface="Courier"/>
+                <a:ea typeface="Courier New"/>
+                <a:cs typeface="Courier"/>
                 <a:sym typeface="Courier New"/>
               </a:rPr>
               <a:t>c</a:t>
             </a:r>
             <a:r>
-              <a:rPr lang="en-US" sz="3600" b="1" i="0" u="none" strike="noStrike" cap="none" dirty="0" err="1">
+              <a:rPr lang="en-US" sz="3600" i="0" u="none" strike="noStrike" cap="none" dirty="0" err="1">
                 <a:solidFill>
                   <a:srgbClr val="FF00FF"/>
                 </a:solidFill>
-                <a:latin typeface="Courier New"/>
-                <a:ea typeface="Courier New"/>
-                <a:cs typeface="Courier New"/>
+                <a:latin typeface="Courier"/>
+                <a:ea typeface="Courier New"/>
+                <a:cs typeface="Courier"/>
                 <a:sym typeface="Courier New"/>
               </a:rPr>
               <a:t>.items</a:t>
             </a:r>
             <a:r>
-              <a:rPr lang="en-US" sz="3600" b="1" i="0" u="none" strike="noStrike" cap="none" dirty="0">
-                <a:solidFill>
-                  <a:schemeClr val="lt1"/>
-                </a:solidFill>
-                <a:latin typeface="Courier New"/>
-                <a:ea typeface="Courier New"/>
-                <a:cs typeface="Courier New"/>
+              <a:rPr lang="en-US" sz="3600" i="0" u="none" strike="noStrike" cap="none" dirty="0">
+                <a:solidFill>
+                  <a:schemeClr val="lt1"/>
+                </a:solidFill>
+                <a:latin typeface="Courier"/>
+                <a:ea typeface="Courier New"/>
+                <a:cs typeface="Courier"/>
                 <a:sym typeface="Courier New"/>
               </a:rPr>
               <a:t>() </a:t>
             </a:r>
             <a:r>
-              <a:rPr lang="en-US" sz="3600" b="1" i="0" u="none" strike="noStrike" cap="none" dirty="0">
+              <a:rPr lang="en-US" sz="3600" i="0" u="none" strike="noStrike" cap="none" dirty="0">
                 <a:solidFill>
                   <a:srgbClr val="00FFFF"/>
                 </a:solidFill>
-                <a:latin typeface="Courier New"/>
-                <a:ea typeface="Courier New"/>
-                <a:cs typeface="Courier New"/>
+                <a:latin typeface="Courier"/>
+                <a:ea typeface="Courier New"/>
+                <a:cs typeface="Courier"/>
                 <a:sym typeface="Courier New"/>
               </a:rPr>
               <a:t>]</a:t>
             </a:r>
             <a:r>
-              <a:rPr lang="en-US" sz="3600" b="1" i="0" u="none" strike="noStrike" cap="none" dirty="0">
-                <a:solidFill>
-                  <a:schemeClr val="lt1"/>
-                </a:solidFill>
-                <a:latin typeface="Courier New"/>
-                <a:ea typeface="Courier New"/>
-                <a:cs typeface="Courier New"/>
+              <a:rPr lang="en-US" sz="3600" i="0" u="none" strike="noStrike" cap="none" dirty="0">
+                <a:solidFill>
+                  <a:schemeClr val="lt1"/>
+                </a:solidFill>
+                <a:latin typeface="Courier"/>
+                <a:ea typeface="Courier New"/>
+                <a:cs typeface="Courier"/>
                 <a:sym typeface="Courier New"/>
               </a:rPr>
               <a:t> </a:t>
             </a:r>
             <a:r>
-              <a:rPr lang="en-US" sz="3600" b="1" i="0" u="none" strike="noStrike" cap="none" dirty="0" smtClean="0">
-                <a:solidFill>
-                  <a:schemeClr val="lt1"/>
-                </a:solidFill>
-                <a:latin typeface="Courier New"/>
-                <a:ea typeface="Courier New"/>
-                <a:cs typeface="Courier New"/>
+              <a:rPr lang="en-US" sz="3600" i="0" u="none" strike="noStrike" cap="none" dirty="0" smtClean="0">
+                <a:solidFill>
+                  <a:schemeClr val="lt1"/>
+                </a:solidFill>
+                <a:latin typeface="Courier"/>
+                <a:ea typeface="Courier New"/>
+                <a:cs typeface="Courier"/>
                 <a:sym typeface="Courier New"/>
               </a:rPr>
               <a:t>) </a:t>
             </a:r>
             <a:r>
-              <a:rPr lang="en-US" sz="3600" b="1" i="0" u="none" strike="noStrike" cap="none" dirty="0" smtClean="0">
+              <a:rPr lang="en-US" sz="3600" i="0" u="none" strike="noStrike" cap="none" dirty="0" smtClean="0">
                 <a:solidFill>
                   <a:srgbClr val="FFFF00"/>
                 </a:solidFill>
-                <a:latin typeface="Courier New"/>
-                <a:ea typeface="Courier New"/>
-                <a:cs typeface="Courier New"/>
+                <a:latin typeface="Courier"/>
+                <a:ea typeface="Courier New"/>
+                <a:cs typeface="Courier"/>
                 <a:sym typeface="Courier New"/>
               </a:rPr>
               <a:t>)</a:t>
             </a:r>
-            <a:endParaRPr lang="en-US" sz="3600" b="1" i="0" u="none" strike="noStrike" cap="none" dirty="0">
+            <a:endParaRPr lang="en-US" sz="3600" i="0" u="none" strike="noStrike" cap="none" dirty="0">
               <a:solidFill>
                 <a:srgbClr val="FFFF00"/>
               </a:solidFill>
-              <a:latin typeface="Courier New"/>
+              <a:latin typeface="Courier"/>
               <a:ea typeface="Courier New"/>
-              <a:cs typeface="Courier New"/>
+              <a:cs typeface="Courier"/>
               <a:sym typeface="Courier New"/>
             </a:endParaRPr>
           </a:p>
@@ -9954,13 +9810,13 @@
               <a:buFont typeface="Arial"/>
               <a:buNone/>
             </a:pPr>
-            <a:endParaRPr sz="3600" b="1" i="0" u="none" strike="noStrike" cap="none" dirty="0">
+            <a:endParaRPr sz="3600" i="0" u="none" strike="noStrike" cap="none" dirty="0">
               <a:solidFill>
                 <a:schemeClr val="lt1"/>
               </a:solidFill>
-              <a:latin typeface="Courier New"/>
+              <a:latin typeface="Courier"/>
               <a:ea typeface="Courier New"/>
-              <a:cs typeface="Courier New"/>
+              <a:cs typeface="Courier"/>
               <a:sym typeface="Courier New"/>
             </a:endParaRPr>
           </a:p>
@@ -9983,13 +9839,13 @@
               <a:buNone/>
             </a:pPr>
             <a:r>
-              <a:rPr lang="en-US" sz="3600" b="1" i="0" u="none" strike="noStrike" cap="none" dirty="0">
-                <a:solidFill>
-                  <a:schemeClr val="lt1"/>
-                </a:solidFill>
-                <a:latin typeface="Courier New"/>
-                <a:ea typeface="Courier New"/>
-                <a:cs typeface="Courier New"/>
+              <a:rPr lang="en-US" sz="3600" i="0" u="none" strike="noStrike" cap="none" dirty="0">
+                <a:solidFill>
+                  <a:schemeClr val="lt1"/>
+                </a:solidFill>
+                <a:latin typeface="Courier"/>
+                <a:ea typeface="Courier New"/>
+                <a:cs typeface="Courier"/>
                 <a:sym typeface="Courier New"/>
               </a:rPr>
               <a:t>[(1, 'b'), (10, 'a'), (22, 'c')]</a:t>
@@ -10086,14 +9942,14 @@
   <p:timing>
     <p:tnLst>
       <p:par>
-        <p:cTn id="1" dur="indefinite" restart="never" nodeType="tmRoot"/>
+        <p:cTn xmlns:p14="http://schemas.microsoft.com/office/powerpoint/2010/main" id="1" dur="indefinite" restart="never" nodeType="tmRoot"/>
       </p:par>
     </p:tnLst>
   </p:timing>
 </p:sld>
 </file>
 
-<file path=ppt/slides/slide16.xml><?xml version="1.0" encoding="utf-8"?>
+<file path=ppt/slides/slide15.xml><?xml version="1.0" encoding="utf-8"?>
 <p:sld xmlns:a="http://schemas.openxmlformats.org/drawingml/2006/main" xmlns:r="http://schemas.openxmlformats.org/officeDocument/2006/relationships" xmlns:p="http://schemas.openxmlformats.org/presentationml/2006/main">
   <p:cSld>
     <p:spTree>
@@ -10123,7 +9979,7 @@
         <p:spPr>
           <a:xfrm>
             <a:off x="1155700" y="789708"/>
-            <a:ext cx="13187359" cy="1750191"/>
+            <a:ext cx="12526433" cy="1750191"/>
           </a:xfrm>
           <a:prstGeom prst="rect">
             <a:avLst/>
@@ -10184,7 +10040,7 @@
         <p:spPr>
           <a:xfrm>
             <a:off x="1760866" y="2603500"/>
-            <a:ext cx="13326833" cy="4984005"/>
+            <a:ext cx="13326833" cy="4491567"/>
           </a:xfrm>
           <a:prstGeom prst="rect">
             <a:avLst/>
@@ -10337,7 +10193,7 @@
         </p:nvSpPr>
         <p:spPr>
           <a:xfrm>
-            <a:off x="7742580" y="3215163"/>
+            <a:off x="7742580" y="3011967"/>
             <a:ext cx="6378575" cy="3209917"/>
           </a:xfrm>
           <a:prstGeom prst="rect">
@@ -10425,14 +10281,14 @@
   <p:timing>
     <p:tnLst>
       <p:par>
-        <p:cTn id="1" dur="indefinite" restart="never" nodeType="tmRoot"/>
+        <p:cTn xmlns:p14="http://schemas.microsoft.com/office/powerpoint/2010/main" id="1" dur="indefinite" restart="never" nodeType="tmRoot"/>
       </p:par>
     </p:tnLst>
   </p:timing>
 </p:sld>
 </file>
 
-<file path=ppt/slides/slide17.xml><?xml version="1.0" encoding="utf-8"?>
+<file path=ppt/slides/slide16.xml><?xml version="1.0" encoding="utf-8"?>
 <p:sld xmlns:a="http://schemas.openxmlformats.org/drawingml/2006/main" xmlns:r="http://schemas.openxmlformats.org/officeDocument/2006/relationships" xmlns:p="http://schemas.openxmlformats.org/presentationml/2006/main">
   <p:cSld>
     <p:spTree>
@@ -10852,7 +10708,7 @@
   <p:timing>
     <p:tnLst>
       <p:par>
-        <p:cTn id="1" dur="indefinite" restart="never" nodeType="tmRoot"/>
+        <p:cTn xmlns:p14="http://schemas.microsoft.com/office/powerpoint/2010/main" id="1" dur="indefinite" restart="never" nodeType="tmRoot"/>
       </p:par>
     </p:tnLst>
   </p:timing>
@@ -10928,7 +10784,7 @@
                 <a:cs typeface="Arial" charset="0"/>
                 <a:sym typeface="Cabin"/>
               </a:rPr>
-              <a:t>Tuples are like lists</a:t>
+              <a:t>Tuples Are Like Lists</a:t>
             </a:r>
           </a:p>
         </p:txBody>
@@ -11036,37 +10892,37 @@
               <a:buNone/>
             </a:pPr>
             <a:r>
-              <a:rPr lang="en-US" sz="3000" b="1" i="0" u="none" strike="noStrike" cap="none" dirty="0">
-                <a:solidFill>
-                  <a:schemeClr val="lt1"/>
-                </a:solidFill>
-                <a:latin typeface="Courier New"/>
-                <a:ea typeface="Courier New"/>
-                <a:cs typeface="Courier New"/>
+              <a:rPr lang="en-US" sz="3000" i="0" u="none" strike="noStrike" cap="none" dirty="0">
+                <a:solidFill>
+                  <a:schemeClr val="lt1"/>
+                </a:solidFill>
+                <a:latin typeface="Courier"/>
+                <a:ea typeface="Courier New"/>
+                <a:cs typeface="Courier"/>
                 <a:sym typeface="Courier New"/>
               </a:rPr>
               <a:t>&gt;&gt;&gt; </a:t>
             </a:r>
             <a:r>
-              <a:rPr lang="en-US" sz="3000" b="1" i="0" u="none" strike="noStrike" cap="none" dirty="0">
+              <a:rPr lang="en-US" sz="3000" i="0" u="none" strike="noStrike" cap="none" dirty="0">
                 <a:solidFill>
                   <a:srgbClr val="00FF00"/>
                 </a:solidFill>
-                <a:latin typeface="Courier New"/>
-                <a:ea typeface="Courier New"/>
-                <a:cs typeface="Courier New"/>
+                <a:latin typeface="Courier"/>
+                <a:ea typeface="Courier New"/>
+                <a:cs typeface="Courier"/>
                 <a:sym typeface="Courier New"/>
               </a:rPr>
               <a:t>x</a:t>
             </a:r>
             <a:r>
-              <a:rPr lang="en-US" sz="3000" b="1" i="0" u="none" strike="noStrike" cap="none" dirty="0">
-                <a:solidFill>
-                  <a:schemeClr val="lt1"/>
-                </a:solidFill>
-                <a:latin typeface="Courier New"/>
-                <a:ea typeface="Courier New"/>
-                <a:cs typeface="Courier New"/>
+              <a:rPr lang="en-US" sz="3000" i="0" u="none" strike="noStrike" cap="none" dirty="0">
+                <a:solidFill>
+                  <a:schemeClr val="lt1"/>
+                </a:solidFill>
+                <a:latin typeface="Courier"/>
+                <a:ea typeface="Courier New"/>
+                <a:cs typeface="Courier"/>
                 <a:sym typeface="Courier New"/>
               </a:rPr>
               <a:t> = ('Glenn', 'Sally', 'Joseph')</a:t>
@@ -11080,72 +10936,72 @@
               <a:buSzPct val="25000"/>
             </a:pPr>
             <a:r>
-              <a:rPr lang="en-US" sz="3000" b="1" i="0" u="none" strike="noStrike" cap="none" dirty="0">
-                <a:solidFill>
-                  <a:schemeClr val="lt1"/>
-                </a:solidFill>
-                <a:latin typeface="Courier New"/>
-                <a:ea typeface="Courier New"/>
-                <a:cs typeface="Courier New"/>
+              <a:rPr lang="en-US" sz="3000" i="0" u="none" strike="noStrike" cap="none" dirty="0">
+                <a:solidFill>
+                  <a:schemeClr val="lt1"/>
+                </a:solidFill>
+                <a:latin typeface="Courier"/>
+                <a:ea typeface="Courier New"/>
+                <a:cs typeface="Courier"/>
                 <a:sym typeface="Courier New"/>
               </a:rPr>
               <a:t>&gt;&gt;&gt; </a:t>
             </a:r>
             <a:r>
-              <a:rPr lang="en-US" sz="3000" b="1" i="0" u="none" strike="noStrike" cap="none" dirty="0" smtClean="0">
+              <a:rPr lang="en-US" sz="3000" i="0" u="none" strike="noStrike" cap="none" dirty="0" smtClean="0">
                 <a:solidFill>
                   <a:srgbClr val="FFFF00"/>
                 </a:solidFill>
-                <a:latin typeface="Courier New"/>
-                <a:ea typeface="Courier New"/>
-                <a:cs typeface="Courier New"/>
+                <a:latin typeface="Courier"/>
+                <a:ea typeface="Courier New"/>
+                <a:cs typeface="Courier"/>
                 <a:sym typeface="Courier New"/>
               </a:rPr>
               <a:t>print(</a:t>
             </a:r>
             <a:r>
-              <a:rPr lang="en-US" sz="3000" b="1" i="0" u="none" strike="noStrike" cap="none" dirty="0" smtClean="0">
+              <a:rPr lang="en-US" sz="3000" i="0" u="none" strike="noStrike" cap="none" dirty="0" smtClean="0">
                 <a:solidFill>
                   <a:srgbClr val="00FF00"/>
                 </a:solidFill>
-                <a:latin typeface="Courier New"/>
-                <a:ea typeface="Courier New"/>
-                <a:cs typeface="Courier New"/>
+                <a:latin typeface="Courier"/>
+                <a:ea typeface="Courier New"/>
+                <a:cs typeface="Courier"/>
                 <a:sym typeface="Courier New"/>
               </a:rPr>
               <a:t>x</a:t>
             </a:r>
             <a:r>
-              <a:rPr lang="en-US" sz="3000" b="1" i="0" u="none" strike="noStrike" cap="none" dirty="0" smtClean="0">
+              <a:rPr lang="en-US" sz="3000" i="0" u="none" strike="noStrike" cap="none" dirty="0" smtClean="0">
                 <a:solidFill>
                   <a:srgbClr val="00FFFF"/>
                 </a:solidFill>
-                <a:latin typeface="Courier New"/>
-                <a:ea typeface="Courier New"/>
-                <a:cs typeface="Courier New"/>
+                <a:latin typeface="Courier"/>
+                <a:ea typeface="Courier New"/>
+                <a:cs typeface="Courier"/>
                 <a:sym typeface="Courier New"/>
               </a:rPr>
               <a:t>[2]</a:t>
             </a:r>
             <a:r>
-              <a:rPr lang="en-US" sz="3000" b="1" dirty="0" smtClean="0">
+              <a:rPr lang="en-US" sz="3000" dirty="0" smtClean="0">
                 <a:solidFill>
                   <a:srgbClr val="FFFF00"/>
                 </a:solidFill>
-                <a:latin typeface="Courier New"/>
-                <a:ea typeface="Courier New"/>
-                <a:cs typeface="Courier New"/>
+                <a:latin typeface="Courier"/>
+                <a:ea typeface="Courier New"/>
+                <a:cs typeface="Courier"/>
                 <a:sym typeface="Courier New"/>
               </a:rPr>
               <a:t>)</a:t>
             </a:r>
-            <a:endParaRPr lang="en-US" sz="3000" b="1" i="0" u="none" strike="noStrike" cap="none" dirty="0">
+            <a:endParaRPr lang="en-US" sz="3000" i="0" u="none" strike="noStrike" cap="none" dirty="0">
               <a:solidFill>
                 <a:srgbClr val="00FFFF"/>
               </a:solidFill>
-              <a:latin typeface="Courier New"/>
+              <a:latin typeface="Courier"/>
               <a:ea typeface="Courier New"/>
-              <a:cs typeface="Courier New"/>
+              <a:cs typeface="Courier"/>
               <a:sym typeface="Courier New"/>
             </a:endParaRPr>
           </a:p>
@@ -11168,13 +11024,13 @@
               <a:buNone/>
             </a:pPr>
             <a:r>
-              <a:rPr lang="en-US" sz="3000" b="1" i="0" u="none" strike="noStrike" cap="none" dirty="0">
-                <a:solidFill>
-                  <a:schemeClr val="lt1"/>
-                </a:solidFill>
-                <a:latin typeface="Courier New"/>
-                <a:ea typeface="Courier New"/>
-                <a:cs typeface="Courier New"/>
+              <a:rPr lang="en-US" sz="3000" i="0" u="none" strike="noStrike" cap="none" dirty="0">
+                <a:solidFill>
+                  <a:schemeClr val="lt1"/>
+                </a:solidFill>
+                <a:latin typeface="Courier"/>
+                <a:ea typeface="Courier New"/>
+                <a:cs typeface="Courier"/>
                 <a:sym typeface="Courier New"/>
               </a:rPr>
               <a:t>Joseph</a:t>
@@ -11199,37 +11055,37 @@
               <a:buNone/>
             </a:pPr>
             <a:r>
-              <a:rPr lang="en-US" sz="3000" b="1" i="0" u="none" strike="noStrike" cap="none" dirty="0">
-                <a:solidFill>
-                  <a:schemeClr val="lt1"/>
-                </a:solidFill>
-                <a:latin typeface="Courier New"/>
-                <a:ea typeface="Courier New"/>
-                <a:cs typeface="Courier New"/>
+              <a:rPr lang="en-US" sz="3000" i="0" u="none" strike="noStrike" cap="none" dirty="0">
+                <a:solidFill>
+                  <a:schemeClr val="lt1"/>
+                </a:solidFill>
+                <a:latin typeface="Courier"/>
+                <a:ea typeface="Courier New"/>
+                <a:cs typeface="Courier"/>
                 <a:sym typeface="Courier New"/>
               </a:rPr>
               <a:t>&gt;&gt;&gt; </a:t>
             </a:r>
             <a:r>
-              <a:rPr lang="en-US" sz="3000" b="1" i="0" u="none" strike="noStrike" cap="none" dirty="0">
+              <a:rPr lang="en-US" sz="3000" i="0" u="none" strike="noStrike" cap="none" dirty="0">
                 <a:solidFill>
                   <a:srgbClr val="00FF00"/>
                 </a:solidFill>
-                <a:latin typeface="Courier New"/>
-                <a:ea typeface="Courier New"/>
-                <a:cs typeface="Courier New"/>
+                <a:latin typeface="Courier"/>
+                <a:ea typeface="Courier New"/>
+                <a:cs typeface="Courier"/>
                 <a:sym typeface="Courier New"/>
               </a:rPr>
               <a:t>y</a:t>
             </a:r>
             <a:r>
-              <a:rPr lang="en-US" sz="3000" b="1" i="0" u="none" strike="noStrike" cap="none" dirty="0">
-                <a:solidFill>
-                  <a:schemeClr val="lt1"/>
-                </a:solidFill>
-                <a:latin typeface="Courier New"/>
-                <a:ea typeface="Courier New"/>
-                <a:cs typeface="Courier New"/>
+              <a:rPr lang="en-US" sz="3000" i="0" u="none" strike="noStrike" cap="none" dirty="0">
+                <a:solidFill>
+                  <a:schemeClr val="lt1"/>
+                </a:solidFill>
+                <a:latin typeface="Courier"/>
+                <a:ea typeface="Courier New"/>
+                <a:cs typeface="Courier"/>
                 <a:sym typeface="Courier New"/>
               </a:rPr>
               <a:t> = ( 1, 9, 2 )</a:t>
@@ -11243,60 +11099,60 @@
               <a:buSzPct val="25000"/>
             </a:pPr>
             <a:r>
-              <a:rPr lang="en-US" sz="3000" b="1" i="0" u="none" strike="noStrike" cap="none" dirty="0">
-                <a:solidFill>
-                  <a:schemeClr val="lt1"/>
-                </a:solidFill>
-                <a:latin typeface="Courier New"/>
-                <a:ea typeface="Courier New"/>
-                <a:cs typeface="Courier New"/>
+              <a:rPr lang="en-US" sz="3000" i="0" u="none" strike="noStrike" cap="none" dirty="0">
+                <a:solidFill>
+                  <a:schemeClr val="lt1"/>
+                </a:solidFill>
+                <a:latin typeface="Courier"/>
+                <a:ea typeface="Courier New"/>
+                <a:cs typeface="Courier"/>
                 <a:sym typeface="Courier New"/>
               </a:rPr>
               <a:t>&gt;&gt;&gt; </a:t>
             </a:r>
             <a:r>
-              <a:rPr lang="en-US" sz="3000" b="1" i="0" u="none" strike="noStrike" cap="none" dirty="0" smtClean="0">
+              <a:rPr lang="en-US" sz="3000" i="0" u="none" strike="noStrike" cap="none" dirty="0" smtClean="0">
                 <a:solidFill>
                   <a:srgbClr val="FFFF00"/>
                 </a:solidFill>
-                <a:latin typeface="Courier New"/>
-                <a:ea typeface="Courier New"/>
-                <a:cs typeface="Courier New"/>
+                <a:latin typeface="Courier"/>
+                <a:ea typeface="Courier New"/>
+                <a:cs typeface="Courier"/>
                 <a:sym typeface="Courier New"/>
               </a:rPr>
               <a:t>print(</a:t>
             </a:r>
             <a:r>
-              <a:rPr lang="en-US" sz="3000" b="1" i="0" u="none" strike="noStrike" cap="none" dirty="0" smtClean="0">
+              <a:rPr lang="en-US" sz="3000" i="0" u="none" strike="noStrike" cap="none" dirty="0" smtClean="0">
                 <a:solidFill>
                   <a:srgbClr val="00FF00"/>
                 </a:solidFill>
-                <a:latin typeface="Courier New"/>
-                <a:ea typeface="Courier New"/>
-                <a:cs typeface="Courier New"/>
+                <a:latin typeface="Courier"/>
+                <a:ea typeface="Courier New"/>
+                <a:cs typeface="Courier"/>
                 <a:sym typeface="Courier New"/>
               </a:rPr>
               <a:t>y</a:t>
             </a:r>
             <a:r>
-              <a:rPr lang="en-US" sz="3000" b="1" dirty="0" smtClean="0">
+              <a:rPr lang="en-US" sz="3000" dirty="0" smtClean="0">
                 <a:solidFill>
                   <a:srgbClr val="FFFF00"/>
                 </a:solidFill>
-                <a:latin typeface="Courier New"/>
-                <a:ea typeface="Courier New"/>
-                <a:cs typeface="Courier New"/>
+                <a:latin typeface="Courier"/>
+                <a:ea typeface="Courier New"/>
+                <a:cs typeface="Courier"/>
                 <a:sym typeface="Courier New"/>
               </a:rPr>
               <a:t>)</a:t>
             </a:r>
-            <a:endParaRPr lang="en-US" sz="3000" b="1" i="0" u="none" strike="noStrike" cap="none" dirty="0">
+            <a:endParaRPr lang="en-US" sz="3000" i="0" u="none" strike="noStrike" cap="none" dirty="0">
               <a:solidFill>
                 <a:srgbClr val="00FF00"/>
               </a:solidFill>
-              <a:latin typeface="Courier New"/>
+              <a:latin typeface="Courier"/>
               <a:ea typeface="Courier New"/>
-              <a:cs typeface="Courier New"/>
+              <a:cs typeface="Courier"/>
               <a:sym typeface="Courier New"/>
             </a:endParaRPr>
           </a:p>
@@ -11319,13 +11175,13 @@
               <a:buNone/>
             </a:pPr>
             <a:r>
-              <a:rPr lang="en-US" sz="3000" b="1" i="0" u="none" strike="noStrike" cap="none" dirty="0">
-                <a:solidFill>
-                  <a:schemeClr val="lt1"/>
-                </a:solidFill>
-                <a:latin typeface="Courier New"/>
-                <a:ea typeface="Courier New"/>
-                <a:cs typeface="Courier New"/>
+              <a:rPr lang="en-US" sz="3000" i="0" u="none" strike="noStrike" cap="none" dirty="0">
+                <a:solidFill>
+                  <a:schemeClr val="lt1"/>
+                </a:solidFill>
+                <a:latin typeface="Courier"/>
+                <a:ea typeface="Courier New"/>
+                <a:cs typeface="Courier"/>
                 <a:sym typeface="Courier New"/>
               </a:rPr>
               <a:t>(1, 9, 2)</a:t>
@@ -11339,96 +11195,96 @@
               <a:buSzPct val="25000"/>
             </a:pPr>
             <a:r>
-              <a:rPr lang="en-US" sz="3000" b="1" i="0" u="none" strike="noStrike" cap="none" dirty="0">
-                <a:solidFill>
-                  <a:schemeClr val="lt1"/>
-                </a:solidFill>
-                <a:latin typeface="Courier New"/>
-                <a:ea typeface="Courier New"/>
-                <a:cs typeface="Courier New"/>
+              <a:rPr lang="en-US" sz="3000" i="0" u="none" strike="noStrike" cap="none" dirty="0">
+                <a:solidFill>
+                  <a:schemeClr val="lt1"/>
+                </a:solidFill>
+                <a:latin typeface="Courier"/>
+                <a:ea typeface="Courier New"/>
+                <a:cs typeface="Courier"/>
                 <a:sym typeface="Courier New"/>
               </a:rPr>
               <a:t>&gt;&gt;&gt; </a:t>
             </a:r>
             <a:r>
-              <a:rPr lang="en-US" sz="3000" b="1" i="0" u="none" strike="noStrike" cap="none" dirty="0" smtClean="0">
+              <a:rPr lang="en-US" sz="3000" i="0" u="none" strike="noStrike" cap="none" dirty="0" smtClean="0">
                 <a:solidFill>
                   <a:srgbClr val="FFFF00"/>
                 </a:solidFill>
-                <a:latin typeface="Courier New"/>
-                <a:ea typeface="Courier New"/>
-                <a:cs typeface="Courier New"/>
+                <a:latin typeface="Courier"/>
+                <a:ea typeface="Courier New"/>
+                <a:cs typeface="Courier"/>
                 <a:sym typeface="Courier New"/>
               </a:rPr>
               <a:t>print(</a:t>
             </a:r>
             <a:r>
-              <a:rPr lang="en-US" sz="3000" b="1" i="0" u="none" strike="noStrike" cap="none" dirty="0" smtClean="0">
+              <a:rPr lang="en-US" sz="3000" i="0" u="none" strike="noStrike" cap="none" dirty="0" smtClean="0">
                 <a:solidFill>
                   <a:srgbClr val="FF00FF"/>
                 </a:solidFill>
-                <a:latin typeface="Courier New"/>
-                <a:ea typeface="Courier New"/>
-                <a:cs typeface="Courier New"/>
+                <a:latin typeface="Courier"/>
+                <a:ea typeface="Courier New"/>
+                <a:cs typeface="Courier"/>
                 <a:sym typeface="Courier New"/>
               </a:rPr>
               <a:t>max</a:t>
             </a:r>
             <a:r>
-              <a:rPr lang="en-US" sz="3000" b="1" i="0" u="none" strike="noStrike" cap="none" dirty="0" smtClean="0">
-                <a:solidFill>
-                  <a:schemeClr val="lt1"/>
-                </a:solidFill>
-                <a:latin typeface="Courier New"/>
-                <a:ea typeface="Courier New"/>
-                <a:cs typeface="Courier New"/>
+              <a:rPr lang="en-US" sz="3000" i="0" u="none" strike="noStrike" cap="none" dirty="0" smtClean="0">
+                <a:solidFill>
+                  <a:schemeClr val="lt1"/>
+                </a:solidFill>
+                <a:latin typeface="Courier"/>
+                <a:ea typeface="Courier New"/>
+                <a:cs typeface="Courier"/>
                 <a:sym typeface="Courier New"/>
               </a:rPr>
               <a:t>(</a:t>
             </a:r>
             <a:r>
-              <a:rPr lang="en-US" sz="3000" b="1" i="0" u="none" strike="noStrike" cap="none" dirty="0" smtClean="0">
+              <a:rPr lang="en-US" sz="3000" i="0" u="none" strike="noStrike" cap="none" dirty="0" smtClean="0">
                 <a:solidFill>
                   <a:srgbClr val="00FF00"/>
                 </a:solidFill>
-                <a:latin typeface="Courier New"/>
-                <a:ea typeface="Courier New"/>
-                <a:cs typeface="Courier New"/>
+                <a:latin typeface="Courier"/>
+                <a:ea typeface="Courier New"/>
+                <a:cs typeface="Courier"/>
                 <a:sym typeface="Courier New"/>
               </a:rPr>
               <a:t>y</a:t>
             </a:r>
             <a:r>
-              <a:rPr lang="en-US" sz="3000" b="1" i="0" u="none" strike="noStrike" cap="none" dirty="0" smtClean="0">
-                <a:solidFill>
-                  <a:schemeClr val="lt1"/>
-                </a:solidFill>
-                <a:latin typeface="Courier New"/>
-                <a:ea typeface="Courier New"/>
-                <a:cs typeface="Courier New"/>
+              <a:rPr lang="en-US" sz="3000" i="0" u="none" strike="noStrike" cap="none" dirty="0" smtClean="0">
+                <a:solidFill>
+                  <a:schemeClr val="lt1"/>
+                </a:solidFill>
+                <a:latin typeface="Courier"/>
+                <a:ea typeface="Courier New"/>
+                <a:cs typeface="Courier"/>
                 <a:sym typeface="Courier New"/>
               </a:rPr>
               <a:t>)</a:t>
             </a:r>
             <a:r>
-              <a:rPr lang="en-US" sz="3000" b="1" dirty="0" smtClean="0">
+              <a:rPr lang="en-US" sz="3000" dirty="0" smtClean="0">
                 <a:solidFill>
                   <a:srgbClr val="FFFF00"/>
                 </a:solidFill>
-                <a:latin typeface="Courier New"/>
-                <a:ea typeface="Courier New"/>
-                <a:cs typeface="Courier New"/>
+                <a:latin typeface="Courier"/>
+                <a:ea typeface="Courier New"/>
+                <a:cs typeface="Courier"/>
                 <a:sym typeface="Courier New"/>
               </a:rPr>
               <a:t>)</a:t>
             </a:r>
-            <a:endParaRPr lang="en-US" sz="3000" b="1" i="0" u="none" strike="noStrike" cap="none" dirty="0">
+            <a:endParaRPr lang="en-US" sz="3000" i="0" u="none" strike="noStrike" cap="none" dirty="0">
               <a:solidFill>
                 <a:schemeClr val="lt1"/>
               </a:solidFill>
-              <a:latin typeface="Courier New"/>
+              <a:latin typeface="Courier"/>
               <a:ea typeface="Courier New"/>
-              <a:cs typeface="Courier New"/>
+              <a:cs typeface="Courier"/>
               <a:sym typeface="Courier New"/>
             </a:endParaRPr>
           </a:p>
@@ -11451,13 +11307,13 @@
               <a:buNone/>
             </a:pPr>
             <a:r>
-              <a:rPr lang="en-US" sz="3000" b="1" i="0" u="none" strike="noStrike" cap="none" dirty="0">
-                <a:solidFill>
-                  <a:schemeClr val="lt1"/>
-                </a:solidFill>
-                <a:latin typeface="Courier New"/>
-                <a:ea typeface="Courier New"/>
-                <a:cs typeface="Courier New"/>
+              <a:rPr lang="en-US" sz="3000" i="0" u="none" strike="noStrike" cap="none" dirty="0">
+                <a:solidFill>
+                  <a:schemeClr val="lt1"/>
+                </a:solidFill>
+                <a:latin typeface="Courier"/>
+                <a:ea typeface="Courier New"/>
+                <a:cs typeface="Courier"/>
                 <a:sym typeface="Courier New"/>
               </a:rPr>
               <a:t>9</a:t>
@@ -11508,109 +11364,109 @@
               <a:buNone/>
             </a:pPr>
             <a:r>
-              <a:rPr lang="en-US" sz="3000" b="1" i="0" u="none" strike="noStrike" cap="none" dirty="0">
-                <a:solidFill>
-                  <a:schemeClr val="lt1"/>
-                </a:solidFill>
-                <a:latin typeface="Courier New"/>
-                <a:ea typeface="Courier New"/>
-                <a:cs typeface="Courier New"/>
+              <a:rPr lang="en-US" sz="3000" i="0" u="none" strike="noStrike" cap="none" dirty="0">
+                <a:solidFill>
+                  <a:schemeClr val="lt1"/>
+                </a:solidFill>
+                <a:latin typeface="Courier"/>
+                <a:ea typeface="Courier New"/>
+                <a:cs typeface="Courier"/>
                 <a:sym typeface="Courier New"/>
               </a:rPr>
               <a:t>&gt;&gt;&gt; </a:t>
             </a:r>
             <a:r>
-              <a:rPr lang="en-US" sz="3000" b="1" i="0" u="none" strike="noStrike" cap="none" dirty="0">
+              <a:rPr lang="en-US" sz="3000" i="0" u="none" strike="noStrike" cap="none" dirty="0">
                 <a:solidFill>
                   <a:srgbClr val="FFFF00"/>
                 </a:solidFill>
-                <a:latin typeface="Courier New"/>
-                <a:ea typeface="Courier New"/>
-                <a:cs typeface="Courier New"/>
+                <a:latin typeface="Courier"/>
+                <a:ea typeface="Courier New"/>
+                <a:cs typeface="Courier"/>
                 <a:sym typeface="Courier New"/>
               </a:rPr>
               <a:t>for</a:t>
             </a:r>
             <a:r>
-              <a:rPr lang="en-US" sz="3000" b="1" i="0" u="none" strike="noStrike" cap="none" dirty="0">
-                <a:solidFill>
-                  <a:schemeClr val="lt1"/>
-                </a:solidFill>
-                <a:latin typeface="Courier New"/>
-                <a:ea typeface="Courier New"/>
-                <a:cs typeface="Courier New"/>
+              <a:rPr lang="en-US" sz="3000" i="0" u="none" strike="noStrike" cap="none" dirty="0">
+                <a:solidFill>
+                  <a:schemeClr val="lt1"/>
+                </a:solidFill>
+                <a:latin typeface="Courier"/>
+                <a:ea typeface="Courier New"/>
+                <a:cs typeface="Courier"/>
                 <a:sym typeface="Courier New"/>
               </a:rPr>
               <a:t> </a:t>
             </a:r>
             <a:r>
-              <a:rPr lang="en-US" sz="3000" b="1" i="0" u="none" strike="noStrike" cap="none" dirty="0" err="1">
+              <a:rPr lang="en-US" sz="3000" i="0" u="none" strike="noStrike" cap="none" dirty="0" err="1">
                 <a:solidFill>
                   <a:srgbClr val="00FFFF"/>
                 </a:solidFill>
-                <a:latin typeface="Courier New"/>
-                <a:ea typeface="Courier New"/>
-                <a:cs typeface="Courier New"/>
+                <a:latin typeface="Courier"/>
+                <a:ea typeface="Courier New"/>
+                <a:cs typeface="Courier"/>
                 <a:sym typeface="Courier New"/>
               </a:rPr>
               <a:t>iter</a:t>
             </a:r>
             <a:r>
-              <a:rPr lang="en-US" sz="3000" b="1" i="0" u="none" strike="noStrike" cap="none" dirty="0">
-                <a:solidFill>
-                  <a:schemeClr val="lt1"/>
-                </a:solidFill>
-                <a:latin typeface="Courier New"/>
-                <a:ea typeface="Courier New"/>
-                <a:cs typeface="Courier New"/>
+              <a:rPr lang="en-US" sz="3000" i="0" u="none" strike="noStrike" cap="none" dirty="0">
+                <a:solidFill>
+                  <a:schemeClr val="lt1"/>
+                </a:solidFill>
+                <a:latin typeface="Courier"/>
+                <a:ea typeface="Courier New"/>
+                <a:cs typeface="Courier"/>
                 <a:sym typeface="Courier New"/>
               </a:rPr>
               <a:t> </a:t>
             </a:r>
             <a:r>
-              <a:rPr lang="en-US" sz="3000" b="1" i="0" u="none" strike="noStrike" cap="none" dirty="0">
+              <a:rPr lang="en-US" sz="3000" i="0" u="none" strike="noStrike" cap="none" dirty="0">
                 <a:solidFill>
                   <a:srgbClr val="FFFF00"/>
                 </a:solidFill>
-                <a:latin typeface="Courier New"/>
-                <a:ea typeface="Courier New"/>
-                <a:cs typeface="Courier New"/>
+                <a:latin typeface="Courier"/>
+                <a:ea typeface="Courier New"/>
+                <a:cs typeface="Courier"/>
                 <a:sym typeface="Courier New"/>
               </a:rPr>
               <a:t>in</a:t>
             </a:r>
             <a:r>
-              <a:rPr lang="en-US" sz="3000" b="1" i="0" u="none" strike="noStrike" cap="none" dirty="0">
-                <a:solidFill>
-                  <a:schemeClr val="lt1"/>
-                </a:solidFill>
-                <a:latin typeface="Courier New"/>
-                <a:ea typeface="Courier New"/>
-                <a:cs typeface="Courier New"/>
+              <a:rPr lang="en-US" sz="3000" i="0" u="none" strike="noStrike" cap="none" dirty="0">
+                <a:solidFill>
+                  <a:schemeClr val="lt1"/>
+                </a:solidFill>
+                <a:latin typeface="Courier"/>
+                <a:ea typeface="Courier New"/>
+                <a:cs typeface="Courier"/>
                 <a:sym typeface="Courier New"/>
               </a:rPr>
               <a:t> </a:t>
             </a:r>
             <a:r>
-              <a:rPr lang="en-US" sz="3000" b="1" i="0" u="none" strike="noStrike" cap="none" dirty="0">
+              <a:rPr lang="en-US" sz="3000" i="0" u="none" strike="noStrike" cap="none" dirty="0">
                 <a:solidFill>
                   <a:srgbClr val="FF00FF"/>
                 </a:solidFill>
-                <a:latin typeface="Courier New"/>
-                <a:ea typeface="Courier New"/>
-                <a:cs typeface="Courier New"/>
+                <a:latin typeface="Courier"/>
+                <a:ea typeface="Courier New"/>
+                <a:cs typeface="Courier"/>
                 <a:sym typeface="Courier New"/>
               </a:rPr>
               <a:t>y</a:t>
             </a:r>
             <a:r>
-              <a:rPr lang="en-US" sz="3000" b="1" i="0" u="none" strike="noStrike" cap="none" dirty="0">
-                <a:solidFill>
-                  <a:schemeClr val="lt1"/>
-                </a:solidFill>
-                <a:latin typeface="Courier New"/>
-                <a:ea typeface="Courier New"/>
-                <a:cs typeface="Courier New"/>
+              <a:rPr lang="en-US" sz="3000" i="0" u="none" strike="noStrike" cap="none" dirty="0">
+                <a:solidFill>
+                  <a:schemeClr val="lt1"/>
+                </a:solidFill>
+                <a:latin typeface="Courier"/>
+                <a:ea typeface="Courier New"/>
+                <a:cs typeface="Courier"/>
                 <a:sym typeface="Courier New"/>
               </a:rPr>
               <a:t>:</a:t>
@@ -11635,72 +11491,72 @@
               <a:buNone/>
             </a:pPr>
             <a:r>
-              <a:rPr lang="en-US" sz="3000" b="1" i="0" u="none" strike="noStrike" cap="none" dirty="0">
-                <a:solidFill>
-                  <a:schemeClr val="lt1"/>
-                </a:solidFill>
-                <a:latin typeface="Courier New"/>
-                <a:ea typeface="Courier New"/>
-                <a:cs typeface="Courier New"/>
+              <a:rPr lang="en-US" sz="3000" i="0" u="none" strike="noStrike" cap="none" dirty="0">
+                <a:solidFill>
+                  <a:schemeClr val="lt1"/>
+                </a:solidFill>
+                <a:latin typeface="Courier"/>
+                <a:ea typeface="Courier New"/>
+                <a:cs typeface="Courier"/>
                 <a:sym typeface="Courier New"/>
               </a:rPr>
               <a:t>... </a:t>
             </a:r>
             <a:r>
-              <a:rPr lang="en-US" sz="3000" b="1" i="0" u="none" strike="noStrike" cap="none" dirty="0" smtClean="0">
-                <a:solidFill>
-                  <a:schemeClr val="lt1"/>
-                </a:solidFill>
-                <a:latin typeface="Courier New"/>
-                <a:ea typeface="Courier New"/>
-                <a:cs typeface="Courier New"/>
+              <a:rPr lang="en-US" sz="3000" i="0" u="none" strike="noStrike" cap="none" dirty="0" smtClean="0">
+                <a:solidFill>
+                  <a:schemeClr val="lt1"/>
+                </a:solidFill>
+                <a:latin typeface="Courier"/>
+                <a:ea typeface="Courier New"/>
+                <a:cs typeface="Courier"/>
                 <a:sym typeface="Courier New"/>
               </a:rPr>
               <a:t>    </a:t>
             </a:r>
             <a:r>
-              <a:rPr lang="en-US" sz="3000" b="1" i="0" u="none" strike="noStrike" cap="none" dirty="0" smtClean="0">
+              <a:rPr lang="en-US" sz="3000" i="0" u="none" strike="noStrike" cap="none" dirty="0" smtClean="0">
                 <a:solidFill>
                   <a:srgbClr val="FFFF00"/>
                 </a:solidFill>
-                <a:latin typeface="Courier New"/>
-                <a:ea typeface="Courier New"/>
-                <a:cs typeface="Courier New"/>
+                <a:latin typeface="Courier"/>
+                <a:ea typeface="Courier New"/>
+                <a:cs typeface="Courier"/>
                 <a:sym typeface="Courier New"/>
               </a:rPr>
               <a:t>print(</a:t>
             </a:r>
             <a:r>
-              <a:rPr lang="en-US" sz="3000" b="1" i="0" u="none" strike="noStrike" cap="none" dirty="0" err="1" smtClean="0">
+              <a:rPr lang="en-US" sz="3000" i="0" u="none" strike="noStrike" cap="none" dirty="0" err="1" smtClean="0">
                 <a:solidFill>
                   <a:srgbClr val="00FFFF"/>
                 </a:solidFill>
-                <a:latin typeface="Courier New"/>
-                <a:ea typeface="Courier New"/>
-                <a:cs typeface="Courier New"/>
+                <a:latin typeface="Courier"/>
+                <a:ea typeface="Courier New"/>
+                <a:cs typeface="Courier"/>
                 <a:sym typeface="Courier New"/>
               </a:rPr>
               <a:t>iter</a:t>
             </a:r>
             <a:r>
-              <a:rPr lang="en-US" sz="3000" b="1" i="0" u="none" strike="noStrike" cap="none" dirty="0" smtClean="0">
+              <a:rPr lang="en-US" sz="3000" i="0" u="none" strike="noStrike" cap="none" dirty="0" smtClean="0">
                 <a:solidFill>
                   <a:srgbClr val="FFFF00"/>
                 </a:solidFill>
-                <a:latin typeface="Courier New"/>
-                <a:ea typeface="Courier New"/>
-                <a:cs typeface="Courier New"/>
+                <a:latin typeface="Courier"/>
+                <a:ea typeface="Courier New"/>
+                <a:cs typeface="Courier"/>
                 <a:sym typeface="Courier New"/>
               </a:rPr>
               <a:t>)</a:t>
             </a:r>
-            <a:endParaRPr lang="en-US" sz="3000" b="1" i="0" u="none" strike="noStrike" cap="none" dirty="0">
+            <a:endParaRPr lang="en-US" sz="3000" i="0" u="none" strike="noStrike" cap="none" dirty="0">
               <a:solidFill>
                 <a:srgbClr val="FFFF00"/>
               </a:solidFill>
-              <a:latin typeface="Courier New"/>
+              <a:latin typeface="Courier"/>
               <a:ea typeface="Courier New"/>
-              <a:cs typeface="Courier New"/>
+              <a:cs typeface="Courier"/>
               <a:sym typeface="Courier New"/>
             </a:endParaRPr>
           </a:p>
@@ -11723,13 +11579,13 @@
               <a:buNone/>
             </a:pPr>
             <a:r>
-              <a:rPr lang="en-US" sz="3000" b="1" i="0" u="none" strike="noStrike" cap="none" dirty="0">
-                <a:solidFill>
-                  <a:schemeClr val="lt1"/>
-                </a:solidFill>
-                <a:latin typeface="Courier New"/>
-                <a:ea typeface="Courier New"/>
-                <a:cs typeface="Courier New"/>
+              <a:rPr lang="en-US" sz="3000" i="0" u="none" strike="noStrike" cap="none" dirty="0">
+                <a:solidFill>
+                  <a:schemeClr val="lt1"/>
+                </a:solidFill>
+                <a:latin typeface="Courier"/>
+                <a:ea typeface="Courier New"/>
+                <a:cs typeface="Courier"/>
                 <a:sym typeface="Courier New"/>
               </a:rPr>
               <a:t>... </a:t>
@@ -11754,13 +11610,13 @@
               <a:buNone/>
             </a:pPr>
             <a:r>
-              <a:rPr lang="en-US" sz="3000" b="1" i="0" u="none" strike="noStrike" cap="none" dirty="0">
-                <a:solidFill>
-                  <a:schemeClr val="lt1"/>
-                </a:solidFill>
-                <a:latin typeface="Courier New"/>
-                <a:ea typeface="Courier New"/>
-                <a:cs typeface="Courier New"/>
+              <a:rPr lang="en-US" sz="3000" i="0" u="none" strike="noStrike" cap="none" dirty="0">
+                <a:solidFill>
+                  <a:schemeClr val="lt1"/>
+                </a:solidFill>
+                <a:latin typeface="Courier"/>
+                <a:ea typeface="Courier New"/>
+                <a:cs typeface="Courier"/>
                 <a:sym typeface="Courier New"/>
               </a:rPr>
               <a:t>1</a:t>
@@ -11785,13 +11641,13 @@
               <a:buNone/>
             </a:pPr>
             <a:r>
-              <a:rPr lang="en-US" sz="3000" b="1" i="0" u="none" strike="noStrike" cap="none" dirty="0">
-                <a:solidFill>
-                  <a:schemeClr val="lt1"/>
-                </a:solidFill>
-                <a:latin typeface="Courier New"/>
-                <a:ea typeface="Courier New"/>
-                <a:cs typeface="Courier New"/>
+              <a:rPr lang="en-US" sz="3000" i="0" u="none" strike="noStrike" cap="none" dirty="0">
+                <a:solidFill>
+                  <a:schemeClr val="lt1"/>
+                </a:solidFill>
+                <a:latin typeface="Courier"/>
+                <a:ea typeface="Courier New"/>
+                <a:cs typeface="Courier"/>
                 <a:sym typeface="Courier New"/>
               </a:rPr>
               <a:t>9</a:t>
@@ -11816,13 +11672,13 @@
               <a:buNone/>
             </a:pPr>
             <a:r>
-              <a:rPr lang="en-US" sz="3000" b="1" i="0" u="none" strike="noStrike" cap="none" dirty="0">
-                <a:solidFill>
-                  <a:schemeClr val="lt1"/>
-                </a:solidFill>
-                <a:latin typeface="Courier New"/>
-                <a:ea typeface="Courier New"/>
-                <a:cs typeface="Courier New"/>
+              <a:rPr lang="en-US" sz="3000" i="0" u="none" strike="noStrike" cap="none" dirty="0">
+                <a:solidFill>
+                  <a:schemeClr val="lt1"/>
+                </a:solidFill>
+                <a:latin typeface="Courier"/>
+                <a:ea typeface="Courier New"/>
+                <a:cs typeface="Courier"/>
                 <a:sym typeface="Courier New"/>
               </a:rPr>
               <a:t>2</a:t>
@@ -11847,13 +11703,13 @@
               <a:buNone/>
             </a:pPr>
             <a:r>
-              <a:rPr lang="en-US" sz="3000" b="1" i="0" u="none" strike="noStrike" cap="none" dirty="0">
-                <a:solidFill>
-                  <a:schemeClr val="lt1"/>
-                </a:solidFill>
-                <a:latin typeface="Courier New"/>
-                <a:ea typeface="Courier New"/>
-                <a:cs typeface="Courier New"/>
+              <a:rPr lang="en-US" sz="3000" i="0" u="none" strike="noStrike" cap="none" dirty="0">
+                <a:solidFill>
+                  <a:schemeClr val="lt1"/>
+                </a:solidFill>
+                <a:latin typeface="Courier"/>
+                <a:ea typeface="Courier New"/>
+                <a:cs typeface="Courier"/>
                 <a:sym typeface="Courier New"/>
               </a:rPr>
               <a:t>&gt;&gt;&gt; </a:t>
@@ -11869,7 +11725,7 @@
   <p:timing>
     <p:tnLst>
       <p:par>
-        <p:cTn id="1" dur="indefinite" restart="never" nodeType="tmRoot"/>
+        <p:cTn xmlns:p14="http://schemas.microsoft.com/office/powerpoint/2010/main" id="1" dur="indefinite" restart="never" nodeType="tmRoot"/>
       </p:par>
     </p:tnLst>
   </p:timing>
@@ -12101,37 +11957,37 @@
               <a:buNone/>
             </a:pPr>
             <a:r>
-              <a:rPr lang="en-US" sz="3000" b="1" i="0" u="none" strike="noStrike" cap="none" dirty="0">
-                <a:solidFill>
-                  <a:schemeClr val="lt1"/>
-                </a:solidFill>
-                <a:latin typeface="Courier New"/>
-                <a:ea typeface="Courier New"/>
-                <a:cs typeface="Courier New"/>
+              <a:rPr lang="en-US" sz="3000" i="0" u="none" strike="noStrike" cap="none" dirty="0">
+                <a:solidFill>
+                  <a:schemeClr val="lt1"/>
+                </a:solidFill>
+                <a:latin typeface="Courier"/>
+                <a:ea typeface="Courier New"/>
+                <a:cs typeface="Courier"/>
                 <a:sym typeface="Courier New"/>
               </a:rPr>
               <a:t>&gt;&gt;&gt; </a:t>
             </a:r>
             <a:r>
-              <a:rPr lang="en-US" sz="3000" b="1" i="0" u="none" strike="noStrike" cap="none" dirty="0">
+              <a:rPr lang="en-US" sz="3000" i="0" u="none" strike="noStrike" cap="none" dirty="0">
                 <a:solidFill>
                   <a:srgbClr val="00FF00"/>
                 </a:solidFill>
-                <a:latin typeface="Courier New"/>
-                <a:ea typeface="Courier New"/>
-                <a:cs typeface="Courier New"/>
+                <a:latin typeface="Courier"/>
+                <a:ea typeface="Courier New"/>
+                <a:cs typeface="Courier"/>
                 <a:sym typeface="Courier New"/>
               </a:rPr>
               <a:t>x</a:t>
             </a:r>
             <a:r>
-              <a:rPr lang="en-US" sz="3000" b="1" i="0" u="none" strike="noStrike" cap="none" dirty="0">
-                <a:solidFill>
-                  <a:schemeClr val="lt1"/>
-                </a:solidFill>
-                <a:latin typeface="Courier New"/>
-                <a:ea typeface="Courier New"/>
-                <a:cs typeface="Courier New"/>
+              <a:rPr lang="en-US" sz="3000" i="0" u="none" strike="noStrike" cap="none" dirty="0">
+                <a:solidFill>
+                  <a:schemeClr val="lt1"/>
+                </a:solidFill>
+                <a:latin typeface="Courier"/>
+                <a:ea typeface="Courier New"/>
+                <a:cs typeface="Courier"/>
                 <a:sym typeface="Courier New"/>
               </a:rPr>
               <a:t> = [9, 8, 7]</a:t>
@@ -12156,49 +12012,49 @@
               <a:buNone/>
             </a:pPr>
             <a:r>
-              <a:rPr lang="en-US" sz="3000" b="1" i="0" u="none" strike="noStrike" cap="none" dirty="0">
-                <a:solidFill>
-                  <a:schemeClr val="lt1"/>
-                </a:solidFill>
-                <a:latin typeface="Courier New"/>
-                <a:ea typeface="Courier New"/>
-                <a:cs typeface="Courier New"/>
+              <a:rPr lang="en-US" sz="3000" i="0" u="none" strike="noStrike" cap="none" dirty="0">
+                <a:solidFill>
+                  <a:schemeClr val="lt1"/>
+                </a:solidFill>
+                <a:latin typeface="Courier"/>
+                <a:ea typeface="Courier New"/>
+                <a:cs typeface="Courier"/>
                 <a:sym typeface="Courier New"/>
               </a:rPr>
               <a:t>&gt;&gt;&gt; </a:t>
             </a:r>
             <a:r>
-              <a:rPr lang="en-US" sz="3000" b="1" i="0" u="none" strike="noStrike" cap="none" dirty="0">
+              <a:rPr lang="en-US" sz="3000" i="0" u="none" strike="noStrike" cap="none" dirty="0">
                 <a:solidFill>
                   <a:srgbClr val="00FF00"/>
                 </a:solidFill>
-                <a:latin typeface="Courier New"/>
-                <a:ea typeface="Courier New"/>
-                <a:cs typeface="Courier New"/>
+                <a:latin typeface="Courier"/>
+                <a:ea typeface="Courier New"/>
+                <a:cs typeface="Courier"/>
                 <a:sym typeface="Courier New"/>
               </a:rPr>
               <a:t>x</a:t>
             </a:r>
             <a:r>
-              <a:rPr lang="en-US" sz="3000" b="1" i="0" u="none" strike="noStrike" cap="none" dirty="0">
+              <a:rPr lang="en-US" sz="3000" i="0" u="none" strike="noStrike" cap="none" dirty="0">
                 <a:solidFill>
                   <a:srgbClr val="00FFFF"/>
                 </a:solidFill>
-                <a:latin typeface="Courier New"/>
-                <a:ea typeface="Courier New"/>
-                <a:cs typeface="Courier New"/>
+                <a:latin typeface="Courier"/>
+                <a:ea typeface="Courier New"/>
+                <a:cs typeface="Courier"/>
                 <a:sym typeface="Courier New"/>
               </a:rPr>
               <a:t>[2]</a:t>
             </a:r>
             <a:r>
-              <a:rPr lang="en-US" sz="3000" b="1" i="0" u="none" strike="noStrike" cap="none" dirty="0">
-                <a:solidFill>
-                  <a:schemeClr val="lt1"/>
-                </a:solidFill>
-                <a:latin typeface="Courier New"/>
-                <a:ea typeface="Courier New"/>
-                <a:cs typeface="Courier New"/>
+              <a:rPr lang="en-US" sz="3000" i="0" u="none" strike="noStrike" cap="none" dirty="0">
+                <a:solidFill>
+                  <a:schemeClr val="lt1"/>
+                </a:solidFill>
+                <a:latin typeface="Courier"/>
+                <a:ea typeface="Courier New"/>
+                <a:cs typeface="Courier"/>
                 <a:sym typeface="Courier New"/>
               </a:rPr>
               <a:t> = 6</a:t>
@@ -12212,60 +12068,60 @@
               <a:buSzPct val="25000"/>
             </a:pPr>
             <a:r>
-              <a:rPr lang="en-US" sz="3000" b="1" i="0" u="none" strike="noStrike" cap="none" dirty="0">
-                <a:solidFill>
-                  <a:schemeClr val="lt1"/>
-                </a:solidFill>
-                <a:latin typeface="Courier New"/>
-                <a:ea typeface="Courier New"/>
-                <a:cs typeface="Courier New"/>
+              <a:rPr lang="en-US" sz="3000" i="0" u="none" strike="noStrike" cap="none" dirty="0">
+                <a:solidFill>
+                  <a:schemeClr val="lt1"/>
+                </a:solidFill>
+                <a:latin typeface="Courier"/>
+                <a:ea typeface="Courier New"/>
+                <a:cs typeface="Courier"/>
                 <a:sym typeface="Courier New"/>
               </a:rPr>
               <a:t>&gt;&gt;&gt; </a:t>
             </a:r>
             <a:r>
-              <a:rPr lang="en-US" sz="3000" b="1" i="0" u="none" strike="noStrike" cap="none" dirty="0" smtClean="0">
+              <a:rPr lang="en-US" sz="3000" i="0" u="none" strike="noStrike" cap="none" dirty="0" smtClean="0">
                 <a:solidFill>
                   <a:srgbClr val="FFFF00"/>
                 </a:solidFill>
-                <a:latin typeface="Courier New"/>
-                <a:ea typeface="Courier New"/>
-                <a:cs typeface="Courier New"/>
+                <a:latin typeface="Courier"/>
+                <a:ea typeface="Courier New"/>
+                <a:cs typeface="Courier"/>
                 <a:sym typeface="Courier New"/>
               </a:rPr>
               <a:t>print(</a:t>
             </a:r>
             <a:r>
-              <a:rPr lang="en-US" sz="3000" b="1" i="0" u="none" strike="noStrike" cap="none" dirty="0" smtClean="0">
+              <a:rPr lang="en-US" sz="3000" i="0" u="none" strike="noStrike" cap="none" dirty="0" smtClean="0">
                 <a:solidFill>
                   <a:srgbClr val="00FF00"/>
                 </a:solidFill>
-                <a:latin typeface="Courier New"/>
-                <a:ea typeface="Courier New"/>
-                <a:cs typeface="Courier New"/>
+                <a:latin typeface="Courier"/>
+                <a:ea typeface="Courier New"/>
+                <a:cs typeface="Courier"/>
                 <a:sym typeface="Courier New"/>
               </a:rPr>
               <a:t>x</a:t>
             </a:r>
             <a:r>
-              <a:rPr lang="en-US" sz="3000" b="1" dirty="0" smtClean="0">
+              <a:rPr lang="en-US" sz="3000" dirty="0" smtClean="0">
                 <a:solidFill>
                   <a:srgbClr val="FFFF00"/>
                 </a:solidFill>
-                <a:latin typeface="Courier New"/>
-                <a:ea typeface="Courier New"/>
-                <a:cs typeface="Courier New"/>
+                <a:latin typeface="Courier"/>
+                <a:ea typeface="Courier New"/>
+                <a:cs typeface="Courier"/>
                 <a:sym typeface="Courier New"/>
               </a:rPr>
               <a:t>)</a:t>
             </a:r>
-            <a:endParaRPr lang="en-US" sz="3000" b="1" i="0" u="none" strike="noStrike" cap="none" dirty="0">
+            <a:endParaRPr lang="en-US" sz="3000" i="0" u="none" strike="noStrike" cap="none" dirty="0">
               <a:solidFill>
                 <a:srgbClr val="00FF00"/>
               </a:solidFill>
-              <a:latin typeface="Courier New"/>
+              <a:latin typeface="Courier"/>
               <a:ea typeface="Courier New"/>
-              <a:cs typeface="Courier New"/>
+              <a:cs typeface="Courier"/>
               <a:sym typeface="Courier New"/>
             </a:endParaRPr>
           </a:p>
@@ -12288,13 +12144,13 @@
               <a:buNone/>
             </a:pPr>
             <a:r>
-              <a:rPr lang="en-US" sz="3000" b="1" i="0" u="none" strike="noStrike" cap="none" dirty="0">
-                <a:solidFill>
-                  <a:schemeClr val="lt1"/>
-                </a:solidFill>
-                <a:latin typeface="Courier New"/>
-                <a:ea typeface="Courier New"/>
-                <a:cs typeface="Courier New"/>
+              <a:rPr lang="en-US" sz="3000" i="0" u="none" strike="noStrike" cap="none" dirty="0">
+                <a:solidFill>
+                  <a:schemeClr val="lt1"/>
+                </a:solidFill>
+                <a:latin typeface="Courier"/>
+                <a:ea typeface="Courier New"/>
+                <a:cs typeface="Courier"/>
                 <a:sym typeface="Courier New"/>
               </a:rPr>
               <a:t>&gt;&gt;&gt;[9, 8, 6]</a:t>
@@ -12319,13 +12175,13 @@
               <a:buNone/>
             </a:pPr>
             <a:r>
-              <a:rPr lang="en-US" sz="3000" b="1" i="0" u="none" strike="noStrike" cap="none" dirty="0">
-                <a:solidFill>
-                  <a:schemeClr val="lt1"/>
-                </a:solidFill>
-                <a:latin typeface="Courier New"/>
-                <a:ea typeface="Courier New"/>
-                <a:cs typeface="Courier New"/>
+              <a:rPr lang="en-US" sz="3000" i="0" u="none" strike="noStrike" cap="none" dirty="0">
+                <a:solidFill>
+                  <a:schemeClr val="lt1"/>
+                </a:solidFill>
+                <a:latin typeface="Courier"/>
+                <a:ea typeface="Courier New"/>
+                <a:cs typeface="Courier"/>
                 <a:sym typeface="Courier New"/>
               </a:rPr>
               <a:t>&gt;&gt;&gt; </a:t>
@@ -12376,37 +12232,37 @@
               <a:buNone/>
             </a:pPr>
             <a:r>
-              <a:rPr lang="en-US" sz="3000" b="1" i="0" u="none" strike="noStrike" cap="none" dirty="0">
-                <a:solidFill>
-                  <a:schemeClr val="lt1"/>
-                </a:solidFill>
-                <a:latin typeface="Courier New"/>
-                <a:ea typeface="Courier New"/>
-                <a:cs typeface="Courier New"/>
+              <a:rPr lang="en-US" sz="3000" i="0" u="none" strike="noStrike" cap="none" dirty="0">
+                <a:solidFill>
+                  <a:schemeClr val="lt1"/>
+                </a:solidFill>
+                <a:latin typeface="Courier"/>
+                <a:ea typeface="Courier New"/>
+                <a:cs typeface="Courier"/>
                 <a:sym typeface="Courier New"/>
               </a:rPr>
               <a:t>&gt;&gt;&gt; </a:t>
             </a:r>
             <a:r>
-              <a:rPr lang="en-US" sz="3000" b="1" i="0" u="none" strike="noStrike" cap="none" dirty="0">
+              <a:rPr lang="en-US" sz="3000" i="0" u="none" strike="noStrike" cap="none" dirty="0">
                 <a:solidFill>
                   <a:srgbClr val="00FF00"/>
                 </a:solidFill>
-                <a:latin typeface="Courier New"/>
-                <a:ea typeface="Courier New"/>
-                <a:cs typeface="Courier New"/>
+                <a:latin typeface="Courier"/>
+                <a:ea typeface="Courier New"/>
+                <a:cs typeface="Courier"/>
                 <a:sym typeface="Courier New"/>
               </a:rPr>
               <a:t>y</a:t>
             </a:r>
             <a:r>
-              <a:rPr lang="en-US" sz="3000" b="1" i="0" u="none" strike="noStrike" cap="none" dirty="0">
-                <a:solidFill>
-                  <a:schemeClr val="lt1"/>
-                </a:solidFill>
-                <a:latin typeface="Courier New"/>
-                <a:ea typeface="Courier New"/>
-                <a:cs typeface="Courier New"/>
+              <a:rPr lang="en-US" sz="3000" i="0" u="none" strike="noStrike" cap="none" dirty="0">
+                <a:solidFill>
+                  <a:schemeClr val="lt1"/>
+                </a:solidFill>
+                <a:latin typeface="Courier"/>
+                <a:ea typeface="Courier New"/>
+                <a:cs typeface="Courier"/>
                 <a:sym typeface="Courier New"/>
               </a:rPr>
               <a:t> = 'ABC'</a:t>
@@ -12431,49 +12287,49 @@
               <a:buNone/>
             </a:pPr>
             <a:r>
-              <a:rPr lang="en-US" sz="3000" b="1" i="0" u="none" strike="noStrike" cap="none" dirty="0">
-                <a:solidFill>
-                  <a:schemeClr val="lt1"/>
-                </a:solidFill>
-                <a:latin typeface="Courier New"/>
-                <a:ea typeface="Courier New"/>
-                <a:cs typeface="Courier New"/>
+              <a:rPr lang="en-US" sz="3000" i="0" u="none" strike="noStrike" cap="none" dirty="0">
+                <a:solidFill>
+                  <a:schemeClr val="lt1"/>
+                </a:solidFill>
+                <a:latin typeface="Courier"/>
+                <a:ea typeface="Courier New"/>
+                <a:cs typeface="Courier"/>
                 <a:sym typeface="Courier New"/>
               </a:rPr>
               <a:t>&gt;&gt;&gt; </a:t>
             </a:r>
             <a:r>
-              <a:rPr lang="en-US" sz="3000" b="1" i="0" u="none" strike="noStrike" cap="none" dirty="0">
+              <a:rPr lang="en-US" sz="3000" i="0" u="none" strike="noStrike" cap="none" dirty="0">
                 <a:solidFill>
                   <a:srgbClr val="00FF00"/>
                 </a:solidFill>
-                <a:latin typeface="Courier New"/>
-                <a:ea typeface="Courier New"/>
-                <a:cs typeface="Courier New"/>
+                <a:latin typeface="Courier"/>
+                <a:ea typeface="Courier New"/>
+                <a:cs typeface="Courier"/>
                 <a:sym typeface="Courier New"/>
               </a:rPr>
               <a:t>y</a:t>
             </a:r>
             <a:r>
-              <a:rPr lang="en-US" sz="3000" b="1" i="0" u="none" strike="noStrike" cap="none" dirty="0">
+              <a:rPr lang="en-US" sz="3000" i="0" u="none" strike="noStrike" cap="none" dirty="0">
                 <a:solidFill>
                   <a:srgbClr val="00FFFF"/>
                 </a:solidFill>
-                <a:latin typeface="Courier New"/>
-                <a:ea typeface="Courier New"/>
-                <a:cs typeface="Courier New"/>
+                <a:latin typeface="Courier"/>
+                <a:ea typeface="Courier New"/>
+                <a:cs typeface="Courier"/>
                 <a:sym typeface="Courier New"/>
               </a:rPr>
               <a:t>[2]</a:t>
             </a:r>
             <a:r>
-              <a:rPr lang="en-US" sz="3000" b="1" i="0" u="none" strike="noStrike" cap="none" dirty="0">
-                <a:solidFill>
-                  <a:schemeClr val="lt1"/>
-                </a:solidFill>
-                <a:latin typeface="Courier New"/>
-                <a:ea typeface="Courier New"/>
-                <a:cs typeface="Courier New"/>
+              <a:rPr lang="en-US" sz="3000" i="0" u="none" strike="noStrike" cap="none" dirty="0">
+                <a:solidFill>
+                  <a:schemeClr val="lt1"/>
+                </a:solidFill>
+                <a:latin typeface="Courier"/>
+                <a:ea typeface="Courier New"/>
+                <a:cs typeface="Courier"/>
                 <a:sym typeface="Courier New"/>
               </a:rPr>
               <a:t> = 'D'</a:t>
@@ -12498,49 +12354,49 @@
               <a:buNone/>
             </a:pPr>
             <a:r>
-              <a:rPr lang="en-US" sz="3000" b="1" i="0" u="none" strike="noStrike" cap="none" dirty="0" err="1">
+              <a:rPr lang="en-US" sz="3000" i="0" u="none" strike="noStrike" cap="none" dirty="0" err="1">
                 <a:solidFill>
                   <a:srgbClr val="FF66FF"/>
                 </a:solidFill>
-                <a:latin typeface="Courier New"/>
-                <a:ea typeface="Courier New"/>
-                <a:cs typeface="Courier New"/>
+                <a:latin typeface="Courier"/>
+                <a:ea typeface="Courier New"/>
+                <a:cs typeface="Courier"/>
                 <a:sym typeface="Courier New"/>
               </a:rPr>
               <a:t>Traceback</a:t>
             </a:r>
             <a:r>
-              <a:rPr lang="en-US" sz="3000" b="1" i="0" u="none" strike="noStrike" cap="none" dirty="0">
+              <a:rPr lang="en-US" sz="3000" i="0" u="none" strike="noStrike" cap="none" dirty="0">
                 <a:solidFill>
                   <a:srgbClr val="FF66FF"/>
                 </a:solidFill>
-                <a:latin typeface="Courier New"/>
-                <a:ea typeface="Courier New"/>
-                <a:cs typeface="Courier New"/>
+                <a:latin typeface="Courier"/>
+                <a:ea typeface="Courier New"/>
+                <a:cs typeface="Courier"/>
                 <a:sym typeface="Courier New"/>
               </a:rPr>
               <a:t>:'</a:t>
             </a:r>
             <a:r>
-              <a:rPr lang="en-US" sz="3000" b="1" i="0" u="none" strike="noStrike" cap="none" dirty="0" err="1">
+              <a:rPr lang="en-US" sz="3000" i="0" u="none" strike="noStrike" cap="none" dirty="0" err="1">
                 <a:solidFill>
                   <a:srgbClr val="FF66FF"/>
                 </a:solidFill>
-                <a:latin typeface="Courier New"/>
-                <a:ea typeface="Courier New"/>
-                <a:cs typeface="Courier New"/>
+                <a:latin typeface="Courier"/>
+                <a:ea typeface="Courier New"/>
+                <a:cs typeface="Courier"/>
                 <a:sym typeface="Courier New"/>
               </a:rPr>
               <a:t>str</a:t>
             </a:r>
             <a:r>
-              <a:rPr lang="en-US" sz="3000" b="1" i="0" u="none" strike="noStrike" cap="none" dirty="0">
+              <a:rPr lang="en-US" sz="3000" i="0" u="none" strike="noStrike" cap="none" dirty="0">
                 <a:solidFill>
                   <a:srgbClr val="FF66FF"/>
                 </a:solidFill>
-                <a:latin typeface="Courier New"/>
-                <a:ea typeface="Courier New"/>
-                <a:cs typeface="Courier New"/>
+                <a:latin typeface="Courier"/>
+                <a:ea typeface="Courier New"/>
+                <a:cs typeface="Courier"/>
                 <a:sym typeface="Courier New"/>
               </a:rPr>
               <a:t>' object does </a:t>
@@ -12565,37 +12421,37 @@
               <a:buNone/>
             </a:pPr>
             <a:r>
-              <a:rPr lang="en-US" sz="3000" b="1" i="0" u="none" strike="noStrike" cap="none" dirty="0">
+              <a:rPr lang="en-US" sz="3000" i="0" u="none" strike="noStrike" cap="none" dirty="0">
                 <a:solidFill>
                   <a:srgbClr val="FF66FF"/>
                 </a:solidFill>
-                <a:latin typeface="Courier New"/>
-                <a:ea typeface="Courier New"/>
-                <a:cs typeface="Courier New"/>
+                <a:latin typeface="Courier"/>
+                <a:ea typeface="Courier New"/>
+                <a:cs typeface="Courier"/>
                 <a:sym typeface="Courier New"/>
               </a:rPr>
               <a:t>not support </a:t>
             </a:r>
             <a:r>
-              <a:rPr lang="en-US" sz="3000" b="1" i="0" u="none" strike="noStrike" cap="none" dirty="0">
+              <a:rPr lang="en-US" sz="3000" i="0" u="none" strike="noStrike" cap="none" dirty="0">
                 <a:solidFill>
                   <a:srgbClr val="00FFFF"/>
                 </a:solidFill>
-                <a:latin typeface="Courier New"/>
-                <a:ea typeface="Courier New"/>
-                <a:cs typeface="Courier New"/>
+                <a:latin typeface="Courier"/>
+                <a:ea typeface="Courier New"/>
+                <a:cs typeface="Courier"/>
                 <a:sym typeface="Courier New"/>
               </a:rPr>
               <a:t>item</a:t>
             </a:r>
             <a:r>
-              <a:rPr lang="en-US" sz="3000" b="1" i="0" u="none" strike="noStrike" cap="none" dirty="0">
+              <a:rPr lang="en-US" sz="3000" i="0" u="none" strike="noStrike" cap="none" dirty="0">
                 <a:solidFill>
                   <a:srgbClr val="FF66FF"/>
                 </a:solidFill>
-                <a:latin typeface="Courier New"/>
-                <a:ea typeface="Courier New"/>
-                <a:cs typeface="Courier New"/>
+                <a:latin typeface="Courier"/>
+                <a:ea typeface="Courier New"/>
+                <a:cs typeface="Courier"/>
                 <a:sym typeface="Courier New"/>
               </a:rPr>
               <a:t> </a:t>
@@ -12620,13 +12476,13 @@
               <a:buNone/>
             </a:pPr>
             <a:r>
-              <a:rPr lang="en-US" sz="3000" b="1" i="0" u="none" strike="noStrike" cap="none" dirty="0">
+              <a:rPr lang="en-US" sz="3000" i="0" u="none" strike="noStrike" cap="none" dirty="0">
                 <a:solidFill>
                   <a:srgbClr val="FF66FF"/>
                 </a:solidFill>
-                <a:latin typeface="Courier New"/>
-                <a:ea typeface="Courier New"/>
-                <a:cs typeface="Courier New"/>
+                <a:latin typeface="Courier"/>
+                <a:ea typeface="Courier New"/>
+                <a:cs typeface="Courier"/>
                 <a:sym typeface="Courier New"/>
               </a:rPr>
               <a:t>Assignment</a:t>
@@ -12651,13 +12507,13 @@
               <a:buNone/>
             </a:pPr>
             <a:r>
-              <a:rPr lang="en-US" sz="3000" b="1" i="0" u="none" strike="noStrike" cap="none" dirty="0">
-                <a:solidFill>
-                  <a:schemeClr val="lt1"/>
-                </a:solidFill>
-                <a:latin typeface="Courier New"/>
-                <a:ea typeface="Courier New"/>
-                <a:cs typeface="Courier New"/>
+              <a:rPr lang="en-US" sz="3000" i="0" u="none" strike="noStrike" cap="none" dirty="0">
+                <a:solidFill>
+                  <a:schemeClr val="lt1"/>
+                </a:solidFill>
+                <a:latin typeface="Courier"/>
+                <a:ea typeface="Courier New"/>
+                <a:cs typeface="Courier"/>
                 <a:sym typeface="Courier New"/>
               </a:rPr>
               <a:t>&gt;&gt;&gt; </a:t>
@@ -12708,37 +12564,37 @@
               <a:buNone/>
             </a:pPr>
             <a:r>
-              <a:rPr lang="en-US" sz="3000" b="1" i="0" u="none" strike="noStrike" cap="none" dirty="0">
-                <a:solidFill>
-                  <a:schemeClr val="lt1"/>
-                </a:solidFill>
-                <a:latin typeface="Courier New"/>
-                <a:ea typeface="Courier New"/>
-                <a:cs typeface="Courier New"/>
+              <a:rPr lang="en-US" sz="3000" i="0" u="none" strike="noStrike" cap="none" dirty="0">
+                <a:solidFill>
+                  <a:schemeClr val="lt1"/>
+                </a:solidFill>
+                <a:latin typeface="Courier"/>
+                <a:ea typeface="Courier New"/>
+                <a:cs typeface="Courier"/>
                 <a:sym typeface="Courier New"/>
               </a:rPr>
               <a:t>&gt;&gt;&gt; </a:t>
             </a:r>
             <a:r>
-              <a:rPr lang="en-US" sz="3000" b="1" i="0" u="none" strike="noStrike" cap="none" dirty="0">
+              <a:rPr lang="en-US" sz="3000" i="0" u="none" strike="noStrike" cap="none" dirty="0">
                 <a:solidFill>
                   <a:srgbClr val="00FF00"/>
                 </a:solidFill>
-                <a:latin typeface="Courier New"/>
-                <a:ea typeface="Courier New"/>
-                <a:cs typeface="Courier New"/>
+                <a:latin typeface="Courier"/>
+                <a:ea typeface="Courier New"/>
+                <a:cs typeface="Courier"/>
                 <a:sym typeface="Courier New"/>
               </a:rPr>
               <a:t>z</a:t>
             </a:r>
             <a:r>
-              <a:rPr lang="en-US" sz="3000" b="1" i="0" u="none" strike="noStrike" cap="none" dirty="0">
-                <a:solidFill>
-                  <a:schemeClr val="lt1"/>
-                </a:solidFill>
-                <a:latin typeface="Courier New"/>
-                <a:ea typeface="Courier New"/>
-                <a:cs typeface="Courier New"/>
+              <a:rPr lang="en-US" sz="3000" i="0" u="none" strike="noStrike" cap="none" dirty="0">
+                <a:solidFill>
+                  <a:schemeClr val="lt1"/>
+                </a:solidFill>
+                <a:latin typeface="Courier"/>
+                <a:ea typeface="Courier New"/>
+                <a:cs typeface="Courier"/>
                 <a:sym typeface="Courier New"/>
               </a:rPr>
               <a:t> = (5, 4, 3)</a:t>
@@ -12763,49 +12619,49 @@
               <a:buNone/>
             </a:pPr>
             <a:r>
-              <a:rPr lang="en-US" sz="3000" b="1" i="0" u="none" strike="noStrike" cap="none" dirty="0">
-                <a:solidFill>
-                  <a:schemeClr val="lt1"/>
-                </a:solidFill>
-                <a:latin typeface="Courier New"/>
-                <a:ea typeface="Courier New"/>
-                <a:cs typeface="Courier New"/>
+              <a:rPr lang="en-US" sz="3000" i="0" u="none" strike="noStrike" cap="none" dirty="0">
+                <a:solidFill>
+                  <a:schemeClr val="lt1"/>
+                </a:solidFill>
+                <a:latin typeface="Courier"/>
+                <a:ea typeface="Courier New"/>
+                <a:cs typeface="Courier"/>
                 <a:sym typeface="Courier New"/>
               </a:rPr>
               <a:t>&gt;&gt;&gt; </a:t>
             </a:r>
             <a:r>
-              <a:rPr lang="en-US" sz="3000" b="1" i="0" u="none" strike="noStrike" cap="none" dirty="0">
+              <a:rPr lang="en-US" sz="3000" i="0" u="none" strike="noStrike" cap="none" dirty="0">
                 <a:solidFill>
                   <a:srgbClr val="00FF00"/>
                 </a:solidFill>
-                <a:latin typeface="Courier New"/>
-                <a:ea typeface="Courier New"/>
-                <a:cs typeface="Courier New"/>
+                <a:latin typeface="Courier"/>
+                <a:ea typeface="Courier New"/>
+                <a:cs typeface="Courier"/>
                 <a:sym typeface="Courier New"/>
               </a:rPr>
               <a:t>z</a:t>
             </a:r>
             <a:r>
-              <a:rPr lang="en-US" sz="3000" b="1" i="0" u="none" strike="noStrike" cap="none" dirty="0">
+              <a:rPr lang="en-US" sz="3000" i="0" u="none" strike="noStrike" cap="none" dirty="0">
                 <a:solidFill>
                   <a:srgbClr val="00FFFF"/>
                 </a:solidFill>
-                <a:latin typeface="Courier New"/>
-                <a:ea typeface="Courier New"/>
-                <a:cs typeface="Courier New"/>
+                <a:latin typeface="Courier"/>
+                <a:ea typeface="Courier New"/>
+                <a:cs typeface="Courier"/>
                 <a:sym typeface="Courier New"/>
               </a:rPr>
               <a:t>[2]</a:t>
             </a:r>
             <a:r>
-              <a:rPr lang="en-US" sz="3000" b="1" i="0" u="none" strike="noStrike" cap="none" dirty="0">
-                <a:solidFill>
-                  <a:schemeClr val="lt1"/>
-                </a:solidFill>
-                <a:latin typeface="Courier New"/>
-                <a:ea typeface="Courier New"/>
-                <a:cs typeface="Courier New"/>
+              <a:rPr lang="en-US" sz="3000" i="0" u="none" strike="noStrike" cap="none" dirty="0">
+                <a:solidFill>
+                  <a:schemeClr val="lt1"/>
+                </a:solidFill>
+                <a:latin typeface="Courier"/>
+                <a:ea typeface="Courier New"/>
+                <a:cs typeface="Courier"/>
                 <a:sym typeface="Courier New"/>
               </a:rPr>
               <a:t> = 0</a:t>
@@ -12830,25 +12686,25 @@
               <a:buNone/>
             </a:pPr>
             <a:r>
-              <a:rPr lang="en-US" sz="3000" b="1" i="0" u="none" strike="noStrike" cap="none" dirty="0" err="1">
+              <a:rPr lang="en-US" sz="3000" i="0" u="none" strike="noStrike" cap="none" dirty="0" err="1">
                 <a:solidFill>
                   <a:srgbClr val="FF66FF"/>
                 </a:solidFill>
-                <a:latin typeface="Courier New"/>
-                <a:ea typeface="Courier New"/>
-                <a:cs typeface="Courier New"/>
+                <a:latin typeface="Courier"/>
+                <a:ea typeface="Courier New"/>
+                <a:cs typeface="Courier"/>
                 <a:sym typeface="Courier New"/>
               </a:rPr>
               <a:t>Traceback</a:t>
             </a:r>
             <a:r>
-              <a:rPr lang="en-US" sz="3000" b="1" i="0" u="none" strike="noStrike" cap="none" dirty="0">
+              <a:rPr lang="en-US" sz="3000" i="0" u="none" strike="noStrike" cap="none" dirty="0">
                 <a:solidFill>
                   <a:srgbClr val="FF66FF"/>
                 </a:solidFill>
-                <a:latin typeface="Courier New"/>
-                <a:ea typeface="Courier New"/>
-                <a:cs typeface="Courier New"/>
+                <a:latin typeface="Courier"/>
+                <a:ea typeface="Courier New"/>
+                <a:cs typeface="Courier"/>
                 <a:sym typeface="Courier New"/>
               </a:rPr>
               <a:t>:'tuple' object does </a:t>
@@ -12873,37 +12729,37 @@
               <a:buNone/>
             </a:pPr>
             <a:r>
-              <a:rPr lang="en-US" sz="3000" b="1" i="0" u="none" strike="noStrike" cap="none" dirty="0">
+              <a:rPr lang="en-US" sz="3000" i="0" u="none" strike="noStrike" cap="none" dirty="0">
                 <a:solidFill>
                   <a:srgbClr val="FF66FF"/>
                 </a:solidFill>
-                <a:latin typeface="Courier New"/>
-                <a:ea typeface="Courier New"/>
-                <a:cs typeface="Courier New"/>
+                <a:latin typeface="Courier"/>
+                <a:ea typeface="Courier New"/>
+                <a:cs typeface="Courier"/>
                 <a:sym typeface="Courier New"/>
               </a:rPr>
               <a:t>not support </a:t>
             </a:r>
             <a:r>
-              <a:rPr lang="en-US" sz="3000" b="1" i="0" u="none" strike="noStrike" cap="none" dirty="0">
+              <a:rPr lang="en-US" sz="3000" i="0" u="none" strike="noStrike" cap="none" dirty="0">
                 <a:solidFill>
                   <a:srgbClr val="00FFFF"/>
                 </a:solidFill>
-                <a:latin typeface="Courier New"/>
-                <a:ea typeface="Courier New"/>
-                <a:cs typeface="Courier New"/>
+                <a:latin typeface="Courier"/>
+                <a:ea typeface="Courier New"/>
+                <a:cs typeface="Courier"/>
                 <a:sym typeface="Courier New"/>
               </a:rPr>
               <a:t>item</a:t>
             </a:r>
             <a:r>
-              <a:rPr lang="en-US" sz="3000" b="1" i="0" u="none" strike="noStrike" cap="none" dirty="0">
+              <a:rPr lang="en-US" sz="3000" i="0" u="none" strike="noStrike" cap="none" dirty="0">
                 <a:solidFill>
                   <a:srgbClr val="FF66FF"/>
                 </a:solidFill>
-                <a:latin typeface="Courier New"/>
-                <a:ea typeface="Courier New"/>
-                <a:cs typeface="Courier New"/>
+                <a:latin typeface="Courier"/>
+                <a:ea typeface="Courier New"/>
+                <a:cs typeface="Courier"/>
                 <a:sym typeface="Courier New"/>
               </a:rPr>
               <a:t> </a:t>
@@ -12928,13 +12784,13 @@
               <a:buNone/>
             </a:pPr>
             <a:r>
-              <a:rPr lang="en-US" sz="3000" b="1" i="0" u="none" strike="noStrike" cap="none" dirty="0">
+              <a:rPr lang="en-US" sz="3000" i="0" u="none" strike="noStrike" cap="none" dirty="0">
                 <a:solidFill>
                   <a:srgbClr val="FF66FF"/>
                 </a:solidFill>
-                <a:latin typeface="Courier New"/>
-                <a:ea typeface="Courier New"/>
-                <a:cs typeface="Courier New"/>
+                <a:latin typeface="Courier"/>
+                <a:ea typeface="Courier New"/>
+                <a:cs typeface="Courier"/>
                 <a:sym typeface="Courier New"/>
               </a:rPr>
               <a:t>Assignment</a:t>
@@ -12959,13 +12815,13 @@
               <a:buNone/>
             </a:pPr>
             <a:r>
-              <a:rPr lang="en-US" sz="3000" b="1" i="0" u="none" strike="noStrike" cap="none" dirty="0">
-                <a:solidFill>
-                  <a:schemeClr val="lt1"/>
-                </a:solidFill>
-                <a:latin typeface="Courier New"/>
-                <a:ea typeface="Courier New"/>
-                <a:cs typeface="Courier New"/>
+              <a:rPr lang="en-US" sz="3000" i="0" u="none" strike="noStrike" cap="none" dirty="0">
+                <a:solidFill>
+                  <a:schemeClr val="lt1"/>
+                </a:solidFill>
+                <a:latin typeface="Courier"/>
+                <a:ea typeface="Courier New"/>
+                <a:cs typeface="Courier"/>
                 <a:sym typeface="Courier New"/>
               </a:rPr>
               <a:t>&gt;&gt;&gt; </a:t>
@@ -12981,7 +12837,7 @@
   <p:timing>
     <p:tnLst>
       <p:par>
-        <p:cTn id="1" dur="indefinite" restart="never" nodeType="tmRoot"/>
+        <p:cTn xmlns:p14="http://schemas.microsoft.com/office/powerpoint/2010/main" id="1" dur="indefinite" restart="never" nodeType="tmRoot"/>
       </p:par>
     </p:tnLst>
   </p:timing>
@@ -13081,7 +12937,7 @@
                 <a:cs typeface="Arial" charset="0"/>
                 <a:sym typeface="Cabin"/>
               </a:rPr>
-              <a:t> to do with tuples</a:t>
+              <a:t> to do With Tuples</a:t>
             </a:r>
           </a:p>
         </p:txBody>
@@ -13129,49 +12985,49 @@
               <a:buNone/>
             </a:pPr>
             <a:r>
-              <a:rPr lang="en-US" sz="3000" b="1" i="0" u="none" strike="noStrike" cap="none" dirty="0">
-                <a:solidFill>
-                  <a:schemeClr val="lt1"/>
-                </a:solidFill>
-                <a:latin typeface="Courier New"/>
-                <a:ea typeface="Courier New"/>
-                <a:cs typeface="Courier New"/>
+              <a:rPr lang="en-US" sz="3000" i="0" u="none" strike="noStrike" cap="none" dirty="0">
+                <a:solidFill>
+                  <a:schemeClr val="lt1"/>
+                </a:solidFill>
+                <a:latin typeface="Courier"/>
+                <a:ea typeface="Courier New"/>
+                <a:cs typeface="Courier"/>
                 <a:sym typeface="Courier New"/>
               </a:rPr>
               <a:t>&gt;&gt;&gt; </a:t>
             </a:r>
             <a:r>
-              <a:rPr lang="en-US" sz="3000" b="1" i="0" u="none" strike="noStrike" cap="none" dirty="0">
+              <a:rPr lang="en-US" sz="3000" i="0" u="none" strike="noStrike" cap="none" dirty="0">
                 <a:solidFill>
                   <a:srgbClr val="00FF00"/>
                 </a:solidFill>
-                <a:latin typeface="Courier New"/>
-                <a:ea typeface="Courier New"/>
-                <a:cs typeface="Courier New"/>
+                <a:latin typeface="Courier"/>
+                <a:ea typeface="Courier New"/>
+                <a:cs typeface="Courier"/>
                 <a:sym typeface="Courier New"/>
               </a:rPr>
               <a:t>x</a:t>
             </a:r>
             <a:r>
-              <a:rPr lang="en-US" sz="3000" b="1" i="0" u="none" strike="noStrike" cap="none" dirty="0">
-                <a:solidFill>
-                  <a:schemeClr val="lt1"/>
-                </a:solidFill>
-                <a:latin typeface="Courier New"/>
-                <a:ea typeface="Courier New"/>
-                <a:cs typeface="Courier New"/>
+              <a:rPr lang="en-US" sz="3000" i="0" u="none" strike="noStrike" cap="none" dirty="0">
+                <a:solidFill>
+                  <a:schemeClr val="lt1"/>
+                </a:solidFill>
+                <a:latin typeface="Courier"/>
+                <a:ea typeface="Courier New"/>
+                <a:cs typeface="Courier"/>
                 <a:sym typeface="Courier New"/>
               </a:rPr>
               <a:t> = </a:t>
             </a:r>
             <a:r>
-              <a:rPr lang="en-US" sz="3000" b="1" i="0" u="none" strike="noStrike" cap="none" dirty="0">
+              <a:rPr lang="en-US" sz="3000" i="0" u="none" strike="noStrike" cap="none" dirty="0">
                 <a:solidFill>
                   <a:srgbClr val="FF7F00"/>
                 </a:solidFill>
-                <a:latin typeface="Courier New"/>
-                <a:ea typeface="Courier New"/>
-                <a:cs typeface="Courier New"/>
+                <a:latin typeface="Courier"/>
+                <a:ea typeface="Courier New"/>
+                <a:cs typeface="Courier"/>
                 <a:sym typeface="Courier New"/>
               </a:rPr>
               <a:t>(3, 2, 1)</a:t>
@@ -13196,49 +13052,49 @@
               <a:buNone/>
             </a:pPr>
             <a:r>
-              <a:rPr lang="en-US" sz="3000" b="1" i="0" u="none" strike="noStrike" cap="none" dirty="0">
-                <a:solidFill>
-                  <a:schemeClr val="lt1"/>
-                </a:solidFill>
-                <a:latin typeface="Courier New"/>
-                <a:ea typeface="Courier New"/>
-                <a:cs typeface="Courier New"/>
+              <a:rPr lang="en-US" sz="3000" i="0" u="none" strike="noStrike" cap="none" dirty="0">
+                <a:solidFill>
+                  <a:schemeClr val="lt1"/>
+                </a:solidFill>
+                <a:latin typeface="Courier"/>
+                <a:ea typeface="Courier New"/>
+                <a:cs typeface="Courier"/>
                 <a:sym typeface="Courier New"/>
               </a:rPr>
               <a:t>&gt;&gt;&gt; </a:t>
             </a:r>
             <a:r>
-              <a:rPr lang="en-US" sz="3000" b="1" i="0" u="none" strike="noStrike" cap="none" dirty="0" err="1">
+              <a:rPr lang="en-US" sz="3000" i="0" u="none" strike="noStrike" cap="none" dirty="0" err="1">
                 <a:solidFill>
                   <a:srgbClr val="00FF00"/>
                 </a:solidFill>
-                <a:latin typeface="Courier New"/>
-                <a:ea typeface="Courier New"/>
-                <a:cs typeface="Courier New"/>
+                <a:latin typeface="Courier"/>
+                <a:ea typeface="Courier New"/>
+                <a:cs typeface="Courier"/>
                 <a:sym typeface="Courier New"/>
               </a:rPr>
               <a:t>x</a:t>
             </a:r>
             <a:r>
-              <a:rPr lang="en-US" sz="3000" b="1" i="0" u="none" strike="noStrike" cap="none" dirty="0" err="1">
+              <a:rPr lang="en-US" sz="3000" i="0" u="none" strike="noStrike" cap="none" dirty="0" err="1">
                 <a:solidFill>
                   <a:srgbClr val="FF00FF"/>
                 </a:solidFill>
-                <a:latin typeface="Courier New"/>
-                <a:ea typeface="Courier New"/>
-                <a:cs typeface="Courier New"/>
+                <a:latin typeface="Courier"/>
+                <a:ea typeface="Courier New"/>
+                <a:cs typeface="Courier"/>
                 <a:sym typeface="Courier New"/>
               </a:rPr>
               <a:t>.sort</a:t>
             </a:r>
             <a:r>
-              <a:rPr lang="en-US" sz="3000" b="1" i="0" u="none" strike="noStrike" cap="none" dirty="0">
-                <a:solidFill>
-                  <a:schemeClr val="lt1"/>
-                </a:solidFill>
-                <a:latin typeface="Courier New"/>
-                <a:ea typeface="Courier New"/>
-                <a:cs typeface="Courier New"/>
+              <a:rPr lang="en-US" sz="3000" i="0" u="none" strike="noStrike" cap="none" dirty="0">
+                <a:solidFill>
+                  <a:schemeClr val="lt1"/>
+                </a:solidFill>
+                <a:latin typeface="Courier"/>
+                <a:ea typeface="Courier New"/>
+                <a:cs typeface="Courier"/>
                 <a:sym typeface="Courier New"/>
               </a:rPr>
               <a:t>()</a:t>
@@ -13263,25 +13119,25 @@
               <a:buNone/>
             </a:pPr>
             <a:r>
-              <a:rPr lang="en-US" sz="3000" b="1" i="0" u="none" strike="noStrike" cap="none" dirty="0" err="1">
+              <a:rPr lang="en-US" sz="3000" i="0" u="none" strike="noStrike" cap="none" dirty="0" err="1">
                 <a:solidFill>
                   <a:srgbClr val="FF66FF"/>
                 </a:solidFill>
-                <a:latin typeface="Courier New"/>
-                <a:ea typeface="Courier New"/>
-                <a:cs typeface="Courier New"/>
+                <a:latin typeface="Courier"/>
+                <a:ea typeface="Courier New"/>
+                <a:cs typeface="Courier"/>
                 <a:sym typeface="Courier New"/>
               </a:rPr>
               <a:t>Traceback</a:t>
             </a:r>
             <a:r>
-              <a:rPr lang="en-US" sz="3000" b="1" i="0" u="none" strike="noStrike" cap="none" dirty="0">
+              <a:rPr lang="en-US" sz="3000" i="0" u="none" strike="noStrike" cap="none" dirty="0">
                 <a:solidFill>
                   <a:srgbClr val="FF66FF"/>
                 </a:solidFill>
-                <a:latin typeface="Courier New"/>
-                <a:ea typeface="Courier New"/>
-                <a:cs typeface="Courier New"/>
+                <a:latin typeface="Courier"/>
+                <a:ea typeface="Courier New"/>
+                <a:cs typeface="Courier"/>
                 <a:sym typeface="Courier New"/>
               </a:rPr>
               <a:t>:</a:t>
@@ -13306,25 +13162,25 @@
               <a:buNone/>
             </a:pPr>
             <a:r>
-              <a:rPr lang="en-US" sz="3000" b="1" i="0" u="none" strike="noStrike" cap="none" dirty="0" err="1">
+              <a:rPr lang="en-US" sz="3000" i="0" u="none" strike="noStrike" cap="none" dirty="0" err="1">
                 <a:solidFill>
                   <a:srgbClr val="FF66FF"/>
                 </a:solidFill>
-                <a:latin typeface="Courier New"/>
-                <a:ea typeface="Courier New"/>
-                <a:cs typeface="Courier New"/>
+                <a:latin typeface="Courier"/>
+                <a:ea typeface="Courier New"/>
+                <a:cs typeface="Courier"/>
                 <a:sym typeface="Courier New"/>
               </a:rPr>
               <a:t>AttributeError</a:t>
             </a:r>
             <a:r>
-              <a:rPr lang="en-US" sz="3000" b="1" i="0" u="none" strike="noStrike" cap="none" dirty="0">
+              <a:rPr lang="en-US" sz="3000" i="0" u="none" strike="noStrike" cap="none" dirty="0">
                 <a:solidFill>
                   <a:srgbClr val="FF66FF"/>
                 </a:solidFill>
-                <a:latin typeface="Courier New"/>
-                <a:ea typeface="Courier New"/>
-                <a:cs typeface="Courier New"/>
+                <a:latin typeface="Courier"/>
+                <a:ea typeface="Courier New"/>
+                <a:cs typeface="Courier"/>
                 <a:sym typeface="Courier New"/>
               </a:rPr>
               <a:t>: 'tuple' object has no attribute 'sort'</a:t>
@@ -13349,49 +13205,49 @@
               <a:buNone/>
             </a:pPr>
             <a:r>
-              <a:rPr lang="en-US" sz="3000" b="1" i="0" u="none" strike="noStrike" cap="none" dirty="0">
-                <a:solidFill>
-                  <a:schemeClr val="lt1"/>
-                </a:solidFill>
-                <a:latin typeface="Courier New"/>
-                <a:ea typeface="Courier New"/>
-                <a:cs typeface="Courier New"/>
+              <a:rPr lang="en-US" sz="3000" i="0" u="none" strike="noStrike" cap="none" dirty="0">
+                <a:solidFill>
+                  <a:schemeClr val="lt1"/>
+                </a:solidFill>
+                <a:latin typeface="Courier"/>
+                <a:ea typeface="Courier New"/>
+                <a:cs typeface="Courier"/>
                 <a:sym typeface="Courier New"/>
               </a:rPr>
               <a:t>&gt;&gt;&gt; </a:t>
             </a:r>
             <a:r>
-              <a:rPr lang="en-US" sz="3000" b="1" i="0" u="none" strike="noStrike" cap="none" dirty="0" err="1">
+              <a:rPr lang="en-US" sz="3000" i="0" u="none" strike="noStrike" cap="none" dirty="0" err="1">
                 <a:solidFill>
                   <a:srgbClr val="00FF00"/>
                 </a:solidFill>
-                <a:latin typeface="Courier New"/>
-                <a:ea typeface="Courier New"/>
-                <a:cs typeface="Courier New"/>
+                <a:latin typeface="Courier"/>
+                <a:ea typeface="Courier New"/>
+                <a:cs typeface="Courier"/>
                 <a:sym typeface="Courier New"/>
               </a:rPr>
               <a:t>x</a:t>
             </a:r>
             <a:r>
-              <a:rPr lang="en-US" sz="3000" b="1" i="0" u="none" strike="noStrike" cap="none" dirty="0" err="1">
+              <a:rPr lang="en-US" sz="3000" i="0" u="none" strike="noStrike" cap="none" dirty="0" err="1">
                 <a:solidFill>
                   <a:srgbClr val="FF00FF"/>
                 </a:solidFill>
-                <a:latin typeface="Courier New"/>
-                <a:ea typeface="Courier New"/>
-                <a:cs typeface="Courier New"/>
+                <a:latin typeface="Courier"/>
+                <a:ea typeface="Courier New"/>
+                <a:cs typeface="Courier"/>
                 <a:sym typeface="Courier New"/>
               </a:rPr>
               <a:t>.append</a:t>
             </a:r>
             <a:r>
-              <a:rPr lang="en-US" sz="3000" b="1" i="0" u="none" strike="noStrike" cap="none" dirty="0">
-                <a:solidFill>
-                  <a:schemeClr val="lt1"/>
-                </a:solidFill>
-                <a:latin typeface="Courier New"/>
-                <a:ea typeface="Courier New"/>
-                <a:cs typeface="Courier New"/>
+              <a:rPr lang="en-US" sz="3000" i="0" u="none" strike="noStrike" cap="none" dirty="0">
+                <a:solidFill>
+                  <a:schemeClr val="lt1"/>
+                </a:solidFill>
+                <a:latin typeface="Courier"/>
+                <a:ea typeface="Courier New"/>
+                <a:cs typeface="Courier"/>
                 <a:sym typeface="Courier New"/>
               </a:rPr>
               <a:t>(5)</a:t>
@@ -13416,25 +13272,25 @@
               <a:buNone/>
             </a:pPr>
             <a:r>
-              <a:rPr lang="en-US" sz="3000" b="1" i="0" u="none" strike="noStrike" cap="none" dirty="0" err="1">
+              <a:rPr lang="en-US" sz="3000" i="0" u="none" strike="noStrike" cap="none" dirty="0" err="1">
                 <a:solidFill>
                   <a:srgbClr val="FF66FF"/>
                 </a:solidFill>
-                <a:latin typeface="Courier New"/>
-                <a:ea typeface="Courier New"/>
-                <a:cs typeface="Courier New"/>
+                <a:latin typeface="Courier"/>
+                <a:ea typeface="Courier New"/>
+                <a:cs typeface="Courier"/>
                 <a:sym typeface="Courier New"/>
               </a:rPr>
               <a:t>Traceback</a:t>
             </a:r>
             <a:r>
-              <a:rPr lang="en-US" sz="3000" b="1" i="0" u="none" strike="noStrike" cap="none" dirty="0">
+              <a:rPr lang="en-US" sz="3000" i="0" u="none" strike="noStrike" cap="none" dirty="0">
                 <a:solidFill>
                   <a:srgbClr val="FF66FF"/>
                 </a:solidFill>
-                <a:latin typeface="Courier New"/>
-                <a:ea typeface="Courier New"/>
-                <a:cs typeface="Courier New"/>
+                <a:latin typeface="Courier"/>
+                <a:ea typeface="Courier New"/>
+                <a:cs typeface="Courier"/>
                 <a:sym typeface="Courier New"/>
               </a:rPr>
               <a:t>:</a:t>
@@ -13459,25 +13315,25 @@
               <a:buNone/>
             </a:pPr>
             <a:r>
-              <a:rPr lang="en-US" sz="3000" b="1" i="0" u="none" strike="noStrike" cap="none" dirty="0" err="1">
+              <a:rPr lang="en-US" sz="3000" i="0" u="none" strike="noStrike" cap="none" dirty="0" err="1">
                 <a:solidFill>
                   <a:srgbClr val="FF66FF"/>
                 </a:solidFill>
-                <a:latin typeface="Courier New"/>
-                <a:ea typeface="Courier New"/>
-                <a:cs typeface="Courier New"/>
+                <a:latin typeface="Courier"/>
+                <a:ea typeface="Courier New"/>
+                <a:cs typeface="Courier"/>
                 <a:sym typeface="Courier New"/>
               </a:rPr>
               <a:t>AttributeError</a:t>
             </a:r>
             <a:r>
-              <a:rPr lang="en-US" sz="3000" b="1" i="0" u="none" strike="noStrike" cap="none" dirty="0">
+              <a:rPr lang="en-US" sz="3000" i="0" u="none" strike="noStrike" cap="none" dirty="0">
                 <a:solidFill>
                   <a:srgbClr val="FF66FF"/>
                 </a:solidFill>
-                <a:latin typeface="Courier New"/>
-                <a:ea typeface="Courier New"/>
-                <a:cs typeface="Courier New"/>
+                <a:latin typeface="Courier"/>
+                <a:ea typeface="Courier New"/>
+                <a:cs typeface="Courier"/>
                 <a:sym typeface="Courier New"/>
               </a:rPr>
               <a:t>: 'tuple' object has no attribute 'append'</a:t>
@@ -13502,49 +13358,49 @@
               <a:buNone/>
             </a:pPr>
             <a:r>
-              <a:rPr lang="en-US" sz="3000" b="1" i="0" u="none" strike="noStrike" cap="none" dirty="0">
-                <a:solidFill>
-                  <a:schemeClr val="lt1"/>
-                </a:solidFill>
-                <a:latin typeface="Courier New"/>
-                <a:ea typeface="Courier New"/>
-                <a:cs typeface="Courier New"/>
+              <a:rPr lang="en-US" sz="3000" i="0" u="none" strike="noStrike" cap="none" dirty="0">
+                <a:solidFill>
+                  <a:schemeClr val="lt1"/>
+                </a:solidFill>
+                <a:latin typeface="Courier"/>
+                <a:ea typeface="Courier New"/>
+                <a:cs typeface="Courier"/>
                 <a:sym typeface="Courier New"/>
               </a:rPr>
               <a:t>&gt;&gt;&gt; </a:t>
             </a:r>
             <a:r>
-              <a:rPr lang="en-US" sz="3000" b="1" i="0" u="none" strike="noStrike" cap="none" dirty="0" err="1">
+              <a:rPr lang="en-US" sz="3000" i="0" u="none" strike="noStrike" cap="none" dirty="0" err="1">
                 <a:solidFill>
                   <a:srgbClr val="00FF00"/>
                 </a:solidFill>
-                <a:latin typeface="Courier New"/>
-                <a:ea typeface="Courier New"/>
-                <a:cs typeface="Courier New"/>
+                <a:latin typeface="Courier"/>
+                <a:ea typeface="Courier New"/>
+                <a:cs typeface="Courier"/>
                 <a:sym typeface="Courier New"/>
               </a:rPr>
               <a:t>x</a:t>
             </a:r>
             <a:r>
-              <a:rPr lang="en-US" sz="3000" b="1" i="0" u="none" strike="noStrike" cap="none" dirty="0" err="1">
+              <a:rPr lang="en-US" sz="3000" i="0" u="none" strike="noStrike" cap="none" dirty="0" err="1">
                 <a:solidFill>
                   <a:srgbClr val="FF00FF"/>
                 </a:solidFill>
-                <a:latin typeface="Courier New"/>
-                <a:ea typeface="Courier New"/>
-                <a:cs typeface="Courier New"/>
+                <a:latin typeface="Courier"/>
+                <a:ea typeface="Courier New"/>
+                <a:cs typeface="Courier"/>
                 <a:sym typeface="Courier New"/>
               </a:rPr>
               <a:t>.reverse</a:t>
             </a:r>
             <a:r>
-              <a:rPr lang="en-US" sz="3000" b="1" i="0" u="none" strike="noStrike" cap="none" dirty="0">
-                <a:solidFill>
-                  <a:schemeClr val="lt1"/>
-                </a:solidFill>
-                <a:latin typeface="Courier New"/>
-                <a:ea typeface="Courier New"/>
-                <a:cs typeface="Courier New"/>
+              <a:rPr lang="en-US" sz="3000" i="0" u="none" strike="noStrike" cap="none" dirty="0">
+                <a:solidFill>
+                  <a:schemeClr val="lt1"/>
+                </a:solidFill>
+                <a:latin typeface="Courier"/>
+                <a:ea typeface="Courier New"/>
+                <a:cs typeface="Courier"/>
                 <a:sym typeface="Courier New"/>
               </a:rPr>
               <a:t>()</a:t>
@@ -13569,25 +13425,25 @@
               <a:buNone/>
             </a:pPr>
             <a:r>
-              <a:rPr lang="en-US" sz="3000" b="1" i="0" u="none" strike="noStrike" cap="none" dirty="0" err="1">
+              <a:rPr lang="en-US" sz="3000" i="0" u="none" strike="noStrike" cap="none" dirty="0" err="1">
                 <a:solidFill>
                   <a:srgbClr val="FF66FF"/>
                 </a:solidFill>
-                <a:latin typeface="Courier New"/>
-                <a:ea typeface="Courier New"/>
-                <a:cs typeface="Courier New"/>
+                <a:latin typeface="Courier"/>
+                <a:ea typeface="Courier New"/>
+                <a:cs typeface="Courier"/>
                 <a:sym typeface="Courier New"/>
               </a:rPr>
               <a:t>Traceback</a:t>
             </a:r>
             <a:r>
-              <a:rPr lang="en-US" sz="3000" b="1" i="0" u="none" strike="noStrike" cap="none" dirty="0">
+              <a:rPr lang="en-US" sz="3000" i="0" u="none" strike="noStrike" cap="none" dirty="0">
                 <a:solidFill>
                   <a:srgbClr val="FF66FF"/>
                 </a:solidFill>
-                <a:latin typeface="Courier New"/>
-                <a:ea typeface="Courier New"/>
-                <a:cs typeface="Courier New"/>
+                <a:latin typeface="Courier"/>
+                <a:ea typeface="Courier New"/>
+                <a:cs typeface="Courier"/>
                 <a:sym typeface="Courier New"/>
               </a:rPr>
               <a:t>:</a:t>
@@ -13612,25 +13468,25 @@
               <a:buNone/>
             </a:pPr>
             <a:r>
-              <a:rPr lang="en-US" sz="3000" b="1" i="0" u="none" strike="noStrike" cap="none" dirty="0" err="1">
+              <a:rPr lang="en-US" sz="3000" i="0" u="none" strike="noStrike" cap="none" dirty="0" err="1">
                 <a:solidFill>
                   <a:srgbClr val="FF66FF"/>
                 </a:solidFill>
-                <a:latin typeface="Courier New"/>
-                <a:ea typeface="Courier New"/>
-                <a:cs typeface="Courier New"/>
+                <a:latin typeface="Courier"/>
+                <a:ea typeface="Courier New"/>
+                <a:cs typeface="Courier"/>
                 <a:sym typeface="Courier New"/>
               </a:rPr>
               <a:t>AttributeError</a:t>
             </a:r>
             <a:r>
-              <a:rPr lang="en-US" sz="3000" b="1" i="0" u="none" strike="noStrike" cap="none" dirty="0">
+              <a:rPr lang="en-US" sz="3000" i="0" u="none" strike="noStrike" cap="none" dirty="0">
                 <a:solidFill>
                   <a:srgbClr val="FF66FF"/>
                 </a:solidFill>
-                <a:latin typeface="Courier New"/>
-                <a:ea typeface="Courier New"/>
-                <a:cs typeface="Courier New"/>
+                <a:latin typeface="Courier"/>
+                <a:ea typeface="Courier New"/>
+                <a:cs typeface="Courier"/>
                 <a:sym typeface="Courier New"/>
               </a:rPr>
               <a:t>: 'tuple' object has no attribute 'reverse'</a:t>
@@ -13655,13 +13511,13 @@
               <a:buNone/>
             </a:pPr>
             <a:r>
-              <a:rPr lang="en-US" sz="3000" b="1" i="0" u="none" strike="noStrike" cap="none" dirty="0">
-                <a:solidFill>
-                  <a:schemeClr val="lt1"/>
-                </a:solidFill>
-                <a:latin typeface="Courier New"/>
-                <a:ea typeface="Courier New"/>
-                <a:cs typeface="Courier New"/>
+              <a:rPr lang="en-US" sz="3000" i="0" u="none" strike="noStrike" cap="none" dirty="0">
+                <a:solidFill>
+                  <a:schemeClr val="lt1"/>
+                </a:solidFill>
+                <a:latin typeface="Courier"/>
+                <a:ea typeface="Courier New"/>
+                <a:cs typeface="Courier"/>
                 <a:sym typeface="Courier New"/>
               </a:rPr>
               <a:t>&gt;&gt;&gt; </a:t>
@@ -13677,7 +13533,7 @@
   <p:timing>
     <p:tnLst>
       <p:par>
-        <p:cTn id="1" dur="indefinite" restart="never" nodeType="tmRoot"/>
+        <p:cTn xmlns:p14="http://schemas.microsoft.com/office/powerpoint/2010/main" id="1" dur="indefinite" restart="never" nodeType="tmRoot"/>
       </p:par>
     </p:tnLst>
   </p:timing>
@@ -13801,61 +13657,61 @@
               <a:buNone/>
             </a:pPr>
             <a:r>
-              <a:rPr lang="en-US" sz="3000" b="1" i="0" u="none" strike="noStrike" cap="none" dirty="0">
-                <a:solidFill>
-                  <a:schemeClr val="lt1"/>
-                </a:solidFill>
-                <a:latin typeface="Courier New"/>
-                <a:ea typeface="Courier New"/>
-                <a:cs typeface="Courier New"/>
+              <a:rPr lang="en-US" sz="3000" i="0" u="none" strike="noStrike" cap="none" dirty="0">
+                <a:solidFill>
+                  <a:schemeClr val="lt1"/>
+                </a:solidFill>
+                <a:latin typeface="Courier"/>
+                <a:ea typeface="Courier New"/>
+                <a:cs typeface="Courier"/>
                 <a:sym typeface="Courier New"/>
               </a:rPr>
               <a:t>&gt;&gt;&gt; </a:t>
             </a:r>
             <a:r>
-              <a:rPr lang="en-US" sz="3000" b="1" i="0" u="none" strike="noStrike" cap="none" dirty="0">
+              <a:rPr lang="en-US" sz="3000" i="0" u="none" strike="noStrike" cap="none" dirty="0">
                 <a:solidFill>
                   <a:srgbClr val="00FF00"/>
                 </a:solidFill>
-                <a:latin typeface="Courier New"/>
-                <a:ea typeface="Courier New"/>
-                <a:cs typeface="Courier New"/>
+                <a:latin typeface="Courier"/>
+                <a:ea typeface="Courier New"/>
+                <a:cs typeface="Courier"/>
                 <a:sym typeface="Courier New"/>
               </a:rPr>
               <a:t>l</a:t>
             </a:r>
             <a:r>
-              <a:rPr lang="en-US" sz="3000" b="1" i="0" u="none" strike="noStrike" cap="none" dirty="0">
-                <a:solidFill>
-                  <a:schemeClr val="lt1"/>
-                </a:solidFill>
-                <a:latin typeface="Courier New"/>
-                <a:ea typeface="Courier New"/>
-                <a:cs typeface="Courier New"/>
+              <a:rPr lang="en-US" sz="3000" i="0" u="none" strike="noStrike" cap="none" dirty="0">
+                <a:solidFill>
+                  <a:schemeClr val="lt1"/>
+                </a:solidFill>
+                <a:latin typeface="Courier"/>
+                <a:ea typeface="Courier New"/>
+                <a:cs typeface="Courier"/>
                 <a:sym typeface="Courier New"/>
               </a:rPr>
               <a:t> = </a:t>
             </a:r>
             <a:r>
-              <a:rPr lang="en-US" sz="3000" b="1" i="0" u="none" strike="noStrike" cap="none" dirty="0">
+              <a:rPr lang="en-US" sz="3000" i="0" u="none" strike="noStrike" cap="none" dirty="0">
                 <a:solidFill>
                   <a:srgbClr val="FF00FF"/>
                 </a:solidFill>
-                <a:latin typeface="Courier New"/>
-                <a:ea typeface="Courier New"/>
-                <a:cs typeface="Courier New"/>
+                <a:latin typeface="Courier"/>
+                <a:ea typeface="Courier New"/>
+                <a:cs typeface="Courier"/>
                 <a:sym typeface="Courier New"/>
               </a:rPr>
               <a:t>list</a:t>
             </a:r>
             <a:r>
-              <a:rPr lang="en-US" sz="3000" b="1" i="0" u="none" strike="noStrike" cap="none" dirty="0">
-                <a:solidFill>
-                  <a:schemeClr val="lt1"/>
-                </a:solidFill>
-                <a:latin typeface="Courier New"/>
-                <a:ea typeface="Courier New"/>
-                <a:cs typeface="Courier New"/>
+              <a:rPr lang="en-US" sz="3000" i="0" u="none" strike="noStrike" cap="none" dirty="0">
+                <a:solidFill>
+                  <a:schemeClr val="lt1"/>
+                </a:solidFill>
+                <a:latin typeface="Courier"/>
+                <a:ea typeface="Courier New"/>
+                <a:cs typeface="Courier"/>
                 <a:sym typeface="Courier New"/>
               </a:rPr>
               <a:t>()</a:t>
@@ -13880,61 +13736,61 @@
               <a:buNone/>
             </a:pPr>
             <a:r>
-              <a:rPr lang="en-US" sz="3000" b="1" i="0" u="none" strike="noStrike" cap="none" dirty="0">
-                <a:solidFill>
-                  <a:schemeClr val="lt1"/>
-                </a:solidFill>
-                <a:latin typeface="Courier New"/>
-                <a:ea typeface="Courier New"/>
-                <a:cs typeface="Courier New"/>
+              <a:rPr lang="en-US" sz="3000" i="0" u="none" strike="noStrike" cap="none" dirty="0">
+                <a:solidFill>
+                  <a:schemeClr val="lt1"/>
+                </a:solidFill>
+                <a:latin typeface="Courier"/>
+                <a:ea typeface="Courier New"/>
+                <a:cs typeface="Courier"/>
                 <a:sym typeface="Courier New"/>
               </a:rPr>
               <a:t>&gt;&gt;&gt; </a:t>
             </a:r>
             <a:r>
-              <a:rPr lang="en-US" sz="3000" b="1" i="0" u="none" strike="noStrike" cap="none" dirty="0" err="1">
+              <a:rPr lang="en-US" sz="3000" i="0" u="none" strike="noStrike" cap="none" dirty="0" err="1">
                 <a:solidFill>
                   <a:srgbClr val="FF00FF"/>
                 </a:solidFill>
-                <a:latin typeface="Courier New"/>
-                <a:ea typeface="Courier New"/>
-                <a:cs typeface="Courier New"/>
+                <a:latin typeface="Courier"/>
+                <a:ea typeface="Courier New"/>
+                <a:cs typeface="Courier"/>
                 <a:sym typeface="Courier New"/>
               </a:rPr>
               <a:t>dir</a:t>
             </a:r>
             <a:r>
-              <a:rPr lang="en-US" sz="3000" b="1" i="0" u="none" strike="noStrike" cap="none" dirty="0">
-                <a:solidFill>
-                  <a:schemeClr val="lt1"/>
-                </a:solidFill>
-                <a:latin typeface="Courier New"/>
-                <a:ea typeface="Courier New"/>
-                <a:cs typeface="Courier New"/>
+              <a:rPr lang="en-US" sz="3000" i="0" u="none" strike="noStrike" cap="none" dirty="0">
+                <a:solidFill>
+                  <a:schemeClr val="lt1"/>
+                </a:solidFill>
+                <a:latin typeface="Courier"/>
+                <a:ea typeface="Courier New"/>
+                <a:cs typeface="Courier"/>
                 <a:sym typeface="Courier New"/>
               </a:rPr>
               <a:t>(</a:t>
             </a:r>
             <a:r>
-              <a:rPr lang="en-US" sz="3000" b="1" i="0" u="none" strike="noStrike" cap="none" dirty="0">
+              <a:rPr lang="en-US" sz="3000" i="0" u="none" strike="noStrike" cap="none" dirty="0">
                 <a:solidFill>
                   <a:srgbClr val="00FF00"/>
                 </a:solidFill>
-                <a:latin typeface="Courier New"/>
-                <a:ea typeface="Courier New"/>
-                <a:cs typeface="Courier New"/>
+                <a:latin typeface="Courier"/>
+                <a:ea typeface="Courier New"/>
+                <a:cs typeface="Courier"/>
                 <a:sym typeface="Courier New"/>
               </a:rPr>
               <a:t>l</a:t>
             </a:r>
             <a:r>
-              <a:rPr lang="en-US" sz="3000" b="1" i="0" u="none" strike="noStrike" cap="none" dirty="0">
-                <a:solidFill>
-                  <a:schemeClr val="lt1"/>
-                </a:solidFill>
-                <a:latin typeface="Courier New"/>
-                <a:ea typeface="Courier New"/>
-                <a:cs typeface="Courier New"/>
+              <a:rPr lang="en-US" sz="3000" i="0" u="none" strike="noStrike" cap="none" dirty="0">
+                <a:solidFill>
+                  <a:schemeClr val="lt1"/>
+                </a:solidFill>
+                <a:latin typeface="Courier"/>
+                <a:ea typeface="Courier New"/>
+                <a:cs typeface="Courier"/>
                 <a:sym typeface="Courier New"/>
               </a:rPr>
               <a:t>)</a:t>
@@ -13959,13 +13815,13 @@
               <a:buNone/>
             </a:pPr>
             <a:r>
-              <a:rPr lang="en-US" sz="3000" b="1" i="0" u="none" strike="noStrike" cap="none" dirty="0">
-                <a:solidFill>
-                  <a:schemeClr val="lt1"/>
-                </a:solidFill>
-                <a:latin typeface="Courier New"/>
-                <a:ea typeface="Courier New"/>
-                <a:cs typeface="Courier New"/>
+              <a:rPr lang="en-US" sz="3000" i="0" u="none" strike="noStrike" cap="none" dirty="0">
+                <a:solidFill>
+                  <a:schemeClr val="lt1"/>
+                </a:solidFill>
+                <a:latin typeface="Courier"/>
+                <a:ea typeface="Courier New"/>
+                <a:cs typeface="Courier"/>
                 <a:sym typeface="Courier New"/>
               </a:rPr>
               <a:t>['append', 'count', 'extend', 'index', 'insert', 'pop', 'remove', 'reverse', 'sort']</a:t>
@@ -13988,13 +13844,13 @@
               <a:buFont typeface="Arial"/>
               <a:buNone/>
             </a:pPr>
-            <a:endParaRPr sz="3000" b="1" i="0" u="none" strike="noStrike" cap="none" dirty="0">
+            <a:endParaRPr sz="3000" i="0" u="none" strike="noStrike" cap="none" dirty="0">
               <a:solidFill>
                 <a:schemeClr val="lt1"/>
               </a:solidFill>
-              <a:latin typeface="Courier New"/>
+              <a:latin typeface="Courier"/>
               <a:ea typeface="Courier New"/>
-              <a:cs typeface="Courier New"/>
+              <a:cs typeface="Courier"/>
               <a:sym typeface="Courier New"/>
             </a:endParaRPr>
           </a:p>
@@ -14017,61 +13873,61 @@
               <a:buNone/>
             </a:pPr>
             <a:r>
-              <a:rPr lang="en-US" sz="3000" b="1" i="0" u="none" strike="noStrike" cap="none" dirty="0">
-                <a:solidFill>
-                  <a:schemeClr val="lt1"/>
-                </a:solidFill>
-                <a:latin typeface="Courier New"/>
-                <a:ea typeface="Courier New"/>
-                <a:cs typeface="Courier New"/>
+              <a:rPr lang="en-US" sz="3000" i="0" u="none" strike="noStrike" cap="none" dirty="0">
+                <a:solidFill>
+                  <a:schemeClr val="lt1"/>
+                </a:solidFill>
+                <a:latin typeface="Courier"/>
+                <a:ea typeface="Courier New"/>
+                <a:cs typeface="Courier"/>
                 <a:sym typeface="Courier New"/>
               </a:rPr>
               <a:t>&gt;&gt;&gt; </a:t>
             </a:r>
             <a:r>
-              <a:rPr lang="en-US" sz="3000" b="1" i="0" u="none" strike="noStrike" cap="none" dirty="0">
+              <a:rPr lang="en-US" sz="3000" i="0" u="none" strike="noStrike" cap="none" dirty="0">
                 <a:solidFill>
                   <a:srgbClr val="00FF00"/>
                 </a:solidFill>
-                <a:latin typeface="Courier New"/>
-                <a:ea typeface="Courier New"/>
-                <a:cs typeface="Courier New"/>
+                <a:latin typeface="Courier"/>
+                <a:ea typeface="Courier New"/>
+                <a:cs typeface="Courier"/>
                 <a:sym typeface="Courier New"/>
               </a:rPr>
               <a:t>t</a:t>
             </a:r>
             <a:r>
-              <a:rPr lang="en-US" sz="3000" b="1" i="0" u="none" strike="noStrike" cap="none" dirty="0">
-                <a:solidFill>
-                  <a:schemeClr val="lt1"/>
-                </a:solidFill>
-                <a:latin typeface="Courier New"/>
-                <a:ea typeface="Courier New"/>
-                <a:cs typeface="Courier New"/>
+              <a:rPr lang="en-US" sz="3000" i="0" u="none" strike="noStrike" cap="none" dirty="0">
+                <a:solidFill>
+                  <a:schemeClr val="lt1"/>
+                </a:solidFill>
+                <a:latin typeface="Courier"/>
+                <a:ea typeface="Courier New"/>
+                <a:cs typeface="Courier"/>
                 <a:sym typeface="Courier New"/>
               </a:rPr>
               <a:t> = </a:t>
             </a:r>
             <a:r>
-              <a:rPr lang="en-US" sz="3000" b="1" i="0" u="none" strike="noStrike" cap="none" dirty="0">
+              <a:rPr lang="en-US" sz="3000" i="0" u="none" strike="noStrike" cap="none" dirty="0">
                 <a:solidFill>
                   <a:srgbClr val="FF00FF"/>
                 </a:solidFill>
-                <a:latin typeface="Courier New"/>
-                <a:ea typeface="Courier New"/>
-                <a:cs typeface="Courier New"/>
+                <a:latin typeface="Courier"/>
+                <a:ea typeface="Courier New"/>
+                <a:cs typeface="Courier"/>
                 <a:sym typeface="Courier New"/>
               </a:rPr>
               <a:t>tuple</a:t>
             </a:r>
             <a:r>
-              <a:rPr lang="en-US" sz="3000" b="1" i="0" u="none" strike="noStrike" cap="none" dirty="0">
-                <a:solidFill>
-                  <a:schemeClr val="lt1"/>
-                </a:solidFill>
-                <a:latin typeface="Courier New"/>
-                <a:ea typeface="Courier New"/>
-                <a:cs typeface="Courier New"/>
+              <a:rPr lang="en-US" sz="3000" i="0" u="none" strike="noStrike" cap="none" dirty="0">
+                <a:solidFill>
+                  <a:schemeClr val="lt1"/>
+                </a:solidFill>
+                <a:latin typeface="Courier"/>
+                <a:ea typeface="Courier New"/>
+                <a:cs typeface="Courier"/>
                 <a:sym typeface="Courier New"/>
               </a:rPr>
               <a:t>()</a:t>
@@ -14096,61 +13952,61 @@
               <a:buNone/>
             </a:pPr>
             <a:r>
-              <a:rPr lang="en-US" sz="3000" b="1" i="0" u="none" strike="noStrike" cap="none" dirty="0">
-                <a:solidFill>
-                  <a:schemeClr val="lt1"/>
-                </a:solidFill>
-                <a:latin typeface="Courier New"/>
-                <a:ea typeface="Courier New"/>
-                <a:cs typeface="Courier New"/>
+              <a:rPr lang="en-US" sz="3000" i="0" u="none" strike="noStrike" cap="none" dirty="0">
+                <a:solidFill>
+                  <a:schemeClr val="lt1"/>
+                </a:solidFill>
+                <a:latin typeface="Courier"/>
+                <a:ea typeface="Courier New"/>
+                <a:cs typeface="Courier"/>
                 <a:sym typeface="Courier New"/>
               </a:rPr>
               <a:t>&gt;&gt;&gt; </a:t>
             </a:r>
             <a:r>
-              <a:rPr lang="en-US" sz="3000" b="1" i="0" u="none" strike="noStrike" cap="none" dirty="0" err="1">
+              <a:rPr lang="en-US" sz="3000" i="0" u="none" strike="noStrike" cap="none" dirty="0" err="1">
                 <a:solidFill>
                   <a:srgbClr val="FF00FF"/>
                 </a:solidFill>
-                <a:latin typeface="Courier New"/>
-                <a:ea typeface="Courier New"/>
-                <a:cs typeface="Courier New"/>
+                <a:latin typeface="Courier"/>
+                <a:ea typeface="Courier New"/>
+                <a:cs typeface="Courier"/>
                 <a:sym typeface="Courier New"/>
               </a:rPr>
               <a:t>dir</a:t>
             </a:r>
             <a:r>
-              <a:rPr lang="en-US" sz="3000" b="1" i="0" u="none" strike="noStrike" cap="none" dirty="0">
-                <a:solidFill>
-                  <a:schemeClr val="lt1"/>
-                </a:solidFill>
-                <a:latin typeface="Courier New"/>
-                <a:ea typeface="Courier New"/>
-                <a:cs typeface="Courier New"/>
+              <a:rPr lang="en-US" sz="3000" i="0" u="none" strike="noStrike" cap="none" dirty="0">
+                <a:solidFill>
+                  <a:schemeClr val="lt1"/>
+                </a:solidFill>
+                <a:latin typeface="Courier"/>
+                <a:ea typeface="Courier New"/>
+                <a:cs typeface="Courier"/>
                 <a:sym typeface="Courier New"/>
               </a:rPr>
               <a:t>(</a:t>
             </a:r>
             <a:r>
-              <a:rPr lang="en-US" sz="3000" b="1" i="0" u="none" strike="noStrike" cap="none" dirty="0">
+              <a:rPr lang="en-US" sz="3000" i="0" u="none" strike="noStrike" cap="none" dirty="0">
                 <a:solidFill>
                   <a:srgbClr val="00FF00"/>
                 </a:solidFill>
-                <a:latin typeface="Courier New"/>
-                <a:ea typeface="Courier New"/>
-                <a:cs typeface="Courier New"/>
+                <a:latin typeface="Courier"/>
+                <a:ea typeface="Courier New"/>
+                <a:cs typeface="Courier"/>
                 <a:sym typeface="Courier New"/>
               </a:rPr>
               <a:t>t</a:t>
             </a:r>
             <a:r>
-              <a:rPr lang="en-US" sz="3000" b="1" i="0" u="none" strike="noStrike" cap="none" dirty="0">
-                <a:solidFill>
-                  <a:schemeClr val="lt1"/>
-                </a:solidFill>
-                <a:latin typeface="Courier New"/>
-                <a:ea typeface="Courier New"/>
-                <a:cs typeface="Courier New"/>
+              <a:rPr lang="en-US" sz="3000" i="0" u="none" strike="noStrike" cap="none" dirty="0">
+                <a:solidFill>
+                  <a:schemeClr val="lt1"/>
+                </a:solidFill>
+                <a:latin typeface="Courier"/>
+                <a:ea typeface="Courier New"/>
+                <a:cs typeface="Courier"/>
                 <a:sym typeface="Courier New"/>
               </a:rPr>
               <a:t>)</a:t>
@@ -14175,13 +14031,13 @@
               <a:buNone/>
             </a:pPr>
             <a:r>
-              <a:rPr lang="en-US" sz="3000" b="1" i="0" u="none" strike="noStrike" cap="none" dirty="0">
-                <a:solidFill>
-                  <a:schemeClr val="lt1"/>
-                </a:solidFill>
-                <a:latin typeface="Courier New"/>
-                <a:ea typeface="Courier New"/>
-                <a:cs typeface="Courier New"/>
+              <a:rPr lang="en-US" sz="3000" i="0" u="none" strike="noStrike" cap="none" dirty="0">
+                <a:solidFill>
+                  <a:schemeClr val="lt1"/>
+                </a:solidFill>
+                <a:latin typeface="Courier"/>
+                <a:ea typeface="Courier New"/>
+                <a:cs typeface="Courier"/>
                 <a:sym typeface="Courier New"/>
               </a:rPr>
               <a:t>['count', 'index']</a:t>
@@ -14197,7 +14053,7 @@
   <p:timing>
     <p:tnLst>
       <p:par>
-        <p:cTn id="1" dur="indefinite" restart="never" nodeType="tmRoot"/>
+        <p:cTn xmlns:p14="http://schemas.microsoft.com/office/powerpoint/2010/main" id="1" dur="indefinite" restart="never" nodeType="tmRoot"/>
       </p:par>
     </p:tnLst>
   </p:timing>
@@ -14232,6 +14088,10 @@
           </p:nvPr>
         </p:nvSpPr>
         <p:spPr>
+          <a:xfrm>
+            <a:off x="1155700" y="789708"/>
+            <a:ext cx="13322300" cy="1750191"/>
+          </a:xfrm>
           <a:prstGeom prst="rect">
             <a:avLst/>
           </a:prstGeom>
@@ -14273,7 +14133,7 @@
                 <a:cs typeface="Arial" charset="0"/>
                 <a:sym typeface="Cabin"/>
               </a:rPr>
-              <a:t>Tuples are more efficient</a:t>
+              <a:t>Tuples are More Efficient</a:t>
             </a:r>
           </a:p>
         </p:txBody>
@@ -14378,7 +14238,7 @@
   <p:timing>
     <p:tnLst>
       <p:par>
-        <p:cTn id="1" dur="indefinite" restart="never" nodeType="tmRoot"/>
+        <p:cTn xmlns:p14="http://schemas.microsoft.com/office/powerpoint/2010/main" id="1" dur="indefinite" restart="never" nodeType="tmRoot"/>
       </p:par>
     </p:tnLst>
   </p:timing>
@@ -14642,73 +14502,73 @@
               <a:buNone/>
             </a:pPr>
             <a:r>
-              <a:rPr lang="en-US" sz="3300" b="1" i="0" u="none" strike="noStrike" cap="none" dirty="0">
-                <a:solidFill>
-                  <a:schemeClr val="lt1"/>
-                </a:solidFill>
-                <a:latin typeface="Courier New"/>
-                <a:ea typeface="Courier New"/>
-                <a:cs typeface="Courier New"/>
+              <a:rPr lang="en-US" sz="3300" i="0" u="none" strike="noStrike" cap="none" dirty="0">
+                <a:solidFill>
+                  <a:schemeClr val="lt1"/>
+                </a:solidFill>
+                <a:latin typeface="Courier"/>
+                <a:ea typeface="Courier New"/>
+                <a:cs typeface="Courier"/>
                 <a:sym typeface="Courier New"/>
               </a:rPr>
               <a:t>&gt;&gt;&gt; </a:t>
             </a:r>
             <a:r>
-              <a:rPr lang="en-US" sz="3300" b="1" i="0" u="none" strike="noStrike" cap="none" dirty="0">
+              <a:rPr lang="en-US" sz="3300" i="0" u="none" strike="noStrike" cap="none" dirty="0">
                 <a:solidFill>
                   <a:srgbClr val="FF7F00"/>
                 </a:solidFill>
-                <a:latin typeface="Courier New"/>
-                <a:ea typeface="Courier New"/>
-                <a:cs typeface="Courier New"/>
+                <a:latin typeface="Courier"/>
+                <a:ea typeface="Courier New"/>
+                <a:cs typeface="Courier"/>
                 <a:sym typeface="Courier New"/>
               </a:rPr>
               <a:t>(x, y)</a:t>
             </a:r>
             <a:r>
-              <a:rPr lang="en-US" sz="3300" b="1" i="0" u="none" strike="noStrike" cap="none" dirty="0">
-                <a:solidFill>
-                  <a:schemeClr val="lt1"/>
-                </a:solidFill>
-                <a:latin typeface="Courier New"/>
-                <a:ea typeface="Courier New"/>
-                <a:cs typeface="Courier New"/>
+              <a:rPr lang="en-US" sz="3300" i="0" u="none" strike="noStrike" cap="none" dirty="0">
+                <a:solidFill>
+                  <a:schemeClr val="lt1"/>
+                </a:solidFill>
+                <a:latin typeface="Courier"/>
+                <a:ea typeface="Courier New"/>
+                <a:cs typeface="Courier"/>
                 <a:sym typeface="Courier New"/>
               </a:rPr>
               <a:t> = </a:t>
             </a:r>
             <a:r>
-              <a:rPr lang="en-US" sz="3300" b="1" i="0" u="none" strike="noStrike" cap="none" dirty="0">
+              <a:rPr lang="en-US" sz="3300" i="0" u="none" strike="noStrike" cap="none" dirty="0">
                 <a:solidFill>
                   <a:srgbClr val="FF7F00"/>
                 </a:solidFill>
-                <a:latin typeface="Courier New"/>
-                <a:ea typeface="Courier New"/>
-                <a:cs typeface="Courier New"/>
+                <a:latin typeface="Courier"/>
+                <a:ea typeface="Courier New"/>
+                <a:cs typeface="Courier"/>
                 <a:sym typeface="Courier New"/>
               </a:rPr>
               <a:t>(4, '</a:t>
             </a:r>
             <a:r>
-              <a:rPr lang="en-US" sz="3300" b="1" i="0" u="none" strike="noStrike" cap="none" dirty="0" err="1">
+              <a:rPr lang="en-US" sz="3300" i="0" u="none" strike="noStrike" cap="none" dirty="0" err="1">
                 <a:solidFill>
                   <a:srgbClr val="FF7F00"/>
                 </a:solidFill>
-                <a:latin typeface="Courier New"/>
-                <a:ea typeface="Courier New"/>
-                <a:cs typeface="Courier New"/>
+                <a:latin typeface="Courier"/>
+                <a:ea typeface="Courier New"/>
+                <a:cs typeface="Courier"/>
                 <a:sym typeface="Courier New"/>
               </a:rPr>
               <a:t>fred</a:t>
             </a:r>
             <a:r>
-              <a:rPr lang="en-US" sz="3300" b="1" i="0" u="none" strike="noStrike" cap="none" dirty="0">
+              <a:rPr lang="en-US" sz="3300" i="0" u="none" strike="noStrike" cap="none" dirty="0">
                 <a:solidFill>
                   <a:srgbClr val="FF7F00"/>
                 </a:solidFill>
-                <a:latin typeface="Courier New"/>
-                <a:ea typeface="Courier New"/>
-                <a:cs typeface="Courier New"/>
+                <a:latin typeface="Courier"/>
+                <a:ea typeface="Courier New"/>
+                <a:cs typeface="Courier"/>
                 <a:sym typeface="Courier New"/>
               </a:rPr>
               <a:t>')</a:t>
@@ -14722,60 +14582,60 @@
               <a:buSzPct val="25000"/>
             </a:pPr>
             <a:r>
-              <a:rPr lang="en-US" sz="3300" b="1" i="0" u="none" strike="noStrike" cap="none" dirty="0">
-                <a:solidFill>
-                  <a:schemeClr val="lt1"/>
-                </a:solidFill>
-                <a:latin typeface="Courier New"/>
-                <a:ea typeface="Courier New"/>
-                <a:cs typeface="Courier New"/>
+              <a:rPr lang="en-US" sz="3300" i="0" u="none" strike="noStrike" cap="none" dirty="0">
+                <a:solidFill>
+                  <a:schemeClr val="lt1"/>
+                </a:solidFill>
+                <a:latin typeface="Courier"/>
+                <a:ea typeface="Courier New"/>
+                <a:cs typeface="Courier"/>
                 <a:sym typeface="Courier New"/>
               </a:rPr>
               <a:t>&gt;&gt;&gt; </a:t>
             </a:r>
             <a:r>
-              <a:rPr lang="en-US" sz="3300" b="1" i="0" u="none" strike="noStrike" cap="none" dirty="0" smtClean="0">
+              <a:rPr lang="en-US" sz="3300" i="0" u="none" strike="noStrike" cap="none" dirty="0" smtClean="0">
                 <a:solidFill>
                   <a:srgbClr val="FFFF00"/>
                 </a:solidFill>
-                <a:latin typeface="Courier New"/>
-                <a:ea typeface="Courier New"/>
-                <a:cs typeface="Courier New"/>
+                <a:latin typeface="Courier"/>
+                <a:ea typeface="Courier New"/>
+                <a:cs typeface="Courier"/>
                 <a:sym typeface="Courier New"/>
               </a:rPr>
               <a:t>print(</a:t>
             </a:r>
             <a:r>
-              <a:rPr lang="en-US" sz="3300" b="1" i="0" u="none" strike="noStrike" cap="none" dirty="0" smtClean="0">
+              <a:rPr lang="en-US" sz="3300" i="0" u="none" strike="noStrike" cap="none" dirty="0" smtClean="0">
                 <a:solidFill>
                   <a:srgbClr val="00FF00"/>
                 </a:solidFill>
-                <a:latin typeface="Courier New"/>
-                <a:ea typeface="Courier New"/>
-                <a:cs typeface="Courier New"/>
+                <a:latin typeface="Courier"/>
+                <a:ea typeface="Courier New"/>
+                <a:cs typeface="Courier"/>
                 <a:sym typeface="Courier New"/>
               </a:rPr>
               <a:t>y</a:t>
             </a:r>
             <a:r>
-              <a:rPr lang="en-US" sz="3600" b="1" dirty="0" smtClean="0">
+              <a:rPr lang="en-US" sz="3600" dirty="0" smtClean="0">
                 <a:solidFill>
                   <a:srgbClr val="FFFF00"/>
                 </a:solidFill>
-                <a:latin typeface="Courier New"/>
-                <a:ea typeface="Courier New"/>
-                <a:cs typeface="Courier New"/>
+                <a:latin typeface="Courier"/>
+                <a:ea typeface="Courier New"/>
+                <a:cs typeface="Courier"/>
                 <a:sym typeface="Courier New"/>
               </a:rPr>
               <a:t>)</a:t>
             </a:r>
-            <a:endParaRPr lang="en-US" sz="3300" b="1" i="0" u="none" strike="noStrike" cap="none" dirty="0">
+            <a:endParaRPr lang="en-US" sz="3300" i="0" u="none" strike="noStrike" cap="none" dirty="0">
               <a:solidFill>
                 <a:srgbClr val="00FF00"/>
               </a:solidFill>
-              <a:latin typeface="Courier New"/>
+              <a:latin typeface="Courier"/>
               <a:ea typeface="Courier New"/>
-              <a:cs typeface="Courier New"/>
+              <a:cs typeface="Courier"/>
               <a:sym typeface="Courier New"/>
             </a:endParaRPr>
           </a:p>
@@ -14798,24 +14658,24 @@
               <a:buNone/>
             </a:pPr>
             <a:r>
-              <a:rPr lang="en-US" sz="3300" b="1" i="0" u="none" strike="noStrike" cap="none" dirty="0" err="1">
-                <a:solidFill>
-                  <a:schemeClr val="lt1"/>
-                </a:solidFill>
-                <a:latin typeface="Courier New"/>
-                <a:ea typeface="Courier New"/>
-                <a:cs typeface="Courier New"/>
+              <a:rPr lang="en-US" sz="3300" i="0" u="none" strike="noStrike" cap="none" dirty="0" err="1">
+                <a:solidFill>
+                  <a:schemeClr val="lt1"/>
+                </a:solidFill>
+                <a:latin typeface="Courier"/>
+                <a:ea typeface="Courier New"/>
+                <a:cs typeface="Courier"/>
                 <a:sym typeface="Courier New"/>
               </a:rPr>
               <a:t>fred</a:t>
             </a:r>
-            <a:endParaRPr lang="en-US" sz="3300" b="1" i="0" u="none" strike="noStrike" cap="none" dirty="0">
+            <a:endParaRPr lang="en-US" sz="3300" i="0" u="none" strike="noStrike" cap="none" dirty="0">
               <a:solidFill>
                 <a:schemeClr val="lt1"/>
               </a:solidFill>
-              <a:latin typeface="Courier New"/>
+              <a:latin typeface="Courier"/>
               <a:ea typeface="Courier New"/>
-              <a:cs typeface="Courier New"/>
+              <a:cs typeface="Courier"/>
               <a:sym typeface="Courier New"/>
             </a:endParaRPr>
           </a:p>
@@ -14838,49 +14698,49 @@
               <a:buNone/>
             </a:pPr>
             <a:r>
-              <a:rPr lang="en-US" sz="3300" b="1" i="0" u="none" strike="noStrike" cap="none" dirty="0">
-                <a:solidFill>
-                  <a:schemeClr val="lt1"/>
-                </a:solidFill>
-                <a:latin typeface="Courier New"/>
-                <a:ea typeface="Courier New"/>
-                <a:cs typeface="Courier New"/>
+              <a:rPr lang="en-US" sz="3300" i="0" u="none" strike="noStrike" cap="none" dirty="0">
+                <a:solidFill>
+                  <a:schemeClr val="lt1"/>
+                </a:solidFill>
+                <a:latin typeface="Courier"/>
+                <a:ea typeface="Courier New"/>
+                <a:cs typeface="Courier"/>
                 <a:sym typeface="Courier New"/>
               </a:rPr>
               <a:t>&gt;&gt;&gt; </a:t>
             </a:r>
             <a:r>
-              <a:rPr lang="en-US" sz="3300" b="1" i="0" u="none" strike="noStrike" cap="none" dirty="0">
+              <a:rPr lang="en-US" sz="3300" i="0" u="none" strike="noStrike" cap="none" dirty="0">
                 <a:solidFill>
                   <a:srgbClr val="FF7F00"/>
                 </a:solidFill>
-                <a:latin typeface="Courier New"/>
-                <a:ea typeface="Courier New"/>
-                <a:cs typeface="Courier New"/>
+                <a:latin typeface="Courier"/>
+                <a:ea typeface="Courier New"/>
+                <a:cs typeface="Courier"/>
                 <a:sym typeface="Courier New"/>
               </a:rPr>
               <a:t>(a, b)</a:t>
             </a:r>
             <a:r>
-              <a:rPr lang="en-US" sz="3300" b="1" i="0" u="none" strike="noStrike" cap="none" dirty="0">
-                <a:solidFill>
-                  <a:schemeClr val="lt1"/>
-                </a:solidFill>
-                <a:latin typeface="Courier New"/>
-                <a:ea typeface="Courier New"/>
-                <a:cs typeface="Courier New"/>
+              <a:rPr lang="en-US" sz="3300" i="0" u="none" strike="noStrike" cap="none" dirty="0">
+                <a:solidFill>
+                  <a:schemeClr val="lt1"/>
+                </a:solidFill>
+                <a:latin typeface="Courier"/>
+                <a:ea typeface="Courier New"/>
+                <a:cs typeface="Courier"/>
                 <a:sym typeface="Courier New"/>
               </a:rPr>
               <a:t> = </a:t>
             </a:r>
             <a:r>
-              <a:rPr lang="en-US" sz="3300" b="1" i="0" u="none" strike="noStrike" cap="none" dirty="0">
+              <a:rPr lang="en-US" sz="3300" i="0" u="none" strike="noStrike" cap="none" dirty="0">
                 <a:solidFill>
                   <a:srgbClr val="FF7F00"/>
                 </a:solidFill>
-                <a:latin typeface="Courier New"/>
-                <a:ea typeface="Courier New"/>
-                <a:cs typeface="Courier New"/>
+                <a:latin typeface="Courier"/>
+                <a:ea typeface="Courier New"/>
+                <a:cs typeface="Courier"/>
                 <a:sym typeface="Courier New"/>
               </a:rPr>
               <a:t>(99, 98)</a:t>
@@ -14894,60 +14754,60 @@
               <a:buSzPct val="25000"/>
             </a:pPr>
             <a:r>
-              <a:rPr lang="en-US" sz="3300" b="1" i="0" u="none" strike="noStrike" cap="none" dirty="0">
-                <a:solidFill>
-                  <a:schemeClr val="lt1"/>
-                </a:solidFill>
-                <a:latin typeface="Courier New"/>
-                <a:ea typeface="Courier New"/>
-                <a:cs typeface="Courier New"/>
+              <a:rPr lang="en-US" sz="3300" i="0" u="none" strike="noStrike" cap="none" dirty="0">
+                <a:solidFill>
+                  <a:schemeClr val="lt1"/>
+                </a:solidFill>
+                <a:latin typeface="Courier"/>
+                <a:ea typeface="Courier New"/>
+                <a:cs typeface="Courier"/>
                 <a:sym typeface="Courier New"/>
               </a:rPr>
               <a:t>&gt;&gt;&gt; </a:t>
             </a:r>
             <a:r>
-              <a:rPr lang="en-US" sz="3300" b="1" i="0" u="none" strike="noStrike" cap="none" dirty="0" smtClean="0">
+              <a:rPr lang="en-US" sz="3300" i="0" u="none" strike="noStrike" cap="none" dirty="0" smtClean="0">
                 <a:solidFill>
                   <a:srgbClr val="FFFF00"/>
                 </a:solidFill>
-                <a:latin typeface="Courier New"/>
-                <a:ea typeface="Courier New"/>
-                <a:cs typeface="Courier New"/>
+                <a:latin typeface="Courier"/>
+                <a:ea typeface="Courier New"/>
+                <a:cs typeface="Courier"/>
                 <a:sym typeface="Courier New"/>
               </a:rPr>
               <a:t>print(</a:t>
             </a:r>
             <a:r>
-              <a:rPr lang="en-US" sz="3300" b="1" i="0" u="none" strike="noStrike" cap="none" dirty="0" smtClean="0">
+              <a:rPr lang="en-US" sz="3300" i="0" u="none" strike="noStrike" cap="none" dirty="0" smtClean="0">
                 <a:solidFill>
                   <a:srgbClr val="00FF00"/>
                 </a:solidFill>
-                <a:latin typeface="Courier New"/>
-                <a:ea typeface="Courier New"/>
-                <a:cs typeface="Courier New"/>
+                <a:latin typeface="Courier"/>
+                <a:ea typeface="Courier New"/>
+                <a:cs typeface="Courier"/>
                 <a:sym typeface="Courier New"/>
               </a:rPr>
               <a:t>a</a:t>
             </a:r>
             <a:r>
-              <a:rPr lang="en-US" sz="3600" b="1" dirty="0" smtClean="0">
+              <a:rPr lang="en-US" sz="3600" dirty="0" smtClean="0">
                 <a:solidFill>
                   <a:srgbClr val="FFFF00"/>
                 </a:solidFill>
-                <a:latin typeface="Courier New"/>
-                <a:ea typeface="Courier New"/>
-                <a:cs typeface="Courier New"/>
+                <a:latin typeface="Courier"/>
+                <a:ea typeface="Courier New"/>
+                <a:cs typeface="Courier"/>
                 <a:sym typeface="Courier New"/>
               </a:rPr>
               <a:t>)</a:t>
             </a:r>
-            <a:endParaRPr lang="en-US" sz="3300" b="1" i="0" u="none" strike="noStrike" cap="none" dirty="0">
+            <a:endParaRPr lang="en-US" sz="3300" i="0" u="none" strike="noStrike" cap="none" dirty="0">
               <a:solidFill>
                 <a:srgbClr val="00FF00"/>
               </a:solidFill>
-              <a:latin typeface="Courier New"/>
+              <a:latin typeface="Courier"/>
               <a:ea typeface="Courier New"/>
-              <a:cs typeface="Courier New"/>
+              <a:cs typeface="Courier"/>
               <a:sym typeface="Courier New"/>
             </a:endParaRPr>
           </a:p>
@@ -14970,13 +14830,13 @@
               <a:buNone/>
             </a:pPr>
             <a:r>
-              <a:rPr lang="en-US" sz="3300" b="1" i="0" u="none" strike="noStrike" cap="none" dirty="0">
-                <a:solidFill>
-                  <a:schemeClr val="lt1"/>
-                </a:solidFill>
-                <a:latin typeface="Courier New"/>
-                <a:ea typeface="Courier New"/>
-                <a:cs typeface="Courier New"/>
+              <a:rPr lang="en-US" sz="3300" i="0" u="none" strike="noStrike" cap="none" dirty="0">
+                <a:solidFill>
+                  <a:schemeClr val="lt1"/>
+                </a:solidFill>
+                <a:latin typeface="Courier"/>
+                <a:ea typeface="Courier New"/>
+                <a:cs typeface="Courier"/>
                 <a:sym typeface="Courier New"/>
               </a:rPr>
               <a:t>99</a:t>
@@ -14992,7 +14852,7 @@
   <p:timing>
     <p:tnLst>
       <p:par>
-        <p:cTn id="1" dur="indefinite" restart="never" nodeType="tmRoot"/>
+        <p:cTn xmlns:p14="http://schemas.microsoft.com/office/powerpoint/2010/main" id="1" dur="indefinite" restart="never" nodeType="tmRoot"/>
       </p:par>
     </p:tnLst>
   </p:timing>
@@ -15212,37 +15072,37 @@
               <a:buNone/>
             </a:pPr>
             <a:r>
-              <a:rPr lang="en-US" sz="3200" b="1" i="0" u="none" strike="noStrike" cap="none" dirty="0">
-                <a:solidFill>
-                  <a:schemeClr val="lt1"/>
-                </a:solidFill>
-                <a:latin typeface="Courier New"/>
-                <a:ea typeface="Courier New"/>
-                <a:cs typeface="Courier New"/>
+              <a:rPr lang="en-US" sz="3200" i="0" u="none" strike="noStrike" cap="none" dirty="0">
+                <a:solidFill>
+                  <a:schemeClr val="lt1"/>
+                </a:solidFill>
+                <a:latin typeface="Courier"/>
+                <a:ea typeface="Courier New"/>
+                <a:cs typeface="Courier"/>
                 <a:sym typeface="Courier New"/>
               </a:rPr>
               <a:t>&gt;&gt;&gt; d = </a:t>
             </a:r>
             <a:r>
-              <a:rPr lang="en-US" sz="3200" b="1" i="0" u="none" strike="noStrike" cap="none" dirty="0" err="1">
-                <a:solidFill>
-                  <a:schemeClr val="lt1"/>
-                </a:solidFill>
-                <a:latin typeface="Courier New"/>
-                <a:ea typeface="Courier New"/>
-                <a:cs typeface="Courier New"/>
+              <a:rPr lang="en-US" sz="3200" i="0" u="none" strike="noStrike" cap="none" dirty="0" err="1">
+                <a:solidFill>
+                  <a:schemeClr val="lt1"/>
+                </a:solidFill>
+                <a:latin typeface="Courier"/>
+                <a:ea typeface="Courier New"/>
+                <a:cs typeface="Courier"/>
                 <a:sym typeface="Courier New"/>
               </a:rPr>
               <a:t>dict</a:t>
             </a:r>
             <a:r>
-              <a:rPr lang="en-US" sz="3200" b="1" i="0" u="none" strike="noStrike" cap="none" dirty="0">
-                <a:solidFill>
-                  <a:schemeClr val="lt1"/>
-                </a:solidFill>
-                <a:latin typeface="Courier New"/>
-                <a:ea typeface="Courier New"/>
-                <a:cs typeface="Courier New"/>
+              <a:rPr lang="en-US" sz="3200" i="0" u="none" strike="noStrike" cap="none" dirty="0">
+                <a:solidFill>
+                  <a:schemeClr val="lt1"/>
+                </a:solidFill>
+                <a:latin typeface="Courier"/>
+                <a:ea typeface="Courier New"/>
+                <a:cs typeface="Courier"/>
                 <a:sym typeface="Courier New"/>
               </a:rPr>
               <a:t>()</a:t>
@@ -15267,73 +15127,73 @@
               <a:buNone/>
             </a:pPr>
             <a:r>
-              <a:rPr lang="en-US" sz="3200" b="1" i="0" u="none" strike="noStrike" cap="none" dirty="0">
-                <a:solidFill>
-                  <a:schemeClr val="lt1"/>
-                </a:solidFill>
-                <a:latin typeface="Courier New"/>
-                <a:ea typeface="Courier New"/>
-                <a:cs typeface="Courier New"/>
+              <a:rPr lang="en-US" sz="3200" i="0" u="none" strike="noStrike" cap="none" dirty="0">
+                <a:solidFill>
+                  <a:schemeClr val="lt1"/>
+                </a:solidFill>
+                <a:latin typeface="Courier"/>
+                <a:ea typeface="Courier New"/>
+                <a:cs typeface="Courier"/>
                 <a:sym typeface="Courier New"/>
               </a:rPr>
               <a:t>&gt;&gt;&gt; </a:t>
             </a:r>
             <a:r>
-              <a:rPr lang="en-US" sz="3200" b="1" i="0" u="none" strike="noStrike" cap="none" dirty="0">
+              <a:rPr lang="en-US" sz="3200" i="0" u="none" strike="noStrike" cap="none" dirty="0">
                 <a:solidFill>
                   <a:srgbClr val="00FF00"/>
                 </a:solidFill>
-                <a:latin typeface="Courier New"/>
-                <a:ea typeface="Courier New"/>
-                <a:cs typeface="Courier New"/>
+                <a:latin typeface="Courier"/>
+                <a:ea typeface="Courier New"/>
+                <a:cs typeface="Courier"/>
                 <a:sym typeface="Courier New"/>
               </a:rPr>
               <a:t>d</a:t>
             </a:r>
             <a:r>
-              <a:rPr lang="en-US" sz="3200" b="1" i="0" u="none" strike="noStrike" cap="none" dirty="0">
+              <a:rPr lang="en-US" sz="3200" i="0" u="none" strike="noStrike" cap="none" dirty="0">
                 <a:solidFill>
                   <a:srgbClr val="00FFFF"/>
                 </a:solidFill>
-                <a:latin typeface="Courier New"/>
-                <a:ea typeface="Courier New"/>
-                <a:cs typeface="Courier New"/>
+                <a:latin typeface="Courier"/>
+                <a:ea typeface="Courier New"/>
+                <a:cs typeface="Courier"/>
                 <a:sym typeface="Courier New"/>
               </a:rPr>
               <a:t>['</a:t>
             </a:r>
             <a:r>
-              <a:rPr lang="en-US" sz="3200" b="1" i="0" u="none" strike="noStrike" cap="none" dirty="0" err="1">
+              <a:rPr lang="en-US" sz="3200" i="0" u="none" strike="noStrike" cap="none" dirty="0" err="1">
                 <a:solidFill>
                   <a:srgbClr val="00FFFF"/>
                 </a:solidFill>
-                <a:latin typeface="Courier New"/>
-                <a:ea typeface="Courier New"/>
-                <a:cs typeface="Courier New"/>
+                <a:latin typeface="Courier"/>
+                <a:ea typeface="Courier New"/>
+                <a:cs typeface="Courier"/>
                 <a:sym typeface="Courier New"/>
               </a:rPr>
               <a:t>csev</a:t>
             </a:r>
             <a:r>
-              <a:rPr lang="en-US" sz="3200" b="1" i="0" u="none" strike="noStrike" cap="none" dirty="0">
+              <a:rPr lang="en-US" sz="3200" i="0" u="none" strike="noStrike" cap="none" dirty="0">
                 <a:solidFill>
                   <a:srgbClr val="00FFFF"/>
                 </a:solidFill>
-                <a:latin typeface="Courier New"/>
-                <a:ea typeface="Courier New"/>
-                <a:cs typeface="Courier New"/>
+                <a:latin typeface="Courier"/>
+                <a:ea typeface="Courier New"/>
+                <a:cs typeface="Courier"/>
                 <a:sym typeface="Courier New"/>
               </a:rPr>
               <a:t>']</a:t>
             </a:r>
             <a:r>
-              <a:rPr lang="en-US" sz="3200" b="1" i="0" u="none" strike="noStrike" cap="none" dirty="0">
-                <a:solidFill>
-                  <a:schemeClr val="lt1"/>
-                </a:solidFill>
-                <a:latin typeface="Courier New"/>
-                <a:ea typeface="Courier New"/>
-                <a:cs typeface="Courier New"/>
+              <a:rPr lang="en-US" sz="3200" i="0" u="none" strike="noStrike" cap="none" dirty="0">
+                <a:solidFill>
+                  <a:schemeClr val="lt1"/>
+                </a:solidFill>
+                <a:latin typeface="Courier"/>
+                <a:ea typeface="Courier New"/>
+                <a:cs typeface="Courier"/>
                 <a:sym typeface="Courier New"/>
               </a:rPr>
               <a:t> = 2</a:t>
@@ -15358,73 +15218,73 @@
               <a:buNone/>
             </a:pPr>
             <a:r>
-              <a:rPr lang="en-US" sz="3200" b="1" i="0" u="none" strike="noStrike" cap="none" dirty="0">
-                <a:solidFill>
-                  <a:schemeClr val="lt1"/>
-                </a:solidFill>
-                <a:latin typeface="Courier New"/>
-                <a:ea typeface="Courier New"/>
-                <a:cs typeface="Courier New"/>
+              <a:rPr lang="en-US" sz="3200" i="0" u="none" strike="noStrike" cap="none" dirty="0">
+                <a:solidFill>
+                  <a:schemeClr val="lt1"/>
+                </a:solidFill>
+                <a:latin typeface="Courier"/>
+                <a:ea typeface="Courier New"/>
+                <a:cs typeface="Courier"/>
                 <a:sym typeface="Courier New"/>
               </a:rPr>
               <a:t>&gt;&gt;&gt; </a:t>
             </a:r>
             <a:r>
-              <a:rPr lang="en-US" sz="3200" b="1" i="0" u="none" strike="noStrike" cap="none" dirty="0">
+              <a:rPr lang="en-US" sz="3200" i="0" u="none" strike="noStrike" cap="none" dirty="0">
                 <a:solidFill>
                   <a:srgbClr val="00FF00"/>
                 </a:solidFill>
-                <a:latin typeface="Courier New"/>
-                <a:ea typeface="Courier New"/>
-                <a:cs typeface="Courier New"/>
+                <a:latin typeface="Courier"/>
+                <a:ea typeface="Courier New"/>
+                <a:cs typeface="Courier"/>
                 <a:sym typeface="Courier New"/>
               </a:rPr>
               <a:t>d</a:t>
             </a:r>
             <a:r>
-              <a:rPr lang="en-US" sz="3200" b="1" i="0" u="none" strike="noStrike" cap="none" dirty="0">
+              <a:rPr lang="en-US" sz="3200" i="0" u="none" strike="noStrike" cap="none" dirty="0">
                 <a:solidFill>
                   <a:srgbClr val="00FFFF"/>
                 </a:solidFill>
-                <a:latin typeface="Courier New"/>
-                <a:ea typeface="Courier New"/>
-                <a:cs typeface="Courier New"/>
+                <a:latin typeface="Courier"/>
+                <a:ea typeface="Courier New"/>
+                <a:cs typeface="Courier"/>
                 <a:sym typeface="Courier New"/>
               </a:rPr>
               <a:t>['</a:t>
             </a:r>
             <a:r>
-              <a:rPr lang="en-US" sz="3200" b="1" i="0" u="none" strike="noStrike" cap="none" dirty="0" err="1">
+              <a:rPr lang="en-US" sz="3200" i="0" u="none" strike="noStrike" cap="none" dirty="0" err="1">
                 <a:solidFill>
                   <a:srgbClr val="00FFFF"/>
                 </a:solidFill>
-                <a:latin typeface="Courier New"/>
-                <a:ea typeface="Courier New"/>
-                <a:cs typeface="Courier New"/>
+                <a:latin typeface="Courier"/>
+                <a:ea typeface="Courier New"/>
+                <a:cs typeface="Courier"/>
                 <a:sym typeface="Courier New"/>
               </a:rPr>
               <a:t>cwen</a:t>
             </a:r>
             <a:r>
-              <a:rPr lang="en-US" sz="3200" b="1" i="0" u="none" strike="noStrike" cap="none" dirty="0">
+              <a:rPr lang="en-US" sz="3200" i="0" u="none" strike="noStrike" cap="none" dirty="0">
                 <a:solidFill>
                   <a:srgbClr val="00FFFF"/>
                 </a:solidFill>
-                <a:latin typeface="Courier New"/>
-                <a:ea typeface="Courier New"/>
-                <a:cs typeface="Courier New"/>
+                <a:latin typeface="Courier"/>
+                <a:ea typeface="Courier New"/>
+                <a:cs typeface="Courier"/>
                 <a:sym typeface="Courier New"/>
               </a:rPr>
               <a:t>']</a:t>
             </a:r>
             <a:r>
-              <a:rPr lang="en-US" sz="3200" b="1" i="0" u="none" strike="noStrike" cap="none" dirty="0">
-                <a:solidFill>
-                  <a:schemeClr val="lt1"/>
-                </a:solidFill>
-                <a:latin typeface="Courier New"/>
-                <a:ea typeface="Courier New"/>
-                <a:cs typeface="Courier New"/>
+              <a:rPr lang="en-US" sz="3200" i="0" u="none" strike="noStrike" cap="none" dirty="0">
+                <a:solidFill>
+                  <a:schemeClr val="lt1"/>
+                </a:solidFill>
+                <a:latin typeface="Courier"/>
+                <a:ea typeface="Courier New"/>
+                <a:cs typeface="Courier"/>
                 <a:sym typeface="Courier New"/>
               </a:rPr>
               <a:t> = 4</a:t>
@@ -15449,121 +15309,121 @@
               <a:buNone/>
             </a:pPr>
             <a:r>
-              <a:rPr lang="en-US" sz="3200" b="1" i="0" u="none" strike="noStrike" cap="none" dirty="0">
-                <a:solidFill>
-                  <a:schemeClr val="lt1"/>
-                </a:solidFill>
-                <a:latin typeface="Courier New"/>
-                <a:ea typeface="Courier New"/>
-                <a:cs typeface="Courier New"/>
+              <a:rPr lang="en-US" sz="3200" i="0" u="none" strike="noStrike" cap="none" dirty="0">
+                <a:solidFill>
+                  <a:schemeClr val="lt1"/>
+                </a:solidFill>
+                <a:latin typeface="Courier"/>
+                <a:ea typeface="Courier New"/>
+                <a:cs typeface="Courier"/>
                 <a:sym typeface="Courier New"/>
               </a:rPr>
               <a:t>&gt;&gt;&gt; </a:t>
             </a:r>
             <a:r>
-              <a:rPr lang="en-US" sz="3200" b="1" i="0" u="none" strike="noStrike" cap="none" dirty="0">
+              <a:rPr lang="en-US" sz="3200" i="0" u="none" strike="noStrike" cap="none" dirty="0">
                 <a:solidFill>
                   <a:srgbClr val="FFFF00"/>
                 </a:solidFill>
-                <a:latin typeface="Courier New"/>
-                <a:ea typeface="Courier New"/>
-                <a:cs typeface="Courier New"/>
+                <a:latin typeface="Courier"/>
+                <a:ea typeface="Courier New"/>
+                <a:cs typeface="Courier"/>
                 <a:sym typeface="Courier New"/>
               </a:rPr>
               <a:t>for</a:t>
             </a:r>
             <a:r>
-              <a:rPr lang="en-US" sz="3200" b="1" i="0" u="none" strike="noStrike" cap="none" dirty="0">
-                <a:solidFill>
-                  <a:schemeClr val="lt1"/>
-                </a:solidFill>
-                <a:latin typeface="Courier New"/>
-                <a:ea typeface="Courier New"/>
-                <a:cs typeface="Courier New"/>
+              <a:rPr lang="en-US" sz="3200" i="0" u="none" strike="noStrike" cap="none" dirty="0">
+                <a:solidFill>
+                  <a:schemeClr val="lt1"/>
+                </a:solidFill>
+                <a:latin typeface="Courier"/>
+                <a:ea typeface="Courier New"/>
+                <a:cs typeface="Courier"/>
                 <a:sym typeface="Courier New"/>
               </a:rPr>
               <a:t> </a:t>
             </a:r>
             <a:r>
-              <a:rPr lang="en-US" sz="3200" b="1" i="0" u="none" strike="noStrike" cap="none" dirty="0">
+              <a:rPr lang="en-US" sz="3200" i="0" u="none" strike="noStrike" cap="none" dirty="0">
                 <a:solidFill>
                   <a:srgbClr val="FF7F00"/>
                 </a:solidFill>
-                <a:latin typeface="Courier New"/>
-                <a:ea typeface="Courier New"/>
-                <a:cs typeface="Courier New"/>
+                <a:latin typeface="Courier"/>
+                <a:ea typeface="Courier New"/>
+                <a:cs typeface="Courier"/>
                 <a:sym typeface="Courier New"/>
               </a:rPr>
               <a:t>(</a:t>
             </a:r>
             <a:r>
-              <a:rPr lang="en-US" sz="3200" b="1" i="0" u="none" strike="noStrike" cap="none" dirty="0" err="1">
+              <a:rPr lang="en-US" sz="3200" i="0" u="none" strike="noStrike" cap="none" dirty="0" err="1">
                 <a:solidFill>
                   <a:srgbClr val="FF7F00"/>
                 </a:solidFill>
-                <a:latin typeface="Courier New"/>
-                <a:ea typeface="Courier New"/>
-                <a:cs typeface="Courier New"/>
+                <a:latin typeface="Courier"/>
+                <a:ea typeface="Courier New"/>
+                <a:cs typeface="Courier"/>
                 <a:sym typeface="Courier New"/>
               </a:rPr>
               <a:t>k,v</a:t>
             </a:r>
             <a:r>
-              <a:rPr lang="en-US" sz="3200" b="1" i="0" u="none" strike="noStrike" cap="none" dirty="0">
+              <a:rPr lang="en-US" sz="3200" i="0" u="none" strike="noStrike" cap="none" dirty="0">
                 <a:solidFill>
                   <a:srgbClr val="FF7F00"/>
                 </a:solidFill>
-                <a:latin typeface="Courier New"/>
-                <a:ea typeface="Courier New"/>
-                <a:cs typeface="Courier New"/>
+                <a:latin typeface="Courier"/>
+                <a:ea typeface="Courier New"/>
+                <a:cs typeface="Courier"/>
                 <a:sym typeface="Courier New"/>
               </a:rPr>
               <a:t>)</a:t>
             </a:r>
             <a:r>
-              <a:rPr lang="en-US" sz="3200" b="1" i="0" u="none" strike="noStrike" cap="none" dirty="0">
-                <a:solidFill>
-                  <a:schemeClr val="lt1"/>
-                </a:solidFill>
-                <a:latin typeface="Courier New"/>
-                <a:ea typeface="Courier New"/>
-                <a:cs typeface="Courier New"/>
+              <a:rPr lang="en-US" sz="3200" i="0" u="none" strike="noStrike" cap="none" dirty="0">
+                <a:solidFill>
+                  <a:schemeClr val="lt1"/>
+                </a:solidFill>
+                <a:latin typeface="Courier"/>
+                <a:ea typeface="Courier New"/>
+                <a:cs typeface="Courier"/>
                 <a:sym typeface="Courier New"/>
               </a:rPr>
               <a:t> in </a:t>
             </a:r>
             <a:r>
-              <a:rPr lang="en-US" sz="3200" b="1" i="0" u="none" strike="noStrike" cap="none" dirty="0" err="1">
+              <a:rPr lang="en-US" sz="3200" i="0" u="none" strike="noStrike" cap="none" dirty="0" err="1">
                 <a:solidFill>
                   <a:srgbClr val="00FF00"/>
                 </a:solidFill>
-                <a:latin typeface="Courier New"/>
-                <a:ea typeface="Courier New"/>
-                <a:cs typeface="Courier New"/>
+                <a:latin typeface="Courier"/>
+                <a:ea typeface="Courier New"/>
+                <a:cs typeface="Courier"/>
                 <a:sym typeface="Courier New"/>
               </a:rPr>
               <a:t>d</a:t>
             </a:r>
             <a:r>
-              <a:rPr lang="en-US" sz="3200" b="1" i="0" u="none" strike="noStrike" cap="none" dirty="0" err="1">
+              <a:rPr lang="en-US" sz="3200" i="0" u="none" strike="noStrike" cap="none" dirty="0" err="1">
                 <a:solidFill>
                   <a:srgbClr val="FF00FF"/>
                 </a:solidFill>
-                <a:latin typeface="Courier New"/>
-                <a:ea typeface="Courier New"/>
-                <a:cs typeface="Courier New"/>
+                <a:latin typeface="Courier"/>
+                <a:ea typeface="Courier New"/>
+                <a:cs typeface="Courier"/>
                 <a:sym typeface="Courier New"/>
               </a:rPr>
               <a:t>.items</a:t>
             </a:r>
             <a:r>
-              <a:rPr lang="en-US" sz="3200" b="1" i="0" u="none" strike="noStrike" cap="none" dirty="0">
-                <a:solidFill>
-                  <a:schemeClr val="lt1"/>
-                </a:solidFill>
-                <a:latin typeface="Courier New"/>
-                <a:ea typeface="Courier New"/>
-                <a:cs typeface="Courier New"/>
+              <a:rPr lang="en-US" sz="3200" i="0" u="none" strike="noStrike" cap="none" dirty="0">
+                <a:solidFill>
+                  <a:schemeClr val="lt1"/>
+                </a:solidFill>
+                <a:latin typeface="Courier"/>
+                <a:ea typeface="Courier New"/>
+                <a:cs typeface="Courier"/>
                 <a:sym typeface="Courier New"/>
               </a:rPr>
               <a:t>(): </a:t>
@@ -15577,84 +15437,84 @@
               <a:buSzPct val="25000"/>
             </a:pPr>
             <a:r>
-              <a:rPr lang="en-US" sz="3200" b="1" i="0" u="none" strike="noStrike" cap="none" dirty="0">
-                <a:solidFill>
-                  <a:schemeClr val="lt1"/>
-                </a:solidFill>
-                <a:latin typeface="Courier New"/>
-                <a:ea typeface="Courier New"/>
-                <a:cs typeface="Courier New"/>
+              <a:rPr lang="en-US" sz="3200" i="0" u="none" strike="noStrike" cap="none" dirty="0">
+                <a:solidFill>
+                  <a:schemeClr val="lt1"/>
+                </a:solidFill>
+                <a:latin typeface="Courier"/>
+                <a:ea typeface="Courier New"/>
+                <a:cs typeface="Courier"/>
                 <a:sym typeface="Courier New"/>
               </a:rPr>
               <a:t>...     </a:t>
             </a:r>
             <a:r>
-              <a:rPr lang="en-US" sz="3200" b="1" i="0" u="none" strike="noStrike" cap="none" dirty="0" smtClean="0">
+              <a:rPr lang="en-US" sz="3200" i="0" u="none" strike="noStrike" cap="none" dirty="0" smtClean="0">
                 <a:solidFill>
                   <a:srgbClr val="FFFF00"/>
                 </a:solidFill>
-                <a:latin typeface="Courier New"/>
-                <a:ea typeface="Courier New"/>
-                <a:cs typeface="Courier New"/>
+                <a:latin typeface="Courier"/>
+                <a:ea typeface="Courier New"/>
+                <a:cs typeface="Courier"/>
                 <a:sym typeface="Courier New"/>
               </a:rPr>
               <a:t>print(</a:t>
             </a:r>
             <a:r>
-              <a:rPr lang="en-US" sz="3200" b="1" i="0" u="none" strike="noStrike" cap="none" dirty="0" smtClean="0">
+              <a:rPr lang="en-US" sz="3200" i="0" u="none" strike="noStrike" cap="none" dirty="0" smtClean="0">
                 <a:solidFill>
                   <a:srgbClr val="00FF00"/>
                 </a:solidFill>
-                <a:latin typeface="Courier New"/>
-                <a:ea typeface="Courier New"/>
-                <a:cs typeface="Courier New"/>
+                <a:latin typeface="Courier"/>
+                <a:ea typeface="Courier New"/>
+                <a:cs typeface="Courier"/>
                 <a:sym typeface="Courier New"/>
               </a:rPr>
               <a:t>k</a:t>
             </a:r>
             <a:r>
-              <a:rPr lang="en-US" sz="3200" b="1" i="0" u="none" strike="noStrike" cap="none" dirty="0">
-                <a:solidFill>
-                  <a:schemeClr val="lt1"/>
-                </a:solidFill>
-                <a:latin typeface="Courier New"/>
-                <a:ea typeface="Courier New"/>
-                <a:cs typeface="Courier New"/>
+              <a:rPr lang="en-US" sz="3200" i="0" u="none" strike="noStrike" cap="none" dirty="0">
+                <a:solidFill>
+                  <a:schemeClr val="lt1"/>
+                </a:solidFill>
+                <a:latin typeface="Courier"/>
+                <a:ea typeface="Courier New"/>
+                <a:cs typeface="Courier"/>
                 <a:sym typeface="Courier New"/>
               </a:rPr>
               <a:t>, </a:t>
             </a:r>
             <a:r>
-              <a:rPr lang="en-US" sz="3200" b="1" i="0" u="none" strike="noStrike" cap="none" dirty="0" smtClean="0">
+              <a:rPr lang="en-US" sz="3200" i="0" u="none" strike="noStrike" cap="none" dirty="0" smtClean="0">
                 <a:solidFill>
                   <a:srgbClr val="00FF00"/>
                 </a:solidFill>
-                <a:latin typeface="Courier New"/>
-                <a:ea typeface="Courier New"/>
-                <a:cs typeface="Courier New"/>
+                <a:latin typeface="Courier"/>
+                <a:ea typeface="Courier New"/>
+                <a:cs typeface="Courier"/>
                 <a:sym typeface="Courier New"/>
               </a:rPr>
               <a:t>v</a:t>
             </a:r>
             <a:r>
-              <a:rPr lang="en-US" sz="3200" b="1" dirty="0" smtClean="0">
+              <a:rPr lang="en-US" sz="3200" dirty="0" smtClean="0">
                 <a:solidFill>
                   <a:srgbClr val="FFFF00"/>
                 </a:solidFill>
-                <a:latin typeface="Courier New"/>
-                <a:ea typeface="Courier New"/>
-                <a:cs typeface="Courier New"/>
+                <a:latin typeface="Courier"/>
+                <a:ea typeface="Courier New"/>
+                <a:cs typeface="Courier"/>
                 <a:sym typeface="Courier New"/>
               </a:rPr>
               <a:t>)</a:t>
             </a:r>
-            <a:endParaRPr lang="en-US" sz="3200" b="1" i="0" u="none" strike="noStrike" cap="none" dirty="0">
+            <a:endParaRPr lang="en-US" sz="3200" i="0" u="none" strike="noStrike" cap="none" dirty="0">
               <a:solidFill>
                 <a:srgbClr val="00FF00"/>
               </a:solidFill>
-              <a:latin typeface="Courier New"/>
+              <a:latin typeface="Courier"/>
               <a:ea typeface="Courier New"/>
-              <a:cs typeface="Courier New"/>
+              <a:cs typeface="Courier"/>
               <a:sym typeface="Courier New"/>
             </a:endParaRPr>
           </a:p>
@@ -15677,13 +15537,13 @@
               <a:buNone/>
             </a:pPr>
             <a:r>
-              <a:rPr lang="en-US" sz="3200" b="1" i="0" u="none" strike="noStrike" cap="none" dirty="0">
-                <a:solidFill>
-                  <a:schemeClr val="lt1"/>
-                </a:solidFill>
-                <a:latin typeface="Courier New"/>
-                <a:ea typeface="Courier New"/>
-                <a:cs typeface="Courier New"/>
+              <a:rPr lang="en-US" sz="3200" i="0" u="none" strike="noStrike" cap="none" dirty="0">
+                <a:solidFill>
+                  <a:schemeClr val="lt1"/>
+                </a:solidFill>
+                <a:latin typeface="Courier"/>
+                <a:ea typeface="Courier New"/>
+                <a:cs typeface="Courier"/>
                 <a:sym typeface="Courier New"/>
               </a:rPr>
               <a:t>...</a:t>
@@ -15708,25 +15568,25 @@
               <a:buNone/>
             </a:pPr>
             <a:r>
-              <a:rPr lang="en-US" sz="3200" b="1" i="0" u="none" strike="noStrike" cap="none" dirty="0" err="1">
-                <a:solidFill>
-                  <a:schemeClr val="lt1"/>
-                </a:solidFill>
-                <a:latin typeface="Courier New"/>
-                <a:ea typeface="Courier New"/>
-                <a:cs typeface="Courier New"/>
+              <a:rPr lang="en-US" sz="3200" i="0" u="none" strike="noStrike" cap="none" dirty="0" err="1">
+                <a:solidFill>
+                  <a:schemeClr val="lt1"/>
+                </a:solidFill>
+                <a:latin typeface="Courier"/>
+                <a:ea typeface="Courier New"/>
+                <a:cs typeface="Courier"/>
                 <a:sym typeface="Courier New"/>
               </a:rPr>
               <a:t>csev</a:t>
             </a:r>
             <a:r>
-              <a:rPr lang="en-US" sz="3200" b="1" i="0" u="none" strike="noStrike" cap="none" dirty="0">
-                <a:solidFill>
-                  <a:schemeClr val="lt1"/>
-                </a:solidFill>
-                <a:latin typeface="Courier New"/>
-                <a:ea typeface="Courier New"/>
-                <a:cs typeface="Courier New"/>
+              <a:rPr lang="en-US" sz="3200" i="0" u="none" strike="noStrike" cap="none" dirty="0">
+                <a:solidFill>
+                  <a:schemeClr val="lt1"/>
+                </a:solidFill>
+                <a:latin typeface="Courier"/>
+                <a:ea typeface="Courier New"/>
+                <a:cs typeface="Courier"/>
                 <a:sym typeface="Courier New"/>
               </a:rPr>
               <a:t> 2</a:t>
@@ -15751,25 +15611,25 @@
               <a:buNone/>
             </a:pPr>
             <a:r>
-              <a:rPr lang="en-US" sz="3200" b="1" i="0" u="none" strike="noStrike" cap="none" dirty="0" err="1">
-                <a:solidFill>
-                  <a:schemeClr val="lt1"/>
-                </a:solidFill>
-                <a:latin typeface="Courier New"/>
-                <a:ea typeface="Courier New"/>
-                <a:cs typeface="Courier New"/>
+              <a:rPr lang="en-US" sz="3200" i="0" u="none" strike="noStrike" cap="none" dirty="0" err="1">
+                <a:solidFill>
+                  <a:schemeClr val="lt1"/>
+                </a:solidFill>
+                <a:latin typeface="Courier"/>
+                <a:ea typeface="Courier New"/>
+                <a:cs typeface="Courier"/>
                 <a:sym typeface="Courier New"/>
               </a:rPr>
               <a:t>cwen</a:t>
             </a:r>
             <a:r>
-              <a:rPr lang="en-US" sz="3200" b="1" i="0" u="none" strike="noStrike" cap="none" dirty="0">
-                <a:solidFill>
-                  <a:schemeClr val="lt1"/>
-                </a:solidFill>
-                <a:latin typeface="Courier New"/>
-                <a:ea typeface="Courier New"/>
-                <a:cs typeface="Courier New"/>
+              <a:rPr lang="en-US" sz="3200" i="0" u="none" strike="noStrike" cap="none" dirty="0">
+                <a:solidFill>
+                  <a:schemeClr val="lt1"/>
+                </a:solidFill>
+                <a:latin typeface="Courier"/>
+                <a:ea typeface="Courier New"/>
+                <a:cs typeface="Courier"/>
                 <a:sym typeface="Courier New"/>
               </a:rPr>
               <a:t> 4</a:t>
@@ -15794,73 +15654,73 @@
               <a:buNone/>
             </a:pPr>
             <a:r>
-              <a:rPr lang="en-US" sz="3200" b="1" i="0" u="none" strike="noStrike" cap="none" dirty="0">
-                <a:solidFill>
-                  <a:schemeClr val="lt1"/>
-                </a:solidFill>
-                <a:latin typeface="Courier New"/>
-                <a:ea typeface="Courier New"/>
-                <a:cs typeface="Courier New"/>
+              <a:rPr lang="en-US" sz="3200" i="0" u="none" strike="noStrike" cap="none" dirty="0">
+                <a:solidFill>
+                  <a:schemeClr val="lt1"/>
+                </a:solidFill>
+                <a:latin typeface="Courier"/>
+                <a:ea typeface="Courier New"/>
+                <a:cs typeface="Courier"/>
                 <a:sym typeface="Courier New"/>
               </a:rPr>
               <a:t>&gt;&gt;&gt; </a:t>
             </a:r>
             <a:r>
-              <a:rPr lang="en-US" sz="3200" b="1" i="0" u="none" strike="noStrike" cap="none" dirty="0" err="1">
+              <a:rPr lang="en-US" sz="3200" i="0" u="none" strike="noStrike" cap="none" dirty="0" err="1">
                 <a:solidFill>
                   <a:srgbClr val="00FF00"/>
                 </a:solidFill>
-                <a:latin typeface="Courier New"/>
-                <a:ea typeface="Courier New"/>
-                <a:cs typeface="Courier New"/>
+                <a:latin typeface="Courier"/>
+                <a:ea typeface="Courier New"/>
+                <a:cs typeface="Courier"/>
                 <a:sym typeface="Courier New"/>
               </a:rPr>
               <a:t>tups</a:t>
             </a:r>
             <a:r>
-              <a:rPr lang="en-US" sz="3200" b="1" i="0" u="none" strike="noStrike" cap="none" dirty="0">
-                <a:solidFill>
-                  <a:schemeClr val="lt1"/>
-                </a:solidFill>
-                <a:latin typeface="Courier New"/>
-                <a:ea typeface="Courier New"/>
-                <a:cs typeface="Courier New"/>
+              <a:rPr lang="en-US" sz="3200" i="0" u="none" strike="noStrike" cap="none" dirty="0">
+                <a:solidFill>
+                  <a:schemeClr val="lt1"/>
+                </a:solidFill>
+                <a:latin typeface="Courier"/>
+                <a:ea typeface="Courier New"/>
+                <a:cs typeface="Courier"/>
                 <a:sym typeface="Courier New"/>
               </a:rPr>
               <a:t> = </a:t>
             </a:r>
             <a:r>
-              <a:rPr lang="en-US" sz="3200" b="1" i="0" u="none" strike="noStrike" cap="none" dirty="0" err="1">
+              <a:rPr lang="en-US" sz="3200" i="0" u="none" strike="noStrike" cap="none" dirty="0" err="1">
                 <a:solidFill>
                   <a:srgbClr val="00FF00"/>
                 </a:solidFill>
-                <a:latin typeface="Courier New"/>
-                <a:ea typeface="Courier New"/>
-                <a:cs typeface="Courier New"/>
+                <a:latin typeface="Courier"/>
+                <a:ea typeface="Courier New"/>
+                <a:cs typeface="Courier"/>
                 <a:sym typeface="Courier New"/>
               </a:rPr>
               <a:t>d</a:t>
             </a:r>
             <a:r>
-              <a:rPr lang="en-US" sz="3200" b="1" i="0" u="none" strike="noStrike" cap="none" dirty="0" err="1">
+              <a:rPr lang="en-US" sz="3200" i="0" u="none" strike="noStrike" cap="none" dirty="0" err="1">
                 <a:solidFill>
                   <a:srgbClr val="FF00FF"/>
                 </a:solidFill>
-                <a:latin typeface="Courier New"/>
-                <a:ea typeface="Courier New"/>
-                <a:cs typeface="Courier New"/>
+                <a:latin typeface="Courier"/>
+                <a:ea typeface="Courier New"/>
+                <a:cs typeface="Courier"/>
                 <a:sym typeface="Courier New"/>
               </a:rPr>
               <a:t>.items</a:t>
             </a:r>
             <a:r>
-              <a:rPr lang="en-US" sz="3200" b="1" i="0" u="none" strike="noStrike" cap="none" dirty="0">
-                <a:solidFill>
-                  <a:schemeClr val="lt1"/>
-                </a:solidFill>
-                <a:latin typeface="Courier New"/>
-                <a:ea typeface="Courier New"/>
-                <a:cs typeface="Courier New"/>
+              <a:rPr lang="en-US" sz="3200" i="0" u="none" strike="noStrike" cap="none" dirty="0">
+                <a:solidFill>
+                  <a:schemeClr val="lt1"/>
+                </a:solidFill>
+                <a:latin typeface="Courier"/>
+                <a:ea typeface="Courier New"/>
+                <a:cs typeface="Courier"/>
                 <a:sym typeface="Courier New"/>
               </a:rPr>
               <a:t>()</a:t>
@@ -15874,60 +15734,60 @@
               <a:buSzPct val="25000"/>
             </a:pPr>
             <a:r>
-              <a:rPr lang="en-US" sz="3200" b="1" i="0" u="none" strike="noStrike" cap="none" dirty="0">
-                <a:solidFill>
-                  <a:schemeClr val="lt1"/>
-                </a:solidFill>
-                <a:latin typeface="Courier New"/>
-                <a:ea typeface="Courier New"/>
-                <a:cs typeface="Courier New"/>
+              <a:rPr lang="en-US" sz="3200" i="0" u="none" strike="noStrike" cap="none" dirty="0">
+                <a:solidFill>
+                  <a:schemeClr val="lt1"/>
+                </a:solidFill>
+                <a:latin typeface="Courier"/>
+                <a:ea typeface="Courier New"/>
+                <a:cs typeface="Courier"/>
                 <a:sym typeface="Courier New"/>
               </a:rPr>
               <a:t>&gt;&gt;&gt; </a:t>
             </a:r>
             <a:r>
-              <a:rPr lang="en-US" sz="3200" b="1" i="0" u="none" strike="noStrike" cap="none" dirty="0" smtClean="0">
+              <a:rPr lang="en-US" sz="3200" i="0" u="none" strike="noStrike" cap="none" dirty="0" smtClean="0">
                 <a:solidFill>
                   <a:srgbClr val="FFFF00"/>
                 </a:solidFill>
-                <a:latin typeface="Courier New"/>
-                <a:ea typeface="Courier New"/>
-                <a:cs typeface="Courier New"/>
+                <a:latin typeface="Courier"/>
+                <a:ea typeface="Courier New"/>
+                <a:cs typeface="Courier"/>
                 <a:sym typeface="Courier New"/>
               </a:rPr>
               <a:t>print(</a:t>
             </a:r>
             <a:r>
-              <a:rPr lang="en-US" sz="3200" b="1" i="0" u="none" strike="noStrike" cap="none" dirty="0" err="1" smtClean="0">
+              <a:rPr lang="en-US" sz="3200" i="0" u="none" strike="noStrike" cap="none" dirty="0" err="1" smtClean="0">
                 <a:solidFill>
                   <a:srgbClr val="00FF00"/>
                 </a:solidFill>
-                <a:latin typeface="Courier New"/>
-                <a:ea typeface="Courier New"/>
-                <a:cs typeface="Courier New"/>
+                <a:latin typeface="Courier"/>
+                <a:ea typeface="Courier New"/>
+                <a:cs typeface="Courier"/>
                 <a:sym typeface="Courier New"/>
               </a:rPr>
               <a:t>tups</a:t>
             </a:r>
             <a:r>
-              <a:rPr lang="en-US" sz="3200" b="1" dirty="0" smtClean="0">
+              <a:rPr lang="en-US" sz="3200" dirty="0" smtClean="0">
                 <a:solidFill>
                   <a:srgbClr val="FFFF00"/>
                 </a:solidFill>
-                <a:latin typeface="Courier New"/>
-                <a:ea typeface="Courier New"/>
-                <a:cs typeface="Courier New"/>
+                <a:latin typeface="Courier"/>
+                <a:ea typeface="Courier New"/>
+                <a:cs typeface="Courier"/>
                 <a:sym typeface="Courier New"/>
               </a:rPr>
               <a:t>)</a:t>
             </a:r>
-            <a:endParaRPr lang="en-US" sz="3200" b="1" i="0" u="none" strike="noStrike" cap="none" dirty="0">
+            <a:endParaRPr lang="en-US" sz="3200" i="0" u="none" strike="noStrike" cap="none" dirty="0">
               <a:solidFill>
                 <a:srgbClr val="00FF00"/>
               </a:solidFill>
-              <a:latin typeface="Courier New"/>
+              <a:latin typeface="Courier"/>
               <a:ea typeface="Courier New"/>
-              <a:cs typeface="Courier New"/>
+              <a:cs typeface="Courier"/>
               <a:sym typeface="Courier New"/>
             </a:endParaRPr>
           </a:p>
@@ -15950,156 +15810,156 @@
               <a:buNone/>
             </a:pPr>
             <a:r>
-              <a:rPr lang="en-US" sz="3200" b="1" i="0" u="none" strike="noStrike" cap="none" dirty="0" err="1" smtClean="0">
-                <a:solidFill>
-                  <a:schemeClr val="lt1"/>
-                </a:solidFill>
-                <a:latin typeface="Courier New"/>
-                <a:ea typeface="Courier New"/>
-                <a:cs typeface="Courier New"/>
+              <a:rPr lang="en-US" sz="3200" i="0" u="none" strike="noStrike" cap="none" dirty="0" err="1" smtClean="0">
+                <a:solidFill>
+                  <a:schemeClr val="lt1"/>
+                </a:solidFill>
+                <a:latin typeface="Courier"/>
+                <a:ea typeface="Courier New"/>
+                <a:cs typeface="Courier"/>
                 <a:sym typeface="Courier New"/>
               </a:rPr>
               <a:t>dict_items</a:t>
             </a:r>
             <a:r>
-              <a:rPr lang="en-US" sz="3200" b="1" i="0" u="none" strike="noStrike" cap="none" dirty="0" smtClean="0">
-                <a:solidFill>
-                  <a:schemeClr val="lt1"/>
-                </a:solidFill>
-                <a:latin typeface="Courier New"/>
-                <a:ea typeface="Courier New"/>
-                <a:cs typeface="Courier New"/>
+              <a:rPr lang="en-US" sz="3200" i="0" u="none" strike="noStrike" cap="none" dirty="0" smtClean="0">
+                <a:solidFill>
+                  <a:schemeClr val="lt1"/>
+                </a:solidFill>
+                <a:latin typeface="Courier"/>
+                <a:ea typeface="Courier New"/>
+                <a:cs typeface="Courier"/>
                 <a:sym typeface="Courier New"/>
               </a:rPr>
               <a:t>([</a:t>
             </a:r>
             <a:r>
-              <a:rPr lang="en-US" sz="3200" b="1" i="0" u="none" strike="noStrike" cap="none" dirty="0" smtClean="0">
+              <a:rPr lang="en-US" sz="3200" i="0" u="none" strike="noStrike" cap="none" dirty="0" smtClean="0">
                 <a:solidFill>
                   <a:srgbClr val="FF7F00"/>
                 </a:solidFill>
-                <a:latin typeface="Courier New"/>
-                <a:ea typeface="Courier New"/>
-                <a:cs typeface="Courier New"/>
+                <a:latin typeface="Courier"/>
+                <a:ea typeface="Courier New"/>
+                <a:cs typeface="Courier"/>
                 <a:sym typeface="Courier New"/>
               </a:rPr>
               <a:t>(</a:t>
             </a:r>
             <a:r>
-              <a:rPr lang="en-US" sz="3200" b="1" i="0" u="none" strike="noStrike" cap="none" dirty="0">
+              <a:rPr lang="en-US" sz="3200" i="0" u="none" strike="noStrike" cap="none" dirty="0">
                 <a:solidFill>
                   <a:srgbClr val="FF7F00"/>
                 </a:solidFill>
-                <a:latin typeface="Courier New"/>
-                <a:ea typeface="Courier New"/>
-                <a:cs typeface="Courier New"/>
+                <a:latin typeface="Courier"/>
+                <a:ea typeface="Courier New"/>
+                <a:cs typeface="Courier"/>
                 <a:sym typeface="Courier New"/>
               </a:rPr>
               <a:t>'</a:t>
             </a:r>
             <a:r>
-              <a:rPr lang="en-US" sz="3200" b="1" i="0" u="none" strike="noStrike" cap="none" dirty="0" err="1">
+              <a:rPr lang="en-US" sz="3200" i="0" u="none" strike="noStrike" cap="none" dirty="0" err="1">
                 <a:solidFill>
                   <a:srgbClr val="FF7F00"/>
                 </a:solidFill>
-                <a:latin typeface="Courier New"/>
-                <a:ea typeface="Courier New"/>
-                <a:cs typeface="Courier New"/>
+                <a:latin typeface="Courier"/>
+                <a:ea typeface="Courier New"/>
+                <a:cs typeface="Courier"/>
                 <a:sym typeface="Courier New"/>
               </a:rPr>
               <a:t>csev</a:t>
             </a:r>
             <a:r>
-              <a:rPr lang="en-US" sz="3200" b="1" i="0" u="none" strike="noStrike" cap="none" dirty="0">
+              <a:rPr lang="en-US" sz="3200" i="0" u="none" strike="noStrike" cap="none" dirty="0">
                 <a:solidFill>
                   <a:srgbClr val="FF7F00"/>
                 </a:solidFill>
-                <a:latin typeface="Courier New"/>
-                <a:ea typeface="Courier New"/>
-                <a:cs typeface="Courier New"/>
+                <a:latin typeface="Courier"/>
+                <a:ea typeface="Courier New"/>
+                <a:cs typeface="Courier"/>
                 <a:sym typeface="Courier New"/>
               </a:rPr>
               <a:t>', 2)</a:t>
             </a:r>
             <a:r>
-              <a:rPr lang="en-US" sz="3200" b="1" i="0" u="none" strike="noStrike" cap="none" dirty="0">
-                <a:solidFill>
-                  <a:schemeClr val="lt1"/>
-                </a:solidFill>
-                <a:latin typeface="Courier New"/>
-                <a:ea typeface="Courier New"/>
-                <a:cs typeface="Courier New"/>
+              <a:rPr lang="en-US" sz="3200" i="0" u="none" strike="noStrike" cap="none" dirty="0">
+                <a:solidFill>
+                  <a:schemeClr val="lt1"/>
+                </a:solidFill>
+                <a:latin typeface="Courier"/>
+                <a:ea typeface="Courier New"/>
+                <a:cs typeface="Courier"/>
                 <a:sym typeface="Courier New"/>
               </a:rPr>
               <a:t>, </a:t>
             </a:r>
             <a:r>
-              <a:rPr lang="en-US" sz="3200" b="1" i="0" u="none" strike="noStrike" cap="none" dirty="0">
+              <a:rPr lang="en-US" sz="3200" i="0" u="none" strike="noStrike" cap="none" dirty="0">
                 <a:solidFill>
                   <a:srgbClr val="FF7F00"/>
                 </a:solidFill>
-                <a:latin typeface="Courier New"/>
-                <a:ea typeface="Courier New"/>
-                <a:cs typeface="Courier New"/>
+                <a:latin typeface="Courier"/>
+                <a:ea typeface="Courier New"/>
+                <a:cs typeface="Courier"/>
                 <a:sym typeface="Courier New"/>
               </a:rPr>
               <a:t>('</a:t>
             </a:r>
             <a:r>
-              <a:rPr lang="en-US" sz="3200" b="1" i="0" u="none" strike="noStrike" cap="none" dirty="0" err="1">
+              <a:rPr lang="en-US" sz="3200" i="0" u="none" strike="noStrike" cap="none" dirty="0" err="1">
                 <a:solidFill>
                   <a:srgbClr val="FF7F00"/>
                 </a:solidFill>
-                <a:latin typeface="Courier New"/>
-                <a:ea typeface="Courier New"/>
-                <a:cs typeface="Courier New"/>
+                <a:latin typeface="Courier"/>
+                <a:ea typeface="Courier New"/>
+                <a:cs typeface="Courier"/>
                 <a:sym typeface="Courier New"/>
               </a:rPr>
               <a:t>cwen</a:t>
             </a:r>
             <a:r>
-              <a:rPr lang="en-US" sz="3200" b="1" i="0" u="none" strike="noStrike" cap="none" dirty="0">
+              <a:rPr lang="en-US" sz="3200" i="0" u="none" strike="noStrike" cap="none" dirty="0">
                 <a:solidFill>
                   <a:srgbClr val="FF7F00"/>
                 </a:solidFill>
-                <a:latin typeface="Courier New"/>
-                <a:ea typeface="Courier New"/>
-                <a:cs typeface="Courier New"/>
+                <a:latin typeface="Courier"/>
+                <a:ea typeface="Courier New"/>
+                <a:cs typeface="Courier"/>
                 <a:sym typeface="Courier New"/>
               </a:rPr>
               <a:t>', 4</a:t>
             </a:r>
             <a:r>
-              <a:rPr lang="en-US" sz="3200" b="1" i="0" u="none" strike="noStrike" cap="none" dirty="0" smtClean="0">
+              <a:rPr lang="en-US" sz="3200" i="0" u="none" strike="noStrike" cap="none" dirty="0" smtClean="0">
                 <a:solidFill>
                   <a:srgbClr val="FF7F00"/>
                 </a:solidFill>
-                <a:latin typeface="Courier New"/>
-                <a:ea typeface="Courier New"/>
-                <a:cs typeface="Courier New"/>
+                <a:latin typeface="Courier"/>
+                <a:ea typeface="Courier New"/>
+                <a:cs typeface="Courier"/>
                 <a:sym typeface="Courier New"/>
               </a:rPr>
               <a:t>)</a:t>
             </a:r>
             <a:r>
-              <a:rPr lang="en-US" sz="3200" b="1" i="0" u="none" strike="noStrike" cap="none" dirty="0" smtClean="0">
-                <a:solidFill>
-                  <a:schemeClr val="lt1"/>
-                </a:solidFill>
-                <a:latin typeface="Courier New"/>
-                <a:ea typeface="Courier New"/>
-                <a:cs typeface="Courier New"/>
+              <a:rPr lang="en-US" sz="3200" i="0" u="none" strike="noStrike" cap="none" dirty="0" smtClean="0">
+                <a:solidFill>
+                  <a:schemeClr val="lt1"/>
+                </a:solidFill>
+                <a:latin typeface="Courier"/>
+                <a:ea typeface="Courier New"/>
+                <a:cs typeface="Courier"/>
                 <a:sym typeface="Courier New"/>
               </a:rPr>
               <a:t>])</a:t>
             </a:r>
-            <a:endParaRPr lang="en-US" sz="3200" b="1" i="0" u="none" strike="noStrike" cap="none" dirty="0">
+            <a:endParaRPr lang="en-US" sz="3200" i="0" u="none" strike="noStrike" cap="none" dirty="0">
               <a:solidFill>
                 <a:schemeClr val="lt1"/>
               </a:solidFill>
-              <a:latin typeface="Courier New"/>
+              <a:latin typeface="Courier"/>
               <a:ea typeface="Courier New"/>
-              <a:cs typeface="Courier New"/>
+              <a:cs typeface="Courier"/>
               <a:sym typeface="Courier New"/>
             </a:endParaRPr>
           </a:p>
@@ -16113,7 +15973,7 @@
   <p:timing>
     <p:tnLst>
       <p:par>
-        <p:cTn id="1" dur="indefinite" restart="never" nodeType="tmRoot"/>
+        <p:cTn xmlns:p14="http://schemas.microsoft.com/office/powerpoint/2010/main" id="1" dur="indefinite" restart="never" nodeType="tmRoot"/>
       </p:par>
     </p:tnLst>
   </p:timing>
@@ -16357,49 +16217,49 @@
               <a:buNone/>
             </a:pPr>
             <a:r>
-              <a:rPr lang="en-US" sz="2800" b="1" i="0" u="none" strike="noStrike" cap="none" dirty="0">
-                <a:solidFill>
-                  <a:schemeClr val="lt1"/>
-                </a:solidFill>
-                <a:latin typeface="Courier New"/>
-                <a:ea typeface="Courier New"/>
-                <a:cs typeface="Courier New"/>
+              <a:rPr lang="en-US" sz="2800" i="0" u="none" strike="noStrike" cap="none" dirty="0">
+                <a:solidFill>
+                  <a:schemeClr val="lt1"/>
+                </a:solidFill>
+                <a:latin typeface="Courier"/>
+                <a:ea typeface="Courier New"/>
+                <a:cs typeface="Courier"/>
                 <a:sym typeface="Courier New"/>
               </a:rPr>
               <a:t>&gt;&gt;&gt; </a:t>
             </a:r>
             <a:r>
-              <a:rPr lang="en-US" sz="2800" b="1" i="0" u="none" strike="noStrike" cap="none" dirty="0">
+              <a:rPr lang="en-US" sz="2800" i="0" u="none" strike="noStrike" cap="none" dirty="0">
                 <a:solidFill>
                   <a:srgbClr val="FF7F00"/>
                 </a:solidFill>
-                <a:latin typeface="Courier New"/>
-                <a:ea typeface="Courier New"/>
-                <a:cs typeface="Courier New"/>
+                <a:latin typeface="Courier"/>
+                <a:ea typeface="Courier New"/>
+                <a:cs typeface="Courier"/>
                 <a:sym typeface="Courier New"/>
               </a:rPr>
               <a:t>(0, 1, 2) </a:t>
             </a:r>
             <a:r>
-              <a:rPr lang="en-US" sz="2800" b="1" i="0" u="none" strike="noStrike" cap="none" dirty="0">
+              <a:rPr lang="en-US" sz="2800" i="0" u="none" strike="noStrike" cap="none" dirty="0">
                 <a:solidFill>
                   <a:srgbClr val="00FFFF"/>
                 </a:solidFill>
-                <a:latin typeface="Courier New"/>
-                <a:ea typeface="Courier New"/>
-                <a:cs typeface="Courier New"/>
+                <a:latin typeface="Courier"/>
+                <a:ea typeface="Courier New"/>
+                <a:cs typeface="Courier"/>
                 <a:sym typeface="Courier New"/>
               </a:rPr>
               <a:t>&lt;</a:t>
             </a:r>
             <a:r>
-              <a:rPr lang="en-US" sz="2800" b="1" i="0" u="none" strike="noStrike" cap="none" dirty="0">
+              <a:rPr lang="en-US" sz="2800" i="0" u="none" strike="noStrike" cap="none" dirty="0">
                 <a:solidFill>
                   <a:srgbClr val="FF7F00"/>
                 </a:solidFill>
-                <a:latin typeface="Courier New"/>
-                <a:ea typeface="Courier New"/>
-                <a:cs typeface="Courier New"/>
+                <a:latin typeface="Courier"/>
+                <a:ea typeface="Courier New"/>
+                <a:cs typeface="Courier"/>
                 <a:sym typeface="Courier New"/>
               </a:rPr>
               <a:t> (5, 1, 2)</a:t>
@@ -16424,13 +16284,13 @@
               <a:buNone/>
             </a:pPr>
             <a:r>
-              <a:rPr lang="en-US" sz="2800" b="1" i="0" u="none" strike="noStrike" cap="none" dirty="0">
-                <a:solidFill>
-                  <a:schemeClr val="lt1"/>
-                </a:solidFill>
-                <a:latin typeface="Courier New"/>
-                <a:ea typeface="Courier New"/>
-                <a:cs typeface="Courier New"/>
+              <a:rPr lang="en-US" sz="2800" i="0" u="none" strike="noStrike" cap="none" dirty="0">
+                <a:solidFill>
+                  <a:schemeClr val="lt1"/>
+                </a:solidFill>
+                <a:latin typeface="Courier"/>
+                <a:ea typeface="Courier New"/>
+                <a:cs typeface="Courier"/>
                 <a:sym typeface="Courier New"/>
               </a:rPr>
               <a:t>True</a:t>
@@ -16455,49 +16315,49 @@
               <a:buNone/>
             </a:pPr>
             <a:r>
-              <a:rPr lang="en-US" sz="2800" b="1" i="0" u="none" strike="noStrike" cap="none" dirty="0">
-                <a:solidFill>
-                  <a:schemeClr val="lt1"/>
-                </a:solidFill>
-                <a:latin typeface="Courier New"/>
-                <a:ea typeface="Courier New"/>
-                <a:cs typeface="Courier New"/>
+              <a:rPr lang="en-US" sz="2800" i="0" u="none" strike="noStrike" cap="none" dirty="0">
+                <a:solidFill>
+                  <a:schemeClr val="lt1"/>
+                </a:solidFill>
+                <a:latin typeface="Courier"/>
+                <a:ea typeface="Courier New"/>
+                <a:cs typeface="Courier"/>
                 <a:sym typeface="Courier New"/>
               </a:rPr>
               <a:t>&gt;&gt;&gt; </a:t>
             </a:r>
             <a:r>
-              <a:rPr lang="en-US" sz="2800" b="1" i="0" u="none" strike="noStrike" cap="none" dirty="0">
+              <a:rPr lang="en-US" sz="2800" i="0" u="none" strike="noStrike" cap="none" dirty="0">
                 <a:solidFill>
                   <a:srgbClr val="FF7F00"/>
                 </a:solidFill>
-                <a:latin typeface="Courier New"/>
-                <a:ea typeface="Courier New"/>
-                <a:cs typeface="Courier New"/>
+                <a:latin typeface="Courier"/>
+                <a:ea typeface="Courier New"/>
+                <a:cs typeface="Courier"/>
                 <a:sym typeface="Courier New"/>
               </a:rPr>
               <a:t>(0, 1, 2000000) </a:t>
             </a:r>
             <a:r>
-              <a:rPr lang="en-US" sz="2800" b="1" i="0" u="none" strike="noStrike" cap="none" dirty="0">
+              <a:rPr lang="en-US" sz="2800" i="0" u="none" strike="noStrike" cap="none" dirty="0">
                 <a:solidFill>
                   <a:srgbClr val="00FFFF"/>
                 </a:solidFill>
-                <a:latin typeface="Courier New"/>
-                <a:ea typeface="Courier New"/>
-                <a:cs typeface="Courier New"/>
+                <a:latin typeface="Courier"/>
+                <a:ea typeface="Courier New"/>
+                <a:cs typeface="Courier"/>
                 <a:sym typeface="Courier New"/>
               </a:rPr>
               <a:t>&lt;</a:t>
             </a:r>
             <a:r>
-              <a:rPr lang="en-US" sz="2800" b="1" i="0" u="none" strike="noStrike" cap="none" dirty="0">
+              <a:rPr lang="en-US" sz="2800" i="0" u="none" strike="noStrike" cap="none" dirty="0">
                 <a:solidFill>
                   <a:srgbClr val="FF7F00"/>
                 </a:solidFill>
-                <a:latin typeface="Courier New"/>
-                <a:ea typeface="Courier New"/>
-                <a:cs typeface="Courier New"/>
+                <a:latin typeface="Courier"/>
+                <a:ea typeface="Courier New"/>
+                <a:cs typeface="Courier"/>
                 <a:sym typeface="Courier New"/>
               </a:rPr>
               <a:t> (0, 3, 4)</a:t>
@@ -16522,13 +16382,13 @@
               <a:buNone/>
             </a:pPr>
             <a:r>
-              <a:rPr lang="en-US" sz="2800" b="1" i="0" u="none" strike="noStrike" cap="none" dirty="0">
-                <a:solidFill>
-                  <a:schemeClr val="lt1"/>
-                </a:solidFill>
-                <a:latin typeface="Courier New"/>
-                <a:ea typeface="Courier New"/>
-                <a:cs typeface="Courier New"/>
+              <a:rPr lang="en-US" sz="2800" i="0" u="none" strike="noStrike" cap="none" dirty="0">
+                <a:solidFill>
+                  <a:schemeClr val="lt1"/>
+                </a:solidFill>
+                <a:latin typeface="Courier"/>
+                <a:ea typeface="Courier New"/>
+                <a:cs typeface="Courier"/>
                 <a:sym typeface="Courier New"/>
               </a:rPr>
               <a:t>True</a:t>
@@ -16553,49 +16413,49 @@
               <a:buNone/>
             </a:pPr>
             <a:r>
-              <a:rPr lang="en-US" sz="2800" b="1" i="0" u="none" strike="noStrike" cap="none" dirty="0">
-                <a:solidFill>
-                  <a:schemeClr val="lt1"/>
-                </a:solidFill>
-                <a:latin typeface="Courier New"/>
-                <a:ea typeface="Courier New"/>
-                <a:cs typeface="Courier New"/>
+              <a:rPr lang="en-US" sz="2800" i="0" u="none" strike="noStrike" cap="none" dirty="0">
+                <a:solidFill>
+                  <a:schemeClr val="lt1"/>
+                </a:solidFill>
+                <a:latin typeface="Courier"/>
+                <a:ea typeface="Courier New"/>
+                <a:cs typeface="Courier"/>
                 <a:sym typeface="Courier New"/>
               </a:rPr>
               <a:t>&gt;&gt;&gt; </a:t>
             </a:r>
             <a:r>
-              <a:rPr lang="en-US" sz="2800" b="1" i="0" u="none" strike="noStrike" cap="none" dirty="0">
+              <a:rPr lang="en-US" sz="2800" i="0" u="none" strike="noStrike" cap="none" dirty="0">
                 <a:solidFill>
                   <a:srgbClr val="FF7F00"/>
                 </a:solidFill>
-                <a:latin typeface="Courier New"/>
-                <a:ea typeface="Courier New"/>
-                <a:cs typeface="Courier New"/>
+                <a:latin typeface="Courier"/>
+                <a:ea typeface="Courier New"/>
+                <a:cs typeface="Courier"/>
                 <a:sym typeface="Courier New"/>
               </a:rPr>
               <a:t>( 'Jones', 'Sally' ) </a:t>
             </a:r>
             <a:r>
-              <a:rPr lang="en-US" sz="2800" b="1" i="0" u="none" strike="noStrike" cap="none" dirty="0">
+              <a:rPr lang="en-US" sz="2800" i="0" u="none" strike="noStrike" cap="none" dirty="0">
                 <a:solidFill>
                   <a:srgbClr val="00FFFF"/>
                 </a:solidFill>
-                <a:latin typeface="Courier New"/>
-                <a:ea typeface="Courier New"/>
-                <a:cs typeface="Courier New"/>
+                <a:latin typeface="Courier"/>
+                <a:ea typeface="Courier New"/>
+                <a:cs typeface="Courier"/>
                 <a:sym typeface="Courier New"/>
               </a:rPr>
               <a:t>&lt;</a:t>
             </a:r>
             <a:r>
-              <a:rPr lang="en-US" sz="2800" b="1" i="0" u="none" strike="noStrike" cap="none" dirty="0">
+              <a:rPr lang="en-US" sz="2800" i="0" u="none" strike="noStrike" cap="none" dirty="0">
                 <a:solidFill>
                   <a:srgbClr val="FF7F00"/>
                 </a:solidFill>
-                <a:latin typeface="Courier New"/>
-                <a:ea typeface="Courier New"/>
-                <a:cs typeface="Courier New"/>
+                <a:latin typeface="Courier"/>
+                <a:ea typeface="Courier New"/>
+                <a:cs typeface="Courier"/>
                 <a:sym typeface="Courier New"/>
               </a:rPr>
               <a:t> ('Jones', 'Sam')</a:t>
@@ -16620,13 +16480,13 @@
               <a:buNone/>
             </a:pPr>
             <a:r>
-              <a:rPr lang="en-US" sz="2800" b="1" i="0" u="none" strike="noStrike" cap="none" dirty="0">
-                <a:solidFill>
-                  <a:schemeClr val="lt1"/>
-                </a:solidFill>
-                <a:latin typeface="Courier New"/>
-                <a:ea typeface="Courier New"/>
-                <a:cs typeface="Courier New"/>
+              <a:rPr lang="en-US" sz="2800" i="0" u="none" strike="noStrike" cap="none" dirty="0">
+                <a:solidFill>
+                  <a:schemeClr val="lt1"/>
+                </a:solidFill>
+                <a:latin typeface="Courier"/>
+                <a:ea typeface="Courier New"/>
+                <a:cs typeface="Courier"/>
                 <a:sym typeface="Courier New"/>
               </a:rPr>
               <a:t>True</a:t>
@@ -16651,49 +16511,49 @@
               <a:buNone/>
             </a:pPr>
             <a:r>
-              <a:rPr lang="en-US" sz="2800" b="1" i="0" u="none" strike="noStrike" cap="none" dirty="0">
-                <a:solidFill>
-                  <a:schemeClr val="lt1"/>
-                </a:solidFill>
-                <a:latin typeface="Courier New"/>
-                <a:ea typeface="Courier New"/>
-                <a:cs typeface="Courier New"/>
+              <a:rPr lang="en-US" sz="2800" i="0" u="none" strike="noStrike" cap="none" dirty="0">
+                <a:solidFill>
+                  <a:schemeClr val="lt1"/>
+                </a:solidFill>
+                <a:latin typeface="Courier"/>
+                <a:ea typeface="Courier New"/>
+                <a:cs typeface="Courier"/>
                 <a:sym typeface="Courier New"/>
               </a:rPr>
               <a:t>&gt;&gt;&gt; </a:t>
             </a:r>
             <a:r>
-              <a:rPr lang="en-US" sz="2800" b="1" i="0" u="none" strike="noStrike" cap="none" dirty="0">
+              <a:rPr lang="en-US" sz="2800" i="0" u="none" strike="noStrike" cap="none" dirty="0">
                 <a:solidFill>
                   <a:srgbClr val="FF7F00"/>
                 </a:solidFill>
-                <a:latin typeface="Courier New"/>
-                <a:ea typeface="Courier New"/>
-                <a:cs typeface="Courier New"/>
+                <a:latin typeface="Courier"/>
+                <a:ea typeface="Courier New"/>
+                <a:cs typeface="Courier"/>
                 <a:sym typeface="Courier New"/>
               </a:rPr>
               <a:t>( 'Jones', 'Sally') </a:t>
             </a:r>
             <a:r>
-              <a:rPr lang="en-US" sz="2800" b="1" i="0" u="none" strike="noStrike" cap="none" dirty="0">
+              <a:rPr lang="en-US" sz="2800" i="0" u="none" strike="noStrike" cap="none" dirty="0">
                 <a:solidFill>
                   <a:srgbClr val="00FFFF"/>
                 </a:solidFill>
-                <a:latin typeface="Courier New"/>
-                <a:ea typeface="Courier New"/>
-                <a:cs typeface="Courier New"/>
+                <a:latin typeface="Courier"/>
+                <a:ea typeface="Courier New"/>
+                <a:cs typeface="Courier"/>
                 <a:sym typeface="Courier New"/>
               </a:rPr>
               <a:t>&gt;</a:t>
             </a:r>
             <a:r>
-              <a:rPr lang="en-US" sz="2800" b="1" i="0" u="none" strike="noStrike" cap="none" dirty="0">
+              <a:rPr lang="en-US" sz="2800" i="0" u="none" strike="noStrike" cap="none" dirty="0">
                 <a:solidFill>
                   <a:srgbClr val="FF7F00"/>
                 </a:solidFill>
-                <a:latin typeface="Courier New"/>
-                <a:ea typeface="Courier New"/>
-                <a:cs typeface="Courier New"/>
+                <a:latin typeface="Courier"/>
+                <a:ea typeface="Courier New"/>
+                <a:cs typeface="Courier"/>
                 <a:sym typeface="Courier New"/>
               </a:rPr>
               <a:t> ('Adams', 'Sam')</a:t>
@@ -16718,13 +16578,13 @@
               <a:buNone/>
             </a:pPr>
             <a:r>
-              <a:rPr lang="en-US" sz="2800" b="1" i="0" u="none" strike="noStrike" cap="none" dirty="0">
-                <a:solidFill>
-                  <a:schemeClr val="lt1"/>
-                </a:solidFill>
-                <a:latin typeface="Courier New"/>
-                <a:ea typeface="Courier New"/>
-                <a:cs typeface="Courier New"/>
+              <a:rPr lang="en-US" sz="2800" i="0" u="none" strike="noStrike" cap="none" dirty="0">
+                <a:solidFill>
+                  <a:schemeClr val="lt1"/>
+                </a:solidFill>
+                <a:latin typeface="Courier"/>
+                <a:ea typeface="Courier New"/>
+                <a:cs typeface="Courier"/>
                 <a:sym typeface="Courier New"/>
               </a:rPr>
               <a:t>True</a:t>
@@ -16740,7 +16600,7 @@
   <p:timing>
     <p:tnLst>
       <p:par>
-        <p:cTn id="1" dur="indefinite" restart="never" nodeType="tmRoot"/>
+        <p:cTn xmlns:p14="http://schemas.microsoft.com/office/powerpoint/2010/main" id="1" dur="indefinite" restart="never" nodeType="tmRoot"/>
       </p:par>
     </p:tnLst>
   </p:timing>

--- a/lectures3/Pythonlearn-10-Tuples.pptx
+++ b/lectures3/Pythonlearn-10-Tuples.pptx
@@ -231,7 +231,7 @@
   </p:defaultTextStyle>
   <p:extLst>
     <p:ext uri="{EFAFB233-063F-42B5-8137-9DF3F51BA10A}">
-      <p15:sldGuideLst xmlns:p15="http://schemas.microsoft.com/office/powerpoint/2012/main" xmlns="">
+      <p15:sldGuideLst xmlns="" xmlns:p15="http://schemas.microsoft.com/office/powerpoint/2012/main">
         <p15:guide id="1" orient="horz" pos="2880">
           <p15:clr>
             <a:srgbClr val="A4A3A4"/>
@@ -4788,7 +4788,7 @@
             <a:r>
               <a:rPr lang="en-US" sz="7600" u="none" strike="noStrike" cap="none">
                 <a:solidFill>
-                  <a:srgbClr val="FFFF00"/>
+                  <a:srgbClr val="FFD966"/>
                 </a:solidFill>
                 <a:latin typeface="Arial" charset="0"/>
                 <a:ea typeface="Arial" charset="0"/>
@@ -5087,7 +5087,7 @@
             <a:r>
               <a:rPr lang="en-US" sz="7800" u="none" strike="noStrike" cap="none" dirty="0">
                 <a:solidFill>
-                  <a:srgbClr val="FFFF00"/>
+                  <a:srgbClr val="FFD966"/>
                 </a:solidFill>
                 <a:latin typeface="Arial" charset="0"/>
                 <a:ea typeface="Arial" charset="0"/>
@@ -5865,14 +5865,26 @@
             <a:r>
               <a:rPr lang="en-US" sz="7800" u="none" strike="noStrike" cap="none" dirty="0">
                 <a:solidFill>
-                  <a:srgbClr val="FFFF00"/>
+                  <a:srgbClr val="FFD966"/>
                 </a:solidFill>
                 <a:latin typeface="Arial" charset="0"/>
                 <a:ea typeface="Arial" charset="0"/>
                 <a:cs typeface="Arial" charset="0"/>
                 <a:sym typeface="Cabin"/>
               </a:rPr>
-              <a:t>Using </a:t>
+              <a:t>Using</a:t>
+            </a:r>
+            <a:r>
+              <a:rPr lang="en-US" sz="7800" u="none" strike="noStrike" cap="none" dirty="0">
+                <a:solidFill>
+                  <a:srgbClr val="FFFF00"/>
+                </a:solidFill>
+                <a:latin typeface="Arial" charset="0"/>
+                <a:ea typeface="Arial" charset="0"/>
+                <a:cs typeface="Arial" charset="0"/>
+                <a:sym typeface="Cabin"/>
+              </a:rPr>
+              <a:t> </a:t>
             </a:r>
             <a:r>
               <a:rPr lang="en-US" sz="7800" u="none" strike="noStrike" cap="none" dirty="0">
@@ -6790,7 +6802,7 @@
             <a:r>
               <a:rPr lang="en-US" sz="7800" u="none" strike="noStrike" cap="none" dirty="0">
                 <a:solidFill>
-                  <a:srgbClr val="FFFF00"/>
+                  <a:srgbClr val="FFD966"/>
                 </a:solidFill>
                 <a:latin typeface="Arial" charset="0"/>
                 <a:ea typeface="Arial" charset="0"/>
@@ -9276,7 +9288,7 @@
             <a:r>
               <a:rPr lang="en-US" sz="7800" u="none" strike="noStrike" cap="none">
                 <a:solidFill>
-                  <a:srgbClr val="FFFF00"/>
+                  <a:srgbClr val="FFD966"/>
                 </a:solidFill>
                 <a:latin typeface="Arial" charset="0"/>
                 <a:ea typeface="Arial" charset="0"/>
@@ -10015,7 +10027,7 @@
             <a:r>
               <a:rPr lang="en-US" sz="7600" u="none" strike="noStrike" cap="none" dirty="0">
                 <a:solidFill>
-                  <a:srgbClr val="FFFF00"/>
+                  <a:srgbClr val="FFD966"/>
                 </a:solidFill>
                 <a:latin typeface="Arial" charset="0"/>
                 <a:ea typeface="Arial" charset="0"/>
@@ -10777,7 +10789,7 @@
             <a:r>
               <a:rPr lang="en-US" sz="7800" u="none" strike="noStrike" cap="none" dirty="0">
                 <a:solidFill>
-                  <a:srgbClr val="FFFF00"/>
+                  <a:srgbClr val="FFD966"/>
                 </a:solidFill>
                 <a:latin typeface="Arial" charset="0"/>
                 <a:ea typeface="Arial" charset="0"/>
@@ -11794,7 +11806,7 @@
             <a:r>
               <a:rPr lang="en-US" sz="7800" u="none" strike="noStrike" cap="none">
                 <a:solidFill>
-                  <a:srgbClr val="FFFF00"/>
+                  <a:srgbClr val="FFD966"/>
                 </a:solidFill>
                 <a:latin typeface="Arial" charset="0"/>
                 <a:ea typeface="Arial" charset="0"/>
@@ -12906,38 +12918,62 @@
             <a:r>
               <a:rPr lang="en-US" sz="7800" u="none" strike="noStrike" cap="none">
                 <a:solidFill>
-                  <a:srgbClr val="FFFF00"/>
+                  <a:srgbClr val="FFD966"/>
                 </a:solidFill>
                 <a:latin typeface="Arial" charset="0"/>
                 <a:ea typeface="Arial" charset="0"/>
                 <a:cs typeface="Arial" charset="0"/>
                 <a:sym typeface="Cabin"/>
               </a:rPr>
-              <a:t>Things </a:t>
+              <a:t>Things</a:t>
             </a:r>
             <a:r>
               <a:rPr lang="en-US" sz="7800" u="none" strike="noStrike" cap="none">
                 <a:solidFill>
-                  <a:srgbClr val="FF66FF"/>
+                  <a:srgbClr val="FFFF00"/>
                 </a:solidFill>
                 <a:latin typeface="Arial" charset="0"/>
                 <a:ea typeface="Arial" charset="0"/>
                 <a:cs typeface="Arial" charset="0"/>
                 <a:sym typeface="Cabin"/>
               </a:rPr>
-              <a:t>not</a:t>
+              <a:t> </a:t>
             </a:r>
             <a:r>
               <a:rPr lang="en-US" sz="7800" u="none" strike="noStrike" cap="none">
                 <a:solidFill>
-                  <a:srgbClr val="FFFF00"/>
+                  <a:srgbClr val="FF66FF"/>
                 </a:solidFill>
                 <a:latin typeface="Arial" charset="0"/>
                 <a:ea typeface="Arial" charset="0"/>
                 <a:cs typeface="Arial" charset="0"/>
                 <a:sym typeface="Cabin"/>
               </a:rPr>
-              <a:t> to do With Tuples</a:t>
+              <a:t>not</a:t>
+            </a:r>
+            <a:r>
+              <a:rPr lang="en-US" sz="7800" u="none" strike="noStrike" cap="none">
+                <a:solidFill>
+                  <a:srgbClr val="FFFF00"/>
+                </a:solidFill>
+                <a:latin typeface="Arial" charset="0"/>
+                <a:ea typeface="Arial" charset="0"/>
+                <a:cs typeface="Arial" charset="0"/>
+                <a:sym typeface="Cabin"/>
+              </a:rPr>
+              <a:t> </a:t>
+            </a:r>
+            <a:r>
+              <a:rPr lang="en-US" sz="7800" u="none" strike="noStrike" cap="none">
+                <a:solidFill>
+                  <a:srgbClr val="FFD966"/>
+                </a:solidFill>
+                <a:latin typeface="Arial" charset="0"/>
+                <a:ea typeface="Arial" charset="0"/>
+                <a:cs typeface="Arial" charset="0"/>
+                <a:sym typeface="Cabin"/>
+              </a:rPr>
+              <a:t>to do With Tuples</a:t>
             </a:r>
           </a:p>
         </p:txBody>
@@ -13602,14 +13638,14 @@
             <a:r>
               <a:rPr lang="en-US" sz="7800" u="none" strike="noStrike" cap="none">
                 <a:solidFill>
-                  <a:srgbClr val="FFFF00"/>
+                  <a:srgbClr val="FFD966"/>
                 </a:solidFill>
                 <a:latin typeface="Arial" charset="0"/>
                 <a:ea typeface="Arial" charset="0"/>
                 <a:cs typeface="Arial" charset="0"/>
                 <a:sym typeface="Cabin"/>
               </a:rPr>
-              <a:t>A Tale of  Two Sequences</a:t>
+              <a:t>A Tale of Two Sequences</a:t>
             </a:r>
           </a:p>
         </p:txBody>
@@ -14126,7 +14162,7 @@
             <a:r>
               <a:rPr lang="en-US" sz="7800" u="none" strike="noStrike" cap="none">
                 <a:solidFill>
-                  <a:srgbClr val="FFFF00"/>
+                  <a:srgbClr val="FFD966"/>
                 </a:solidFill>
                 <a:latin typeface="Arial" charset="0"/>
                 <a:ea typeface="Arial" charset="0"/>
@@ -14307,7 +14343,7 @@
             <a:r>
               <a:rPr lang="en-US" sz="7800" u="none" strike="noStrike" cap="none">
                 <a:solidFill>
-                  <a:srgbClr val="FFFF00"/>
+                  <a:srgbClr val="FFD966"/>
                 </a:solidFill>
                 <a:latin typeface="Arial" charset="0"/>
                 <a:ea typeface="Arial" charset="0"/>
@@ -14921,7 +14957,7 @@
             <a:r>
               <a:rPr lang="en-US" sz="7800" u="none" strike="noStrike" cap="none">
                 <a:solidFill>
-                  <a:srgbClr val="FFFF00"/>
+                  <a:srgbClr val="FFD966"/>
                 </a:solidFill>
                 <a:latin typeface="Arial" charset="0"/>
                 <a:ea typeface="Arial" charset="0"/>
@@ -16042,7 +16078,7 @@
             <a:r>
               <a:rPr lang="en-US" sz="7800" u="none" strike="noStrike" cap="none" dirty="0">
                 <a:solidFill>
-                  <a:srgbClr val="FFFF00"/>
+                  <a:srgbClr val="FFD966"/>
                 </a:solidFill>
                 <a:latin typeface="Arial" charset="0"/>
                 <a:ea typeface="Arial" charset="0"/>

--- a/lectures3/Pythonlearn-10-Tuples.pptx
+++ b/lectures3/Pythonlearn-10-Tuples.pptx
@@ -231,7 +231,7 @@
   </p:defaultTextStyle>
   <p:extLst>
     <p:ext uri="{EFAFB233-063F-42B5-8137-9DF3F51BA10A}">
-      <p15:sldGuideLst xmlns="" xmlns:p15="http://schemas.microsoft.com/office/powerpoint/2012/main">
+      <p15:sldGuideLst xmlns:p15="http://schemas.microsoft.com/office/powerpoint/2012/main">
         <p15:guide id="1" orient="horz" pos="2880">
           <p15:clr>
             <a:srgbClr val="A4A3A4"/>
@@ -5018,7 +5018,7 @@
   <p:timing>
     <p:tnLst>
       <p:par>
-        <p:cTn xmlns:p14="http://schemas.microsoft.com/office/powerpoint/2010/main" id="1" dur="indefinite" restart="never" nodeType="tmRoot"/>
+        <p:cTn id="1" dur="indefinite" restart="never" nodeType="tmRoot"/>
       </p:par>
     </p:tnLst>
   </p:timing>
@@ -5792,7 +5792,7 @@
   <p:timing>
     <p:tnLst>
       <p:par>
-        <p:cTn xmlns:p14="http://schemas.microsoft.com/office/powerpoint/2010/main" id="1" dur="indefinite" restart="never" nodeType="tmRoot"/>
+        <p:cTn id="1" dur="indefinite" restart="never" nodeType="tmRoot"/>
       </p:par>
     </p:tnLst>
   </p:timing>
@@ -6733,7 +6733,7 @@
   <p:timing>
     <p:tnLst>
       <p:par>
-        <p:cTn xmlns:p14="http://schemas.microsoft.com/office/powerpoint/2010/main" id="1" dur="indefinite" restart="never" nodeType="tmRoot"/>
+        <p:cTn id="1" dur="indefinite" restart="never" nodeType="tmRoot"/>
       </p:par>
     </p:tnLst>
   </p:timing>
@@ -7678,7 +7678,7 @@
   <p:timing>
     <p:tnLst>
       <p:par>
-        <p:cTn xmlns:p14="http://schemas.microsoft.com/office/powerpoint/2010/main" id="1" dur="indefinite" restart="never" nodeType="tmRoot"/>
+        <p:cTn id="1" dur="indefinite" restart="never" nodeType="tmRoot"/>
       </p:par>
     </p:tnLst>
   </p:timing>
@@ -7860,7 +7860,7 @@
               <a:t> = </a:t>
             </a:r>
             <a:r>
-              <a:rPr lang="en-US" sz="3000" i="0" u="none" strike="noStrike" cap="none" dirty="0" err="1">
+              <a:rPr lang="en-US" sz="3000" i="0" u="none" strike="noStrike" cap="none" dirty="0" smtClean="0">
                 <a:solidFill>
                   <a:srgbClr val="FF00FF"/>
                 </a:solidFill>
@@ -7869,20 +7869,17 @@
                 <a:cs typeface="Courier"/>
                 <a:sym typeface="Courier New"/>
               </a:rPr>
-              <a:t>dict</a:t>
-            </a:r>
-            <a:r>
-              <a:rPr lang="en-US" sz="3000" i="0" u="none" strike="noStrike" cap="none" dirty="0">
-                <a:solidFill>
-                  <a:schemeClr val="lt1"/>
-                </a:solidFill>
-                <a:latin typeface="Courier"/>
-                <a:ea typeface="Courier New"/>
-                <a:cs typeface="Courier"/>
-                <a:sym typeface="Courier New"/>
-              </a:rPr>
-              <a:t>()</a:t>
-            </a:r>
+              <a:t>{}</a:t>
+            </a:r>
+            <a:endParaRPr lang="en-US" sz="3000" i="0" u="none" strike="noStrike" cap="none" dirty="0">
+              <a:solidFill>
+                <a:schemeClr val="lt1"/>
+              </a:solidFill>
+              <a:latin typeface="Courier"/>
+              <a:ea typeface="Courier New"/>
+              <a:cs typeface="Courier"/>
+              <a:sym typeface="Courier New"/>
+            </a:endParaRPr>
           </a:p>
           <a:p>
             <a:pPr marL="0" marR="0" lvl="0" indent="0" algn="l" rtl="0">
@@ -8411,10 +8408,22 @@
                 <a:cs typeface="Courier"/>
                 <a:sym typeface="Courier New"/>
               </a:rPr>
-              <a:t> = </a:t>
-            </a:r>
-            <a:r>
-              <a:rPr lang="en-US" sz="3000" i="0" u="none" strike="noStrike" cap="none" dirty="0">
+              <a:t> </a:t>
+            </a:r>
+            <a:r>
+              <a:rPr lang="en-US" sz="3000" i="0" u="none" strike="noStrike" cap="none">
+                <a:solidFill>
+                  <a:schemeClr val="lt1"/>
+                </a:solidFill>
+                <a:latin typeface="Courier"/>
+                <a:ea typeface="Courier New"/>
+                <a:cs typeface="Courier"/>
+                <a:sym typeface="Courier New"/>
+              </a:rPr>
+              <a:t>= </a:t>
+            </a:r>
+            <a:r>
+              <a:rPr lang="en-US" sz="3000" i="0" u="none" strike="noStrike" cap="none" smtClean="0">
                 <a:solidFill>
                   <a:srgbClr val="FF00FF"/>
                 </a:solidFill>
@@ -8423,20 +8432,17 @@
                 <a:cs typeface="Courier"/>
                 <a:sym typeface="Courier New"/>
               </a:rPr>
-              <a:t>list</a:t>
-            </a:r>
-            <a:r>
-              <a:rPr lang="en-US" sz="3000" i="0" u="none" strike="noStrike" cap="none" dirty="0">
-                <a:solidFill>
-                  <a:schemeClr val="lt1"/>
-                </a:solidFill>
-                <a:latin typeface="Courier"/>
-                <a:ea typeface="Courier New"/>
-                <a:cs typeface="Courier"/>
-                <a:sym typeface="Courier New"/>
-              </a:rPr>
-              <a:t>()</a:t>
-            </a:r>
+              <a:t>[]</a:t>
+            </a:r>
+            <a:endParaRPr lang="en-US" sz="3000" i="0" u="none" strike="noStrike" cap="none" dirty="0">
+              <a:solidFill>
+                <a:schemeClr val="lt1"/>
+              </a:solidFill>
+              <a:latin typeface="Courier"/>
+              <a:ea typeface="Courier New"/>
+              <a:cs typeface="Courier"/>
+              <a:sym typeface="Courier New"/>
+            </a:endParaRPr>
           </a:p>
           <a:p>
             <a:pPr marL="0" marR="0" lvl="0" indent="0" algn="l" rtl="0">
@@ -9219,7 +9225,7 @@
   <p:timing>
     <p:tnLst>
       <p:par>
-        <p:cTn xmlns:p14="http://schemas.microsoft.com/office/powerpoint/2010/main" id="1" dur="indefinite" restart="never" nodeType="tmRoot"/>
+        <p:cTn id="1" dur="indefinite" restart="never" nodeType="tmRoot"/>
       </p:par>
     </p:tnLst>
   </p:timing>
@@ -9954,7 +9960,7 @@
   <p:timing>
     <p:tnLst>
       <p:par>
-        <p:cTn xmlns:p14="http://schemas.microsoft.com/office/powerpoint/2010/main" id="1" dur="indefinite" restart="never" nodeType="tmRoot"/>
+        <p:cTn id="1" dur="indefinite" restart="never" nodeType="tmRoot"/>
       </p:par>
     </p:tnLst>
   </p:timing>
@@ -10293,7 +10299,7 @@
   <p:timing>
     <p:tnLst>
       <p:par>
-        <p:cTn xmlns:p14="http://schemas.microsoft.com/office/powerpoint/2010/main" id="1" dur="indefinite" restart="never" nodeType="tmRoot"/>
+        <p:cTn id="1" dur="indefinite" restart="never" nodeType="tmRoot"/>
       </p:par>
     </p:tnLst>
   </p:timing>
@@ -10720,7 +10726,7 @@
   <p:timing>
     <p:tnLst>
       <p:par>
-        <p:cTn xmlns:p14="http://schemas.microsoft.com/office/powerpoint/2010/main" id="1" dur="indefinite" restart="never" nodeType="tmRoot"/>
+        <p:cTn id="1" dur="indefinite" restart="never" nodeType="tmRoot"/>
       </p:par>
     </p:tnLst>
   </p:timing>
@@ -11737,7 +11743,7 @@
   <p:timing>
     <p:tnLst>
       <p:par>
-        <p:cTn xmlns:p14="http://schemas.microsoft.com/office/powerpoint/2010/main" id="1" dur="indefinite" restart="never" nodeType="tmRoot"/>
+        <p:cTn id="1" dur="indefinite" restart="never" nodeType="tmRoot"/>
       </p:par>
     </p:tnLst>
   </p:timing>
@@ -12849,7 +12855,7 @@
   <p:timing>
     <p:tnLst>
       <p:par>
-        <p:cTn xmlns:p14="http://schemas.microsoft.com/office/powerpoint/2010/main" id="1" dur="indefinite" restart="never" nodeType="tmRoot"/>
+        <p:cTn id="1" dur="indefinite" restart="never" nodeType="tmRoot"/>
       </p:par>
     </p:tnLst>
   </p:timing>
@@ -13569,7 +13575,7 @@
   <p:timing>
     <p:tnLst>
       <p:par>
-        <p:cTn xmlns:p14="http://schemas.microsoft.com/office/powerpoint/2010/main" id="1" dur="indefinite" restart="never" nodeType="tmRoot"/>
+        <p:cTn id="1" dur="indefinite" restart="never" nodeType="tmRoot"/>
       </p:par>
     </p:tnLst>
   </p:timing>
@@ -14089,7 +14095,7 @@
   <p:timing>
     <p:tnLst>
       <p:par>
-        <p:cTn xmlns:p14="http://schemas.microsoft.com/office/powerpoint/2010/main" id="1" dur="indefinite" restart="never" nodeType="tmRoot"/>
+        <p:cTn id="1" dur="indefinite" restart="never" nodeType="tmRoot"/>
       </p:par>
     </p:tnLst>
   </p:timing>
@@ -14274,7 +14280,7 @@
   <p:timing>
     <p:tnLst>
       <p:par>
-        <p:cTn xmlns:p14="http://schemas.microsoft.com/office/powerpoint/2010/main" id="1" dur="indefinite" restart="never" nodeType="tmRoot"/>
+        <p:cTn id="1" dur="indefinite" restart="never" nodeType="tmRoot"/>
       </p:par>
     </p:tnLst>
   </p:timing>
@@ -14888,7 +14894,7 @@
   <p:timing>
     <p:tnLst>
       <p:par>
-        <p:cTn xmlns:p14="http://schemas.microsoft.com/office/powerpoint/2010/main" id="1" dur="indefinite" restart="never" nodeType="tmRoot"/>
+        <p:cTn id="1" dur="indefinite" restart="never" nodeType="tmRoot"/>
       </p:par>
     </p:tnLst>
   </p:timing>
@@ -16009,7 +16015,7 @@
   <p:timing>
     <p:tnLst>
       <p:par>
-        <p:cTn xmlns:p14="http://schemas.microsoft.com/office/powerpoint/2010/main" id="1" dur="indefinite" restart="never" nodeType="tmRoot"/>
+        <p:cTn id="1" dur="indefinite" restart="never" nodeType="tmRoot"/>
       </p:par>
     </p:tnLst>
   </p:timing>
@@ -16636,7 +16642,7 @@
   <p:timing>
     <p:tnLst>
       <p:par>
-        <p:cTn xmlns:p14="http://schemas.microsoft.com/office/powerpoint/2010/main" id="1" dur="indefinite" restart="never" nodeType="tmRoot"/>
+        <p:cTn id="1" dur="indefinite" restart="never" nodeType="tmRoot"/>
       </p:par>
     </p:tnLst>
   </p:timing>

--- a/lectures3/Pythonlearn-10-Tuples.pptx
+++ b/lectures3/Pythonlearn-10-Tuples.pptx
@@ -582,37 +582,24 @@
                   <a:schemeClr val="dk2"/>
                 </a:solidFill>
               </a:rPr>
-              <a:t>Note from Chuck.  If you are using these materials, you can remove the UM logo and replace it with your own, but please retain the CC-BY logo on the first page as well as retain the </a:t>
-            </a:r>
-            <a:r>
-              <a:rPr lang="en-US" sz="1100" b="0" i="0" u="none" strike="noStrike" cap="none" dirty="0" smtClean="0">
+              <a:t>Note from Chuck.  If you are using these materials, you can remove the UM logo and replace it with your own, but please retain the CC-BY logo on the first page as well as retain the acknowledgement</a:t>
+            </a:r>
+            <a:r>
+              <a:rPr lang="en-US" sz="1100" b="0" i="0" u="none" strike="noStrike" cap="none" baseline="0" dirty="0">
                 <a:solidFill>
                   <a:schemeClr val="dk2"/>
                 </a:solidFill>
               </a:rPr>
-              <a:t>acknowledgement</a:t>
-            </a:r>
-            <a:r>
-              <a:rPr lang="en-US" sz="1100" b="0" i="0" u="none" strike="noStrike" cap="none" baseline="0" dirty="0" smtClean="0">
+              <a:t> </a:t>
+            </a:r>
+            <a:r>
+              <a:rPr lang="en-US" sz="1100" b="0" i="0" u="none" strike="noStrike" cap="none" dirty="0">
                 <a:solidFill>
                   <a:schemeClr val="dk2"/>
                 </a:solidFill>
               </a:rPr>
-              <a:t> </a:t>
-            </a:r>
-            <a:r>
-              <a:rPr lang="en-US" sz="1100" b="0" i="0" u="none" strike="noStrike" cap="none" dirty="0" smtClean="0">
-                <a:solidFill>
-                  <a:schemeClr val="dk2"/>
-                </a:solidFill>
-              </a:rPr>
               <a:t>page(s) at the end.</a:t>
             </a:r>
-            <a:endParaRPr lang="en-US" sz="1100" b="0" i="0" u="none" strike="noStrike" cap="none" dirty="0">
-              <a:solidFill>
-                <a:schemeClr val="dk2"/>
-              </a:solidFill>
-            </a:endParaRPr>
           </a:p>
         </p:txBody>
       </p:sp>
@@ -3995,7 +3982,6 @@
           <a:ln>
             <a:noFill/>
           </a:ln>
-          <a:extLst/>
         </p:spPr>
         <p:txBody>
           <a:bodyPr/>
@@ -4119,7 +4105,7 @@
             <a:pPr eaLnBrk="1" hangingPunct="1">
               <a:defRPr/>
             </a:pPr>
-            <a:endParaRPr lang="en-US" altLang="en-US" sz="3600" smtClean="0"/>
+            <a:endParaRPr lang="en-US" altLang="en-US" sz="3600"/>
           </a:p>
         </p:txBody>
       </p:sp>
@@ -4145,7 +4131,6 @@
           <a:ln>
             <a:noFill/>
           </a:ln>
-          <a:extLst/>
         </p:spPr>
         <p:txBody>
           <a:bodyPr/>
@@ -4269,7 +4254,7 @@
             <a:pPr eaLnBrk="1" hangingPunct="1">
               <a:defRPr/>
             </a:pPr>
-            <a:endParaRPr lang="en-US" altLang="en-US" sz="3600" smtClean="0"/>
+            <a:endParaRPr lang="en-US" altLang="en-US" sz="3600"/>
           </a:p>
         </p:txBody>
       </p:sp>
@@ -4900,7 +4885,7 @@
               <a:buNone/>
             </a:pPr>
             <a:r>
-              <a:rPr lang="en-US" sz="3200" u="none" strike="noStrike" cap="none" dirty="0" smtClean="0">
+              <a:rPr lang="en-US" sz="3200" u="none" strike="noStrike" cap="none" dirty="0">
                 <a:solidFill>
                   <a:srgbClr val="FFFF00"/>
                 </a:solidFill>
@@ -4931,7 +4916,7 @@
               <a:buNone/>
             </a:pPr>
             <a:r>
-              <a:rPr lang="en-US" sz="3200" dirty="0" smtClean="0">
+              <a:rPr lang="en-US" sz="3200" dirty="0">
                 <a:solidFill>
                   <a:srgbClr val="FFFF00"/>
                 </a:solidFill>
@@ -5015,13 +5000,6 @@
   <p:clrMapOvr>
     <a:masterClrMapping/>
   </p:clrMapOvr>
-  <p:timing>
-    <p:tnLst>
-      <p:par>
-        <p:cTn id="1" dur="indefinite" restart="never" nodeType="tmRoot"/>
-      </p:par>
-    </p:tnLst>
-  </p:timing>
 </p:sld>
 </file>
 
@@ -5234,53 +5212,32 @@
                 <a:cs typeface="Arial" charset="0"/>
                 <a:sym typeface="Cabin"/>
               </a:rPr>
-              <a:t>() </a:t>
-            </a:r>
-            <a:r>
-              <a:rPr lang="en-US" sz="3600" u="none" strike="noStrike" cap="none" dirty="0" smtClean="0">
-                <a:solidFill>
-                  <a:schemeClr val="lt1"/>
+              <a:t>() method and </a:t>
+            </a:r>
+            <a:r>
+              <a:rPr lang="en-US" sz="3600" u="none" strike="noStrike" cap="none" dirty="0">
+                <a:solidFill>
+                  <a:srgbClr val="FFFF00"/>
                 </a:solidFill>
                 <a:latin typeface="Arial" charset="0"/>
                 <a:ea typeface="Arial" charset="0"/>
                 <a:cs typeface="Arial" charset="0"/>
                 <a:sym typeface="Cabin"/>
               </a:rPr>
-              <a:t>method and </a:t>
-            </a:r>
-            <a:r>
-              <a:rPr lang="en-US" sz="3600" u="none" strike="noStrike" cap="none" dirty="0" smtClean="0">
-                <a:solidFill>
-                  <a:srgbClr val="FFFF00"/>
+              <a:t>sorted() </a:t>
+            </a:r>
+            <a:r>
+              <a:rPr lang="en-US" sz="3600" u="none" strike="noStrike" cap="none" dirty="0">
+                <a:solidFill>
+                  <a:schemeClr val="lt1"/>
                 </a:solidFill>
                 <a:latin typeface="Arial" charset="0"/>
                 <a:ea typeface="Arial" charset="0"/>
                 <a:cs typeface="Arial" charset="0"/>
                 <a:sym typeface="Cabin"/>
               </a:rPr>
-              <a:t>sorted() </a:t>
-            </a:r>
-            <a:r>
-              <a:rPr lang="en-US" sz="3600" u="none" strike="noStrike" cap="none" dirty="0" smtClean="0">
-                <a:solidFill>
-                  <a:schemeClr val="lt1"/>
-                </a:solidFill>
-                <a:latin typeface="Arial" charset="0"/>
-                <a:ea typeface="Arial" charset="0"/>
-                <a:cs typeface="Arial" charset="0"/>
-                <a:sym typeface="Cabin"/>
-              </a:rPr>
               <a:t>function</a:t>
             </a:r>
-            <a:endParaRPr lang="en-US" sz="3600" u="none" strike="noStrike" cap="none" dirty="0">
-              <a:solidFill>
-                <a:schemeClr val="lt1"/>
-              </a:solidFill>
-              <a:latin typeface="Arial" charset="0"/>
-              <a:ea typeface="Arial" charset="0"/>
-              <a:cs typeface="Arial" charset="0"/>
-              <a:sym typeface="Cabin"/>
-            </a:endParaRPr>
           </a:p>
         </p:txBody>
       </p:sp>
@@ -5327,7 +5284,7 @@
               <a:buNone/>
             </a:pPr>
             <a:r>
-              <a:rPr lang="en-US" sz="3000" i="0" u="none" strike="noStrike" cap="none" dirty="0">
+              <a:rPr lang="en-US" sz="3000" b="1" i="0" u="none" strike="noStrike" cap="none" dirty="0">
                 <a:solidFill>
                   <a:schemeClr val="lt1"/>
                 </a:solidFill>
@@ -5339,7 +5296,7 @@
               <a:t>&gt;&gt;&gt; </a:t>
             </a:r>
             <a:r>
-              <a:rPr lang="en-US" sz="3000" i="0" u="none" strike="noStrike" cap="none" dirty="0">
+              <a:rPr lang="en-US" sz="3000" b="1" i="0" u="none" strike="noStrike" cap="none" dirty="0">
                 <a:solidFill>
                   <a:srgbClr val="00FF00"/>
                 </a:solidFill>
@@ -5351,7 +5308,7 @@
               <a:t>d</a:t>
             </a:r>
             <a:r>
-              <a:rPr lang="en-US" sz="3000" i="0" u="none" strike="noStrike" cap="none" dirty="0">
+              <a:rPr lang="en-US" sz="3000" b="1" i="0" u="none" strike="noStrike" cap="none" dirty="0">
                 <a:solidFill>
                   <a:schemeClr val="lt1"/>
                 </a:solidFill>
@@ -5382,7 +5339,7 @@
               <a:buNone/>
             </a:pPr>
             <a:r>
-              <a:rPr lang="en-US" sz="3000" i="0" u="none" strike="noStrike" cap="none" dirty="0">
+              <a:rPr lang="en-US" sz="3000" b="1" i="0" u="none" strike="noStrike" cap="none" dirty="0">
                 <a:solidFill>
                   <a:schemeClr val="lt1"/>
                 </a:solidFill>
@@ -5394,7 +5351,7 @@
               <a:t>&gt;&gt;&gt; </a:t>
             </a:r>
             <a:r>
-              <a:rPr lang="en-US" sz="3000" i="0" u="none" strike="noStrike" cap="none" dirty="0" err="1" smtClean="0">
+              <a:rPr lang="en-US" sz="3000" b="1" i="0" u="none" strike="noStrike" cap="none" dirty="0" err="1">
                 <a:solidFill>
                   <a:srgbClr val="00FF00"/>
                 </a:solidFill>
@@ -5406,7 +5363,7 @@
               <a:t>d</a:t>
             </a:r>
             <a:r>
-              <a:rPr lang="en-US" sz="3000" i="0" u="none" strike="noStrike" cap="none" dirty="0" err="1" smtClean="0">
+              <a:rPr lang="en-US" sz="3000" b="1" i="0" u="none" strike="noStrike" cap="none" dirty="0" err="1">
                 <a:solidFill>
                   <a:srgbClr val="FF00FF"/>
                 </a:solidFill>
@@ -5418,7 +5375,7 @@
               <a:t>.items</a:t>
             </a:r>
             <a:r>
-              <a:rPr lang="en-US" sz="3000" i="0" u="none" strike="noStrike" cap="none" dirty="0">
+              <a:rPr lang="en-US" sz="3000" b="1" i="0" u="none" strike="noStrike" cap="none" dirty="0">
                 <a:solidFill>
                   <a:schemeClr val="lt1"/>
                 </a:solidFill>
@@ -5449,7 +5406,7 @@
               <a:buNone/>
             </a:pPr>
             <a:r>
-              <a:rPr lang="en-US" sz="3000" i="0" u="none" strike="noStrike" cap="none" dirty="0" err="1" smtClean="0">
+              <a:rPr lang="en-US" sz="3000" b="1" i="0" u="none" strike="noStrike" cap="none" dirty="0" err="1">
                 <a:solidFill>
                   <a:schemeClr val="lt1"/>
                 </a:solidFill>
@@ -5461,7 +5418,7 @@
               <a:t>dict_items</a:t>
             </a:r>
             <a:r>
-              <a:rPr lang="en-US" sz="3000" i="0" u="none" strike="noStrike" cap="none" dirty="0" smtClean="0">
+              <a:rPr lang="en-US" sz="3000" b="1" i="0" u="none" strike="noStrike" cap="none" dirty="0">
                 <a:solidFill>
                   <a:schemeClr val="lt1"/>
                 </a:solidFill>
@@ -5473,7 +5430,7 @@
               <a:t>([</a:t>
             </a:r>
             <a:r>
-              <a:rPr lang="en-US" sz="3000" i="0" u="none" strike="noStrike" cap="none" dirty="0" smtClean="0">
+              <a:rPr lang="en-US" sz="3000" b="1" i="0" u="none" strike="noStrike" cap="none" dirty="0">
                 <a:solidFill>
                   <a:srgbClr val="FF7F00"/>
                 </a:solidFill>
@@ -5482,10 +5439,22 @@
                 <a:cs typeface="Courier"/>
                 <a:sym typeface="Courier New"/>
               </a:rPr>
-              <a:t>(</a:t>
-            </a:r>
-            <a:r>
-              <a:rPr lang="en-US" sz="3000" i="0" u="none" strike="noStrike" cap="none" dirty="0">
+              <a:t>('a', 10)</a:t>
+            </a:r>
+            <a:r>
+              <a:rPr lang="en-US" sz="3000" b="1" i="0" u="none" strike="noStrike" cap="none" dirty="0">
+                <a:solidFill>
+                  <a:schemeClr val="lt1"/>
+                </a:solidFill>
+                <a:latin typeface="Courier"/>
+                <a:ea typeface="Courier New"/>
+                <a:cs typeface="Courier"/>
+                <a:sym typeface="Courier New"/>
+              </a:rPr>
+              <a:t>, </a:t>
+            </a:r>
+            <a:r>
+              <a:rPr lang="en-US" sz="3000" b="1" i="0" u="none" strike="noStrike" cap="none" dirty="0">
                 <a:solidFill>
                   <a:srgbClr val="FF7F00"/>
                 </a:solidFill>
@@ -5494,10 +5463,10 @@
                 <a:cs typeface="Courier"/>
                 <a:sym typeface="Courier New"/>
               </a:rPr>
-              <a:t>'a', 10)</a:t>
-            </a:r>
-            <a:r>
-              <a:rPr lang="en-US" sz="3000" i="0" u="none" strike="noStrike" cap="none" dirty="0">
+              <a:t>('c', 22)</a:t>
+            </a:r>
+            <a:r>
+              <a:rPr lang="en-US" sz="3000" b="1" i="0" u="none" strike="noStrike" cap="none" dirty="0">
                 <a:solidFill>
                   <a:schemeClr val="lt1"/>
                 </a:solidFill>
@@ -5509,7 +5478,7 @@
               <a:t>, </a:t>
             </a:r>
             <a:r>
-              <a:rPr lang="en-US" sz="3000" i="0" u="none" strike="noStrike" cap="none" dirty="0">
+              <a:rPr lang="en-US" sz="3000" b="1" i="0" u="none" strike="noStrike" cap="none" dirty="0">
                 <a:solidFill>
                   <a:srgbClr val="FF7F00"/>
                 </a:solidFill>
@@ -5518,36 +5487,92 @@
                 <a:cs typeface="Courier"/>
                 <a:sym typeface="Courier New"/>
               </a:rPr>
-              <a:t>('c', 22)</a:t>
-            </a:r>
-            <a:r>
-              <a:rPr lang="en-US" sz="3000" i="0" u="none" strike="noStrike" cap="none" dirty="0">
-                <a:solidFill>
-                  <a:schemeClr val="lt1"/>
-                </a:solidFill>
-                <a:latin typeface="Courier"/>
-                <a:ea typeface="Courier New"/>
-                <a:cs typeface="Courier"/>
-                <a:sym typeface="Courier New"/>
-              </a:rPr>
-              <a:t>, </a:t>
-            </a:r>
-            <a:r>
-              <a:rPr lang="en-US" sz="3000" i="0" u="none" strike="noStrike" cap="none" dirty="0">
-                <a:solidFill>
-                  <a:srgbClr val="FF7F00"/>
-                </a:solidFill>
-                <a:latin typeface="Courier"/>
-                <a:ea typeface="Courier New"/>
-                <a:cs typeface="Courier"/>
-                <a:sym typeface="Courier New"/>
-              </a:rPr>
-              <a:t>('b', 1</a:t>
-            </a:r>
-            <a:r>
-              <a:rPr lang="en-US" sz="3000" i="0" u="none" strike="noStrike" cap="none" dirty="0" smtClean="0">
-                <a:solidFill>
-                  <a:srgbClr val="FF7F00"/>
+              <a:t>('b', 1)</a:t>
+            </a:r>
+            <a:r>
+              <a:rPr lang="en-US" sz="3000" b="1" i="0" u="none" strike="noStrike" cap="none" dirty="0">
+                <a:solidFill>
+                  <a:schemeClr val="lt1"/>
+                </a:solidFill>
+                <a:latin typeface="Courier"/>
+                <a:ea typeface="Courier New"/>
+                <a:cs typeface="Courier"/>
+                <a:sym typeface="Courier New"/>
+              </a:rPr>
+              <a:t>])</a:t>
+            </a:r>
+          </a:p>
+          <a:p>
+            <a:pPr>
+              <a:buClr>
+                <a:schemeClr val="lt1"/>
+              </a:buClr>
+              <a:buSzPct val="25000"/>
+            </a:pPr>
+            <a:r>
+              <a:rPr lang="en-US" sz="3000" b="1" i="0" u="none" strike="noStrike" cap="none" dirty="0">
+                <a:solidFill>
+                  <a:schemeClr val="lt1"/>
+                </a:solidFill>
+                <a:latin typeface="Courier"/>
+                <a:ea typeface="Courier New"/>
+                <a:cs typeface="Courier"/>
+                <a:sym typeface="Courier New"/>
+              </a:rPr>
+              <a:t>&gt;&gt;&gt; </a:t>
+            </a:r>
+            <a:r>
+              <a:rPr lang="en-US" sz="3000" b="1" dirty="0">
+                <a:solidFill>
+                  <a:srgbClr val="FFFF00"/>
+                </a:solidFill>
+                <a:latin typeface="Courier"/>
+                <a:ea typeface="Courier New"/>
+                <a:cs typeface="Courier"/>
+                <a:sym typeface="Courier New"/>
+              </a:rPr>
+              <a:t>sorted(</a:t>
+            </a:r>
+            <a:r>
+              <a:rPr lang="en-US" sz="3000" b="1" dirty="0" err="1">
+                <a:solidFill>
+                  <a:srgbClr val="00FF00"/>
+                </a:solidFill>
+                <a:latin typeface="Courier"/>
+                <a:ea typeface="Courier New"/>
+                <a:cs typeface="Courier"/>
+                <a:sym typeface="Courier New"/>
+              </a:rPr>
+              <a:t>d</a:t>
+            </a:r>
+            <a:r>
+              <a:rPr lang="en-US" sz="3000" b="1" dirty="0" err="1">
+                <a:solidFill>
+                  <a:srgbClr val="FF00FF"/>
+                </a:solidFill>
+                <a:latin typeface="Courier"/>
+                <a:ea typeface="Courier New"/>
+                <a:cs typeface="Courier"/>
+                <a:sym typeface="Courier New"/>
+              </a:rPr>
+              <a:t>.items</a:t>
+            </a:r>
+            <a:r>
+              <a:rPr lang="en-US" sz="3000" b="1" dirty="0">
+                <a:solidFill>
+                  <a:schemeClr val="lt1"/>
+                </a:solidFill>
+                <a:latin typeface="Courier"/>
+                <a:ea typeface="Courier New"/>
+                <a:cs typeface="Courier"/>
+                <a:sym typeface="Courier New"/>
+              </a:rPr>
+              <a:t>()</a:t>
+            </a:r>
+            <a:r>
+              <a:rPr lang="en-US" sz="3000" b="1" dirty="0">
+                <a:solidFill>
+                  <a:srgbClr val="FFFC00"/>
                 </a:solidFill>
                 <a:latin typeface="Courier"/>
                 <a:ea typeface="Courier New"/>
@@ -5556,108 +5581,7 @@
               </a:rPr>
               <a:t>)</a:t>
             </a:r>
-            <a:r>
-              <a:rPr lang="en-US" sz="3000" i="0" u="none" strike="noStrike" cap="none" dirty="0" smtClean="0">
-                <a:solidFill>
-                  <a:schemeClr val="lt1"/>
-                </a:solidFill>
-                <a:latin typeface="Courier"/>
-                <a:ea typeface="Courier New"/>
-                <a:cs typeface="Courier"/>
-                <a:sym typeface="Courier New"/>
-              </a:rPr>
-              <a:t>])</a:t>
-            </a:r>
-            <a:endParaRPr lang="en-US" sz="3000" i="0" u="none" strike="noStrike" cap="none" dirty="0">
-              <a:solidFill>
-                <a:schemeClr val="lt1"/>
-              </a:solidFill>
-              <a:latin typeface="Courier"/>
-              <a:ea typeface="Courier New"/>
-              <a:cs typeface="Courier"/>
-              <a:sym typeface="Courier New"/>
-            </a:endParaRPr>
-          </a:p>
-          <a:p>
-            <a:pPr>
-              <a:buClr>
-                <a:schemeClr val="lt1"/>
-              </a:buClr>
-              <a:buSzPct val="25000"/>
-            </a:pPr>
-            <a:r>
-              <a:rPr lang="en-US" sz="3000" i="0" u="none" strike="noStrike" cap="none" dirty="0">
-                <a:solidFill>
-                  <a:schemeClr val="lt1"/>
-                </a:solidFill>
-                <a:latin typeface="Courier"/>
-                <a:ea typeface="Courier New"/>
-                <a:cs typeface="Courier"/>
-                <a:sym typeface="Courier New"/>
-              </a:rPr>
-              <a:t>&gt;&gt;&gt; </a:t>
-            </a:r>
-            <a:r>
-              <a:rPr lang="en-US" sz="3000" dirty="0">
-                <a:solidFill>
-                  <a:srgbClr val="FFFF00"/>
-                </a:solidFill>
-                <a:latin typeface="Courier"/>
-                <a:ea typeface="Courier New"/>
-                <a:cs typeface="Courier"/>
-                <a:sym typeface="Courier New"/>
-              </a:rPr>
-              <a:t>sorted(</a:t>
-            </a:r>
-            <a:r>
-              <a:rPr lang="en-US" sz="3000" dirty="0" err="1">
-                <a:solidFill>
-                  <a:srgbClr val="00FF00"/>
-                </a:solidFill>
-                <a:latin typeface="Courier"/>
-                <a:ea typeface="Courier New"/>
-                <a:cs typeface="Courier"/>
-                <a:sym typeface="Courier New"/>
-              </a:rPr>
-              <a:t>d</a:t>
-            </a:r>
-            <a:r>
-              <a:rPr lang="en-US" sz="3000" dirty="0" err="1">
-                <a:solidFill>
-                  <a:srgbClr val="FF00FF"/>
-                </a:solidFill>
-                <a:latin typeface="Courier"/>
-                <a:ea typeface="Courier New"/>
-                <a:cs typeface="Courier"/>
-                <a:sym typeface="Courier New"/>
-              </a:rPr>
-              <a:t>.items</a:t>
-            </a:r>
-            <a:r>
-              <a:rPr lang="en-US" sz="3000" dirty="0" smtClean="0">
-                <a:solidFill>
-                  <a:schemeClr val="lt1"/>
-                </a:solidFill>
-                <a:latin typeface="Courier"/>
-                <a:ea typeface="Courier New"/>
-                <a:cs typeface="Courier"/>
-                <a:sym typeface="Courier New"/>
-              </a:rPr>
-              <a:t>()</a:t>
-            </a:r>
-            <a:r>
-              <a:rPr lang="en-US" sz="3000" dirty="0" smtClean="0">
-                <a:solidFill>
-                  <a:srgbClr val="FFFC00"/>
-                </a:solidFill>
-                <a:latin typeface="Courier"/>
-                <a:ea typeface="Courier New"/>
-                <a:cs typeface="Courier"/>
-                <a:sym typeface="Courier New"/>
-              </a:rPr>
-              <a:t>)</a:t>
-            </a:r>
-            <a:endParaRPr lang="en-US" sz="3000" i="0" u="none" strike="noStrike" cap="none" dirty="0">
+            <a:endParaRPr lang="en-US" sz="3000" b="1" i="0" u="none" strike="noStrike" cap="none" dirty="0">
               <a:solidFill>
                 <a:srgbClr val="FFFC00"/>
               </a:solidFill>
@@ -5686,7 +5610,7 @@
               <a:buNone/>
             </a:pPr>
             <a:r>
-              <a:rPr lang="en-US" sz="3000" i="0" u="none" strike="noStrike" cap="none" dirty="0" smtClean="0">
+              <a:rPr lang="en-US" sz="3000" b="1" i="0" u="none" strike="noStrike" cap="none" dirty="0">
                 <a:solidFill>
                   <a:schemeClr val="lt1"/>
                 </a:solidFill>
@@ -5698,7 +5622,7 @@
               <a:t>[</a:t>
             </a:r>
             <a:r>
-              <a:rPr lang="en-US" sz="3000" i="0" u="none" strike="noStrike" cap="none" dirty="0" smtClean="0">
+              <a:rPr lang="en-US" sz="3000" b="1" i="0" u="none" strike="noStrike" cap="none" dirty="0">
                 <a:solidFill>
                   <a:srgbClr val="FF7F00"/>
                 </a:solidFill>
@@ -5707,10 +5631,22 @@
                 <a:cs typeface="Courier"/>
                 <a:sym typeface="Courier New"/>
               </a:rPr>
-              <a:t>(</a:t>
-            </a:r>
-            <a:r>
-              <a:rPr lang="en-US" sz="3000" i="0" u="none" strike="noStrike" cap="none" dirty="0">
+              <a:t>('a', 10)</a:t>
+            </a:r>
+            <a:r>
+              <a:rPr lang="en-US" sz="3000" b="1" i="0" u="none" strike="noStrike" cap="none" dirty="0">
+                <a:solidFill>
+                  <a:schemeClr val="lt1"/>
+                </a:solidFill>
+                <a:latin typeface="Courier"/>
+                <a:ea typeface="Courier New"/>
+                <a:cs typeface="Courier"/>
+                <a:sym typeface="Courier New"/>
+              </a:rPr>
+              <a:t>, </a:t>
+            </a:r>
+            <a:r>
+              <a:rPr lang="en-US" sz="3000" b="1" i="0" u="none" strike="noStrike" cap="none" dirty="0">
                 <a:solidFill>
                   <a:srgbClr val="FF7F00"/>
                 </a:solidFill>
@@ -5719,10 +5655,10 @@
                 <a:cs typeface="Courier"/>
                 <a:sym typeface="Courier New"/>
               </a:rPr>
-              <a:t>'a', 10)</a:t>
-            </a:r>
-            <a:r>
-              <a:rPr lang="en-US" sz="3000" i="0" u="none" strike="noStrike" cap="none" dirty="0">
+              <a:t>('b', 1)</a:t>
+            </a:r>
+            <a:r>
+              <a:rPr lang="en-US" sz="3000" b="1" i="0" u="none" strike="noStrike" cap="none" dirty="0">
                 <a:solidFill>
                   <a:schemeClr val="lt1"/>
                 </a:solidFill>
@@ -5734,7 +5670,7 @@
               <a:t>, </a:t>
             </a:r>
             <a:r>
-              <a:rPr lang="en-US" sz="3000" i="0" u="none" strike="noStrike" cap="none" dirty="0">
+              <a:rPr lang="en-US" sz="3000" b="1" i="0" u="none" strike="noStrike" cap="none" dirty="0">
                 <a:solidFill>
                   <a:srgbClr val="FF7F00"/>
                 </a:solidFill>
@@ -5743,34 +5679,10 @@
                 <a:cs typeface="Courier"/>
                 <a:sym typeface="Courier New"/>
               </a:rPr>
-              <a:t>('b', 1)</a:t>
-            </a:r>
-            <a:r>
-              <a:rPr lang="en-US" sz="3000" i="0" u="none" strike="noStrike" cap="none" dirty="0">
-                <a:solidFill>
-                  <a:schemeClr val="lt1"/>
-                </a:solidFill>
-                <a:latin typeface="Courier"/>
-                <a:ea typeface="Courier New"/>
-                <a:cs typeface="Courier"/>
-                <a:sym typeface="Courier New"/>
-              </a:rPr>
-              <a:t>, </a:t>
-            </a:r>
-            <a:r>
-              <a:rPr lang="en-US" sz="3000" i="0" u="none" strike="noStrike" cap="none" dirty="0">
-                <a:solidFill>
-                  <a:srgbClr val="FF7F00"/>
-                </a:solidFill>
-                <a:latin typeface="Courier"/>
-                <a:ea typeface="Courier New"/>
-                <a:cs typeface="Courier"/>
-                <a:sym typeface="Courier New"/>
-              </a:rPr>
               <a:t>('c', 22)</a:t>
             </a:r>
             <a:r>
-              <a:rPr lang="en-US" sz="3000" i="0" u="none" strike="noStrike" cap="none" dirty="0">
+              <a:rPr lang="en-US" sz="3000" b="1" i="0" u="none" strike="noStrike" cap="none" dirty="0">
                 <a:solidFill>
                   <a:schemeClr val="lt1"/>
                 </a:solidFill>
@@ -5789,13 +5701,6 @@
   <p:clrMapOvr>
     <a:masterClrMapping/>
   </p:clrMapOvr>
-  <p:timing>
-    <p:tnLst>
-      <p:par>
-        <p:cTn id="1" dur="indefinite" restart="never" nodeType="tmRoot"/>
-      </p:par>
-    </p:tnLst>
-  </p:timing>
 </p:sld>
 </file>
 
@@ -5925,7 +5830,7 @@
               <a:buNone/>
             </a:pPr>
             <a:r>
-              <a:rPr lang="en-US" smtClean="0">
+              <a:rPr lang="en-US">
                 <a:solidFill>
                   <a:schemeClr val="lt1"/>
                 </a:solidFill>
@@ -5970,29 +5875,8 @@
                 <a:cs typeface="Arial" charset="0"/>
                 <a:sym typeface="Cabin"/>
               </a:rPr>
-              <a:t> that takes a sequence as a parameter and returns a sorted </a:t>
-            </a:r>
-            <a:r>
-              <a:rPr lang="en-US" dirty="0" smtClean="0">
-                <a:solidFill>
-                  <a:schemeClr val="lt1"/>
-                </a:solidFill>
-                <a:latin typeface="Arial" charset="0"/>
-                <a:ea typeface="Arial" charset="0"/>
-                <a:cs typeface="Arial" charset="0"/>
-                <a:sym typeface="Cabin"/>
-              </a:rPr>
-              <a:t>sequence</a:t>
-            </a:r>
-            <a:endParaRPr lang="en-US" dirty="0">
-              <a:solidFill>
-                <a:schemeClr val="lt1"/>
-              </a:solidFill>
-              <a:latin typeface="Arial" charset="0"/>
-              <a:ea typeface="Arial" charset="0"/>
-              <a:cs typeface="Arial" charset="0"/>
-              <a:sym typeface="Cabin"/>
-            </a:endParaRPr>
+              <a:t> that takes a sequence as a parameter and returns a sorted sequence</a:t>
+            </a:r>
           </a:p>
         </p:txBody>
       </p:sp>
@@ -6039,7 +5923,7 @@
               <a:buNone/>
             </a:pPr>
             <a:r>
-              <a:rPr lang="en-US" sz="3000" i="0" u="none" strike="noStrike" cap="none" dirty="0">
+              <a:rPr lang="en-US" sz="3000" b="1" i="0" u="none" strike="noStrike" cap="none" dirty="0">
                 <a:solidFill>
                   <a:schemeClr val="lt1"/>
                 </a:solidFill>
@@ -6051,7 +5935,7 @@
               <a:t>&gt;&gt;&gt; </a:t>
             </a:r>
             <a:r>
-              <a:rPr lang="en-US" sz="3000" i="0" u="none" strike="noStrike" cap="none" dirty="0">
+              <a:rPr lang="en-US" sz="3000" b="1" i="0" u="none" strike="noStrike" cap="none" dirty="0">
                 <a:solidFill>
                   <a:srgbClr val="00FF00"/>
                 </a:solidFill>
@@ -6063,7 +5947,7 @@
               <a:t>d</a:t>
             </a:r>
             <a:r>
-              <a:rPr lang="en-US" sz="3000" i="0" u="none" strike="noStrike" cap="none" dirty="0">
+              <a:rPr lang="en-US" sz="3000" b="1" i="0" u="none" strike="noStrike" cap="none" dirty="0">
                 <a:solidFill>
                   <a:schemeClr val="lt1"/>
                 </a:solidFill>
@@ -6094,7 +5978,7 @@
               <a:buNone/>
             </a:pPr>
             <a:r>
-              <a:rPr lang="en-US" sz="3000" i="0" u="none" strike="noStrike" cap="none" dirty="0" smtClean="0">
+              <a:rPr lang="en-US" sz="3000" b="1" i="0" u="none" strike="noStrike" cap="none" dirty="0">
                 <a:solidFill>
                   <a:schemeClr val="lt1"/>
                 </a:solidFill>
@@ -6106,7 +5990,7 @@
               <a:t>&gt;&gt;&gt; </a:t>
             </a:r>
             <a:r>
-              <a:rPr lang="en-US" sz="3000" i="0" u="none" strike="noStrike" cap="none" dirty="0">
+              <a:rPr lang="en-US" sz="3000" b="1" i="0" u="none" strike="noStrike" cap="none" dirty="0">
                 <a:solidFill>
                   <a:srgbClr val="00FF00"/>
                 </a:solidFill>
@@ -6118,7 +6002,7 @@
               <a:t>t</a:t>
             </a:r>
             <a:r>
-              <a:rPr lang="en-US" sz="3000" i="0" u="none" strike="noStrike" cap="none" dirty="0">
+              <a:rPr lang="en-US" sz="3000" b="1" i="0" u="none" strike="noStrike" cap="none" dirty="0">
                 <a:solidFill>
                   <a:schemeClr val="lt1"/>
                 </a:solidFill>
@@ -6130,7 +6014,7 @@
               <a:t> = </a:t>
             </a:r>
             <a:r>
-              <a:rPr lang="en-US" sz="3000" i="0" u="none" strike="noStrike" cap="none" dirty="0">
+              <a:rPr lang="en-US" sz="3000" b="1" i="0" u="none" strike="noStrike" cap="none" dirty="0">
                 <a:solidFill>
                   <a:srgbClr val="FF00FF"/>
                 </a:solidFill>
@@ -6142,7 +6026,7 @@
               <a:t>sorted</a:t>
             </a:r>
             <a:r>
-              <a:rPr lang="en-US" sz="3000" i="0" u="none" strike="noStrike" cap="none" dirty="0">
+              <a:rPr lang="en-US" sz="3000" b="1" i="0" u="none" strike="noStrike" cap="none" dirty="0">
                 <a:solidFill>
                   <a:schemeClr val="lt1"/>
                 </a:solidFill>
@@ -6154,7 +6038,7 @@
               <a:t>(</a:t>
             </a:r>
             <a:r>
-              <a:rPr lang="en-US" sz="3000" i="0" u="none" strike="noStrike" cap="none" dirty="0" err="1">
+              <a:rPr lang="en-US" sz="3000" b="1" i="0" u="none" strike="noStrike" cap="none" dirty="0" err="1">
                 <a:solidFill>
                   <a:srgbClr val="00FF00"/>
                 </a:solidFill>
@@ -6166,7 +6050,7 @@
               <a:t>d</a:t>
             </a:r>
             <a:r>
-              <a:rPr lang="en-US" sz="3000" i="0" u="none" strike="noStrike" cap="none" dirty="0" err="1">
+              <a:rPr lang="en-US" sz="3000" b="1" i="0" u="none" strike="noStrike" cap="none" dirty="0" err="1">
                 <a:solidFill>
                   <a:srgbClr val="FF00FF"/>
                 </a:solidFill>
@@ -6178,7 +6062,7 @@
               <a:t>.items</a:t>
             </a:r>
             <a:r>
-              <a:rPr lang="en-US" sz="3000" i="0" u="none" strike="noStrike" cap="none" dirty="0">
+              <a:rPr lang="en-US" sz="3000" b="1" i="0" u="none" strike="noStrike" cap="none" dirty="0">
                 <a:solidFill>
                   <a:schemeClr val="lt1"/>
                 </a:solidFill>
@@ -6209,7 +6093,7 @@
               <a:buNone/>
             </a:pPr>
             <a:r>
-              <a:rPr lang="en-US" sz="3000" i="0" u="none" strike="noStrike" cap="none" dirty="0">
+              <a:rPr lang="en-US" sz="3000" b="1" i="0" u="none" strike="noStrike" cap="none" dirty="0">
                 <a:solidFill>
                   <a:schemeClr val="lt1"/>
                 </a:solidFill>
@@ -6221,7 +6105,7 @@
               <a:t>&gt;&gt;&gt; </a:t>
             </a:r>
             <a:r>
-              <a:rPr lang="en-US" sz="3000" i="0" u="none" strike="noStrike" cap="none" dirty="0">
+              <a:rPr lang="en-US" sz="3000" b="1" i="0" u="none" strike="noStrike" cap="none" dirty="0">
                 <a:solidFill>
                   <a:srgbClr val="00FF00"/>
                 </a:solidFill>
@@ -6252,7 +6136,7 @@
               <a:buNone/>
             </a:pPr>
             <a:r>
-              <a:rPr lang="en-US" sz="3000" i="0" u="none" strike="noStrike" cap="none" dirty="0">
+              <a:rPr lang="en-US" sz="3000" b="1" i="0" u="none" strike="noStrike" cap="none" dirty="0">
                 <a:solidFill>
                   <a:schemeClr val="lt1"/>
                 </a:solidFill>
@@ -6264,7 +6148,7 @@
               <a:t>[</a:t>
             </a:r>
             <a:r>
-              <a:rPr lang="en-US" sz="3000" i="0" u="none" strike="noStrike" cap="none" dirty="0">
+              <a:rPr lang="en-US" sz="3000" b="1" i="0" u="none" strike="noStrike" cap="none" dirty="0">
                 <a:solidFill>
                   <a:srgbClr val="FF7F00"/>
                 </a:solidFill>
@@ -6276,7 +6160,7 @@
               <a:t>('a', 10)</a:t>
             </a:r>
             <a:r>
-              <a:rPr lang="en-US" sz="3000" i="0" u="none" strike="noStrike" cap="none" dirty="0">
+              <a:rPr lang="en-US" sz="3000" b="1" i="0" u="none" strike="noStrike" cap="none" dirty="0">
                 <a:solidFill>
                   <a:schemeClr val="lt1"/>
                 </a:solidFill>
@@ -6288,7 +6172,7 @@
               <a:t>, </a:t>
             </a:r>
             <a:r>
-              <a:rPr lang="en-US" sz="3000" i="0" u="none" strike="noStrike" cap="none" dirty="0">
+              <a:rPr lang="en-US" sz="3000" b="1" i="0" u="none" strike="noStrike" cap="none" dirty="0">
                 <a:solidFill>
                   <a:srgbClr val="FF7F00"/>
                 </a:solidFill>
@@ -6300,7 +6184,7 @@
               <a:t>('b', 1)</a:t>
             </a:r>
             <a:r>
-              <a:rPr lang="en-US" sz="3000" i="0" u="none" strike="noStrike" cap="none" dirty="0">
+              <a:rPr lang="en-US" sz="3000" b="1" i="0" u="none" strike="noStrike" cap="none" dirty="0">
                 <a:solidFill>
                   <a:schemeClr val="lt1"/>
                 </a:solidFill>
@@ -6312,7 +6196,7 @@
               <a:t>, </a:t>
             </a:r>
             <a:r>
-              <a:rPr lang="en-US" sz="3000" i="0" u="none" strike="noStrike" cap="none" dirty="0">
+              <a:rPr lang="en-US" sz="3000" b="1" i="0" u="none" strike="noStrike" cap="none" dirty="0">
                 <a:solidFill>
                   <a:srgbClr val="FF7F00"/>
                 </a:solidFill>
@@ -6324,7 +6208,7 @@
               <a:t>('c', 22)</a:t>
             </a:r>
             <a:r>
-              <a:rPr lang="en-US" sz="3000" i="0" u="none" strike="noStrike" cap="none" dirty="0">
+              <a:rPr lang="en-US" sz="3000" b="1" i="0" u="none" strike="noStrike" cap="none" dirty="0">
                 <a:solidFill>
                   <a:schemeClr val="lt1"/>
                 </a:solidFill>
@@ -6355,7 +6239,7 @@
               <a:buNone/>
             </a:pPr>
             <a:r>
-              <a:rPr lang="en-US" sz="3000" i="0" u="none" strike="noStrike" cap="none" dirty="0">
+              <a:rPr lang="en-US" sz="3000" b="1" i="0" u="none" strike="noStrike" cap="none" dirty="0">
                 <a:solidFill>
                   <a:schemeClr val="lt1"/>
                 </a:solidFill>
@@ -6367,7 +6251,7 @@
               <a:t>&gt;&gt;&gt; </a:t>
             </a:r>
             <a:r>
-              <a:rPr lang="en-US" sz="3000" i="0" u="none" strike="noStrike" cap="none" dirty="0">
+              <a:rPr lang="en-US" sz="3000" b="1" i="0" u="none" strike="noStrike" cap="none" dirty="0">
                 <a:solidFill>
                   <a:srgbClr val="FFFF00"/>
                 </a:solidFill>
@@ -6379,7 +6263,7 @@
               <a:t>for</a:t>
             </a:r>
             <a:r>
-              <a:rPr lang="en-US" sz="3000" i="0" u="none" strike="noStrike" cap="none" dirty="0">
+              <a:rPr lang="en-US" sz="3000" b="1" i="0" u="none" strike="noStrike" cap="none" dirty="0">
                 <a:solidFill>
                   <a:schemeClr val="lt1"/>
                 </a:solidFill>
@@ -6391,7 +6275,7 @@
               <a:t> </a:t>
             </a:r>
             <a:r>
-              <a:rPr lang="en-US" sz="3000" i="0" u="none" strike="noStrike" cap="none" dirty="0">
+              <a:rPr lang="en-US" sz="3000" b="1" i="0" u="none" strike="noStrike" cap="none" dirty="0">
                 <a:solidFill>
                   <a:srgbClr val="FF7F00"/>
                 </a:solidFill>
@@ -6403,7 +6287,7 @@
               <a:t>k, v</a:t>
             </a:r>
             <a:r>
-              <a:rPr lang="en-US" sz="3000" i="0" u="none" strike="noStrike" cap="none" dirty="0">
+              <a:rPr lang="en-US" sz="3000" b="1" i="0" u="none" strike="noStrike" cap="none" dirty="0">
                 <a:solidFill>
                   <a:schemeClr val="lt1"/>
                 </a:solidFill>
@@ -6415,7 +6299,7 @@
               <a:t> </a:t>
             </a:r>
             <a:r>
-              <a:rPr lang="en-US" sz="3000" i="0" u="none" strike="noStrike" cap="none" dirty="0">
+              <a:rPr lang="en-US" sz="3000" b="1" i="0" u="none" strike="noStrike" cap="none" dirty="0">
                 <a:solidFill>
                   <a:srgbClr val="FFFF00"/>
                 </a:solidFill>
@@ -6427,7 +6311,7 @@
               <a:t>in</a:t>
             </a:r>
             <a:r>
-              <a:rPr lang="en-US" sz="3000" i="0" u="none" strike="noStrike" cap="none" dirty="0">
+              <a:rPr lang="en-US" sz="3000" b="1" i="0" u="none" strike="noStrike" cap="none" dirty="0">
                 <a:solidFill>
                   <a:schemeClr val="lt1"/>
                 </a:solidFill>
@@ -6439,7 +6323,7 @@
               <a:t> </a:t>
             </a:r>
             <a:r>
-              <a:rPr lang="en-US" sz="3000" i="0" u="none" strike="noStrike" cap="none" dirty="0">
+              <a:rPr lang="en-US" sz="3000" b="1" i="0" u="none" strike="noStrike" cap="none" dirty="0">
                 <a:solidFill>
                   <a:srgbClr val="FF00FF"/>
                 </a:solidFill>
@@ -6451,7 +6335,7 @@
               <a:t>sorted</a:t>
             </a:r>
             <a:r>
-              <a:rPr lang="en-US" sz="3000" i="0" u="none" strike="noStrike" cap="none" dirty="0">
+              <a:rPr lang="en-US" sz="3000" b="1" i="0" u="none" strike="noStrike" cap="none" dirty="0">
                 <a:solidFill>
                   <a:schemeClr val="lt1"/>
                 </a:solidFill>
@@ -6463,7 +6347,7 @@
               <a:t>(</a:t>
             </a:r>
             <a:r>
-              <a:rPr lang="en-US" sz="3000" i="0" u="none" strike="noStrike" cap="none" dirty="0" err="1">
+              <a:rPr lang="en-US" sz="3000" b="1" i="0" u="none" strike="noStrike" cap="none" dirty="0" err="1">
                 <a:solidFill>
                   <a:srgbClr val="00FF00"/>
                 </a:solidFill>
@@ -6475,7 +6359,7 @@
               <a:t>d</a:t>
             </a:r>
             <a:r>
-              <a:rPr lang="en-US" sz="3000" i="0" u="none" strike="noStrike" cap="none" dirty="0" err="1">
+              <a:rPr lang="en-US" sz="3000" b="1" i="0" u="none" strike="noStrike" cap="none" dirty="0" err="1">
                 <a:solidFill>
                   <a:srgbClr val="FF00FF"/>
                 </a:solidFill>
@@ -6487,7 +6371,7 @@
               <a:t>.items</a:t>
             </a:r>
             <a:r>
-              <a:rPr lang="en-US" sz="3000" i="0" u="none" strike="noStrike" cap="none" dirty="0">
+              <a:rPr lang="en-US" sz="3000" b="1" i="0" u="none" strike="noStrike" cap="none" dirty="0">
                 <a:solidFill>
                   <a:schemeClr val="lt1"/>
                 </a:solidFill>
@@ -6518,7 +6402,7 @@
               <a:buNone/>
             </a:pPr>
             <a:r>
-              <a:rPr lang="en-US" sz="3000" i="0" u="none" strike="noStrike" cap="none" dirty="0" smtClean="0">
+              <a:rPr lang="en-US" sz="3000" b="1" i="0" u="none" strike="noStrike" cap="none" dirty="0">
                 <a:solidFill>
                   <a:schemeClr val="lt1"/>
                 </a:solidFill>
@@ -6530,7 +6414,7 @@
               <a:t>...    </a:t>
             </a:r>
             <a:r>
-              <a:rPr lang="en-US" sz="3000" i="0" u="none" strike="noStrike" cap="none" dirty="0" smtClean="0">
+              <a:rPr lang="en-US" sz="3000" b="1" i="0" u="none" strike="noStrike" cap="none" dirty="0">
                 <a:solidFill>
                   <a:srgbClr val="FFFF00"/>
                 </a:solidFill>
@@ -6542,7 +6426,7 @@
               <a:t>print(</a:t>
             </a:r>
             <a:r>
-              <a:rPr lang="en-US" sz="3000" i="0" u="none" strike="noStrike" cap="none" dirty="0" smtClean="0">
+              <a:rPr lang="en-US" sz="3000" b="1" i="0" u="none" strike="noStrike" cap="none" dirty="0">
                 <a:solidFill>
                   <a:srgbClr val="00FF00"/>
                 </a:solidFill>
@@ -6554,7 +6438,7 @@
               <a:t>k</a:t>
             </a:r>
             <a:r>
-              <a:rPr lang="en-US" sz="3000" i="0" u="none" strike="noStrike" cap="none" dirty="0" smtClean="0">
+              <a:rPr lang="en-US" sz="3000" b="1" i="0" u="none" strike="noStrike" cap="none" dirty="0">
                 <a:solidFill>
                   <a:schemeClr val="lt1"/>
                 </a:solidFill>
@@ -6566,7 +6450,7 @@
               <a:t>, </a:t>
             </a:r>
             <a:r>
-              <a:rPr lang="en-US" sz="3000" i="0" u="none" strike="noStrike" cap="none" dirty="0" smtClean="0">
+              <a:rPr lang="en-US" sz="3000" b="1" i="0" u="none" strike="noStrike" cap="none" dirty="0">
                 <a:solidFill>
                   <a:srgbClr val="00FF00"/>
                 </a:solidFill>
@@ -6578,7 +6462,7 @@
               <a:t>v</a:t>
             </a:r>
             <a:r>
-              <a:rPr lang="en-US" sz="3000" i="0" u="none" strike="noStrike" cap="none" dirty="0" smtClean="0">
+              <a:rPr lang="en-US" sz="3000" b="1" i="0" u="none" strike="noStrike" cap="none" dirty="0">
                 <a:solidFill>
                   <a:srgbClr val="FFFF00"/>
                 </a:solidFill>
@@ -6609,7 +6493,7 @@
               <a:buNone/>
             </a:pPr>
             <a:r>
-              <a:rPr lang="en-US" sz="3000" i="0" u="none" strike="noStrike" cap="none" dirty="0" smtClean="0">
+              <a:rPr lang="en-US" sz="3000" b="1" i="0" u="none" strike="noStrike" cap="none" dirty="0">
                 <a:solidFill>
                   <a:schemeClr val="lt1"/>
                 </a:solidFill>
@@ -6620,15 +6504,6 @@
               </a:rPr>
               <a:t>...</a:t>
             </a:r>
-            <a:endParaRPr lang="en-US" sz="3000" i="0" u="none" strike="noStrike" cap="none" dirty="0">
-              <a:solidFill>
-                <a:schemeClr val="lt1"/>
-              </a:solidFill>
-              <a:latin typeface="Courier"/>
-              <a:ea typeface="Courier New"/>
-              <a:cs typeface="Courier"/>
-              <a:sym typeface="Courier New"/>
-            </a:endParaRPr>
           </a:p>
           <a:p>
             <a:pPr marL="0" marR="0" lvl="0" indent="0" algn="l" rtl="0">
@@ -6649,7 +6524,7 @@
               <a:buNone/>
             </a:pPr>
             <a:r>
-              <a:rPr lang="en-US" sz="3000" i="0" u="none" strike="noStrike" cap="none" dirty="0">
+              <a:rPr lang="en-US" sz="3000" b="1" i="0" u="none" strike="noStrike" cap="none" dirty="0">
                 <a:solidFill>
                   <a:schemeClr val="lt1"/>
                 </a:solidFill>
@@ -6680,7 +6555,7 @@
               <a:buNone/>
             </a:pPr>
             <a:r>
-              <a:rPr lang="en-US" sz="3000" i="0" u="none" strike="noStrike" cap="none" dirty="0">
+              <a:rPr lang="en-US" sz="3000" b="1" i="0" u="none" strike="noStrike" cap="none" dirty="0">
                 <a:solidFill>
                   <a:schemeClr val="lt1"/>
                 </a:solidFill>
@@ -6711,7 +6586,7 @@
               <a:buNone/>
             </a:pPr>
             <a:r>
-              <a:rPr lang="en-US" sz="3000" i="0" u="none" strike="noStrike" cap="none" dirty="0">
+              <a:rPr lang="en-US" sz="3000" b="1" i="0" u="none" strike="noStrike" cap="none" dirty="0">
                 <a:solidFill>
                   <a:schemeClr val="lt1"/>
                 </a:solidFill>
@@ -6730,13 +6605,6 @@
   <p:clrMapOvr>
     <a:masterClrMapping/>
   </p:clrMapOvr>
-  <p:timing>
-    <p:tnLst>
-      <p:par>
-        <p:cTn id="1" dur="indefinite" restart="never" nodeType="tmRoot"/>
-      </p:par>
-    </p:tnLst>
-  </p:timing>
 </p:sld>
 </file>
 
@@ -7036,7 +6904,7 @@
               <a:buNone/>
             </a:pPr>
             <a:r>
-              <a:rPr lang="en-US" sz="3000" i="0" u="none" strike="noStrike" cap="none" dirty="0">
+              <a:rPr lang="en-US" sz="3000" b="1" i="0" u="none" strike="noStrike" cap="none" dirty="0">
                 <a:solidFill>
                   <a:schemeClr val="lt1"/>
                 </a:solidFill>
@@ -7048,7 +6916,7 @@
               <a:t>&gt;&gt;&gt; </a:t>
             </a:r>
             <a:r>
-              <a:rPr lang="en-US" sz="3000" i="0" u="none" strike="noStrike" cap="none" dirty="0">
+              <a:rPr lang="en-US" sz="3000" b="1" i="0" u="none" strike="noStrike" cap="none" dirty="0">
                 <a:solidFill>
                   <a:srgbClr val="00FF00"/>
                 </a:solidFill>
@@ -7060,7 +6928,7 @@
               <a:t>c</a:t>
             </a:r>
             <a:r>
-              <a:rPr lang="en-US" sz="3000" i="0" u="none" strike="noStrike" cap="none" dirty="0">
+              <a:rPr lang="en-US" sz="3000" b="1" i="0" u="none" strike="noStrike" cap="none" dirty="0">
                 <a:solidFill>
                   <a:schemeClr val="lt1"/>
                 </a:solidFill>
@@ -7082,7 +6950,7 @@
               <a:buNone/>
             </a:pPr>
             <a:r>
-              <a:rPr lang="en-US" sz="3000" i="0" u="none" strike="noStrike" cap="none" dirty="0">
+              <a:rPr lang="en-US" sz="3000" b="1" i="0" u="none" strike="noStrike" cap="none" dirty="0">
                 <a:solidFill>
                   <a:schemeClr val="lt1"/>
                 </a:solidFill>
@@ -7094,7 +6962,7 @@
               <a:t>&gt;&gt;&gt; </a:t>
             </a:r>
             <a:r>
-              <a:rPr lang="en-US" sz="3000" i="0" u="none" strike="noStrike" cap="none" dirty="0" err="1">
+              <a:rPr lang="en-US" sz="3000" b="1" i="0" u="none" strike="noStrike" cap="none" dirty="0" err="1">
                 <a:solidFill>
                   <a:srgbClr val="00FF00"/>
                 </a:solidFill>
@@ -7106,7 +6974,7 @@
               <a:t>tmp</a:t>
             </a:r>
             <a:r>
-              <a:rPr lang="en-US" sz="3000" i="0" u="none" strike="noStrike" cap="none" dirty="0">
+              <a:rPr lang="en-US" sz="3000" b="1" i="0" u="none" strike="noStrike" cap="none" dirty="0">
                 <a:solidFill>
                   <a:schemeClr val="lt1"/>
                 </a:solidFill>
@@ -7118,7 +6986,7 @@
               <a:t> = </a:t>
             </a:r>
             <a:r>
-              <a:rPr lang="en-US" sz="3000" i="0" u="none" strike="noStrike" cap="none" dirty="0">
+              <a:rPr lang="en-US" sz="3000" b="1" i="0" u="none" strike="noStrike" cap="none" dirty="0">
                 <a:solidFill>
                   <a:srgbClr val="FF00FF"/>
                 </a:solidFill>
@@ -7130,7 +6998,7 @@
               <a:t>list</a:t>
             </a:r>
             <a:r>
-              <a:rPr lang="en-US" sz="3000" i="0" u="none" strike="noStrike" cap="none" dirty="0">
+              <a:rPr lang="en-US" sz="3000" b="1" i="0" u="none" strike="noStrike" cap="none" dirty="0">
                 <a:solidFill>
                   <a:schemeClr val="lt1"/>
                 </a:solidFill>
@@ -7152,7 +7020,7 @@
               <a:buNone/>
             </a:pPr>
             <a:r>
-              <a:rPr lang="en-US" sz="3000" i="0" u="none" strike="noStrike" cap="none" dirty="0">
+              <a:rPr lang="en-US" sz="3000" b="1" i="0" u="none" strike="noStrike" cap="none" dirty="0">
                 <a:solidFill>
                   <a:schemeClr val="lt1"/>
                 </a:solidFill>
@@ -7164,7 +7032,7 @@
               <a:t>&gt;&gt;&gt; </a:t>
             </a:r>
             <a:r>
-              <a:rPr lang="en-US" sz="3000" i="0" u="none" strike="noStrike" cap="none" dirty="0">
+              <a:rPr lang="en-US" sz="3000" b="1" i="0" u="none" strike="noStrike" cap="none" dirty="0">
                 <a:solidFill>
                   <a:srgbClr val="FFFF00"/>
                 </a:solidFill>
@@ -7176,7 +7044,7 @@
               <a:t>for</a:t>
             </a:r>
             <a:r>
-              <a:rPr lang="en-US" sz="3000" i="0" u="none" strike="noStrike" cap="none" dirty="0">
+              <a:rPr lang="en-US" sz="3000" b="1" i="0" u="none" strike="noStrike" cap="none" dirty="0">
                 <a:solidFill>
                   <a:schemeClr val="lt1"/>
                 </a:solidFill>
@@ -7188,7 +7056,7 @@
               <a:t> </a:t>
             </a:r>
             <a:r>
-              <a:rPr lang="en-US" sz="3000" i="0" u="none" strike="noStrike" cap="none" dirty="0">
+              <a:rPr lang="en-US" sz="3000" b="1" i="0" u="none" strike="noStrike" cap="none" dirty="0">
                 <a:solidFill>
                   <a:srgbClr val="FF7F00"/>
                 </a:solidFill>
@@ -7200,7 +7068,7 @@
               <a:t>k, v</a:t>
             </a:r>
             <a:r>
-              <a:rPr lang="en-US" sz="3000" i="0" u="none" strike="noStrike" cap="none" dirty="0">
+              <a:rPr lang="en-US" sz="3000" b="1" i="0" u="none" strike="noStrike" cap="none" dirty="0">
                 <a:solidFill>
                   <a:schemeClr val="lt1"/>
                 </a:solidFill>
@@ -7212,7 +7080,7 @@
               <a:t> </a:t>
             </a:r>
             <a:r>
-              <a:rPr lang="en-US" sz="3000" i="0" u="none" strike="noStrike" cap="none" dirty="0">
+              <a:rPr lang="en-US" sz="3000" b="1" i="0" u="none" strike="noStrike" cap="none" dirty="0">
                 <a:solidFill>
                   <a:srgbClr val="FFFF00"/>
                 </a:solidFill>
@@ -7224,7 +7092,7 @@
               <a:t>in</a:t>
             </a:r>
             <a:r>
-              <a:rPr lang="en-US" sz="3000" i="0" u="none" strike="noStrike" cap="none" dirty="0">
+              <a:rPr lang="en-US" sz="3000" b="1" i="0" u="none" strike="noStrike" cap="none" dirty="0">
                 <a:solidFill>
                   <a:schemeClr val="lt1"/>
                 </a:solidFill>
@@ -7236,7 +7104,7 @@
               <a:t> </a:t>
             </a:r>
             <a:r>
-              <a:rPr lang="en-US" sz="3000" i="0" u="none" strike="noStrike" cap="none" dirty="0" err="1">
+              <a:rPr lang="en-US" sz="3000" b="1" i="0" u="none" strike="noStrike" cap="none" dirty="0" err="1">
                 <a:solidFill>
                   <a:srgbClr val="00FF00"/>
                 </a:solidFill>
@@ -7248,7 +7116,7 @@
               <a:t>c</a:t>
             </a:r>
             <a:r>
-              <a:rPr lang="en-US" sz="3000" i="0" u="none" strike="noStrike" cap="none" dirty="0" err="1">
+              <a:rPr lang="en-US" sz="3000" b="1" i="0" u="none" strike="noStrike" cap="none" dirty="0" err="1">
                 <a:solidFill>
                   <a:srgbClr val="FF00FF"/>
                 </a:solidFill>
@@ -7260,7 +7128,7 @@
               <a:t>.items</a:t>
             </a:r>
             <a:r>
-              <a:rPr lang="en-US" sz="3000" i="0" u="none" strike="noStrike" cap="none" dirty="0">
+              <a:rPr lang="en-US" sz="3000" b="1" i="0" u="none" strike="noStrike" cap="none" dirty="0">
                 <a:solidFill>
                   <a:schemeClr val="lt1"/>
                 </a:solidFill>
@@ -7282,7 +7150,7 @@
               <a:buNone/>
             </a:pPr>
             <a:r>
-              <a:rPr lang="en-US" sz="3000" i="0" u="none" strike="noStrike" cap="none" dirty="0">
+              <a:rPr lang="en-US" sz="3000" b="1" i="0" u="none" strike="noStrike" cap="none" dirty="0">
                 <a:solidFill>
                   <a:schemeClr val="lt1"/>
                 </a:solidFill>
@@ -7294,7 +7162,7 @@
               <a:t>...     </a:t>
             </a:r>
             <a:r>
-              <a:rPr lang="en-US" sz="3000" i="0" u="none" strike="noStrike" cap="none" dirty="0" err="1">
+              <a:rPr lang="en-US" sz="3000" b="1" i="0" u="none" strike="noStrike" cap="none" dirty="0" err="1">
                 <a:solidFill>
                   <a:srgbClr val="00FF00"/>
                 </a:solidFill>
@@ -7306,7 +7174,7 @@
               <a:t>tmp</a:t>
             </a:r>
             <a:r>
-              <a:rPr lang="en-US" sz="3000" i="0" u="none" strike="noStrike" cap="none" dirty="0" err="1">
+              <a:rPr lang="en-US" sz="3000" b="1" i="0" u="none" strike="noStrike" cap="none" dirty="0" err="1">
                 <a:solidFill>
                   <a:srgbClr val="FF00FF"/>
                 </a:solidFill>
@@ -7318,7 +7186,7 @@
               <a:t>.append</a:t>
             </a:r>
             <a:r>
-              <a:rPr lang="en-US" sz="3000" i="0" u="none" strike="noStrike" cap="none" dirty="0">
+              <a:rPr lang="en-US" sz="3000" b="1" i="0" u="none" strike="noStrike" cap="none" dirty="0">
                 <a:solidFill>
                   <a:schemeClr val="lt1"/>
                 </a:solidFill>
@@ -7330,7 +7198,7 @@
               <a:t>( </a:t>
             </a:r>
             <a:r>
-              <a:rPr lang="en-US" sz="3000" i="0" u="none" strike="noStrike" cap="none" dirty="0">
+              <a:rPr lang="en-US" sz="3000" b="1" i="0" u="none" strike="noStrike" cap="none" dirty="0">
                 <a:solidFill>
                   <a:srgbClr val="FF7F00"/>
                 </a:solidFill>
@@ -7342,7 +7210,7 @@
               <a:t>(v, k)</a:t>
             </a:r>
             <a:r>
-              <a:rPr lang="en-US" sz="3000" i="0" u="none" strike="noStrike" cap="none" dirty="0">
+              <a:rPr lang="en-US" sz="3000" b="1" i="0" u="none" strike="noStrike" cap="none" dirty="0">
                 <a:solidFill>
                   <a:schemeClr val="lt1"/>
                 </a:solidFill>
@@ -7364,7 +7232,7 @@
               <a:buNone/>
             </a:pPr>
             <a:r>
-              <a:rPr lang="en-US" sz="3000" i="0" u="none" strike="noStrike" cap="none" dirty="0">
+              <a:rPr lang="en-US" sz="3000" b="1" i="0" u="none" strike="noStrike" cap="none" dirty="0">
                 <a:solidFill>
                   <a:schemeClr val="lt1"/>
                 </a:solidFill>
@@ -7384,7 +7252,7 @@
               <a:buSzPct val="25000"/>
             </a:pPr>
             <a:r>
-              <a:rPr lang="en-US" sz="3000" i="0" u="none" strike="noStrike" cap="none" dirty="0">
+              <a:rPr lang="en-US" sz="3000" b="1" i="0" u="none" strike="noStrike" cap="none" dirty="0">
                 <a:solidFill>
                   <a:schemeClr val="lt1"/>
                 </a:solidFill>
@@ -7396,7 +7264,7 @@
               <a:t>&gt;&gt;&gt; </a:t>
             </a:r>
             <a:r>
-              <a:rPr lang="en-US" sz="3000" i="0" u="none" strike="noStrike" cap="none" dirty="0" smtClean="0">
+              <a:rPr lang="en-US" sz="3000" b="1" i="0" u="none" strike="noStrike" cap="none" dirty="0">
                 <a:solidFill>
                   <a:srgbClr val="FFFF00"/>
                 </a:solidFill>
@@ -7408,7 +7276,7 @@
               <a:t>print</a:t>
             </a:r>
             <a:r>
-              <a:rPr lang="en-US" sz="3000" dirty="0">
+              <a:rPr lang="en-US" sz="3000" b="1" dirty="0">
                 <a:solidFill>
                   <a:schemeClr val="lt1"/>
                 </a:solidFill>
@@ -7420,7 +7288,7 @@
               <a:t>(</a:t>
             </a:r>
             <a:r>
-              <a:rPr lang="en-US" sz="3000" i="0" u="none" strike="noStrike" cap="none" dirty="0" err="1" smtClean="0">
+              <a:rPr lang="en-US" sz="3000" b="1" i="0" u="none" strike="noStrike" cap="none" dirty="0" err="1">
                 <a:solidFill>
                   <a:srgbClr val="00FF00"/>
                 </a:solidFill>
@@ -7432,7 +7300,7 @@
               <a:t>tmp</a:t>
             </a:r>
             <a:r>
-              <a:rPr lang="en-US" sz="3000" dirty="0" smtClean="0">
+              <a:rPr lang="en-US" sz="3000" b="1" dirty="0">
                 <a:solidFill>
                   <a:srgbClr val="FFFF00"/>
                 </a:solidFill>
@@ -7443,7 +7311,7 @@
               </a:rPr>
               <a:t>)</a:t>
             </a:r>
-            <a:endParaRPr lang="en-US" sz="3000" i="0" u="none" strike="noStrike" cap="none" dirty="0">
+            <a:endParaRPr lang="en-US" sz="3000" b="1" i="0" u="none" strike="noStrike" cap="none" dirty="0">
               <a:solidFill>
                 <a:srgbClr val="00FF00"/>
               </a:solidFill>
@@ -7463,16 +7331,16 @@
               <a:buNone/>
             </a:pPr>
             <a:r>
-              <a:rPr lang="en-US" sz="3000" i="0" u="none" strike="noStrike" cap="none" dirty="0">
-                <a:solidFill>
-                  <a:schemeClr val="lt1"/>
-                </a:solidFill>
-                <a:latin typeface="Courier"/>
-                <a:ea typeface="Courier New"/>
-                <a:cs typeface="Courier"/>
-                <a:sym typeface="Courier New"/>
-              </a:rPr>
-              <a:t>[(10, 'a'), (22, 'c'), (1, 'b')]</a:t>
+              <a:rPr lang="en-US" sz="3000" b="1" i="0" u="none" strike="noStrike" cap="none" dirty="0">
+                <a:solidFill>
+                  <a:schemeClr val="lt1"/>
+                </a:solidFill>
+                <a:latin typeface="Courier"/>
+                <a:ea typeface="Courier New"/>
+                <a:cs typeface="Courier"/>
+                <a:sym typeface="Courier New"/>
+              </a:rPr>
+              <a:t>[(10, 'a'), (1, 'b'), (22, 'c')]</a:t>
             </a:r>
           </a:p>
           <a:p>
@@ -7485,7 +7353,7 @@
               <a:buNone/>
             </a:pPr>
             <a:r>
-              <a:rPr lang="en-US" sz="3000" i="0" u="none" strike="noStrike" cap="none" dirty="0">
+              <a:rPr lang="en-US" sz="3000" b="1" i="0" u="none" strike="noStrike" cap="none" dirty="0">
                 <a:solidFill>
                   <a:schemeClr val="lt1"/>
                 </a:solidFill>
@@ -7497,7 +7365,7 @@
               <a:t>&gt;&gt;&gt; </a:t>
             </a:r>
             <a:r>
-              <a:rPr lang="en-US" sz="3000" i="0" u="none" strike="noStrike" cap="none" dirty="0" err="1" smtClean="0">
+              <a:rPr lang="en-US" sz="3000" b="1" i="0" u="none" strike="noStrike" cap="none" dirty="0" err="1">
                 <a:solidFill>
                   <a:srgbClr val="00FA00"/>
                 </a:solidFill>
@@ -7509,7 +7377,7 @@
               <a:t>tmp</a:t>
             </a:r>
             <a:r>
-              <a:rPr lang="en-US" sz="3000" i="0" u="none" strike="noStrike" cap="none" dirty="0" smtClean="0">
+              <a:rPr lang="en-US" sz="3000" b="1" i="0" u="none" strike="noStrike" cap="none" dirty="0">
                 <a:solidFill>
                   <a:srgbClr val="00FA00"/>
                 </a:solidFill>
@@ -7521,7 +7389,7 @@
               <a:t> </a:t>
             </a:r>
             <a:r>
-              <a:rPr lang="en-US" sz="3000" i="0" u="none" strike="noStrike" cap="none" dirty="0" smtClean="0">
+              <a:rPr lang="en-US" sz="3000" b="1" i="0" u="none" strike="noStrike" cap="none" dirty="0">
                 <a:solidFill>
                   <a:schemeClr val="lt1"/>
                 </a:solidFill>
@@ -7533,7 +7401,7 @@
               <a:t>= </a:t>
             </a:r>
             <a:r>
-              <a:rPr lang="en-US" sz="3000" i="0" u="none" strike="noStrike" cap="none" dirty="0" smtClean="0">
+              <a:rPr lang="en-US" sz="3000" b="1" i="0" u="none" strike="noStrike" cap="none" dirty="0">
                 <a:solidFill>
                   <a:srgbClr val="FFFF00"/>
                 </a:solidFill>
@@ -7545,7 +7413,7 @@
               <a:t>sorted(</a:t>
             </a:r>
             <a:r>
-              <a:rPr lang="en-US" sz="3000" i="0" u="none" strike="noStrike" cap="none" dirty="0" err="1" smtClean="0">
+              <a:rPr lang="en-US" sz="3000" b="1" i="0" u="none" strike="noStrike" cap="none" dirty="0" err="1">
                 <a:solidFill>
                   <a:srgbClr val="00FF00"/>
                 </a:solidFill>
@@ -7557,7 +7425,7 @@
               <a:t>tmp</a:t>
             </a:r>
             <a:r>
-              <a:rPr lang="en-US" sz="3000" i="0" u="none" strike="noStrike" cap="none" dirty="0" smtClean="0">
+              <a:rPr lang="en-US" sz="3000" b="1" i="0" u="none" strike="noStrike" cap="none" dirty="0">
                 <a:solidFill>
                   <a:srgbClr val="FF00FF"/>
                 </a:solidFill>
@@ -7569,7 +7437,7 @@
               <a:t>, reverse=True</a:t>
             </a:r>
             <a:r>
-              <a:rPr lang="en-US" sz="3000" i="0" u="none" strike="noStrike" cap="none" dirty="0">
+              <a:rPr lang="en-US" sz="3000" b="1" i="0" u="none" strike="noStrike" cap="none" dirty="0">
                 <a:solidFill>
                   <a:srgbClr val="FFFF00"/>
                 </a:solidFill>
@@ -7589,7 +7457,7 @@
               <a:buSzPct val="25000"/>
             </a:pPr>
             <a:r>
-              <a:rPr lang="en-US" sz="3000" i="0" u="none" strike="noStrike" cap="none" dirty="0">
+              <a:rPr lang="en-US" sz="3000" b="1" i="0" u="none" strike="noStrike" cap="none" dirty="0">
                 <a:solidFill>
                   <a:schemeClr val="lt1"/>
                 </a:solidFill>
@@ -7601,7 +7469,7 @@
               <a:t>&gt;&gt;&gt; </a:t>
             </a:r>
             <a:r>
-              <a:rPr lang="en-US" sz="3000" i="0" u="none" strike="noStrike" cap="none" dirty="0" smtClean="0">
+              <a:rPr lang="en-US" sz="3000" b="1" i="0" u="none" strike="noStrike" cap="none" dirty="0">
                 <a:solidFill>
                   <a:srgbClr val="FFFF00"/>
                 </a:solidFill>
@@ -7613,7 +7481,7 @@
               <a:t>print(</a:t>
             </a:r>
             <a:r>
-              <a:rPr lang="en-US" sz="3000" i="0" u="none" strike="noStrike" cap="none" dirty="0" err="1" smtClean="0">
+              <a:rPr lang="en-US" sz="3000" b="1" i="0" u="none" strike="noStrike" cap="none" dirty="0" err="1">
                 <a:solidFill>
                   <a:srgbClr val="00FF00"/>
                 </a:solidFill>
@@ -7625,7 +7493,7 @@
               <a:t>tmp</a:t>
             </a:r>
             <a:r>
-              <a:rPr lang="en-US" sz="3000" dirty="0" smtClean="0">
+              <a:rPr lang="en-US" sz="3000" b="1" dirty="0">
                 <a:solidFill>
                   <a:srgbClr val="FFFF00"/>
                 </a:solidFill>
@@ -7636,7 +7504,7 @@
               </a:rPr>
               <a:t>)</a:t>
             </a:r>
-            <a:endParaRPr lang="en-US" sz="3000" i="0" u="none" strike="noStrike" cap="none" dirty="0">
+            <a:endParaRPr lang="en-US" sz="3000" b="1" i="0" u="none" strike="noStrike" cap="none" dirty="0">
               <a:solidFill>
                 <a:srgbClr val="00FF00"/>
               </a:solidFill>
@@ -7656,7 +7524,7 @@
               <a:buNone/>
             </a:pPr>
             <a:r>
-              <a:rPr lang="en-US" sz="3000" i="0" u="none" strike="noStrike" cap="none" dirty="0">
+              <a:rPr lang="en-US" sz="3000" b="1" i="0" u="none" strike="noStrike" cap="none" dirty="0">
                 <a:solidFill>
                   <a:schemeClr val="lt1"/>
                 </a:solidFill>
@@ -7675,13 +7543,6 @@
   <p:clrMapOvr>
     <a:masterClrMapping/>
   </p:clrMapOvr>
-  <p:timing>
-    <p:tnLst>
-      <p:par>
-        <p:cTn id="1" dur="indefinite" restart="never" nodeType="tmRoot"/>
-      </p:par>
-    </p:tnLst>
-  </p:timing>
 </p:sld>
 </file>
 
@@ -7745,7 +7606,7 @@
               <a:buNone/>
             </a:pPr>
             <a:r>
-              <a:rPr lang="en-US" sz="3000" i="0" u="none" strike="noStrike" cap="none" dirty="0" err="1">
+              <a:rPr lang="en-US" sz="3000" b="1" i="0" u="none" strike="noStrike" cap="none" dirty="0" err="1">
                 <a:solidFill>
                   <a:srgbClr val="00FF00"/>
                 </a:solidFill>
@@ -7757,7 +7618,7 @@
               <a:t>fhand</a:t>
             </a:r>
             <a:r>
-              <a:rPr lang="en-US" sz="3000" i="0" u="none" strike="noStrike" cap="none" dirty="0">
+              <a:rPr lang="en-US" sz="3000" b="1" i="0" u="none" strike="noStrike" cap="none" dirty="0">
                 <a:solidFill>
                   <a:schemeClr val="lt1"/>
                 </a:solidFill>
@@ -7769,7 +7630,7 @@
               <a:t> = </a:t>
             </a:r>
             <a:r>
-              <a:rPr lang="en-US" sz="3000" i="0" u="none" strike="noStrike" cap="none" dirty="0">
+              <a:rPr lang="en-US" sz="3000" b="1" i="0" u="none" strike="noStrike" cap="none" dirty="0">
                 <a:solidFill>
                   <a:srgbClr val="FF00FF"/>
                 </a:solidFill>
@@ -7781,7 +7642,7 @@
               <a:t>open</a:t>
             </a:r>
             <a:r>
-              <a:rPr lang="en-US" sz="3000" i="0" u="none" strike="noStrike" cap="none" dirty="0">
+              <a:rPr lang="en-US" sz="3000" b="1" i="0" u="none" strike="noStrike" cap="none" dirty="0">
                 <a:solidFill>
                   <a:schemeClr val="lt1"/>
                 </a:solidFill>
@@ -7793,7 +7654,7 @@
               <a:t>('</a:t>
             </a:r>
             <a:r>
-              <a:rPr lang="en-US" sz="3000" i="0" u="none" strike="noStrike" cap="none" dirty="0" err="1">
+              <a:rPr lang="en-US" sz="3000" b="1" i="0" u="none" strike="noStrike" cap="none" dirty="0" err="1">
                 <a:solidFill>
                   <a:schemeClr val="lt1"/>
                 </a:solidFill>
@@ -7805,7 +7666,7 @@
               <a:t>romeo.txt</a:t>
             </a:r>
             <a:r>
-              <a:rPr lang="en-US" sz="3000" i="0" u="none" strike="noStrike" cap="none" dirty="0">
+              <a:rPr lang="en-US" sz="3000" b="1" i="0" u="none" strike="noStrike" cap="none" dirty="0">
                 <a:solidFill>
                   <a:schemeClr val="lt1"/>
                 </a:solidFill>
@@ -7836,7 +7697,7 @@
               <a:buNone/>
             </a:pPr>
             <a:r>
-              <a:rPr lang="en-US" sz="3000" i="0" u="none" strike="noStrike" cap="none" dirty="0">
+              <a:rPr lang="en-US" sz="3000" b="1" i="0" u="none" strike="noStrike" cap="none" dirty="0">
                 <a:solidFill>
                   <a:srgbClr val="00FF00"/>
                 </a:solidFill>
@@ -7848,7 +7709,7 @@
               <a:t>counts</a:t>
             </a:r>
             <a:r>
-              <a:rPr lang="en-US" sz="3000" i="0" u="none" strike="noStrike" cap="none" dirty="0">
+              <a:rPr lang="en-US" sz="3000" b="1" i="0" u="none" strike="noStrike" cap="none" dirty="0">
                 <a:solidFill>
                   <a:schemeClr val="lt1"/>
                 </a:solidFill>
@@ -7860,7 +7721,7 @@
               <a:t> = </a:t>
             </a:r>
             <a:r>
-              <a:rPr lang="en-US" sz="3000" i="0" u="none" strike="noStrike" cap="none" dirty="0" smtClean="0">
+              <a:rPr lang="en-US" sz="3000" b="1" i="0" u="none" strike="noStrike" cap="none" dirty="0">
                 <a:solidFill>
                   <a:srgbClr val="FF00FF"/>
                 </a:solidFill>
@@ -7871,7 +7732,7 @@
               </a:rPr>
               <a:t>{}</a:t>
             </a:r>
-            <a:endParaRPr lang="en-US" sz="3000" i="0" u="none" strike="noStrike" cap="none" dirty="0">
+            <a:endParaRPr lang="en-US" sz="3000" b="1" i="0" u="none" strike="noStrike" cap="none" dirty="0">
               <a:solidFill>
                 <a:schemeClr val="lt1"/>
               </a:solidFill>
@@ -7900,7 +7761,7 @@
               <a:buNone/>
             </a:pPr>
             <a:r>
-              <a:rPr lang="en-US" sz="3000" i="0" u="none" strike="noStrike" cap="none" dirty="0">
+              <a:rPr lang="en-US" sz="3000" b="1" i="0" u="none" strike="noStrike" cap="none" dirty="0">
                 <a:solidFill>
                   <a:srgbClr val="FFFF00"/>
                 </a:solidFill>
@@ -7912,7 +7773,7 @@
               <a:t>for</a:t>
             </a:r>
             <a:r>
-              <a:rPr lang="en-US" sz="3000" i="0" u="none" strike="noStrike" cap="none" dirty="0">
+              <a:rPr lang="en-US" sz="3000" b="1" i="0" u="none" strike="noStrike" cap="none" dirty="0">
                 <a:solidFill>
                   <a:schemeClr val="lt1"/>
                 </a:solidFill>
@@ -7924,7 +7785,7 @@
               <a:t> </a:t>
             </a:r>
             <a:r>
-              <a:rPr lang="en-US" sz="3000" i="0" u="none" strike="noStrike" cap="none" dirty="0">
+              <a:rPr lang="en-US" sz="3000" b="1" i="0" u="none" strike="noStrike" cap="none" dirty="0">
                 <a:solidFill>
                   <a:srgbClr val="00FF00"/>
                 </a:solidFill>
@@ -7936,7 +7797,7 @@
               <a:t>line</a:t>
             </a:r>
             <a:r>
-              <a:rPr lang="en-US" sz="3000" i="0" u="none" strike="noStrike" cap="none" dirty="0">
+              <a:rPr lang="en-US" sz="3000" b="1" i="0" u="none" strike="noStrike" cap="none" dirty="0">
                 <a:solidFill>
                   <a:schemeClr val="lt1"/>
                 </a:solidFill>
@@ -7948,7 +7809,7 @@
               <a:t> </a:t>
             </a:r>
             <a:r>
-              <a:rPr lang="en-US" sz="3000" i="0" u="none" strike="noStrike" cap="none" dirty="0">
+              <a:rPr lang="en-US" sz="3000" b="1" i="0" u="none" strike="noStrike" cap="none" dirty="0">
                 <a:solidFill>
                   <a:srgbClr val="FFFF00"/>
                 </a:solidFill>
@@ -7960,7 +7821,7 @@
               <a:t>in</a:t>
             </a:r>
             <a:r>
-              <a:rPr lang="en-US" sz="3000" i="0" u="none" strike="noStrike" cap="none" dirty="0">
+              <a:rPr lang="en-US" sz="3000" b="1" i="0" u="none" strike="noStrike" cap="none" dirty="0">
                 <a:solidFill>
                   <a:schemeClr val="lt1"/>
                 </a:solidFill>
@@ -7972,7 +7833,7 @@
               <a:t> </a:t>
             </a:r>
             <a:r>
-              <a:rPr lang="en-US" sz="3000" i="0" u="none" strike="noStrike" cap="none" dirty="0" err="1">
+              <a:rPr lang="en-US" sz="3000" b="1" i="0" u="none" strike="noStrike" cap="none" dirty="0" err="1">
                 <a:solidFill>
                   <a:srgbClr val="00FF00"/>
                 </a:solidFill>
@@ -7984,7 +7845,7 @@
               <a:t>fhand</a:t>
             </a:r>
             <a:r>
-              <a:rPr lang="en-US" sz="3000" i="0" u="none" strike="noStrike" cap="none" dirty="0">
+              <a:rPr lang="en-US" sz="3000" b="1" i="0" u="none" strike="noStrike" cap="none" dirty="0">
                 <a:solidFill>
                   <a:schemeClr val="lt1"/>
                 </a:solidFill>
@@ -8015,7 +7876,7 @@
               <a:buNone/>
             </a:pPr>
             <a:r>
-              <a:rPr lang="en-US" sz="3000" i="0" u="none" strike="noStrike" cap="none" dirty="0">
+              <a:rPr lang="en-US" sz="3000" b="1" i="0" u="none" strike="noStrike" cap="none" dirty="0">
                 <a:solidFill>
                   <a:schemeClr val="lt1"/>
                 </a:solidFill>
@@ -8027,7 +7888,7 @@
               <a:t>    </a:t>
             </a:r>
             <a:r>
-              <a:rPr lang="en-US" sz="3000" i="0" u="none" strike="noStrike" cap="none" dirty="0">
+              <a:rPr lang="en-US" sz="3000" b="1" i="0" u="none" strike="noStrike" cap="none" dirty="0">
                 <a:solidFill>
                   <a:srgbClr val="00FF00"/>
                 </a:solidFill>
@@ -8039,7 +7900,7 @@
               <a:t>words</a:t>
             </a:r>
             <a:r>
-              <a:rPr lang="en-US" sz="3000" i="0" u="none" strike="noStrike" cap="none" dirty="0">
+              <a:rPr lang="en-US" sz="3000" b="1" i="0" u="none" strike="noStrike" cap="none" dirty="0">
                 <a:solidFill>
                   <a:schemeClr val="lt1"/>
                 </a:solidFill>
@@ -8051,7 +7912,7 @@
               <a:t> = </a:t>
             </a:r>
             <a:r>
-              <a:rPr lang="en-US" sz="3000" i="0" u="none" strike="noStrike" cap="none" dirty="0" err="1">
+              <a:rPr lang="en-US" sz="3000" b="1" i="0" u="none" strike="noStrike" cap="none" dirty="0" err="1">
                 <a:solidFill>
                   <a:srgbClr val="00FF00"/>
                 </a:solidFill>
@@ -8063,7 +7924,7 @@
               <a:t>line</a:t>
             </a:r>
             <a:r>
-              <a:rPr lang="en-US" sz="3000" i="0" u="none" strike="noStrike" cap="none" dirty="0" err="1">
+              <a:rPr lang="en-US" sz="3000" b="1" i="0" u="none" strike="noStrike" cap="none" dirty="0" err="1">
                 <a:solidFill>
                   <a:srgbClr val="FF00FF"/>
                 </a:solidFill>
@@ -8075,7 +7936,7 @@
               <a:t>.split</a:t>
             </a:r>
             <a:r>
-              <a:rPr lang="en-US" sz="3000" i="0" u="none" strike="noStrike" cap="none" dirty="0">
+              <a:rPr lang="en-US" sz="3000" b="1" i="0" u="none" strike="noStrike" cap="none" dirty="0">
                 <a:solidFill>
                   <a:schemeClr val="lt1"/>
                 </a:solidFill>
@@ -8106,7 +7967,7 @@
               <a:buNone/>
             </a:pPr>
             <a:r>
-              <a:rPr lang="en-US" sz="3000" i="0" u="none" strike="noStrike" cap="none" dirty="0">
+              <a:rPr lang="en-US" sz="3000" b="1" i="0" u="none" strike="noStrike" cap="none" dirty="0">
                 <a:solidFill>
                   <a:schemeClr val="lt1"/>
                 </a:solidFill>
@@ -8118,7 +7979,7 @@
               <a:t>    </a:t>
             </a:r>
             <a:r>
-              <a:rPr lang="en-US" sz="3000" i="0" u="none" strike="noStrike" cap="none" dirty="0">
+              <a:rPr lang="en-US" sz="3000" b="1" i="0" u="none" strike="noStrike" cap="none" dirty="0">
                 <a:solidFill>
                   <a:srgbClr val="FFFF00"/>
                 </a:solidFill>
@@ -8130,7 +7991,7 @@
               <a:t>for</a:t>
             </a:r>
             <a:r>
-              <a:rPr lang="en-US" sz="3000" i="0" u="none" strike="noStrike" cap="none" dirty="0">
+              <a:rPr lang="en-US" sz="3000" b="1" i="0" u="none" strike="noStrike" cap="none" dirty="0">
                 <a:solidFill>
                   <a:schemeClr val="lt1"/>
                 </a:solidFill>
@@ -8142,7 +8003,7 @@
               <a:t> </a:t>
             </a:r>
             <a:r>
-              <a:rPr lang="en-US" sz="3000" i="0" u="none" strike="noStrike" cap="none" dirty="0">
+              <a:rPr lang="en-US" sz="3000" b="1" i="0" u="none" strike="noStrike" cap="none" dirty="0">
                 <a:solidFill>
                   <a:srgbClr val="00FF00"/>
                 </a:solidFill>
@@ -8154,7 +8015,7 @@
               <a:t>word</a:t>
             </a:r>
             <a:r>
-              <a:rPr lang="en-US" sz="3000" i="0" u="none" strike="noStrike" cap="none" dirty="0">
+              <a:rPr lang="en-US" sz="3000" b="1" i="0" u="none" strike="noStrike" cap="none" dirty="0">
                 <a:solidFill>
                   <a:schemeClr val="lt1"/>
                 </a:solidFill>
@@ -8166,7 +8027,7 @@
               <a:t> </a:t>
             </a:r>
             <a:r>
-              <a:rPr lang="en-US" sz="3000" i="0" u="none" strike="noStrike" cap="none" dirty="0">
+              <a:rPr lang="en-US" sz="3000" b="1" i="0" u="none" strike="noStrike" cap="none" dirty="0">
                 <a:solidFill>
                   <a:srgbClr val="FFFF00"/>
                 </a:solidFill>
@@ -8178,7 +8039,7 @@
               <a:t>in</a:t>
             </a:r>
             <a:r>
-              <a:rPr lang="en-US" sz="3000" i="0" u="none" strike="noStrike" cap="none" dirty="0">
+              <a:rPr lang="en-US" sz="3000" b="1" i="0" u="none" strike="noStrike" cap="none" dirty="0">
                 <a:solidFill>
                   <a:schemeClr val="lt1"/>
                 </a:solidFill>
@@ -8190,7 +8051,7 @@
               <a:t> </a:t>
             </a:r>
             <a:r>
-              <a:rPr lang="en-US" sz="3000" i="0" u="none" strike="noStrike" cap="none" dirty="0">
+              <a:rPr lang="en-US" sz="3000" b="1" i="0" u="none" strike="noStrike" cap="none" dirty="0">
                 <a:solidFill>
                   <a:srgbClr val="00FF00"/>
                 </a:solidFill>
@@ -8202,7 +8063,7 @@
               <a:t>words</a:t>
             </a:r>
             <a:r>
-              <a:rPr lang="en-US" sz="3000" i="0" u="none" strike="noStrike" cap="none" dirty="0">
+              <a:rPr lang="en-US" sz="3000" b="1" i="0" u="none" strike="noStrike" cap="none" dirty="0">
                 <a:solidFill>
                   <a:schemeClr val="lt1"/>
                 </a:solidFill>
@@ -8233,7 +8094,7 @@
               <a:buNone/>
             </a:pPr>
             <a:r>
-              <a:rPr lang="en-US" sz="3000" i="0" u="none" strike="noStrike" cap="none" dirty="0">
+              <a:rPr lang="en-US" sz="3000" b="1" i="0" u="none" strike="noStrike" cap="none" dirty="0">
                 <a:solidFill>
                   <a:schemeClr val="lt1"/>
                 </a:solidFill>
@@ -8245,7 +8106,7 @@
               <a:t>        </a:t>
             </a:r>
             <a:r>
-              <a:rPr lang="en-US" sz="3000" i="0" u="none" strike="noStrike" cap="none" dirty="0">
+              <a:rPr lang="en-US" sz="3000" b="1" i="0" u="none" strike="noStrike" cap="none" dirty="0">
                 <a:solidFill>
                   <a:srgbClr val="00FF00"/>
                 </a:solidFill>
@@ -8257,7 +8118,7 @@
               <a:t>counts</a:t>
             </a:r>
             <a:r>
-              <a:rPr lang="en-US" sz="3000" i="0" u="none" strike="noStrike" cap="none" dirty="0">
+              <a:rPr lang="en-US" sz="3000" b="1" i="0" u="none" strike="noStrike" cap="none" dirty="0">
                 <a:solidFill>
                   <a:srgbClr val="00FFFF"/>
                 </a:solidFill>
@@ -8269,7 +8130,7 @@
               <a:t>[word]</a:t>
             </a:r>
             <a:r>
-              <a:rPr lang="en-US" sz="3000" i="0" u="none" strike="noStrike" cap="none" dirty="0">
+              <a:rPr lang="en-US" sz="3000" b="1" i="0" u="none" strike="noStrike" cap="none" dirty="0">
                 <a:solidFill>
                   <a:schemeClr val="lt1"/>
                 </a:solidFill>
@@ -8281,7 +8142,7 @@
               <a:t> = </a:t>
             </a:r>
             <a:r>
-              <a:rPr lang="en-US" sz="3000" i="0" u="none" strike="noStrike" cap="none" dirty="0" err="1">
+              <a:rPr lang="en-US" sz="3000" b="1" i="0" u="none" strike="noStrike" cap="none" dirty="0" err="1">
                 <a:solidFill>
                   <a:srgbClr val="00FF00"/>
                 </a:solidFill>
@@ -8293,7 +8154,7 @@
               <a:t>counts</a:t>
             </a:r>
             <a:r>
-              <a:rPr lang="en-US" sz="3000" i="0" u="none" strike="noStrike" cap="none" dirty="0" err="1">
+              <a:rPr lang="en-US" sz="3000" b="1" i="0" u="none" strike="noStrike" cap="none" dirty="0" err="1">
                 <a:solidFill>
                   <a:srgbClr val="FF00FF"/>
                 </a:solidFill>
@@ -8305,7 +8166,7 @@
               <a:t>.get</a:t>
             </a:r>
             <a:r>
-              <a:rPr lang="en-US" sz="3000" i="0" u="none" strike="noStrike" cap="none" dirty="0">
+              <a:rPr lang="en-US" sz="3000" b="1" i="0" u="none" strike="noStrike" cap="none" dirty="0">
                 <a:solidFill>
                   <a:schemeClr val="lt1"/>
                 </a:solidFill>
@@ -8317,7 +8178,7 @@
               <a:t>(</a:t>
             </a:r>
             <a:r>
-              <a:rPr lang="en-US" sz="3000" i="0" u="none" strike="noStrike" cap="none" dirty="0">
+              <a:rPr lang="en-US" sz="3000" b="1" i="0" u="none" strike="noStrike" cap="none" dirty="0">
                 <a:solidFill>
                   <a:srgbClr val="00FFFF"/>
                 </a:solidFill>
@@ -8329,7 +8190,7 @@
               <a:t>word</a:t>
             </a:r>
             <a:r>
-              <a:rPr lang="en-US" sz="3000" i="0" u="none" strike="noStrike" cap="none" dirty="0">
+              <a:rPr lang="en-US" sz="3000" b="1" i="0" u="none" strike="noStrike" cap="none" dirty="0">
                 <a:solidFill>
                   <a:schemeClr val="lt1"/>
                 </a:solidFill>
@@ -8358,7 +8219,7 @@
               <a:buFont typeface="Arial"/>
               <a:buNone/>
             </a:pPr>
-            <a:endParaRPr sz="3000" i="0" u="none" strike="noStrike" cap="none" dirty="0">
+            <a:endParaRPr sz="3000" b="1" i="0" u="none" strike="noStrike" cap="none" dirty="0">
               <a:solidFill>
                 <a:schemeClr val="lt1"/>
               </a:solidFill>
@@ -8387,7 +8248,7 @@
               <a:buNone/>
             </a:pPr>
             <a:r>
-              <a:rPr lang="en-US" sz="3000" i="0" u="none" strike="noStrike" cap="none" dirty="0" err="1">
+              <a:rPr lang="en-US" sz="3000" b="1" i="0" u="none" strike="noStrike" cap="none" dirty="0" err="1">
                 <a:solidFill>
                   <a:srgbClr val="00FF00"/>
                 </a:solidFill>
@@ -8399,31 +8260,19 @@
               <a:t>lst</a:t>
             </a:r>
             <a:r>
-              <a:rPr lang="en-US" sz="3000" i="0" u="none" strike="noStrike" cap="none" dirty="0">
-                <a:solidFill>
-                  <a:schemeClr val="lt1"/>
-                </a:solidFill>
-                <a:latin typeface="Courier"/>
-                <a:ea typeface="Courier New"/>
-                <a:cs typeface="Courier"/>
-                <a:sym typeface="Courier New"/>
-              </a:rPr>
-              <a:t> </a:t>
-            </a:r>
-            <a:r>
-              <a:rPr lang="en-US" sz="3000" i="0" u="none" strike="noStrike" cap="none">
-                <a:solidFill>
-                  <a:schemeClr val="lt1"/>
-                </a:solidFill>
-                <a:latin typeface="Courier"/>
-                <a:ea typeface="Courier New"/>
-                <a:cs typeface="Courier"/>
-                <a:sym typeface="Courier New"/>
-              </a:rPr>
-              <a:t>= </a:t>
-            </a:r>
-            <a:r>
-              <a:rPr lang="en-US" sz="3000" i="0" u="none" strike="noStrike" cap="none" smtClean="0">
+              <a:rPr lang="en-US" sz="3000" b="1" i="0" u="none" strike="noStrike" cap="none" dirty="0">
+                <a:solidFill>
+                  <a:schemeClr val="lt1"/>
+                </a:solidFill>
+                <a:latin typeface="Courier"/>
+                <a:ea typeface="Courier New"/>
+                <a:cs typeface="Courier"/>
+                <a:sym typeface="Courier New"/>
+              </a:rPr>
+              <a:t> = </a:t>
+            </a:r>
+            <a:r>
+              <a:rPr lang="en-US" sz="3000" b="1" i="0" u="none" strike="noStrike" cap="none" dirty="0">
                 <a:solidFill>
                   <a:srgbClr val="FF00FF"/>
                 </a:solidFill>
@@ -8434,7 +8283,7 @@
               </a:rPr>
               <a:t>[]</a:t>
             </a:r>
-            <a:endParaRPr lang="en-US" sz="3000" i="0" u="none" strike="noStrike" cap="none" dirty="0">
+            <a:endParaRPr lang="en-US" sz="3000" b="1" i="0" u="none" strike="noStrike" cap="none" dirty="0">
               <a:solidFill>
                 <a:schemeClr val="lt1"/>
               </a:solidFill>
@@ -8463,7 +8312,7 @@
               <a:buNone/>
             </a:pPr>
             <a:r>
-              <a:rPr lang="en-US" sz="3000" i="0" u="none" strike="noStrike" cap="none" dirty="0">
+              <a:rPr lang="en-US" sz="3000" b="1" i="0" u="none" strike="noStrike" cap="none" dirty="0">
                 <a:solidFill>
                   <a:srgbClr val="FFFF00"/>
                 </a:solidFill>
@@ -8475,7 +8324,7 @@
               <a:t>for</a:t>
             </a:r>
             <a:r>
-              <a:rPr lang="en-US" sz="3000" i="0" u="none" strike="noStrike" cap="none" dirty="0">
+              <a:rPr lang="en-US" sz="3000" b="1" i="0" u="none" strike="noStrike" cap="none" dirty="0">
                 <a:solidFill>
                   <a:schemeClr val="lt1"/>
                 </a:solidFill>
@@ -8487,7 +8336,7 @@
               <a:t> </a:t>
             </a:r>
             <a:r>
-              <a:rPr lang="en-US" sz="3000" i="0" u="none" strike="noStrike" cap="none" dirty="0">
+              <a:rPr lang="en-US" sz="3000" b="1" i="0" u="none" strike="noStrike" cap="none" dirty="0">
                 <a:solidFill>
                   <a:srgbClr val="FF7F00"/>
                 </a:solidFill>
@@ -8499,7 +8348,7 @@
               <a:t>key, </a:t>
             </a:r>
             <a:r>
-              <a:rPr lang="en-US" sz="3000" i="0" u="none" strike="noStrike" cap="none" dirty="0" err="1">
+              <a:rPr lang="en-US" sz="3000" b="1" i="0" u="none" strike="noStrike" cap="none" dirty="0" err="1">
                 <a:solidFill>
                   <a:srgbClr val="FF7F00"/>
                 </a:solidFill>
@@ -8511,7 +8360,7 @@
               <a:t>val</a:t>
             </a:r>
             <a:r>
-              <a:rPr lang="en-US" sz="3000" i="0" u="none" strike="noStrike" cap="none" dirty="0">
+              <a:rPr lang="en-US" sz="3000" b="1" i="0" u="none" strike="noStrike" cap="none" dirty="0">
                 <a:solidFill>
                   <a:schemeClr val="lt1"/>
                 </a:solidFill>
@@ -8523,7 +8372,7 @@
               <a:t> </a:t>
             </a:r>
             <a:r>
-              <a:rPr lang="en-US" sz="3000" i="0" u="none" strike="noStrike" cap="none" dirty="0">
+              <a:rPr lang="en-US" sz="3000" b="1" i="0" u="none" strike="noStrike" cap="none" dirty="0">
                 <a:solidFill>
                   <a:srgbClr val="FFFF00"/>
                 </a:solidFill>
@@ -8535,7 +8384,7 @@
               <a:t>in</a:t>
             </a:r>
             <a:r>
-              <a:rPr lang="en-US" sz="3000" i="0" u="none" strike="noStrike" cap="none" dirty="0">
+              <a:rPr lang="en-US" sz="3000" b="1" i="0" u="none" strike="noStrike" cap="none" dirty="0">
                 <a:solidFill>
                   <a:schemeClr val="lt1"/>
                 </a:solidFill>
@@ -8547,7 +8396,7 @@
               <a:t> </a:t>
             </a:r>
             <a:r>
-              <a:rPr lang="en-US" sz="3000" i="0" u="none" strike="noStrike" cap="none" dirty="0" err="1">
+              <a:rPr lang="en-US" sz="3000" b="1" i="0" u="none" strike="noStrike" cap="none" dirty="0" err="1">
                 <a:solidFill>
                   <a:srgbClr val="00FF00"/>
                 </a:solidFill>
@@ -8559,7 +8408,7 @@
               <a:t>counts</a:t>
             </a:r>
             <a:r>
-              <a:rPr lang="en-US" sz="3000" i="0" u="none" strike="noStrike" cap="none" dirty="0" err="1">
+              <a:rPr lang="en-US" sz="3000" b="1" i="0" u="none" strike="noStrike" cap="none" dirty="0" err="1">
                 <a:solidFill>
                   <a:srgbClr val="FF00FF"/>
                 </a:solidFill>
@@ -8571,7 +8420,7 @@
               <a:t>.items</a:t>
             </a:r>
             <a:r>
-              <a:rPr lang="en-US" sz="3000" i="0" u="none" strike="noStrike" cap="none" dirty="0" smtClean="0">
+              <a:rPr lang="en-US" sz="3000" b="1" i="0" u="none" strike="noStrike" cap="none" dirty="0">
                 <a:solidFill>
                   <a:schemeClr val="lt1"/>
                 </a:solidFill>
@@ -8591,7 +8440,7 @@
               <a:buSzPct val="25000"/>
             </a:pPr>
             <a:r>
-              <a:rPr lang="en-US" sz="3000" dirty="0">
+              <a:rPr lang="en-US" sz="3000" b="1" dirty="0">
                 <a:solidFill>
                   <a:schemeClr val="lt1"/>
                 </a:solidFill>
@@ -8603,7 +8452,7 @@
               <a:t>	</a:t>
             </a:r>
             <a:r>
-              <a:rPr lang="en-US" sz="3000" dirty="0" err="1" smtClean="0">
+              <a:rPr lang="en-US" sz="3000" b="1" dirty="0" err="1">
                 <a:solidFill>
                   <a:srgbClr val="00FA00"/>
                 </a:solidFill>
@@ -8615,7 +8464,7 @@
               <a:t>newtup</a:t>
             </a:r>
             <a:r>
-              <a:rPr lang="en-US" sz="3000" dirty="0" smtClean="0">
+              <a:rPr lang="en-US" sz="3000" b="1" dirty="0">
                 <a:solidFill>
                   <a:srgbClr val="00FA00"/>
                 </a:solidFill>
@@ -8627,7 +8476,7 @@
               <a:t> </a:t>
             </a:r>
             <a:r>
-              <a:rPr lang="en-US" sz="3000" dirty="0" smtClean="0">
+              <a:rPr lang="en-US" sz="3000" b="1" dirty="0">
                 <a:solidFill>
                   <a:schemeClr val="lt1"/>
                 </a:solidFill>
@@ -8639,7 +8488,7 @@
               <a:t>= </a:t>
             </a:r>
             <a:r>
-              <a:rPr lang="en-US" sz="3000" dirty="0">
+              <a:rPr lang="en-US" sz="3000" b="1" dirty="0">
                 <a:solidFill>
                   <a:srgbClr val="FF7F00"/>
                 </a:solidFill>
@@ -8651,7 +8500,7 @@
               <a:t>(</a:t>
             </a:r>
             <a:r>
-              <a:rPr lang="en-US" sz="3000" dirty="0" err="1">
+              <a:rPr lang="en-US" sz="3000" b="1" dirty="0" err="1">
                 <a:solidFill>
                   <a:srgbClr val="FF7F00"/>
                 </a:solidFill>
@@ -8663,7 +8512,7 @@
               <a:t>val</a:t>
             </a:r>
             <a:r>
-              <a:rPr lang="en-US" sz="3000" dirty="0">
+              <a:rPr lang="en-US" sz="3000" b="1" dirty="0">
                 <a:solidFill>
                   <a:srgbClr val="FF7F00"/>
                 </a:solidFill>
@@ -8675,7 +8524,7 @@
               <a:t>, key)</a:t>
             </a:r>
             <a:r>
-              <a:rPr lang="en-US" sz="3000" dirty="0">
+              <a:rPr lang="en-US" sz="3000" b="1" dirty="0">
                 <a:solidFill>
                   <a:schemeClr val="lt1"/>
                 </a:solidFill>
@@ -8686,7 +8535,7 @@
               </a:rPr>
               <a:t> </a:t>
             </a:r>
-            <a:endParaRPr lang="en-US" sz="3000" i="0" u="none" strike="noStrike" cap="none" dirty="0">
+            <a:endParaRPr lang="en-US" sz="3000" b="1" i="0" u="none" strike="noStrike" cap="none" dirty="0">
               <a:solidFill>
                 <a:schemeClr val="lt1"/>
               </a:solidFill>
@@ -8715,7 +8564,7 @@
               <a:buNone/>
             </a:pPr>
             <a:r>
-              <a:rPr lang="en-US" sz="3000" i="0" u="none" strike="noStrike" cap="none" dirty="0">
+              <a:rPr lang="en-US" sz="3000" b="1" i="0" u="none" strike="noStrike" cap="none" dirty="0">
                 <a:solidFill>
                   <a:schemeClr val="lt1"/>
                 </a:solidFill>
@@ -8727,7 +8576,7 @@
               <a:t>    </a:t>
             </a:r>
             <a:r>
-              <a:rPr lang="en-US" sz="3000" i="0" u="none" strike="noStrike" cap="none" dirty="0" err="1" smtClean="0">
+              <a:rPr lang="en-US" sz="3000" b="1" i="0" u="none" strike="noStrike" cap="none" dirty="0" err="1">
                 <a:solidFill>
                   <a:srgbClr val="00FF00"/>
                 </a:solidFill>
@@ -8739,7 +8588,7 @@
               <a:t>lst</a:t>
             </a:r>
             <a:r>
-              <a:rPr lang="en-US" sz="3000" i="0" u="none" strike="noStrike" cap="none" dirty="0" err="1" smtClean="0">
+              <a:rPr lang="en-US" sz="3000" b="1" i="0" u="none" strike="noStrike" cap="none" dirty="0" err="1">
                 <a:solidFill>
                   <a:srgbClr val="FF00FF"/>
                 </a:solidFill>
@@ -8751,7 +8600,7 @@
               <a:t>.append</a:t>
             </a:r>
             <a:r>
-              <a:rPr lang="en-US" sz="3000" i="0" u="none" strike="noStrike" cap="none" dirty="0" smtClean="0">
+              <a:rPr lang="en-US" sz="3000" b="1" i="0" u="none" strike="noStrike" cap="none" dirty="0">
                 <a:solidFill>
                   <a:schemeClr val="lt1"/>
                 </a:solidFill>
@@ -8763,7 +8612,7 @@
               <a:t>(</a:t>
             </a:r>
             <a:r>
-              <a:rPr lang="en-US" sz="3000" i="0" u="none" strike="noStrike" cap="none" dirty="0" err="1" smtClean="0">
+              <a:rPr lang="en-US" sz="3000" b="1" i="0" u="none" strike="noStrike" cap="none" dirty="0" err="1">
                 <a:solidFill>
                   <a:srgbClr val="00FA00"/>
                 </a:solidFill>
@@ -8775,7 +8624,7 @@
               <a:t>newtup</a:t>
             </a:r>
             <a:r>
-              <a:rPr lang="en-US" sz="3000" i="0" u="none" strike="noStrike" cap="none" dirty="0" smtClean="0">
+              <a:rPr lang="en-US" sz="3000" b="1" i="0" u="none" strike="noStrike" cap="none" dirty="0">
                 <a:solidFill>
                   <a:schemeClr val="lt1"/>
                 </a:solidFill>
@@ -8786,7 +8635,25 @@
               </a:rPr>
               <a:t>)</a:t>
             </a:r>
-            <a:endParaRPr lang="en-US" sz="3000" i="0" u="none" strike="noStrike" cap="none" dirty="0">
+          </a:p>
+          <a:p>
+            <a:pPr marL="0" marR="0" lvl="0" indent="0" algn="l" rtl="0">
+              <a:lnSpc>
+                <a:spcPct val="100000"/>
+              </a:lnSpc>
+              <a:spcBef>
+                <a:spcPts val="0"/>
+              </a:spcBef>
+              <a:spcAft>
+                <a:spcPts val="0"/>
+              </a:spcAft>
+              <a:buClr>
+                <a:schemeClr val="lt1"/>
+              </a:buClr>
+              <a:buFont typeface="Courier New"/>
+              <a:buNone/>
+            </a:pPr>
+            <a:endParaRPr sz="3000" b="1" i="0" u="none" strike="noStrike" cap="none" dirty="0">
               <a:solidFill>
                 <a:schemeClr val="lt1"/>
               </a:solidFill>
@@ -8797,6 +8664,86 @@
             </a:endParaRPr>
           </a:p>
           <a:p>
+            <a:pPr lvl="0">
+              <a:buClr>
+                <a:srgbClr val="00FF00"/>
+              </a:buClr>
+              <a:buSzPct val="25000"/>
+            </a:pPr>
+            <a:r>
+              <a:rPr lang="en-US" sz="3000" b="1" dirty="0" err="1">
+                <a:solidFill>
+                  <a:srgbClr val="00FF00"/>
+                </a:solidFill>
+                <a:latin typeface="Courier"/>
+                <a:ea typeface="Courier New"/>
+                <a:cs typeface="Courier"/>
+                <a:sym typeface="Courier New"/>
+              </a:rPr>
+              <a:t>lst</a:t>
+            </a:r>
+            <a:r>
+              <a:rPr lang="en-US" sz="3000" b="1" dirty="0">
+                <a:solidFill>
+                  <a:srgbClr val="00FF00"/>
+                </a:solidFill>
+                <a:latin typeface="Courier"/>
+                <a:ea typeface="Courier New"/>
+                <a:cs typeface="Courier"/>
+                <a:sym typeface="Courier New"/>
+              </a:rPr>
+              <a:t> = </a:t>
+            </a:r>
+            <a:r>
+              <a:rPr lang="en-US" sz="3000" b="1" dirty="0">
+                <a:solidFill>
+                  <a:srgbClr val="FF40FF"/>
+                </a:solidFill>
+                <a:latin typeface="Courier"/>
+                <a:ea typeface="Courier New"/>
+                <a:cs typeface="Courier"/>
+                <a:sym typeface="Courier New"/>
+              </a:rPr>
+              <a:t>sorted(</a:t>
+            </a:r>
+            <a:r>
+              <a:rPr lang="en-US" sz="3000" b="1" dirty="0" err="1">
+                <a:solidFill>
+                  <a:srgbClr val="00FF00"/>
+                </a:solidFill>
+                <a:latin typeface="Courier"/>
+                <a:ea typeface="Courier New"/>
+                <a:cs typeface="Courier"/>
+                <a:sym typeface="Courier New"/>
+              </a:rPr>
+              <a:t>lst</a:t>
+            </a:r>
+            <a:r>
+              <a:rPr lang="en-US" sz="3000" b="1" i="0" u="none" strike="noStrike" cap="none" dirty="0">
+                <a:solidFill>
+                  <a:srgbClr val="FF00FF"/>
+                </a:solidFill>
+                <a:latin typeface="Courier"/>
+                <a:ea typeface="Courier New"/>
+                <a:cs typeface="Courier"/>
+                <a:sym typeface="Courier New"/>
+              </a:rPr>
+              <a:t>, reverse=True</a:t>
+            </a:r>
+            <a:r>
+              <a:rPr lang="en-US" sz="3000" b="1" i="0" u="none" strike="noStrike" cap="none" dirty="0">
+                <a:solidFill>
+                  <a:srgbClr val="FF40FF"/>
+                </a:solidFill>
+                <a:latin typeface="Courier"/>
+                <a:ea typeface="Courier New"/>
+                <a:cs typeface="Courier"/>
+                <a:sym typeface="Courier New"/>
+              </a:rPr>
+              <a:t>)</a:t>
+            </a:r>
+          </a:p>
+          <a:p>
             <a:pPr marL="0" marR="0" lvl="0" indent="0" algn="l" rtl="0">
               <a:lnSpc>
                 <a:spcPct val="100000"/>
@@ -8808,119 +8755,12 @@
                 <a:spcPts val="0"/>
               </a:spcAft>
               <a:buClr>
-                <a:schemeClr val="lt1"/>
+                <a:srgbClr val="FFFF00"/>
               </a:buClr>
               <a:buFont typeface="Courier New"/>
               <a:buNone/>
             </a:pPr>
-            <a:endParaRPr sz="3000" i="0" u="none" strike="noStrike" cap="none" dirty="0">
-              <a:solidFill>
-                <a:schemeClr val="lt1"/>
-              </a:solidFill>
-              <a:latin typeface="Courier"/>
-              <a:ea typeface="Courier New"/>
-              <a:cs typeface="Courier"/>
-              <a:sym typeface="Courier New"/>
-            </a:endParaRPr>
-          </a:p>
-          <a:p>
-            <a:pPr lvl="0">
-              <a:buClr>
-                <a:srgbClr val="00FF00"/>
-              </a:buClr>
-              <a:buSzPct val="25000"/>
-            </a:pPr>
-            <a:r>
-              <a:rPr lang="en-US" sz="3000" dirty="0" err="1" smtClean="0">
-                <a:solidFill>
-                  <a:srgbClr val="00FF00"/>
-                </a:solidFill>
-                <a:latin typeface="Courier"/>
-                <a:ea typeface="Courier New"/>
-                <a:cs typeface="Courier"/>
-                <a:sym typeface="Courier New"/>
-              </a:rPr>
-              <a:t>lst</a:t>
-            </a:r>
-            <a:r>
-              <a:rPr lang="en-US" sz="3000" dirty="0" smtClean="0">
-                <a:solidFill>
-                  <a:srgbClr val="00FF00"/>
-                </a:solidFill>
-                <a:latin typeface="Courier"/>
-                <a:ea typeface="Courier New"/>
-                <a:cs typeface="Courier"/>
-                <a:sym typeface="Courier New"/>
-              </a:rPr>
-              <a:t> = </a:t>
-            </a:r>
-            <a:r>
-              <a:rPr lang="en-US" sz="3000" dirty="0" smtClean="0">
-                <a:solidFill>
-                  <a:srgbClr val="FF40FF"/>
-                </a:solidFill>
-                <a:latin typeface="Courier"/>
-                <a:ea typeface="Courier New"/>
-                <a:cs typeface="Courier"/>
-                <a:sym typeface="Courier New"/>
-              </a:rPr>
-              <a:t>sorted(</a:t>
-            </a:r>
-            <a:r>
-              <a:rPr lang="en-US" sz="3000" dirty="0" err="1" smtClean="0">
-                <a:solidFill>
-                  <a:srgbClr val="00FF00"/>
-                </a:solidFill>
-                <a:latin typeface="Courier"/>
-                <a:ea typeface="Courier New"/>
-                <a:cs typeface="Courier"/>
-                <a:sym typeface="Courier New"/>
-              </a:rPr>
-              <a:t>lst</a:t>
-            </a:r>
-            <a:r>
-              <a:rPr lang="en-US" sz="3000" i="0" u="none" strike="noStrike" cap="none" dirty="0" smtClean="0">
-                <a:solidFill>
-                  <a:srgbClr val="FF00FF"/>
-                </a:solidFill>
-                <a:latin typeface="Courier"/>
-                <a:ea typeface="Courier New"/>
-                <a:cs typeface="Courier"/>
-                <a:sym typeface="Courier New"/>
-              </a:rPr>
-              <a:t>, reverse=True</a:t>
-            </a:r>
-            <a:r>
-              <a:rPr lang="en-US" sz="3000" i="0" u="none" strike="noStrike" cap="none" dirty="0">
-                <a:solidFill>
-                  <a:srgbClr val="FF40FF"/>
-                </a:solidFill>
-                <a:latin typeface="Courier"/>
-                <a:ea typeface="Courier New"/>
-                <a:cs typeface="Courier"/>
-                <a:sym typeface="Courier New"/>
-              </a:rPr>
-              <a:t>)</a:t>
-            </a:r>
-          </a:p>
-          <a:p>
-            <a:pPr marL="0" marR="0" lvl="0" indent="0" algn="l" rtl="0">
-              <a:lnSpc>
-                <a:spcPct val="100000"/>
-              </a:lnSpc>
-              <a:spcBef>
-                <a:spcPts val="0"/>
-              </a:spcBef>
-              <a:spcAft>
-                <a:spcPts val="0"/>
-              </a:spcAft>
-              <a:buClr>
-                <a:srgbClr val="FFFF00"/>
-              </a:buClr>
-              <a:buFont typeface="Courier New"/>
-              <a:buNone/>
-            </a:pPr>
-            <a:endParaRPr sz="3000" i="0" u="none" strike="noStrike" cap="none" dirty="0">
+            <a:endParaRPr sz="3000" b="1" i="0" u="none" strike="noStrike" cap="none" dirty="0">
               <a:solidFill>
                 <a:srgbClr val="FFFF00"/>
               </a:solidFill>
@@ -8949,7 +8789,7 @@
               <a:buNone/>
             </a:pPr>
             <a:r>
-              <a:rPr lang="en-US" sz="3000" i="0" u="none" strike="noStrike" cap="none" dirty="0">
+              <a:rPr lang="en-US" sz="3000" b="1" i="0" u="none" strike="noStrike" cap="none" dirty="0">
                 <a:solidFill>
                   <a:srgbClr val="FFFF00"/>
                 </a:solidFill>
@@ -8961,7 +8801,7 @@
               <a:t>for</a:t>
             </a:r>
             <a:r>
-              <a:rPr lang="en-US" sz="3000" i="0" u="none" strike="noStrike" cap="none" dirty="0">
+              <a:rPr lang="en-US" sz="3000" b="1" i="0" u="none" strike="noStrike" cap="none" dirty="0">
                 <a:solidFill>
                   <a:schemeClr val="lt1"/>
                 </a:solidFill>
@@ -8973,7 +8813,7 @@
               <a:t> </a:t>
             </a:r>
             <a:r>
-              <a:rPr lang="en-US" sz="3000" i="0" u="none" strike="noStrike" cap="none" dirty="0" err="1">
+              <a:rPr lang="en-US" sz="3000" b="1" i="0" u="none" strike="noStrike" cap="none" dirty="0" err="1">
                 <a:solidFill>
                   <a:srgbClr val="FF7F00"/>
                 </a:solidFill>
@@ -8985,7 +8825,7 @@
               <a:t>val</a:t>
             </a:r>
             <a:r>
-              <a:rPr lang="en-US" sz="3000" i="0" u="none" strike="noStrike" cap="none" dirty="0">
+              <a:rPr lang="en-US" sz="3000" b="1" i="0" u="none" strike="noStrike" cap="none" dirty="0">
                 <a:solidFill>
                   <a:srgbClr val="FF7F00"/>
                 </a:solidFill>
@@ -8997,7 +8837,7 @@
               <a:t>, key</a:t>
             </a:r>
             <a:r>
-              <a:rPr lang="en-US" sz="3000" i="0" u="none" strike="noStrike" cap="none" dirty="0">
+              <a:rPr lang="en-US" sz="3000" b="1" i="0" u="none" strike="noStrike" cap="none" dirty="0">
                 <a:solidFill>
                   <a:schemeClr val="lt1"/>
                 </a:solidFill>
@@ -9009,7 +8849,7 @@
               <a:t> </a:t>
             </a:r>
             <a:r>
-              <a:rPr lang="en-US" sz="3000" i="0" u="none" strike="noStrike" cap="none" dirty="0">
+              <a:rPr lang="en-US" sz="3000" b="1" i="0" u="none" strike="noStrike" cap="none" dirty="0">
                 <a:solidFill>
                   <a:srgbClr val="FFFF00"/>
                 </a:solidFill>
@@ -9021,7 +8861,7 @@
               <a:t>in</a:t>
             </a:r>
             <a:r>
-              <a:rPr lang="en-US" sz="3000" i="0" u="none" strike="noStrike" cap="none" dirty="0">
+              <a:rPr lang="en-US" sz="3000" b="1" i="0" u="none" strike="noStrike" cap="none" dirty="0">
                 <a:solidFill>
                   <a:schemeClr val="lt1"/>
                 </a:solidFill>
@@ -9033,7 +8873,7 @@
               <a:t> </a:t>
             </a:r>
             <a:r>
-              <a:rPr lang="en-US" sz="3000" i="0" u="none" strike="noStrike" cap="none" dirty="0" err="1">
+              <a:rPr lang="en-US" sz="3000" b="1" i="0" u="none" strike="noStrike" cap="none" dirty="0" err="1">
                 <a:solidFill>
                   <a:srgbClr val="FF00FF"/>
                 </a:solidFill>
@@ -9045,7 +8885,7 @@
               <a:t>lst</a:t>
             </a:r>
             <a:r>
-              <a:rPr lang="en-US" sz="3000" i="0" u="none" strike="noStrike" cap="none" dirty="0">
+              <a:rPr lang="en-US" sz="3000" b="1" i="0" u="none" strike="noStrike" cap="none" dirty="0">
                 <a:solidFill>
                   <a:srgbClr val="00FFFF"/>
                 </a:solidFill>
@@ -9057,7 +8897,7 @@
               <a:t>[:10]</a:t>
             </a:r>
             <a:r>
-              <a:rPr lang="en-US" sz="3000" i="0" u="none" strike="noStrike" cap="none" dirty="0">
+              <a:rPr lang="en-US" sz="3000" b="1" i="0" u="none" strike="noStrike" cap="none" dirty="0">
                 <a:solidFill>
                   <a:schemeClr val="lt1"/>
                 </a:solidFill>
@@ -9077,7 +8917,7 @@
               <a:buSzPct val="25000"/>
             </a:pPr>
             <a:r>
-              <a:rPr lang="en-US" sz="3000" i="0" u="none" strike="noStrike" cap="none" dirty="0">
+              <a:rPr lang="en-US" sz="3000" b="1" i="0" u="none" strike="noStrike" cap="none" dirty="0">
                 <a:solidFill>
                   <a:schemeClr val="lt1"/>
                 </a:solidFill>
@@ -9089,7 +8929,7 @@
               <a:t>    </a:t>
             </a:r>
             <a:r>
-              <a:rPr lang="en-US" sz="3000" i="0" u="none" strike="noStrike" cap="none" dirty="0" smtClean="0">
+              <a:rPr lang="en-US" sz="3000" b="1" i="0" u="none" strike="noStrike" cap="none" dirty="0">
                 <a:solidFill>
                   <a:srgbClr val="FFFF00"/>
                 </a:solidFill>
@@ -9101,7 +8941,7 @@
               <a:t>print(</a:t>
             </a:r>
             <a:r>
-              <a:rPr lang="en-US" sz="3000" i="0" u="none" strike="noStrike" cap="none" dirty="0" smtClean="0">
+              <a:rPr lang="en-US" sz="3000" b="1" i="0" u="none" strike="noStrike" cap="none" dirty="0">
                 <a:solidFill>
                   <a:srgbClr val="00FF00"/>
                 </a:solidFill>
@@ -9113,7 +8953,7 @@
               <a:t>key</a:t>
             </a:r>
             <a:r>
-              <a:rPr lang="en-US" sz="3000" i="0" u="none" strike="noStrike" cap="none" dirty="0">
+              <a:rPr lang="en-US" sz="3000" b="1" i="0" u="none" strike="noStrike" cap="none" dirty="0">
                 <a:solidFill>
                   <a:schemeClr val="lt1"/>
                 </a:solidFill>
@@ -9125,7 +8965,7 @@
               <a:t>, </a:t>
             </a:r>
             <a:r>
-              <a:rPr lang="en-US" sz="3000" i="0" u="none" strike="noStrike" cap="none" dirty="0" err="1" smtClean="0">
+              <a:rPr lang="en-US" sz="3000" b="1" i="0" u="none" strike="noStrike" cap="none" dirty="0" err="1">
                 <a:solidFill>
                   <a:srgbClr val="00FF00"/>
                 </a:solidFill>
@@ -9137,7 +8977,7 @@
               <a:t>val</a:t>
             </a:r>
             <a:r>
-              <a:rPr lang="en-US" sz="3000" dirty="0" smtClean="0">
+              <a:rPr lang="en-US" sz="3000" b="1" dirty="0">
                 <a:solidFill>
                   <a:srgbClr val="FFFF00"/>
                 </a:solidFill>
@@ -9148,7 +8988,7 @@
               </a:rPr>
               <a:t>)</a:t>
             </a:r>
-            <a:endParaRPr lang="en-US" sz="3000" i="0" u="none" strike="noStrike" cap="none" dirty="0">
+            <a:endParaRPr lang="en-US" sz="3000" b="1" i="0" u="none" strike="noStrike" cap="none" dirty="0">
               <a:solidFill>
                 <a:srgbClr val="00FF00"/>
               </a:solidFill>
@@ -9222,13 +9062,6 @@
   <p:clrMapOvr>
     <a:masterClrMapping/>
   </p:clrMapOvr>
-  <p:timing>
-    <p:tnLst>
-      <p:par>
-        <p:cTn id="1" dur="indefinite" restart="never" nodeType="tmRoot"/>
-      </p:par>
-    </p:tnLst>
-  </p:timing>
 </p:sld>
 </file>
 
@@ -9349,30 +9182,23 @@
               <a:buNone/>
             </a:pPr>
             <a:r>
-              <a:rPr lang="en-US" sz="3000" u="sng" strike="noStrike" cap="none">
-                <a:solidFill>
-                  <a:schemeClr val="hlink"/>
+              <a:rPr lang="en-US" sz="3000" u="sng" strike="noStrike" cap="none" dirty="0">
+                <a:solidFill>
+                  <a:srgbClr val="FFFF00"/>
                 </a:solidFill>
                 <a:latin typeface="Arial" charset="0"/>
                 <a:ea typeface="Arial" charset="0"/>
                 <a:cs typeface="Arial" charset="0"/>
                 <a:sym typeface="Cabin"/>
-                <a:hlinkClick r:id="rId3"/>
-              </a:rPr>
-              <a:t>http://</a:t>
-            </a:r>
-            <a:r>
-              <a:rPr lang="en-US" sz="3000" u="sng" strike="noStrike" cap="none" dirty="0">
-                <a:solidFill>
-                  <a:schemeClr val="hlink"/>
-                </a:solidFill>
-                <a:latin typeface="Arial" charset="0"/>
-                <a:ea typeface="Arial" charset="0"/>
-                <a:cs typeface="Arial" charset="0"/>
-                <a:sym typeface="Cabin"/>
-                <a:hlinkClick r:id="rId3"/>
-              </a:rPr>
-              <a:t>wiki.python.org/moin/HowTo/Sorting</a:t>
+                <a:hlinkClick r:id="rId3">
+                  <a:extLst>
+                    <a:ext uri="{A12FA001-AC4F-418D-AE19-62706E023703}">
+                      <ahyp:hlinkClr xmlns:ahyp="http://schemas.microsoft.com/office/drawing/2018/hyperlinkcolor" val="tx"/>
+                    </a:ext>
+                  </a:extLst>
+                </a:hlinkClick>
+              </a:rPr>
+              <a:t>http://wiki.python.org/moin/HowTo/Sorting</a:t>
             </a:r>
           </a:p>
         </p:txBody>
@@ -9420,7 +9246,7 @@
               <a:buNone/>
             </a:pPr>
             <a:r>
-              <a:rPr lang="en-US" sz="3600" i="0" u="none" strike="noStrike" cap="none" dirty="0">
+              <a:rPr lang="en-US" sz="3600" b="1" i="0" u="none" strike="noStrike" cap="none" dirty="0">
                 <a:solidFill>
                   <a:schemeClr val="lt1"/>
                 </a:solidFill>
@@ -9432,7 +9258,7 @@
               <a:t>&gt;&gt;&gt; </a:t>
             </a:r>
             <a:r>
-              <a:rPr lang="en-US" sz="3600" i="0" u="none" strike="noStrike" cap="none" dirty="0">
+              <a:rPr lang="en-US" sz="3600" b="1" i="0" u="none" strike="noStrike" cap="none" dirty="0">
                 <a:solidFill>
                   <a:srgbClr val="00FF00"/>
                 </a:solidFill>
@@ -9444,7 +9270,7 @@
               <a:t>c</a:t>
             </a:r>
             <a:r>
-              <a:rPr lang="en-US" sz="3600" i="0" u="none" strike="noStrike" cap="none" dirty="0">
+              <a:rPr lang="en-US" sz="3600" b="1" i="0" u="none" strike="noStrike" cap="none" dirty="0">
                 <a:solidFill>
                   <a:schemeClr val="lt1"/>
                 </a:solidFill>
@@ -9473,7 +9299,7 @@
               <a:buFont typeface="Arial"/>
               <a:buNone/>
             </a:pPr>
-            <a:endParaRPr sz="3600" i="0" u="none" strike="noStrike" cap="none" dirty="0">
+            <a:endParaRPr sz="3600" b="1" i="0" u="none" strike="noStrike" cap="none" dirty="0">
               <a:solidFill>
                 <a:schemeClr val="lt1"/>
               </a:solidFill>
@@ -9502,7 +9328,7 @@
               <a:buNone/>
             </a:pPr>
             <a:r>
-              <a:rPr lang="en-US" sz="3600" i="0" u="none" strike="noStrike" cap="none" dirty="0">
+              <a:rPr lang="en-US" sz="3600" b="1" i="0" u="none" strike="noStrike" cap="none" dirty="0">
                 <a:solidFill>
                   <a:schemeClr val="lt1"/>
                 </a:solidFill>
@@ -9514,7 +9340,7 @@
               <a:t>&gt;&gt;&gt; </a:t>
             </a:r>
             <a:r>
-              <a:rPr lang="en-US" sz="3600" i="0" u="none" strike="noStrike" cap="none" dirty="0" smtClean="0">
+              <a:rPr lang="en-US" sz="3600" b="1" i="0" u="none" strike="noStrike" cap="none" dirty="0">
                 <a:solidFill>
                   <a:srgbClr val="FFFF00"/>
                 </a:solidFill>
@@ -9526,7 +9352,7 @@
               <a:t>print(</a:t>
             </a:r>
             <a:r>
-              <a:rPr lang="en-US" sz="3600" dirty="0">
+              <a:rPr lang="en-US" sz="3600" b="1" dirty="0">
                 <a:solidFill>
                   <a:srgbClr val="00FF00"/>
                 </a:solidFill>
@@ -9538,7 +9364,7 @@
               <a:t> </a:t>
             </a:r>
             <a:r>
-              <a:rPr lang="en-US" sz="3600" i="0" u="none" strike="noStrike" cap="none" dirty="0" smtClean="0">
+              <a:rPr lang="en-US" sz="3600" b="1" i="0" u="none" strike="noStrike" cap="none" dirty="0">
                 <a:solidFill>
                   <a:srgbClr val="FF00FF"/>
                 </a:solidFill>
@@ -9550,7 +9376,7 @@
               <a:t>sorted</a:t>
             </a:r>
             <a:r>
-              <a:rPr lang="en-US" sz="3600" i="0" u="none" strike="noStrike" cap="none" dirty="0">
+              <a:rPr lang="en-US" sz="3600" b="1" i="0" u="none" strike="noStrike" cap="none" dirty="0">
                 <a:solidFill>
                   <a:schemeClr val="lt1"/>
                 </a:solidFill>
@@ -9562,7 +9388,7 @@
               <a:t>(</a:t>
             </a:r>
             <a:r>
-              <a:rPr lang="en-US" sz="3600" i="0" u="none" strike="noStrike" cap="none" dirty="0">
+              <a:rPr lang="en-US" sz="3600" b="1" i="0" u="none" strike="noStrike" cap="none" dirty="0">
                 <a:solidFill>
                   <a:srgbClr val="00FF00"/>
                 </a:solidFill>
@@ -9574,7 +9400,7 @@
               <a:t> </a:t>
             </a:r>
             <a:r>
-              <a:rPr lang="en-US" sz="3600" i="0" u="none" strike="noStrike" cap="none" dirty="0">
+              <a:rPr lang="en-US" sz="3600" b="1" i="0" u="none" strike="noStrike" cap="none" dirty="0">
                 <a:solidFill>
                   <a:srgbClr val="00FFFF"/>
                 </a:solidFill>
@@ -9586,7 +9412,7 @@
               <a:t>[</a:t>
             </a:r>
             <a:r>
-              <a:rPr lang="en-US" sz="3600" i="0" u="none" strike="noStrike" cap="none" dirty="0">
+              <a:rPr lang="en-US" sz="3600" b="1" i="0" u="none" strike="noStrike" cap="none" dirty="0">
                 <a:solidFill>
                   <a:schemeClr val="lt1"/>
                 </a:solidFill>
@@ -9598,7 +9424,7 @@
               <a:t> </a:t>
             </a:r>
             <a:r>
-              <a:rPr lang="en-US" sz="3600" i="0" u="none" strike="noStrike" cap="none" dirty="0">
+              <a:rPr lang="en-US" sz="3600" b="1" i="0" u="none" strike="noStrike" cap="none" dirty="0">
                 <a:solidFill>
                   <a:srgbClr val="FF7F00"/>
                 </a:solidFill>
@@ -9610,7 +9436,7 @@
               <a:t>(</a:t>
             </a:r>
             <a:r>
-              <a:rPr lang="en-US" sz="3600" i="0" u="none" strike="noStrike" cap="none" dirty="0" err="1">
+              <a:rPr lang="en-US" sz="3600" b="1" i="0" u="none" strike="noStrike" cap="none" dirty="0" err="1">
                 <a:solidFill>
                   <a:srgbClr val="FF7F00"/>
                 </a:solidFill>
@@ -9622,7 +9448,7 @@
               <a:t>v,k</a:t>
             </a:r>
             <a:r>
-              <a:rPr lang="en-US" sz="3600" i="0" u="none" strike="noStrike" cap="none" dirty="0">
+              <a:rPr lang="en-US" sz="3600" b="1" i="0" u="none" strike="noStrike" cap="none" dirty="0">
                 <a:solidFill>
                   <a:srgbClr val="FF7F00"/>
                 </a:solidFill>
@@ -9634,7 +9460,7 @@
               <a:t>)</a:t>
             </a:r>
             <a:r>
-              <a:rPr lang="en-US" sz="3600" i="0" u="none" strike="noStrike" cap="none" dirty="0">
+              <a:rPr lang="en-US" sz="3600" b="1" i="0" u="none" strike="noStrike" cap="none" dirty="0">
                 <a:solidFill>
                   <a:schemeClr val="lt1"/>
                 </a:solidFill>
@@ -9646,7 +9472,7 @@
               <a:t> </a:t>
             </a:r>
             <a:r>
-              <a:rPr lang="en-US" sz="3600" i="0" u="none" strike="noStrike" cap="none" dirty="0">
+              <a:rPr lang="en-US" sz="3600" b="1" i="0" u="none" strike="noStrike" cap="none" dirty="0">
                 <a:solidFill>
                   <a:srgbClr val="FFFF00"/>
                 </a:solidFill>
@@ -9658,7 +9484,7 @@
               <a:t>for</a:t>
             </a:r>
             <a:r>
-              <a:rPr lang="en-US" sz="3600" i="0" u="none" strike="noStrike" cap="none" dirty="0">
+              <a:rPr lang="en-US" sz="3600" b="1" i="0" u="none" strike="noStrike" cap="none" dirty="0">
                 <a:solidFill>
                   <a:schemeClr val="lt1"/>
                 </a:solidFill>
@@ -9670,7 +9496,7 @@
               <a:t> </a:t>
             </a:r>
             <a:r>
-              <a:rPr lang="en-US" sz="3600" i="0" u="none" strike="noStrike" cap="none" dirty="0" err="1">
+              <a:rPr lang="en-US" sz="3600" b="1" i="0" u="none" strike="noStrike" cap="none" dirty="0" err="1">
                 <a:solidFill>
                   <a:srgbClr val="FF7F00"/>
                 </a:solidFill>
@@ -9682,7 +9508,7 @@
               <a:t>k,v</a:t>
             </a:r>
             <a:r>
-              <a:rPr lang="en-US" sz="3600" i="0" u="none" strike="noStrike" cap="none" dirty="0">
+              <a:rPr lang="en-US" sz="3600" b="1" i="0" u="none" strike="noStrike" cap="none" dirty="0">
                 <a:solidFill>
                   <a:schemeClr val="lt1"/>
                 </a:solidFill>
@@ -9694,7 +9520,7 @@
               <a:t> </a:t>
             </a:r>
             <a:r>
-              <a:rPr lang="en-US" sz="3600" i="0" u="none" strike="noStrike" cap="none" dirty="0">
+              <a:rPr lang="en-US" sz="3600" b="1" i="0" u="none" strike="noStrike" cap="none" dirty="0">
                 <a:solidFill>
                   <a:srgbClr val="FFFF00"/>
                 </a:solidFill>
@@ -9706,7 +9532,7 @@
               <a:t>in</a:t>
             </a:r>
             <a:r>
-              <a:rPr lang="en-US" sz="3600" i="0" u="none" strike="noStrike" cap="none" dirty="0">
+              <a:rPr lang="en-US" sz="3600" b="1" i="0" u="none" strike="noStrike" cap="none" dirty="0">
                 <a:solidFill>
                   <a:schemeClr val="lt1"/>
                 </a:solidFill>
@@ -9718,7 +9544,7 @@
               <a:t> </a:t>
             </a:r>
             <a:r>
-              <a:rPr lang="en-US" sz="3600" i="0" u="none" strike="noStrike" cap="none" dirty="0" err="1">
+              <a:rPr lang="en-US" sz="3600" b="1" i="0" u="none" strike="noStrike" cap="none" dirty="0" err="1">
                 <a:solidFill>
                   <a:srgbClr val="00FF00"/>
                 </a:solidFill>
@@ -9730,7 +9556,7 @@
               <a:t>c</a:t>
             </a:r>
             <a:r>
-              <a:rPr lang="en-US" sz="3600" i="0" u="none" strike="noStrike" cap="none" dirty="0" err="1">
+              <a:rPr lang="en-US" sz="3600" b="1" i="0" u="none" strike="noStrike" cap="none" dirty="0" err="1">
                 <a:solidFill>
                   <a:srgbClr val="FF00FF"/>
                 </a:solidFill>
@@ -9742,7 +9568,7 @@
               <a:t>.items</a:t>
             </a:r>
             <a:r>
-              <a:rPr lang="en-US" sz="3600" i="0" u="none" strike="noStrike" cap="none" dirty="0">
+              <a:rPr lang="en-US" sz="3600" b="1" i="0" u="none" strike="noStrike" cap="none" dirty="0">
                 <a:solidFill>
                   <a:schemeClr val="lt1"/>
                 </a:solidFill>
@@ -9754,7 +9580,7 @@
               <a:t>() </a:t>
             </a:r>
             <a:r>
-              <a:rPr lang="en-US" sz="3600" i="0" u="none" strike="noStrike" cap="none" dirty="0">
+              <a:rPr lang="en-US" sz="3600" b="1" i="0" u="none" strike="noStrike" cap="none" dirty="0">
                 <a:solidFill>
                   <a:srgbClr val="00FFFF"/>
                 </a:solidFill>
@@ -9766,31 +9592,19 @@
               <a:t>]</a:t>
             </a:r>
             <a:r>
-              <a:rPr lang="en-US" sz="3600" i="0" u="none" strike="noStrike" cap="none" dirty="0">
-                <a:solidFill>
-                  <a:schemeClr val="lt1"/>
-                </a:solidFill>
-                <a:latin typeface="Courier"/>
-                <a:ea typeface="Courier New"/>
-                <a:cs typeface="Courier"/>
-                <a:sym typeface="Courier New"/>
-              </a:rPr>
-              <a:t> </a:t>
-            </a:r>
-            <a:r>
-              <a:rPr lang="en-US" sz="3600" i="0" u="none" strike="noStrike" cap="none" dirty="0" smtClean="0">
-                <a:solidFill>
-                  <a:schemeClr val="lt1"/>
-                </a:solidFill>
-                <a:latin typeface="Courier"/>
-                <a:ea typeface="Courier New"/>
-                <a:cs typeface="Courier"/>
-                <a:sym typeface="Courier New"/>
-              </a:rPr>
-              <a:t>) </a:t>
-            </a:r>
-            <a:r>
-              <a:rPr lang="en-US" sz="3600" i="0" u="none" strike="noStrike" cap="none" dirty="0" smtClean="0">
+              <a:rPr lang="en-US" sz="3600" b="1" i="0" u="none" strike="noStrike" cap="none" dirty="0">
+                <a:solidFill>
+                  <a:schemeClr val="lt1"/>
+                </a:solidFill>
+                <a:latin typeface="Courier"/>
+                <a:ea typeface="Courier New"/>
+                <a:cs typeface="Courier"/>
+                <a:sym typeface="Courier New"/>
+              </a:rPr>
+              <a:t> ) </a:t>
+            </a:r>
+            <a:r>
+              <a:rPr lang="en-US" sz="3600" b="1" i="0" u="none" strike="noStrike" cap="none" dirty="0">
                 <a:solidFill>
                   <a:srgbClr val="FFFF00"/>
                 </a:solidFill>
@@ -9801,15 +9615,6 @@
               </a:rPr>
               <a:t>)</a:t>
             </a:r>
-            <a:endParaRPr lang="en-US" sz="3600" i="0" u="none" strike="noStrike" cap="none" dirty="0">
-              <a:solidFill>
-                <a:srgbClr val="FFFF00"/>
-              </a:solidFill>
-              <a:latin typeface="Courier"/>
-              <a:ea typeface="Courier New"/>
-              <a:cs typeface="Courier"/>
-              <a:sym typeface="Courier New"/>
-            </a:endParaRPr>
           </a:p>
           <a:p>
             <a:pPr marL="0" marR="0" lvl="0" indent="0" algn="ctr" rtl="0">
@@ -9828,7 +9633,7 @@
               <a:buFont typeface="Arial"/>
               <a:buNone/>
             </a:pPr>
-            <a:endParaRPr sz="3600" i="0" u="none" strike="noStrike" cap="none" dirty="0">
+            <a:endParaRPr sz="3600" b="1" i="0" u="none" strike="noStrike" cap="none" dirty="0">
               <a:solidFill>
                 <a:schemeClr val="lt1"/>
               </a:solidFill>
@@ -9857,7 +9662,7 @@
               <a:buNone/>
             </a:pPr>
             <a:r>
-              <a:rPr lang="en-US" sz="3600" i="0" u="none" strike="noStrike" cap="none" dirty="0">
+              <a:rPr lang="en-US" sz="3600" b="1" i="0" u="none" strike="noStrike" cap="none" dirty="0">
                 <a:solidFill>
                   <a:schemeClr val="lt1"/>
                 </a:solidFill>
@@ -9957,13 +9762,6 @@
   <p:clrMapOvr>
     <a:masterClrMapping/>
   </p:clrMapOvr>
-  <p:timing>
-    <p:tnLst>
-      <p:par>
-        <p:cTn id="1" dur="indefinite" restart="never" nodeType="tmRoot"/>
-      </p:par>
-    </p:tnLst>
-  </p:timing>
 </p:sld>
 </file>
 
@@ -10296,13 +10094,6 @@
   <p:clrMapOvr>
     <a:masterClrMapping/>
   </p:clrMapOvr>
-  <p:timing>
-    <p:tnLst>
-      <p:par>
-        <p:cTn id="1" dur="indefinite" restart="never" nodeType="tmRoot"/>
-      </p:par>
-    </p:tnLst>
-  </p:timing>
 </p:sld>
 </file>
 
@@ -10723,13 +10514,6 @@
   <p:clrMapOvr>
     <a:masterClrMapping/>
   </p:clrMapOvr>
-  <p:timing>
-    <p:tnLst>
-      <p:par>
-        <p:cTn id="1" dur="indefinite" restart="never" nodeType="tmRoot"/>
-      </p:par>
-    </p:tnLst>
-  </p:timing>
 </p:sld>
 </file>
 
@@ -10910,7 +10694,7 @@
               <a:buNone/>
             </a:pPr>
             <a:r>
-              <a:rPr lang="en-US" sz="3000" i="0" u="none" strike="noStrike" cap="none" dirty="0">
+              <a:rPr lang="en-US" sz="3000" b="1" i="0" u="none" strike="noStrike" cap="none" dirty="0">
                 <a:solidFill>
                   <a:schemeClr val="lt1"/>
                 </a:solidFill>
@@ -10922,7 +10706,7 @@
               <a:t>&gt;&gt;&gt; </a:t>
             </a:r>
             <a:r>
-              <a:rPr lang="en-US" sz="3000" i="0" u="none" strike="noStrike" cap="none" dirty="0">
+              <a:rPr lang="en-US" sz="3000" b="1" i="0" u="none" strike="noStrike" cap="none" dirty="0">
                 <a:solidFill>
                   <a:srgbClr val="00FF00"/>
                 </a:solidFill>
@@ -10934,7 +10718,7 @@
               <a:t>x</a:t>
             </a:r>
             <a:r>
-              <a:rPr lang="en-US" sz="3000" i="0" u="none" strike="noStrike" cap="none" dirty="0">
+              <a:rPr lang="en-US" sz="3000" b="1" i="0" u="none" strike="noStrike" cap="none" dirty="0">
                 <a:solidFill>
                   <a:schemeClr val="lt1"/>
                 </a:solidFill>
@@ -10954,7 +10738,7 @@
               <a:buSzPct val="25000"/>
             </a:pPr>
             <a:r>
-              <a:rPr lang="en-US" sz="3000" i="0" u="none" strike="noStrike" cap="none" dirty="0">
+              <a:rPr lang="en-US" sz="3000" b="1" i="0" u="none" strike="noStrike" cap="none" dirty="0">
                 <a:solidFill>
                   <a:schemeClr val="lt1"/>
                 </a:solidFill>
@@ -10966,7 +10750,7 @@
               <a:t>&gt;&gt;&gt; </a:t>
             </a:r>
             <a:r>
-              <a:rPr lang="en-US" sz="3000" i="0" u="none" strike="noStrike" cap="none" dirty="0" smtClean="0">
+              <a:rPr lang="en-US" sz="3000" b="1" i="0" u="none" strike="noStrike" cap="none" dirty="0">
                 <a:solidFill>
                   <a:srgbClr val="FFFF00"/>
                 </a:solidFill>
@@ -10978,7 +10762,7 @@
               <a:t>print(</a:t>
             </a:r>
             <a:r>
-              <a:rPr lang="en-US" sz="3000" i="0" u="none" strike="noStrike" cap="none" dirty="0" smtClean="0">
+              <a:rPr lang="en-US" sz="3000" b="1" i="0" u="none" strike="noStrike" cap="none" dirty="0">
                 <a:solidFill>
                   <a:srgbClr val="00FF00"/>
                 </a:solidFill>
@@ -10990,7 +10774,7 @@
               <a:t>x</a:t>
             </a:r>
             <a:r>
-              <a:rPr lang="en-US" sz="3000" i="0" u="none" strike="noStrike" cap="none" dirty="0" smtClean="0">
+              <a:rPr lang="en-US" sz="3000" b="1" i="0" u="none" strike="noStrike" cap="none" dirty="0">
                 <a:solidFill>
                   <a:srgbClr val="00FFFF"/>
                 </a:solidFill>
@@ -11002,7 +10786,7 @@
               <a:t>[2]</a:t>
             </a:r>
             <a:r>
-              <a:rPr lang="en-US" sz="3000" dirty="0" smtClean="0">
+              <a:rPr lang="en-US" sz="3000" b="1" dirty="0">
                 <a:solidFill>
                   <a:srgbClr val="FFFF00"/>
                 </a:solidFill>
@@ -11013,7 +10797,7 @@
               </a:rPr>
               <a:t>)</a:t>
             </a:r>
-            <a:endParaRPr lang="en-US" sz="3000" i="0" u="none" strike="noStrike" cap="none" dirty="0">
+            <a:endParaRPr lang="en-US" sz="3000" b="1" i="0" u="none" strike="noStrike" cap="none" dirty="0">
               <a:solidFill>
                 <a:srgbClr val="00FFFF"/>
               </a:solidFill>
@@ -11042,7 +10826,7 @@
               <a:buNone/>
             </a:pPr>
             <a:r>
-              <a:rPr lang="en-US" sz="3000" i="0" u="none" strike="noStrike" cap="none" dirty="0">
+              <a:rPr lang="en-US" sz="3000" b="1" i="0" u="none" strike="noStrike" cap="none" dirty="0">
                 <a:solidFill>
                   <a:schemeClr val="lt1"/>
                 </a:solidFill>
@@ -11073,7 +10857,7 @@
               <a:buNone/>
             </a:pPr>
             <a:r>
-              <a:rPr lang="en-US" sz="3000" i="0" u="none" strike="noStrike" cap="none" dirty="0">
+              <a:rPr lang="en-US" sz="3000" b="1" i="0" u="none" strike="noStrike" cap="none" dirty="0">
                 <a:solidFill>
                   <a:schemeClr val="lt1"/>
                 </a:solidFill>
@@ -11085,7 +10869,7 @@
               <a:t>&gt;&gt;&gt; </a:t>
             </a:r>
             <a:r>
-              <a:rPr lang="en-US" sz="3000" i="0" u="none" strike="noStrike" cap="none" dirty="0">
+              <a:rPr lang="en-US" sz="3000" b="1" i="0" u="none" strike="noStrike" cap="none" dirty="0">
                 <a:solidFill>
                   <a:srgbClr val="00FF00"/>
                 </a:solidFill>
@@ -11097,7 +10881,7 @@
               <a:t>y</a:t>
             </a:r>
             <a:r>
-              <a:rPr lang="en-US" sz="3000" i="0" u="none" strike="noStrike" cap="none" dirty="0">
+              <a:rPr lang="en-US" sz="3000" b="1" i="0" u="none" strike="noStrike" cap="none" dirty="0">
                 <a:solidFill>
                   <a:schemeClr val="lt1"/>
                 </a:solidFill>
@@ -11117,7 +10901,7 @@
               <a:buSzPct val="25000"/>
             </a:pPr>
             <a:r>
-              <a:rPr lang="en-US" sz="3000" i="0" u="none" strike="noStrike" cap="none" dirty="0">
+              <a:rPr lang="en-US" sz="3000" b="1" i="0" u="none" strike="noStrike" cap="none" dirty="0">
                 <a:solidFill>
                   <a:schemeClr val="lt1"/>
                 </a:solidFill>
@@ -11129,7 +10913,7 @@
               <a:t>&gt;&gt;&gt; </a:t>
             </a:r>
             <a:r>
-              <a:rPr lang="en-US" sz="3000" i="0" u="none" strike="noStrike" cap="none" dirty="0" smtClean="0">
+              <a:rPr lang="en-US" sz="3000" b="1" i="0" u="none" strike="noStrike" cap="none" dirty="0">
                 <a:solidFill>
                   <a:srgbClr val="FFFF00"/>
                 </a:solidFill>
@@ -11141,7 +10925,7 @@
               <a:t>print(</a:t>
             </a:r>
             <a:r>
-              <a:rPr lang="en-US" sz="3000" i="0" u="none" strike="noStrike" cap="none" dirty="0" smtClean="0">
+              <a:rPr lang="en-US" sz="3000" b="1" i="0" u="none" strike="noStrike" cap="none" dirty="0">
                 <a:solidFill>
                   <a:srgbClr val="00FF00"/>
                 </a:solidFill>
@@ -11153,7 +10937,7 @@
               <a:t>y</a:t>
             </a:r>
             <a:r>
-              <a:rPr lang="en-US" sz="3000" dirty="0" smtClean="0">
+              <a:rPr lang="en-US" sz="3000" b="1" dirty="0">
                 <a:solidFill>
                   <a:srgbClr val="FFFF00"/>
                 </a:solidFill>
@@ -11164,7 +10948,7 @@
               </a:rPr>
               <a:t>)</a:t>
             </a:r>
-            <a:endParaRPr lang="en-US" sz="3000" i="0" u="none" strike="noStrike" cap="none" dirty="0">
+            <a:endParaRPr lang="en-US" sz="3000" b="1" i="0" u="none" strike="noStrike" cap="none" dirty="0">
               <a:solidFill>
                 <a:srgbClr val="00FF00"/>
               </a:solidFill>
@@ -11193,7 +10977,7 @@
               <a:buNone/>
             </a:pPr>
             <a:r>
-              <a:rPr lang="en-US" sz="3000" i="0" u="none" strike="noStrike" cap="none" dirty="0">
+              <a:rPr lang="en-US" sz="3000" b="1" i="0" u="none" strike="noStrike" cap="none" dirty="0">
                 <a:solidFill>
                   <a:schemeClr val="lt1"/>
                 </a:solidFill>
@@ -11213,7 +10997,7 @@
               <a:buSzPct val="25000"/>
             </a:pPr>
             <a:r>
-              <a:rPr lang="en-US" sz="3000" i="0" u="none" strike="noStrike" cap="none" dirty="0">
+              <a:rPr lang="en-US" sz="3000" b="1" i="0" u="none" strike="noStrike" cap="none" dirty="0">
                 <a:solidFill>
                   <a:schemeClr val="lt1"/>
                 </a:solidFill>
@@ -11225,7 +11009,7 @@
               <a:t>&gt;&gt;&gt; </a:t>
             </a:r>
             <a:r>
-              <a:rPr lang="en-US" sz="3000" i="0" u="none" strike="noStrike" cap="none" dirty="0" smtClean="0">
+              <a:rPr lang="en-US" sz="3000" b="1" i="0" u="none" strike="noStrike" cap="none" dirty="0">
                 <a:solidFill>
                   <a:srgbClr val="FFFF00"/>
                 </a:solidFill>
@@ -11237,7 +11021,7 @@
               <a:t>print(</a:t>
             </a:r>
             <a:r>
-              <a:rPr lang="en-US" sz="3000" i="0" u="none" strike="noStrike" cap="none" dirty="0" smtClean="0">
+              <a:rPr lang="en-US" sz="3000" b="1" i="0" u="none" strike="noStrike" cap="none" dirty="0">
                 <a:solidFill>
                   <a:srgbClr val="FF00FF"/>
                 </a:solidFill>
@@ -11249,7 +11033,7 @@
               <a:t>max</a:t>
             </a:r>
             <a:r>
-              <a:rPr lang="en-US" sz="3000" i="0" u="none" strike="noStrike" cap="none" dirty="0" smtClean="0">
+              <a:rPr lang="en-US" sz="3000" b="1" i="0" u="none" strike="noStrike" cap="none" dirty="0">
                 <a:solidFill>
                   <a:schemeClr val="lt1"/>
                 </a:solidFill>
@@ -11261,7 +11045,7 @@
               <a:t>(</a:t>
             </a:r>
             <a:r>
-              <a:rPr lang="en-US" sz="3000" i="0" u="none" strike="noStrike" cap="none" dirty="0" smtClean="0">
+              <a:rPr lang="en-US" sz="3000" b="1" i="0" u="none" strike="noStrike" cap="none" dirty="0">
                 <a:solidFill>
                   <a:srgbClr val="00FF00"/>
                 </a:solidFill>
@@ -11273,7 +11057,7 @@
               <a:t>y</a:t>
             </a:r>
             <a:r>
-              <a:rPr lang="en-US" sz="3000" i="0" u="none" strike="noStrike" cap="none" dirty="0" smtClean="0">
+              <a:rPr lang="en-US" sz="3000" b="1" i="0" u="none" strike="noStrike" cap="none" dirty="0">
                 <a:solidFill>
                   <a:schemeClr val="lt1"/>
                 </a:solidFill>
@@ -11285,7 +11069,7 @@
               <a:t>)</a:t>
             </a:r>
             <a:r>
-              <a:rPr lang="en-US" sz="3000" dirty="0" smtClean="0">
+              <a:rPr lang="en-US" sz="3000" b="1" dirty="0">
                 <a:solidFill>
                   <a:srgbClr val="FFFF00"/>
                 </a:solidFill>
@@ -11296,7 +11080,7 @@
               </a:rPr>
               <a:t>)</a:t>
             </a:r>
-            <a:endParaRPr lang="en-US" sz="3000" i="0" u="none" strike="noStrike" cap="none" dirty="0">
+            <a:endParaRPr lang="en-US" sz="3000" b="1" i="0" u="none" strike="noStrike" cap="none" dirty="0">
               <a:solidFill>
                 <a:schemeClr val="lt1"/>
               </a:solidFill>
@@ -11325,7 +11109,7 @@
               <a:buNone/>
             </a:pPr>
             <a:r>
-              <a:rPr lang="en-US" sz="3000" i="0" u="none" strike="noStrike" cap="none" dirty="0">
+              <a:rPr lang="en-US" sz="3000" b="1" i="0" u="none" strike="noStrike" cap="none" dirty="0">
                 <a:solidFill>
                   <a:schemeClr val="lt1"/>
                 </a:solidFill>
@@ -11382,7 +11166,7 @@
               <a:buNone/>
             </a:pPr>
             <a:r>
-              <a:rPr lang="en-US" sz="3000" i="0" u="none" strike="noStrike" cap="none" dirty="0">
+              <a:rPr lang="en-US" sz="3000" b="1" i="0" u="none" strike="noStrike" cap="none" dirty="0">
                 <a:solidFill>
                   <a:schemeClr val="lt1"/>
                 </a:solidFill>
@@ -11394,7 +11178,7 @@
               <a:t>&gt;&gt;&gt; </a:t>
             </a:r>
             <a:r>
-              <a:rPr lang="en-US" sz="3000" i="0" u="none" strike="noStrike" cap="none" dirty="0">
+              <a:rPr lang="en-US" sz="3000" b="1" i="0" u="none" strike="noStrike" cap="none" dirty="0">
                 <a:solidFill>
                   <a:srgbClr val="FFFF00"/>
                 </a:solidFill>
@@ -11406,7 +11190,7 @@
               <a:t>for</a:t>
             </a:r>
             <a:r>
-              <a:rPr lang="en-US" sz="3000" i="0" u="none" strike="noStrike" cap="none" dirty="0">
+              <a:rPr lang="en-US" sz="3000" b="1" i="0" u="none" strike="noStrike" cap="none" dirty="0">
                 <a:solidFill>
                   <a:schemeClr val="lt1"/>
                 </a:solidFill>
@@ -11418,7 +11202,7 @@
               <a:t> </a:t>
             </a:r>
             <a:r>
-              <a:rPr lang="en-US" sz="3000" i="0" u="none" strike="noStrike" cap="none" dirty="0" err="1">
+              <a:rPr lang="en-US" sz="3000" b="1" i="0" u="none" strike="noStrike" cap="none" dirty="0" err="1">
                 <a:solidFill>
                   <a:srgbClr val="00FFFF"/>
                 </a:solidFill>
@@ -11430,7 +11214,7 @@
               <a:t>iter</a:t>
             </a:r>
             <a:r>
-              <a:rPr lang="en-US" sz="3000" i="0" u="none" strike="noStrike" cap="none" dirty="0">
+              <a:rPr lang="en-US" sz="3000" b="1" i="0" u="none" strike="noStrike" cap="none" dirty="0">
                 <a:solidFill>
                   <a:schemeClr val="lt1"/>
                 </a:solidFill>
@@ -11442,7 +11226,7 @@
               <a:t> </a:t>
             </a:r>
             <a:r>
-              <a:rPr lang="en-US" sz="3000" i="0" u="none" strike="noStrike" cap="none" dirty="0">
+              <a:rPr lang="en-US" sz="3000" b="1" i="0" u="none" strike="noStrike" cap="none" dirty="0">
                 <a:solidFill>
                   <a:srgbClr val="FFFF00"/>
                 </a:solidFill>
@@ -11454,7 +11238,7 @@
               <a:t>in</a:t>
             </a:r>
             <a:r>
-              <a:rPr lang="en-US" sz="3000" i="0" u="none" strike="noStrike" cap="none" dirty="0">
+              <a:rPr lang="en-US" sz="3000" b="1" i="0" u="none" strike="noStrike" cap="none" dirty="0">
                 <a:solidFill>
                   <a:schemeClr val="lt1"/>
                 </a:solidFill>
@@ -11466,7 +11250,7 @@
               <a:t> </a:t>
             </a:r>
             <a:r>
-              <a:rPr lang="en-US" sz="3000" i="0" u="none" strike="noStrike" cap="none" dirty="0">
+              <a:rPr lang="en-US" sz="3000" b="1" i="0" u="none" strike="noStrike" cap="none" dirty="0">
                 <a:solidFill>
                   <a:srgbClr val="FF00FF"/>
                 </a:solidFill>
@@ -11478,7 +11262,7 @@
               <a:t>y</a:t>
             </a:r>
             <a:r>
-              <a:rPr lang="en-US" sz="3000" i="0" u="none" strike="noStrike" cap="none" dirty="0">
+              <a:rPr lang="en-US" sz="3000" b="1" i="0" u="none" strike="noStrike" cap="none" dirty="0">
                 <a:solidFill>
                   <a:schemeClr val="lt1"/>
                 </a:solidFill>
@@ -11509,31 +11293,19 @@
               <a:buNone/>
             </a:pPr>
             <a:r>
-              <a:rPr lang="en-US" sz="3000" i="0" u="none" strike="noStrike" cap="none" dirty="0">
-                <a:solidFill>
-                  <a:schemeClr val="lt1"/>
-                </a:solidFill>
-                <a:latin typeface="Courier"/>
-                <a:ea typeface="Courier New"/>
-                <a:cs typeface="Courier"/>
-                <a:sym typeface="Courier New"/>
-              </a:rPr>
-              <a:t>... </a:t>
-            </a:r>
-            <a:r>
-              <a:rPr lang="en-US" sz="3000" i="0" u="none" strike="noStrike" cap="none" dirty="0" smtClean="0">
-                <a:solidFill>
-                  <a:schemeClr val="lt1"/>
-                </a:solidFill>
-                <a:latin typeface="Courier"/>
-                <a:ea typeface="Courier New"/>
-                <a:cs typeface="Courier"/>
-                <a:sym typeface="Courier New"/>
-              </a:rPr>
-              <a:t>    </a:t>
-            </a:r>
-            <a:r>
-              <a:rPr lang="en-US" sz="3000" i="0" u="none" strike="noStrike" cap="none" dirty="0" smtClean="0">
+              <a:rPr lang="en-US" sz="3000" b="1" i="0" u="none" strike="noStrike" cap="none" dirty="0">
+                <a:solidFill>
+                  <a:schemeClr val="lt1"/>
+                </a:solidFill>
+                <a:latin typeface="Courier"/>
+                <a:ea typeface="Courier New"/>
+                <a:cs typeface="Courier"/>
+                <a:sym typeface="Courier New"/>
+              </a:rPr>
+              <a:t>...     </a:t>
+            </a:r>
+            <a:r>
+              <a:rPr lang="en-US" sz="3000" b="1" i="0" u="none" strike="noStrike" cap="none" dirty="0">
                 <a:solidFill>
                   <a:srgbClr val="FFFF00"/>
                 </a:solidFill>
@@ -11545,7 +11317,7 @@
               <a:t>print(</a:t>
             </a:r>
             <a:r>
-              <a:rPr lang="en-US" sz="3000" i="0" u="none" strike="noStrike" cap="none" dirty="0" err="1" smtClean="0">
+              <a:rPr lang="en-US" sz="3000" b="1" i="0" u="none" strike="noStrike" cap="none" dirty="0" err="1">
                 <a:solidFill>
                   <a:srgbClr val="00FFFF"/>
                 </a:solidFill>
@@ -11557,7 +11329,7 @@
               <a:t>iter</a:t>
             </a:r>
             <a:r>
-              <a:rPr lang="en-US" sz="3000" i="0" u="none" strike="noStrike" cap="none" dirty="0" smtClean="0">
+              <a:rPr lang="en-US" sz="3000" b="1" i="0" u="none" strike="noStrike" cap="none" dirty="0">
                 <a:solidFill>
                   <a:srgbClr val="FFFF00"/>
                 </a:solidFill>
@@ -11568,15 +11340,6 @@
               </a:rPr>
               <a:t>)</a:t>
             </a:r>
-            <a:endParaRPr lang="en-US" sz="3000" i="0" u="none" strike="noStrike" cap="none" dirty="0">
-              <a:solidFill>
-                <a:srgbClr val="FFFF00"/>
-              </a:solidFill>
-              <a:latin typeface="Courier"/>
-              <a:ea typeface="Courier New"/>
-              <a:cs typeface="Courier"/>
-              <a:sym typeface="Courier New"/>
-            </a:endParaRPr>
           </a:p>
           <a:p>
             <a:pPr marL="0" marR="0" lvl="0" indent="0" algn="l" rtl="0">
@@ -11597,7 +11360,7 @@
               <a:buNone/>
             </a:pPr>
             <a:r>
-              <a:rPr lang="en-US" sz="3000" i="0" u="none" strike="noStrike" cap="none" dirty="0">
+              <a:rPr lang="en-US" sz="3000" b="1" i="0" u="none" strike="noStrike" cap="none" dirty="0">
                 <a:solidFill>
                   <a:schemeClr val="lt1"/>
                 </a:solidFill>
@@ -11628,7 +11391,7 @@
               <a:buNone/>
             </a:pPr>
             <a:r>
-              <a:rPr lang="en-US" sz="3000" i="0" u="none" strike="noStrike" cap="none" dirty="0">
+              <a:rPr lang="en-US" sz="3000" b="1" i="0" u="none" strike="noStrike" cap="none" dirty="0">
                 <a:solidFill>
                   <a:schemeClr val="lt1"/>
                 </a:solidFill>
@@ -11659,7 +11422,7 @@
               <a:buNone/>
             </a:pPr>
             <a:r>
-              <a:rPr lang="en-US" sz="3000" i="0" u="none" strike="noStrike" cap="none" dirty="0">
+              <a:rPr lang="en-US" sz="3000" b="1" i="0" u="none" strike="noStrike" cap="none" dirty="0">
                 <a:solidFill>
                   <a:schemeClr val="lt1"/>
                 </a:solidFill>
@@ -11690,7 +11453,7 @@
               <a:buNone/>
             </a:pPr>
             <a:r>
-              <a:rPr lang="en-US" sz="3000" i="0" u="none" strike="noStrike" cap="none" dirty="0">
+              <a:rPr lang="en-US" sz="3000" b="1" i="0" u="none" strike="noStrike" cap="none" dirty="0">
                 <a:solidFill>
                   <a:schemeClr val="lt1"/>
                 </a:solidFill>
@@ -11721,7 +11484,7 @@
               <a:buNone/>
             </a:pPr>
             <a:r>
-              <a:rPr lang="en-US" sz="3000" i="0" u="none" strike="noStrike" cap="none" dirty="0">
+              <a:rPr lang="en-US" sz="3000" b="1" i="0" u="none" strike="noStrike" cap="none" dirty="0">
                 <a:solidFill>
                   <a:schemeClr val="lt1"/>
                 </a:solidFill>
@@ -11740,13 +11503,6 @@
   <p:clrMapOvr>
     <a:masterClrMapping/>
   </p:clrMapOvr>
-  <p:timing>
-    <p:tnLst>
-      <p:par>
-        <p:cTn id="1" dur="indefinite" restart="never" nodeType="tmRoot"/>
-      </p:par>
-    </p:tnLst>
-  </p:timing>
 </p:sld>
 </file>
 
@@ -11975,7 +11731,7 @@
               <a:buNone/>
             </a:pPr>
             <a:r>
-              <a:rPr lang="en-US" sz="3000" i="0" u="none" strike="noStrike" cap="none" dirty="0">
+              <a:rPr lang="en-US" sz="3000" b="1" i="0" u="none" strike="noStrike" cap="none" dirty="0">
                 <a:solidFill>
                   <a:schemeClr val="lt1"/>
                 </a:solidFill>
@@ -11987,7 +11743,7 @@
               <a:t>&gt;&gt;&gt; </a:t>
             </a:r>
             <a:r>
-              <a:rPr lang="en-US" sz="3000" i="0" u="none" strike="noStrike" cap="none" dirty="0">
+              <a:rPr lang="en-US" sz="3000" b="1" i="0" u="none" strike="noStrike" cap="none" dirty="0">
                 <a:solidFill>
                   <a:srgbClr val="00FF00"/>
                 </a:solidFill>
@@ -11999,7 +11755,7 @@
               <a:t>x</a:t>
             </a:r>
             <a:r>
-              <a:rPr lang="en-US" sz="3000" i="0" u="none" strike="noStrike" cap="none" dirty="0">
+              <a:rPr lang="en-US" sz="3000" b="1" i="0" u="none" strike="noStrike" cap="none" dirty="0">
                 <a:solidFill>
                   <a:schemeClr val="lt1"/>
                 </a:solidFill>
@@ -12030,7 +11786,7 @@
               <a:buNone/>
             </a:pPr>
             <a:r>
-              <a:rPr lang="en-US" sz="3000" i="0" u="none" strike="noStrike" cap="none" dirty="0">
+              <a:rPr lang="en-US" sz="3000" b="1" i="0" u="none" strike="noStrike" cap="none" dirty="0">
                 <a:solidFill>
                   <a:schemeClr val="lt1"/>
                 </a:solidFill>
@@ -12042,7 +11798,7 @@
               <a:t>&gt;&gt;&gt; </a:t>
             </a:r>
             <a:r>
-              <a:rPr lang="en-US" sz="3000" i="0" u="none" strike="noStrike" cap="none" dirty="0">
+              <a:rPr lang="en-US" sz="3000" b="1" i="0" u="none" strike="noStrike" cap="none" dirty="0">
                 <a:solidFill>
                   <a:srgbClr val="00FF00"/>
                 </a:solidFill>
@@ -12054,7 +11810,7 @@
               <a:t>x</a:t>
             </a:r>
             <a:r>
-              <a:rPr lang="en-US" sz="3000" i="0" u="none" strike="noStrike" cap="none" dirty="0">
+              <a:rPr lang="en-US" sz="3000" b="1" i="0" u="none" strike="noStrike" cap="none" dirty="0">
                 <a:solidFill>
                   <a:srgbClr val="00FFFF"/>
                 </a:solidFill>
@@ -12066,7 +11822,7 @@
               <a:t>[2]</a:t>
             </a:r>
             <a:r>
-              <a:rPr lang="en-US" sz="3000" i="0" u="none" strike="noStrike" cap="none" dirty="0">
+              <a:rPr lang="en-US" sz="3000" b="1" i="0" u="none" strike="noStrike" cap="none" dirty="0">
                 <a:solidFill>
                   <a:schemeClr val="lt1"/>
                 </a:solidFill>
@@ -12086,7 +11842,7 @@
               <a:buSzPct val="25000"/>
             </a:pPr>
             <a:r>
-              <a:rPr lang="en-US" sz="3000" i="0" u="none" strike="noStrike" cap="none" dirty="0">
+              <a:rPr lang="en-US" sz="3000" b="1" i="0" u="none" strike="noStrike" cap="none" dirty="0">
                 <a:solidFill>
                   <a:schemeClr val="lt1"/>
                 </a:solidFill>
@@ -12098,7 +11854,7 @@
               <a:t>&gt;&gt;&gt; </a:t>
             </a:r>
             <a:r>
-              <a:rPr lang="en-US" sz="3000" i="0" u="none" strike="noStrike" cap="none" dirty="0" smtClean="0">
+              <a:rPr lang="en-US" sz="3000" b="1" i="0" u="none" strike="noStrike" cap="none" dirty="0">
                 <a:solidFill>
                   <a:srgbClr val="FFFF00"/>
                 </a:solidFill>
@@ -12110,7 +11866,7 @@
               <a:t>print(</a:t>
             </a:r>
             <a:r>
-              <a:rPr lang="en-US" sz="3000" i="0" u="none" strike="noStrike" cap="none" dirty="0" smtClean="0">
+              <a:rPr lang="en-US" sz="3000" b="1" i="0" u="none" strike="noStrike" cap="none" dirty="0">
                 <a:solidFill>
                   <a:srgbClr val="00FF00"/>
                 </a:solidFill>
@@ -12122,7 +11878,7 @@
               <a:t>x</a:t>
             </a:r>
             <a:r>
-              <a:rPr lang="en-US" sz="3000" dirty="0" smtClean="0">
+              <a:rPr lang="en-US" sz="3000" b="1" dirty="0">
                 <a:solidFill>
                   <a:srgbClr val="FFFF00"/>
                 </a:solidFill>
@@ -12133,7 +11889,7 @@
               </a:rPr>
               <a:t>)</a:t>
             </a:r>
-            <a:endParaRPr lang="en-US" sz="3000" i="0" u="none" strike="noStrike" cap="none" dirty="0">
+            <a:endParaRPr lang="en-US" sz="3000" b="1" i="0" u="none" strike="noStrike" cap="none" dirty="0">
               <a:solidFill>
                 <a:srgbClr val="00FF00"/>
               </a:solidFill>
@@ -12162,7 +11918,7 @@
               <a:buNone/>
             </a:pPr>
             <a:r>
-              <a:rPr lang="en-US" sz="3000" i="0" u="none" strike="noStrike" cap="none" dirty="0">
+              <a:rPr lang="en-US" sz="3000" b="1" i="0" u="none" strike="noStrike" cap="none" dirty="0">
                 <a:solidFill>
                   <a:schemeClr val="lt1"/>
                 </a:solidFill>
@@ -12193,7 +11949,7 @@
               <a:buNone/>
             </a:pPr>
             <a:r>
-              <a:rPr lang="en-US" sz="3000" i="0" u="none" strike="noStrike" cap="none" dirty="0">
+              <a:rPr lang="en-US" sz="3000" b="1" i="0" u="none" strike="noStrike" cap="none" dirty="0">
                 <a:solidFill>
                   <a:schemeClr val="lt1"/>
                 </a:solidFill>
@@ -12250,7 +12006,7 @@
               <a:buNone/>
             </a:pPr>
             <a:r>
-              <a:rPr lang="en-US" sz="3000" i="0" u="none" strike="noStrike" cap="none" dirty="0">
+              <a:rPr lang="en-US" sz="3000" b="1" i="0" u="none" strike="noStrike" cap="none" dirty="0">
                 <a:solidFill>
                   <a:schemeClr val="lt1"/>
                 </a:solidFill>
@@ -12262,7 +12018,7 @@
               <a:t>&gt;&gt;&gt; </a:t>
             </a:r>
             <a:r>
-              <a:rPr lang="en-US" sz="3000" i="0" u="none" strike="noStrike" cap="none" dirty="0">
+              <a:rPr lang="en-US" sz="3000" b="1" i="0" u="none" strike="noStrike" cap="none" dirty="0">
                 <a:solidFill>
                   <a:srgbClr val="00FF00"/>
                 </a:solidFill>
@@ -12274,7 +12030,7 @@
               <a:t>y</a:t>
             </a:r>
             <a:r>
-              <a:rPr lang="en-US" sz="3000" i="0" u="none" strike="noStrike" cap="none" dirty="0">
+              <a:rPr lang="en-US" sz="3000" b="1" i="0" u="none" strike="noStrike" cap="none" dirty="0">
                 <a:solidFill>
                   <a:schemeClr val="lt1"/>
                 </a:solidFill>
@@ -12305,7 +12061,7 @@
               <a:buNone/>
             </a:pPr>
             <a:r>
-              <a:rPr lang="en-US" sz="3000" i="0" u="none" strike="noStrike" cap="none" dirty="0">
+              <a:rPr lang="en-US" sz="3000" b="1" i="0" u="none" strike="noStrike" cap="none" dirty="0">
                 <a:solidFill>
                   <a:schemeClr val="lt1"/>
                 </a:solidFill>
@@ -12317,7 +12073,7 @@
               <a:t>&gt;&gt;&gt; </a:t>
             </a:r>
             <a:r>
-              <a:rPr lang="en-US" sz="3000" i="0" u="none" strike="noStrike" cap="none" dirty="0">
+              <a:rPr lang="en-US" sz="3000" b="1" i="0" u="none" strike="noStrike" cap="none" dirty="0">
                 <a:solidFill>
                   <a:srgbClr val="00FF00"/>
                 </a:solidFill>
@@ -12329,7 +12085,7 @@
               <a:t>y</a:t>
             </a:r>
             <a:r>
-              <a:rPr lang="en-US" sz="3000" i="0" u="none" strike="noStrike" cap="none" dirty="0">
+              <a:rPr lang="en-US" sz="3000" b="1" i="0" u="none" strike="noStrike" cap="none" dirty="0">
                 <a:solidFill>
                   <a:srgbClr val="00FFFF"/>
                 </a:solidFill>
@@ -12341,7 +12097,7 @@
               <a:t>[2]</a:t>
             </a:r>
             <a:r>
-              <a:rPr lang="en-US" sz="3000" i="0" u="none" strike="noStrike" cap="none" dirty="0">
+              <a:rPr lang="en-US" sz="3000" b="1" i="0" u="none" strike="noStrike" cap="none" dirty="0">
                 <a:solidFill>
                   <a:schemeClr val="lt1"/>
                 </a:solidFill>
@@ -12372,7 +12128,7 @@
               <a:buNone/>
             </a:pPr>
             <a:r>
-              <a:rPr lang="en-US" sz="3000" i="0" u="none" strike="noStrike" cap="none" dirty="0" err="1">
+              <a:rPr lang="en-US" sz="3000" b="1" i="0" u="none" strike="noStrike" cap="none" dirty="0" err="1">
                 <a:solidFill>
                   <a:srgbClr val="FF66FF"/>
                 </a:solidFill>
@@ -12384,7 +12140,7 @@
               <a:t>Traceback</a:t>
             </a:r>
             <a:r>
-              <a:rPr lang="en-US" sz="3000" i="0" u="none" strike="noStrike" cap="none" dirty="0">
+              <a:rPr lang="en-US" sz="3000" b="1" i="0" u="none" strike="noStrike" cap="none" dirty="0">
                 <a:solidFill>
                   <a:srgbClr val="FF66FF"/>
                 </a:solidFill>
@@ -12396,7 +12152,7 @@
               <a:t>:'</a:t>
             </a:r>
             <a:r>
-              <a:rPr lang="en-US" sz="3000" i="0" u="none" strike="noStrike" cap="none" dirty="0" err="1">
+              <a:rPr lang="en-US" sz="3000" b="1" i="0" u="none" strike="noStrike" cap="none" dirty="0" err="1">
                 <a:solidFill>
                   <a:srgbClr val="FF66FF"/>
                 </a:solidFill>
@@ -12408,7 +12164,7 @@
               <a:t>str</a:t>
             </a:r>
             <a:r>
-              <a:rPr lang="en-US" sz="3000" i="0" u="none" strike="noStrike" cap="none" dirty="0">
+              <a:rPr lang="en-US" sz="3000" b="1" i="0" u="none" strike="noStrike" cap="none" dirty="0">
                 <a:solidFill>
                   <a:srgbClr val="FF66FF"/>
                 </a:solidFill>
@@ -12439,7 +12195,7 @@
               <a:buNone/>
             </a:pPr>
             <a:r>
-              <a:rPr lang="en-US" sz="3000" i="0" u="none" strike="noStrike" cap="none" dirty="0">
+              <a:rPr lang="en-US" sz="3000" b="1" i="0" u="none" strike="noStrike" cap="none" dirty="0">
                 <a:solidFill>
                   <a:srgbClr val="FF66FF"/>
                 </a:solidFill>
@@ -12451,7 +12207,7 @@
               <a:t>not support </a:t>
             </a:r>
             <a:r>
-              <a:rPr lang="en-US" sz="3000" i="0" u="none" strike="noStrike" cap="none" dirty="0">
+              <a:rPr lang="en-US" sz="3000" b="1" i="0" u="none" strike="noStrike" cap="none" dirty="0">
                 <a:solidFill>
                   <a:srgbClr val="00FFFF"/>
                 </a:solidFill>
@@ -12463,7 +12219,7 @@
               <a:t>item</a:t>
             </a:r>
             <a:r>
-              <a:rPr lang="en-US" sz="3000" i="0" u="none" strike="noStrike" cap="none" dirty="0">
+              <a:rPr lang="en-US" sz="3000" b="1" i="0" u="none" strike="noStrike" cap="none" dirty="0">
                 <a:solidFill>
                   <a:srgbClr val="FF66FF"/>
                 </a:solidFill>
@@ -12494,7 +12250,7 @@
               <a:buNone/>
             </a:pPr>
             <a:r>
-              <a:rPr lang="en-US" sz="3000" i="0" u="none" strike="noStrike" cap="none" dirty="0">
+              <a:rPr lang="en-US" sz="3000" b="1" i="0" u="none" strike="noStrike" cap="none" dirty="0">
                 <a:solidFill>
                   <a:srgbClr val="FF66FF"/>
                 </a:solidFill>
@@ -12525,7 +12281,7 @@
               <a:buNone/>
             </a:pPr>
             <a:r>
-              <a:rPr lang="en-US" sz="3000" i="0" u="none" strike="noStrike" cap="none" dirty="0">
+              <a:rPr lang="en-US" sz="3000" b="1" i="0" u="none" strike="noStrike" cap="none" dirty="0">
                 <a:solidFill>
                   <a:schemeClr val="lt1"/>
                 </a:solidFill>
@@ -12582,7 +12338,7 @@
               <a:buNone/>
             </a:pPr>
             <a:r>
-              <a:rPr lang="en-US" sz="3000" i="0" u="none" strike="noStrike" cap="none" dirty="0">
+              <a:rPr lang="en-US" sz="3000" b="1" i="0" u="none" strike="noStrike" cap="none" dirty="0">
                 <a:solidFill>
                   <a:schemeClr val="lt1"/>
                 </a:solidFill>
@@ -12594,7 +12350,7 @@
               <a:t>&gt;&gt;&gt; </a:t>
             </a:r>
             <a:r>
-              <a:rPr lang="en-US" sz="3000" i="0" u="none" strike="noStrike" cap="none" dirty="0">
+              <a:rPr lang="en-US" sz="3000" b="1" i="0" u="none" strike="noStrike" cap="none" dirty="0">
                 <a:solidFill>
                   <a:srgbClr val="00FF00"/>
                 </a:solidFill>
@@ -12606,7 +12362,7 @@
               <a:t>z</a:t>
             </a:r>
             <a:r>
-              <a:rPr lang="en-US" sz="3000" i="0" u="none" strike="noStrike" cap="none" dirty="0">
+              <a:rPr lang="en-US" sz="3000" b="1" i="0" u="none" strike="noStrike" cap="none" dirty="0">
                 <a:solidFill>
                   <a:schemeClr val="lt1"/>
                 </a:solidFill>
@@ -12637,7 +12393,7 @@
               <a:buNone/>
             </a:pPr>
             <a:r>
-              <a:rPr lang="en-US" sz="3000" i="0" u="none" strike="noStrike" cap="none" dirty="0">
+              <a:rPr lang="en-US" sz="3000" b="1" i="0" u="none" strike="noStrike" cap="none" dirty="0">
                 <a:solidFill>
                   <a:schemeClr val="lt1"/>
                 </a:solidFill>
@@ -12649,7 +12405,7 @@
               <a:t>&gt;&gt;&gt; </a:t>
             </a:r>
             <a:r>
-              <a:rPr lang="en-US" sz="3000" i="0" u="none" strike="noStrike" cap="none" dirty="0">
+              <a:rPr lang="en-US" sz="3000" b="1" i="0" u="none" strike="noStrike" cap="none" dirty="0">
                 <a:solidFill>
                   <a:srgbClr val="00FF00"/>
                 </a:solidFill>
@@ -12661,7 +12417,7 @@
               <a:t>z</a:t>
             </a:r>
             <a:r>
-              <a:rPr lang="en-US" sz="3000" i="0" u="none" strike="noStrike" cap="none" dirty="0">
+              <a:rPr lang="en-US" sz="3000" b="1" i="0" u="none" strike="noStrike" cap="none" dirty="0">
                 <a:solidFill>
                   <a:srgbClr val="00FFFF"/>
                 </a:solidFill>
@@ -12673,7 +12429,7 @@
               <a:t>[2]</a:t>
             </a:r>
             <a:r>
-              <a:rPr lang="en-US" sz="3000" i="0" u="none" strike="noStrike" cap="none" dirty="0">
+              <a:rPr lang="en-US" sz="3000" b="1" i="0" u="none" strike="noStrike" cap="none" dirty="0">
                 <a:solidFill>
                   <a:schemeClr val="lt1"/>
                 </a:solidFill>
@@ -12704,7 +12460,7 @@
               <a:buNone/>
             </a:pPr>
             <a:r>
-              <a:rPr lang="en-US" sz="3000" i="0" u="none" strike="noStrike" cap="none" dirty="0" err="1">
+              <a:rPr lang="en-US" sz="3000" b="1" i="0" u="none" strike="noStrike" cap="none" dirty="0" err="1">
                 <a:solidFill>
                   <a:srgbClr val="FF66FF"/>
                 </a:solidFill>
@@ -12716,7 +12472,7 @@
               <a:t>Traceback</a:t>
             </a:r>
             <a:r>
-              <a:rPr lang="en-US" sz="3000" i="0" u="none" strike="noStrike" cap="none" dirty="0">
+              <a:rPr lang="en-US" sz="3000" b="1" i="0" u="none" strike="noStrike" cap="none" dirty="0">
                 <a:solidFill>
                   <a:srgbClr val="FF66FF"/>
                 </a:solidFill>
@@ -12747,7 +12503,7 @@
               <a:buNone/>
             </a:pPr>
             <a:r>
-              <a:rPr lang="en-US" sz="3000" i="0" u="none" strike="noStrike" cap="none" dirty="0">
+              <a:rPr lang="en-US" sz="3000" b="1" i="0" u="none" strike="noStrike" cap="none" dirty="0">
                 <a:solidFill>
                   <a:srgbClr val="FF66FF"/>
                 </a:solidFill>
@@ -12759,7 +12515,7 @@
               <a:t>not support </a:t>
             </a:r>
             <a:r>
-              <a:rPr lang="en-US" sz="3000" i="0" u="none" strike="noStrike" cap="none" dirty="0">
+              <a:rPr lang="en-US" sz="3000" b="1" i="0" u="none" strike="noStrike" cap="none" dirty="0">
                 <a:solidFill>
                   <a:srgbClr val="00FFFF"/>
                 </a:solidFill>
@@ -12771,7 +12527,7 @@
               <a:t>item</a:t>
             </a:r>
             <a:r>
-              <a:rPr lang="en-US" sz="3000" i="0" u="none" strike="noStrike" cap="none" dirty="0">
+              <a:rPr lang="en-US" sz="3000" b="1" i="0" u="none" strike="noStrike" cap="none" dirty="0">
                 <a:solidFill>
                   <a:srgbClr val="FF66FF"/>
                 </a:solidFill>
@@ -12802,7 +12558,7 @@
               <a:buNone/>
             </a:pPr>
             <a:r>
-              <a:rPr lang="en-US" sz="3000" i="0" u="none" strike="noStrike" cap="none" dirty="0">
+              <a:rPr lang="en-US" sz="3000" b="1" i="0" u="none" strike="noStrike" cap="none" dirty="0">
                 <a:solidFill>
                   <a:srgbClr val="FF66FF"/>
                 </a:solidFill>
@@ -12833,7 +12589,7 @@
               <a:buNone/>
             </a:pPr>
             <a:r>
-              <a:rPr lang="en-US" sz="3000" i="0" u="none" strike="noStrike" cap="none" dirty="0">
+              <a:rPr lang="en-US" sz="3000" b="1" i="0" u="none" strike="noStrike" cap="none" dirty="0">
                 <a:solidFill>
                   <a:schemeClr val="lt1"/>
                 </a:solidFill>
@@ -12852,13 +12608,6 @@
   <p:clrMapOvr>
     <a:masterClrMapping/>
   </p:clrMapOvr>
-  <p:timing>
-    <p:tnLst>
-      <p:par>
-        <p:cTn id="1" dur="indefinite" restart="never" nodeType="tmRoot"/>
-      </p:par>
-    </p:tnLst>
-  </p:timing>
 </p:sld>
 </file>
 
@@ -13027,7 +12776,7 @@
               <a:buNone/>
             </a:pPr>
             <a:r>
-              <a:rPr lang="en-US" sz="3000" i="0" u="none" strike="noStrike" cap="none" dirty="0">
+              <a:rPr lang="en-US" sz="3000" b="1" i="0" u="none" strike="noStrike" cap="none" dirty="0">
                 <a:solidFill>
                   <a:schemeClr val="lt1"/>
                 </a:solidFill>
@@ -13039,7 +12788,7 @@
               <a:t>&gt;&gt;&gt; </a:t>
             </a:r>
             <a:r>
-              <a:rPr lang="en-US" sz="3000" i="0" u="none" strike="noStrike" cap="none" dirty="0">
+              <a:rPr lang="en-US" sz="3000" b="1" i="0" u="none" strike="noStrike" cap="none" dirty="0">
                 <a:solidFill>
                   <a:srgbClr val="00FF00"/>
                 </a:solidFill>
@@ -13051,7 +12800,7 @@
               <a:t>x</a:t>
             </a:r>
             <a:r>
-              <a:rPr lang="en-US" sz="3000" i="0" u="none" strike="noStrike" cap="none" dirty="0">
+              <a:rPr lang="en-US" sz="3000" b="1" i="0" u="none" strike="noStrike" cap="none" dirty="0">
                 <a:solidFill>
                   <a:schemeClr val="lt1"/>
                 </a:solidFill>
@@ -13063,7 +12812,7 @@
               <a:t> = </a:t>
             </a:r>
             <a:r>
-              <a:rPr lang="en-US" sz="3000" i="0" u="none" strike="noStrike" cap="none" dirty="0">
+              <a:rPr lang="en-US" sz="3000" b="1" i="0" u="none" strike="noStrike" cap="none" dirty="0">
                 <a:solidFill>
                   <a:srgbClr val="FF7F00"/>
                 </a:solidFill>
@@ -13094,7 +12843,7 @@
               <a:buNone/>
             </a:pPr>
             <a:r>
-              <a:rPr lang="en-US" sz="3000" i="0" u="none" strike="noStrike" cap="none" dirty="0">
+              <a:rPr lang="en-US" sz="3000" b="1" i="0" u="none" strike="noStrike" cap="none" dirty="0">
                 <a:solidFill>
                   <a:schemeClr val="lt1"/>
                 </a:solidFill>
@@ -13106,7 +12855,7 @@
               <a:t>&gt;&gt;&gt; </a:t>
             </a:r>
             <a:r>
-              <a:rPr lang="en-US" sz="3000" i="0" u="none" strike="noStrike" cap="none" dirty="0" err="1">
+              <a:rPr lang="en-US" sz="3000" b="1" i="0" u="none" strike="noStrike" cap="none" dirty="0" err="1">
                 <a:solidFill>
                   <a:srgbClr val="00FF00"/>
                 </a:solidFill>
@@ -13118,7 +12867,7 @@
               <a:t>x</a:t>
             </a:r>
             <a:r>
-              <a:rPr lang="en-US" sz="3000" i="0" u="none" strike="noStrike" cap="none" dirty="0" err="1">
+              <a:rPr lang="en-US" sz="3000" b="1" i="0" u="none" strike="noStrike" cap="none" dirty="0" err="1">
                 <a:solidFill>
                   <a:srgbClr val="FF00FF"/>
                 </a:solidFill>
@@ -13130,7 +12879,7 @@
               <a:t>.sort</a:t>
             </a:r>
             <a:r>
-              <a:rPr lang="en-US" sz="3000" i="0" u="none" strike="noStrike" cap="none" dirty="0">
+              <a:rPr lang="en-US" sz="3000" b="1" i="0" u="none" strike="noStrike" cap="none" dirty="0">
                 <a:solidFill>
                   <a:schemeClr val="lt1"/>
                 </a:solidFill>
@@ -13161,7 +12910,7 @@
               <a:buNone/>
             </a:pPr>
             <a:r>
-              <a:rPr lang="en-US" sz="3000" i="0" u="none" strike="noStrike" cap="none" dirty="0" err="1">
+              <a:rPr lang="en-US" sz="3000" b="1" i="0" u="none" strike="noStrike" cap="none" dirty="0" err="1">
                 <a:solidFill>
                   <a:srgbClr val="FF66FF"/>
                 </a:solidFill>
@@ -13173,7 +12922,7 @@
               <a:t>Traceback</a:t>
             </a:r>
             <a:r>
-              <a:rPr lang="en-US" sz="3000" i="0" u="none" strike="noStrike" cap="none" dirty="0">
+              <a:rPr lang="en-US" sz="3000" b="1" i="0" u="none" strike="noStrike" cap="none" dirty="0">
                 <a:solidFill>
                   <a:srgbClr val="FF66FF"/>
                 </a:solidFill>
@@ -13204,7 +12953,7 @@
               <a:buNone/>
             </a:pPr>
             <a:r>
-              <a:rPr lang="en-US" sz="3000" i="0" u="none" strike="noStrike" cap="none" dirty="0" err="1">
+              <a:rPr lang="en-US" sz="3000" b="1" i="0" u="none" strike="noStrike" cap="none" dirty="0" err="1">
                 <a:solidFill>
                   <a:srgbClr val="FF66FF"/>
                 </a:solidFill>
@@ -13216,7 +12965,7 @@
               <a:t>AttributeError</a:t>
             </a:r>
             <a:r>
-              <a:rPr lang="en-US" sz="3000" i="0" u="none" strike="noStrike" cap="none" dirty="0">
+              <a:rPr lang="en-US" sz="3000" b="1" i="0" u="none" strike="noStrike" cap="none" dirty="0">
                 <a:solidFill>
                   <a:srgbClr val="FF66FF"/>
                 </a:solidFill>
@@ -13247,7 +12996,7 @@
               <a:buNone/>
             </a:pPr>
             <a:r>
-              <a:rPr lang="en-US" sz="3000" i="0" u="none" strike="noStrike" cap="none" dirty="0">
+              <a:rPr lang="en-US" sz="3000" b="1" i="0" u="none" strike="noStrike" cap="none" dirty="0">
                 <a:solidFill>
                   <a:schemeClr val="lt1"/>
                 </a:solidFill>
@@ -13259,7 +13008,7 @@
               <a:t>&gt;&gt;&gt; </a:t>
             </a:r>
             <a:r>
-              <a:rPr lang="en-US" sz="3000" i="0" u="none" strike="noStrike" cap="none" dirty="0" err="1">
+              <a:rPr lang="en-US" sz="3000" b="1" i="0" u="none" strike="noStrike" cap="none" dirty="0" err="1">
                 <a:solidFill>
                   <a:srgbClr val="00FF00"/>
                 </a:solidFill>
@@ -13271,7 +13020,7 @@
               <a:t>x</a:t>
             </a:r>
             <a:r>
-              <a:rPr lang="en-US" sz="3000" i="0" u="none" strike="noStrike" cap="none" dirty="0" err="1">
+              <a:rPr lang="en-US" sz="3000" b="1" i="0" u="none" strike="noStrike" cap="none" dirty="0" err="1">
                 <a:solidFill>
                   <a:srgbClr val="FF00FF"/>
                 </a:solidFill>
@@ -13283,7 +13032,7 @@
               <a:t>.append</a:t>
             </a:r>
             <a:r>
-              <a:rPr lang="en-US" sz="3000" i="0" u="none" strike="noStrike" cap="none" dirty="0">
+              <a:rPr lang="en-US" sz="3000" b="1" i="0" u="none" strike="noStrike" cap="none" dirty="0">
                 <a:solidFill>
                   <a:schemeClr val="lt1"/>
                 </a:solidFill>
@@ -13314,7 +13063,7 @@
               <a:buNone/>
             </a:pPr>
             <a:r>
-              <a:rPr lang="en-US" sz="3000" i="0" u="none" strike="noStrike" cap="none" dirty="0" err="1">
+              <a:rPr lang="en-US" sz="3000" b="1" i="0" u="none" strike="noStrike" cap="none" dirty="0" err="1">
                 <a:solidFill>
                   <a:srgbClr val="FF66FF"/>
                 </a:solidFill>
@@ -13326,7 +13075,7 @@
               <a:t>Traceback</a:t>
             </a:r>
             <a:r>
-              <a:rPr lang="en-US" sz="3000" i="0" u="none" strike="noStrike" cap="none" dirty="0">
+              <a:rPr lang="en-US" sz="3000" b="1" i="0" u="none" strike="noStrike" cap="none" dirty="0">
                 <a:solidFill>
                   <a:srgbClr val="FF66FF"/>
                 </a:solidFill>
@@ -13357,7 +13106,7 @@
               <a:buNone/>
             </a:pPr>
             <a:r>
-              <a:rPr lang="en-US" sz="3000" i="0" u="none" strike="noStrike" cap="none" dirty="0" err="1">
+              <a:rPr lang="en-US" sz="3000" b="1" i="0" u="none" strike="noStrike" cap="none" dirty="0" err="1">
                 <a:solidFill>
                   <a:srgbClr val="FF66FF"/>
                 </a:solidFill>
@@ -13369,7 +13118,7 @@
               <a:t>AttributeError</a:t>
             </a:r>
             <a:r>
-              <a:rPr lang="en-US" sz="3000" i="0" u="none" strike="noStrike" cap="none" dirty="0">
+              <a:rPr lang="en-US" sz="3000" b="1" i="0" u="none" strike="noStrike" cap="none" dirty="0">
                 <a:solidFill>
                   <a:srgbClr val="FF66FF"/>
                 </a:solidFill>
@@ -13400,7 +13149,7 @@
               <a:buNone/>
             </a:pPr>
             <a:r>
-              <a:rPr lang="en-US" sz="3000" i="0" u="none" strike="noStrike" cap="none" dirty="0">
+              <a:rPr lang="en-US" sz="3000" b="1" i="0" u="none" strike="noStrike" cap="none" dirty="0">
                 <a:solidFill>
                   <a:schemeClr val="lt1"/>
                 </a:solidFill>
@@ -13412,7 +13161,7 @@
               <a:t>&gt;&gt;&gt; </a:t>
             </a:r>
             <a:r>
-              <a:rPr lang="en-US" sz="3000" i="0" u="none" strike="noStrike" cap="none" dirty="0" err="1">
+              <a:rPr lang="en-US" sz="3000" b="1" i="0" u="none" strike="noStrike" cap="none" dirty="0" err="1">
                 <a:solidFill>
                   <a:srgbClr val="00FF00"/>
                 </a:solidFill>
@@ -13424,7 +13173,7 @@
               <a:t>x</a:t>
             </a:r>
             <a:r>
-              <a:rPr lang="en-US" sz="3000" i="0" u="none" strike="noStrike" cap="none" dirty="0" err="1">
+              <a:rPr lang="en-US" sz="3000" b="1" i="0" u="none" strike="noStrike" cap="none" dirty="0" err="1">
                 <a:solidFill>
                   <a:srgbClr val="FF00FF"/>
                 </a:solidFill>
@@ -13436,7 +13185,7 @@
               <a:t>.reverse</a:t>
             </a:r>
             <a:r>
-              <a:rPr lang="en-US" sz="3000" i="0" u="none" strike="noStrike" cap="none" dirty="0">
+              <a:rPr lang="en-US" sz="3000" b="1" i="0" u="none" strike="noStrike" cap="none" dirty="0">
                 <a:solidFill>
                   <a:schemeClr val="lt1"/>
                 </a:solidFill>
@@ -13467,7 +13216,7 @@
               <a:buNone/>
             </a:pPr>
             <a:r>
-              <a:rPr lang="en-US" sz="3000" i="0" u="none" strike="noStrike" cap="none" dirty="0" err="1">
+              <a:rPr lang="en-US" sz="3000" b="1" i="0" u="none" strike="noStrike" cap="none" dirty="0" err="1">
                 <a:solidFill>
                   <a:srgbClr val="FF66FF"/>
                 </a:solidFill>
@@ -13479,7 +13228,7 @@
               <a:t>Traceback</a:t>
             </a:r>
             <a:r>
-              <a:rPr lang="en-US" sz="3000" i="0" u="none" strike="noStrike" cap="none" dirty="0">
+              <a:rPr lang="en-US" sz="3000" b="1" i="0" u="none" strike="noStrike" cap="none" dirty="0">
                 <a:solidFill>
                   <a:srgbClr val="FF66FF"/>
                 </a:solidFill>
@@ -13510,7 +13259,7 @@
               <a:buNone/>
             </a:pPr>
             <a:r>
-              <a:rPr lang="en-US" sz="3000" i="0" u="none" strike="noStrike" cap="none" dirty="0" err="1">
+              <a:rPr lang="en-US" sz="3000" b="1" i="0" u="none" strike="noStrike" cap="none" dirty="0" err="1">
                 <a:solidFill>
                   <a:srgbClr val="FF66FF"/>
                 </a:solidFill>
@@ -13522,7 +13271,7 @@
               <a:t>AttributeError</a:t>
             </a:r>
             <a:r>
-              <a:rPr lang="en-US" sz="3000" i="0" u="none" strike="noStrike" cap="none" dirty="0">
+              <a:rPr lang="en-US" sz="3000" b="1" i="0" u="none" strike="noStrike" cap="none" dirty="0">
                 <a:solidFill>
                   <a:srgbClr val="FF66FF"/>
                 </a:solidFill>
@@ -13553,7 +13302,7 @@
               <a:buNone/>
             </a:pPr>
             <a:r>
-              <a:rPr lang="en-US" sz="3000" i="0" u="none" strike="noStrike" cap="none" dirty="0">
+              <a:rPr lang="en-US" sz="3000" b="1" i="0" u="none" strike="noStrike" cap="none" dirty="0">
                 <a:solidFill>
                   <a:schemeClr val="lt1"/>
                 </a:solidFill>
@@ -13572,13 +13321,6 @@
   <p:clrMapOvr>
     <a:masterClrMapping/>
   </p:clrMapOvr>
-  <p:timing>
-    <p:tnLst>
-      <p:par>
-        <p:cTn id="1" dur="indefinite" restart="never" nodeType="tmRoot"/>
-      </p:par>
-    </p:tnLst>
-  </p:timing>
 </p:sld>
 </file>
 
@@ -13699,7 +13441,7 @@
               <a:buNone/>
             </a:pPr>
             <a:r>
-              <a:rPr lang="en-US" sz="3000" i="0" u="none" strike="noStrike" cap="none" dirty="0">
+              <a:rPr lang="en-US" sz="3000" b="1" i="0" u="none" strike="noStrike" cap="none" dirty="0">
                 <a:solidFill>
                   <a:schemeClr val="lt1"/>
                 </a:solidFill>
@@ -13711,7 +13453,7 @@
               <a:t>&gt;&gt;&gt; </a:t>
             </a:r>
             <a:r>
-              <a:rPr lang="en-US" sz="3000" i="0" u="none" strike="noStrike" cap="none" dirty="0">
+              <a:rPr lang="en-US" sz="3000" b="1" i="0" u="none" strike="noStrike" cap="none" dirty="0">
                 <a:solidFill>
                   <a:srgbClr val="00FF00"/>
                 </a:solidFill>
@@ -13723,7 +13465,7 @@
               <a:t>l</a:t>
             </a:r>
             <a:r>
-              <a:rPr lang="en-US" sz="3000" i="0" u="none" strike="noStrike" cap="none" dirty="0">
+              <a:rPr lang="en-US" sz="3000" b="1" i="0" u="none" strike="noStrike" cap="none" dirty="0">
                 <a:solidFill>
                   <a:schemeClr val="lt1"/>
                 </a:solidFill>
@@ -13735,7 +13477,7 @@
               <a:t> = </a:t>
             </a:r>
             <a:r>
-              <a:rPr lang="en-US" sz="3000" i="0" u="none" strike="noStrike" cap="none" dirty="0">
+              <a:rPr lang="en-US" sz="3000" b="1" i="0" u="none" strike="noStrike" cap="none" dirty="0">
                 <a:solidFill>
                   <a:srgbClr val="FF00FF"/>
                 </a:solidFill>
@@ -13747,7 +13489,7 @@
               <a:t>list</a:t>
             </a:r>
             <a:r>
-              <a:rPr lang="en-US" sz="3000" i="0" u="none" strike="noStrike" cap="none" dirty="0">
+              <a:rPr lang="en-US" sz="3000" b="1" i="0" u="none" strike="noStrike" cap="none" dirty="0">
                 <a:solidFill>
                   <a:schemeClr val="lt1"/>
                 </a:solidFill>
@@ -13778,7 +13520,7 @@
               <a:buNone/>
             </a:pPr>
             <a:r>
-              <a:rPr lang="en-US" sz="3000" i="0" u="none" strike="noStrike" cap="none" dirty="0">
+              <a:rPr lang="en-US" sz="3000" b="1" i="0" u="none" strike="noStrike" cap="none" dirty="0">
                 <a:solidFill>
                   <a:schemeClr val="lt1"/>
                 </a:solidFill>
@@ -13790,7 +13532,7 @@
               <a:t>&gt;&gt;&gt; </a:t>
             </a:r>
             <a:r>
-              <a:rPr lang="en-US" sz="3000" i="0" u="none" strike="noStrike" cap="none" dirty="0" err="1">
+              <a:rPr lang="en-US" sz="3000" b="1" i="0" u="none" strike="noStrike" cap="none" dirty="0" err="1">
                 <a:solidFill>
                   <a:srgbClr val="FF00FF"/>
                 </a:solidFill>
@@ -13802,7 +13544,7 @@
               <a:t>dir</a:t>
             </a:r>
             <a:r>
-              <a:rPr lang="en-US" sz="3000" i="0" u="none" strike="noStrike" cap="none" dirty="0">
+              <a:rPr lang="en-US" sz="3000" b="1" i="0" u="none" strike="noStrike" cap="none" dirty="0">
                 <a:solidFill>
                   <a:schemeClr val="lt1"/>
                 </a:solidFill>
@@ -13814,7 +13556,7 @@
               <a:t>(</a:t>
             </a:r>
             <a:r>
-              <a:rPr lang="en-US" sz="3000" i="0" u="none" strike="noStrike" cap="none" dirty="0">
+              <a:rPr lang="en-US" sz="3000" b="1" i="0" u="none" strike="noStrike" cap="none" dirty="0">
                 <a:solidFill>
                   <a:srgbClr val="00FF00"/>
                 </a:solidFill>
@@ -13826,7 +13568,7 @@
               <a:t>l</a:t>
             </a:r>
             <a:r>
-              <a:rPr lang="en-US" sz="3000" i="0" u="none" strike="noStrike" cap="none" dirty="0">
+              <a:rPr lang="en-US" sz="3000" b="1" i="0" u="none" strike="noStrike" cap="none" dirty="0">
                 <a:solidFill>
                   <a:schemeClr val="lt1"/>
                 </a:solidFill>
@@ -13857,7 +13599,7 @@
               <a:buNone/>
             </a:pPr>
             <a:r>
-              <a:rPr lang="en-US" sz="3000" i="0" u="none" strike="noStrike" cap="none" dirty="0">
+              <a:rPr lang="en-US" sz="3000" b="1" i="0" u="none" strike="noStrike" cap="none" dirty="0">
                 <a:solidFill>
                   <a:schemeClr val="lt1"/>
                 </a:solidFill>
@@ -13886,7 +13628,7 @@
               <a:buFont typeface="Arial"/>
               <a:buNone/>
             </a:pPr>
-            <a:endParaRPr sz="3000" i="0" u="none" strike="noStrike" cap="none" dirty="0">
+            <a:endParaRPr sz="3000" b="1" i="0" u="none" strike="noStrike" cap="none" dirty="0">
               <a:solidFill>
                 <a:schemeClr val="lt1"/>
               </a:solidFill>
@@ -13915,7 +13657,7 @@
               <a:buNone/>
             </a:pPr>
             <a:r>
-              <a:rPr lang="en-US" sz="3000" i="0" u="none" strike="noStrike" cap="none" dirty="0">
+              <a:rPr lang="en-US" sz="3000" b="1" i="0" u="none" strike="noStrike" cap="none" dirty="0">
                 <a:solidFill>
                   <a:schemeClr val="lt1"/>
                 </a:solidFill>
@@ -13927,7 +13669,7 @@
               <a:t>&gt;&gt;&gt; </a:t>
             </a:r>
             <a:r>
-              <a:rPr lang="en-US" sz="3000" i="0" u="none" strike="noStrike" cap="none" dirty="0">
+              <a:rPr lang="en-US" sz="3000" b="1" i="0" u="none" strike="noStrike" cap="none" dirty="0">
                 <a:solidFill>
                   <a:srgbClr val="00FF00"/>
                 </a:solidFill>
@@ -13939,7 +13681,7 @@
               <a:t>t</a:t>
             </a:r>
             <a:r>
-              <a:rPr lang="en-US" sz="3000" i="0" u="none" strike="noStrike" cap="none" dirty="0">
+              <a:rPr lang="en-US" sz="3000" b="1" i="0" u="none" strike="noStrike" cap="none" dirty="0">
                 <a:solidFill>
                   <a:schemeClr val="lt1"/>
                 </a:solidFill>
@@ -13951,7 +13693,7 @@
               <a:t> = </a:t>
             </a:r>
             <a:r>
-              <a:rPr lang="en-US" sz="3000" i="0" u="none" strike="noStrike" cap="none" dirty="0">
+              <a:rPr lang="en-US" sz="3000" b="1" i="0" u="none" strike="noStrike" cap="none" dirty="0">
                 <a:solidFill>
                   <a:srgbClr val="FF00FF"/>
                 </a:solidFill>
@@ -13963,7 +13705,7 @@
               <a:t>tuple</a:t>
             </a:r>
             <a:r>
-              <a:rPr lang="en-US" sz="3000" i="0" u="none" strike="noStrike" cap="none" dirty="0">
+              <a:rPr lang="en-US" sz="3000" b="1" i="0" u="none" strike="noStrike" cap="none" dirty="0">
                 <a:solidFill>
                   <a:schemeClr val="lt1"/>
                 </a:solidFill>
@@ -13994,7 +13736,7 @@
               <a:buNone/>
             </a:pPr>
             <a:r>
-              <a:rPr lang="en-US" sz="3000" i="0" u="none" strike="noStrike" cap="none" dirty="0">
+              <a:rPr lang="en-US" sz="3000" b="1" i="0" u="none" strike="noStrike" cap="none" dirty="0">
                 <a:solidFill>
                   <a:schemeClr val="lt1"/>
                 </a:solidFill>
@@ -14006,7 +13748,7 @@
               <a:t>&gt;&gt;&gt; </a:t>
             </a:r>
             <a:r>
-              <a:rPr lang="en-US" sz="3000" i="0" u="none" strike="noStrike" cap="none" dirty="0" err="1">
+              <a:rPr lang="en-US" sz="3000" b="1" i="0" u="none" strike="noStrike" cap="none" dirty="0" err="1">
                 <a:solidFill>
                   <a:srgbClr val="FF00FF"/>
                 </a:solidFill>
@@ -14018,7 +13760,7 @@
               <a:t>dir</a:t>
             </a:r>
             <a:r>
-              <a:rPr lang="en-US" sz="3000" i="0" u="none" strike="noStrike" cap="none" dirty="0">
+              <a:rPr lang="en-US" sz="3000" b="1" i="0" u="none" strike="noStrike" cap="none" dirty="0">
                 <a:solidFill>
                   <a:schemeClr val="lt1"/>
                 </a:solidFill>
@@ -14030,7 +13772,7 @@
               <a:t>(</a:t>
             </a:r>
             <a:r>
-              <a:rPr lang="en-US" sz="3000" i="0" u="none" strike="noStrike" cap="none" dirty="0">
+              <a:rPr lang="en-US" sz="3000" b="1" i="0" u="none" strike="noStrike" cap="none" dirty="0">
                 <a:solidFill>
                   <a:srgbClr val="00FF00"/>
                 </a:solidFill>
@@ -14042,7 +13784,7 @@
               <a:t>t</a:t>
             </a:r>
             <a:r>
-              <a:rPr lang="en-US" sz="3000" i="0" u="none" strike="noStrike" cap="none" dirty="0">
+              <a:rPr lang="en-US" sz="3000" b="1" i="0" u="none" strike="noStrike" cap="none" dirty="0">
                 <a:solidFill>
                   <a:schemeClr val="lt1"/>
                 </a:solidFill>
@@ -14073,7 +13815,7 @@
               <a:buNone/>
             </a:pPr>
             <a:r>
-              <a:rPr lang="en-US" sz="3000" i="0" u="none" strike="noStrike" cap="none" dirty="0">
+              <a:rPr lang="en-US" sz="3000" b="1" i="0" u="none" strike="noStrike" cap="none" dirty="0">
                 <a:solidFill>
                   <a:schemeClr val="lt1"/>
                 </a:solidFill>
@@ -14092,13 +13834,6 @@
   <p:clrMapOvr>
     <a:masterClrMapping/>
   </p:clrMapOvr>
-  <p:timing>
-    <p:tnLst>
-      <p:par>
-        <p:cTn id="1" dur="indefinite" restart="never" nodeType="tmRoot"/>
-      </p:par>
-    </p:tnLst>
-  </p:timing>
 </p:sld>
 </file>
 
@@ -14277,13 +14012,6 @@
   <p:clrMapOvr>
     <a:masterClrMapping/>
   </p:clrMapOvr>
-  <p:timing>
-    <p:tnLst>
-      <p:par>
-        <p:cTn id="1" dur="indefinite" restart="never" nodeType="tmRoot"/>
-      </p:par>
-    </p:tnLst>
-  </p:timing>
 </p:sld>
 </file>
 
@@ -14544,7 +14272,7 @@
               <a:buNone/>
             </a:pPr>
             <a:r>
-              <a:rPr lang="en-US" sz="3300" i="0" u="none" strike="noStrike" cap="none" dirty="0">
+              <a:rPr lang="en-US" sz="3300" b="1" i="0" u="none" strike="noStrike" cap="none" dirty="0">
                 <a:solidFill>
                   <a:schemeClr val="lt1"/>
                 </a:solidFill>
@@ -14556,7 +14284,7 @@
               <a:t>&gt;&gt;&gt; </a:t>
             </a:r>
             <a:r>
-              <a:rPr lang="en-US" sz="3300" i="0" u="none" strike="noStrike" cap="none" dirty="0">
+              <a:rPr lang="en-US" sz="3300" b="1" i="0" u="none" strike="noStrike" cap="none" dirty="0">
                 <a:solidFill>
                   <a:srgbClr val="FF7F00"/>
                 </a:solidFill>
@@ -14568,7 +14296,7 @@
               <a:t>(x, y)</a:t>
             </a:r>
             <a:r>
-              <a:rPr lang="en-US" sz="3300" i="0" u="none" strike="noStrike" cap="none" dirty="0">
+              <a:rPr lang="en-US" sz="3300" b="1" i="0" u="none" strike="noStrike" cap="none" dirty="0">
                 <a:solidFill>
                   <a:schemeClr val="lt1"/>
                 </a:solidFill>
@@ -14580,7 +14308,7 @@
               <a:t> = </a:t>
             </a:r>
             <a:r>
-              <a:rPr lang="en-US" sz="3300" i="0" u="none" strike="noStrike" cap="none" dirty="0">
+              <a:rPr lang="en-US" sz="3300" b="1" i="0" u="none" strike="noStrike" cap="none" dirty="0">
                 <a:solidFill>
                   <a:srgbClr val="FF7F00"/>
                 </a:solidFill>
@@ -14592,7 +14320,7 @@
               <a:t>(4, '</a:t>
             </a:r>
             <a:r>
-              <a:rPr lang="en-US" sz="3300" i="0" u="none" strike="noStrike" cap="none" dirty="0" err="1">
+              <a:rPr lang="en-US" sz="3300" b="1" i="0" u="none" strike="noStrike" cap="none" dirty="0" err="1">
                 <a:solidFill>
                   <a:srgbClr val="FF7F00"/>
                 </a:solidFill>
@@ -14604,7 +14332,7 @@
               <a:t>fred</a:t>
             </a:r>
             <a:r>
-              <a:rPr lang="en-US" sz="3300" i="0" u="none" strike="noStrike" cap="none" dirty="0">
+              <a:rPr lang="en-US" sz="3300" b="1" i="0" u="none" strike="noStrike" cap="none" dirty="0">
                 <a:solidFill>
                   <a:srgbClr val="FF7F00"/>
                 </a:solidFill>
@@ -14624,7 +14352,7 @@
               <a:buSzPct val="25000"/>
             </a:pPr>
             <a:r>
-              <a:rPr lang="en-US" sz="3300" i="0" u="none" strike="noStrike" cap="none" dirty="0">
+              <a:rPr lang="en-US" sz="3300" b="1" i="0" u="none" strike="noStrike" cap="none" dirty="0">
                 <a:solidFill>
                   <a:schemeClr val="lt1"/>
                 </a:solidFill>
@@ -14636,7 +14364,7 @@
               <a:t>&gt;&gt;&gt; </a:t>
             </a:r>
             <a:r>
-              <a:rPr lang="en-US" sz="3300" i="0" u="none" strike="noStrike" cap="none" dirty="0" smtClean="0">
+              <a:rPr lang="en-US" sz="3300" b="1" i="0" u="none" strike="noStrike" cap="none" dirty="0">
                 <a:solidFill>
                   <a:srgbClr val="FFFF00"/>
                 </a:solidFill>
@@ -14648,7 +14376,7 @@
               <a:t>print(</a:t>
             </a:r>
             <a:r>
-              <a:rPr lang="en-US" sz="3300" i="0" u="none" strike="noStrike" cap="none" dirty="0" smtClean="0">
+              <a:rPr lang="en-US" sz="3300" b="1" i="0" u="none" strike="noStrike" cap="none" dirty="0">
                 <a:solidFill>
                   <a:srgbClr val="00FF00"/>
                 </a:solidFill>
@@ -14660,7 +14388,7 @@
               <a:t>y</a:t>
             </a:r>
             <a:r>
-              <a:rPr lang="en-US" sz="3600" dirty="0" smtClean="0">
+              <a:rPr lang="en-US" sz="3600" b="1" dirty="0">
                 <a:solidFill>
                   <a:srgbClr val="FFFF00"/>
                 </a:solidFill>
@@ -14671,7 +14399,7 @@
               </a:rPr>
               <a:t>)</a:t>
             </a:r>
-            <a:endParaRPr lang="en-US" sz="3300" i="0" u="none" strike="noStrike" cap="none" dirty="0">
+            <a:endParaRPr lang="en-US" sz="3300" b="1" i="0" u="none" strike="noStrike" cap="none" dirty="0">
               <a:solidFill>
                 <a:srgbClr val="00FF00"/>
               </a:solidFill>
@@ -14700,7 +14428,7 @@
               <a:buNone/>
             </a:pPr>
             <a:r>
-              <a:rPr lang="en-US" sz="3300" i="0" u="none" strike="noStrike" cap="none" dirty="0" err="1">
+              <a:rPr lang="en-US" sz="3300" b="1" i="0" u="none" strike="noStrike" cap="none" dirty="0" err="1">
                 <a:solidFill>
                   <a:schemeClr val="lt1"/>
                 </a:solidFill>
@@ -14711,7 +14439,7 @@
               </a:rPr>
               <a:t>fred</a:t>
             </a:r>
-            <a:endParaRPr lang="en-US" sz="3300" i="0" u="none" strike="noStrike" cap="none" dirty="0">
+            <a:endParaRPr lang="en-US" sz="3300" b="1" i="0" u="none" strike="noStrike" cap="none" dirty="0">
               <a:solidFill>
                 <a:schemeClr val="lt1"/>
               </a:solidFill>
@@ -14740,7 +14468,7 @@
               <a:buNone/>
             </a:pPr>
             <a:r>
-              <a:rPr lang="en-US" sz="3300" i="0" u="none" strike="noStrike" cap="none" dirty="0">
+              <a:rPr lang="en-US" sz="3300" b="1" i="0" u="none" strike="noStrike" cap="none" dirty="0">
                 <a:solidFill>
                   <a:schemeClr val="lt1"/>
                 </a:solidFill>
@@ -14752,7 +14480,7 @@
               <a:t>&gt;&gt;&gt; </a:t>
             </a:r>
             <a:r>
-              <a:rPr lang="en-US" sz="3300" i="0" u="none" strike="noStrike" cap="none" dirty="0">
+              <a:rPr lang="en-US" sz="3300" b="1" i="0" u="none" strike="noStrike" cap="none" dirty="0">
                 <a:solidFill>
                   <a:srgbClr val="FF7F00"/>
                 </a:solidFill>
@@ -14764,7 +14492,7 @@
               <a:t>(a, b)</a:t>
             </a:r>
             <a:r>
-              <a:rPr lang="en-US" sz="3300" i="0" u="none" strike="noStrike" cap="none" dirty="0">
+              <a:rPr lang="en-US" sz="3300" b="1" i="0" u="none" strike="noStrike" cap="none" dirty="0">
                 <a:solidFill>
                   <a:schemeClr val="lt1"/>
                 </a:solidFill>
@@ -14776,7 +14504,7 @@
               <a:t> = </a:t>
             </a:r>
             <a:r>
-              <a:rPr lang="en-US" sz="3300" i="0" u="none" strike="noStrike" cap="none" dirty="0">
+              <a:rPr lang="en-US" sz="3300" b="1" i="0" u="none" strike="noStrike" cap="none" dirty="0">
                 <a:solidFill>
                   <a:srgbClr val="FF7F00"/>
                 </a:solidFill>
@@ -14796,7 +14524,7 @@
               <a:buSzPct val="25000"/>
             </a:pPr>
             <a:r>
-              <a:rPr lang="en-US" sz="3300" i="0" u="none" strike="noStrike" cap="none" dirty="0">
+              <a:rPr lang="en-US" sz="3300" b="1" i="0" u="none" strike="noStrike" cap="none" dirty="0">
                 <a:solidFill>
                   <a:schemeClr val="lt1"/>
                 </a:solidFill>
@@ -14808,7 +14536,7 @@
               <a:t>&gt;&gt;&gt; </a:t>
             </a:r>
             <a:r>
-              <a:rPr lang="en-US" sz="3300" i="0" u="none" strike="noStrike" cap="none" dirty="0" smtClean="0">
+              <a:rPr lang="en-US" sz="3300" b="1" i="0" u="none" strike="noStrike" cap="none" dirty="0">
                 <a:solidFill>
                   <a:srgbClr val="FFFF00"/>
                 </a:solidFill>
@@ -14820,7 +14548,7 @@
               <a:t>print(</a:t>
             </a:r>
             <a:r>
-              <a:rPr lang="en-US" sz="3300" i="0" u="none" strike="noStrike" cap="none" dirty="0" smtClean="0">
+              <a:rPr lang="en-US" sz="3300" b="1" i="0" u="none" strike="noStrike" cap="none" dirty="0">
                 <a:solidFill>
                   <a:srgbClr val="00FF00"/>
                 </a:solidFill>
@@ -14832,7 +14560,7 @@
               <a:t>a</a:t>
             </a:r>
             <a:r>
-              <a:rPr lang="en-US" sz="3600" dirty="0" smtClean="0">
+              <a:rPr lang="en-US" sz="3600" b="1" dirty="0">
                 <a:solidFill>
                   <a:srgbClr val="FFFF00"/>
                 </a:solidFill>
@@ -14843,7 +14571,7 @@
               </a:rPr>
               <a:t>)</a:t>
             </a:r>
-            <a:endParaRPr lang="en-US" sz="3300" i="0" u="none" strike="noStrike" cap="none" dirty="0">
+            <a:endParaRPr lang="en-US" sz="3300" b="1" i="0" u="none" strike="noStrike" cap="none" dirty="0">
               <a:solidFill>
                 <a:srgbClr val="00FF00"/>
               </a:solidFill>
@@ -14872,7 +14600,7 @@
               <a:buNone/>
             </a:pPr>
             <a:r>
-              <a:rPr lang="en-US" sz="3300" i="0" u="none" strike="noStrike" cap="none" dirty="0">
+              <a:rPr lang="en-US" sz="3300" b="1" i="0" u="none" strike="noStrike" cap="none" dirty="0">
                 <a:solidFill>
                   <a:schemeClr val="lt1"/>
                 </a:solidFill>
@@ -14891,13 +14619,6 @@
   <p:clrMapOvr>
     <a:masterClrMapping/>
   </p:clrMapOvr>
-  <p:timing>
-    <p:tnLst>
-      <p:par>
-        <p:cTn id="1" dur="indefinite" restart="never" nodeType="tmRoot"/>
-      </p:par>
-    </p:tnLst>
-  </p:timing>
 </p:sld>
 </file>
 
@@ -15114,7 +14835,7 @@
               <a:buNone/>
             </a:pPr>
             <a:r>
-              <a:rPr lang="en-US" sz="3200" i="0" u="none" strike="noStrike" cap="none" dirty="0">
+              <a:rPr lang="en-US" sz="3200" b="1" i="0" u="none" strike="noStrike" cap="none" dirty="0">
                 <a:solidFill>
                   <a:schemeClr val="lt1"/>
                 </a:solidFill>
@@ -15126,7 +14847,7 @@
               <a:t>&gt;&gt;&gt; d = </a:t>
             </a:r>
             <a:r>
-              <a:rPr lang="en-US" sz="3200" i="0" u="none" strike="noStrike" cap="none" dirty="0" err="1">
+              <a:rPr lang="en-US" sz="3200" b="1" i="0" u="none" strike="noStrike" cap="none" dirty="0" err="1">
                 <a:solidFill>
                   <a:schemeClr val="lt1"/>
                 </a:solidFill>
@@ -15138,7 +14859,7 @@
               <a:t>dict</a:t>
             </a:r>
             <a:r>
-              <a:rPr lang="en-US" sz="3200" i="0" u="none" strike="noStrike" cap="none" dirty="0">
+              <a:rPr lang="en-US" sz="3200" b="1" i="0" u="none" strike="noStrike" cap="none" dirty="0">
                 <a:solidFill>
                   <a:schemeClr val="lt1"/>
                 </a:solidFill>
@@ -15169,7 +14890,7 @@
               <a:buNone/>
             </a:pPr>
             <a:r>
-              <a:rPr lang="en-US" sz="3200" i="0" u="none" strike="noStrike" cap="none" dirty="0">
+              <a:rPr lang="en-US" sz="3200" b="1" i="0" u="none" strike="noStrike" cap="none" dirty="0">
                 <a:solidFill>
                   <a:schemeClr val="lt1"/>
                 </a:solidFill>
@@ -15181,7 +14902,7 @@
               <a:t>&gt;&gt;&gt; </a:t>
             </a:r>
             <a:r>
-              <a:rPr lang="en-US" sz="3200" i="0" u="none" strike="noStrike" cap="none" dirty="0">
+              <a:rPr lang="en-US" sz="3200" b="1" i="0" u="none" strike="noStrike" cap="none" dirty="0">
                 <a:solidFill>
                   <a:srgbClr val="00FF00"/>
                 </a:solidFill>
@@ -15193,7 +14914,7 @@
               <a:t>d</a:t>
             </a:r>
             <a:r>
-              <a:rPr lang="en-US" sz="3200" i="0" u="none" strike="noStrike" cap="none" dirty="0">
+              <a:rPr lang="en-US" sz="3200" b="1" i="0" u="none" strike="noStrike" cap="none" dirty="0">
                 <a:solidFill>
                   <a:srgbClr val="00FFFF"/>
                 </a:solidFill>
@@ -15205,7 +14926,7 @@
               <a:t>['</a:t>
             </a:r>
             <a:r>
-              <a:rPr lang="en-US" sz="3200" i="0" u="none" strike="noStrike" cap="none" dirty="0" err="1">
+              <a:rPr lang="en-US" sz="3200" b="1" i="0" u="none" strike="noStrike" cap="none" dirty="0" err="1">
                 <a:solidFill>
                   <a:srgbClr val="00FFFF"/>
                 </a:solidFill>
@@ -15217,7 +14938,7 @@
               <a:t>csev</a:t>
             </a:r>
             <a:r>
-              <a:rPr lang="en-US" sz="3200" i="0" u="none" strike="noStrike" cap="none" dirty="0">
+              <a:rPr lang="en-US" sz="3200" b="1" i="0" u="none" strike="noStrike" cap="none" dirty="0">
                 <a:solidFill>
                   <a:srgbClr val="00FFFF"/>
                 </a:solidFill>
@@ -15229,7 +14950,7 @@
               <a:t>']</a:t>
             </a:r>
             <a:r>
-              <a:rPr lang="en-US" sz="3200" i="0" u="none" strike="noStrike" cap="none" dirty="0">
+              <a:rPr lang="en-US" sz="3200" b="1" i="0" u="none" strike="noStrike" cap="none" dirty="0">
                 <a:solidFill>
                   <a:schemeClr val="lt1"/>
                 </a:solidFill>
@@ -15260,7 +14981,7 @@
               <a:buNone/>
             </a:pPr>
             <a:r>
-              <a:rPr lang="en-US" sz="3200" i="0" u="none" strike="noStrike" cap="none" dirty="0">
+              <a:rPr lang="en-US" sz="3200" b="1" i="0" u="none" strike="noStrike" cap="none" dirty="0">
                 <a:solidFill>
                   <a:schemeClr val="lt1"/>
                 </a:solidFill>
@@ -15272,7 +14993,7 @@
               <a:t>&gt;&gt;&gt; </a:t>
             </a:r>
             <a:r>
-              <a:rPr lang="en-US" sz="3200" i="0" u="none" strike="noStrike" cap="none" dirty="0">
+              <a:rPr lang="en-US" sz="3200" b="1" i="0" u="none" strike="noStrike" cap="none" dirty="0">
                 <a:solidFill>
                   <a:srgbClr val="00FF00"/>
                 </a:solidFill>
@@ -15284,7 +15005,7 @@
               <a:t>d</a:t>
             </a:r>
             <a:r>
-              <a:rPr lang="en-US" sz="3200" i="0" u="none" strike="noStrike" cap="none" dirty="0">
+              <a:rPr lang="en-US" sz="3200" b="1" i="0" u="none" strike="noStrike" cap="none" dirty="0">
                 <a:solidFill>
                   <a:srgbClr val="00FFFF"/>
                 </a:solidFill>
@@ -15296,7 +15017,7 @@
               <a:t>['</a:t>
             </a:r>
             <a:r>
-              <a:rPr lang="en-US" sz="3200" i="0" u="none" strike="noStrike" cap="none" dirty="0" err="1">
+              <a:rPr lang="en-US" sz="3200" b="1" i="0" u="none" strike="noStrike" cap="none" dirty="0" err="1">
                 <a:solidFill>
                   <a:srgbClr val="00FFFF"/>
                 </a:solidFill>
@@ -15308,7 +15029,7 @@
               <a:t>cwen</a:t>
             </a:r>
             <a:r>
-              <a:rPr lang="en-US" sz="3200" i="0" u="none" strike="noStrike" cap="none" dirty="0">
+              <a:rPr lang="en-US" sz="3200" b="1" i="0" u="none" strike="noStrike" cap="none" dirty="0">
                 <a:solidFill>
                   <a:srgbClr val="00FFFF"/>
                 </a:solidFill>
@@ -15320,7 +15041,7 @@
               <a:t>']</a:t>
             </a:r>
             <a:r>
-              <a:rPr lang="en-US" sz="3200" i="0" u="none" strike="noStrike" cap="none" dirty="0">
+              <a:rPr lang="en-US" sz="3200" b="1" i="0" u="none" strike="noStrike" cap="none" dirty="0">
                 <a:solidFill>
                   <a:schemeClr val="lt1"/>
                 </a:solidFill>
@@ -15351,7 +15072,7 @@
               <a:buNone/>
             </a:pPr>
             <a:r>
-              <a:rPr lang="en-US" sz="3200" i="0" u="none" strike="noStrike" cap="none" dirty="0">
+              <a:rPr lang="en-US" sz="3200" b="1" i="0" u="none" strike="noStrike" cap="none" dirty="0">
                 <a:solidFill>
                   <a:schemeClr val="lt1"/>
                 </a:solidFill>
@@ -15363,7 +15084,7 @@
               <a:t>&gt;&gt;&gt; </a:t>
             </a:r>
             <a:r>
-              <a:rPr lang="en-US" sz="3200" i="0" u="none" strike="noStrike" cap="none" dirty="0">
+              <a:rPr lang="en-US" sz="3200" b="1" i="0" u="none" strike="noStrike" cap="none" dirty="0">
                 <a:solidFill>
                   <a:srgbClr val="FFFF00"/>
                 </a:solidFill>
@@ -15375,7 +15096,7 @@
               <a:t>for</a:t>
             </a:r>
             <a:r>
-              <a:rPr lang="en-US" sz="3200" i="0" u="none" strike="noStrike" cap="none" dirty="0">
+              <a:rPr lang="en-US" sz="3200" b="1" i="0" u="none" strike="noStrike" cap="none" dirty="0">
                 <a:solidFill>
                   <a:schemeClr val="lt1"/>
                 </a:solidFill>
@@ -15387,7 +15108,7 @@
               <a:t> </a:t>
             </a:r>
             <a:r>
-              <a:rPr lang="en-US" sz="3200" i="0" u="none" strike="noStrike" cap="none" dirty="0">
+              <a:rPr lang="en-US" sz="3200" b="1" i="0" u="none" strike="noStrike" cap="none" dirty="0">
                 <a:solidFill>
                   <a:srgbClr val="FF7F00"/>
                 </a:solidFill>
@@ -15399,7 +15120,7 @@
               <a:t>(</a:t>
             </a:r>
             <a:r>
-              <a:rPr lang="en-US" sz="3200" i="0" u="none" strike="noStrike" cap="none" dirty="0" err="1">
+              <a:rPr lang="en-US" sz="3200" b="1" i="0" u="none" strike="noStrike" cap="none" dirty="0" err="1">
                 <a:solidFill>
                   <a:srgbClr val="FF7F00"/>
                 </a:solidFill>
@@ -15411,7 +15132,7 @@
               <a:t>k,v</a:t>
             </a:r>
             <a:r>
-              <a:rPr lang="en-US" sz="3200" i="0" u="none" strike="noStrike" cap="none" dirty="0">
+              <a:rPr lang="en-US" sz="3200" b="1" i="0" u="none" strike="noStrike" cap="none" dirty="0">
                 <a:solidFill>
                   <a:srgbClr val="FF7F00"/>
                 </a:solidFill>
@@ -15423,7 +15144,7 @@
               <a:t>)</a:t>
             </a:r>
             <a:r>
-              <a:rPr lang="en-US" sz="3200" i="0" u="none" strike="noStrike" cap="none" dirty="0">
+              <a:rPr lang="en-US" sz="3200" b="1" i="0" u="none" strike="noStrike" cap="none" dirty="0">
                 <a:solidFill>
                   <a:schemeClr val="lt1"/>
                 </a:solidFill>
@@ -15435,7 +15156,7 @@
               <a:t> in </a:t>
             </a:r>
             <a:r>
-              <a:rPr lang="en-US" sz="3200" i="0" u="none" strike="noStrike" cap="none" dirty="0" err="1">
+              <a:rPr lang="en-US" sz="3200" b="1" i="0" u="none" strike="noStrike" cap="none" dirty="0" err="1">
                 <a:solidFill>
                   <a:srgbClr val="00FF00"/>
                 </a:solidFill>
@@ -15447,7 +15168,7 @@
               <a:t>d</a:t>
             </a:r>
             <a:r>
-              <a:rPr lang="en-US" sz="3200" i="0" u="none" strike="noStrike" cap="none" dirty="0" err="1">
+              <a:rPr lang="en-US" sz="3200" b="1" i="0" u="none" strike="noStrike" cap="none" dirty="0" err="1">
                 <a:solidFill>
                   <a:srgbClr val="FF00FF"/>
                 </a:solidFill>
@@ -15459,7 +15180,7 @@
               <a:t>.items</a:t>
             </a:r>
             <a:r>
-              <a:rPr lang="en-US" sz="3200" i="0" u="none" strike="noStrike" cap="none" dirty="0">
+              <a:rPr lang="en-US" sz="3200" b="1" i="0" u="none" strike="noStrike" cap="none" dirty="0">
                 <a:solidFill>
                   <a:schemeClr val="lt1"/>
                 </a:solidFill>
@@ -15479,7 +15200,7 @@
               <a:buSzPct val="25000"/>
             </a:pPr>
             <a:r>
-              <a:rPr lang="en-US" sz="3200" i="0" u="none" strike="noStrike" cap="none" dirty="0">
+              <a:rPr lang="en-US" sz="3200" b="1" i="0" u="none" strike="noStrike" cap="none" dirty="0">
                 <a:solidFill>
                   <a:schemeClr val="lt1"/>
                 </a:solidFill>
@@ -15491,7 +15212,7 @@
               <a:t>...     </a:t>
             </a:r>
             <a:r>
-              <a:rPr lang="en-US" sz="3200" i="0" u="none" strike="noStrike" cap="none" dirty="0" smtClean="0">
+              <a:rPr lang="en-US" sz="3200" b="1" i="0" u="none" strike="noStrike" cap="none" dirty="0">
                 <a:solidFill>
                   <a:srgbClr val="FFFF00"/>
                 </a:solidFill>
@@ -15503,7 +15224,7 @@
               <a:t>print(</a:t>
             </a:r>
             <a:r>
-              <a:rPr lang="en-US" sz="3200" i="0" u="none" strike="noStrike" cap="none" dirty="0" smtClean="0">
+              <a:rPr lang="en-US" sz="3200" b="1" i="0" u="none" strike="noStrike" cap="none" dirty="0">
                 <a:solidFill>
                   <a:srgbClr val="00FF00"/>
                 </a:solidFill>
@@ -15515,7 +15236,7 @@
               <a:t>k</a:t>
             </a:r>
             <a:r>
-              <a:rPr lang="en-US" sz="3200" i="0" u="none" strike="noStrike" cap="none" dirty="0">
+              <a:rPr lang="en-US" sz="3200" b="1" i="0" u="none" strike="noStrike" cap="none" dirty="0">
                 <a:solidFill>
                   <a:schemeClr val="lt1"/>
                 </a:solidFill>
@@ -15527,7 +15248,7 @@
               <a:t>, </a:t>
             </a:r>
             <a:r>
-              <a:rPr lang="en-US" sz="3200" i="0" u="none" strike="noStrike" cap="none" dirty="0" smtClean="0">
+              <a:rPr lang="en-US" sz="3200" b="1" i="0" u="none" strike="noStrike" cap="none" dirty="0">
                 <a:solidFill>
                   <a:srgbClr val="00FF00"/>
                 </a:solidFill>
@@ -15539,7 +15260,7 @@
               <a:t>v</a:t>
             </a:r>
             <a:r>
-              <a:rPr lang="en-US" sz="3200" dirty="0" smtClean="0">
+              <a:rPr lang="en-US" sz="3200" b="1" dirty="0">
                 <a:solidFill>
                   <a:srgbClr val="FFFF00"/>
                 </a:solidFill>
@@ -15550,7 +15271,7 @@
               </a:rPr>
               <a:t>)</a:t>
             </a:r>
-            <a:endParaRPr lang="en-US" sz="3200" i="0" u="none" strike="noStrike" cap="none" dirty="0">
+            <a:endParaRPr lang="en-US" sz="3200" b="1" i="0" u="none" strike="noStrike" cap="none" dirty="0">
               <a:solidFill>
                 <a:srgbClr val="00FF00"/>
               </a:solidFill>
@@ -15579,7 +15300,7 @@
               <a:buNone/>
             </a:pPr>
             <a:r>
-              <a:rPr lang="en-US" sz="3200" i="0" u="none" strike="noStrike" cap="none" dirty="0">
+              <a:rPr lang="en-US" sz="3200" b="1" i="0" u="none" strike="noStrike" cap="none" dirty="0">
                 <a:solidFill>
                   <a:schemeClr val="lt1"/>
                 </a:solidFill>
@@ -15610,7 +15331,7 @@
               <a:buNone/>
             </a:pPr>
             <a:r>
-              <a:rPr lang="en-US" sz="3200" i="0" u="none" strike="noStrike" cap="none" dirty="0" err="1">
+              <a:rPr lang="en-US" sz="3200" b="1" i="0" u="none" strike="noStrike" cap="none" dirty="0" err="1">
                 <a:solidFill>
                   <a:schemeClr val="lt1"/>
                 </a:solidFill>
@@ -15622,7 +15343,7 @@
               <a:t>csev</a:t>
             </a:r>
             <a:r>
-              <a:rPr lang="en-US" sz="3200" i="0" u="none" strike="noStrike" cap="none" dirty="0">
+              <a:rPr lang="en-US" sz="3200" b="1" i="0" u="none" strike="noStrike" cap="none" dirty="0">
                 <a:solidFill>
                   <a:schemeClr val="lt1"/>
                 </a:solidFill>
@@ -15653,7 +15374,7 @@
               <a:buNone/>
             </a:pPr>
             <a:r>
-              <a:rPr lang="en-US" sz="3200" i="0" u="none" strike="noStrike" cap="none" dirty="0" err="1">
+              <a:rPr lang="en-US" sz="3200" b="1" i="0" u="none" strike="noStrike" cap="none" dirty="0" err="1">
                 <a:solidFill>
                   <a:schemeClr val="lt1"/>
                 </a:solidFill>
@@ -15665,7 +15386,7 @@
               <a:t>cwen</a:t>
             </a:r>
             <a:r>
-              <a:rPr lang="en-US" sz="3200" i="0" u="none" strike="noStrike" cap="none" dirty="0">
+              <a:rPr lang="en-US" sz="3200" b="1" i="0" u="none" strike="noStrike" cap="none" dirty="0">
                 <a:solidFill>
                   <a:schemeClr val="lt1"/>
                 </a:solidFill>
@@ -15696,7 +15417,7 @@
               <a:buNone/>
             </a:pPr>
             <a:r>
-              <a:rPr lang="en-US" sz="3200" i="0" u="none" strike="noStrike" cap="none" dirty="0">
+              <a:rPr lang="en-US" sz="3200" b="1" i="0" u="none" strike="noStrike" cap="none" dirty="0">
                 <a:solidFill>
                   <a:schemeClr val="lt1"/>
                 </a:solidFill>
@@ -15708,7 +15429,7 @@
               <a:t>&gt;&gt;&gt; </a:t>
             </a:r>
             <a:r>
-              <a:rPr lang="en-US" sz="3200" i="0" u="none" strike="noStrike" cap="none" dirty="0" err="1">
+              <a:rPr lang="en-US" sz="3200" b="1" i="0" u="none" strike="noStrike" cap="none" dirty="0" err="1">
                 <a:solidFill>
                   <a:srgbClr val="00FF00"/>
                 </a:solidFill>
@@ -15720,7 +15441,7 @@
               <a:t>tups</a:t>
             </a:r>
             <a:r>
-              <a:rPr lang="en-US" sz="3200" i="0" u="none" strike="noStrike" cap="none" dirty="0">
+              <a:rPr lang="en-US" sz="3200" b="1" i="0" u="none" strike="noStrike" cap="none" dirty="0">
                 <a:solidFill>
                   <a:schemeClr val="lt1"/>
                 </a:solidFill>
@@ -15732,7 +15453,7 @@
               <a:t> = </a:t>
             </a:r>
             <a:r>
-              <a:rPr lang="en-US" sz="3200" i="0" u="none" strike="noStrike" cap="none" dirty="0" err="1">
+              <a:rPr lang="en-US" sz="3200" b="1" i="0" u="none" strike="noStrike" cap="none" dirty="0" err="1">
                 <a:solidFill>
                   <a:srgbClr val="00FF00"/>
                 </a:solidFill>
@@ -15744,7 +15465,7 @@
               <a:t>d</a:t>
             </a:r>
             <a:r>
-              <a:rPr lang="en-US" sz="3200" i="0" u="none" strike="noStrike" cap="none" dirty="0" err="1">
+              <a:rPr lang="en-US" sz="3200" b="1" i="0" u="none" strike="noStrike" cap="none" dirty="0" err="1">
                 <a:solidFill>
                   <a:srgbClr val="FF00FF"/>
                 </a:solidFill>
@@ -15756,7 +15477,7 @@
               <a:t>.items</a:t>
             </a:r>
             <a:r>
-              <a:rPr lang="en-US" sz="3200" i="0" u="none" strike="noStrike" cap="none" dirty="0">
+              <a:rPr lang="en-US" sz="3200" b="1" i="0" u="none" strike="noStrike" cap="none" dirty="0">
                 <a:solidFill>
                   <a:schemeClr val="lt1"/>
                 </a:solidFill>
@@ -15776,7 +15497,7 @@
               <a:buSzPct val="25000"/>
             </a:pPr>
             <a:r>
-              <a:rPr lang="en-US" sz="3200" i="0" u="none" strike="noStrike" cap="none" dirty="0">
+              <a:rPr lang="en-US" sz="3200" b="1" i="0" u="none" strike="noStrike" cap="none" dirty="0">
                 <a:solidFill>
                   <a:schemeClr val="lt1"/>
                 </a:solidFill>
@@ -15788,7 +15509,7 @@
               <a:t>&gt;&gt;&gt; </a:t>
             </a:r>
             <a:r>
-              <a:rPr lang="en-US" sz="3200" i="0" u="none" strike="noStrike" cap="none" dirty="0" smtClean="0">
+              <a:rPr lang="en-US" sz="3200" b="1" i="0" u="none" strike="noStrike" cap="none" dirty="0">
                 <a:solidFill>
                   <a:srgbClr val="FFFF00"/>
                 </a:solidFill>
@@ -15800,7 +15521,7 @@
               <a:t>print(</a:t>
             </a:r>
             <a:r>
-              <a:rPr lang="en-US" sz="3200" i="0" u="none" strike="noStrike" cap="none" dirty="0" err="1" smtClean="0">
+              <a:rPr lang="en-US" sz="3200" b="1" i="0" u="none" strike="noStrike" cap="none" dirty="0" err="1">
                 <a:solidFill>
                   <a:srgbClr val="00FF00"/>
                 </a:solidFill>
@@ -15812,7 +15533,7 @@
               <a:t>tups</a:t>
             </a:r>
             <a:r>
-              <a:rPr lang="en-US" sz="3200" dirty="0" smtClean="0">
+              <a:rPr lang="en-US" sz="3200" b="1" dirty="0">
                 <a:solidFill>
                   <a:srgbClr val="FFFF00"/>
                 </a:solidFill>
@@ -15823,7 +15544,7 @@
               </a:rPr>
               <a:t>)</a:t>
             </a:r>
-            <a:endParaRPr lang="en-US" sz="3200" i="0" u="none" strike="noStrike" cap="none" dirty="0">
+            <a:endParaRPr lang="en-US" sz="3200" b="1" i="0" u="none" strike="noStrike" cap="none" dirty="0">
               <a:solidFill>
                 <a:srgbClr val="00FF00"/>
               </a:solidFill>
@@ -15852,7 +15573,7 @@
               <a:buNone/>
             </a:pPr>
             <a:r>
-              <a:rPr lang="en-US" sz="3200" i="0" u="none" strike="noStrike" cap="none" dirty="0" err="1" smtClean="0">
+              <a:rPr lang="en-US" sz="3200" b="1" i="0" u="none" strike="noStrike" cap="none" dirty="0" err="1">
                 <a:solidFill>
                   <a:schemeClr val="lt1"/>
                 </a:solidFill>
@@ -15864,7 +15585,7 @@
               <a:t>dict_items</a:t>
             </a:r>
             <a:r>
-              <a:rPr lang="en-US" sz="3200" i="0" u="none" strike="noStrike" cap="none" dirty="0" smtClean="0">
+              <a:rPr lang="en-US" sz="3200" b="1" i="0" u="none" strike="noStrike" cap="none" dirty="0">
                 <a:solidFill>
                   <a:schemeClr val="lt1"/>
                 </a:solidFill>
@@ -15876,7 +15597,7 @@
               <a:t>([</a:t>
             </a:r>
             <a:r>
-              <a:rPr lang="en-US" sz="3200" i="0" u="none" strike="noStrike" cap="none" dirty="0" smtClean="0">
+              <a:rPr lang="en-US" sz="3200" b="1" i="0" u="none" strike="noStrike" cap="none" dirty="0">
                 <a:solidFill>
                   <a:srgbClr val="FF7F00"/>
                 </a:solidFill>
@@ -15885,10 +15606,10 @@
                 <a:cs typeface="Courier"/>
                 <a:sym typeface="Courier New"/>
               </a:rPr>
-              <a:t>(</a:t>
-            </a:r>
-            <a:r>
-              <a:rPr lang="en-US" sz="3200" i="0" u="none" strike="noStrike" cap="none" dirty="0">
+              <a:t>('</a:t>
+            </a:r>
+            <a:r>
+              <a:rPr lang="en-US" sz="3200" b="1" i="0" u="none" strike="noStrike" cap="none" dirty="0" err="1">
                 <a:solidFill>
                   <a:srgbClr val="FF7F00"/>
                 </a:solidFill>
@@ -15897,10 +15618,10 @@
                 <a:cs typeface="Courier"/>
                 <a:sym typeface="Courier New"/>
               </a:rPr>
-              <a:t>'</a:t>
-            </a:r>
-            <a:r>
-              <a:rPr lang="en-US" sz="3200" i="0" u="none" strike="noStrike" cap="none" dirty="0" err="1">
+              <a:t>csev</a:t>
+            </a:r>
+            <a:r>
+              <a:rPr lang="en-US" sz="3200" b="1" i="0" u="none" strike="noStrike" cap="none" dirty="0">
                 <a:solidFill>
                   <a:srgbClr val="FF7F00"/>
                 </a:solidFill>
@@ -15909,10 +15630,22 @@
                 <a:cs typeface="Courier"/>
                 <a:sym typeface="Courier New"/>
               </a:rPr>
-              <a:t>csev</a:t>
-            </a:r>
-            <a:r>
-              <a:rPr lang="en-US" sz="3200" i="0" u="none" strike="noStrike" cap="none" dirty="0">
+              <a:t>', 2)</a:t>
+            </a:r>
+            <a:r>
+              <a:rPr lang="en-US" sz="3200" b="1" i="0" u="none" strike="noStrike" cap="none" dirty="0">
+                <a:solidFill>
+                  <a:schemeClr val="lt1"/>
+                </a:solidFill>
+                <a:latin typeface="Courier"/>
+                <a:ea typeface="Courier New"/>
+                <a:cs typeface="Courier"/>
+                <a:sym typeface="Courier New"/>
+              </a:rPr>
+              <a:t>, </a:t>
+            </a:r>
+            <a:r>
+              <a:rPr lang="en-US" sz="3200" b="1" i="0" u="none" strike="noStrike" cap="none" dirty="0">
                 <a:solidFill>
                   <a:srgbClr val="FF7F00"/>
                 </a:solidFill>
@@ -15921,22 +15654,10 @@
                 <a:cs typeface="Courier"/>
                 <a:sym typeface="Courier New"/>
               </a:rPr>
-              <a:t>', 2)</a:t>
-            </a:r>
-            <a:r>
-              <a:rPr lang="en-US" sz="3200" i="0" u="none" strike="noStrike" cap="none" dirty="0">
-                <a:solidFill>
-                  <a:schemeClr val="lt1"/>
-                </a:solidFill>
-                <a:latin typeface="Courier"/>
-                <a:ea typeface="Courier New"/>
-                <a:cs typeface="Courier"/>
-                <a:sym typeface="Courier New"/>
-              </a:rPr>
-              <a:t>, </a:t>
-            </a:r>
-            <a:r>
-              <a:rPr lang="en-US" sz="3200" i="0" u="none" strike="noStrike" cap="none" dirty="0">
+              <a:t>('</a:t>
+            </a:r>
+            <a:r>
+              <a:rPr lang="en-US" sz="3200" b="1" i="0" u="none" strike="noStrike" cap="none" dirty="0" err="1">
                 <a:solidFill>
                   <a:srgbClr val="FF7F00"/>
                 </a:solidFill>
@@ -15945,10 +15666,10 @@
                 <a:cs typeface="Courier"/>
                 <a:sym typeface="Courier New"/>
               </a:rPr>
-              <a:t>('</a:t>
-            </a:r>
-            <a:r>
-              <a:rPr lang="en-US" sz="3200" i="0" u="none" strike="noStrike" cap="none" dirty="0" err="1">
+              <a:t>cwen</a:t>
+            </a:r>
+            <a:r>
+              <a:rPr lang="en-US" sz="3200" b="1" i="0" u="none" strike="noStrike" cap="none" dirty="0">
                 <a:solidFill>
                   <a:srgbClr val="FF7F00"/>
                 </a:solidFill>
@@ -15957,34 +15678,10 @@
                 <a:cs typeface="Courier"/>
                 <a:sym typeface="Courier New"/>
               </a:rPr>
-              <a:t>cwen</a:t>
-            </a:r>
-            <a:r>
-              <a:rPr lang="en-US" sz="3200" i="0" u="none" strike="noStrike" cap="none" dirty="0">
-                <a:solidFill>
-                  <a:srgbClr val="FF7F00"/>
-                </a:solidFill>
-                <a:latin typeface="Courier"/>
-                <a:ea typeface="Courier New"/>
-                <a:cs typeface="Courier"/>
-                <a:sym typeface="Courier New"/>
-              </a:rPr>
-              <a:t>', 4</a:t>
-            </a:r>
-            <a:r>
-              <a:rPr lang="en-US" sz="3200" i="0" u="none" strike="noStrike" cap="none" dirty="0" smtClean="0">
-                <a:solidFill>
-                  <a:srgbClr val="FF7F00"/>
-                </a:solidFill>
-                <a:latin typeface="Courier"/>
-                <a:ea typeface="Courier New"/>
-                <a:cs typeface="Courier"/>
-                <a:sym typeface="Courier New"/>
-              </a:rPr>
-              <a:t>)</a:t>
-            </a:r>
-            <a:r>
-              <a:rPr lang="en-US" sz="3200" i="0" u="none" strike="noStrike" cap="none" dirty="0" smtClean="0">
+              <a:t>', 4)</a:t>
+            </a:r>
+            <a:r>
+              <a:rPr lang="en-US" sz="3200" b="1" i="0" u="none" strike="noStrike" cap="none" dirty="0">
                 <a:solidFill>
                   <a:schemeClr val="lt1"/>
                 </a:solidFill>
@@ -15995,15 +15692,6 @@
               </a:rPr>
               <a:t>])</a:t>
             </a:r>
-            <a:endParaRPr lang="en-US" sz="3200" i="0" u="none" strike="noStrike" cap="none" dirty="0">
-              <a:solidFill>
-                <a:schemeClr val="lt1"/>
-              </a:solidFill>
-              <a:latin typeface="Courier"/>
-              <a:ea typeface="Courier New"/>
-              <a:cs typeface="Courier"/>
-              <a:sym typeface="Courier New"/>
-            </a:endParaRPr>
           </a:p>
         </p:txBody>
       </p:sp>
@@ -16012,13 +15700,6 @@
   <p:clrMapOvr>
     <a:masterClrMapping/>
   </p:clrMapOvr>
-  <p:timing>
-    <p:tnLst>
-      <p:par>
-        <p:cTn id="1" dur="indefinite" restart="never" nodeType="tmRoot"/>
-      </p:par>
-    </p:tnLst>
-  </p:timing>
 </p:sld>
 </file>
 
@@ -16259,7 +15940,7 @@
               <a:buNone/>
             </a:pPr>
             <a:r>
-              <a:rPr lang="en-US" sz="2800" i="0" u="none" strike="noStrike" cap="none" dirty="0">
+              <a:rPr lang="en-US" sz="2800" b="1" i="0" u="none" strike="noStrike" cap="none" dirty="0">
                 <a:solidFill>
                   <a:schemeClr val="lt1"/>
                 </a:solidFill>
@@ -16271,7 +15952,7 @@
               <a:t>&gt;&gt;&gt; </a:t>
             </a:r>
             <a:r>
-              <a:rPr lang="en-US" sz="2800" i="0" u="none" strike="noStrike" cap="none" dirty="0">
+              <a:rPr lang="en-US" sz="2800" b="1" i="0" u="none" strike="noStrike" cap="none" dirty="0">
                 <a:solidFill>
                   <a:srgbClr val="FF7F00"/>
                 </a:solidFill>
@@ -16283,7 +15964,7 @@
               <a:t>(0, 1, 2) </a:t>
             </a:r>
             <a:r>
-              <a:rPr lang="en-US" sz="2800" i="0" u="none" strike="noStrike" cap="none" dirty="0">
+              <a:rPr lang="en-US" sz="2800" b="1" i="0" u="none" strike="noStrike" cap="none" dirty="0">
                 <a:solidFill>
                   <a:srgbClr val="00FFFF"/>
                 </a:solidFill>
@@ -16295,7 +15976,7 @@
               <a:t>&lt;</a:t>
             </a:r>
             <a:r>
-              <a:rPr lang="en-US" sz="2800" i="0" u="none" strike="noStrike" cap="none" dirty="0">
+              <a:rPr lang="en-US" sz="2800" b="1" i="0" u="none" strike="noStrike" cap="none" dirty="0">
                 <a:solidFill>
                   <a:srgbClr val="FF7F00"/>
                 </a:solidFill>
@@ -16326,7 +16007,7 @@
               <a:buNone/>
             </a:pPr>
             <a:r>
-              <a:rPr lang="en-US" sz="2800" i="0" u="none" strike="noStrike" cap="none" dirty="0">
+              <a:rPr lang="en-US" sz="2800" b="1" i="0" u="none" strike="noStrike" cap="none" dirty="0">
                 <a:solidFill>
                   <a:schemeClr val="lt1"/>
                 </a:solidFill>
@@ -16357,7 +16038,7 @@
               <a:buNone/>
             </a:pPr>
             <a:r>
-              <a:rPr lang="en-US" sz="2800" i="0" u="none" strike="noStrike" cap="none" dirty="0">
+              <a:rPr lang="en-US" sz="2800" b="1" i="0" u="none" strike="noStrike" cap="none" dirty="0">
                 <a:solidFill>
                   <a:schemeClr val="lt1"/>
                 </a:solidFill>
@@ -16369,7 +16050,7 @@
               <a:t>&gt;&gt;&gt; </a:t>
             </a:r>
             <a:r>
-              <a:rPr lang="en-US" sz="2800" i="0" u="none" strike="noStrike" cap="none" dirty="0">
+              <a:rPr lang="en-US" sz="2800" b="1" i="0" u="none" strike="noStrike" cap="none" dirty="0">
                 <a:solidFill>
                   <a:srgbClr val="FF7F00"/>
                 </a:solidFill>
@@ -16381,7 +16062,7 @@
               <a:t>(0, 1, 2000000) </a:t>
             </a:r>
             <a:r>
-              <a:rPr lang="en-US" sz="2800" i="0" u="none" strike="noStrike" cap="none" dirty="0">
+              <a:rPr lang="en-US" sz="2800" b="1" i="0" u="none" strike="noStrike" cap="none" dirty="0">
                 <a:solidFill>
                   <a:srgbClr val="00FFFF"/>
                 </a:solidFill>
@@ -16393,7 +16074,7 @@
               <a:t>&lt;</a:t>
             </a:r>
             <a:r>
-              <a:rPr lang="en-US" sz="2800" i="0" u="none" strike="noStrike" cap="none" dirty="0">
+              <a:rPr lang="en-US" sz="2800" b="1" i="0" u="none" strike="noStrike" cap="none" dirty="0">
                 <a:solidFill>
                   <a:srgbClr val="FF7F00"/>
                 </a:solidFill>
@@ -16424,7 +16105,7 @@
               <a:buNone/>
             </a:pPr>
             <a:r>
-              <a:rPr lang="en-US" sz="2800" i="0" u="none" strike="noStrike" cap="none" dirty="0">
+              <a:rPr lang="en-US" sz="2800" b="1" i="0" u="none" strike="noStrike" cap="none" dirty="0">
                 <a:solidFill>
                   <a:schemeClr val="lt1"/>
                 </a:solidFill>
@@ -16455,7 +16136,7 @@
               <a:buNone/>
             </a:pPr>
             <a:r>
-              <a:rPr lang="en-US" sz="2800" i="0" u="none" strike="noStrike" cap="none" dirty="0">
+              <a:rPr lang="en-US" sz="2800" b="1" i="0" u="none" strike="noStrike" cap="none" dirty="0">
                 <a:solidFill>
                   <a:schemeClr val="lt1"/>
                 </a:solidFill>
@@ -16467,7 +16148,7 @@
               <a:t>&gt;&gt;&gt; </a:t>
             </a:r>
             <a:r>
-              <a:rPr lang="en-US" sz="2800" i="0" u="none" strike="noStrike" cap="none" dirty="0">
+              <a:rPr lang="en-US" sz="2800" b="1" i="0" u="none" strike="noStrike" cap="none" dirty="0">
                 <a:solidFill>
                   <a:srgbClr val="FF7F00"/>
                 </a:solidFill>
@@ -16479,7 +16160,7 @@
               <a:t>( 'Jones', 'Sally' ) </a:t>
             </a:r>
             <a:r>
-              <a:rPr lang="en-US" sz="2800" i="0" u="none" strike="noStrike" cap="none" dirty="0">
+              <a:rPr lang="en-US" sz="2800" b="1" i="0" u="none" strike="noStrike" cap="none" dirty="0">
                 <a:solidFill>
                   <a:srgbClr val="00FFFF"/>
                 </a:solidFill>
@@ -16491,7 +16172,7 @@
               <a:t>&lt;</a:t>
             </a:r>
             <a:r>
-              <a:rPr lang="en-US" sz="2800" i="0" u="none" strike="noStrike" cap="none" dirty="0">
+              <a:rPr lang="en-US" sz="2800" b="1" i="0" u="none" strike="noStrike" cap="none" dirty="0">
                 <a:solidFill>
                   <a:srgbClr val="FF7F00"/>
                 </a:solidFill>
@@ -16522,7 +16203,7 @@
               <a:buNone/>
             </a:pPr>
             <a:r>
-              <a:rPr lang="en-US" sz="2800" i="0" u="none" strike="noStrike" cap="none" dirty="0">
+              <a:rPr lang="en-US" sz="2800" b="1" i="0" u="none" strike="noStrike" cap="none" dirty="0">
                 <a:solidFill>
                   <a:schemeClr val="lt1"/>
                 </a:solidFill>
@@ -16553,7 +16234,7 @@
               <a:buNone/>
             </a:pPr>
             <a:r>
-              <a:rPr lang="en-US" sz="2800" i="0" u="none" strike="noStrike" cap="none" dirty="0">
+              <a:rPr lang="en-US" sz="2800" b="1" i="0" u="none" strike="noStrike" cap="none" dirty="0">
                 <a:solidFill>
                   <a:schemeClr val="lt1"/>
                 </a:solidFill>
@@ -16565,7 +16246,7 @@
               <a:t>&gt;&gt;&gt; </a:t>
             </a:r>
             <a:r>
-              <a:rPr lang="en-US" sz="2800" i="0" u="none" strike="noStrike" cap="none" dirty="0">
+              <a:rPr lang="en-US" sz="2800" b="1" i="0" u="none" strike="noStrike" cap="none" dirty="0">
                 <a:solidFill>
                   <a:srgbClr val="FF7F00"/>
                 </a:solidFill>
@@ -16577,7 +16258,7 @@
               <a:t>( 'Jones', 'Sally') </a:t>
             </a:r>
             <a:r>
-              <a:rPr lang="en-US" sz="2800" i="0" u="none" strike="noStrike" cap="none" dirty="0">
+              <a:rPr lang="en-US" sz="2800" b="1" i="0" u="none" strike="noStrike" cap="none" dirty="0">
                 <a:solidFill>
                   <a:srgbClr val="00FFFF"/>
                 </a:solidFill>
@@ -16589,7 +16270,7 @@
               <a:t>&gt;</a:t>
             </a:r>
             <a:r>
-              <a:rPr lang="en-US" sz="2800" i="0" u="none" strike="noStrike" cap="none" dirty="0">
+              <a:rPr lang="en-US" sz="2800" b="1" i="0" u="none" strike="noStrike" cap="none" dirty="0">
                 <a:solidFill>
                   <a:srgbClr val="FF7F00"/>
                 </a:solidFill>
@@ -16620,7 +16301,7 @@
               <a:buNone/>
             </a:pPr>
             <a:r>
-              <a:rPr lang="en-US" sz="2800" i="0" u="none" strike="noStrike" cap="none" dirty="0">
+              <a:rPr lang="en-US" sz="2800" b="1" i="0" u="none" strike="noStrike" cap="none" dirty="0">
                 <a:solidFill>
                   <a:schemeClr val="lt1"/>
                 </a:solidFill>
@@ -16639,13 +16320,6 @@
   <p:clrMapOvr>
     <a:masterClrMapping/>
   </p:clrMapOvr>
-  <p:timing>
-    <p:tnLst>
-      <p:par>
-        <p:cTn id="1" dur="indefinite" restart="never" nodeType="tmRoot"/>
-      </p:par>
-    </p:tnLst>
-  </p:timing>
 </p:sld>
 </file>
 

--- a/lectures3/Pythonlearn-10-Tuples.pptx
+++ b/lectures3/Pythonlearn-10-Tuples.pptx
@@ -5317,7 +5317,7 @@
                 <a:cs typeface="Courier"/>
                 <a:sym typeface="Courier New"/>
               </a:rPr>
-              <a:t> = {'a':10, 'b':1, 'c':22}</a:t>
+              <a:t> = {'a':10, 'c':22, 'b':1}</a:t>
             </a:r>
           </a:p>
           <a:p>
@@ -5956,7 +5956,7 @@
                 <a:cs typeface="Courier"/>
                 <a:sym typeface="Courier New"/>
               </a:rPr>
-              <a:t> = {'a':10, 'b':1, 'c':22}</a:t>
+              <a:t> = {'a':10 , 'c':22, 'b':1}</a:t>
             </a:r>
           </a:p>
           <a:p>
@@ -6937,7 +6937,7 @@
                 <a:cs typeface="Courier"/>
                 <a:sym typeface="Courier New"/>
               </a:rPr>
-              <a:t> = {'a':10, 'b':1, 'c':22}</a:t>
+              <a:t> = {'a':10, 'c':22, 'b':1}</a:t>
             </a:r>
           </a:p>
           <a:p>
@@ -7340,7 +7340,7 @@
                 <a:cs typeface="Courier"/>
                 <a:sym typeface="Courier New"/>
               </a:rPr>
-              <a:t>[(10, 'a'), (1, 'b'), (22, 'c')]</a:t>
+              <a:t>[(10, 'a') , (22, 'c'), (1, 'b')]</a:t>
             </a:r>
           </a:p>
           <a:p>

--- a/lectures3/Pythonlearn-10-Tuples.pptx
+++ b/lectures3/Pythonlearn-10-Tuples.pptx
@@ -5956,7 +5956,7 @@
                 <a:cs typeface="Courier"/>
                 <a:sym typeface="Courier New"/>
               </a:rPr>
-              <a:t> = {'a':10 , 'c':22, 'b':1}</a:t>
+              <a:t> = {'a':10 , 'b':1, 'c':22}</a:t>
             </a:r>
           </a:p>
           <a:p>
@@ -6937,7 +6937,7 @@
                 <a:cs typeface="Courier"/>
                 <a:sym typeface="Courier New"/>
               </a:rPr>
-              <a:t> = {'a':10, 'c':22, 'b':1}</a:t>
+              <a:t> = {'a':10, 'b':1, 'c':22}</a:t>
             </a:r>
           </a:p>
           <a:p>
@@ -7340,7 +7340,7 @@
                 <a:cs typeface="Courier"/>
                 <a:sym typeface="Courier New"/>
               </a:rPr>
-              <a:t>[(10, 'a') , (22, 'c'), (1, 'b')]</a:t>
+              <a:t>[(10, 'a') , (1, 'b'), (22, 'c')]</a:t>
             </a:r>
           </a:p>
           <a:p>
